--- a/lectures/Lect03_MultLinRegression.pptx
+++ b/lectures/Lect03_MultLinRegression.pptx
@@ -1,11 +1,11 @@
 
 <file path=ppt/presentation.xml><?xml version="1.0" encoding="utf-8"?>
-<p:presentation xmlns:a="http://schemas.openxmlformats.org/drawingml/2006/main" xmlns:r="http://schemas.openxmlformats.org/officeDocument/2006/relationships" xmlns:p="http://schemas.openxmlformats.org/presentationml/2006/main" autoCompressPictures="0">
+<p:presentation xmlns:a="http://schemas.openxmlformats.org/drawingml/2006/main" xmlns:r="http://schemas.openxmlformats.org/officeDocument/2006/relationships" xmlns:p="http://schemas.openxmlformats.org/presentationml/2006/main" saveSubsetFonts="1" autoCompressPictures="0">
   <p:sldMasterIdLst>
     <p:sldMasterId id="2147483648" r:id="rId1"/>
   </p:sldMasterIdLst>
   <p:notesMasterIdLst>
-    <p:notesMasterId r:id="rId42"/>
+    <p:notesMasterId r:id="rId45"/>
   </p:notesMasterIdLst>
   <p:sldIdLst>
     <p:sldId id="258" r:id="rId2"/>
@@ -32,22 +32,25 @@
     <p:sldId id="319" r:id="rId23"/>
     <p:sldId id="352" r:id="rId24"/>
     <p:sldId id="355" r:id="rId25"/>
-    <p:sldId id="321" r:id="rId26"/>
-    <p:sldId id="348" r:id="rId27"/>
-    <p:sldId id="325" r:id="rId28"/>
-    <p:sldId id="326" r:id="rId29"/>
+    <p:sldId id="356" r:id="rId26"/>
+    <p:sldId id="321" r:id="rId27"/>
+    <p:sldId id="348" r:id="rId28"/>
+    <p:sldId id="325" r:id="rId29"/>
     <p:sldId id="349" r:id="rId30"/>
-    <p:sldId id="350" r:id="rId31"/>
-    <p:sldId id="340" r:id="rId32"/>
-    <p:sldId id="338" r:id="rId33"/>
-    <p:sldId id="341" r:id="rId34"/>
-    <p:sldId id="351" r:id="rId35"/>
-    <p:sldId id="337" r:id="rId36"/>
-    <p:sldId id="327" r:id="rId37"/>
-    <p:sldId id="328" r:id="rId38"/>
-    <p:sldId id="329" r:id="rId39"/>
-    <p:sldId id="330" r:id="rId40"/>
-    <p:sldId id="331" r:id="rId41"/>
+    <p:sldId id="326" r:id="rId31"/>
+    <p:sldId id="350" r:id="rId32"/>
+    <p:sldId id="340" r:id="rId33"/>
+    <p:sldId id="338" r:id="rId34"/>
+    <p:sldId id="341" r:id="rId35"/>
+    <p:sldId id="351" r:id="rId36"/>
+    <p:sldId id="337" r:id="rId37"/>
+    <p:sldId id="357" r:id="rId38"/>
+    <p:sldId id="327" r:id="rId39"/>
+    <p:sldId id="328" r:id="rId40"/>
+    <p:sldId id="329" r:id="rId41"/>
+    <p:sldId id="330" r:id="rId42"/>
+    <p:sldId id="331" r:id="rId43"/>
+    <p:sldId id="358" r:id="rId44"/>
   </p:sldIdLst>
   <p:sldSz cx="12192000" cy="6858000"/>
   <p:notesSz cx="7315200" cy="9601200"/>
@@ -165,10 +168,6 @@
 </p:presentation>
 </file>
 
-<file path=ppt/revisionInfo.xml><?xml version="1.0" encoding="utf-8"?>
-<p1510:revInfo xmlns:a="http://schemas.openxmlformats.org/drawingml/2006/main" xmlns:r="http://schemas.openxmlformats.org/officeDocument/2006/relationships" xmlns:p1510="http://schemas.microsoft.com/office/powerpoint/2015/10/main"/>
-</file>
-
 <file path=ppt/notesMasters/notesMaster1.xml><?xml version="1.0" encoding="utf-8"?>
 <p:notesMaster xmlns:a="http://schemas.openxmlformats.org/drawingml/2006/main" xmlns:r="http://schemas.openxmlformats.org/officeDocument/2006/relationships" xmlns:p="http://schemas.openxmlformats.org/presentationml/2006/main">
   <p:cSld>
@@ -251,7 +250,7 @@
           <a:p>
             <a:fld id="{B7D6DDD3-D7E9-488B-B626-1E8285E424D8}" type="datetimeFigureOut">
               <a:rPr lang="en-US" smtClean="0"/>
-              <a:t>9/15/2017</a:t>
+              <a:t>1/28/18</a:t>
             </a:fld>
             <a:endParaRPr lang="en-US"/>
           </a:p>
@@ -4062,7 +4061,9 @@
         </p:nvSpPr>
         <p:spPr/>
         <p:txBody>
-          <a:bodyPr/>
+          <a:bodyPr>
+            <a:normAutofit fontScale="85000" lnSpcReduction="20000"/>
+          </a:bodyPr>
           <a:lstStyle/>
           <a:p>
             <a:r>
@@ -4081,7 +4082,29 @@
           <a:p>
             <a:r>
               <a:rPr lang="en-US" dirty="0"/>
-              <a:t>Prof. Sundeep rangan</a:t>
+              <a:t>Prof. </a:t>
+            </a:r>
+            <a:r>
+              <a:rPr lang="en-US" dirty="0" err="1"/>
+              <a:t>Sundeep</a:t>
+            </a:r>
+            <a:r>
+              <a:rPr lang="en-US" dirty="0"/>
+              <a:t> </a:t>
+            </a:r>
+            <a:r>
+              <a:rPr lang="en-US" dirty="0" err="1"/>
+              <a:t>rangan</a:t>
+            </a:r>
+            <a:r>
+              <a:rPr lang="en-US" dirty="0"/>
+              <a:t> </a:t>
+            </a:r>
+          </a:p>
+          <a:p>
+            <a:r>
+              <a:rPr lang="en-US" dirty="0"/>
+              <a:t>(with modification by Yao Wang)</a:t>
             </a:r>
           </a:p>
         </p:txBody>
@@ -4335,8 +4358,8 @@
           </a:p>
         </p:txBody>
       </p:sp>
-      <mc:AlternateContent xmlns:mc="http://schemas.openxmlformats.org/markup-compatibility/2006" xmlns:a14="http://schemas.microsoft.com/office/drawing/2010/main">
-        <mc:Choice Requires="a14">
+      <mc:AlternateContent xmlns:mc="http://schemas.openxmlformats.org/markup-compatibility/2006">
+        <mc:Choice xmlns:a14="http://schemas.microsoft.com/office/drawing/2010/main" Requires="a14">
           <p:sp>
             <p:nvSpPr>
               <p:cNvPr id="3" name="Content Placeholder 2"/>
@@ -4354,7 +4377,7 @@
               <a:p>
                 <a:r>
                   <a:rPr lang="en-US" dirty="0"/>
-                  <a:t>Vector of </a:t>
+                  <a:t>Vector of</a:t>
                 </a:r>
                 <a:r>
                   <a:rPr lang="en-US" dirty="0">
@@ -4365,7 +4388,7 @@
                       </a:schemeClr>
                     </a:solidFill>
                   </a:rPr>
-                  <a:t>predictors</a:t>
+                  <a:t> features</a:t>
                 </a:r>
                 <a:r>
                   <a:rPr lang="en-US" dirty="0"/>
@@ -4373,17 +4396,42 @@
                 </a:r>
                 <a14:m>
                   <m:oMath xmlns:m="http://schemas.openxmlformats.org/officeDocument/2006/math">
-                    <m:r>
-                      <a:rPr lang="en-US" b="1" i="1" smtClean="0">
-                        <a:latin typeface="Cambria Math" panose="02040503050406030204" pitchFamily="18" charset="0"/>
-                      </a:rPr>
-                      <m:t>𝒙</m:t>
-                    </m:r>
+                    <m:sSup>
+                      <m:sSupPr>
+                        <m:ctrlPr>
+                          <a:rPr lang="en-US" b="1" i="1" smtClean="0">
+                            <a:latin typeface="Cambria Math" panose="02040503050406030204" pitchFamily="18" charset="0"/>
+                          </a:rPr>
+                        </m:ctrlPr>
+                      </m:sSupPr>
+                      <m:e>
+                        <m:r>
+                          <a:rPr lang="en-US" b="1" i="1">
+                            <a:latin typeface="Cambria Math" panose="02040503050406030204" pitchFamily="18" charset="0"/>
+                          </a:rPr>
+                          <m:t>𝒙</m:t>
+                        </m:r>
+                      </m:e>
+                      <m:sup>
+                        <m:r>
+                          <a:rPr lang="en-US" b="1" i="1" smtClean="0">
+                            <a:latin typeface="Cambria Math" panose="02040503050406030204" pitchFamily="18" charset="0"/>
+                          </a:rPr>
+                          <m:t>𝑻</m:t>
+                        </m:r>
+                      </m:sup>
+                    </m:sSup>
                     <m:r>
                       <a:rPr lang="en-US" i="1">
                         <a:latin typeface="Cambria Math" panose="02040503050406030204" pitchFamily="18" charset="0"/>
                       </a:rPr>
-                      <m:t>=(</m:t>
+                      <m:t>=</m:t>
+                    </m:r>
+                    <m:r>
+                      <a:rPr lang="en-US" b="0" i="1" smtClean="0">
+                        <a:latin typeface="Cambria Math" panose="02040503050406030204" pitchFamily="18" charset="0"/>
+                      </a:rPr>
+                      <m:t>[</m:t>
                     </m:r>
                     <m:sSub>
                       <m:sSubPr>
@@ -4442,10 +4490,10 @@
                       </m:sub>
                     </m:sSub>
                     <m:r>
-                      <a:rPr lang="en-US" i="1">
-                        <a:latin typeface="Cambria Math" panose="02040503050406030204" pitchFamily="18" charset="0"/>
-                      </a:rPr>
-                      <m:t>)</m:t>
+                      <a:rPr lang="en-US" b="0" i="1" smtClean="0">
+                        <a:latin typeface="Cambria Math" panose="02040503050406030204" pitchFamily="18" charset="0"/>
+                      </a:rPr>
+                      <m:t>]</m:t>
                     </m:r>
                   </m:oMath>
                 </a14:m>
@@ -4465,7 +4513,7 @@
                 </a14:m>
                 <a:r>
                   <a:rPr lang="en-US" dirty="0"/>
-                  <a:t> predictors / independent variable attributes</a:t>
+                  <a:t> features (also known as predictors or independent variable attributes)</a:t>
                 </a:r>
               </a:p>
               <a:p>
@@ -4837,17 +4885,75 @@
                 </a14:m>
                 <a:r>
                   <a:rPr lang="en-US" dirty="0"/>
-                  <a:t>. </a:t>
+                  <a:t>, </a:t>
+                </a:r>
+                <a:r>
+                  <a:rPr lang="en-US" dirty="0" err="1"/>
+                  <a:t>i</a:t>
+                </a:r>
+                <a:r>
+                  <a:rPr lang="en-US" dirty="0"/>
+                  <a:t>=1,2,…,n. </a:t>
                 </a:r>
               </a:p>
               <a:p>
                 <a:pPr lvl="1"/>
                 <a:r>
                   <a:rPr lang="en-US" dirty="0"/>
-                  <a:t>Each sample has a vector of predictors:  </a:t>
+                  <a:t>Each sample has a vector of features:  </a:t>
                 </a:r>
                 <a14:m>
                   <m:oMath xmlns:m="http://schemas.openxmlformats.org/officeDocument/2006/math">
+                    <m:sSup>
+                      <m:sSupPr>
+                        <m:ctrlPr>
+                          <a:rPr lang="en-US" b="1" i="1">
+                            <a:latin typeface="Cambria Math" panose="02040503050406030204" pitchFamily="18" charset="0"/>
+                          </a:rPr>
+                        </m:ctrlPr>
+                      </m:sSupPr>
+                      <m:e>
+                        <m:sSub>
+                          <m:sSubPr>
+                            <m:ctrlPr>
+                              <a:rPr lang="en-US" i="1">
+                                <a:latin typeface="Cambria Math" panose="02040503050406030204" pitchFamily="18" charset="0"/>
+                              </a:rPr>
+                            </m:ctrlPr>
+                          </m:sSubPr>
+                          <m:e>
+                            <m:r>
+                              <a:rPr lang="en-US" b="1" i="1">
+                                <a:latin typeface="Cambria Math" panose="02040503050406030204" pitchFamily="18" charset="0"/>
+                              </a:rPr>
+                              <m:t>𝒙</m:t>
+                            </m:r>
+                          </m:e>
+                          <m:sub>
+                            <m:r>
+                              <a:rPr lang="en-US" i="1">
+                                <a:latin typeface="Cambria Math" panose="02040503050406030204" pitchFamily="18" charset="0"/>
+                              </a:rPr>
+                              <m:t>𝑖</m:t>
+                            </m:r>
+                          </m:sub>
+                        </m:sSub>
+                      </m:e>
+                      <m:sup>
+                        <m:r>
+                          <a:rPr lang="en-US" b="1" i="1">
+                            <a:latin typeface="Cambria Math" panose="02040503050406030204" pitchFamily="18" charset="0"/>
+                          </a:rPr>
+                          <m:t>𝑻</m:t>
+                        </m:r>
+                      </m:sup>
+                    </m:sSup>
+                    <m:r>
+                      <a:rPr lang="en-US" b="0" i="1" smtClean="0">
+                        <a:latin typeface="Cambria Math" panose="02040503050406030204" pitchFamily="18" charset="0"/>
+                      </a:rPr>
+                      <m:t>=[</m:t>
+                    </m:r>
                     <m:sSub>
                       <m:sSubPr>
                         <m:ctrlPr>
@@ -4858,10 +4964,10 @@
                       </m:sSubPr>
                       <m:e>
                         <m:r>
-                          <a:rPr lang="en-US" b="1" i="1" smtClean="0">
-                            <a:latin typeface="Cambria Math" panose="02040503050406030204" pitchFamily="18" charset="0"/>
-                          </a:rPr>
-                          <m:t>𝒙</m:t>
+                          <a:rPr lang="en-US" b="0" i="1" smtClean="0">
+                            <a:latin typeface="Cambria Math" panose="02040503050406030204" pitchFamily="18" charset="0"/>
+                          </a:rPr>
+                          <m:t>𝑥</m:t>
                         </m:r>
                       </m:e>
                       <m:sub>
@@ -4871,13 +4977,19 @@
                           </a:rPr>
                           <m:t>𝑖</m:t>
                         </m:r>
+                        <m:r>
+                          <a:rPr lang="en-US" b="0" i="1" smtClean="0">
+                            <a:latin typeface="Cambria Math" panose="02040503050406030204" pitchFamily="18" charset="0"/>
+                          </a:rPr>
+                          <m:t>1</m:t>
+                        </m:r>
                       </m:sub>
                     </m:sSub>
                     <m:r>
                       <a:rPr lang="en-US" b="0" i="1" smtClean="0">
                         <a:latin typeface="Cambria Math" panose="02040503050406030204" pitchFamily="18" charset="0"/>
                       </a:rPr>
-                      <m:t>=(</m:t>
+                      <m:t>,…,</m:t>
                     </m:r>
                     <m:sSub>
                       <m:sSubPr>
@@ -4900,13 +5012,7 @@
                           <a:rPr lang="en-US" b="0" i="1" smtClean="0">
                             <a:latin typeface="Cambria Math" panose="02040503050406030204" pitchFamily="18" charset="0"/>
                           </a:rPr>
-                          <m:t>𝑖</m:t>
-                        </m:r>
-                        <m:r>
-                          <a:rPr lang="en-US" b="0" i="1" smtClean="0">
-                            <a:latin typeface="Cambria Math" panose="02040503050406030204" pitchFamily="18" charset="0"/>
-                          </a:rPr>
-                          <m:t>1</m:t>
+                          <m:t>𝑖𝑘</m:t>
                         </m:r>
                       </m:sub>
                     </m:sSub>
@@ -4914,38 +5020,7 @@
                       <a:rPr lang="en-US" b="0" i="1" smtClean="0">
                         <a:latin typeface="Cambria Math" panose="02040503050406030204" pitchFamily="18" charset="0"/>
                       </a:rPr>
-                      <m:t>,…,</m:t>
-                    </m:r>
-                    <m:sSub>
-                      <m:sSubPr>
-                        <m:ctrlPr>
-                          <a:rPr lang="en-US" b="0" i="1" smtClean="0">
-                            <a:latin typeface="Cambria Math" panose="02040503050406030204" pitchFamily="18" charset="0"/>
-                          </a:rPr>
-                        </m:ctrlPr>
-                      </m:sSubPr>
-                      <m:e>
-                        <m:r>
-                          <a:rPr lang="en-US" b="0" i="1" smtClean="0">
-                            <a:latin typeface="Cambria Math" panose="02040503050406030204" pitchFamily="18" charset="0"/>
-                          </a:rPr>
-                          <m:t>𝑥</m:t>
-                        </m:r>
-                      </m:e>
-                      <m:sub>
-                        <m:r>
-                          <a:rPr lang="en-US" b="0" i="1" smtClean="0">
-                            <a:latin typeface="Cambria Math" panose="02040503050406030204" pitchFamily="18" charset="0"/>
-                          </a:rPr>
-                          <m:t>𝑖𝑘</m:t>
-                        </m:r>
-                      </m:sub>
-                    </m:sSub>
-                    <m:r>
-                      <a:rPr lang="en-US" b="0" i="1" smtClean="0">
-                        <a:latin typeface="Cambria Math" panose="02040503050406030204" pitchFamily="18" charset="0"/>
-                      </a:rPr>
-                      <m:t>)</m:t>
+                      <m:t>]</m:t>
                     </m:r>
                   </m:oMath>
                 </a14:m>
@@ -4985,12 +5060,207 @@
                 <a:endParaRPr lang="en-US" dirty="0"/>
               </a:p>
               <a:p>
+                <a:pPr lvl="1"/>
+                <a:r>
+                  <a:rPr lang="en-US" dirty="0">
+                    <a:solidFill>
+                      <a:srgbClr val="FF0000"/>
+                    </a:solidFill>
+                  </a:rPr>
+                  <a:t>How to learn the best coefficients </a:t>
+                </a:r>
+                <a14:m>
+                  <m:oMath xmlns:m="http://schemas.openxmlformats.org/officeDocument/2006/math">
+                    <m:sSub>
+                      <m:sSubPr>
+                        <m:ctrlPr>
+                          <a:rPr lang="en-US" i="1">
+                            <a:solidFill>
+                              <a:srgbClr val="FF0000"/>
+                            </a:solidFill>
+                            <a:latin typeface="Cambria Math" panose="02040503050406030204" pitchFamily="18" charset="0"/>
+                          </a:rPr>
+                        </m:ctrlPr>
+                      </m:sSubPr>
+                      <m:e>
+                        <m:sSub>
+                          <m:sSubPr>
+                            <m:ctrlPr>
+                              <a:rPr lang="en-US" i="1" smtClean="0">
+                                <a:solidFill>
+                                  <a:srgbClr val="FF0000"/>
+                                </a:solidFill>
+                                <a:latin typeface="Cambria Math" panose="02040503050406030204" pitchFamily="18" charset="0"/>
+                              </a:rPr>
+                            </m:ctrlPr>
+                          </m:sSubPr>
+                          <m:e>
+                            <m:sSup>
+                              <m:sSupPr>
+                                <m:ctrlPr>
+                                  <a:rPr lang="en-US" i="1" smtClean="0">
+                                    <a:solidFill>
+                                      <a:srgbClr val="FF0000"/>
+                                    </a:solidFill>
+                                    <a:latin typeface="Cambria Math" panose="02040503050406030204" pitchFamily="18" charset="0"/>
+                                  </a:rPr>
+                                </m:ctrlPr>
+                              </m:sSupPr>
+                              <m:e>
+                                <m:r>
+                                  <a:rPr lang="en-US" b="1" i="1">
+                                    <a:solidFill>
+                                      <a:srgbClr val="FF0000"/>
+                                    </a:solidFill>
+                                    <a:latin typeface="Cambria Math" panose="02040503050406030204" pitchFamily="18" charset="0"/>
+                                  </a:rPr>
+                                  <m:t>𝜷</m:t>
+                                </m:r>
+                              </m:e>
+                              <m:sup>
+                                <m:r>
+                                  <a:rPr lang="en-US" b="0" i="1" smtClean="0">
+                                    <a:solidFill>
+                                      <a:srgbClr val="FF0000"/>
+                                    </a:solidFill>
+                                    <a:latin typeface="Cambria Math" panose="02040503050406030204" pitchFamily="18" charset="0"/>
+                                  </a:rPr>
+                                  <m:t>𝑇</m:t>
+                                </m:r>
+                              </m:sup>
+                            </m:sSup>
+                            <m:r>
+                              <a:rPr lang="en-US" i="1">
+                                <a:solidFill>
+                                  <a:srgbClr val="FF0000"/>
+                                </a:solidFill>
+                                <a:latin typeface="Cambria Math" panose="02040503050406030204" pitchFamily="18" charset="0"/>
+                              </a:rPr>
+                              <m:t>=[</m:t>
+                            </m:r>
+                            <m:r>
+                              <a:rPr lang="en-US" i="1">
+                                <a:solidFill>
+                                  <a:srgbClr val="FF0000"/>
+                                </a:solidFill>
+                                <a:latin typeface="Cambria Math" panose="02040503050406030204" pitchFamily="18" charset="0"/>
+                              </a:rPr>
+                              <m:t>𝛽</m:t>
+                            </m:r>
+                          </m:e>
+                          <m:sub>
+                            <m:r>
+                              <a:rPr lang="en-US" i="1">
+                                <a:solidFill>
+                                  <a:srgbClr val="FF0000"/>
+                                </a:solidFill>
+                                <a:latin typeface="Cambria Math" panose="02040503050406030204" pitchFamily="18" charset="0"/>
+                              </a:rPr>
+                              <m:t>0</m:t>
+                            </m:r>
+                          </m:sub>
+                        </m:sSub>
+                        <m:r>
+                          <a:rPr lang="en-US" b="0" i="1" smtClean="0">
+                            <a:solidFill>
+                              <a:srgbClr val="FF0000"/>
+                            </a:solidFill>
+                            <a:latin typeface="Cambria Math" panose="02040503050406030204" pitchFamily="18" charset="0"/>
+                          </a:rPr>
+                          <m:t> , </m:t>
+                        </m:r>
+                        <m:r>
+                          <a:rPr lang="en-US" i="1">
+                            <a:solidFill>
+                              <a:srgbClr val="FF0000"/>
+                            </a:solidFill>
+                            <a:latin typeface="Cambria Math" panose="02040503050406030204" pitchFamily="18" charset="0"/>
+                          </a:rPr>
+                          <m:t>𝛽</m:t>
+                        </m:r>
+                      </m:e>
+                      <m:sub>
+                        <m:r>
+                          <a:rPr lang="en-US" i="1">
+                            <a:solidFill>
+                              <a:srgbClr val="FF0000"/>
+                            </a:solidFill>
+                            <a:latin typeface="Cambria Math" panose="02040503050406030204" pitchFamily="18" charset="0"/>
+                          </a:rPr>
+                          <m:t>1</m:t>
+                        </m:r>
+                      </m:sub>
+                    </m:sSub>
+                    <m:r>
+                      <a:rPr lang="en-US" b="0" i="1" smtClean="0">
+                        <a:solidFill>
+                          <a:srgbClr val="FF0000"/>
+                        </a:solidFill>
+                        <a:latin typeface="Cambria Math" panose="02040503050406030204" pitchFamily="18" charset="0"/>
+                      </a:rPr>
+                      <m:t>,…,</m:t>
+                    </m:r>
+                    <m:sSub>
+                      <m:sSubPr>
+                        <m:ctrlPr>
+                          <a:rPr lang="en-US" i="1">
+                            <a:solidFill>
+                              <a:srgbClr val="FF0000"/>
+                            </a:solidFill>
+                            <a:latin typeface="Cambria Math" panose="02040503050406030204" pitchFamily="18" charset="0"/>
+                          </a:rPr>
+                        </m:ctrlPr>
+                      </m:sSubPr>
+                      <m:e>
+                        <m:r>
+                          <a:rPr lang="en-US" i="1">
+                            <a:solidFill>
+                              <a:srgbClr val="FF0000"/>
+                            </a:solidFill>
+                            <a:latin typeface="Cambria Math" panose="02040503050406030204" pitchFamily="18" charset="0"/>
+                          </a:rPr>
+                          <m:t>𝛽</m:t>
+                        </m:r>
+                      </m:e>
+                      <m:sub>
+                        <m:r>
+                          <a:rPr lang="en-US" i="1">
+                            <a:solidFill>
+                              <a:srgbClr val="FF0000"/>
+                            </a:solidFill>
+                            <a:latin typeface="Cambria Math" panose="02040503050406030204" pitchFamily="18" charset="0"/>
+                          </a:rPr>
+                          <m:t>𝑘</m:t>
+                        </m:r>
+                      </m:sub>
+                    </m:sSub>
+                    <m:r>
+                      <a:rPr lang="en-US" b="0" i="1" smtClean="0">
+                        <a:solidFill>
+                          <a:srgbClr val="FF0000"/>
+                        </a:solidFill>
+                        <a:latin typeface="Cambria Math" panose="02040503050406030204" pitchFamily="18" charset="0"/>
+                      </a:rPr>
+                      <m:t>]</m:t>
+                    </m:r>
+                  </m:oMath>
+                </a14:m>
+                <a:r>
+                  <a:rPr lang="en-US" dirty="0">
+                    <a:solidFill>
+                      <a:srgbClr val="FF0000"/>
+                    </a:solidFill>
+                  </a:rPr>
+                  <a:t> from the training data?</a:t>
+                </a:r>
+              </a:p>
+              <a:p>
                 <a:endParaRPr lang="en-US" dirty="0"/>
               </a:p>
             </p:txBody>
           </p:sp>
         </mc:Choice>
-        <mc:Fallback xmlns="">
+        <mc:Fallback>
           <p:sp>
             <p:nvSpPr>
               <p:cNvPr id="3" name="Content Placeholder 2"/>
@@ -5005,7 +5275,7 @@
               <a:blipFill>
                 <a:blip r:embed="rId2"/>
                 <a:stretch>
-                  <a:fillRect l="-1455" t="-1549"/>
+                  <a:fillRect l="-1261" t="-1170"/>
                 </a:stretch>
               </a:blipFill>
             </p:spPr>
@@ -5113,7 +5383,9 @@
             </p:nvSpPr>
             <p:spPr/>
             <p:txBody>
-              <a:bodyPr/>
+              <a:bodyPr>
+                <a:normAutofit lnSpcReduction="10000"/>
+              </a:bodyPr>
               <a:lstStyle/>
               <a:p>
                 <a:r>
@@ -5765,10 +6037,17 @@
               <a:p>
                 <a:r>
                   <a:rPr lang="en-US" dirty="0"/>
-                  <a:t>Gaussian random variables </a:t>
+                  <a:t>Gaussian random variables: </a:t>
                 </a:r>
               </a:p>
               <a:p>
+                <a:pPr lvl="1"/>
+                <a:r>
+                  <a:rPr lang="en-US" dirty="0"/>
+                  <a:t>If two variables are jointly Gaussian, the optimal predictor of one from the other is linear predictor </a:t>
+                </a:r>
+              </a:p>
+              <a:p>
                 <a:r>
                   <a:rPr lang="en-US" dirty="0"/>
                   <a:t>Simple to compute</a:t>
@@ -5778,6 +6057,52 @@
                 <a:r>
                   <a:rPr lang="en-US" dirty="0"/>
                   <a:t>Easy to interpret relation</a:t>
+                </a:r>
+              </a:p>
+              <a:p>
+                <a:pPr lvl="1"/>
+                <a:r>
+                  <a:rPr lang="en-US" dirty="0"/>
+                  <a:t>Coefficient</a:t>
+                </a:r>
+                <a14:m>
+                  <m:oMath xmlns:m="http://schemas.openxmlformats.org/officeDocument/2006/math">
+                    <m:sSub>
+                      <m:sSubPr>
+                        <m:ctrlPr>
+                          <a:rPr lang="en-US" i="1">
+                            <a:latin typeface="Cambria Math" panose="02040503050406030204" pitchFamily="18" charset="0"/>
+                          </a:rPr>
+                        </m:ctrlPr>
+                      </m:sSubPr>
+                      <m:e>
+                        <m:r>
+                          <a:rPr lang="en-US" b="0" i="1" smtClean="0">
+                            <a:latin typeface="Cambria Math" panose="02040503050406030204" pitchFamily="18" charset="0"/>
+                          </a:rPr>
+                          <m:t> </m:t>
+                        </m:r>
+                        <m:r>
+                          <a:rPr lang="en-US" i="1">
+                            <a:latin typeface="Cambria Math" panose="02040503050406030204" pitchFamily="18" charset="0"/>
+                          </a:rPr>
+                          <m:t>𝛽</m:t>
+                        </m:r>
+                      </m:e>
+                      <m:sub>
+                        <m:r>
+                          <a:rPr lang="en-US" b="0" i="1" smtClean="0">
+                            <a:latin typeface="Cambria Math" panose="02040503050406030204" pitchFamily="18" charset="0"/>
+                          </a:rPr>
+                          <m:t>𝑗</m:t>
+                        </m:r>
+                      </m:sub>
+                    </m:sSub>
+                  </m:oMath>
+                </a14:m>
+                <a:r>
+                  <a:rPr lang="en-US" dirty="0"/>
+                  <a:t> indicates the importance of feature j for the target.</a:t>
                 </a:r>
               </a:p>
             </p:txBody>
@@ -5798,7 +6123,7 @@
               <a:blipFill>
                 <a:blip r:embed="rId2"/>
                 <a:stretch>
-                  <a:fillRect l="-1455" t="-1549"/>
+                  <a:fillRect l="-1261" t="-2047" b="-585"/>
                 </a:stretch>
               </a:blipFill>
             </p:spPr>
@@ -6713,7 +7038,19 @@
                 </a:r>
                 <a:r>
                   <a:rPr lang="en-US" dirty="0"/>
-                  <a:t>and regression vector:</a:t>
+                  <a:t>and </a:t>
+                </a:r>
+                <a:r>
+                  <a:rPr lang="en-US" dirty="0">
+                    <a:solidFill>
+                      <a:srgbClr val="FF0000"/>
+                    </a:solidFill>
+                  </a:rPr>
+                  <a:t>regression vector</a:t>
+                </a:r>
+                <a:r>
+                  <a:rPr lang="en-US" dirty="0"/>
+                  <a:t>:</a:t>
                 </a:r>
                 <a:br>
                   <a:rPr lang="en-US" dirty="0"/>
@@ -7037,10 +7374,10 @@
                       <m:t>,  </m:t>
                     </m:r>
                     <m:r>
-                      <a:rPr lang="en-US" b="0" i="1" smtClean="0">
-                        <a:latin typeface="Cambria Math" panose="02040503050406030204" pitchFamily="18" charset="0"/>
-                      </a:rPr>
-                      <m:t>𝛽</m:t>
+                      <a:rPr lang="en-US" b="1" i="1" smtClean="0">
+                        <a:latin typeface="Cambria Math" panose="02040503050406030204" pitchFamily="18" charset="0"/>
+                      </a:rPr>
+                      <m:t>𝜷</m:t>
                     </m:r>
                     <m:r>
                       <a:rPr lang="en-US" b="0" i="1" smtClean="0">
@@ -7210,7 +7547,7 @@
               <a:p>
                 <a:r>
                   <a:rPr lang="en-US" dirty="0"/>
-                  <a:t>Then, predicted value is:  </a:t>
+                  <a:t>Then, predicted vector for all training samples is:  </a:t>
                 </a:r>
                 <a14:m>
                   <m:oMath xmlns:m="http://schemas.openxmlformats.org/officeDocument/2006/math">
@@ -7218,17 +7555,17 @@
                       <m:accPr>
                         <m:chr m:val="̂"/>
                         <m:ctrlPr>
-                          <a:rPr lang="en-US" i="1" smtClean="0">
+                          <a:rPr lang="en-US" b="1" i="1" smtClean="0">
                             <a:latin typeface="Cambria Math" panose="02040503050406030204" pitchFamily="18" charset="0"/>
                           </a:rPr>
                         </m:ctrlPr>
                       </m:accPr>
                       <m:e>
                         <m:r>
-                          <a:rPr lang="en-US" b="0" i="1" smtClean="0">
-                            <a:latin typeface="Cambria Math" panose="02040503050406030204" pitchFamily="18" charset="0"/>
-                          </a:rPr>
-                          <m:t>𝑦</m:t>
+                          <a:rPr lang="en-US" b="1" i="1" smtClean="0">
+                            <a:latin typeface="Cambria Math" panose="02040503050406030204" pitchFamily="18" charset="0"/>
+                          </a:rPr>
+                          <m:t>𝒚</m:t>
                         </m:r>
                       </m:e>
                     </m:acc>
@@ -7248,10 +7585,132 @@
                       <a:rPr lang="en-US" b="0" i="1" smtClean="0">
                         <a:latin typeface="Cambria Math" panose="02040503050406030204" pitchFamily="18" charset="0"/>
                       </a:rPr>
-                      <m:t>𝛽</m:t>
+                      <m:t> </m:t>
+                    </m:r>
+                    <m:r>
+                      <a:rPr lang="en-US" b="1" i="1" smtClean="0">
+                        <a:latin typeface="Cambria Math" panose="02040503050406030204" pitchFamily="18" charset="0"/>
+                      </a:rPr>
+                      <m:t>𝜷</m:t>
                     </m:r>
                   </m:oMath>
                 </a14:m>
+                <a:endParaRPr lang="en-US" b="1" dirty="0"/>
+              </a:p>
+              <a:p>
+                <a:r>
+                  <a:rPr lang="en-US" dirty="0"/>
+                  <a:t>Given a new sample with feature vector </a:t>
+                </a:r>
+                <a14:m>
+                  <m:oMath xmlns:m="http://schemas.openxmlformats.org/officeDocument/2006/math">
+                    <m:r>
+                      <a:rPr lang="en-US" b="1" i="1" smtClean="0">
+                        <a:latin typeface="Cambria Math" panose="02040503050406030204" pitchFamily="18" charset="0"/>
+                      </a:rPr>
+                      <m:t>𝒙</m:t>
+                    </m:r>
+                  </m:oMath>
+                </a14:m>
+                <a:r>
+                  <a:rPr lang="en-US" b="1" dirty="0"/>
+                  <a:t>, </a:t>
+                </a:r>
+                <a:r>
+                  <a:rPr lang="en-US" dirty="0"/>
+                  <a:t>the predicted value is </a:t>
+                </a:r>
+                <a14:m>
+                  <m:oMath xmlns:m="http://schemas.openxmlformats.org/officeDocument/2006/math">
+                    <m:acc>
+                      <m:accPr>
+                        <m:chr m:val="̂"/>
+                        <m:ctrlPr>
+                          <a:rPr lang="en-US" b="1" i="1">
+                            <a:latin typeface="Cambria Math" panose="02040503050406030204" pitchFamily="18" charset="0"/>
+                          </a:rPr>
+                        </m:ctrlPr>
+                      </m:accPr>
+                      <m:e>
+                        <m:r>
+                          <a:rPr lang="en-US" b="0" i="1">
+                            <a:latin typeface="Cambria Math" panose="02040503050406030204" pitchFamily="18" charset="0"/>
+                          </a:rPr>
+                          <m:t>𝑦</m:t>
+                        </m:r>
+                      </m:e>
+                    </m:acc>
+                    <m:d>
+                      <m:dPr>
+                        <m:ctrlPr>
+                          <a:rPr lang="en-US" b="1" i="1" smtClean="0">
+                            <a:latin typeface="Cambria Math" panose="02040503050406030204" pitchFamily="18" charset="0"/>
+                          </a:rPr>
+                        </m:ctrlPr>
+                      </m:dPr>
+                      <m:e>
+                        <m:r>
+                          <a:rPr lang="en-US" b="1" i="1">
+                            <a:latin typeface="Cambria Math" panose="02040503050406030204" pitchFamily="18" charset="0"/>
+                          </a:rPr>
+                          <m:t>𝒙</m:t>
+                        </m:r>
+                      </m:e>
+                    </m:d>
+                    <m:r>
+                      <a:rPr lang="en-US" i="1">
+                        <a:latin typeface="Cambria Math" panose="02040503050406030204" pitchFamily="18" charset="0"/>
+                      </a:rPr>
+                      <m:t>=</m:t>
+                    </m:r>
+                    <m:sSup>
+                      <m:sSupPr>
+                        <m:ctrlPr>
+                          <a:rPr lang="en-US" i="1" smtClean="0">
+                            <a:latin typeface="Cambria Math" panose="02040503050406030204" pitchFamily="18" charset="0"/>
+                          </a:rPr>
+                        </m:ctrlPr>
+                      </m:sSupPr>
+                      <m:e>
+                        <m:r>
+                          <a:rPr lang="en-US" b="0" i="1" smtClean="0">
+                            <a:latin typeface="Cambria Math" panose="02040503050406030204" pitchFamily="18" charset="0"/>
+                          </a:rPr>
+                          <m:t>[1  </m:t>
+                        </m:r>
+                        <m:r>
+                          <a:rPr lang="en-US" b="1" i="1">
+                            <a:latin typeface="Cambria Math" panose="02040503050406030204" pitchFamily="18" charset="0"/>
+                          </a:rPr>
+                          <m:t>𝒙</m:t>
+                        </m:r>
+                      </m:e>
+                      <m:sup>
+                        <m:r>
+                          <a:rPr lang="en-US" b="0" i="1" smtClean="0">
+                            <a:latin typeface="Cambria Math" panose="02040503050406030204" pitchFamily="18" charset="0"/>
+                          </a:rPr>
+                          <m:t>𝑇</m:t>
+                        </m:r>
+                      </m:sup>
+                    </m:sSup>
+                    <m:r>
+                      <a:rPr lang="en-US" b="1" i="1" smtClean="0">
+                        <a:latin typeface="Cambria Math" panose="02040503050406030204" pitchFamily="18" charset="0"/>
+                      </a:rPr>
+                      <m:t>] </m:t>
+                    </m:r>
+                    <m:r>
+                      <a:rPr lang="en-US" b="1" i="1">
+                        <a:latin typeface="Cambria Math" panose="02040503050406030204" pitchFamily="18" charset="0"/>
+                      </a:rPr>
+                      <m:t>𝜷</m:t>
+                    </m:r>
+                  </m:oMath>
+                </a14:m>
+                <a:endParaRPr lang="en-US" b="1" dirty="0"/>
+              </a:p>
+              <a:p>
                 <a:endParaRPr lang="en-US" dirty="0"/>
               </a:p>
             </p:txBody>
@@ -7272,7 +7731,7 @@
               <a:blipFill>
                 <a:blip r:embed="rId2"/>
                 <a:stretch>
-                  <a:fillRect l="-1455" t="-1549"/>
+                  <a:fillRect l="-1261" t="-1462"/>
                 </a:stretch>
               </a:blipFill>
             </p:spPr>
@@ -7706,17 +8165,36 @@
                 </a:r>
                 <a14:m>
                   <m:oMath xmlns:m="http://schemas.openxmlformats.org/officeDocument/2006/math">
-                    <m:r>
-                      <a:rPr lang="en-US" b="1" i="1" smtClean="0">
-                        <a:latin typeface="Cambria Math" panose="02040503050406030204" pitchFamily="18" charset="0"/>
-                      </a:rPr>
-                      <m:t>𝜷</m:t>
-                    </m:r>
+                    <m:sSup>
+                      <m:sSupPr>
+                        <m:ctrlPr>
+                          <a:rPr lang="en-US" b="1" i="1" smtClean="0">
+                            <a:latin typeface="Cambria Math" panose="02040503050406030204" pitchFamily="18" charset="0"/>
+                          </a:rPr>
+                        </m:ctrlPr>
+                      </m:sSupPr>
+                      <m:e>
+                        <m:r>
+                          <a:rPr lang="en-US" b="1" i="1">
+                            <a:latin typeface="Cambria Math" panose="02040503050406030204" pitchFamily="18" charset="0"/>
+                          </a:rPr>
+                          <m:t>𝜷</m:t>
+                        </m:r>
+                      </m:e>
+                      <m:sup>
+                        <m:r>
+                          <a:rPr lang="en-US" b="1" i="1" smtClean="0">
+                            <a:latin typeface="Cambria Math" panose="02040503050406030204" pitchFamily="18" charset="0"/>
+                          </a:rPr>
+                          <m:t>𝑻</m:t>
+                        </m:r>
+                      </m:sup>
+                    </m:sSup>
                     <m:r>
                       <a:rPr lang="en-US" b="0" i="1" smtClean="0">
                         <a:latin typeface="Cambria Math" panose="02040503050406030204" pitchFamily="18" charset="0"/>
                       </a:rPr>
-                      <m:t>=(</m:t>
+                      <m:t>=[</m:t>
                     </m:r>
                     <m:sSub>
                       <m:sSubPr>
@@ -7749,42 +8227,61 @@
                       </a:rPr>
                       <m:t>,</m:t>
                     </m:r>
-                    <m:sSub>
-                      <m:sSubPr>
+                    <m:sSup>
+                      <m:sSupPr>
                         <m:ctrlPr>
-                          <a:rPr lang="en-US" b="0" i="1" smtClean="0">
+                          <a:rPr lang="en-US" i="1">
                             <a:latin typeface="Cambria Math" panose="02040503050406030204" pitchFamily="18" charset="0"/>
                           </a:rPr>
                         </m:ctrlPr>
-                      </m:sSubPr>
+                      </m:sSupPr>
                       <m:e>
-                        <m:r>
-                          <a:rPr lang="en-US" b="1" i="1" smtClean="0">
-                            <a:latin typeface="Cambria Math" panose="02040503050406030204" pitchFamily="18" charset="0"/>
-                          </a:rPr>
-                          <m:t>𝜷</m:t>
-                        </m:r>
+                        <m:sSub>
+                          <m:sSubPr>
+                            <m:ctrlPr>
+                              <a:rPr lang="en-US" i="1">
+                                <a:latin typeface="Cambria Math" panose="02040503050406030204" pitchFamily="18" charset="0"/>
+                              </a:rPr>
+                            </m:ctrlPr>
+                          </m:sSubPr>
+                          <m:e>
+                            <m:r>
+                              <a:rPr lang="en-US" b="1" i="1">
+                                <a:latin typeface="Cambria Math" panose="02040503050406030204" pitchFamily="18" charset="0"/>
+                              </a:rPr>
+                              <m:t>𝜷</m:t>
+                            </m:r>
+                          </m:e>
+                          <m:sub>
+                            <m:r>
+                              <a:rPr lang="en-US" i="1">
+                                <a:latin typeface="Cambria Math" panose="02040503050406030204" pitchFamily="18" charset="0"/>
+                              </a:rPr>
+                              <m:t>1:</m:t>
+                            </m:r>
+                            <m:r>
+                              <a:rPr lang="en-US" i="1">
+                                <a:latin typeface="Cambria Math" panose="02040503050406030204" pitchFamily="18" charset="0"/>
+                              </a:rPr>
+                              <m:t>𝑘</m:t>
+                            </m:r>
+                          </m:sub>
+                        </m:sSub>
                       </m:e>
-                      <m:sub>
-                        <m:r>
-                          <a:rPr lang="en-US" b="0" i="1" smtClean="0">
-                            <a:latin typeface="Cambria Math" panose="02040503050406030204" pitchFamily="18" charset="0"/>
-                          </a:rPr>
-                          <m:t>1:</m:t>
-                        </m:r>
-                        <m:r>
-                          <a:rPr lang="en-US" b="0" i="1" smtClean="0">
-                            <a:latin typeface="Cambria Math" panose="02040503050406030204" pitchFamily="18" charset="0"/>
-                          </a:rPr>
-                          <m:t>𝑘</m:t>
-                        </m:r>
-                      </m:sub>
-                    </m:sSub>
+                      <m:sup>
+                        <m:r>
+                          <a:rPr lang="en-US" i="1">
+                            <a:latin typeface="Cambria Math" panose="02040503050406030204" pitchFamily="18" charset="0"/>
+                          </a:rPr>
+                          <m:t>𝑇</m:t>
+                        </m:r>
+                      </m:sup>
+                    </m:sSup>
                     <m:r>
                       <a:rPr lang="en-US" b="0" i="1" smtClean="0">
                         <a:latin typeface="Cambria Math" panose="02040503050406030204" pitchFamily="18" charset="0"/>
                       </a:rPr>
-                      <m:t>)</m:t>
+                      <m:t>]</m:t>
                     </m:r>
                   </m:oMath>
                 </a14:m>
@@ -7830,20 +8327,82 @@
                 <a:pPr lvl="1"/>
                 <a14:m>
                   <m:oMath xmlns:m="http://schemas.openxmlformats.org/officeDocument/2006/math">
+                    <m:sSup>
+                      <m:sSupPr>
+                        <m:ctrlPr>
+                          <a:rPr lang="en-US" b="0" i="1" smtClean="0">
+                            <a:latin typeface="Cambria Math" panose="02040503050406030204" pitchFamily="18" charset="0"/>
+                          </a:rPr>
+                        </m:ctrlPr>
+                      </m:sSupPr>
+                      <m:e>
+                        <m:sSub>
+                          <m:sSubPr>
+                            <m:ctrlPr>
+                              <a:rPr lang="en-US" i="1">
+                                <a:latin typeface="Cambria Math" panose="02040503050406030204" pitchFamily="18" charset="0"/>
+                              </a:rPr>
+                            </m:ctrlPr>
+                          </m:sSubPr>
+                          <m:e>
+                            <m:r>
+                              <a:rPr lang="en-US" b="1" i="1">
+                                <a:latin typeface="Cambria Math" panose="02040503050406030204" pitchFamily="18" charset="0"/>
+                              </a:rPr>
+                              <m:t>𝜷</m:t>
+                            </m:r>
+                          </m:e>
+                          <m:sub>
+                            <m:r>
+                              <a:rPr lang="en-US" i="1">
+                                <a:latin typeface="Cambria Math" panose="02040503050406030204" pitchFamily="18" charset="0"/>
+                              </a:rPr>
+                              <m:t>1:</m:t>
+                            </m:r>
+                            <m:r>
+                              <a:rPr lang="en-US" i="1">
+                                <a:latin typeface="Cambria Math" panose="02040503050406030204" pitchFamily="18" charset="0"/>
+                              </a:rPr>
+                              <m:t>𝑘</m:t>
+                            </m:r>
+                          </m:sub>
+                        </m:sSub>
+                      </m:e>
+                      <m:sup>
+                        <m:r>
+                          <a:rPr lang="en-US" b="0" i="1" smtClean="0">
+                            <a:latin typeface="Cambria Math" panose="02040503050406030204" pitchFamily="18" charset="0"/>
+                          </a:rPr>
+                          <m:t>𝑇</m:t>
+                        </m:r>
+                      </m:sup>
+                    </m:sSup>
+                    <m:r>
+                      <a:rPr lang="en-US" b="0" i="0" smtClean="0">
+                        <a:latin typeface="Cambria Math" panose="02040503050406030204" pitchFamily="18" charset="0"/>
+                      </a:rPr>
+                      <m:t>=</m:t>
+                    </m:r>
+                    <m:r>
+                      <a:rPr lang="en-US" b="0" i="1" smtClean="0">
+                        <a:latin typeface="Cambria Math" panose="02040503050406030204" pitchFamily="18" charset="0"/>
+                      </a:rPr>
+                      <m:t>[</m:t>
+                    </m:r>
                     <m:sSub>
                       <m:sSubPr>
                         <m:ctrlPr>
-                          <a:rPr lang="en-US" i="1">
+                          <a:rPr lang="en-US" b="0" i="1" smtClean="0">
                             <a:latin typeface="Cambria Math" panose="02040503050406030204" pitchFamily="18" charset="0"/>
                           </a:rPr>
                         </m:ctrlPr>
                       </m:sSubPr>
                       <m:e>
                         <m:r>
-                          <a:rPr lang="en-US" b="1" i="1">
-                            <a:latin typeface="Cambria Math" panose="02040503050406030204" pitchFamily="18" charset="0"/>
-                          </a:rPr>
-                          <m:t>𝜷</m:t>
+                          <a:rPr lang="en-US" b="0" i="1" smtClean="0">
+                            <a:latin typeface="Cambria Math" panose="02040503050406030204" pitchFamily="18" charset="0"/>
+                          </a:rPr>
+                          <m:t>𝛽</m:t>
                         </m:r>
                       </m:e>
                       <m:sub>
@@ -7851,21 +8410,15 @@
                           <a:rPr lang="en-US" b="0" i="1" smtClean="0">
                             <a:latin typeface="Cambria Math" panose="02040503050406030204" pitchFamily="18" charset="0"/>
                           </a:rPr>
-                          <m:t>1:</m:t>
-                        </m:r>
-                        <m:r>
-                          <a:rPr lang="en-US" b="0" i="1" smtClean="0">
-                            <a:latin typeface="Cambria Math" panose="02040503050406030204" pitchFamily="18" charset="0"/>
-                          </a:rPr>
-                          <m:t>𝑘</m:t>
+                          <m:t>1</m:t>
                         </m:r>
                       </m:sub>
                     </m:sSub>
                     <m:r>
-                      <a:rPr lang="en-US" b="0" i="0" smtClean="0">
-                        <a:latin typeface="Cambria Math" panose="02040503050406030204" pitchFamily="18" charset="0"/>
-                      </a:rPr>
-                      <m:t>=(</m:t>
+                      <a:rPr lang="en-US" b="0" i="1" smtClean="0">
+                        <a:latin typeface="Cambria Math" panose="02040503050406030204" pitchFamily="18" charset="0"/>
+                      </a:rPr>
+                      <m:t>,…,</m:t>
                     </m:r>
                     <m:sSub>
                       <m:sSubPr>
@@ -7888,7 +8441,7 @@
                           <a:rPr lang="en-US" b="0" i="1" smtClean="0">
                             <a:latin typeface="Cambria Math" panose="02040503050406030204" pitchFamily="18" charset="0"/>
                           </a:rPr>
-                          <m:t>1</m:t>
+                          <m:t>𝑘</m:t>
                         </m:r>
                       </m:sub>
                     </m:sSub>
@@ -7896,38 +8449,7 @@
                       <a:rPr lang="en-US" b="0" i="1" smtClean="0">
                         <a:latin typeface="Cambria Math" panose="02040503050406030204" pitchFamily="18" charset="0"/>
                       </a:rPr>
-                      <m:t>,…,</m:t>
-                    </m:r>
-                    <m:sSub>
-                      <m:sSubPr>
-                        <m:ctrlPr>
-                          <a:rPr lang="en-US" b="0" i="1" smtClean="0">
-                            <a:latin typeface="Cambria Math" panose="02040503050406030204" pitchFamily="18" charset="0"/>
-                          </a:rPr>
-                        </m:ctrlPr>
-                      </m:sSubPr>
-                      <m:e>
-                        <m:r>
-                          <a:rPr lang="en-US" b="0" i="1" smtClean="0">
-                            <a:latin typeface="Cambria Math" panose="02040503050406030204" pitchFamily="18" charset="0"/>
-                          </a:rPr>
-                          <m:t>𝛽</m:t>
-                        </m:r>
-                      </m:e>
-                      <m:sub>
-                        <m:r>
-                          <a:rPr lang="en-US" b="0" i="1" smtClean="0">
-                            <a:latin typeface="Cambria Math" panose="02040503050406030204" pitchFamily="18" charset="0"/>
-                          </a:rPr>
-                          <m:t>𝑘</m:t>
-                        </m:r>
-                      </m:sub>
-                    </m:sSub>
-                    <m:r>
-                      <a:rPr lang="en-US" b="0" i="1" smtClean="0">
-                        <a:latin typeface="Cambria Math" panose="02040503050406030204" pitchFamily="18" charset="0"/>
-                      </a:rPr>
-                      <m:t>)</m:t>
+                      <m:t>]</m:t>
                     </m:r>
                   </m:oMath>
                 </a14:m>
@@ -7965,6 +8487,24 @@
                         </m:r>
                       </m:e>
                     </m:acc>
+                    <m:r>
+                      <a:rPr lang="en-US" b="1" i="1" smtClean="0">
+                        <a:latin typeface="Cambria Math" panose="02040503050406030204" pitchFamily="18" charset="0"/>
+                      </a:rPr>
+                      <m:t>(</m:t>
+                    </m:r>
+                    <m:r>
+                      <a:rPr lang="en-US" b="1" i="1">
+                        <a:latin typeface="Cambria Math" panose="02040503050406030204" pitchFamily="18" charset="0"/>
+                      </a:rPr>
+                      <m:t>𝒙</m:t>
+                    </m:r>
+                    <m:r>
+                      <a:rPr lang="en-US" b="1" i="1" smtClean="0">
+                        <a:latin typeface="Cambria Math" panose="02040503050406030204" pitchFamily="18" charset="0"/>
+                      </a:rPr>
+                      <m:t>)</m:t>
+                    </m:r>
                     <m:r>
                       <a:rPr lang="en-US" b="0" i="1" smtClean="0">
                         <a:latin typeface="Cambria Math" panose="02040503050406030204" pitchFamily="18" charset="0"/>
@@ -8077,7 +8617,7 @@
               <a:blipFill>
                 <a:blip r:embed="rId2"/>
                 <a:stretch>
-                  <a:fillRect l="-1455" t="-1549"/>
+                  <a:fillRect l="-1261" t="-1462"/>
                 </a:stretch>
               </a:blipFill>
             </p:spPr>
@@ -9440,8 +9980,8 @@
           </a:p>
         </p:txBody>
       </p:sp>
-      <mc:AlternateContent xmlns:mc="http://schemas.openxmlformats.org/markup-compatibility/2006" xmlns:a14="http://schemas.microsoft.com/office/drawing/2010/main">
-        <mc:Choice Requires="a14">
+      <mc:AlternateContent xmlns:mc="http://schemas.openxmlformats.org/markup-compatibility/2006">
+        <mc:Choice xmlns:a14="http://schemas.microsoft.com/office/drawing/2010/main" Requires="a14">
           <p:sp>
             <p:nvSpPr>
               <p:cNvPr id="5" name="Content Placeholder 2">
@@ -9989,7 +10529,7 @@
                       <a:rPr lang="en-US" b="0" i="1" smtClean="0">
                         <a:latin typeface="Cambria Math" panose="02040503050406030204" pitchFamily="18" charset="0"/>
                       </a:rPr>
-                      <m:t>𝑁</m:t>
+                      <m:t>𝑛</m:t>
                     </m:r>
                   </m:oMath>
                 </a14:m>
@@ -10336,7 +10876,7 @@
             </p:txBody>
           </p:sp>
         </mc:Choice>
-        <mc:Fallback xmlns="">
+        <mc:Fallback>
           <p:sp>
             <p:nvSpPr>
               <p:cNvPr id="5" name="Content Placeholder 2">
@@ -10362,7 +10902,7 @@
               <a:blipFill>
                 <a:blip r:embed="rId2"/>
                 <a:stretch>
-                  <a:fillRect l="-3153" t="-1766"/>
+                  <a:fillRect l="-2880" t="-1667"/>
                 </a:stretch>
               </a:blipFill>
             </p:spPr>
@@ -12740,10 +13280,10 @@
                 <a14:m>
                   <m:oMath xmlns:m="http://schemas.openxmlformats.org/officeDocument/2006/math">
                     <m:r>
-                      <a:rPr lang="en-US" b="0" i="1" smtClean="0">
-                        <a:latin typeface="Cambria Math" panose="02040503050406030204" pitchFamily="18" charset="0"/>
-                      </a:rPr>
-                      <m:t>𝛽</m:t>
+                      <a:rPr lang="en-US" b="1" i="1" smtClean="0">
+                        <a:latin typeface="Cambria Math" panose="02040503050406030204" pitchFamily="18" charset="0"/>
+                      </a:rPr>
+                      <m:t>𝜷</m:t>
                     </m:r>
                   </m:oMath>
                 </a14:m>
@@ -12988,8 +13528,212 @@
                             </m:r>
                           </m:sub>
                         </m:sSub>
+                        <m:r>
+                          <a:rPr lang="en-US" b="0" i="1" smtClean="0">
+                            <a:latin typeface="Cambria Math" panose="02040503050406030204" pitchFamily="18" charset="0"/>
+                          </a:rPr>
+                          <m:t>, </m:t>
+                        </m:r>
+                        <m:r>
+                          <a:rPr lang="en-US" b="0" i="1" smtClean="0">
+                            <a:latin typeface="Cambria Math" panose="02040503050406030204" pitchFamily="18" charset="0"/>
+                          </a:rPr>
+                          <m:t>𝑗</m:t>
+                        </m:r>
+                        <m:r>
+                          <a:rPr lang="en-US" b="0" i="1" smtClean="0">
+                            <a:latin typeface="Cambria Math" panose="02040503050406030204" pitchFamily="18" charset="0"/>
+                          </a:rPr>
+                          <m:t>=1,2,…,</m:t>
+                        </m:r>
+                        <m:r>
+                          <a:rPr lang="en-US" b="0" i="1" smtClean="0">
+                            <a:latin typeface="Cambria Math" panose="02040503050406030204" pitchFamily="18" charset="0"/>
+                          </a:rPr>
+                          <m:t>𝑘</m:t>
+                        </m:r>
                       </m:e>
                     </m:nary>
+                  </m:oMath>
+                </a14:m>
+                <a:r>
+                  <a:rPr lang="en-US" dirty="0"/>
+                  <a:t> </a:t>
+                </a:r>
+              </a:p>
+              <a:p>
+                <a:r>
+                  <a:rPr lang="en-US" dirty="0"/>
+                  <a:t>Matrix form: </a:t>
+                </a:r>
+                <a14:m>
+                  <m:oMath xmlns:m="http://schemas.openxmlformats.org/officeDocument/2006/math">
+                    <m:r>
+                      <m:rPr>
+                        <m:sty m:val="p"/>
+                      </m:rPr>
+                      <a:rPr lang="en-US" b="0" i="0" smtClean="0">
+                        <a:latin typeface="Cambria Math" panose="02040503050406030204" pitchFamily="18" charset="0"/>
+                      </a:rPr>
+                      <m:t>RSS</m:t>
+                    </m:r>
+                    <m:r>
+                      <a:rPr lang="en-US" b="0" i="1" smtClean="0">
+                        <a:latin typeface="Cambria Math" panose="02040503050406030204" pitchFamily="18" charset="0"/>
+                      </a:rPr>
+                      <m:t>=</m:t>
+                    </m:r>
+                    <m:sSup>
+                      <m:sSupPr>
+                        <m:ctrlPr>
+                          <a:rPr lang="en-US" b="0" i="1" smtClean="0">
+                            <a:latin typeface="Cambria Math" panose="02040503050406030204" pitchFamily="18" charset="0"/>
+                          </a:rPr>
+                        </m:ctrlPr>
+                      </m:sSupPr>
+                      <m:e>
+                        <m:d>
+                          <m:dPr>
+                            <m:begChr m:val="‖"/>
+                            <m:endChr m:val="‖"/>
+                            <m:ctrlPr>
+                              <a:rPr lang="en-US" i="1">
+                                <a:latin typeface="Cambria Math" panose="02040503050406030204" pitchFamily="18" charset="0"/>
+                              </a:rPr>
+                            </m:ctrlPr>
+                          </m:dPr>
+                          <m:e>
+                            <m:r>
+                              <a:rPr lang="en-US" i="1">
+                                <a:latin typeface="Cambria Math" panose="02040503050406030204" pitchFamily="18" charset="0"/>
+                              </a:rPr>
+                              <m:t>𝐴</m:t>
+                            </m:r>
+                            <m:r>
+                              <a:rPr lang="en-US" b="1" i="1">
+                                <a:latin typeface="Cambria Math" panose="02040503050406030204" pitchFamily="18" charset="0"/>
+                                <a:ea typeface="Cambria Math" panose="02040503050406030204" pitchFamily="18" charset="0"/>
+                              </a:rPr>
+                              <m:t>𝜷</m:t>
+                            </m:r>
+                            <m:r>
+                              <a:rPr lang="en-US" i="1">
+                                <a:latin typeface="Cambria Math" panose="02040503050406030204" pitchFamily="18" charset="0"/>
+                                <a:ea typeface="Cambria Math" panose="02040503050406030204" pitchFamily="18" charset="0"/>
+                              </a:rPr>
+                              <m:t>−</m:t>
+                            </m:r>
+                            <m:r>
+                              <a:rPr lang="en-US" b="1" i="1">
+                                <a:latin typeface="Cambria Math" panose="02040503050406030204" pitchFamily="18" charset="0"/>
+                              </a:rPr>
+                              <m:t>𝒚</m:t>
+                            </m:r>
+                          </m:e>
+                        </m:d>
+                      </m:e>
+                      <m:sup>
+                        <m:r>
+                          <a:rPr lang="en-US" b="0" i="1" smtClean="0">
+                            <a:latin typeface="Cambria Math" panose="02040503050406030204" pitchFamily="18" charset="0"/>
+                          </a:rPr>
+                          <m:t>2</m:t>
+                        </m:r>
+                      </m:sup>
+                    </m:sSup>
+                    <m:r>
+                      <a:rPr lang="en-US" b="0" i="0" smtClean="0">
+                        <a:latin typeface="Cambria Math" panose="02040503050406030204" pitchFamily="18" charset="0"/>
+                      </a:rPr>
+                      <m:t>, </m:t>
+                    </m:r>
+                  </m:oMath>
+                </a14:m>
+                <a:r>
+                  <a:rPr lang="en-US" dirty="0"/>
+                  <a:t>  </a:t>
+                </a:r>
+                <a14:m>
+                  <m:oMath xmlns:m="http://schemas.openxmlformats.org/officeDocument/2006/math">
+                    <m:r>
+                      <a:rPr lang="en-US" b="0" i="0" smtClean="0">
+                        <a:latin typeface="Cambria Math" panose="02040503050406030204" pitchFamily="18" charset="0"/>
+                      </a:rPr>
+                      <m:t>𝛻</m:t>
+                    </m:r>
+                    <m:r>
+                      <a:rPr lang="en-US" b="0" i="1" smtClean="0">
+                        <a:latin typeface="Cambria Math" panose="02040503050406030204" pitchFamily="18" charset="0"/>
+                      </a:rPr>
+                      <m:t>𝑅𝑆𝑆</m:t>
+                    </m:r>
+                    <m:r>
+                      <a:rPr lang="en-US" b="0" i="1" smtClean="0">
+                        <a:latin typeface="Cambria Math" panose="02040503050406030204" pitchFamily="18" charset="0"/>
+                      </a:rPr>
+                      <m:t>=2</m:t>
+                    </m:r>
+                    <m:sSup>
+                      <m:sSupPr>
+                        <m:ctrlPr>
+                          <a:rPr lang="en-US" b="0" i="1" smtClean="0">
+                            <a:latin typeface="Cambria Math" panose="02040503050406030204" pitchFamily="18" charset="0"/>
+                          </a:rPr>
+                        </m:ctrlPr>
+                      </m:sSupPr>
+                      <m:e>
+                        <m:r>
+                          <a:rPr lang="en-US" b="0" i="1" smtClean="0">
+                            <a:latin typeface="Cambria Math" panose="02040503050406030204" pitchFamily="18" charset="0"/>
+                          </a:rPr>
+                          <m:t>𝐴</m:t>
+                        </m:r>
+                      </m:e>
+                      <m:sup>
+                        <m:r>
+                          <a:rPr lang="en-US" b="0" i="1" smtClean="0">
+                            <a:latin typeface="Cambria Math" panose="02040503050406030204" pitchFamily="18" charset="0"/>
+                          </a:rPr>
+                          <m:t>𝑇</m:t>
+                        </m:r>
+                      </m:sup>
+                    </m:sSup>
+                    <m:r>
+                      <a:rPr lang="en-US" b="0" i="1" smtClean="0">
+                        <a:latin typeface="Cambria Math" panose="02040503050406030204" pitchFamily="18" charset="0"/>
+                      </a:rPr>
+                      <m:t>(</m:t>
+                    </m:r>
+                    <m:r>
+                      <a:rPr lang="en-US" b="1" i="1" smtClean="0">
+                        <a:latin typeface="Cambria Math" panose="02040503050406030204" pitchFamily="18" charset="0"/>
+                      </a:rPr>
+                      <m:t>𝒚</m:t>
+                    </m:r>
+                    <m:r>
+                      <a:rPr lang="en-US" b="0" i="1" smtClean="0">
+                        <a:latin typeface="Cambria Math" panose="02040503050406030204" pitchFamily="18" charset="0"/>
+                      </a:rPr>
+                      <m:t>−</m:t>
+                    </m:r>
+                    <m:r>
+                      <a:rPr lang="en-US" b="0" i="1" smtClean="0">
+                        <a:latin typeface="Cambria Math" panose="02040503050406030204" pitchFamily="18" charset="0"/>
+                      </a:rPr>
+                      <m:t>𝐴</m:t>
+                    </m:r>
+                    <m:r>
+                      <a:rPr lang="en-US" b="1" i="1" smtClean="0">
+                        <a:latin typeface="Cambria Math" panose="02040503050406030204" pitchFamily="18" charset="0"/>
+                      </a:rPr>
+                      <m:t>𝜷</m:t>
+                    </m:r>
+                    <m:r>
+                      <a:rPr lang="en-US" b="0" i="1" smtClean="0">
+                        <a:latin typeface="Cambria Math" panose="02040503050406030204" pitchFamily="18" charset="0"/>
+                      </a:rPr>
+                      <m:t>) </m:t>
+                    </m:r>
                   </m:oMath>
                 </a14:m>
                 <a:endParaRPr lang="en-US" dirty="0"/>
@@ -12997,39 +13741,21 @@
               <a:p>
                 <a:r>
                   <a:rPr lang="en-US" dirty="0"/>
-                  <a:t>Matrix form of the gradient:  </a:t>
+                  <a:t>Solution: </a:t>
                 </a:r>
                 <a14:m>
                   <m:oMath xmlns:m="http://schemas.openxmlformats.org/officeDocument/2006/math">
-                    <m:r>
-                      <a:rPr lang="en-US" b="0" i="0" smtClean="0">
-                        <a:latin typeface="Cambria Math" panose="02040503050406030204" pitchFamily="18" charset="0"/>
-                      </a:rPr>
-                      <m:t>𝛻</m:t>
-                    </m:r>
-                    <m:r>
-                      <a:rPr lang="en-US" b="0" i="1" smtClean="0">
-                        <a:latin typeface="Cambria Math" panose="02040503050406030204" pitchFamily="18" charset="0"/>
-                      </a:rPr>
-                      <m:t>𝑅𝑆𝑆</m:t>
-                    </m:r>
-                    <m:r>
-                      <a:rPr lang="en-US" b="0" i="1" smtClean="0">
-                        <a:latin typeface="Cambria Math" panose="02040503050406030204" pitchFamily="18" charset="0"/>
-                      </a:rPr>
-                      <m:t>=2</m:t>
-                    </m:r>
                     <m:sSup>
                       <m:sSupPr>
                         <m:ctrlPr>
-                          <a:rPr lang="en-US" b="0" i="1" smtClean="0">
+                          <a:rPr lang="en-US" i="1">
                             <a:latin typeface="Cambria Math" panose="02040503050406030204" pitchFamily="18" charset="0"/>
                           </a:rPr>
                         </m:ctrlPr>
                       </m:sSupPr>
                       <m:e>
                         <m:r>
-                          <a:rPr lang="en-US" b="0" i="1" smtClean="0">
+                          <a:rPr lang="en-US" i="1">
                             <a:latin typeface="Cambria Math" panose="02040503050406030204" pitchFamily="18" charset="0"/>
                           </a:rPr>
                           <m:t>𝐴</m:t>
@@ -13037,68 +13763,69 @@
                       </m:e>
                       <m:sup>
                         <m:r>
-                          <a:rPr lang="en-US" b="0" i="1" smtClean="0">
+                          <a:rPr lang="en-US" i="1">
                             <a:latin typeface="Cambria Math" panose="02040503050406030204" pitchFamily="18" charset="0"/>
                           </a:rPr>
                           <m:t>𝑇</m:t>
                         </m:r>
                       </m:sup>
                     </m:sSup>
+                    <m:d>
+                      <m:dPr>
+                        <m:ctrlPr>
+                          <a:rPr lang="en-US" i="1">
+                            <a:latin typeface="Cambria Math" panose="02040503050406030204" pitchFamily="18" charset="0"/>
+                          </a:rPr>
+                        </m:ctrlPr>
+                      </m:dPr>
+                      <m:e>
+                        <m:r>
+                          <a:rPr lang="en-US" b="1" i="1">
+                            <a:latin typeface="Cambria Math" panose="02040503050406030204" pitchFamily="18" charset="0"/>
+                          </a:rPr>
+                          <m:t>𝒚</m:t>
+                        </m:r>
+                        <m:r>
+                          <a:rPr lang="en-US" i="1">
+                            <a:latin typeface="Cambria Math" panose="02040503050406030204" pitchFamily="18" charset="0"/>
+                          </a:rPr>
+                          <m:t>−</m:t>
+                        </m:r>
+                        <m:r>
+                          <a:rPr lang="en-US" i="1">
+                            <a:latin typeface="Cambria Math" panose="02040503050406030204" pitchFamily="18" charset="0"/>
+                          </a:rPr>
+                          <m:t>𝐴</m:t>
+                        </m:r>
+                        <m:r>
+                          <a:rPr lang="en-US" b="1" i="1">
+                            <a:latin typeface="Cambria Math" panose="02040503050406030204" pitchFamily="18" charset="0"/>
+                            <a:ea typeface="Cambria Math" panose="02040503050406030204" pitchFamily="18" charset="0"/>
+                          </a:rPr>
+                          <m:t>𝜷</m:t>
+                        </m:r>
+                      </m:e>
+                    </m:d>
                     <m:r>
                       <a:rPr lang="en-US" b="0" i="1" smtClean="0">
                         <a:latin typeface="Cambria Math" panose="02040503050406030204" pitchFamily="18" charset="0"/>
                       </a:rPr>
-                      <m:t>(</m:t>
+                      <m:t>=0→</m:t>
+                    </m:r>
+                    <m:r>
+                      <a:rPr lang="en-US" b="1" i="1" smtClean="0">
+                        <a:solidFill>
+                          <a:srgbClr val="FF0000"/>
+                        </a:solidFill>
+                        <a:latin typeface="Cambria Math" panose="02040503050406030204" pitchFamily="18" charset="0"/>
+                      </a:rPr>
+                      <m:t>𝜷</m:t>
                     </m:r>
                     <m:r>
                       <a:rPr lang="en-US" b="0" i="1" smtClean="0">
-                        <a:latin typeface="Cambria Math" panose="02040503050406030204" pitchFamily="18" charset="0"/>
-                      </a:rPr>
-                      <m:t>𝑦</m:t>
-                    </m:r>
-                    <m:r>
-                      <a:rPr lang="en-US" b="0" i="1" smtClean="0">
-                        <a:latin typeface="Cambria Math" panose="02040503050406030204" pitchFamily="18" charset="0"/>
-                      </a:rPr>
-                      <m:t>−</m:t>
-                    </m:r>
-                    <m:r>
-                      <a:rPr lang="en-US" b="0" i="1" smtClean="0">
-                        <a:latin typeface="Cambria Math" panose="02040503050406030204" pitchFamily="18" charset="0"/>
-                      </a:rPr>
-                      <m:t>𝐴</m:t>
-                    </m:r>
-                    <m:r>
-                      <a:rPr lang="en-US" b="0" i="1" smtClean="0">
-                        <a:latin typeface="Cambria Math" panose="02040503050406030204" pitchFamily="18" charset="0"/>
-                      </a:rPr>
-                      <m:t>𝛽</m:t>
-                    </m:r>
-                    <m:r>
-                      <a:rPr lang="en-US" b="0" i="1" smtClean="0">
-                        <a:latin typeface="Cambria Math" panose="02040503050406030204" pitchFamily="18" charset="0"/>
-                      </a:rPr>
-                      <m:t>) </m:t>
-                    </m:r>
-                  </m:oMath>
-                </a14:m>
-                <a:endParaRPr lang="en-US" dirty="0"/>
-              </a:p>
-              <a:p>
-                <a:r>
-                  <a:rPr lang="en-US" dirty="0"/>
-                  <a:t>Least squares solution:  </a:t>
-                </a:r>
-                <a14:m>
-                  <m:oMath xmlns:m="http://schemas.openxmlformats.org/officeDocument/2006/math">
-                    <m:r>
-                      <a:rPr lang="en-US" b="0" i="1" smtClean="0">
-                        <a:latin typeface="Cambria Math" panose="02040503050406030204" pitchFamily="18" charset="0"/>
-                      </a:rPr>
-                      <m:t>𝛽</m:t>
-                    </m:r>
-                    <m:r>
-                      <a:rPr lang="en-US" b="0" i="1" smtClean="0">
+                        <a:solidFill>
+                          <a:srgbClr val="FF0000"/>
+                        </a:solidFill>
                         <a:latin typeface="Cambria Math" panose="02040503050406030204" pitchFamily="18" charset="0"/>
                       </a:rPr>
                       <m:t>=</m:t>
@@ -13107,6 +13834,9 @@
                       <m:sSupPr>
                         <m:ctrlPr>
                           <a:rPr lang="en-US" b="0" i="1" smtClean="0">
+                            <a:solidFill>
+                              <a:srgbClr val="FF0000"/>
+                            </a:solidFill>
                             <a:latin typeface="Cambria Math" panose="02040503050406030204" pitchFamily="18" charset="0"/>
                           </a:rPr>
                         </m:ctrlPr>
@@ -13116,6 +13846,9 @@
                           <m:dPr>
                             <m:ctrlPr>
                               <a:rPr lang="en-US" b="0" i="1" smtClean="0">
+                                <a:solidFill>
+                                  <a:srgbClr val="FF0000"/>
+                                </a:solidFill>
                                 <a:latin typeface="Cambria Math" panose="02040503050406030204" pitchFamily="18" charset="0"/>
                               </a:rPr>
                             </m:ctrlPr>
@@ -13125,6 +13858,9 @@
                               <m:sSupPr>
                                 <m:ctrlPr>
                                   <a:rPr lang="en-US" b="0" i="1" smtClean="0">
+                                    <a:solidFill>
+                                      <a:srgbClr val="FF0000"/>
+                                    </a:solidFill>
                                     <a:latin typeface="Cambria Math" panose="02040503050406030204" pitchFamily="18" charset="0"/>
                                   </a:rPr>
                                 </m:ctrlPr>
@@ -13132,6 +13868,9 @@
                               <m:e>
                                 <m:r>
                                   <a:rPr lang="en-US" b="0" i="1" smtClean="0">
+                                    <a:solidFill>
+                                      <a:srgbClr val="FF0000"/>
+                                    </a:solidFill>
                                     <a:latin typeface="Cambria Math" panose="02040503050406030204" pitchFamily="18" charset="0"/>
                                   </a:rPr>
                                   <m:t>𝐴</m:t>
@@ -13140,6 +13879,9 @@
                               <m:sup>
                                 <m:r>
                                   <a:rPr lang="en-US" b="0" i="1" smtClean="0">
+                                    <a:solidFill>
+                                      <a:srgbClr val="FF0000"/>
+                                    </a:solidFill>
                                     <a:latin typeface="Cambria Math" panose="02040503050406030204" pitchFamily="18" charset="0"/>
                                   </a:rPr>
                                   <m:t>𝑇</m:t>
@@ -13148,6 +13890,9 @@
                             </m:sSup>
                             <m:r>
                               <a:rPr lang="en-US" b="0" i="1" smtClean="0">
+                                <a:solidFill>
+                                  <a:srgbClr val="FF0000"/>
+                                </a:solidFill>
                                 <a:latin typeface="Cambria Math" panose="02040503050406030204" pitchFamily="18" charset="0"/>
                               </a:rPr>
                               <m:t>𝐴</m:t>
@@ -13158,6 +13903,9 @@
                       <m:sup>
                         <m:r>
                           <a:rPr lang="en-US" b="0" i="1" smtClean="0">
+                            <a:solidFill>
+                              <a:srgbClr val="FF0000"/>
+                            </a:solidFill>
                             <a:latin typeface="Cambria Math" panose="02040503050406030204" pitchFamily="18" charset="0"/>
                           </a:rPr>
                           <m:t>−1</m:t>
@@ -13168,6 +13916,9 @@
                       <m:sSupPr>
                         <m:ctrlPr>
                           <a:rPr lang="en-US" b="0" i="1" smtClean="0">
+                            <a:solidFill>
+                              <a:srgbClr val="FF0000"/>
+                            </a:solidFill>
                             <a:latin typeface="Cambria Math" panose="02040503050406030204" pitchFamily="18" charset="0"/>
                           </a:rPr>
                         </m:ctrlPr>
@@ -13175,6 +13926,9 @@
                       <m:e>
                         <m:r>
                           <a:rPr lang="en-US" b="0" i="1" smtClean="0">
+                            <a:solidFill>
+                              <a:srgbClr val="FF0000"/>
+                            </a:solidFill>
                             <a:latin typeface="Cambria Math" panose="02040503050406030204" pitchFamily="18" charset="0"/>
                           </a:rPr>
                           <m:t>𝐴</m:t>
@@ -13183,6 +13937,9 @@
                       <m:sup>
                         <m:r>
                           <a:rPr lang="en-US" b="0" i="1" smtClean="0">
+                            <a:solidFill>
+                              <a:srgbClr val="FF0000"/>
+                            </a:solidFill>
                             <a:latin typeface="Cambria Math" panose="02040503050406030204" pitchFamily="18" charset="0"/>
                           </a:rPr>
                           <m:t>𝑇</m:t>
@@ -13190,16 +13947,60 @@
                       </m:sup>
                     </m:sSup>
                     <m:r>
+                      <a:rPr lang="en-US" b="1" i="1" smtClean="0">
+                        <a:solidFill>
+                          <a:srgbClr val="FF0000"/>
+                        </a:solidFill>
+                        <a:latin typeface="Cambria Math" panose="02040503050406030204" pitchFamily="18" charset="0"/>
+                      </a:rPr>
+                      <m:t>𝒚</m:t>
+                    </m:r>
+                    <m:r>
                       <a:rPr lang="en-US" b="0" i="1" smtClean="0">
-                        <a:latin typeface="Cambria Math" panose="02040503050406030204" pitchFamily="18" charset="0"/>
-                      </a:rPr>
-                      <m:t>𝑦</m:t>
-                    </m:r>
-                    <m:r>
-                      <a:rPr lang="en-US" b="0" i="1" smtClean="0">
+                        <a:solidFill>
+                          <a:srgbClr val="FF0000"/>
+                        </a:solidFill>
                         <a:latin typeface="Cambria Math" panose="02040503050406030204" pitchFamily="18" charset="0"/>
                       </a:rPr>
                       <m:t> </m:t>
+                    </m:r>
+                  </m:oMath>
+                </a14:m>
+                <a:r>
+                  <a:rPr lang="en-US" dirty="0"/>
+                  <a:t>(least squares solution of equation </a:t>
+                </a:r>
+                <a14:m>
+                  <m:oMath xmlns:m="http://schemas.openxmlformats.org/officeDocument/2006/math">
+                    <m:r>
+                      <a:rPr lang="en-US" i="1">
+                        <a:latin typeface="Cambria Math" panose="02040503050406030204" pitchFamily="18" charset="0"/>
+                      </a:rPr>
+                      <m:t>𝐴</m:t>
+                    </m:r>
+                    <m:r>
+                      <a:rPr lang="en-US" b="1" i="1">
+                        <a:latin typeface="Cambria Math" panose="02040503050406030204" pitchFamily="18" charset="0"/>
+                      </a:rPr>
+                      <m:t>𝜷</m:t>
+                    </m:r>
+                    <m:r>
+                      <a:rPr lang="en-US" b="0" i="0" smtClean="0">
+                        <a:latin typeface="Cambria Math" panose="02040503050406030204" pitchFamily="18" charset="0"/>
+                      </a:rPr>
+                      <m:t>=</m:t>
+                    </m:r>
+                    <m:r>
+                      <a:rPr lang="en-US" b="1" i="0" smtClean="0">
+                        <a:latin typeface="Cambria Math" panose="02040503050406030204" pitchFamily="18" charset="0"/>
+                      </a:rPr>
+                      <m:t>𝐲</m:t>
+                    </m:r>
+                    <m:r>
+                      <a:rPr lang="en-US" b="0" i="0" smtClean="0">
+                        <a:latin typeface="Cambria Math" panose="02040503050406030204" pitchFamily="18" charset="0"/>
+                      </a:rPr>
+                      <m:t>)</m:t>
                     </m:r>
                   </m:oMath>
                 </a14:m>
@@ -13234,10 +14035,10 @@
                       </m:sSupPr>
                       <m:e>
                         <m:r>
-                          <a:rPr lang="en-US" b="0" i="1" smtClean="0">
-                            <a:latin typeface="Cambria Math" panose="02040503050406030204" pitchFamily="18" charset="0"/>
-                          </a:rPr>
-                          <m:t>𝑦</m:t>
+                          <a:rPr lang="en-US" b="1" i="1" smtClean="0">
+                            <a:latin typeface="Cambria Math" panose="02040503050406030204" pitchFamily="18" charset="0"/>
+                          </a:rPr>
+                          <m:t>𝒚</m:t>
                         </m:r>
                       </m:e>
                       <m:sup>
@@ -13367,14 +14168,21 @@
                       </m:e>
                     </m:d>
                     <m:r>
-                      <a:rPr lang="en-US" b="0" i="1" smtClean="0">
-                        <a:latin typeface="Cambria Math" panose="02040503050406030204" pitchFamily="18" charset="0"/>
-                      </a:rPr>
-                      <m:t>𝑦</m:t>
+                      <a:rPr lang="en-US" b="1" i="1" smtClean="0">
+                        <a:latin typeface="Cambria Math" panose="02040503050406030204" pitchFamily="18" charset="0"/>
+                      </a:rPr>
+                      <m:t>𝒚</m:t>
                     </m:r>
                   </m:oMath>
                 </a14:m>
-                <a:endParaRPr lang="en-US" dirty="0"/>
+                <a:endParaRPr lang="en-US" b="1" dirty="0"/>
+              </a:p>
+              <a:p>
+                <a:pPr lvl="1"/>
+                <a:r>
+                  <a:rPr lang="en-US" dirty="0"/>
+                  <a:t>Proof on the board</a:t>
+                </a:r>
               </a:p>
             </p:txBody>
           </p:sp>
@@ -13394,7 +14202,7 @@
               <a:blipFill>
                 <a:blip r:embed="rId2"/>
                 <a:stretch>
-                  <a:fillRect l="-1455" t="-1549"/>
+                  <a:fillRect l="-1261" t="-16082"/>
                 </a:stretch>
               </a:blipFill>
             </p:spPr>
@@ -13577,7 +14385,13 @@
                               <a:rPr lang="en-US" b="0" i="1" smtClean="0">
                                 <a:latin typeface="Cambria Math" panose="02040503050406030204" pitchFamily="18" charset="0"/>
                               </a:rPr>
-                              <m:t>10</m:t>
+                              <m:t>𝑖</m:t>
+                            </m:r>
+                            <m:r>
+                              <a:rPr lang="en-US" b="0" i="1" smtClean="0">
+                                <a:latin typeface="Cambria Math" panose="02040503050406030204" pitchFamily="18" charset="0"/>
+                              </a:rPr>
+                              <m:t>0</m:t>
                             </m:r>
                           </m:sub>
                         </m:sSub>
@@ -14026,7 +14840,32 @@
                     </m:nary>
                   </m:oMath>
                 </a14:m>
-                <a:endParaRPr lang="en-US" dirty="0"/>
+                <a:r>
+                  <a:rPr lang="en-US" dirty="0"/>
+                  <a:t> (correlation of feature </a:t>
+                </a:r>
+                <a14:m>
+                  <m:oMath xmlns:m="http://schemas.openxmlformats.org/officeDocument/2006/math">
+                    <m:r>
+                      <a:rPr lang="en-US" i="1">
+                        <a:latin typeface="Cambria Math" panose="02040503050406030204" pitchFamily="18" charset="0"/>
+                      </a:rPr>
+                      <m:t>ℓ</m:t>
+                    </m:r>
+                  </m:oMath>
+                </a14:m>
+                <a:r>
+                  <a:rPr lang="en-US" dirty="0"/>
+                  <a:t> and feature </a:t>
+                </a:r>
+                <a:r>
+                  <a:rPr lang="en-US" i="1" dirty="0"/>
+                  <a:t>m</a:t>
+                </a:r>
+                <a:r>
+                  <a:rPr lang="en-US" dirty="0"/>
+                  <a:t>)</a:t>
+                </a:r>
               </a:p>
               <a:p>
                 <a:pPr lvl="1"/>
@@ -14294,6 +15133,27 @@
                     </m:nary>
                   </m:oMath>
                 </a14:m>
+                <a:r>
+                  <a:rPr lang="en-US" dirty="0"/>
+                  <a:t> (correlation of feature </a:t>
+                </a:r>
+                <a14:m>
+                  <m:oMath xmlns:m="http://schemas.openxmlformats.org/officeDocument/2006/math">
+                    <m:r>
+                      <a:rPr lang="en-US" i="1">
+                        <a:latin typeface="Cambria Math" panose="02040503050406030204" pitchFamily="18" charset="0"/>
+                      </a:rPr>
+                      <m:t>ℓ</m:t>
+                    </m:r>
+                  </m:oMath>
+                </a14:m>
+                <a:r>
+                  <a:rPr lang="en-US" dirty="0"/>
+                  <a:t> and target)</a:t>
+                </a:r>
+              </a:p>
+              <a:p>
+                <a:pPr lvl="1"/>
                 <a:endParaRPr lang="en-US" dirty="0"/>
               </a:p>
               <a:p>
@@ -14307,13 +15167,19 @@
                 <a14:m>
                   <m:oMath xmlns:m="http://schemas.openxmlformats.org/officeDocument/2006/math">
                     <m:r>
+                      <a:rPr lang="en-US" b="1" i="1" smtClean="0">
+                        <a:solidFill>
+                          <a:srgbClr val="FF0000"/>
+                        </a:solidFill>
+                        <a:latin typeface="Cambria Math" panose="02040503050406030204" pitchFamily="18" charset="0"/>
+                      </a:rPr>
+                      <m:t>𝜷</m:t>
+                    </m:r>
+                    <m:r>
                       <a:rPr lang="en-US" b="0" i="1" smtClean="0">
-                        <a:latin typeface="Cambria Math" panose="02040503050406030204" pitchFamily="18" charset="0"/>
-                      </a:rPr>
-                      <m:t>𝛽</m:t>
-                    </m:r>
-                    <m:r>
-                      <a:rPr lang="en-US" b="0" i="1" smtClean="0">
+                        <a:solidFill>
+                          <a:srgbClr val="FF0000"/>
+                        </a:solidFill>
                         <a:latin typeface="Cambria Math" panose="02040503050406030204" pitchFamily="18" charset="0"/>
                       </a:rPr>
                       <m:t>=</m:t>
@@ -14322,6 +15188,9 @@
                       <m:sSubSupPr>
                         <m:ctrlPr>
                           <a:rPr lang="en-US" b="0" i="1" smtClean="0">
+                            <a:solidFill>
+                              <a:srgbClr val="FF0000"/>
+                            </a:solidFill>
                             <a:latin typeface="Cambria Math" panose="02040503050406030204" pitchFamily="18" charset="0"/>
                           </a:rPr>
                         </m:ctrlPr>
@@ -14329,6 +15198,9 @@
                       <m:e>
                         <m:r>
                           <a:rPr lang="en-US" b="0" i="1" smtClean="0">
+                            <a:solidFill>
+                              <a:srgbClr val="FF0000"/>
+                            </a:solidFill>
                             <a:latin typeface="Cambria Math" panose="02040503050406030204" pitchFamily="18" charset="0"/>
                           </a:rPr>
                           <m:t>𝑅</m:t>
@@ -14337,6 +15209,9 @@
                       <m:sub>
                         <m:r>
                           <a:rPr lang="en-US" b="0" i="1" smtClean="0">
+                            <a:solidFill>
+                              <a:srgbClr val="FF0000"/>
+                            </a:solidFill>
                             <a:latin typeface="Cambria Math" panose="02040503050406030204" pitchFamily="18" charset="0"/>
                           </a:rPr>
                           <m:t>𝐴𝐴</m:t>
@@ -14345,6 +15220,9 @@
                       <m:sup>
                         <m:r>
                           <a:rPr lang="en-US" b="0" i="1" smtClean="0">
+                            <a:solidFill>
+                              <a:srgbClr val="FF0000"/>
+                            </a:solidFill>
                             <a:latin typeface="Cambria Math" panose="02040503050406030204" pitchFamily="18" charset="0"/>
                           </a:rPr>
                           <m:t>−1</m:t>
@@ -14355,6 +15233,9 @@
                       <m:sSubPr>
                         <m:ctrlPr>
                           <a:rPr lang="en-US" b="0" i="1" smtClean="0">
+                            <a:solidFill>
+                              <a:srgbClr val="FF0000"/>
+                            </a:solidFill>
                             <a:latin typeface="Cambria Math" panose="02040503050406030204" pitchFamily="18" charset="0"/>
                           </a:rPr>
                         </m:ctrlPr>
@@ -14362,6 +15243,9 @@
                       <m:e>
                         <m:r>
                           <a:rPr lang="en-US" b="0" i="1" smtClean="0">
+                            <a:solidFill>
+                              <a:srgbClr val="FF0000"/>
+                            </a:solidFill>
                             <a:latin typeface="Cambria Math" panose="02040503050406030204" pitchFamily="18" charset="0"/>
                           </a:rPr>
                           <m:t>𝑅</m:t>
@@ -14370,6 +15254,9 @@
                       <m:sub>
                         <m:r>
                           <a:rPr lang="en-US" b="0" i="1" smtClean="0">
+                            <a:solidFill>
+                              <a:srgbClr val="FF0000"/>
+                            </a:solidFill>
                             <a:latin typeface="Cambria Math" panose="02040503050406030204" pitchFamily="18" charset="0"/>
                           </a:rPr>
                           <m:t>𝐴𝑦</m:t>
@@ -14411,7 +15298,7 @@
               <a:blipFill>
                 <a:blip r:embed="rId2"/>
                 <a:stretch>
-                  <a:fillRect l="-1455" t="-1549"/>
+                  <a:fillRect l="-1261" t="-1462"/>
                 </a:stretch>
               </a:blipFill>
             </p:spPr>
@@ -14549,7 +15436,7 @@
                       </a:schemeClr>
                     </a:solidFill>
                   </a:rPr>
-                  <a:t>output sample mean</a:t>
+                  <a:t>target sample mean</a:t>
                 </a:r>
                 <a:r>
                   <a:rPr lang="en-US" dirty="0"/>
@@ -14575,39 +15462,24 @@
                 </a:br>
                 <a14:m>
                   <m:oMath xmlns:m="http://schemas.openxmlformats.org/officeDocument/2006/math">
-                    <m:sSubSup>
-                      <m:sSubSupPr>
+                    <m:acc>
+                      <m:accPr>
+                        <m:chr m:val="̅"/>
                         <m:ctrlPr>
                           <a:rPr lang="en-US" i="1">
                             <a:latin typeface="Cambria Math" panose="02040503050406030204" pitchFamily="18" charset="0"/>
                           </a:rPr>
                         </m:ctrlPr>
-                      </m:sSubSupPr>
+                      </m:accPr>
                       <m:e>
                         <m:r>
                           <a:rPr lang="en-US" i="1">
                             <a:latin typeface="Cambria Math" panose="02040503050406030204" pitchFamily="18" charset="0"/>
                           </a:rPr>
-                          <m:t>𝑠</m:t>
+                          <m:t>𝑦</m:t>
                         </m:r>
                       </m:e>
-                      <m:sub>
-                        <m:r>
-                          <a:rPr lang="en-US" i="1">
-                            <a:latin typeface="Cambria Math" panose="02040503050406030204" pitchFamily="18" charset="0"/>
-                          </a:rPr>
-                          <m:t>𝑦</m:t>
-                        </m:r>
-                      </m:sub>
-                      <m:sup>
-                        <m:r>
-                          <a:rPr lang="en-US" i="1">
-                            <a:latin typeface="Cambria Math" panose="02040503050406030204" pitchFamily="18" charset="0"/>
-                          </a:rPr>
-                          <m:t>2</m:t>
-                        </m:r>
-                      </m:sup>
-                    </m:sSubSup>
+                    </m:acc>
                     <m:r>
                       <a:rPr lang="en-US" i="1">
                         <a:latin typeface="Cambria Math" panose="02040503050406030204" pitchFamily="18" charset="0"/>
@@ -15374,58 +16246,40 @@
                           <m:t>with</m:t>
                         </m:r>
                         <m:r>
-                          <m:rPr>
-                            <m:nor/>
-                          </m:rPr>
-                          <a:rPr lang="en-US" b="0" i="0" smtClean="0">
+                          <a:rPr lang="en-US" b="0" i="1" smtClean="0">
                             <a:latin typeface="Cambria Math" panose="02040503050406030204" pitchFamily="18" charset="0"/>
                           </a:rPr>
                           <m:t> </m:t>
                         </m:r>
                         <m:r>
-                          <m:rPr>
-                            <m:nor/>
-                          </m:rPr>
-                          <a:rPr lang="en-US" b="0" i="0" smtClean="0">
-                            <a:latin typeface="Cambria Math" panose="02040503050406030204" pitchFamily="18" charset="0"/>
-                          </a:rPr>
-                          <m:t>a</m:t>
-                        </m:r>
-                        <m:r>
-                          <m:rPr>
-                            <m:nor/>
-                          </m:rPr>
-                          <a:rPr lang="en-US" b="0" i="0" smtClean="0">
+                          <a:rPr lang="en-US" b="0" i="1" smtClean="0">
+                            <a:latin typeface="Cambria Math" panose="02040503050406030204" pitchFamily="18" charset="0"/>
+                          </a:rPr>
+                          <m:t>𝑝𝑟𝑒𝑑𝑖𝑐𝑡𝑖𝑜𝑛</m:t>
+                        </m:r>
+                        <m:r>
+                          <a:rPr lang="en-US" b="0" i="1" smtClean="0">
                             <a:latin typeface="Cambria Math" panose="02040503050406030204" pitchFamily="18" charset="0"/>
                           </a:rPr>
                           <m:t> </m:t>
                         </m:r>
                         <m:r>
-                          <m:rPr>
-                            <m:nor/>
-                          </m:rPr>
-                          <a:rPr lang="en-US" b="0" i="0" smtClean="0">
-                            <a:latin typeface="Cambria Math" panose="02040503050406030204" pitchFamily="18" charset="0"/>
-                          </a:rPr>
-                          <m:t>constant</m:t>
-                        </m:r>
-                        <m:r>
-                          <m:rPr>
-                            <m:nor/>
-                          </m:rPr>
-                          <a:rPr lang="en-US" b="0" i="0" smtClean="0">
+                          <a:rPr lang="en-US" b="0" i="1" smtClean="0">
+                            <a:latin typeface="Cambria Math" panose="02040503050406030204" pitchFamily="18" charset="0"/>
+                          </a:rPr>
+                          <m:t>𝑏𝑦</m:t>
+                        </m:r>
+                        <m:r>
+                          <a:rPr lang="en-US" b="0" i="1" smtClean="0">
                             <a:latin typeface="Cambria Math" panose="02040503050406030204" pitchFamily="18" charset="0"/>
                           </a:rPr>
                           <m:t> </m:t>
                         </m:r>
                         <m:r>
-                          <m:rPr>
-                            <m:nor/>
-                          </m:rPr>
-                          <a:rPr lang="en-US" b="0" i="0" smtClean="0">
-                            <a:latin typeface="Cambria Math" panose="02040503050406030204" pitchFamily="18" charset="0"/>
-                          </a:rPr>
-                          <m:t>model</m:t>
+                          <a:rPr lang="en-US" b="0" i="1" smtClean="0">
+                            <a:latin typeface="Cambria Math" panose="02040503050406030204" pitchFamily="18" charset="0"/>
+                          </a:rPr>
+                          <m:t>𝑚𝑒𝑎𝑛</m:t>
                         </m:r>
                       </m:den>
                     </m:f>
@@ -15602,7 +16456,7 @@
               <a:blipFill>
                 <a:blip r:embed="rId2"/>
                 <a:stretch>
-                  <a:fillRect l="-1455" t="-21831"/>
+                  <a:fillRect l="-1261" t="-21053"/>
                 </a:stretch>
               </a:blipFill>
             </p:spPr>
@@ -16454,6 +17308,1588 @@
       </p:grpSpPr>
       <p:sp>
         <p:nvSpPr>
+          <p:cNvPr id="2" name="Title 1">
+            <a:extLst>
+              <a:ext uri="{FF2B5EF4-FFF2-40B4-BE49-F238E27FC236}">
+                <a16:creationId xmlns:a16="http://schemas.microsoft.com/office/drawing/2014/main" id="{489C8513-60AC-6149-82A9-79B5BFDC46ED}"/>
+              </a:ext>
+            </a:extLst>
+          </p:cNvPr>
+          <p:cNvSpPr>
+            <a:spLocks noGrp="1"/>
+          </p:cNvSpPr>
+          <p:nvPr>
+            <p:ph type="title"/>
+          </p:nvPr>
+        </p:nvSpPr>
+        <p:spPr/>
+        <p:txBody>
+          <a:bodyPr>
+            <a:normAutofit fontScale="90000"/>
+          </a:bodyPr>
+          <a:lstStyle/>
+          <a:p>
+            <a:r>
+              <a:rPr lang="en-US" dirty="0"/>
+              <a:t>Applying Linear Regression on Mean Removed Data</a:t>
+            </a:r>
+          </a:p>
+        </p:txBody>
+      </p:sp>
+      <mc:AlternateContent xmlns:mc="http://schemas.openxmlformats.org/markup-compatibility/2006">
+        <mc:Choice xmlns:a14="http://schemas.microsoft.com/office/drawing/2010/main" Requires="a14">
+          <p:sp>
+            <p:nvSpPr>
+              <p:cNvPr id="3" name="Content Placeholder 2">
+                <a:extLst>
+                  <a:ext uri="{FF2B5EF4-FFF2-40B4-BE49-F238E27FC236}">
+                    <a16:creationId xmlns:a16="http://schemas.microsoft.com/office/drawing/2014/main" id="{D8148FF9-AD3B-5440-BFE2-903AF8C0C55C}"/>
+                  </a:ext>
+                </a:extLst>
+              </p:cNvPr>
+              <p:cNvSpPr>
+                <a:spLocks noGrp="1"/>
+              </p:cNvSpPr>
+              <p:nvPr>
+                <p:ph idx="1"/>
+              </p:nvPr>
+            </p:nvSpPr>
+            <p:spPr/>
+            <p:txBody>
+              <a:bodyPr>
+                <a:normAutofit/>
+              </a:bodyPr>
+              <a:lstStyle/>
+              <a:p>
+                <a:r>
+                  <a:rPr lang="en-US" dirty="0"/>
+                  <a:t>Why do we need the intercept term? </a:t>
+                </a:r>
+              </a:p>
+              <a:p>
+                <a:pPr lvl="1"/>
+                <a:r>
+                  <a:rPr lang="en-US" dirty="0"/>
+                  <a:t>To compensate the mean difference between </a:t>
+                </a:r>
+                <a:r>
+                  <a:rPr lang="en-US" dirty="0" err="1"/>
+                  <a:t>x</a:t>
+                </a:r>
+                <a:r>
+                  <a:rPr lang="en-US" baseline="-25000" dirty="0" err="1"/>
+                  <a:t>j</a:t>
+                </a:r>
+                <a:r>
+                  <a:rPr lang="en-US" dirty="0"/>
+                  <a:t> and y</a:t>
+                </a:r>
+              </a:p>
+              <a:p>
+                <a:pPr lvl="1"/>
+                <a:r>
+                  <a:rPr lang="en-US" dirty="0"/>
+                  <a:t>Can show that mean of predicted y = mean of y</a:t>
+                </a:r>
+              </a:p>
+              <a:p>
+                <a:r>
+                  <a:rPr lang="en-US" dirty="0"/>
+                  <a:t>Alternative approach: predict mean-removed y from mean-removed </a:t>
+                </a:r>
+                <a:r>
+                  <a:rPr lang="en-US" b="1" dirty="0"/>
+                  <a:t>x</a:t>
+                </a:r>
+              </a:p>
+              <a:p>
+                <a:pPr lvl="1"/>
+                <a:r>
+                  <a:rPr lang="en-US" dirty="0"/>
+                  <a:t>First compute mean from data:   </a:t>
+                </a:r>
+                <a14:m>
+                  <m:oMath xmlns:m="http://schemas.openxmlformats.org/officeDocument/2006/math">
+                    <m:acc>
+                      <m:accPr>
+                        <m:chr m:val="̅"/>
+                        <m:ctrlPr>
+                          <a:rPr lang="en-US" i="1">
+                            <a:latin typeface="Cambria Math" panose="02040503050406030204" pitchFamily="18" charset="0"/>
+                          </a:rPr>
+                        </m:ctrlPr>
+                      </m:accPr>
+                      <m:e>
+                        <m:r>
+                          <a:rPr lang="en-US" i="1">
+                            <a:latin typeface="Cambria Math" panose="02040503050406030204" pitchFamily="18" charset="0"/>
+                          </a:rPr>
+                          <m:t>𝑦</m:t>
+                        </m:r>
+                      </m:e>
+                    </m:acc>
+                    <m:r>
+                      <a:rPr lang="en-US" b="0" i="0" smtClean="0">
+                        <a:latin typeface="Cambria Math" panose="02040503050406030204" pitchFamily="18" charset="0"/>
+                      </a:rPr>
+                      <m:t> , </m:t>
+                    </m:r>
+                    <m:sSup>
+                      <m:sSupPr>
+                        <m:ctrlPr>
+                          <a:rPr lang="en-US" b="1" i="1" smtClean="0">
+                            <a:latin typeface="Cambria Math" panose="02040503050406030204" pitchFamily="18" charset="0"/>
+                          </a:rPr>
+                        </m:ctrlPr>
+                      </m:sSupPr>
+                      <m:e>
+                        <m:acc>
+                          <m:accPr>
+                            <m:chr m:val="̅"/>
+                            <m:ctrlPr>
+                              <a:rPr lang="en-US" b="1" i="1">
+                                <a:latin typeface="Cambria Math" panose="02040503050406030204" pitchFamily="18" charset="0"/>
+                              </a:rPr>
+                            </m:ctrlPr>
+                          </m:accPr>
+                          <m:e>
+                            <m:r>
+                              <a:rPr lang="en-US" b="1" i="1">
+                                <a:latin typeface="Cambria Math" panose="02040503050406030204" pitchFamily="18" charset="0"/>
+                              </a:rPr>
+                              <m:t>𝒙</m:t>
+                            </m:r>
+                          </m:e>
+                        </m:acc>
+                      </m:e>
+                      <m:sup>
+                        <m:r>
+                          <a:rPr lang="en-US" b="1" i="1" smtClean="0">
+                            <a:latin typeface="Cambria Math" panose="02040503050406030204" pitchFamily="18" charset="0"/>
+                          </a:rPr>
+                          <m:t>𝑻</m:t>
+                        </m:r>
+                      </m:sup>
+                    </m:sSup>
+                    <m:r>
+                      <a:rPr lang="en-US" i="1">
+                        <a:latin typeface="Cambria Math" panose="02040503050406030204" pitchFamily="18" charset="0"/>
+                      </a:rPr>
+                      <m:t>=</m:t>
+                    </m:r>
+                    <m:d>
+                      <m:dPr>
+                        <m:begChr m:val="⌈"/>
+                        <m:endChr m:val="⌉"/>
+                        <m:ctrlPr>
+                          <a:rPr lang="en-US" i="1">
+                            <a:latin typeface="Cambria Math" panose="02040503050406030204" pitchFamily="18" charset="0"/>
+                          </a:rPr>
+                        </m:ctrlPr>
+                      </m:dPr>
+                      <m:e>
+                        <m:sSub>
+                          <m:sSubPr>
+                            <m:ctrlPr>
+                              <a:rPr lang="en-US" i="1">
+                                <a:latin typeface="Cambria Math" panose="02040503050406030204" pitchFamily="18" charset="0"/>
+                              </a:rPr>
+                            </m:ctrlPr>
+                          </m:sSubPr>
+                          <m:e>
+                            <m:acc>
+                              <m:accPr>
+                                <m:chr m:val="̅"/>
+                                <m:ctrlPr>
+                                  <a:rPr lang="en-US" i="1">
+                                    <a:latin typeface="Cambria Math" panose="02040503050406030204" pitchFamily="18" charset="0"/>
+                                  </a:rPr>
+                                </m:ctrlPr>
+                              </m:accPr>
+                              <m:e>
+                                <m:r>
+                                  <a:rPr lang="en-US" i="1">
+                                    <a:latin typeface="Cambria Math" panose="02040503050406030204" pitchFamily="18" charset="0"/>
+                                  </a:rPr>
+                                  <m:t>𝑥</m:t>
+                                </m:r>
+                              </m:e>
+                            </m:acc>
+                          </m:e>
+                          <m:sub>
+                            <m:r>
+                              <a:rPr lang="en-US" i="1">
+                                <a:latin typeface="Cambria Math" panose="02040503050406030204" pitchFamily="18" charset="0"/>
+                              </a:rPr>
+                              <m:t>1</m:t>
+                            </m:r>
+                          </m:sub>
+                        </m:sSub>
+                        <m:r>
+                          <a:rPr lang="en-US" i="1">
+                            <a:latin typeface="Cambria Math" panose="02040503050406030204" pitchFamily="18" charset="0"/>
+                          </a:rPr>
+                          <m:t>,⋯,</m:t>
+                        </m:r>
+                        <m:sSub>
+                          <m:sSubPr>
+                            <m:ctrlPr>
+                              <a:rPr lang="en-US" i="1">
+                                <a:latin typeface="Cambria Math" panose="02040503050406030204" pitchFamily="18" charset="0"/>
+                              </a:rPr>
+                            </m:ctrlPr>
+                          </m:sSubPr>
+                          <m:e>
+                            <m:acc>
+                              <m:accPr>
+                                <m:chr m:val="̅"/>
+                                <m:ctrlPr>
+                                  <a:rPr lang="en-US" i="1">
+                                    <a:latin typeface="Cambria Math" panose="02040503050406030204" pitchFamily="18" charset="0"/>
+                                  </a:rPr>
+                                </m:ctrlPr>
+                              </m:accPr>
+                              <m:e>
+                                <m:r>
+                                  <a:rPr lang="en-US" i="1">
+                                    <a:latin typeface="Cambria Math" panose="02040503050406030204" pitchFamily="18" charset="0"/>
+                                  </a:rPr>
+                                  <m:t>𝑥</m:t>
+                                </m:r>
+                              </m:e>
+                            </m:acc>
+                          </m:e>
+                          <m:sub>
+                            <m:r>
+                              <a:rPr lang="en-US" i="1">
+                                <a:latin typeface="Cambria Math" panose="02040503050406030204" pitchFamily="18" charset="0"/>
+                              </a:rPr>
+                              <m:t>𝑘</m:t>
+                            </m:r>
+                          </m:sub>
+                        </m:sSub>
+                      </m:e>
+                    </m:d>
+                    <m:r>
+                      <a:rPr lang="en-US" i="1">
+                        <a:latin typeface="Cambria Math" panose="02040503050406030204" pitchFamily="18" charset="0"/>
+                      </a:rPr>
+                      <m:t> </m:t>
+                    </m:r>
+                  </m:oMath>
+                </a14:m>
+                <a:endParaRPr lang="en-US" dirty="0"/>
+              </a:p>
+              <a:p>
+                <a:pPr lvl="1"/>
+                <a:r>
+                  <a:rPr lang="en-US" dirty="0"/>
+                  <a:t>Mean-removed data:   </a:t>
+                </a:r>
+                <a14:m>
+                  <m:oMath xmlns:m="http://schemas.openxmlformats.org/officeDocument/2006/math">
+                    <m:acc>
+                      <m:accPr>
+                        <m:chr m:val="̃"/>
+                        <m:ctrlPr>
+                          <a:rPr lang="en-US" b="1" i="1" smtClean="0">
+                            <a:latin typeface="Cambria Math" panose="02040503050406030204" pitchFamily="18" charset="0"/>
+                          </a:rPr>
+                        </m:ctrlPr>
+                      </m:accPr>
+                      <m:e>
+                        <m:r>
+                          <a:rPr lang="en-US" b="1" i="1" smtClean="0">
+                            <a:latin typeface="Cambria Math" panose="02040503050406030204" pitchFamily="18" charset="0"/>
+                          </a:rPr>
+                          <m:t>𝒚</m:t>
+                        </m:r>
+                      </m:e>
+                    </m:acc>
+                    <m:r>
+                      <a:rPr lang="en-US" b="0" i="1" smtClean="0">
+                        <a:latin typeface="Cambria Math" panose="02040503050406030204" pitchFamily="18" charset="0"/>
+                      </a:rPr>
+                      <m:t>=</m:t>
+                    </m:r>
+                    <m:r>
+                      <a:rPr lang="en-US" b="1" i="1" smtClean="0">
+                        <a:latin typeface="Cambria Math" panose="02040503050406030204" pitchFamily="18" charset="0"/>
+                      </a:rPr>
+                      <m:t>𝒚</m:t>
+                    </m:r>
+                    <m:r>
+                      <a:rPr lang="en-US" b="0" i="1" smtClean="0">
+                        <a:latin typeface="Cambria Math" panose="02040503050406030204" pitchFamily="18" charset="0"/>
+                      </a:rPr>
+                      <m:t>−</m:t>
+                    </m:r>
+                  </m:oMath>
+                </a14:m>
+                <a:r>
+                  <a:rPr lang="en-US" dirty="0"/>
+                  <a:t> </a:t>
+                </a:r>
+                <a14:m>
+                  <m:oMath xmlns:m="http://schemas.openxmlformats.org/officeDocument/2006/math">
+                    <m:r>
+                      <m:rPr>
+                        <m:nor/>
+                      </m:rPr>
+                      <a:rPr lang="en-US" b="1" dirty="0"/>
+                      <m:t>1</m:t>
+                    </m:r>
+                    <m:r>
+                      <a:rPr lang="en-US" b="1" i="1" dirty="0">
+                        <a:latin typeface="Cambria Math" panose="02040503050406030204" pitchFamily="18" charset="0"/>
+                      </a:rPr>
+                      <m:t> </m:t>
+                    </m:r>
+                    <m:acc>
+                      <m:accPr>
+                        <m:chr m:val="̅"/>
+                        <m:ctrlPr>
+                          <a:rPr lang="en-US" i="1">
+                            <a:latin typeface="Cambria Math" panose="02040503050406030204" pitchFamily="18" charset="0"/>
+                          </a:rPr>
+                        </m:ctrlPr>
+                      </m:accPr>
+                      <m:e>
+                        <m:r>
+                          <a:rPr lang="en-US" i="1">
+                            <a:latin typeface="Cambria Math" panose="02040503050406030204" pitchFamily="18" charset="0"/>
+                          </a:rPr>
+                          <m:t>𝑦</m:t>
+                        </m:r>
+                      </m:e>
+                    </m:acc>
+                  </m:oMath>
+                </a14:m>
+                <a:r>
+                  <a:rPr lang="en-US" dirty="0"/>
+                  <a:t>, </a:t>
+                </a:r>
+                <a14:m>
+                  <m:oMath xmlns:m="http://schemas.openxmlformats.org/officeDocument/2006/math">
+                    <m:acc>
+                      <m:accPr>
+                        <m:chr m:val="̃"/>
+                        <m:ctrlPr>
+                          <a:rPr lang="en-US" i="1">
+                            <a:latin typeface="Cambria Math" panose="02040503050406030204" pitchFamily="18" charset="0"/>
+                          </a:rPr>
+                        </m:ctrlPr>
+                      </m:accPr>
+                      <m:e>
+                        <m:r>
+                          <a:rPr lang="en-US" b="0" i="1" smtClean="0">
+                            <a:latin typeface="Cambria Math" panose="02040503050406030204" pitchFamily="18" charset="0"/>
+                          </a:rPr>
+                          <m:t>𝑋</m:t>
+                        </m:r>
+                      </m:e>
+                    </m:acc>
+                    <m:r>
+                      <a:rPr lang="en-US" b="0" i="1" smtClean="0">
+                        <a:latin typeface="Cambria Math" panose="02040503050406030204" pitchFamily="18" charset="0"/>
+                      </a:rPr>
+                      <m:t>=</m:t>
+                    </m:r>
+                    <m:r>
+                      <a:rPr lang="en-US" b="0" i="1" smtClean="0">
+                        <a:latin typeface="Cambria Math" panose="02040503050406030204" pitchFamily="18" charset="0"/>
+                      </a:rPr>
+                      <m:t>𝑋</m:t>
+                    </m:r>
+                    <m:r>
+                      <a:rPr lang="en-US" b="0" i="1" smtClean="0">
+                        <a:latin typeface="Cambria Math" panose="02040503050406030204" pitchFamily="18" charset="0"/>
+                      </a:rPr>
+                      <m:t>−</m:t>
+                    </m:r>
+                    <m:r>
+                      <m:rPr>
+                        <m:nor/>
+                      </m:rPr>
+                      <a:rPr lang="en-US" b="1" dirty="0"/>
+                      <m:t>1</m:t>
+                    </m:r>
+                    <m:r>
+                      <m:rPr>
+                        <m:nor/>
+                      </m:rPr>
+                      <a:rPr lang="en-US" dirty="0"/>
+                      <m:t> </m:t>
+                    </m:r>
+                    <m:sSup>
+                      <m:sSupPr>
+                        <m:ctrlPr>
+                          <a:rPr lang="en-US" i="1">
+                            <a:latin typeface="Cambria Math" panose="02040503050406030204" pitchFamily="18" charset="0"/>
+                          </a:rPr>
+                        </m:ctrlPr>
+                      </m:sSupPr>
+                      <m:e>
+                        <m:acc>
+                          <m:accPr>
+                            <m:chr m:val="̅"/>
+                            <m:ctrlPr>
+                              <a:rPr lang="en-US" b="1" i="1">
+                                <a:latin typeface="Cambria Math" panose="02040503050406030204" pitchFamily="18" charset="0"/>
+                              </a:rPr>
+                            </m:ctrlPr>
+                          </m:accPr>
+                          <m:e>
+                            <m:r>
+                              <a:rPr lang="en-US" b="1" i="1">
+                                <a:latin typeface="Cambria Math" panose="02040503050406030204" pitchFamily="18" charset="0"/>
+                              </a:rPr>
+                              <m:t>𝒙</m:t>
+                            </m:r>
+                          </m:e>
+                        </m:acc>
+                      </m:e>
+                      <m:sup>
+                        <m:r>
+                          <a:rPr lang="en-US" i="1">
+                            <a:latin typeface="Cambria Math" panose="02040503050406030204" pitchFamily="18" charset="0"/>
+                          </a:rPr>
+                          <m:t>𝑇</m:t>
+                        </m:r>
+                      </m:sup>
+                    </m:sSup>
+                  </m:oMath>
+                </a14:m>
+                <a:r>
+                  <a:rPr lang="en-US" dirty="0"/>
+                  <a:t>, </a:t>
+                </a:r>
+                <a14:m>
+                  <m:oMath xmlns:m="http://schemas.openxmlformats.org/officeDocument/2006/math">
+                    <m:r>
+                      <m:rPr>
+                        <m:nor/>
+                      </m:rPr>
+                      <a:rPr lang="en-US" b="1" dirty="0"/>
+                      <m:t>1</m:t>
+                    </m:r>
+                  </m:oMath>
+                </a14:m>
+                <a:r>
+                  <a:rPr lang="en-US" dirty="0"/>
+                  <a:t>: a  </a:t>
+                </a:r>
+                <a:r>
+                  <a:rPr lang="en-US" i="1" dirty="0"/>
+                  <a:t>n</a:t>
+                </a:r>
+                <a:r>
+                  <a:rPr lang="en-US" dirty="0"/>
+                  <a:t>x1 vector consisting of </a:t>
+                </a:r>
+                <a:r>
+                  <a:rPr lang="en-US" i="1" dirty="0"/>
+                  <a:t>n</a:t>
+                </a:r>
+                <a:r>
+                  <a:rPr lang="en-US" dirty="0"/>
+                  <a:t> ones</a:t>
+                </a:r>
+              </a:p>
+              <a:p>
+                <a:pPr lvl="1"/>
+                <a:r>
+                  <a:rPr lang="en-US" dirty="0"/>
+                  <a:t>Predict</a:t>
+                </a:r>
+                <a:r>
+                  <a:rPr lang="en-US" b="1" dirty="0"/>
+                  <a:t> </a:t>
+                </a:r>
+                <a14:m>
+                  <m:oMath xmlns:m="http://schemas.openxmlformats.org/officeDocument/2006/math">
+                    <m:acc>
+                      <m:accPr>
+                        <m:chr m:val="̃"/>
+                        <m:ctrlPr>
+                          <a:rPr lang="en-US" b="1" i="1">
+                            <a:latin typeface="Cambria Math" panose="02040503050406030204" pitchFamily="18" charset="0"/>
+                          </a:rPr>
+                        </m:ctrlPr>
+                      </m:accPr>
+                      <m:e>
+                        <m:r>
+                          <a:rPr lang="en-US" b="1" i="1">
+                            <a:latin typeface="Cambria Math" panose="02040503050406030204" pitchFamily="18" charset="0"/>
+                          </a:rPr>
+                          <m:t>𝒚</m:t>
+                        </m:r>
+                      </m:e>
+                    </m:acc>
+                    <m:r>
+                      <a:rPr lang="en-US" b="1" i="1">
+                        <a:latin typeface="Cambria Math" panose="02040503050406030204" pitchFamily="18" charset="0"/>
+                      </a:rPr>
+                      <m:t> </m:t>
+                    </m:r>
+                  </m:oMath>
+                </a14:m>
+                <a:r>
+                  <a:rPr lang="en-US" dirty="0"/>
+                  <a:t>from </a:t>
+                </a:r>
+                <a14:m>
+                  <m:oMath xmlns:m="http://schemas.openxmlformats.org/officeDocument/2006/math">
+                    <m:acc>
+                      <m:accPr>
+                        <m:chr m:val="̃"/>
+                        <m:ctrlPr>
+                          <a:rPr lang="en-US" i="1">
+                            <a:latin typeface="Cambria Math" panose="02040503050406030204" pitchFamily="18" charset="0"/>
+                          </a:rPr>
+                        </m:ctrlPr>
+                      </m:accPr>
+                      <m:e>
+                        <m:r>
+                          <a:rPr lang="en-US" i="1">
+                            <a:latin typeface="Cambria Math" panose="02040503050406030204" pitchFamily="18" charset="0"/>
+                          </a:rPr>
+                          <m:t>𝑋</m:t>
+                        </m:r>
+                      </m:e>
+                    </m:acc>
+                  </m:oMath>
+                </a14:m>
+                <a:r>
+                  <a:rPr lang="en-US" dirty="0"/>
+                  <a:t> using linear regression, without the intercept term </a:t>
+                </a:r>
+              </a:p>
+              <a:p>
+                <a:pPr lvl="3"/>
+                <a14:m>
+                  <m:oMath xmlns:m="http://schemas.openxmlformats.org/officeDocument/2006/math">
+                    <m:acc>
+                      <m:accPr>
+                        <m:chr m:val="̆"/>
+                        <m:ctrlPr>
+                          <a:rPr lang="en-US" b="1" i="1" smtClean="0">
+                            <a:latin typeface="Cambria Math" panose="02040503050406030204" pitchFamily="18" charset="0"/>
+                          </a:rPr>
+                        </m:ctrlPr>
+                      </m:accPr>
+                      <m:e>
+                        <m:r>
+                          <a:rPr lang="en-US" b="1" i="1">
+                            <a:latin typeface="Cambria Math" panose="02040503050406030204" pitchFamily="18" charset="0"/>
+                          </a:rPr>
+                          <m:t>𝒚</m:t>
+                        </m:r>
+                      </m:e>
+                    </m:acc>
+                    <m:r>
+                      <a:rPr lang="en-US" b="1" i="1" smtClean="0">
+                        <a:latin typeface="Cambria Math" panose="02040503050406030204" pitchFamily="18" charset="0"/>
+                      </a:rPr>
+                      <m:t>=</m:t>
+                    </m:r>
+                    <m:acc>
+                      <m:accPr>
+                        <m:chr m:val="̃"/>
+                        <m:ctrlPr>
+                          <a:rPr lang="en-US" b="1" i="1" smtClean="0">
+                            <a:latin typeface="Cambria Math" panose="02040503050406030204" pitchFamily="18" charset="0"/>
+                          </a:rPr>
+                        </m:ctrlPr>
+                      </m:accPr>
+                      <m:e>
+                        <m:r>
+                          <a:rPr lang="en-US" b="1" i="1">
+                            <a:latin typeface="Cambria Math" panose="02040503050406030204" pitchFamily="18" charset="0"/>
+                          </a:rPr>
+                          <m:t>𝑿</m:t>
+                        </m:r>
+                      </m:e>
+                    </m:acc>
+                    <m:acc>
+                      <m:accPr>
+                        <m:chr m:val="̃"/>
+                        <m:ctrlPr>
+                          <a:rPr lang="en-US" b="1" i="1" smtClean="0">
+                            <a:latin typeface="Cambria Math" panose="02040503050406030204" pitchFamily="18" charset="0"/>
+                          </a:rPr>
+                        </m:ctrlPr>
+                      </m:accPr>
+                      <m:e>
+                        <m:r>
+                          <a:rPr lang="en-US" b="1" i="1">
+                            <a:latin typeface="Cambria Math" panose="02040503050406030204" pitchFamily="18" charset="0"/>
+                            <a:ea typeface="Cambria Math" panose="02040503050406030204" pitchFamily="18" charset="0"/>
+                          </a:rPr>
+                          <m:t>𝜷</m:t>
+                        </m:r>
+                      </m:e>
+                    </m:acc>
+                  </m:oMath>
+                </a14:m>
+                <a:endParaRPr lang="en-US" dirty="0"/>
+              </a:p>
+              <a:p>
+                <a:pPr lvl="1"/>
+                <a:r>
+                  <a:rPr lang="en-US" dirty="0"/>
+                  <a:t>Least squares solution for </a:t>
+                </a:r>
+                <a14:m>
+                  <m:oMath xmlns:m="http://schemas.openxmlformats.org/officeDocument/2006/math">
+                    <m:acc>
+                      <m:accPr>
+                        <m:chr m:val="̃"/>
+                        <m:ctrlPr>
+                          <a:rPr lang="en-US" b="1" i="1" smtClean="0">
+                            <a:latin typeface="Cambria Math" panose="02040503050406030204" pitchFamily="18" charset="0"/>
+                          </a:rPr>
+                        </m:ctrlPr>
+                      </m:accPr>
+                      <m:e>
+                        <m:r>
+                          <a:rPr lang="en-US" b="1" i="1" smtClean="0">
+                            <a:latin typeface="Cambria Math" panose="02040503050406030204" pitchFamily="18" charset="0"/>
+                          </a:rPr>
+                          <m:t>𝒚</m:t>
+                        </m:r>
+                      </m:e>
+                    </m:acc>
+                    <m:r>
+                      <a:rPr lang="en-US" b="1" i="1">
+                        <a:latin typeface="Cambria Math" panose="02040503050406030204" pitchFamily="18" charset="0"/>
+                      </a:rPr>
+                      <m:t>=</m:t>
+                    </m:r>
+                    <m:acc>
+                      <m:accPr>
+                        <m:chr m:val="̃"/>
+                        <m:ctrlPr>
+                          <a:rPr lang="en-US" b="1" i="1">
+                            <a:latin typeface="Cambria Math" panose="02040503050406030204" pitchFamily="18" charset="0"/>
+                          </a:rPr>
+                        </m:ctrlPr>
+                      </m:accPr>
+                      <m:e>
+                        <m:r>
+                          <a:rPr lang="en-US" b="1" i="1">
+                            <a:latin typeface="Cambria Math" panose="02040503050406030204" pitchFamily="18" charset="0"/>
+                          </a:rPr>
+                          <m:t>𝑿</m:t>
+                        </m:r>
+                      </m:e>
+                    </m:acc>
+                    <m:acc>
+                      <m:accPr>
+                        <m:chr m:val="̃"/>
+                        <m:ctrlPr>
+                          <a:rPr lang="en-US" b="1" i="1">
+                            <a:latin typeface="Cambria Math" panose="02040503050406030204" pitchFamily="18" charset="0"/>
+                          </a:rPr>
+                        </m:ctrlPr>
+                      </m:accPr>
+                      <m:e>
+                        <m:r>
+                          <a:rPr lang="en-US" b="1" i="1">
+                            <a:latin typeface="Cambria Math" panose="02040503050406030204" pitchFamily="18" charset="0"/>
+                            <a:ea typeface="Cambria Math" panose="02040503050406030204" pitchFamily="18" charset="0"/>
+                          </a:rPr>
+                          <m:t>𝜷</m:t>
+                        </m:r>
+                      </m:e>
+                    </m:acc>
+                  </m:oMath>
+                </a14:m>
+                <a:r>
+                  <a:rPr lang="en-US" dirty="0"/>
+                  <a:t>   is     </a:t>
+                </a:r>
+                <a14:m>
+                  <m:oMath xmlns:m="http://schemas.openxmlformats.org/officeDocument/2006/math">
+                    <m:acc>
+                      <m:accPr>
+                        <m:chr m:val="̃"/>
+                        <m:ctrlPr>
+                          <a:rPr lang="en-US" b="1" i="1">
+                            <a:latin typeface="Cambria Math" panose="02040503050406030204" pitchFamily="18" charset="0"/>
+                          </a:rPr>
+                        </m:ctrlPr>
+                      </m:accPr>
+                      <m:e>
+                        <m:r>
+                          <a:rPr lang="en-US" b="1" i="1">
+                            <a:latin typeface="Cambria Math" panose="02040503050406030204" pitchFamily="18" charset="0"/>
+                            <a:ea typeface="Cambria Math" panose="02040503050406030204" pitchFamily="18" charset="0"/>
+                          </a:rPr>
+                          <m:t>𝜷</m:t>
+                        </m:r>
+                      </m:e>
+                    </m:acc>
+                  </m:oMath>
+                </a14:m>
+                <a:r>
+                  <a:rPr lang="en-US" dirty="0"/>
+                  <a:t>= </a:t>
+                </a:r>
+                <a14:m>
+                  <m:oMath xmlns:m="http://schemas.openxmlformats.org/officeDocument/2006/math">
+                    <m:sSup>
+                      <m:sSupPr>
+                        <m:ctrlPr>
+                          <a:rPr lang="en-US" i="1" smtClean="0">
+                            <a:latin typeface="Cambria Math" panose="02040503050406030204" pitchFamily="18" charset="0"/>
+                          </a:rPr>
+                        </m:ctrlPr>
+                      </m:sSupPr>
+                      <m:e>
+                        <m:d>
+                          <m:dPr>
+                            <m:ctrlPr>
+                              <a:rPr lang="en-US" i="1">
+                                <a:latin typeface="Cambria Math" panose="02040503050406030204" pitchFamily="18" charset="0"/>
+                              </a:rPr>
+                            </m:ctrlPr>
+                          </m:dPr>
+                          <m:e>
+                            <m:sSup>
+                              <m:sSupPr>
+                                <m:ctrlPr>
+                                  <a:rPr lang="en-US" i="1">
+                                    <a:latin typeface="Cambria Math" panose="02040503050406030204" pitchFamily="18" charset="0"/>
+                                  </a:rPr>
+                                </m:ctrlPr>
+                              </m:sSupPr>
+                              <m:e>
+                                <m:acc>
+                                  <m:accPr>
+                                    <m:chr m:val="̃"/>
+                                    <m:ctrlPr>
+                                      <a:rPr lang="en-US" i="1">
+                                        <a:latin typeface="Cambria Math" panose="02040503050406030204" pitchFamily="18" charset="0"/>
+                                      </a:rPr>
+                                    </m:ctrlPr>
+                                  </m:accPr>
+                                  <m:e>
+                                    <m:r>
+                                      <a:rPr lang="en-US" i="1">
+                                        <a:latin typeface="Cambria Math" panose="02040503050406030204" pitchFamily="18" charset="0"/>
+                                      </a:rPr>
+                                      <m:t>𝑋</m:t>
+                                    </m:r>
+                                  </m:e>
+                                </m:acc>
+                              </m:e>
+                              <m:sup>
+                                <m:r>
+                                  <a:rPr lang="en-US" i="1">
+                                    <a:latin typeface="Cambria Math" panose="02040503050406030204" pitchFamily="18" charset="0"/>
+                                  </a:rPr>
+                                  <m:t>𝑇</m:t>
+                                </m:r>
+                              </m:sup>
+                            </m:sSup>
+                            <m:acc>
+                              <m:accPr>
+                                <m:chr m:val="̃"/>
+                                <m:ctrlPr>
+                                  <a:rPr lang="en-US" i="1">
+                                    <a:latin typeface="Cambria Math" panose="02040503050406030204" pitchFamily="18" charset="0"/>
+                                  </a:rPr>
+                                </m:ctrlPr>
+                              </m:accPr>
+                              <m:e>
+                                <m:r>
+                                  <a:rPr lang="en-US" i="1">
+                                    <a:latin typeface="Cambria Math" panose="02040503050406030204" pitchFamily="18" charset="0"/>
+                                  </a:rPr>
+                                  <m:t>𝑋</m:t>
+                                </m:r>
+                              </m:e>
+                            </m:acc>
+                          </m:e>
+                        </m:d>
+                      </m:e>
+                      <m:sup>
+                        <m:r>
+                          <a:rPr lang="en-US" b="0" i="1" smtClean="0">
+                            <a:latin typeface="Cambria Math" panose="02040503050406030204" pitchFamily="18" charset="0"/>
+                          </a:rPr>
+                          <m:t>−1</m:t>
+                        </m:r>
+                      </m:sup>
+                    </m:sSup>
+                    <m:sSup>
+                      <m:sSupPr>
+                        <m:ctrlPr>
+                          <a:rPr lang="en-US" i="1" smtClean="0">
+                            <a:latin typeface="Cambria Math" panose="02040503050406030204" pitchFamily="18" charset="0"/>
+                          </a:rPr>
+                        </m:ctrlPr>
+                      </m:sSupPr>
+                      <m:e>
+                        <m:acc>
+                          <m:accPr>
+                            <m:chr m:val="̃"/>
+                            <m:ctrlPr>
+                              <a:rPr lang="en-US" i="1" smtClean="0">
+                                <a:latin typeface="Cambria Math" panose="02040503050406030204" pitchFamily="18" charset="0"/>
+                              </a:rPr>
+                            </m:ctrlPr>
+                          </m:accPr>
+                          <m:e>
+                            <m:r>
+                              <a:rPr lang="en-US" i="1">
+                                <a:latin typeface="Cambria Math" panose="02040503050406030204" pitchFamily="18" charset="0"/>
+                              </a:rPr>
+                              <m:t>𝑋</m:t>
+                            </m:r>
+                          </m:e>
+                        </m:acc>
+                      </m:e>
+                      <m:sup>
+                        <m:r>
+                          <a:rPr lang="en-US" b="0" i="1" smtClean="0">
+                            <a:latin typeface="Cambria Math" panose="02040503050406030204" pitchFamily="18" charset="0"/>
+                          </a:rPr>
+                          <m:t>𝑇</m:t>
+                        </m:r>
+                      </m:sup>
+                    </m:sSup>
+                    <m:r>
+                      <a:rPr lang="en-US" i="1">
+                        <a:latin typeface="Cambria Math" panose="02040503050406030204" pitchFamily="18" charset="0"/>
+                      </a:rPr>
+                      <m:t> </m:t>
+                    </m:r>
+                    <m:acc>
+                      <m:accPr>
+                        <m:chr m:val="̃"/>
+                        <m:ctrlPr>
+                          <a:rPr lang="en-US" b="1" i="1">
+                            <a:latin typeface="Cambria Math" panose="02040503050406030204" pitchFamily="18" charset="0"/>
+                          </a:rPr>
+                        </m:ctrlPr>
+                      </m:accPr>
+                      <m:e>
+                        <m:r>
+                          <a:rPr lang="en-US" b="1" i="1" smtClean="0">
+                            <a:latin typeface="Cambria Math" panose="02040503050406030204" pitchFamily="18" charset="0"/>
+                          </a:rPr>
+                          <m:t>𝒚</m:t>
+                        </m:r>
+                      </m:e>
+                    </m:acc>
+                    <m:r>
+                      <a:rPr lang="en-US" b="1" i="1">
+                        <a:latin typeface="Cambria Math" panose="02040503050406030204" pitchFamily="18" charset="0"/>
+                      </a:rPr>
+                      <m:t> </m:t>
+                    </m:r>
+                  </m:oMath>
+                </a14:m>
+                <a:endParaRPr lang="en-US" b="1" dirty="0"/>
+              </a:p>
+              <a:p>
+                <a:pPr lvl="1"/>
+                <a:r>
+                  <a:rPr lang="en-US" dirty="0"/>
+                  <a:t>To estimate actual y for a given feature vector </a:t>
+                </a:r>
+                <a:r>
+                  <a:rPr lang="en-US" b="1" dirty="0"/>
+                  <a:t>x</a:t>
+                </a:r>
+                <a:r>
+                  <a:rPr lang="en-US" dirty="0"/>
+                  <a:t>, we add the mean back, yielding</a:t>
+                </a:r>
+              </a:p>
+              <a:p>
+                <a:pPr lvl="1"/>
+                <a14:m>
+                  <m:oMath xmlns:m="http://schemas.openxmlformats.org/officeDocument/2006/math">
+                    <m:acc>
+                      <m:accPr>
+                        <m:chr m:val="̂"/>
+                        <m:ctrlPr>
+                          <a:rPr lang="en-US" b="0" i="1" smtClean="0">
+                            <a:latin typeface="Cambria Math" panose="02040503050406030204" pitchFamily="18" charset="0"/>
+                          </a:rPr>
+                        </m:ctrlPr>
+                      </m:accPr>
+                      <m:e>
+                        <m:r>
+                          <a:rPr lang="en-US" b="0" i="1" smtClean="0">
+                            <a:latin typeface="Cambria Math" panose="02040503050406030204" pitchFamily="18" charset="0"/>
+                          </a:rPr>
+                          <m:t>𝑦</m:t>
+                        </m:r>
+                      </m:e>
+                    </m:acc>
+                    <m:r>
+                      <a:rPr lang="en-US" b="0" i="1" smtClean="0">
+                        <a:latin typeface="Cambria Math" panose="02040503050406030204" pitchFamily="18" charset="0"/>
+                      </a:rPr>
+                      <m:t>=</m:t>
+                    </m:r>
+                  </m:oMath>
+                </a14:m>
+                <a:r>
+                  <a:rPr lang="en-US" dirty="0"/>
+                  <a:t> </a:t>
+                </a:r>
+                <a14:m>
+                  <m:oMath xmlns:m="http://schemas.openxmlformats.org/officeDocument/2006/math">
+                    <m:acc>
+                      <m:accPr>
+                        <m:chr m:val="̌"/>
+                        <m:ctrlPr>
+                          <a:rPr lang="en-US" i="1">
+                            <a:latin typeface="Cambria Math" panose="02040503050406030204" pitchFamily="18" charset="0"/>
+                          </a:rPr>
+                        </m:ctrlPr>
+                      </m:accPr>
+                      <m:e>
+                        <m:r>
+                          <a:rPr lang="en-US" i="1">
+                            <a:latin typeface="Cambria Math" panose="02040503050406030204" pitchFamily="18" charset="0"/>
+                          </a:rPr>
+                          <m:t>𝑦</m:t>
+                        </m:r>
+                      </m:e>
+                    </m:acc>
+                  </m:oMath>
+                </a14:m>
+                <a:r>
+                  <a:rPr lang="en-US" dirty="0"/>
+                  <a:t>+ </a:t>
+                </a:r>
+                <a14:m>
+                  <m:oMath xmlns:m="http://schemas.openxmlformats.org/officeDocument/2006/math">
+                    <m:acc>
+                      <m:accPr>
+                        <m:chr m:val="̅"/>
+                        <m:ctrlPr>
+                          <a:rPr lang="en-US" i="1">
+                            <a:latin typeface="Cambria Math" panose="02040503050406030204" pitchFamily="18" charset="0"/>
+                          </a:rPr>
+                        </m:ctrlPr>
+                      </m:accPr>
+                      <m:e>
+                        <m:r>
+                          <a:rPr lang="en-US" i="1">
+                            <a:latin typeface="Cambria Math" panose="02040503050406030204" pitchFamily="18" charset="0"/>
+                          </a:rPr>
+                          <m:t>𝑦</m:t>
+                        </m:r>
+                      </m:e>
+                    </m:acc>
+                  </m:oMath>
+                </a14:m>
+                <a:r>
+                  <a:rPr lang="en-US" dirty="0"/>
+                  <a:t>= </a:t>
+                </a:r>
+                <a14:m>
+                  <m:oMath xmlns:m="http://schemas.openxmlformats.org/officeDocument/2006/math">
+                    <m:sSup>
+                      <m:sSupPr>
+                        <m:ctrlPr>
+                          <a:rPr lang="en-US" i="1" smtClean="0">
+                            <a:latin typeface="Cambria Math" panose="02040503050406030204" pitchFamily="18" charset="0"/>
+                          </a:rPr>
+                        </m:ctrlPr>
+                      </m:sSupPr>
+                      <m:e>
+                        <m:acc>
+                          <m:accPr>
+                            <m:chr m:val="̃"/>
+                            <m:ctrlPr>
+                              <a:rPr lang="en-US" b="1" i="1">
+                                <a:latin typeface="Cambria Math" panose="02040503050406030204" pitchFamily="18" charset="0"/>
+                              </a:rPr>
+                            </m:ctrlPr>
+                          </m:accPr>
+                          <m:e>
+                            <m:r>
+                              <a:rPr lang="en-US" b="1" i="1">
+                                <a:latin typeface="Cambria Math" panose="02040503050406030204" pitchFamily="18" charset="0"/>
+                              </a:rPr>
+                              <m:t>𝒙</m:t>
+                            </m:r>
+                          </m:e>
+                        </m:acc>
+                      </m:e>
+                      <m:sup>
+                        <m:r>
+                          <a:rPr lang="en-US" b="0" i="1" smtClean="0">
+                            <a:latin typeface="Cambria Math" panose="02040503050406030204" pitchFamily="18" charset="0"/>
+                          </a:rPr>
+                          <m:t>𝑇</m:t>
+                        </m:r>
+                      </m:sup>
+                    </m:sSup>
+                    <m:acc>
+                      <m:accPr>
+                        <m:chr m:val="̃"/>
+                        <m:ctrlPr>
+                          <a:rPr lang="en-US" b="1" i="1">
+                            <a:latin typeface="Cambria Math" panose="02040503050406030204" pitchFamily="18" charset="0"/>
+                          </a:rPr>
+                        </m:ctrlPr>
+                      </m:accPr>
+                      <m:e>
+                        <m:r>
+                          <a:rPr lang="en-US" b="1" i="1">
+                            <a:latin typeface="Cambria Math" panose="02040503050406030204" pitchFamily="18" charset="0"/>
+                            <a:ea typeface="Cambria Math" panose="02040503050406030204" pitchFamily="18" charset="0"/>
+                          </a:rPr>
+                          <m:t>𝜷</m:t>
+                        </m:r>
+                      </m:e>
+                    </m:acc>
+                    <m:r>
+                      <a:rPr lang="en-US" b="1" i="1">
+                        <a:latin typeface="Cambria Math" panose="02040503050406030204" pitchFamily="18" charset="0"/>
+                      </a:rPr>
+                      <m:t> </m:t>
+                    </m:r>
+                  </m:oMath>
+                </a14:m>
+                <a:r>
+                  <a:rPr lang="en-US" dirty="0"/>
+                  <a:t>+</a:t>
+                </a:r>
+                <a14:m>
+                  <m:oMath xmlns:m="http://schemas.openxmlformats.org/officeDocument/2006/math">
+                    <m:acc>
+                      <m:accPr>
+                        <m:chr m:val="̅"/>
+                        <m:ctrlPr>
+                          <a:rPr lang="en-US" i="1">
+                            <a:latin typeface="Cambria Math" panose="02040503050406030204" pitchFamily="18" charset="0"/>
+                          </a:rPr>
+                        </m:ctrlPr>
+                      </m:accPr>
+                      <m:e>
+                        <m:r>
+                          <a:rPr lang="en-US" i="1">
+                            <a:latin typeface="Cambria Math" panose="02040503050406030204" pitchFamily="18" charset="0"/>
+                          </a:rPr>
+                          <m:t>𝑦</m:t>
+                        </m:r>
+                      </m:e>
+                    </m:acc>
+                  </m:oMath>
+                </a14:m>
+                <a:r>
+                  <a:rPr lang="en-US" dirty="0"/>
+                  <a:t>=</a:t>
+                </a:r>
+                <a14:m>
+                  <m:oMath xmlns:m="http://schemas.openxmlformats.org/officeDocument/2006/math">
+                    <m:d>
+                      <m:dPr>
+                        <m:ctrlPr>
+                          <a:rPr lang="en-US" i="1" smtClean="0">
+                            <a:latin typeface="Cambria Math" panose="02040503050406030204" pitchFamily="18" charset="0"/>
+                          </a:rPr>
+                        </m:ctrlPr>
+                      </m:dPr>
+                      <m:e>
+                        <m:sSup>
+                          <m:sSupPr>
+                            <m:ctrlPr>
+                              <a:rPr lang="en-US" i="1" smtClean="0">
+                                <a:latin typeface="Cambria Math" panose="02040503050406030204" pitchFamily="18" charset="0"/>
+                              </a:rPr>
+                            </m:ctrlPr>
+                          </m:sSupPr>
+                          <m:e>
+                            <m:r>
+                              <a:rPr lang="en-US" b="1" i="1" smtClean="0">
+                                <a:latin typeface="Cambria Math" panose="02040503050406030204" pitchFamily="18" charset="0"/>
+                              </a:rPr>
+                              <m:t>𝒙</m:t>
+                            </m:r>
+                          </m:e>
+                          <m:sup>
+                            <m:r>
+                              <a:rPr lang="en-US" b="0" i="1" smtClean="0">
+                                <a:latin typeface="Cambria Math" panose="02040503050406030204" pitchFamily="18" charset="0"/>
+                              </a:rPr>
+                              <m:t>𝑇</m:t>
+                            </m:r>
+                          </m:sup>
+                        </m:sSup>
+                        <m:r>
+                          <a:rPr lang="en-US" i="1">
+                            <a:latin typeface="Cambria Math" panose="02040503050406030204" pitchFamily="18" charset="0"/>
+                          </a:rPr>
+                          <m:t>−</m:t>
+                        </m:r>
+                        <m:sSup>
+                          <m:sSupPr>
+                            <m:ctrlPr>
+                              <a:rPr lang="en-US" i="1">
+                                <a:latin typeface="Cambria Math" panose="02040503050406030204" pitchFamily="18" charset="0"/>
+                              </a:rPr>
+                            </m:ctrlPr>
+                          </m:sSupPr>
+                          <m:e>
+                            <m:acc>
+                              <m:accPr>
+                                <m:chr m:val="̅"/>
+                                <m:ctrlPr>
+                                  <a:rPr lang="en-US" b="1" i="1">
+                                    <a:latin typeface="Cambria Math" panose="02040503050406030204" pitchFamily="18" charset="0"/>
+                                  </a:rPr>
+                                </m:ctrlPr>
+                              </m:accPr>
+                              <m:e>
+                                <m:r>
+                                  <a:rPr lang="en-US" b="1" i="1">
+                                    <a:latin typeface="Cambria Math" panose="02040503050406030204" pitchFamily="18" charset="0"/>
+                                  </a:rPr>
+                                  <m:t>𝒙</m:t>
+                                </m:r>
+                              </m:e>
+                            </m:acc>
+                          </m:e>
+                          <m:sup>
+                            <m:r>
+                              <a:rPr lang="en-US" i="1">
+                                <a:latin typeface="Cambria Math" panose="02040503050406030204" pitchFamily="18" charset="0"/>
+                              </a:rPr>
+                              <m:t>𝑇</m:t>
+                            </m:r>
+                          </m:sup>
+                        </m:sSup>
+                      </m:e>
+                    </m:d>
+                  </m:oMath>
+                </a14:m>
+                <a:r>
+                  <a:rPr lang="en-US" dirty="0"/>
+                  <a:t> </a:t>
+                </a:r>
+                <a14:m>
+                  <m:oMath xmlns:m="http://schemas.openxmlformats.org/officeDocument/2006/math">
+                    <m:acc>
+                      <m:accPr>
+                        <m:chr m:val="̃"/>
+                        <m:ctrlPr>
+                          <a:rPr lang="en-US" b="1" i="1">
+                            <a:latin typeface="Cambria Math" panose="02040503050406030204" pitchFamily="18" charset="0"/>
+                          </a:rPr>
+                        </m:ctrlPr>
+                      </m:accPr>
+                      <m:e>
+                        <m:r>
+                          <a:rPr lang="en-US" b="1" i="1">
+                            <a:latin typeface="Cambria Math" panose="02040503050406030204" pitchFamily="18" charset="0"/>
+                            <a:ea typeface="Cambria Math" panose="02040503050406030204" pitchFamily="18" charset="0"/>
+                          </a:rPr>
+                          <m:t>𝜷</m:t>
+                        </m:r>
+                      </m:e>
+                    </m:acc>
+                    <m:r>
+                      <a:rPr lang="en-US" b="0" i="1" smtClean="0">
+                        <a:latin typeface="Cambria Math" panose="02040503050406030204" pitchFamily="18" charset="0"/>
+                        <a:ea typeface="Cambria Math" panose="02040503050406030204" pitchFamily="18" charset="0"/>
+                      </a:rPr>
+                      <m:t>+</m:t>
+                    </m:r>
+                    <m:acc>
+                      <m:accPr>
+                        <m:chr m:val="̅"/>
+                        <m:ctrlPr>
+                          <a:rPr lang="en-US" i="1">
+                            <a:latin typeface="Cambria Math" panose="02040503050406030204" pitchFamily="18" charset="0"/>
+                          </a:rPr>
+                        </m:ctrlPr>
+                      </m:accPr>
+                      <m:e>
+                        <m:r>
+                          <a:rPr lang="en-US" i="1">
+                            <a:latin typeface="Cambria Math" panose="02040503050406030204" pitchFamily="18" charset="0"/>
+                          </a:rPr>
+                          <m:t>𝑦</m:t>
+                        </m:r>
+                      </m:e>
+                    </m:acc>
+                    <m:r>
+                      <a:rPr lang="en-US" b="0" i="0" smtClean="0">
+                        <a:latin typeface="Cambria Math" panose="02040503050406030204" pitchFamily="18" charset="0"/>
+                      </a:rPr>
+                      <m:t>=</m:t>
+                    </m:r>
+                    <m:sSup>
+                      <m:sSupPr>
+                        <m:ctrlPr>
+                          <a:rPr lang="en-US" i="1">
+                            <a:latin typeface="Cambria Math" panose="02040503050406030204" pitchFamily="18" charset="0"/>
+                          </a:rPr>
+                        </m:ctrlPr>
+                      </m:sSupPr>
+                      <m:e>
+                        <m:r>
+                          <a:rPr lang="en-US" b="1" i="1">
+                            <a:latin typeface="Cambria Math" panose="02040503050406030204" pitchFamily="18" charset="0"/>
+                          </a:rPr>
+                          <m:t>𝒙</m:t>
+                        </m:r>
+                      </m:e>
+                      <m:sup>
+                        <m:r>
+                          <a:rPr lang="en-US" i="1">
+                            <a:latin typeface="Cambria Math" panose="02040503050406030204" pitchFamily="18" charset="0"/>
+                          </a:rPr>
+                          <m:t>𝑇</m:t>
+                        </m:r>
+                      </m:sup>
+                    </m:sSup>
+                    <m:acc>
+                      <m:accPr>
+                        <m:chr m:val="̃"/>
+                        <m:ctrlPr>
+                          <a:rPr lang="en-US" b="1" i="1">
+                            <a:latin typeface="Cambria Math" panose="02040503050406030204" pitchFamily="18" charset="0"/>
+                          </a:rPr>
+                        </m:ctrlPr>
+                      </m:accPr>
+                      <m:e>
+                        <m:r>
+                          <a:rPr lang="en-US" b="1" i="1">
+                            <a:latin typeface="Cambria Math" panose="02040503050406030204" pitchFamily="18" charset="0"/>
+                            <a:ea typeface="Cambria Math" panose="02040503050406030204" pitchFamily="18" charset="0"/>
+                          </a:rPr>
+                          <m:t>𝜷</m:t>
+                        </m:r>
+                      </m:e>
+                    </m:acc>
+                    <m:r>
+                      <a:rPr lang="en-US" b="0" i="0" smtClean="0">
+                        <a:latin typeface="Cambria Math" panose="02040503050406030204" pitchFamily="18" charset="0"/>
+                        <a:ea typeface="Cambria Math" panose="02040503050406030204" pitchFamily="18" charset="0"/>
+                      </a:rPr>
+                      <m:t>+</m:t>
+                    </m:r>
+                    <m:sSub>
+                      <m:sSubPr>
+                        <m:ctrlPr>
+                          <a:rPr lang="en-US" b="0" i="1" smtClean="0">
+                            <a:latin typeface="Cambria Math" panose="02040503050406030204" pitchFamily="18" charset="0"/>
+                            <a:ea typeface="Cambria Math" panose="02040503050406030204" pitchFamily="18" charset="0"/>
+                          </a:rPr>
+                        </m:ctrlPr>
+                      </m:sSubPr>
+                      <m:e>
+                        <m:r>
+                          <a:rPr lang="en-US" b="0" i="1" smtClean="0">
+                            <a:latin typeface="Cambria Math" panose="02040503050406030204" pitchFamily="18" charset="0"/>
+                            <a:ea typeface="Cambria Math" panose="02040503050406030204" pitchFamily="18" charset="0"/>
+                          </a:rPr>
+                          <m:t>𝛽</m:t>
+                        </m:r>
+                      </m:e>
+                      <m:sub>
+                        <m:r>
+                          <a:rPr lang="en-US" b="0" i="1" smtClean="0">
+                            <a:latin typeface="Cambria Math" panose="02040503050406030204" pitchFamily="18" charset="0"/>
+                            <a:ea typeface="Cambria Math" panose="02040503050406030204" pitchFamily="18" charset="0"/>
+                          </a:rPr>
+                          <m:t>0</m:t>
+                        </m:r>
+                      </m:sub>
+                    </m:sSub>
+                  </m:oMath>
+                </a14:m>
+                <a:r>
+                  <a:rPr lang="en-US" dirty="0"/>
+                  <a:t>, </a:t>
+                </a:r>
+                <a14:m>
+                  <m:oMath xmlns:m="http://schemas.openxmlformats.org/officeDocument/2006/math">
+                    <m:sSub>
+                      <m:sSubPr>
+                        <m:ctrlPr>
+                          <a:rPr lang="en-US" i="1" smtClean="0">
+                            <a:solidFill>
+                              <a:srgbClr val="FF0000"/>
+                            </a:solidFill>
+                            <a:latin typeface="Cambria Math" panose="02040503050406030204" pitchFamily="18" charset="0"/>
+                            <a:ea typeface="Cambria Math" panose="02040503050406030204" pitchFamily="18" charset="0"/>
+                          </a:rPr>
+                        </m:ctrlPr>
+                      </m:sSubPr>
+                      <m:e>
+                        <m:r>
+                          <a:rPr lang="en-US" i="1">
+                            <a:solidFill>
+                              <a:srgbClr val="FF0000"/>
+                            </a:solidFill>
+                            <a:latin typeface="Cambria Math" panose="02040503050406030204" pitchFamily="18" charset="0"/>
+                            <a:ea typeface="Cambria Math" panose="02040503050406030204" pitchFamily="18" charset="0"/>
+                          </a:rPr>
+                          <m:t>𝛽</m:t>
+                        </m:r>
+                      </m:e>
+                      <m:sub>
+                        <m:r>
+                          <a:rPr lang="en-US" i="1">
+                            <a:solidFill>
+                              <a:srgbClr val="FF0000"/>
+                            </a:solidFill>
+                            <a:latin typeface="Cambria Math" panose="02040503050406030204" pitchFamily="18" charset="0"/>
+                            <a:ea typeface="Cambria Math" panose="02040503050406030204" pitchFamily="18" charset="0"/>
+                          </a:rPr>
+                          <m:t>0</m:t>
+                        </m:r>
+                      </m:sub>
+                    </m:sSub>
+                  </m:oMath>
+                </a14:m>
+                <a:r>
+                  <a:rPr lang="en-US" dirty="0">
+                    <a:solidFill>
+                      <a:srgbClr val="FF0000"/>
+                    </a:solidFill>
+                  </a:rPr>
+                  <a:t>=</a:t>
+                </a:r>
+                <a14:m>
+                  <m:oMath xmlns:m="http://schemas.openxmlformats.org/officeDocument/2006/math">
+                    <m:acc>
+                      <m:accPr>
+                        <m:chr m:val="̅"/>
+                        <m:ctrlPr>
+                          <a:rPr lang="en-US" i="1">
+                            <a:solidFill>
+                              <a:srgbClr val="FF0000"/>
+                            </a:solidFill>
+                            <a:latin typeface="Cambria Math" panose="02040503050406030204" pitchFamily="18" charset="0"/>
+                          </a:rPr>
+                        </m:ctrlPr>
+                      </m:accPr>
+                      <m:e>
+                        <m:r>
+                          <a:rPr lang="en-US" i="1">
+                            <a:solidFill>
+                              <a:srgbClr val="FF0000"/>
+                            </a:solidFill>
+                            <a:latin typeface="Cambria Math" panose="02040503050406030204" pitchFamily="18" charset="0"/>
+                          </a:rPr>
+                          <m:t>𝑦</m:t>
+                        </m:r>
+                      </m:e>
+                    </m:acc>
+                    <m:r>
+                      <a:rPr lang="en-US" b="0" i="0" smtClean="0">
+                        <a:solidFill>
+                          <a:srgbClr val="FF0000"/>
+                        </a:solidFill>
+                        <a:latin typeface="Cambria Math" panose="02040503050406030204" pitchFamily="18" charset="0"/>
+                      </a:rPr>
+                      <m:t>−</m:t>
+                    </m:r>
+                    <m:sSup>
+                      <m:sSupPr>
+                        <m:ctrlPr>
+                          <a:rPr lang="en-US" i="1">
+                            <a:solidFill>
+                              <a:srgbClr val="FF0000"/>
+                            </a:solidFill>
+                            <a:latin typeface="Cambria Math" panose="02040503050406030204" pitchFamily="18" charset="0"/>
+                          </a:rPr>
+                        </m:ctrlPr>
+                      </m:sSupPr>
+                      <m:e>
+                        <m:acc>
+                          <m:accPr>
+                            <m:chr m:val="̅"/>
+                            <m:ctrlPr>
+                              <a:rPr lang="en-US" b="1" i="1">
+                                <a:solidFill>
+                                  <a:srgbClr val="FF0000"/>
+                                </a:solidFill>
+                                <a:latin typeface="Cambria Math" panose="02040503050406030204" pitchFamily="18" charset="0"/>
+                              </a:rPr>
+                            </m:ctrlPr>
+                          </m:accPr>
+                          <m:e>
+                            <m:r>
+                              <a:rPr lang="en-US" b="1" i="1">
+                                <a:solidFill>
+                                  <a:srgbClr val="FF0000"/>
+                                </a:solidFill>
+                                <a:latin typeface="Cambria Math" panose="02040503050406030204" pitchFamily="18" charset="0"/>
+                              </a:rPr>
+                              <m:t>𝒙</m:t>
+                            </m:r>
+                          </m:e>
+                        </m:acc>
+                      </m:e>
+                      <m:sup>
+                        <m:r>
+                          <a:rPr lang="en-US" i="1">
+                            <a:solidFill>
+                              <a:srgbClr val="FF0000"/>
+                            </a:solidFill>
+                            <a:latin typeface="Cambria Math" panose="02040503050406030204" pitchFamily="18" charset="0"/>
+                          </a:rPr>
+                          <m:t>𝑇</m:t>
+                        </m:r>
+                      </m:sup>
+                    </m:sSup>
+                    <m:r>
+                      <a:rPr lang="en-US" i="1">
+                        <a:solidFill>
+                          <a:srgbClr val="FF0000"/>
+                        </a:solidFill>
+                        <a:latin typeface="Cambria Math" panose="02040503050406030204" pitchFamily="18" charset="0"/>
+                      </a:rPr>
+                      <m:t> </m:t>
+                    </m:r>
+                    <m:acc>
+                      <m:accPr>
+                        <m:chr m:val="̃"/>
+                        <m:ctrlPr>
+                          <a:rPr lang="en-US" b="1" i="1">
+                            <a:solidFill>
+                              <a:srgbClr val="FF0000"/>
+                            </a:solidFill>
+                            <a:latin typeface="Cambria Math" panose="02040503050406030204" pitchFamily="18" charset="0"/>
+                          </a:rPr>
+                        </m:ctrlPr>
+                      </m:accPr>
+                      <m:e>
+                        <m:r>
+                          <a:rPr lang="en-US" b="1" i="1">
+                            <a:solidFill>
+                              <a:srgbClr val="FF0000"/>
+                            </a:solidFill>
+                            <a:latin typeface="Cambria Math" panose="02040503050406030204" pitchFamily="18" charset="0"/>
+                            <a:ea typeface="Cambria Math" panose="02040503050406030204" pitchFamily="18" charset="0"/>
+                          </a:rPr>
+                          <m:t>𝜷</m:t>
+                        </m:r>
+                      </m:e>
+                    </m:acc>
+                  </m:oMath>
+                </a14:m>
+                <a:endParaRPr lang="en-US" b="1" dirty="0"/>
+              </a:p>
+            </p:txBody>
+          </p:sp>
+        </mc:Choice>
+        <mc:Fallback>
+          <p:sp>
+            <p:nvSpPr>
+              <p:cNvPr id="3" name="Content Placeholder 2">
+                <a:extLst>
+                  <a:ext uri="{FF2B5EF4-FFF2-40B4-BE49-F238E27FC236}">
+                    <a16:creationId xmlns:a16="http://schemas.microsoft.com/office/drawing/2014/main" id="{D8148FF9-AD3B-5440-BFE2-903AF8C0C55C}"/>
+                  </a:ext>
+                </a:extLst>
+              </p:cNvPr>
+              <p:cNvSpPr>
+                <a:spLocks noGrp="1" noRot="1" noChangeAspect="1" noMove="1" noResize="1" noEditPoints="1" noAdjustHandles="1" noChangeArrowheads="1" noChangeShapeType="1" noTextEdit="1"/>
+              </p:cNvSpPr>
+              <p:nvPr>
+                <p:ph idx="1"/>
+              </p:nvPr>
+            </p:nvSpPr>
+            <p:spPr>
+              <a:blipFill>
+                <a:blip r:embed="rId2"/>
+                <a:stretch>
+                  <a:fillRect l="-1261" t="-1462"/>
+                </a:stretch>
+              </a:blipFill>
+            </p:spPr>
+            <p:txBody>
+              <a:bodyPr/>
+              <a:lstStyle/>
+              <a:p>
+                <a:r>
+                  <a:rPr lang="en-US">
+                    <a:noFill/>
+                  </a:rPr>
+                  <a:t> </a:t>
+                </a:r>
+              </a:p>
+            </p:txBody>
+          </p:sp>
+        </mc:Fallback>
+      </mc:AlternateContent>
+      <p:sp>
+        <p:nvSpPr>
+          <p:cNvPr id="4" name="Slide Number Placeholder 3">
+            <a:extLst>
+              <a:ext uri="{FF2B5EF4-FFF2-40B4-BE49-F238E27FC236}">
+                <a16:creationId xmlns:a16="http://schemas.microsoft.com/office/drawing/2014/main" id="{6C57C3A8-DC51-734B-B3C5-D92AF59D91C0}"/>
+              </a:ext>
+            </a:extLst>
+          </p:cNvPr>
+          <p:cNvSpPr>
+            <a:spLocks noGrp="1"/>
+          </p:cNvSpPr>
+          <p:nvPr>
+            <p:ph type="sldNum" sz="quarter" idx="12"/>
+          </p:nvPr>
+        </p:nvSpPr>
+        <p:spPr/>
+        <p:txBody>
+          <a:bodyPr/>
+          <a:lstStyle/>
+          <a:p>
+            <a:fld id="{629637A9-119A-49DA-BD12-AAC58B377D80}" type="slidenum">
+              <a:rPr lang="en-US" smtClean="0"/>
+              <a:t>25</a:t>
+            </a:fld>
+            <a:endParaRPr lang="en-US" dirty="0"/>
+          </a:p>
+        </p:txBody>
+      </p:sp>
+    </p:spTree>
+    <p:extLst>
+      <p:ext uri="{BB962C8B-B14F-4D97-AF65-F5344CB8AC3E}">
+        <p14:creationId xmlns:p14="http://schemas.microsoft.com/office/powerpoint/2010/main" val="331418584"/>
+      </p:ext>
+    </p:extLst>
+  </p:cSld>
+  <p:clrMapOvr>
+    <a:masterClrMapping/>
+  </p:clrMapOvr>
+</p:sld>
+</file>
+
+<file path=ppt/slides/slide26.xml><?xml version="1.0" encoding="utf-8"?>
+<p:sld xmlns:a="http://schemas.openxmlformats.org/drawingml/2006/main" xmlns:r="http://schemas.openxmlformats.org/officeDocument/2006/relationships" xmlns:p="http://schemas.openxmlformats.org/presentationml/2006/main">
+  <p:cSld>
+    <p:spTree>
+      <p:nvGrpSpPr>
+        <p:cNvPr id="1" name=""/>
+        <p:cNvGrpSpPr/>
+        <p:nvPr/>
+      </p:nvGrpSpPr>
+      <p:grpSpPr>
+        <a:xfrm>
+          <a:off x="0" y="0"/>
+          <a:ext cx="0" cy="0"/>
+          <a:chOff x="0" y="0"/>
+          <a:chExt cx="0" cy="0"/>
+        </a:xfrm>
+      </p:grpSpPr>
+      <p:sp>
+        <p:nvSpPr>
           <p:cNvPr id="2" name="Title 1"/>
           <p:cNvSpPr>
             <a:spLocks noGrp="1"/>
@@ -16464,18 +18900,20 @@
         </p:nvSpPr>
         <p:spPr/>
         <p:txBody>
-          <a:bodyPr/>
+          <a:bodyPr>
+            <a:normAutofit fontScale="90000"/>
+          </a:bodyPr>
           <a:lstStyle/>
           <a:p>
             <a:r>
               <a:rPr lang="en-US" dirty="0"/>
-              <a:t>LS Solution via Covariance Matrices</a:t>
+              <a:t>Solution in terms of Sample Mean, Covariance and Cross-Covariance Matrices</a:t>
             </a:r>
           </a:p>
         </p:txBody>
       </p:sp>
-      <mc:AlternateContent xmlns:mc="http://schemas.openxmlformats.org/markup-compatibility/2006" xmlns:a14="http://schemas.microsoft.com/office/drawing/2010/main">
-        <mc:Choice Requires="a14">
+      <mc:AlternateContent xmlns:mc="http://schemas.openxmlformats.org/markup-compatibility/2006">
+        <mc:Choice xmlns:a14="http://schemas.microsoft.com/office/drawing/2010/main" Requires="a14">
           <p:sp>
             <p:nvSpPr>
               <p:cNvPr id="3" name="Content Placeholder 2"/>
@@ -16488,12 +18926,14 @@
             </p:nvSpPr>
             <p:spPr/>
             <p:txBody>
-              <a:bodyPr/>
+              <a:bodyPr>
+                <a:normAutofit/>
+              </a:bodyPr>
               <a:lstStyle/>
               <a:p>
                 <a:r>
                   <a:rPr lang="en-US" dirty="0"/>
-                  <a:t>Define sample means </a:t>
+                  <a:t>Sample mean: </a:t>
                 </a:r>
                 <a14:m>
                   <m:oMath xmlns:m="http://schemas.openxmlformats.org/officeDocument/2006/math">
@@ -16501,17 +18941,17 @@
                       <m:accPr>
                         <m:chr m:val="̅"/>
                         <m:ctrlPr>
-                          <a:rPr lang="en-US" i="1" smtClean="0">
+                          <a:rPr lang="en-US" i="1">
                             <a:latin typeface="Cambria Math" panose="02040503050406030204" pitchFamily="18" charset="0"/>
                           </a:rPr>
                         </m:ctrlPr>
                       </m:accPr>
                       <m:e>
                         <m:r>
-                          <a:rPr lang="en-US" b="1" i="1" smtClean="0">
-                            <a:latin typeface="Cambria Math" panose="02040503050406030204" pitchFamily="18" charset="0"/>
-                          </a:rPr>
-                          <m:t>𝒙</m:t>
+                          <a:rPr lang="en-US" i="1">
+                            <a:latin typeface="Cambria Math" panose="02040503050406030204" pitchFamily="18" charset="0"/>
+                          </a:rPr>
+                          <m:t>𝑦</m:t>
                         </m:r>
                       </m:e>
                     </m:acc>
@@ -16521,61 +18961,179 @@
                       </a:rPr>
                       <m:t>=</m:t>
                     </m:r>
-                    <m:sSup>
-                      <m:sSupPr>
+                    <m:nary>
+                      <m:naryPr>
+                        <m:chr m:val="∑"/>
+                        <m:limLoc m:val="subSup"/>
                         <m:ctrlPr>
-                          <a:rPr lang="en-US" b="0" i="1" smtClean="0">
+                          <a:rPr lang="en-US" i="1">
                             <a:latin typeface="Cambria Math" panose="02040503050406030204" pitchFamily="18" charset="0"/>
                           </a:rPr>
                         </m:ctrlPr>
-                      </m:sSupPr>
+                      </m:naryPr>
+                      <m:sub>
+                        <m:r>
+                          <m:rPr>
+                            <m:brk m:alnAt="25"/>
+                          </m:rPr>
+                          <a:rPr lang="en-US" i="1">
+                            <a:latin typeface="Cambria Math" panose="02040503050406030204" pitchFamily="18" charset="0"/>
+                          </a:rPr>
+                          <m:t>𝑖</m:t>
+                        </m:r>
+                        <m:r>
+                          <a:rPr lang="en-US" i="1">
+                            <a:latin typeface="Cambria Math" panose="02040503050406030204" pitchFamily="18" charset="0"/>
+                          </a:rPr>
+                          <m:t>=1</m:t>
+                        </m:r>
+                      </m:sub>
+                      <m:sup>
+                        <m:r>
+                          <a:rPr lang="en-US" i="1">
+                            <a:latin typeface="Cambria Math" panose="02040503050406030204" pitchFamily="18" charset="0"/>
+                          </a:rPr>
+                          <m:t>𝑛</m:t>
+                        </m:r>
+                      </m:sup>
                       <m:e>
-                        <m:d>
-                          <m:dPr>
+                        <m:sSub>
+                          <m:sSubPr>
+                            <m:ctrlPr>
+                              <a:rPr lang="en-US" i="1" smtClean="0">
+                                <a:latin typeface="Cambria Math" panose="02040503050406030204" pitchFamily="18" charset="0"/>
+                              </a:rPr>
+                            </m:ctrlPr>
+                          </m:sSubPr>
+                          <m:e>
+                            <m:r>
+                              <a:rPr lang="en-US" b="0" i="1" smtClean="0">
+                                <a:latin typeface="Cambria Math" panose="02040503050406030204" pitchFamily="18" charset="0"/>
+                              </a:rPr>
+                              <m:t>𝑦</m:t>
+                            </m:r>
+                          </m:e>
+                          <m:sub>
+                            <m:r>
+                              <a:rPr lang="en-US" b="0" i="1" smtClean="0">
+                                <a:latin typeface="Cambria Math" panose="02040503050406030204" pitchFamily="18" charset="0"/>
+                              </a:rPr>
+                              <m:t>𝑖</m:t>
+                            </m:r>
+                          </m:sub>
+                        </m:sSub>
+                      </m:e>
+                    </m:nary>
+                  </m:oMath>
+                </a14:m>
+                <a:r>
+                  <a:rPr lang="en-US" dirty="0"/>
+                  <a:t>, </a:t>
+                </a:r>
+                <a14:m>
+                  <m:oMath xmlns:m="http://schemas.openxmlformats.org/officeDocument/2006/math">
+                    <m:sSub>
+                      <m:sSubPr>
+                        <m:ctrlPr>
+                          <a:rPr lang="en-US" i="1">
+                            <a:latin typeface="Cambria Math" panose="02040503050406030204" pitchFamily="18" charset="0"/>
+                          </a:rPr>
+                        </m:ctrlPr>
+                      </m:sSubPr>
+                      <m:e>
+                        <m:acc>
+                          <m:accPr>
+                            <m:chr m:val="̅"/>
                             <m:ctrlPr>
                               <a:rPr lang="en-US" i="1">
                                 <a:latin typeface="Cambria Math" panose="02040503050406030204" pitchFamily="18" charset="0"/>
                               </a:rPr>
                             </m:ctrlPr>
-                          </m:dPr>
+                          </m:accPr>
                           <m:e>
-                            <m:sSub>
-                              <m:sSubPr>
-                                <m:ctrlPr>
-                                  <a:rPr lang="en-US" i="1">
-                                    <a:latin typeface="Cambria Math" panose="02040503050406030204" pitchFamily="18" charset="0"/>
-                                  </a:rPr>
-                                </m:ctrlPr>
-                              </m:sSubPr>
-                              <m:e>
-                                <m:acc>
-                                  <m:accPr>
-                                    <m:chr m:val="̅"/>
-                                    <m:ctrlPr>
-                                      <a:rPr lang="en-US" i="1" smtClean="0">
-                                        <a:latin typeface="Cambria Math" panose="02040503050406030204" pitchFamily="18" charset="0"/>
-                                      </a:rPr>
-                                    </m:ctrlPr>
-                                  </m:accPr>
-                                  <m:e>
-                                    <m:r>
-                                      <a:rPr lang="en-US" b="0" i="1" smtClean="0">
-                                        <a:latin typeface="Cambria Math" panose="02040503050406030204" pitchFamily="18" charset="0"/>
-                                      </a:rPr>
-                                      <m:t>𝑥</m:t>
-                                    </m:r>
-                                  </m:e>
-                                </m:acc>
-                              </m:e>
-                              <m:sub>
-                                <m:r>
-                                  <a:rPr lang="en-US" b="0" i="1" smtClean="0">
-                                    <a:latin typeface="Cambria Math" panose="02040503050406030204" pitchFamily="18" charset="0"/>
-                                  </a:rPr>
-                                  <m:t>1</m:t>
-                                </m:r>
-                              </m:sub>
-                            </m:sSub>
+                            <m:r>
+                              <a:rPr lang="en-US" i="1">
+                                <a:latin typeface="Cambria Math" panose="02040503050406030204" pitchFamily="18" charset="0"/>
+                              </a:rPr>
+                              <m:t>𝑥</m:t>
+                            </m:r>
+                          </m:e>
+                        </m:acc>
+                      </m:e>
+                      <m:sub>
+                        <m:r>
+                          <a:rPr lang="en-US" b="0" i="1" smtClean="0">
+                            <a:latin typeface="Cambria Math" panose="02040503050406030204" pitchFamily="18" charset="0"/>
+                          </a:rPr>
+                          <m:t>𝑗</m:t>
+                        </m:r>
+                      </m:sub>
+                    </m:sSub>
+                    <m:r>
+                      <a:rPr lang="en-US" b="0" i="0" smtClean="0">
+                        <a:latin typeface="Cambria Math" panose="02040503050406030204" pitchFamily="18" charset="0"/>
+                      </a:rPr>
+                      <m:t>=</m:t>
+                    </m:r>
+                    <m:nary>
+                      <m:naryPr>
+                        <m:chr m:val="∑"/>
+                        <m:limLoc m:val="subSup"/>
+                        <m:ctrlPr>
+                          <a:rPr lang="en-US" i="1">
+                            <a:latin typeface="Cambria Math" panose="02040503050406030204" pitchFamily="18" charset="0"/>
+                          </a:rPr>
+                        </m:ctrlPr>
+                      </m:naryPr>
+                      <m:sub>
+                        <m:r>
+                          <m:rPr>
+                            <m:brk m:alnAt="25"/>
+                          </m:rPr>
+                          <a:rPr lang="en-US" i="1">
+                            <a:latin typeface="Cambria Math" panose="02040503050406030204" pitchFamily="18" charset="0"/>
+                          </a:rPr>
+                          <m:t>𝑖</m:t>
+                        </m:r>
+                        <m:r>
+                          <a:rPr lang="en-US" i="1">
+                            <a:latin typeface="Cambria Math" panose="02040503050406030204" pitchFamily="18" charset="0"/>
+                          </a:rPr>
+                          <m:t>=1</m:t>
+                        </m:r>
+                      </m:sub>
+                      <m:sup>
+                        <m:r>
+                          <a:rPr lang="en-US" i="1">
+                            <a:latin typeface="Cambria Math" panose="02040503050406030204" pitchFamily="18" charset="0"/>
+                          </a:rPr>
+                          <m:t>𝑛</m:t>
+                        </m:r>
+                      </m:sup>
+                      <m:e>
+                        <m:sSub>
+                          <m:sSubPr>
+                            <m:ctrlPr>
+                              <a:rPr lang="en-US" i="1">
+                                <a:latin typeface="Cambria Math" panose="02040503050406030204" pitchFamily="18" charset="0"/>
+                              </a:rPr>
+                            </m:ctrlPr>
+                          </m:sSubPr>
+                          <m:e>
+                            <m:r>
+                              <a:rPr lang="en-US" b="0" i="1" smtClean="0">
+                                <a:latin typeface="Cambria Math" panose="02040503050406030204" pitchFamily="18" charset="0"/>
+                              </a:rPr>
+                              <m:t>𝑥</m:t>
+                            </m:r>
+                          </m:e>
+                          <m:sub>
+                            <m:r>
+                              <a:rPr lang="en-US" i="1">
+                                <a:latin typeface="Cambria Math" panose="02040503050406030204" pitchFamily="18" charset="0"/>
+                              </a:rPr>
+                              <m:t>𝑖</m:t>
+                            </m:r>
                             <m:r>
                               <a:rPr lang="en-US" b="0" i="1" smtClean="0">
                                 <a:latin typeface="Cambria Math" panose="02040503050406030204" pitchFamily="18" charset="0"/>
@@ -16583,84 +19141,159 @@
                               <m:t>,</m:t>
                             </m:r>
                             <m:r>
+                              <a:rPr lang="en-US" b="0" i="1" smtClean="0">
+                                <a:latin typeface="Cambria Math" panose="02040503050406030204" pitchFamily="18" charset="0"/>
+                              </a:rPr>
+                              <m:t>𝑗</m:t>
+                            </m:r>
+                          </m:sub>
+                        </m:sSub>
+                      </m:e>
+                    </m:nary>
+                  </m:oMath>
+                </a14:m>
+                <a:r>
+                  <a:rPr lang="en-US" dirty="0"/>
+                  <a:t>, </a:t>
+                </a:r>
+                <a14:m>
+                  <m:oMath xmlns:m="http://schemas.openxmlformats.org/officeDocument/2006/math">
+                    <m:sSup>
+                      <m:sSupPr>
+                        <m:ctrlPr>
+                          <a:rPr lang="en-US" i="1" smtClean="0">
+                            <a:latin typeface="Cambria Math" panose="02040503050406030204" pitchFamily="18" charset="0"/>
+                          </a:rPr>
+                        </m:ctrlPr>
+                      </m:sSupPr>
+                      <m:e>
+                        <m:acc>
+                          <m:accPr>
+                            <m:chr m:val="̅"/>
+                            <m:ctrlPr>
+                              <a:rPr lang="en-US" b="1" i="1">
+                                <a:latin typeface="Cambria Math" panose="02040503050406030204" pitchFamily="18" charset="0"/>
+                              </a:rPr>
+                            </m:ctrlPr>
+                          </m:accPr>
+                          <m:e>
+                            <m:r>
+                              <a:rPr lang="en-US" b="1" i="1">
+                                <a:latin typeface="Cambria Math" panose="02040503050406030204" pitchFamily="18" charset="0"/>
+                              </a:rPr>
+                              <m:t>𝒙</m:t>
+                            </m:r>
+                          </m:e>
+                        </m:acc>
+                      </m:e>
+                      <m:sup>
+                        <m:r>
+                          <a:rPr lang="en-US" i="1">
+                            <a:latin typeface="Cambria Math" panose="02040503050406030204" pitchFamily="18" charset="0"/>
+                          </a:rPr>
+                          <m:t>𝑇</m:t>
+                        </m:r>
+                      </m:sup>
+                    </m:sSup>
+                    <m:r>
+                      <a:rPr lang="en-US" b="0" i="1" smtClean="0">
+                        <a:latin typeface="Cambria Math" panose="02040503050406030204" pitchFamily="18" charset="0"/>
+                      </a:rPr>
+                      <m:t>=</m:t>
+                    </m:r>
+                    <m:d>
+                      <m:dPr>
+                        <m:begChr m:val="["/>
+                        <m:endChr m:val="]"/>
+                        <m:ctrlPr>
+                          <a:rPr lang="en-US" i="1" dirty="0" smtClean="0">
+                            <a:latin typeface="Cambria Math" panose="02040503050406030204" pitchFamily="18" charset="0"/>
+                          </a:rPr>
+                        </m:ctrlPr>
+                      </m:dPr>
+                      <m:e>
+                        <m:sSub>
+                          <m:sSubPr>
+                            <m:ctrlPr>
                               <a:rPr lang="en-US" i="1">
                                 <a:latin typeface="Cambria Math" panose="02040503050406030204" pitchFamily="18" charset="0"/>
                               </a:rPr>
-                              <m:t>⋯,</m:t>
-                            </m:r>
-                            <m:sSub>
-                              <m:sSubPr>
+                            </m:ctrlPr>
+                          </m:sSubPr>
+                          <m:e>
+                            <m:acc>
+                              <m:accPr>
+                                <m:chr m:val="̅"/>
                                 <m:ctrlPr>
                                   <a:rPr lang="en-US" i="1">
                                     <a:latin typeface="Cambria Math" panose="02040503050406030204" pitchFamily="18" charset="0"/>
                                   </a:rPr>
                                 </m:ctrlPr>
-                              </m:sSubPr>
+                              </m:accPr>
                               <m:e>
-                                <m:acc>
-                                  <m:accPr>
-                                    <m:chr m:val="̅"/>
-                                    <m:ctrlPr>
-                                      <a:rPr lang="en-US" i="1">
-                                        <a:latin typeface="Cambria Math" panose="02040503050406030204" pitchFamily="18" charset="0"/>
-                                      </a:rPr>
-                                    </m:ctrlPr>
-                                  </m:accPr>
-                                  <m:e>
-                                    <m:r>
-                                      <a:rPr lang="en-US" i="1">
-                                        <a:latin typeface="Cambria Math" panose="02040503050406030204" pitchFamily="18" charset="0"/>
-                                      </a:rPr>
-                                      <m:t>𝑥</m:t>
-                                    </m:r>
-                                  </m:e>
-                                </m:acc>
-                              </m:e>
-                              <m:sub>
                                 <m:r>
-                                  <a:rPr lang="en-US" b="0" i="1" smtClean="0">
+                                  <a:rPr lang="en-US" i="1">
                                     <a:latin typeface="Cambria Math" panose="02040503050406030204" pitchFamily="18" charset="0"/>
                                   </a:rPr>
-                                  <m:t>𝑘</m:t>
+                                  <m:t>𝑥</m:t>
                                 </m:r>
-                              </m:sub>
-                            </m:sSub>
+                              </m:e>
+                            </m:acc>
                           </m:e>
-                        </m:d>
+                          <m:sub>
+                            <m:r>
+                              <a:rPr lang="en-US" i="1">
+                                <a:latin typeface="Cambria Math" panose="02040503050406030204" pitchFamily="18" charset="0"/>
+                              </a:rPr>
+                              <m:t>1</m:t>
+                            </m:r>
+                          </m:sub>
+                        </m:sSub>
+                        <m:r>
+                          <a:rPr lang="en-US" i="1">
+                            <a:latin typeface="Cambria Math" panose="02040503050406030204" pitchFamily="18" charset="0"/>
+                          </a:rPr>
+                          <m:t>,⋯,</m:t>
+                        </m:r>
+                        <m:sSub>
+                          <m:sSubPr>
+                            <m:ctrlPr>
+                              <a:rPr lang="en-US" i="1">
+                                <a:latin typeface="Cambria Math" panose="02040503050406030204" pitchFamily="18" charset="0"/>
+                              </a:rPr>
+                            </m:ctrlPr>
+                          </m:sSubPr>
+                          <m:e>
+                            <m:acc>
+                              <m:accPr>
+                                <m:chr m:val="̅"/>
+                                <m:ctrlPr>
+                                  <a:rPr lang="en-US" i="1">
+                                    <a:latin typeface="Cambria Math" panose="02040503050406030204" pitchFamily="18" charset="0"/>
+                                  </a:rPr>
+                                </m:ctrlPr>
+                              </m:accPr>
+                              <m:e>
+                                <m:r>
+                                  <a:rPr lang="en-US" i="1">
+                                    <a:latin typeface="Cambria Math" panose="02040503050406030204" pitchFamily="18" charset="0"/>
+                                  </a:rPr>
+                                  <m:t>𝑥</m:t>
+                                </m:r>
+                              </m:e>
+                            </m:acc>
+                          </m:e>
+                          <m:sub>
+                            <m:r>
+                              <a:rPr lang="en-US" i="1">
+                                <a:latin typeface="Cambria Math" panose="02040503050406030204" pitchFamily="18" charset="0"/>
+                              </a:rPr>
+                              <m:t>𝑘</m:t>
+                            </m:r>
+                          </m:sub>
+                        </m:sSub>
                       </m:e>
-                      <m:sup>
-                        <m:r>
-                          <a:rPr lang="en-US" b="0" i="1" smtClean="0">
-                            <a:latin typeface="Cambria Math" panose="02040503050406030204" pitchFamily="18" charset="0"/>
-                          </a:rPr>
-                          <m:t>𝑇</m:t>
-                        </m:r>
-                      </m:sup>
-                    </m:sSup>
-                    <m:r>
-                      <a:rPr lang="en-US" b="0" i="1" smtClean="0">
-                        <a:latin typeface="Cambria Math" panose="02040503050406030204" pitchFamily="18" charset="0"/>
-                      </a:rPr>
-                      <m:t>,   </m:t>
-                    </m:r>
-                    <m:acc>
-                      <m:accPr>
-                        <m:chr m:val="̅"/>
-                        <m:ctrlPr>
-                          <a:rPr lang="en-US" b="0" i="1" smtClean="0">
-                            <a:latin typeface="Cambria Math" panose="02040503050406030204" pitchFamily="18" charset="0"/>
-                          </a:rPr>
-                        </m:ctrlPr>
-                      </m:accPr>
-                      <m:e>
-                        <m:r>
-                          <a:rPr lang="en-US" b="0" i="1" smtClean="0">
-                            <a:latin typeface="Cambria Math" panose="02040503050406030204" pitchFamily="18" charset="0"/>
-                          </a:rPr>
-                          <m:t>𝑦</m:t>
-                        </m:r>
-                      </m:e>
-                    </m:acc>
+                    </m:d>
                   </m:oMath>
                 </a14:m>
                 <a:endParaRPr lang="en-US" dirty="0"/>
@@ -16668,7 +19301,7 @@
               <a:p>
                 <a:r>
                   <a:rPr lang="en-US" dirty="0"/>
-                  <a:t>Define </a:t>
+                  <a:t>Sample</a:t>
                 </a:r>
                 <a:r>
                   <a:rPr lang="en-US" dirty="0">
@@ -16679,7 +19312,7 @@
                       </a:schemeClr>
                     </a:solidFill>
                   </a:rPr>
-                  <a:t>sample covariance </a:t>
+                  <a:t> covariance </a:t>
                 </a:r>
                 <a:r>
                   <a:rPr lang="en-US" dirty="0"/>
@@ -16996,6 +19629,125 @@
                     </m:nary>
                   </m:oMath>
                 </a14:m>
+                <a:r>
+                  <a:rPr lang="en-US" dirty="0"/>
+                  <a:t>, </a:t>
+                </a:r>
+                <a14:m>
+                  <m:oMath xmlns:m="http://schemas.openxmlformats.org/officeDocument/2006/math">
+                    <m:sSub>
+                      <m:sSubPr>
+                        <m:ctrlPr>
+                          <a:rPr lang="en-US" i="1">
+                            <a:latin typeface="Cambria Math" panose="02040503050406030204" pitchFamily="18" charset="0"/>
+                          </a:rPr>
+                        </m:ctrlPr>
+                      </m:sSubPr>
+                      <m:e>
+                        <m:r>
+                          <a:rPr lang="en-US" i="1">
+                            <a:latin typeface="Cambria Math" panose="02040503050406030204" pitchFamily="18" charset="0"/>
+                          </a:rPr>
+                          <m:t>𝑆</m:t>
+                        </m:r>
+                      </m:e>
+                      <m:sub>
+                        <m:r>
+                          <a:rPr lang="en-US" i="1">
+                            <a:latin typeface="Cambria Math" panose="02040503050406030204" pitchFamily="18" charset="0"/>
+                          </a:rPr>
+                          <m:t>𝑥𝑥</m:t>
+                        </m:r>
+                      </m:sub>
+                    </m:sSub>
+                    <m:r>
+                      <a:rPr lang="en-US" b="0" i="0" smtClean="0">
+                        <a:latin typeface="Cambria Math" panose="02040503050406030204" pitchFamily="18" charset="0"/>
+                      </a:rPr>
+                      <m:t>=</m:t>
+                    </m:r>
+                    <m:f>
+                      <m:fPr>
+                        <m:ctrlPr>
+                          <a:rPr lang="en-US" b="0" i="1" smtClean="0">
+                            <a:latin typeface="Cambria Math" panose="02040503050406030204" pitchFamily="18" charset="0"/>
+                          </a:rPr>
+                        </m:ctrlPr>
+                      </m:fPr>
+                      <m:num>
+                        <m:r>
+                          <a:rPr lang="en-US" b="0" i="1" smtClean="0">
+                            <a:latin typeface="Cambria Math" panose="02040503050406030204" pitchFamily="18" charset="0"/>
+                          </a:rPr>
+                          <m:t>1</m:t>
+                        </m:r>
+                      </m:num>
+                      <m:den>
+                        <m:r>
+                          <a:rPr lang="en-US" b="0" i="1" smtClean="0">
+                            <a:latin typeface="Cambria Math" panose="02040503050406030204" pitchFamily="18" charset="0"/>
+                          </a:rPr>
+                          <m:t>𝑛</m:t>
+                        </m:r>
+                      </m:den>
+                    </m:f>
+                    <m:sSup>
+                      <m:sSupPr>
+                        <m:ctrlPr>
+                          <a:rPr lang="en-US" b="0" i="1" smtClean="0">
+                            <a:latin typeface="Cambria Math" panose="02040503050406030204" pitchFamily="18" charset="0"/>
+                          </a:rPr>
+                        </m:ctrlPr>
+                      </m:sSupPr>
+                      <m:e>
+                        <m:acc>
+                          <m:accPr>
+                            <m:chr m:val="̃"/>
+                            <m:ctrlPr>
+                              <a:rPr lang="en-US" i="1">
+                                <a:latin typeface="Cambria Math" panose="02040503050406030204" pitchFamily="18" charset="0"/>
+                              </a:rPr>
+                            </m:ctrlPr>
+                          </m:accPr>
+                          <m:e>
+                            <m:r>
+                              <a:rPr lang="en-US" i="1">
+                                <a:latin typeface="Cambria Math" panose="02040503050406030204" pitchFamily="18" charset="0"/>
+                              </a:rPr>
+                              <m:t>𝑋</m:t>
+                            </m:r>
+                          </m:e>
+                        </m:acc>
+                      </m:e>
+                      <m:sup>
+                        <m:r>
+                          <a:rPr lang="en-US" b="0" i="1" smtClean="0">
+                            <a:latin typeface="Cambria Math" panose="02040503050406030204" pitchFamily="18" charset="0"/>
+                          </a:rPr>
+                          <m:t>𝑇</m:t>
+                        </m:r>
+                      </m:sup>
+                    </m:sSup>
+                    <m:acc>
+                      <m:accPr>
+                        <m:chr m:val="̃"/>
+                        <m:ctrlPr>
+                          <a:rPr lang="en-US" i="1">
+                            <a:latin typeface="Cambria Math" panose="02040503050406030204" pitchFamily="18" charset="0"/>
+                          </a:rPr>
+                        </m:ctrlPr>
+                      </m:accPr>
+                      <m:e>
+                        <m:r>
+                          <a:rPr lang="en-US" i="1">
+                            <a:latin typeface="Cambria Math" panose="02040503050406030204" pitchFamily="18" charset="0"/>
+                          </a:rPr>
+                          <m:t>𝑋</m:t>
+                        </m:r>
+                      </m:e>
+                    </m:acc>
+                  </m:oMath>
+                </a14:m>
                 <a:endParaRPr lang="en-US" dirty="0"/>
               </a:p>
               <a:p>
@@ -17268,12 +20020,9 @@
                     </m:nary>
                   </m:oMath>
                 </a14:m>
-                <a:endParaRPr lang="en-US" dirty="0"/>
-              </a:p>
-              <a:p>
                 <a:r>
                   <a:rPr lang="en-US" dirty="0"/>
-                  <a:t>Write parameters as </a:t>
+                  <a:t>, </a:t>
                 </a:r>
                 <a14:m>
                   <m:oMath xmlns:m="http://schemas.openxmlformats.org/officeDocument/2006/math">
@@ -17287,16 +20036,169 @@
                       </m:sSubPr>
                       <m:e>
                         <m:r>
+                          <a:rPr lang="en-US" i="1">
+                            <a:latin typeface="Cambria Math" panose="02040503050406030204" pitchFamily="18" charset="0"/>
+                          </a:rPr>
+                          <m:t>𝑆</m:t>
+                        </m:r>
+                      </m:e>
+                      <m:sub>
+                        <m:r>
+                          <a:rPr lang="en-US" i="1">
+                            <a:latin typeface="Cambria Math" panose="02040503050406030204" pitchFamily="18" charset="0"/>
+                          </a:rPr>
+                          <m:t>𝑥</m:t>
+                        </m:r>
+                        <m:r>
+                          <a:rPr lang="en-US" b="0" i="1" smtClean="0">
+                            <a:latin typeface="Cambria Math" panose="02040503050406030204" pitchFamily="18" charset="0"/>
+                          </a:rPr>
+                          <m:t>𝑦</m:t>
+                        </m:r>
+                      </m:sub>
+                    </m:sSub>
+                    <m:r>
+                      <a:rPr lang="en-US">
+                        <a:latin typeface="Cambria Math" panose="02040503050406030204" pitchFamily="18" charset="0"/>
+                      </a:rPr>
+                      <m:t>=</m:t>
+                    </m:r>
+                    <m:sSup>
+                      <m:sSupPr>
+                        <m:ctrlPr>
+                          <a:rPr lang="en-US" i="1">
+                            <a:latin typeface="Cambria Math" panose="02040503050406030204" pitchFamily="18" charset="0"/>
+                          </a:rPr>
+                        </m:ctrlPr>
+                      </m:sSupPr>
+                      <m:e>
+                        <m:f>
+                          <m:fPr>
+                            <m:ctrlPr>
+                              <a:rPr lang="en-US" i="1">
+                                <a:latin typeface="Cambria Math" panose="02040503050406030204" pitchFamily="18" charset="0"/>
+                              </a:rPr>
+                            </m:ctrlPr>
+                          </m:fPr>
+                          <m:num>
+                            <m:r>
+                              <a:rPr lang="en-US" i="1">
+                                <a:latin typeface="Cambria Math" panose="02040503050406030204" pitchFamily="18" charset="0"/>
+                              </a:rPr>
+                              <m:t>1</m:t>
+                            </m:r>
+                          </m:num>
+                          <m:den>
+                            <m:r>
+                              <a:rPr lang="en-US" i="1">
+                                <a:latin typeface="Cambria Math" panose="02040503050406030204" pitchFamily="18" charset="0"/>
+                              </a:rPr>
+                              <m:t>𝑛</m:t>
+                            </m:r>
+                          </m:den>
+                        </m:f>
+                        <m:acc>
+                          <m:accPr>
+                            <m:chr m:val="̃"/>
+                            <m:ctrlPr>
+                              <a:rPr lang="en-US" i="1">
+                                <a:latin typeface="Cambria Math" panose="02040503050406030204" pitchFamily="18" charset="0"/>
+                              </a:rPr>
+                            </m:ctrlPr>
+                          </m:accPr>
+                          <m:e>
+                            <m:r>
+                              <a:rPr lang="en-US" i="1">
+                                <a:latin typeface="Cambria Math" panose="02040503050406030204" pitchFamily="18" charset="0"/>
+                              </a:rPr>
+                              <m:t>𝑋</m:t>
+                            </m:r>
+                          </m:e>
+                        </m:acc>
+                      </m:e>
+                      <m:sup>
+                        <m:r>
+                          <a:rPr lang="en-US" i="1">
+                            <a:latin typeface="Cambria Math" panose="02040503050406030204" pitchFamily="18" charset="0"/>
+                          </a:rPr>
+                          <m:t>𝑇</m:t>
+                        </m:r>
+                      </m:sup>
+                    </m:sSup>
+                    <m:acc>
+                      <m:accPr>
+                        <m:chr m:val="̃"/>
+                        <m:ctrlPr>
                           <a:rPr lang="en-US" b="1" i="1">
                             <a:latin typeface="Cambria Math" panose="02040503050406030204" pitchFamily="18" charset="0"/>
                           </a:rPr>
-                          <m:t>𝜷</m:t>
-                        </m:r>
+                        </m:ctrlPr>
+                      </m:accPr>
+                      <m:e>
                         <m:r>
                           <a:rPr lang="en-US" b="1" i="1">
                             <a:latin typeface="Cambria Math" panose="02040503050406030204" pitchFamily="18" charset="0"/>
                           </a:rPr>
-                          <m:t>=(</m:t>
+                          <m:t>𝒚</m:t>
+                        </m:r>
+                      </m:e>
+                    </m:acc>
+                  </m:oMath>
+                </a14:m>
+                <a:endParaRPr lang="en-US" dirty="0"/>
+              </a:p>
+              <a:p>
+                <a:r>
+                  <a:rPr lang="en-US" dirty="0"/>
+                  <a:t>Write parameters as </a:t>
+                </a:r>
+                <a14:m>
+                  <m:oMath xmlns:m="http://schemas.openxmlformats.org/officeDocument/2006/math">
+                    <m:sSub>
+                      <m:sSubPr>
+                        <m:ctrlPr>
+                          <a:rPr lang="en-US" i="1">
+                            <a:latin typeface="Cambria Math" panose="02040503050406030204" pitchFamily="18" charset="0"/>
+                          </a:rPr>
+                        </m:ctrlPr>
+                      </m:sSubPr>
+                      <m:e>
+                        <m:sSup>
+                          <m:sSupPr>
+                            <m:ctrlPr>
+                              <a:rPr lang="en-US" b="1" i="1" smtClean="0">
+                                <a:latin typeface="Cambria Math" panose="02040503050406030204" pitchFamily="18" charset="0"/>
+                              </a:rPr>
+                            </m:ctrlPr>
+                          </m:sSupPr>
+                          <m:e>
+                            <m:r>
+                              <a:rPr lang="en-US" b="1" i="1">
+                                <a:latin typeface="Cambria Math" panose="02040503050406030204" pitchFamily="18" charset="0"/>
+                              </a:rPr>
+                              <m:t>𝜷</m:t>
+                            </m:r>
+                          </m:e>
+                          <m:sup>
+                            <m:r>
+                              <a:rPr lang="en-US" b="1" i="1" smtClean="0">
+                                <a:latin typeface="Cambria Math" panose="02040503050406030204" pitchFamily="18" charset="0"/>
+                              </a:rPr>
+                              <m:t>𝑻</m:t>
+                            </m:r>
+                          </m:sup>
+                        </m:sSup>
+                        <m:r>
+                          <a:rPr lang="en-US" b="1" i="1">
+                            <a:latin typeface="Cambria Math" panose="02040503050406030204" pitchFamily="18" charset="0"/>
+                          </a:rPr>
+                          <m:t>=</m:t>
+                        </m:r>
+                        <m:r>
+                          <a:rPr lang="en-US" b="0" i="1" smtClean="0">
+                            <a:latin typeface="Cambria Math" panose="02040503050406030204" pitchFamily="18" charset="0"/>
+                          </a:rPr>
+                          <m:t>[</m:t>
                         </m:r>
                         <m:sSub>
                           <m:sSubPr>
@@ -17352,10 +20254,10 @@
                       </m:sub>
                     </m:sSub>
                     <m:r>
-                      <a:rPr lang="en-US" i="1">
-                        <a:latin typeface="Cambria Math" panose="02040503050406030204" pitchFamily="18" charset="0"/>
-                      </a:rPr>
-                      <m:t>)</m:t>
+                      <a:rPr lang="en-US" b="0" i="1" smtClean="0">
+                        <a:latin typeface="Cambria Math" panose="02040503050406030204" pitchFamily="18" charset="0"/>
+                      </a:rPr>
+                      <m:t>]</m:t>
                     </m:r>
                   </m:oMath>
                 </a14:m>
@@ -17365,43 +20267,6 @@
                 <a:pPr lvl="1"/>
                 <a14:m>
                   <m:oMath xmlns:m="http://schemas.openxmlformats.org/officeDocument/2006/math">
-                    <m:sSub>
-                      <m:sSubPr>
-                        <m:ctrlPr>
-                          <a:rPr lang="en-US" b="0" i="1" smtClean="0">
-                            <a:latin typeface="Cambria Math" panose="02040503050406030204" pitchFamily="18" charset="0"/>
-                          </a:rPr>
-                        </m:ctrlPr>
-                      </m:sSubPr>
-                      <m:e>
-                        <m:r>
-                          <a:rPr lang="en-US" b="1" i="1" smtClean="0">
-                            <a:latin typeface="Cambria Math" panose="02040503050406030204" pitchFamily="18" charset="0"/>
-                          </a:rPr>
-                          <m:t>𝜷</m:t>
-                        </m:r>
-                      </m:e>
-                      <m:sub>
-                        <m:r>
-                          <a:rPr lang="en-US" b="0" i="1" smtClean="0">
-                            <a:latin typeface="Cambria Math" panose="02040503050406030204" pitchFamily="18" charset="0"/>
-                          </a:rPr>
-                          <m:t>1:</m:t>
-                        </m:r>
-                        <m:r>
-                          <a:rPr lang="en-US" b="0" i="1" smtClean="0">
-                            <a:latin typeface="Cambria Math" panose="02040503050406030204" pitchFamily="18" charset="0"/>
-                          </a:rPr>
-                          <m:t>𝑘</m:t>
-                        </m:r>
-                      </m:sub>
-                    </m:sSub>
-                    <m:r>
-                      <a:rPr lang="en-US" b="0" i="1" smtClean="0">
-                        <a:latin typeface="Cambria Math" panose="02040503050406030204" pitchFamily="18" charset="0"/>
-                      </a:rPr>
-                      <m:t>=</m:t>
-                    </m:r>
                     <m:sSup>
                       <m:sSupPr>
                         <m:ctrlPr>
@@ -17411,73 +20276,37 @@
                         </m:ctrlPr>
                       </m:sSupPr>
                       <m:e>
-                        <m:d>
-                          <m:dPr>
+                        <m:sSub>
+                          <m:sSubPr>
                             <m:ctrlPr>
-                              <a:rPr lang="en-US" b="0" i="1" smtClean="0">
+                              <a:rPr lang="en-US" i="1">
                                 <a:latin typeface="Cambria Math" panose="02040503050406030204" pitchFamily="18" charset="0"/>
                               </a:rPr>
                             </m:ctrlPr>
-                          </m:dPr>
+                          </m:sSubPr>
                           <m:e>
-                            <m:sSub>
-                              <m:sSubPr>
-                                <m:ctrlPr>
-                                  <a:rPr lang="en-US" b="0" i="1" smtClean="0">
-                                    <a:latin typeface="Cambria Math" panose="02040503050406030204" pitchFamily="18" charset="0"/>
-                                  </a:rPr>
-                                </m:ctrlPr>
-                              </m:sSubPr>
-                              <m:e>
-                                <m:r>
-                                  <a:rPr lang="en-US" b="0" i="1" smtClean="0">
-                                    <a:latin typeface="Cambria Math" panose="02040503050406030204" pitchFamily="18" charset="0"/>
-                                  </a:rPr>
-                                  <m:t>𝛽</m:t>
-                                </m:r>
-                              </m:e>
-                              <m:sub>
-                                <m:r>
-                                  <a:rPr lang="en-US" b="0" i="1" smtClean="0">
-                                    <a:latin typeface="Cambria Math" panose="02040503050406030204" pitchFamily="18" charset="0"/>
-                                  </a:rPr>
-                                  <m:t>1</m:t>
-                                </m:r>
-                              </m:sub>
-                            </m:sSub>
                             <m:r>
-                              <a:rPr lang="en-US" b="0" i="1" smtClean="0">
+                              <a:rPr lang="en-US" b="1" i="1">
                                 <a:latin typeface="Cambria Math" panose="02040503050406030204" pitchFamily="18" charset="0"/>
                               </a:rPr>
-                              <m:t>,…,</m:t>
+                              <m:t>𝜷</m:t>
                             </m:r>
-                            <m:sSub>
-                              <m:sSubPr>
-                                <m:ctrlPr>
-                                  <a:rPr lang="en-US" b="0" i="1" smtClean="0">
-                                    <a:latin typeface="Cambria Math" panose="02040503050406030204" pitchFamily="18" charset="0"/>
-                                  </a:rPr>
-                                </m:ctrlPr>
-                              </m:sSubPr>
-                              <m:e>
-                                <m:r>
-                                  <a:rPr lang="en-US" b="0" i="1" smtClean="0">
-                                    <a:latin typeface="Cambria Math" panose="02040503050406030204" pitchFamily="18" charset="0"/>
-                                  </a:rPr>
-                                  <m:t>𝛽</m:t>
-                                </m:r>
-                              </m:e>
-                              <m:sub>
-                                <m:r>
-                                  <a:rPr lang="en-US" b="0" i="1" smtClean="0">
-                                    <a:latin typeface="Cambria Math" panose="02040503050406030204" pitchFamily="18" charset="0"/>
-                                  </a:rPr>
-                                  <m:t>𝑘</m:t>
-                                </m:r>
-                              </m:sub>
-                            </m:sSub>
                           </m:e>
-                        </m:d>
+                          <m:sub>
+                            <m:r>
+                              <a:rPr lang="en-US" i="1">
+                                <a:latin typeface="Cambria Math" panose="02040503050406030204" pitchFamily="18" charset="0"/>
+                              </a:rPr>
+                              <m:t>1:</m:t>
+                            </m:r>
+                            <m:r>
+                              <a:rPr lang="en-US" i="1">
+                                <a:latin typeface="Cambria Math" panose="02040503050406030204" pitchFamily="18" charset="0"/>
+                              </a:rPr>
+                              <m:t>𝑘</m:t>
+                            </m:r>
+                          </m:sub>
+                        </m:sSub>
                       </m:e>
                       <m:sup>
                         <m:r>
@@ -17488,42 +20317,114 @@
                         </m:r>
                       </m:sup>
                     </m:sSup>
+                    <m:r>
+                      <a:rPr lang="en-US" b="0" i="1" smtClean="0">
+                        <a:latin typeface="Cambria Math" panose="02040503050406030204" pitchFamily="18" charset="0"/>
+                      </a:rPr>
+                      <m:t>=</m:t>
+                    </m:r>
+                    <m:d>
+                      <m:dPr>
+                        <m:begChr m:val="["/>
+                        <m:endChr m:val="]"/>
+                        <m:ctrlPr>
+                          <a:rPr lang="en-US" b="0" i="1" smtClean="0">
+                            <a:latin typeface="Cambria Math" panose="02040503050406030204" pitchFamily="18" charset="0"/>
+                          </a:rPr>
+                        </m:ctrlPr>
+                      </m:dPr>
+                      <m:e>
+                        <m:sSub>
+                          <m:sSubPr>
+                            <m:ctrlPr>
+                              <a:rPr lang="en-US" i="1">
+                                <a:latin typeface="Cambria Math" panose="02040503050406030204" pitchFamily="18" charset="0"/>
+                              </a:rPr>
+                            </m:ctrlPr>
+                          </m:sSubPr>
+                          <m:e>
+                            <m:r>
+                              <a:rPr lang="en-US" i="1">
+                                <a:latin typeface="Cambria Math" panose="02040503050406030204" pitchFamily="18" charset="0"/>
+                              </a:rPr>
+                              <m:t>𝛽</m:t>
+                            </m:r>
+                          </m:e>
+                          <m:sub>
+                            <m:r>
+                              <a:rPr lang="en-US" i="1">
+                                <a:latin typeface="Cambria Math" panose="02040503050406030204" pitchFamily="18" charset="0"/>
+                              </a:rPr>
+                              <m:t>1</m:t>
+                            </m:r>
+                          </m:sub>
+                        </m:sSub>
+                        <m:r>
+                          <a:rPr lang="en-US" i="1">
+                            <a:latin typeface="Cambria Math" panose="02040503050406030204" pitchFamily="18" charset="0"/>
+                          </a:rPr>
+                          <m:t>,…,</m:t>
+                        </m:r>
+                        <m:sSub>
+                          <m:sSubPr>
+                            <m:ctrlPr>
+                              <a:rPr lang="en-US" i="1">
+                                <a:latin typeface="Cambria Math" panose="02040503050406030204" pitchFamily="18" charset="0"/>
+                              </a:rPr>
+                            </m:ctrlPr>
+                          </m:sSubPr>
+                          <m:e>
+                            <m:r>
+                              <a:rPr lang="en-US" i="1">
+                                <a:latin typeface="Cambria Math" panose="02040503050406030204" pitchFamily="18" charset="0"/>
+                              </a:rPr>
+                              <m:t>𝛽</m:t>
+                            </m:r>
+                          </m:e>
+                          <m:sub>
+                            <m:r>
+                              <a:rPr lang="en-US" i="1">
+                                <a:latin typeface="Cambria Math" panose="02040503050406030204" pitchFamily="18" charset="0"/>
+                              </a:rPr>
+                              <m:t>𝑘</m:t>
+                            </m:r>
+                          </m:sub>
+                        </m:sSub>
+                      </m:e>
+                    </m:d>
                   </m:oMath>
                 </a14:m>
                 <a:r>
                   <a:rPr lang="en-US" dirty="0"/>
-                  <a:t> = coefficients for the values </a:t>
+                  <a:t> coefficients for the features (=</a:t>
                 </a:r>
                 <a14:m>
                   <m:oMath xmlns:m="http://schemas.openxmlformats.org/officeDocument/2006/math">
-                    <m:sSub>
-                      <m:sSubPr>
+                    <m:acc>
+                      <m:accPr>
+                        <m:chr m:val="̃"/>
                         <m:ctrlPr>
-                          <a:rPr lang="en-US" b="0" i="1" smtClean="0">
+                          <a:rPr lang="en-US" b="1" i="1">
                             <a:latin typeface="Cambria Math" panose="02040503050406030204" pitchFamily="18" charset="0"/>
                           </a:rPr>
                         </m:ctrlPr>
-                      </m:sSubPr>
+                      </m:accPr>
                       <m:e>
                         <m:r>
-                          <a:rPr lang="en-US" b="0" i="1" smtClean="0">
-                            <a:latin typeface="Cambria Math" panose="02040503050406030204" pitchFamily="18" charset="0"/>
-                          </a:rPr>
-                          <m:t>𝑥</m:t>
+                          <a:rPr lang="en-US" b="1" i="1">
+                            <a:latin typeface="Cambria Math" panose="02040503050406030204" pitchFamily="18" charset="0"/>
+                            <a:ea typeface="Cambria Math" panose="02040503050406030204" pitchFamily="18" charset="0"/>
+                          </a:rPr>
+                          <m:t>𝜷</m:t>
                         </m:r>
                       </m:e>
-                      <m:sub>
-                        <m:r>
-                          <a:rPr lang="en-US" b="0" i="1" smtClean="0">
-                            <a:latin typeface="Cambria Math" panose="02040503050406030204" pitchFamily="18" charset="0"/>
-                          </a:rPr>
-                          <m:t>𝑗</m:t>
-                        </m:r>
-                      </m:sub>
-                    </m:sSub>
+                    </m:acc>
                   </m:oMath>
                 </a14:m>
-                <a:endParaRPr lang="en-US" dirty="0"/>
+                <a:r>
+                  <a:rPr lang="en-US" dirty="0"/>
+                  <a:t>)</a:t>
+                </a:r>
               </a:p>
               <a:p>
                 <a:pPr lvl="1"/>
@@ -17564,46 +20465,228 @@
               <a:p>
                 <a:r>
                   <a:rPr lang="en-US" dirty="0"/>
-                  <a:t>With some long algebraic manipulations (not in this class):</a:t>
-                </a:r>
-                <a:br>
-                  <a:rPr lang="en-US" dirty="0"/>
-                </a:br>
+                  <a:t>From previous derivation, given a sample feature </a:t>
+                </a:r>
                 <a14:m>
                   <m:oMath xmlns:m="http://schemas.openxmlformats.org/officeDocument/2006/math">
+                    <m:r>
+                      <a:rPr lang="en-US" b="1" i="1" smtClean="0">
+                        <a:latin typeface="Cambria Math" panose="02040503050406030204" pitchFamily="18" charset="0"/>
+                      </a:rPr>
+                      <m:t>𝒙</m:t>
+                    </m:r>
+                    <m:r>
+                      <a:rPr lang="en-US" b="0" i="1" smtClean="0">
+                        <a:latin typeface="Cambria Math" panose="02040503050406030204" pitchFamily="18" charset="0"/>
+                      </a:rPr>
+                      <m:t>,  </m:t>
+                    </m:r>
+                  </m:oMath>
+                </a14:m>
+                <a:r>
+                  <a:rPr lang="en-US" dirty="0"/>
+                  <a:t>the optimal predictor is</a:t>
+                </a:r>
+              </a:p>
+              <a:p>
+                <a:pPr lvl="1"/>
+                <a14:m>
+                  <m:oMath xmlns:m="http://schemas.openxmlformats.org/officeDocument/2006/math">
+                    <m:r>
+                      <a:rPr lang="en-US" i="1" smtClean="0">
+                        <a:solidFill>
+                          <a:srgbClr val="FF0000"/>
+                        </a:solidFill>
+                        <a:latin typeface="Cambria Math" panose="02040503050406030204" pitchFamily="18" charset="0"/>
+                      </a:rPr>
+                      <m:t>𝑦</m:t>
+                    </m:r>
+                    <m:r>
+                      <a:rPr lang="en-US" i="1" smtClean="0">
+                        <a:solidFill>
+                          <a:srgbClr val="FF0000"/>
+                        </a:solidFill>
+                        <a:latin typeface="Cambria Math" panose="02040503050406030204" pitchFamily="18" charset="0"/>
+                      </a:rPr>
+                      <m:t>=</m:t>
+                    </m:r>
                     <m:sSub>
                       <m:sSubPr>
                         <m:ctrlPr>
-                          <a:rPr lang="en-US" i="1">
+                          <a:rPr lang="en-US" i="1" smtClean="0">
+                            <a:solidFill>
+                              <a:srgbClr val="FF0000"/>
+                            </a:solidFill>
                             <a:latin typeface="Cambria Math" panose="02040503050406030204" pitchFamily="18" charset="0"/>
                           </a:rPr>
                         </m:ctrlPr>
                       </m:sSubPr>
                       <m:e>
+                        <m:sSup>
+                          <m:sSupPr>
+                            <m:ctrlPr>
+                              <a:rPr lang="en-US" i="1">
+                                <a:solidFill>
+                                  <a:srgbClr val="FF0000"/>
+                                </a:solidFill>
+                                <a:latin typeface="Cambria Math" panose="02040503050406030204" pitchFamily="18" charset="0"/>
+                              </a:rPr>
+                            </m:ctrlPr>
+                          </m:sSupPr>
+                          <m:e>
+                            <m:sSup>
+                              <m:sSupPr>
+                                <m:ctrlPr>
+                                  <a:rPr lang="en-US" i="1">
+                                    <a:solidFill>
+                                      <a:srgbClr val="FF0000"/>
+                                    </a:solidFill>
+                                    <a:latin typeface="Cambria Math" panose="02040503050406030204" pitchFamily="18" charset="0"/>
+                                  </a:rPr>
+                                </m:ctrlPr>
+                              </m:sSupPr>
+                              <m:e>
+                                <m:r>
+                                  <a:rPr lang="en-US" b="1" i="1">
+                                    <a:solidFill>
+                                      <a:srgbClr val="FF0000"/>
+                                    </a:solidFill>
+                                    <a:latin typeface="Cambria Math" panose="02040503050406030204" pitchFamily="18" charset="0"/>
+                                  </a:rPr>
+                                  <m:t>𝜷</m:t>
+                                </m:r>
+                              </m:e>
+                              <m:sup>
+                                <m:r>
+                                  <a:rPr lang="en-US" i="1">
+                                    <a:solidFill>
+                                      <a:srgbClr val="FF0000"/>
+                                    </a:solidFill>
+                                    <a:latin typeface="Cambria Math" panose="02040503050406030204" pitchFamily="18" charset="0"/>
+                                  </a:rPr>
+                                  <m:t>1:</m:t>
+                                </m:r>
+                                <m:r>
+                                  <a:rPr lang="en-US" i="1">
+                                    <a:solidFill>
+                                      <a:srgbClr val="FF0000"/>
+                                    </a:solidFill>
+                                    <a:latin typeface="Cambria Math" panose="02040503050406030204" pitchFamily="18" charset="0"/>
+                                  </a:rPr>
+                                  <m:t>𝑘</m:t>
+                                </m:r>
+                              </m:sup>
+                            </m:sSup>
+                          </m:e>
+                          <m:sup>
+                            <m:r>
+                              <a:rPr lang="en-US" i="1">
+                                <a:solidFill>
+                                  <a:srgbClr val="FF0000"/>
+                                </a:solidFill>
+                                <a:latin typeface="Cambria Math" panose="02040503050406030204" pitchFamily="18" charset="0"/>
+                              </a:rPr>
+                              <m:t>𝑇</m:t>
+                            </m:r>
+                          </m:sup>
+                        </m:sSup>
                         <m:r>
                           <a:rPr lang="en-US" b="1" i="1">
-                            <a:latin typeface="Cambria Math" panose="02040503050406030204" pitchFamily="18" charset="0"/>
-                          </a:rPr>
-                          <m:t>𝜷</m:t>
+                            <a:solidFill>
+                              <a:srgbClr val="FF0000"/>
+                            </a:solidFill>
+                            <a:latin typeface="Cambria Math" panose="02040503050406030204" pitchFamily="18" charset="0"/>
+                          </a:rPr>
+                          <m:t>𝒙</m:t>
+                        </m:r>
+                        <m:r>
+                          <a:rPr lang="en-US" i="1">
+                            <a:solidFill>
+                              <a:srgbClr val="FF0000"/>
+                            </a:solidFill>
+                            <a:latin typeface="Cambria Math" panose="02040503050406030204" pitchFamily="18" charset="0"/>
+                          </a:rPr>
+                          <m:t>+</m:t>
+                        </m:r>
+                        <m:r>
+                          <a:rPr lang="en-US" i="1">
+                            <a:solidFill>
+                              <a:srgbClr val="FF0000"/>
+                            </a:solidFill>
+                            <a:latin typeface="Cambria Math" panose="02040503050406030204" pitchFamily="18" charset="0"/>
+                          </a:rPr>
+                          <m:t>𝛽</m:t>
                         </m:r>
                       </m:e>
                       <m:sub>
                         <m:r>
                           <a:rPr lang="en-US" i="1">
-                            <a:latin typeface="Cambria Math" panose="02040503050406030204" pitchFamily="18" charset="0"/>
-                          </a:rPr>
-                          <m:t>1:</m:t>
-                        </m:r>
-                        <m:r>
-                          <a:rPr lang="en-US" i="1">
-                            <a:latin typeface="Cambria Math" panose="02040503050406030204" pitchFamily="18" charset="0"/>
-                          </a:rPr>
-                          <m:t>𝑘</m:t>
+                            <a:solidFill>
+                              <a:srgbClr val="FF0000"/>
+                            </a:solidFill>
+                            <a:latin typeface="Cambria Math" panose="02040503050406030204" pitchFamily="18" charset="0"/>
+                          </a:rPr>
+                          <m:t>0</m:t>
                         </m:r>
                       </m:sub>
                     </m:sSub>
+                    <m:sSub>
+                      <m:sSubPr>
+                        <m:ctrlPr>
+                          <a:rPr lang="en-US" i="1">
+                            <a:solidFill>
+                              <a:srgbClr val="FF0000"/>
+                            </a:solidFill>
+                            <a:latin typeface="Cambria Math" panose="02040503050406030204" pitchFamily="18" charset="0"/>
+                          </a:rPr>
+                        </m:ctrlPr>
+                      </m:sSubPr>
+                      <m:e>
+                        <m:r>
+                          <a:rPr lang="en-US" b="1" i="1" smtClean="0">
+                            <a:solidFill>
+                              <a:srgbClr val="FF0000"/>
+                            </a:solidFill>
+                            <a:latin typeface="Cambria Math" panose="02040503050406030204" pitchFamily="18" charset="0"/>
+                          </a:rPr>
+                          <m:t>,  </m:t>
+                        </m:r>
+                        <m:r>
+                          <a:rPr lang="en-US" b="1" i="1">
+                            <a:solidFill>
+                              <a:srgbClr val="FF0000"/>
+                            </a:solidFill>
+                            <a:latin typeface="Cambria Math" panose="02040503050406030204" pitchFamily="18" charset="0"/>
+                          </a:rPr>
+                          <m:t>𝜷</m:t>
+                        </m:r>
+                      </m:e>
+                      <m:sub>
+                        <m:r>
+                          <a:rPr lang="en-US" i="1">
+                            <a:solidFill>
+                              <a:srgbClr val="FF0000"/>
+                            </a:solidFill>
+                            <a:latin typeface="Cambria Math" panose="02040503050406030204" pitchFamily="18" charset="0"/>
+                          </a:rPr>
+                          <m:t>1:</m:t>
+                        </m:r>
+                        <m:r>
+                          <a:rPr lang="en-US" i="1">
+                            <a:solidFill>
+                              <a:srgbClr val="FF0000"/>
+                            </a:solidFill>
+                            <a:latin typeface="Cambria Math" panose="02040503050406030204" pitchFamily="18" charset="0"/>
+                          </a:rPr>
+                          <m:t>𝑘</m:t>
+                        </m:r>
+                      </m:sub>
+                    </m:sSub>
                     <m:r>
                       <a:rPr lang="en-US" b="0" i="1" smtClean="0">
+                        <a:solidFill>
+                          <a:srgbClr val="FF0000"/>
+                        </a:solidFill>
                         <a:latin typeface="Cambria Math" panose="02040503050406030204" pitchFamily="18" charset="0"/>
                       </a:rPr>
                       <m:t>=</m:t>
@@ -17612,6 +20695,9 @@
                       <m:sSubSupPr>
                         <m:ctrlPr>
                           <a:rPr lang="en-US" b="0" i="1" smtClean="0">
+                            <a:solidFill>
+                              <a:srgbClr val="FF0000"/>
+                            </a:solidFill>
                             <a:latin typeface="Cambria Math" panose="02040503050406030204" pitchFamily="18" charset="0"/>
                           </a:rPr>
                         </m:ctrlPr>
@@ -17619,6 +20705,9 @@
                       <m:e>
                         <m:r>
                           <a:rPr lang="en-US" b="0" i="1" smtClean="0">
+                            <a:solidFill>
+                              <a:srgbClr val="FF0000"/>
+                            </a:solidFill>
                             <a:latin typeface="Cambria Math" panose="02040503050406030204" pitchFamily="18" charset="0"/>
                           </a:rPr>
                           <m:t>𝑆</m:t>
@@ -17627,6 +20716,9 @@
                       <m:sub>
                         <m:r>
                           <a:rPr lang="en-US" b="0" i="1" smtClean="0">
+                            <a:solidFill>
+                              <a:srgbClr val="FF0000"/>
+                            </a:solidFill>
                             <a:latin typeface="Cambria Math" panose="02040503050406030204" pitchFamily="18" charset="0"/>
                           </a:rPr>
                           <m:t>𝑥𝑥</m:t>
@@ -17635,6 +20727,9 @@
                       <m:sup>
                         <m:r>
                           <a:rPr lang="en-US" b="0" i="1" smtClean="0">
+                            <a:solidFill>
+                              <a:srgbClr val="FF0000"/>
+                            </a:solidFill>
                             <a:latin typeface="Cambria Math" panose="02040503050406030204" pitchFamily="18" charset="0"/>
                           </a:rPr>
                           <m:t>−1</m:t>
@@ -17645,6 +20740,9 @@
                       <m:sSubPr>
                         <m:ctrlPr>
                           <a:rPr lang="en-US" b="0" i="1" smtClean="0">
+                            <a:solidFill>
+                              <a:srgbClr val="FF0000"/>
+                            </a:solidFill>
                             <a:latin typeface="Cambria Math" panose="02040503050406030204" pitchFamily="18" charset="0"/>
                           </a:rPr>
                         </m:ctrlPr>
@@ -17652,6 +20750,9 @@
                       <m:e>
                         <m:r>
                           <a:rPr lang="en-US" b="0" i="1" smtClean="0">
+                            <a:solidFill>
+                              <a:srgbClr val="FF0000"/>
+                            </a:solidFill>
                             <a:latin typeface="Cambria Math" panose="02040503050406030204" pitchFamily="18" charset="0"/>
                           </a:rPr>
                           <m:t>𝑆</m:t>
@@ -17660,6 +20761,9 @@
                       <m:sub>
                         <m:r>
                           <a:rPr lang="en-US" b="0" i="1" smtClean="0">
+                            <a:solidFill>
+                              <a:srgbClr val="FF0000"/>
+                            </a:solidFill>
                             <a:latin typeface="Cambria Math" panose="02040503050406030204" pitchFamily="18" charset="0"/>
                           </a:rPr>
                           <m:t>𝑥𝑦</m:t>
@@ -17668,14 +20772,20 @@
                     </m:sSub>
                     <m:r>
                       <a:rPr lang="en-US" b="0" i="1" smtClean="0">
-                        <a:latin typeface="Cambria Math" panose="02040503050406030204" pitchFamily="18" charset="0"/>
-                      </a:rPr>
-                      <m:t>,   </m:t>
+                        <a:solidFill>
+                          <a:srgbClr val="FF0000"/>
+                        </a:solidFill>
+                        <a:latin typeface="Cambria Math" panose="02040503050406030204" pitchFamily="18" charset="0"/>
+                      </a:rPr>
+                      <m:t>,</m:t>
                     </m:r>
                     <m:sSub>
                       <m:sSubPr>
                         <m:ctrlPr>
-                          <a:rPr lang="en-US" b="0" i="1" smtClean="0">
+                          <a:rPr lang="en-US" i="1">
+                            <a:solidFill>
+                              <a:srgbClr val="FF0000"/>
+                            </a:solidFill>
                             <a:latin typeface="Cambria Math" panose="02040503050406030204" pitchFamily="18" charset="0"/>
                           </a:rPr>
                         </m:ctrlPr>
@@ -17683,6 +20793,18 @@
                       <m:e>
                         <m:r>
                           <a:rPr lang="en-US" b="0" i="1" smtClean="0">
+                            <a:solidFill>
+                              <a:srgbClr val="FF0000"/>
+                            </a:solidFill>
+                            <a:latin typeface="Cambria Math" panose="02040503050406030204" pitchFamily="18" charset="0"/>
+                          </a:rPr>
+                          <m:t>  </m:t>
+                        </m:r>
+                        <m:r>
+                          <a:rPr lang="en-US" i="1">
+                            <a:solidFill>
+                              <a:srgbClr val="FF0000"/>
+                            </a:solidFill>
                             <a:latin typeface="Cambria Math" panose="02040503050406030204" pitchFamily="18" charset="0"/>
                           </a:rPr>
                           <m:t>𝛽</m:t>
@@ -17690,7 +20812,10 @@
                       </m:e>
                       <m:sub>
                         <m:r>
-                          <a:rPr lang="en-US" b="0" i="1" smtClean="0">
+                          <a:rPr lang="en-US" i="1">
+                            <a:solidFill>
+                              <a:srgbClr val="FF0000"/>
+                            </a:solidFill>
                             <a:latin typeface="Cambria Math" panose="02040503050406030204" pitchFamily="18" charset="0"/>
                           </a:rPr>
                           <m:t>0</m:t>
@@ -17699,6 +20824,9 @@
                     </m:sSub>
                     <m:r>
                       <a:rPr lang="en-US" b="0" i="1" smtClean="0">
+                        <a:solidFill>
+                          <a:srgbClr val="FF0000"/>
+                        </a:solidFill>
                         <a:latin typeface="Cambria Math" panose="02040503050406030204" pitchFamily="18" charset="0"/>
                       </a:rPr>
                       <m:t>=</m:t>
@@ -17708,6 +20836,9 @@
                         <m:chr m:val="̅"/>
                         <m:ctrlPr>
                           <a:rPr lang="en-US" i="1">
+                            <a:solidFill>
+                              <a:srgbClr val="FF0000"/>
+                            </a:solidFill>
                             <a:latin typeface="Cambria Math" panose="02040503050406030204" pitchFamily="18" charset="0"/>
                           </a:rPr>
                         </m:ctrlPr>
@@ -17715,6 +20846,9 @@
                       <m:e>
                         <m:r>
                           <a:rPr lang="en-US" i="1">
+                            <a:solidFill>
+                              <a:srgbClr val="FF0000"/>
+                            </a:solidFill>
                             <a:latin typeface="Cambria Math" panose="02040503050406030204" pitchFamily="18" charset="0"/>
                           </a:rPr>
                           <m:t>𝑦</m:t>
@@ -17723,6 +20857,9 @@
                     </m:acc>
                     <m:r>
                       <a:rPr lang="en-US" b="0" i="1" smtClean="0">
+                        <a:solidFill>
+                          <a:srgbClr val="FF0000"/>
+                        </a:solidFill>
                         <a:latin typeface="Cambria Math" panose="02040503050406030204" pitchFamily="18" charset="0"/>
                       </a:rPr>
                       <m:t>−</m:t>
@@ -17731,6 +20868,9 @@
                       <m:sSubSupPr>
                         <m:ctrlPr>
                           <a:rPr lang="en-US" b="0" i="1" smtClean="0">
+                            <a:solidFill>
+                              <a:srgbClr val="FF0000"/>
+                            </a:solidFill>
                             <a:latin typeface="Cambria Math" panose="02040503050406030204" pitchFamily="18" charset="0"/>
                           </a:rPr>
                         </m:ctrlPr>
@@ -17738,6 +20878,9 @@
                       <m:e>
                         <m:r>
                           <a:rPr lang="en-US" b="1" i="1">
+                            <a:solidFill>
+                              <a:srgbClr val="FF0000"/>
+                            </a:solidFill>
                             <a:latin typeface="Cambria Math" panose="02040503050406030204" pitchFamily="18" charset="0"/>
                           </a:rPr>
                           <m:t>𝜷</m:t>
@@ -17746,12 +20889,18 @@
                       <m:sub>
                         <m:r>
                           <a:rPr lang="en-US" i="1">
+                            <a:solidFill>
+                              <a:srgbClr val="FF0000"/>
+                            </a:solidFill>
                             <a:latin typeface="Cambria Math" panose="02040503050406030204" pitchFamily="18" charset="0"/>
                           </a:rPr>
                           <m:t>1:</m:t>
                         </m:r>
                         <m:r>
                           <a:rPr lang="en-US" i="1">
+                            <a:solidFill>
+                              <a:srgbClr val="FF0000"/>
+                            </a:solidFill>
                             <a:latin typeface="Cambria Math" panose="02040503050406030204" pitchFamily="18" charset="0"/>
                           </a:rPr>
                           <m:t>𝑘</m:t>
@@ -17760,6 +20909,9 @@
                       <m:sup>
                         <m:r>
                           <a:rPr lang="en-US" b="0" i="1" smtClean="0">
+                            <a:solidFill>
+                              <a:srgbClr val="FF0000"/>
+                            </a:solidFill>
                             <a:latin typeface="Cambria Math" panose="02040503050406030204" pitchFamily="18" charset="0"/>
                           </a:rPr>
                           <m:t>𝑇</m:t>
@@ -17771,6 +20923,9 @@
                         <m:chr m:val="̅"/>
                         <m:ctrlPr>
                           <a:rPr lang="en-US" i="1">
+                            <a:solidFill>
+                              <a:srgbClr val="FF0000"/>
+                            </a:solidFill>
                             <a:latin typeface="Cambria Math" panose="02040503050406030204" pitchFamily="18" charset="0"/>
                           </a:rPr>
                         </m:ctrlPr>
@@ -17778,6 +20933,9 @@
                       <m:e>
                         <m:r>
                           <a:rPr lang="en-US" b="1" i="1">
+                            <a:solidFill>
+                              <a:srgbClr val="FF0000"/>
+                            </a:solidFill>
                             <a:latin typeface="Cambria Math" panose="02040503050406030204" pitchFamily="18" charset="0"/>
                           </a:rPr>
                           <m:t>𝒙</m:t>
@@ -17786,17 +20944,14 @@
                     </m:acc>
                   </m:oMath>
                 </a14:m>
-                <a:br>
-                  <a:rPr lang="en-US" dirty="0"/>
-                </a:br>
                 <a:endParaRPr lang="en-US" dirty="0"/>
               </a:p>
               <a:p>
                 <a:pPr lvl="1"/>
-                <a:endParaRPr lang="en-US" dirty="0"/>
-              </a:p>
-              <a:p>
-                <a:endParaRPr lang="en-US" dirty="0"/>
+                <a:r>
+                  <a:rPr lang="en-US" dirty="0"/>
+                  <a:t>It can be shown that the solution is the same as the original one with the intersect term</a:t>
+                </a:r>
               </a:p>
               <a:p>
                 <a:pPr lvl="1"/>
@@ -17814,7 +20969,7 @@
             </p:txBody>
           </p:sp>
         </mc:Choice>
-        <mc:Fallback xmlns="">
+        <mc:Fallback>
           <p:sp>
             <p:nvSpPr>
               <p:cNvPr id="3" name="Content Placeholder 2"/>
@@ -17829,7 +20984,7 @@
               <a:blipFill>
                 <a:blip r:embed="rId2"/>
                 <a:stretch>
-                  <a:fillRect l="-1455" t="-1549"/>
+                  <a:fillRect l="-1261" t="-11404"/>
                 </a:stretch>
               </a:blipFill>
             </p:spPr>
@@ -17865,7 +21020,7 @@
           <a:p>
             <a:fld id="{629637A9-119A-49DA-BD12-AAC58B377D80}" type="slidenum">
               <a:rPr lang="en-US" smtClean="0"/>
-              <a:t>25</a:t>
+              <a:t>26</a:t>
             </a:fld>
             <a:endParaRPr lang="en-US" dirty="0"/>
           </a:p>
@@ -17884,7 +21039,7 @@
 </p:sld>
 </file>
 
-<file path=ppt/slides/slide26.xml><?xml version="1.0" encoding="utf-8"?>
+<file path=ppt/slides/slide27.xml><?xml version="1.0" encoding="utf-8"?>
 <p:sld xmlns:a="http://schemas.openxmlformats.org/drawingml/2006/main" xmlns:r="http://schemas.openxmlformats.org/officeDocument/2006/relationships" xmlns:p="http://schemas.openxmlformats.org/presentationml/2006/main">
   <p:cSld>
     <p:spTree>
@@ -17992,7 +21147,7 @@
           <a:p>
             <a:fld id="{629637A9-119A-49DA-BD12-AAC58B377D80}" type="slidenum">
               <a:rPr lang="en-US" smtClean="0"/>
-              <a:t>26</a:t>
+              <a:t>27</a:t>
             </a:fld>
             <a:endParaRPr lang="en-US" dirty="0"/>
           </a:p>
@@ -18057,7 +21212,7 @@
 </p:sld>
 </file>
 
-<file path=ppt/slides/slide27.xml><?xml version="1.0" encoding="utf-8"?>
+<file path=ppt/slides/slide28.xml><?xml version="1.0" encoding="utf-8"?>
 <p:sld xmlns:a="http://schemas.openxmlformats.org/drawingml/2006/main" xmlns:r="http://schemas.openxmlformats.org/officeDocument/2006/relationships" xmlns:p="http://schemas.openxmlformats.org/presentationml/2006/main">
   <p:cSld>
     <p:spTree>
@@ -18189,7 +21344,7 @@
           <a:p>
             <a:fld id="{629637A9-119A-49DA-BD12-AAC58B377D80}" type="slidenum">
               <a:rPr lang="en-US" smtClean="0"/>
-              <a:t>27</a:t>
+              <a:t>28</a:t>
             </a:fld>
             <a:endParaRPr lang="en-US" dirty="0"/>
           </a:p>
@@ -18223,215 +21378,6 @@
     <p:extLst>
       <p:ext uri="{BB962C8B-B14F-4D97-AF65-F5344CB8AC3E}">
         <p14:creationId xmlns:p14="http://schemas.microsoft.com/office/powerpoint/2010/main" val="4044446858"/>
-      </p:ext>
-    </p:extLst>
-  </p:cSld>
-  <p:clrMapOvr>
-    <a:masterClrMapping/>
-  </p:clrMapOvr>
-</p:sld>
-</file>
-
-<file path=ppt/slides/slide28.xml><?xml version="1.0" encoding="utf-8"?>
-<p:sld xmlns:a="http://schemas.openxmlformats.org/drawingml/2006/main" xmlns:r="http://schemas.openxmlformats.org/officeDocument/2006/relationships" xmlns:p="http://schemas.openxmlformats.org/presentationml/2006/main">
-  <p:cSld>
-    <p:spTree>
-      <p:nvGrpSpPr>
-        <p:cNvPr id="1" name=""/>
-        <p:cNvGrpSpPr/>
-        <p:nvPr/>
-      </p:nvGrpSpPr>
-      <p:grpSpPr>
-        <a:xfrm>
-          <a:off x="0" y="0"/>
-          <a:ext cx="0" cy="0"/>
-          <a:chOff x="0" y="0"/>
-          <a:chExt cx="0" cy="0"/>
-        </a:xfrm>
-      </p:grpSpPr>
-      <p:sp>
-        <p:nvSpPr>
-          <p:cNvPr id="2" name="Title 1"/>
-          <p:cNvSpPr>
-            <a:spLocks noGrp="1"/>
-          </p:cNvSpPr>
-          <p:nvPr>
-            <p:ph type="title"/>
-          </p:nvPr>
-        </p:nvSpPr>
-        <p:spPr/>
-        <p:txBody>
-          <a:bodyPr/>
-          <a:lstStyle/>
-          <a:p>
-            <a:r>
-              <a:rPr lang="en-US" dirty="0"/>
-              <a:t>Calling the </a:t>
-            </a:r>
-            <a:r>
-              <a:rPr lang="en-US" dirty="0" err="1"/>
-              <a:t>sklearn</a:t>
-            </a:r>
-            <a:r>
-              <a:rPr lang="en-US" dirty="0"/>
-              <a:t> method</a:t>
-            </a:r>
-          </a:p>
-        </p:txBody>
-      </p:sp>
-      <p:sp>
-        <p:nvSpPr>
-          <p:cNvPr id="3" name="Content Placeholder 2"/>
-          <p:cNvSpPr>
-            <a:spLocks noGrp="1"/>
-          </p:cNvSpPr>
-          <p:nvPr>
-            <p:ph idx="1"/>
-          </p:nvPr>
-        </p:nvSpPr>
-        <p:spPr>
-          <a:xfrm>
-            <a:off x="6949440" y="1539277"/>
-            <a:ext cx="4206240" cy="4329817"/>
-          </a:xfrm>
-        </p:spPr>
-        <p:txBody>
-          <a:bodyPr/>
-          <a:lstStyle/>
-          <a:p>
-            <a:r>
-              <a:rPr lang="en-US" dirty="0"/>
-              <a:t>Construct a linear regression object</a:t>
-            </a:r>
-          </a:p>
-          <a:p>
-            <a:r>
-              <a:rPr lang="en-US" dirty="0"/>
-              <a:t>Run it on the training data</a:t>
-            </a:r>
-          </a:p>
-          <a:p>
-            <a:r>
-              <a:rPr lang="en-US" dirty="0"/>
-              <a:t>Predict values on the test data</a:t>
-            </a:r>
-          </a:p>
-          <a:p>
-            <a:endParaRPr lang="en-US" dirty="0"/>
-          </a:p>
-        </p:txBody>
-      </p:sp>
-      <p:sp>
-        <p:nvSpPr>
-          <p:cNvPr id="4" name="Slide Number Placeholder 3"/>
-          <p:cNvSpPr>
-            <a:spLocks noGrp="1"/>
-          </p:cNvSpPr>
-          <p:nvPr>
-            <p:ph type="sldNum" sz="quarter" idx="12"/>
-          </p:nvPr>
-        </p:nvSpPr>
-        <p:spPr/>
-        <p:txBody>
-          <a:bodyPr/>
-          <a:lstStyle/>
-          <a:p>
-            <a:fld id="{629637A9-119A-49DA-BD12-AAC58B377D80}" type="slidenum">
-              <a:rPr lang="en-US" smtClean="0"/>
-              <a:t>28</a:t>
-            </a:fld>
-            <a:endParaRPr lang="en-US" dirty="0"/>
-          </a:p>
-        </p:txBody>
-      </p:sp>
-      <p:pic>
-        <p:nvPicPr>
-          <p:cNvPr id="8" name="Picture 7"/>
-          <p:cNvPicPr>
-            <a:picLocks noChangeAspect="1"/>
-          </p:cNvPicPr>
-          <p:nvPr/>
-        </p:nvPicPr>
-        <p:blipFill>
-          <a:blip r:embed="rId2"/>
-          <a:stretch>
-            <a:fillRect/>
-          </a:stretch>
-        </p:blipFill>
-        <p:spPr>
-          <a:xfrm>
-            <a:off x="6682898" y="2881022"/>
-            <a:ext cx="4586593" cy="3200535"/>
-          </a:xfrm>
-          <a:prstGeom prst="rect">
-            <a:avLst/>
-          </a:prstGeom>
-        </p:spPr>
-      </p:pic>
-      <p:pic>
-        <p:nvPicPr>
-          <p:cNvPr id="10" name="Picture 9">
-            <a:extLst>
-              <a:ext uri="{FF2B5EF4-FFF2-40B4-BE49-F238E27FC236}">
-                <a16:creationId xmlns:a16="http://schemas.microsoft.com/office/drawing/2014/main" id="{7B22599C-D029-4E44-9C13-BFC2B2EFB554}"/>
-              </a:ext>
-            </a:extLst>
-          </p:cNvPr>
-          <p:cNvPicPr>
-            <a:picLocks noChangeAspect="1"/>
-          </p:cNvPicPr>
-          <p:nvPr/>
-        </p:nvPicPr>
-        <p:blipFill>
-          <a:blip r:embed="rId3"/>
-          <a:stretch>
-            <a:fillRect/>
-          </a:stretch>
-        </p:blipFill>
-        <p:spPr>
-          <a:xfrm>
-            <a:off x="902587" y="1539277"/>
-            <a:ext cx="4713354" cy="755396"/>
-          </a:xfrm>
-          <a:prstGeom prst="rect">
-            <a:avLst/>
-          </a:prstGeom>
-        </p:spPr>
-      </p:pic>
-      <p:pic>
-        <p:nvPicPr>
-          <p:cNvPr id="11" name="Picture 10">
-            <a:extLst>
-              <a:ext uri="{FF2B5EF4-FFF2-40B4-BE49-F238E27FC236}">
-                <a16:creationId xmlns:a16="http://schemas.microsoft.com/office/drawing/2014/main" id="{7AB74167-186C-4157-ACC3-BAB43C85D289}"/>
-              </a:ext>
-            </a:extLst>
-          </p:cNvPr>
-          <p:cNvPicPr>
-            <a:picLocks noChangeAspect="1"/>
-          </p:cNvPicPr>
-          <p:nvPr/>
-        </p:nvPicPr>
-        <p:blipFill>
-          <a:blip r:embed="rId4"/>
-          <a:stretch>
-            <a:fillRect/>
-          </a:stretch>
-        </p:blipFill>
-        <p:spPr>
-          <a:xfrm>
-            <a:off x="841058" y="2630912"/>
-            <a:ext cx="5640574" cy="3700753"/>
-          </a:xfrm>
-          <a:prstGeom prst="rect">
-            <a:avLst/>
-          </a:prstGeom>
-        </p:spPr>
-      </p:pic>
-    </p:spTree>
-    <p:extLst>
-      <p:ext uri="{BB962C8B-B14F-4D97-AF65-F5344CB8AC3E}">
-        <p14:creationId xmlns:p14="http://schemas.microsoft.com/office/powerpoint/2010/main" val="250261894"/>
       </p:ext>
     </p:extLst>
   </p:cSld>
@@ -18516,7 +21462,7 @@
               <a:p>
                 <a:r>
                   <a:rPr lang="en-US" dirty="0"/>
-                  <a:t>Can also use </a:t>
+                  <a:t>Use </a:t>
                 </a:r>
                 <a:r>
                   <a:rPr lang="en-US" dirty="0" err="1"/>
@@ -18809,31 +21755,6 @@
                 </a:r>
                 <a14:m>
                   <m:oMath xmlns:m="http://schemas.openxmlformats.org/officeDocument/2006/math">
-                    <m:sSup>
-                      <m:sSupPr>
-                        <m:ctrlPr>
-                          <a:rPr lang="en-US" i="1">
-                            <a:latin typeface="Cambria Math" panose="02040503050406030204" pitchFamily="18" charset="0"/>
-                          </a:rPr>
-                        </m:ctrlPr>
-                      </m:sSupPr>
-                      <m:e>
-                        <m:r>
-                          <a:rPr lang="en-US" i="1">
-                            <a:latin typeface="Cambria Math" panose="02040503050406030204" pitchFamily="18" charset="0"/>
-                          </a:rPr>
-                          <m:t>𝐴</m:t>
-                        </m:r>
-                      </m:e>
-                      <m:sup>
-                        <m:r>
-                          <a:rPr lang="en-US" i="1">
-                            <a:latin typeface="Cambria Math" panose="02040503050406030204" pitchFamily="18" charset="0"/>
-                          </a:rPr>
-                          <m:t>𝑇</m:t>
-                        </m:r>
-                      </m:sup>
-                    </m:sSup>
                     <m:r>
                       <a:rPr lang="en-US" i="1">
                         <a:latin typeface="Cambria Math" panose="02040503050406030204" pitchFamily="18" charset="0"/>
@@ -18858,31 +21779,6 @@
                       </a:rPr>
                       <m:t>=</m:t>
                     </m:r>
-                    <m:sSup>
-                      <m:sSupPr>
-                        <m:ctrlPr>
-                          <a:rPr lang="en-US" i="1">
-                            <a:latin typeface="Cambria Math" panose="02040503050406030204" pitchFamily="18" charset="0"/>
-                          </a:rPr>
-                        </m:ctrlPr>
-                      </m:sSupPr>
-                      <m:e>
-                        <m:r>
-                          <a:rPr lang="en-US" i="1">
-                            <a:latin typeface="Cambria Math" panose="02040503050406030204" pitchFamily="18" charset="0"/>
-                          </a:rPr>
-                          <m:t>𝐴</m:t>
-                        </m:r>
-                      </m:e>
-                      <m:sup>
-                        <m:r>
-                          <a:rPr lang="en-US" i="1">
-                            <a:latin typeface="Cambria Math" panose="02040503050406030204" pitchFamily="18" charset="0"/>
-                          </a:rPr>
-                          <m:t>𝑇</m:t>
-                        </m:r>
-                      </m:sup>
-                    </m:sSup>
                     <m:r>
                       <a:rPr lang="en-US" i="1">
                         <a:latin typeface="Cambria Math" panose="02040503050406030204" pitchFamily="18" charset="0"/>
@@ -18942,7 +21838,7 @@
               <a:blipFill>
                 <a:blip r:embed="rId2"/>
                 <a:stretch>
-                  <a:fillRect l="-2670" t="-1406" r="-1780"/>
+                  <a:fillRect l="-2540" t="-1462"/>
                 </a:stretch>
               </a:blipFill>
             </p:spPr>
@@ -19259,6 +22155,222 @@
         </p:nvSpPr>
         <p:spPr/>
         <p:txBody>
+          <a:bodyPr>
+            <a:normAutofit fontScale="90000"/>
+          </a:bodyPr>
+          <a:lstStyle/>
+          <a:p>
+            <a:r>
+              <a:rPr lang="en-US" dirty="0"/>
+              <a:t>Calling the </a:t>
+            </a:r>
+            <a:r>
+              <a:rPr lang="en-US" dirty="0" err="1"/>
+              <a:t>sklearn</a:t>
+            </a:r>
+            <a:r>
+              <a:rPr lang="en-US" dirty="0"/>
+              <a:t> Linear Regression method</a:t>
+            </a:r>
+            <a:endParaRPr lang="en-US" dirty="0">
+              <a:solidFill>
+                <a:schemeClr val="tx1"/>
+              </a:solidFill>
+            </a:endParaRPr>
+          </a:p>
+        </p:txBody>
+      </p:sp>
+      <p:sp>
+        <p:nvSpPr>
+          <p:cNvPr id="3" name="Content Placeholder 2"/>
+          <p:cNvSpPr>
+            <a:spLocks noGrp="1"/>
+          </p:cNvSpPr>
+          <p:nvPr>
+            <p:ph idx="1"/>
+          </p:nvPr>
+        </p:nvSpPr>
+        <p:spPr>
+          <a:xfrm>
+            <a:off x="6949440" y="1539277"/>
+            <a:ext cx="4206240" cy="4329817"/>
+          </a:xfrm>
+        </p:spPr>
+        <p:txBody>
+          <a:bodyPr/>
+          <a:lstStyle/>
+          <a:p>
+            <a:r>
+              <a:rPr lang="en-US" dirty="0"/>
+              <a:t>Construct a linear regression object</a:t>
+            </a:r>
+          </a:p>
+          <a:p>
+            <a:r>
+              <a:rPr lang="en-US" dirty="0"/>
+              <a:t>Run it on the training data</a:t>
+            </a:r>
+          </a:p>
+          <a:p>
+            <a:r>
+              <a:rPr lang="en-US" dirty="0"/>
+              <a:t>Predict values on the test data</a:t>
+            </a:r>
+          </a:p>
+          <a:p>
+            <a:endParaRPr lang="en-US" dirty="0"/>
+          </a:p>
+        </p:txBody>
+      </p:sp>
+      <p:sp>
+        <p:nvSpPr>
+          <p:cNvPr id="4" name="Slide Number Placeholder 3"/>
+          <p:cNvSpPr>
+            <a:spLocks noGrp="1"/>
+          </p:cNvSpPr>
+          <p:nvPr>
+            <p:ph type="sldNum" sz="quarter" idx="12"/>
+          </p:nvPr>
+        </p:nvSpPr>
+        <p:spPr/>
+        <p:txBody>
+          <a:bodyPr/>
+          <a:lstStyle/>
+          <a:p>
+            <a:fld id="{629637A9-119A-49DA-BD12-AAC58B377D80}" type="slidenum">
+              <a:rPr lang="en-US" smtClean="0"/>
+              <a:t>30</a:t>
+            </a:fld>
+            <a:endParaRPr lang="en-US" dirty="0"/>
+          </a:p>
+        </p:txBody>
+      </p:sp>
+      <p:pic>
+        <p:nvPicPr>
+          <p:cNvPr id="8" name="Picture 7"/>
+          <p:cNvPicPr>
+            <a:picLocks noChangeAspect="1"/>
+          </p:cNvPicPr>
+          <p:nvPr/>
+        </p:nvPicPr>
+        <p:blipFill>
+          <a:blip r:embed="rId2"/>
+          <a:stretch>
+            <a:fillRect/>
+          </a:stretch>
+        </p:blipFill>
+        <p:spPr>
+          <a:xfrm>
+            <a:off x="6863651" y="2891146"/>
+            <a:ext cx="4586593" cy="3200535"/>
+          </a:xfrm>
+          <a:prstGeom prst="rect">
+            <a:avLst/>
+          </a:prstGeom>
+        </p:spPr>
+      </p:pic>
+      <p:pic>
+        <p:nvPicPr>
+          <p:cNvPr id="10" name="Picture 9">
+            <a:extLst>
+              <a:ext uri="{FF2B5EF4-FFF2-40B4-BE49-F238E27FC236}">
+                <a16:creationId xmlns:a16="http://schemas.microsoft.com/office/drawing/2014/main" id="{7B22599C-D029-4E44-9C13-BFC2B2EFB554}"/>
+              </a:ext>
+            </a:extLst>
+          </p:cNvPr>
+          <p:cNvPicPr>
+            <a:picLocks noChangeAspect="1"/>
+          </p:cNvPicPr>
+          <p:nvPr/>
+        </p:nvPicPr>
+        <p:blipFill>
+          <a:blip r:embed="rId3"/>
+          <a:stretch>
+            <a:fillRect/>
+          </a:stretch>
+        </p:blipFill>
+        <p:spPr>
+          <a:xfrm>
+            <a:off x="902587" y="1539277"/>
+            <a:ext cx="4713354" cy="755396"/>
+          </a:xfrm>
+          <a:prstGeom prst="rect">
+            <a:avLst/>
+          </a:prstGeom>
+        </p:spPr>
+      </p:pic>
+      <p:pic>
+        <p:nvPicPr>
+          <p:cNvPr id="11" name="Picture 10">
+            <a:extLst>
+              <a:ext uri="{FF2B5EF4-FFF2-40B4-BE49-F238E27FC236}">
+                <a16:creationId xmlns:a16="http://schemas.microsoft.com/office/drawing/2014/main" id="{7AB74167-186C-4157-ACC3-BAB43C85D289}"/>
+              </a:ext>
+            </a:extLst>
+          </p:cNvPr>
+          <p:cNvPicPr>
+            <a:picLocks noChangeAspect="1"/>
+          </p:cNvPicPr>
+          <p:nvPr/>
+        </p:nvPicPr>
+        <p:blipFill>
+          <a:blip r:embed="rId4"/>
+          <a:stretch>
+            <a:fillRect/>
+          </a:stretch>
+        </p:blipFill>
+        <p:spPr>
+          <a:xfrm>
+            <a:off x="902587" y="2390928"/>
+            <a:ext cx="5640574" cy="3700753"/>
+          </a:xfrm>
+          <a:prstGeom prst="rect">
+            <a:avLst/>
+          </a:prstGeom>
+        </p:spPr>
+      </p:pic>
+    </p:spTree>
+    <p:extLst>
+      <p:ext uri="{BB962C8B-B14F-4D97-AF65-F5344CB8AC3E}">
+        <p14:creationId xmlns:p14="http://schemas.microsoft.com/office/powerpoint/2010/main" val="250261894"/>
+      </p:ext>
+    </p:extLst>
+  </p:cSld>
+  <p:clrMapOvr>
+    <a:masterClrMapping/>
+  </p:clrMapOvr>
+</p:sld>
+</file>
+
+<file path=ppt/slides/slide31.xml><?xml version="1.0" encoding="utf-8"?>
+<p:sld xmlns:a="http://schemas.openxmlformats.org/drawingml/2006/main" xmlns:r="http://schemas.openxmlformats.org/officeDocument/2006/relationships" xmlns:p="http://schemas.openxmlformats.org/presentationml/2006/main">
+  <p:cSld>
+    <p:spTree>
+      <p:nvGrpSpPr>
+        <p:cNvPr id="1" name=""/>
+        <p:cNvGrpSpPr/>
+        <p:nvPr/>
+      </p:nvGrpSpPr>
+      <p:grpSpPr>
+        <a:xfrm>
+          <a:off x="0" y="0"/>
+          <a:ext cx="0" cy="0"/>
+          <a:chOff x="0" y="0"/>
+          <a:chExt cx="0" cy="0"/>
+        </a:xfrm>
+      </p:grpSpPr>
+      <p:sp>
+        <p:nvSpPr>
+          <p:cNvPr id="2" name="Title 1"/>
+          <p:cNvSpPr>
+            <a:spLocks noGrp="1"/>
+          </p:cNvSpPr>
+          <p:nvPr>
+            <p:ph type="title"/>
+          </p:nvPr>
+        </p:nvSpPr>
+        <p:spPr/>
+        <p:txBody>
           <a:bodyPr/>
           <a:lstStyle/>
           <a:p>
@@ -19338,7 +22450,7 @@
           <a:p>
             <a:fld id="{629637A9-119A-49DA-BD12-AAC58B377D80}" type="slidenum">
               <a:rPr lang="en-US" smtClean="0"/>
-              <a:t>30</a:t>
+              <a:t>31</a:t>
             </a:fld>
             <a:endParaRPr lang="en-US" dirty="0"/>
           </a:p>
@@ -19403,7 +22515,7 @@
 </p:sld>
 </file>
 
-<file path=ppt/slides/slide31.xml><?xml version="1.0" encoding="utf-8"?>
+<file path=ppt/slides/slide32.xml><?xml version="1.0" encoding="utf-8"?>
 <p:sld xmlns:a="http://schemas.openxmlformats.org/drawingml/2006/main" xmlns:r="http://schemas.openxmlformats.org/officeDocument/2006/relationships" xmlns:p="http://schemas.openxmlformats.org/presentationml/2006/main">
   <p:cSld>
     <p:spTree>
@@ -19484,7 +22596,7 @@
                 </a:r>
                 <a:r>
                   <a:rPr lang="en-US" dirty="0"/>
-                  <a:t>:  One predictor</a:t>
+                  <a:t>:  One predictor (feature)</a:t>
                 </a:r>
               </a:p>
               <a:p>
@@ -19628,7 +22740,7 @@
                 </a:r>
                 <a:r>
                   <a:rPr lang="en-US" dirty="0"/>
-                  <a:t>:  Multiple predictors</a:t>
+                  <a:t>:  Multiple predictors (features)</a:t>
                 </a:r>
               </a:p>
               <a:p>
@@ -19949,7 +23061,7 @@
               <a:blipFill>
                 <a:blip r:embed="rId2"/>
                 <a:stretch>
-                  <a:fillRect l="-1455" t="-1549"/>
+                  <a:fillRect l="-1261" t="-1462"/>
                 </a:stretch>
               </a:blipFill>
             </p:spPr>
@@ -19991,7 +23103,7 @@
           <a:p>
             <a:fld id="{629637A9-119A-49DA-BD12-AAC58B377D80}" type="slidenum">
               <a:rPr lang="en-US" smtClean="0"/>
-              <a:t>31</a:t>
+              <a:t>32</a:t>
             </a:fld>
             <a:endParaRPr lang="en-US" dirty="0"/>
           </a:p>
@@ -20010,7 +23122,7 @@
 </p:sld>
 </file>
 
-<file path=ppt/slides/slide32.xml><?xml version="1.0" encoding="utf-8"?>
+<file path=ppt/slides/slide33.xml><?xml version="1.0" encoding="utf-8"?>
 <p:sld xmlns:a="http://schemas.openxmlformats.org/drawingml/2006/main" xmlns:r="http://schemas.openxmlformats.org/officeDocument/2006/relationships" xmlns:p="http://schemas.openxmlformats.org/presentationml/2006/main">
   <p:cSld>
     <p:spTree>
@@ -20384,7 +23496,7 @@
           <a:p>
             <a:fld id="{629637A9-119A-49DA-BD12-AAC58B377D80}" type="slidenum">
               <a:rPr lang="en-US" smtClean="0"/>
-              <a:t>32</a:t>
+              <a:t>33</a:t>
             </a:fld>
             <a:endParaRPr lang="en-US" dirty="0"/>
           </a:p>
@@ -20403,7 +23515,7 @@
 </p:sld>
 </file>
 
-<file path=ppt/slides/slide33.xml><?xml version="1.0" encoding="utf-8"?>
+<file path=ppt/slides/slide34.xml><?xml version="1.0" encoding="utf-8"?>
 <p:sld xmlns:a="http://schemas.openxmlformats.org/drawingml/2006/main" xmlns:r="http://schemas.openxmlformats.org/officeDocument/2006/relationships" xmlns:p="http://schemas.openxmlformats.org/presentationml/2006/main">
   <p:cSld>
     <p:spTree>
@@ -21629,7 +24741,7 @@
           <a:p>
             <a:fld id="{629637A9-119A-49DA-BD12-AAC58B377D80}" type="slidenum">
               <a:rPr lang="en-US" smtClean="0"/>
-              <a:t>33</a:t>
+              <a:t>34</a:t>
             </a:fld>
             <a:endParaRPr lang="en-US" dirty="0"/>
           </a:p>
@@ -21648,7 +24760,7 @@
 </p:sld>
 </file>
 
-<file path=ppt/slides/slide34.xml><?xml version="1.0" encoding="utf-8"?>
+<file path=ppt/slides/slide35.xml><?xml version="1.0" encoding="utf-8"?>
 <p:sld xmlns:a="http://schemas.openxmlformats.org/drawingml/2006/main" xmlns:r="http://schemas.openxmlformats.org/officeDocument/2006/relationships" xmlns:p="http://schemas.openxmlformats.org/presentationml/2006/main">
   <p:cSld>
     <p:spTree>
@@ -21880,7 +24992,7 @@
           <a:p>
             <a:fld id="{629637A9-119A-49DA-BD12-AAC58B377D80}" type="slidenum">
               <a:rPr lang="en-US" smtClean="0"/>
-              <a:t>34</a:t>
+              <a:t>35</a:t>
             </a:fld>
             <a:endParaRPr lang="en-US" dirty="0"/>
           </a:p>
@@ -22003,7 +25115,7 @@
 </p:sld>
 </file>
 
-<file path=ppt/slides/slide35.xml><?xml version="1.0" encoding="utf-8"?>
+<file path=ppt/slides/slide36.xml><?xml version="1.0" encoding="utf-8"?>
 <p:sld xmlns:a="http://schemas.openxmlformats.org/drawingml/2006/main" xmlns:r="http://schemas.openxmlformats.org/officeDocument/2006/relationships" xmlns:p="http://schemas.openxmlformats.org/presentationml/2006/main">
   <p:cSld>
     <p:spTree>
@@ -22090,7 +25202,7 @@
           <a:p>
             <a:fld id="{629637A9-119A-49DA-BD12-AAC58B377D80}" type="slidenum">
               <a:rPr lang="en-US" smtClean="0"/>
-              <a:t>35</a:t>
+              <a:t>36</a:t>
             </a:fld>
             <a:endParaRPr lang="en-US" dirty="0"/>
           </a:p>
@@ -22169,7 +25281,150 @@
 </p:sld>
 </file>
 
-<file path=ppt/slides/slide36.xml><?xml version="1.0" encoding="utf-8"?>
+<file path=ppt/slides/slide37.xml><?xml version="1.0" encoding="utf-8"?>
+<p:sld xmlns:a="http://schemas.openxmlformats.org/drawingml/2006/main" xmlns:r="http://schemas.openxmlformats.org/officeDocument/2006/relationships" xmlns:p="http://schemas.openxmlformats.org/presentationml/2006/main">
+  <p:cSld>
+    <p:spTree>
+      <p:nvGrpSpPr>
+        <p:cNvPr id="1" name=""/>
+        <p:cNvGrpSpPr/>
+        <p:nvPr/>
+      </p:nvGrpSpPr>
+      <p:grpSpPr>
+        <a:xfrm>
+          <a:off x="0" y="0"/>
+          <a:ext cx="0" cy="0"/>
+          <a:chOff x="0" y="0"/>
+          <a:chExt cx="0" cy="0"/>
+        </a:xfrm>
+      </p:grpSpPr>
+      <p:sp>
+        <p:nvSpPr>
+          <p:cNvPr id="2" name="Title 1">
+            <a:extLst>
+              <a:ext uri="{FF2B5EF4-FFF2-40B4-BE49-F238E27FC236}">
+                <a16:creationId xmlns:a16="http://schemas.microsoft.com/office/drawing/2014/main" id="{1E857F66-2CF2-DE4C-8E04-8A6784C3B1B7}"/>
+              </a:ext>
+            </a:extLst>
+          </p:cNvPr>
+          <p:cNvSpPr>
+            <a:spLocks noGrp="1"/>
+          </p:cNvSpPr>
+          <p:nvPr>
+            <p:ph type="title"/>
+          </p:nvPr>
+        </p:nvSpPr>
+        <p:spPr/>
+        <p:txBody>
+          <a:bodyPr/>
+          <a:lstStyle/>
+          <a:p>
+            <a:r>
+              <a:rPr lang="en-US" dirty="0"/>
+              <a:t>Go through the demo for this unit</a:t>
+            </a:r>
+          </a:p>
+        </p:txBody>
+      </p:sp>
+      <p:sp>
+        <p:nvSpPr>
+          <p:cNvPr id="3" name="Content Placeholder 2">
+            <a:extLst>
+              <a:ext uri="{FF2B5EF4-FFF2-40B4-BE49-F238E27FC236}">
+                <a16:creationId xmlns:a16="http://schemas.microsoft.com/office/drawing/2014/main" id="{99333F3E-855C-C847-8FAF-6E3B66A76541}"/>
+              </a:ext>
+            </a:extLst>
+          </p:cNvPr>
+          <p:cNvSpPr>
+            <a:spLocks noGrp="1"/>
+          </p:cNvSpPr>
+          <p:nvPr>
+            <p:ph idx="1"/>
+          </p:nvPr>
+        </p:nvSpPr>
+        <p:spPr/>
+        <p:txBody>
+          <a:bodyPr/>
+          <a:lstStyle/>
+          <a:p>
+            <a:r>
+              <a:rPr lang="en-US" dirty="0"/>
+              <a:t>Results with simple regression</a:t>
+            </a:r>
+          </a:p>
+          <a:p>
+            <a:r>
+              <a:rPr lang="en-US" dirty="0"/>
+              <a:t>Results with multiple variable regression</a:t>
+            </a:r>
+          </a:p>
+          <a:p>
+            <a:pPr lvl="1"/>
+            <a:r>
+              <a:rPr lang="en-US" dirty="0"/>
+              <a:t>Using built-in </a:t>
+            </a:r>
+            <a:r>
+              <a:rPr lang="en-US" dirty="0" err="1"/>
+              <a:t>sklearn</a:t>
+            </a:r>
+            <a:r>
+              <a:rPr lang="en-US" dirty="0"/>
+              <a:t> linear regression model</a:t>
+            </a:r>
+          </a:p>
+          <a:p>
+            <a:pPr lvl="1"/>
+            <a:r>
+              <a:rPr lang="en-US" dirty="0"/>
+              <a:t>Manually computing the solution</a:t>
+            </a:r>
+          </a:p>
+        </p:txBody>
+      </p:sp>
+      <p:sp>
+        <p:nvSpPr>
+          <p:cNvPr id="4" name="Slide Number Placeholder 3">
+            <a:extLst>
+              <a:ext uri="{FF2B5EF4-FFF2-40B4-BE49-F238E27FC236}">
+                <a16:creationId xmlns:a16="http://schemas.microsoft.com/office/drawing/2014/main" id="{978A4871-4B8E-4D46-919A-3163BA0EAA4F}"/>
+              </a:ext>
+            </a:extLst>
+          </p:cNvPr>
+          <p:cNvSpPr>
+            <a:spLocks noGrp="1"/>
+          </p:cNvSpPr>
+          <p:nvPr>
+            <p:ph type="sldNum" sz="quarter" idx="12"/>
+          </p:nvPr>
+        </p:nvSpPr>
+        <p:spPr/>
+        <p:txBody>
+          <a:bodyPr/>
+          <a:lstStyle/>
+          <a:p>
+            <a:fld id="{629637A9-119A-49DA-BD12-AAC58B377D80}" type="slidenum">
+              <a:rPr lang="en-US" smtClean="0"/>
+              <a:t>37</a:t>
+            </a:fld>
+            <a:endParaRPr lang="en-US" dirty="0"/>
+          </a:p>
+        </p:txBody>
+      </p:sp>
+    </p:spTree>
+    <p:extLst>
+      <p:ext uri="{BB962C8B-B14F-4D97-AF65-F5344CB8AC3E}">
+        <p14:creationId xmlns:p14="http://schemas.microsoft.com/office/powerpoint/2010/main" val="3673195195"/>
+      </p:ext>
+    </p:extLst>
+  </p:cSld>
+  <p:clrMapOvr>
+    <a:masterClrMapping/>
+  </p:clrMapOvr>
+</p:sld>
+</file>
+
+<file path=ppt/slides/slide38.xml><?xml version="1.0" encoding="utf-8"?>
 <p:sld xmlns:a="http://schemas.openxmlformats.org/drawingml/2006/main" xmlns:r="http://schemas.openxmlformats.org/officeDocument/2006/relationships" xmlns:p="http://schemas.openxmlformats.org/presentationml/2006/main">
   <p:cSld>
     <p:spTree>
@@ -22306,7 +25561,7 @@
           <a:p>
             <a:fld id="{629637A9-119A-49DA-BD12-AAC58B377D80}" type="slidenum">
               <a:rPr lang="en-US" smtClean="0"/>
-              <a:t>36</a:t>
+              <a:t>38</a:t>
             </a:fld>
             <a:endParaRPr lang="en-US" dirty="0"/>
           </a:p>
@@ -22349,7 +25604,7 @@
 </p:sld>
 </file>
 
-<file path=ppt/slides/slide37.xml><?xml version="1.0" encoding="utf-8"?>
+<file path=ppt/slides/slide39.xml><?xml version="1.0" encoding="utf-8"?>
 <p:sld xmlns:a="http://schemas.openxmlformats.org/drawingml/2006/main" xmlns:r="http://schemas.openxmlformats.org/officeDocument/2006/relationships" xmlns:p="http://schemas.openxmlformats.org/presentationml/2006/main">
   <p:cSld>
     <p:spTree>
@@ -22451,7 +25706,7 @@
           <a:p>
             <a:fld id="{629637A9-119A-49DA-BD12-AAC58B377D80}" type="slidenum">
               <a:rPr lang="en-US" smtClean="0"/>
-              <a:t>37</a:t>
+              <a:t>39</a:t>
             </a:fld>
             <a:endParaRPr lang="en-US" dirty="0"/>
           </a:p>
@@ -22516,7 +25771,180 @@
 </p:sld>
 </file>
 
-<file path=ppt/slides/slide38.xml><?xml version="1.0" encoding="utf-8"?>
+<file path=ppt/slides/slide4.xml><?xml version="1.0" encoding="utf-8"?>
+<p:sld xmlns:a="http://schemas.openxmlformats.org/drawingml/2006/main" xmlns:r="http://schemas.openxmlformats.org/officeDocument/2006/relationships" xmlns:p="http://schemas.openxmlformats.org/presentationml/2006/main">
+  <p:cSld>
+    <p:spTree>
+      <p:nvGrpSpPr>
+        <p:cNvPr id="1" name=""/>
+        <p:cNvGrpSpPr/>
+        <p:nvPr/>
+      </p:nvGrpSpPr>
+      <p:grpSpPr>
+        <a:xfrm>
+          <a:off x="0" y="0"/>
+          <a:ext cx="0" cy="0"/>
+          <a:chOff x="0" y="0"/>
+          <a:chExt cx="0" cy="0"/>
+        </a:xfrm>
+      </p:grpSpPr>
+      <p:sp>
+        <p:nvSpPr>
+          <p:cNvPr id="2" name="Title 1"/>
+          <p:cNvSpPr>
+            <a:spLocks noGrp="1"/>
+          </p:cNvSpPr>
+          <p:nvPr>
+            <p:ph type="title"/>
+          </p:nvPr>
+        </p:nvSpPr>
+        <p:spPr/>
+        <p:txBody>
+          <a:bodyPr/>
+          <a:lstStyle/>
+          <a:p>
+            <a:r>
+              <a:rPr lang="en-US" dirty="0"/>
+              <a:t>Outline	</a:t>
+            </a:r>
+          </a:p>
+        </p:txBody>
+      </p:sp>
+      <p:sp>
+        <p:nvSpPr>
+          <p:cNvPr id="3" name="Content Placeholder 2"/>
+          <p:cNvSpPr>
+            <a:spLocks noGrp="1"/>
+          </p:cNvSpPr>
+          <p:nvPr>
+            <p:ph idx="1"/>
+          </p:nvPr>
+        </p:nvSpPr>
+        <p:spPr/>
+        <p:txBody>
+          <a:bodyPr/>
+          <a:lstStyle/>
+          <a:p>
+            <a:r>
+              <a:rPr lang="en-US" dirty="0"/>
+              <a:t>Motivating Example:  Understanding glucose levels in diabetes patients</a:t>
+            </a:r>
+          </a:p>
+          <a:p>
+            <a:r>
+              <a:rPr lang="en-US" dirty="0"/>
+              <a:t>Multiple variable linear models</a:t>
+            </a:r>
+          </a:p>
+          <a:p>
+            <a:r>
+              <a:rPr lang="en-US" dirty="0"/>
+              <a:t>Least squares solutions</a:t>
+            </a:r>
+          </a:p>
+          <a:p>
+            <a:r>
+              <a:rPr lang="en-US" dirty="0"/>
+              <a:t>Computing the solutions in python</a:t>
+            </a:r>
+          </a:p>
+          <a:p>
+            <a:r>
+              <a:rPr lang="en-US" dirty="0"/>
+              <a:t>Special case:  Simple linear regression</a:t>
+            </a:r>
+          </a:p>
+          <a:p>
+            <a:r>
+              <a:rPr lang="en-US" dirty="0"/>
+              <a:t>Extensions</a:t>
+            </a:r>
+          </a:p>
+        </p:txBody>
+      </p:sp>
+      <p:sp>
+        <p:nvSpPr>
+          <p:cNvPr id="4" name="Slide Number Placeholder 3"/>
+          <p:cNvSpPr>
+            <a:spLocks noGrp="1"/>
+          </p:cNvSpPr>
+          <p:nvPr>
+            <p:ph type="sldNum" sz="quarter" idx="12"/>
+          </p:nvPr>
+        </p:nvSpPr>
+        <p:spPr/>
+        <p:txBody>
+          <a:bodyPr/>
+          <a:lstStyle/>
+          <a:p>
+            <a:fld id="{629637A9-119A-49DA-BD12-AAC58B377D80}" type="slidenum">
+              <a:rPr lang="en-US" smtClean="0"/>
+              <a:t>4</a:t>
+            </a:fld>
+            <a:endParaRPr lang="en-US" dirty="0"/>
+          </a:p>
+        </p:txBody>
+      </p:sp>
+      <p:sp>
+        <p:nvSpPr>
+          <p:cNvPr id="5" name="Arrow: Right 4"/>
+          <p:cNvSpPr/>
+          <p:nvPr/>
+        </p:nvSpPr>
+        <p:spPr>
+          <a:xfrm>
+            <a:off x="350383" y="1439055"/>
+            <a:ext cx="978408" cy="484632"/>
+          </a:xfrm>
+          <a:prstGeom prst="rightArrow">
+            <a:avLst/>
+          </a:prstGeom>
+          <a:solidFill>
+            <a:schemeClr val="accent1">
+              <a:lumMod val="60000"/>
+              <a:lumOff val="40000"/>
+            </a:schemeClr>
+          </a:solidFill>
+        </p:spPr>
+        <p:style>
+          <a:lnRef idx="2">
+            <a:schemeClr val="accent1">
+              <a:shade val="50000"/>
+            </a:schemeClr>
+          </a:lnRef>
+          <a:fillRef idx="1">
+            <a:schemeClr val="accent1"/>
+          </a:fillRef>
+          <a:effectRef idx="0">
+            <a:schemeClr val="accent1"/>
+          </a:effectRef>
+          <a:fontRef idx="minor">
+            <a:schemeClr val="lt1"/>
+          </a:fontRef>
+        </p:style>
+        <p:txBody>
+          <a:bodyPr rtlCol="0" anchor="ctr"/>
+          <a:lstStyle/>
+          <a:p>
+            <a:pPr algn="ctr"/>
+            <a:endParaRPr lang="en-US"/>
+          </a:p>
+        </p:txBody>
+      </p:sp>
+    </p:spTree>
+    <p:extLst>
+      <p:ext uri="{BB962C8B-B14F-4D97-AF65-F5344CB8AC3E}">
+        <p14:creationId xmlns:p14="http://schemas.microsoft.com/office/powerpoint/2010/main" val="3884060235"/>
+      </p:ext>
+    </p:extLst>
+  </p:cSld>
+  <p:clrMapOvr>
+    <a:masterClrMapping/>
+  </p:clrMapOvr>
+</p:sld>
+</file>
+
+<file path=ppt/slides/slide40.xml><?xml version="1.0" encoding="utf-8"?>
 <p:sld xmlns:a="http://schemas.openxmlformats.org/drawingml/2006/main" xmlns:r="http://schemas.openxmlformats.org/officeDocument/2006/relationships" xmlns:p="http://schemas.openxmlformats.org/presentationml/2006/main">
   <p:cSld>
     <p:spTree>
@@ -22555,8 +25983,8 @@
           </a:p>
         </p:txBody>
       </p:sp>
-      <mc:AlternateContent xmlns:mc="http://schemas.openxmlformats.org/markup-compatibility/2006" xmlns:a14="http://schemas.microsoft.com/office/drawing/2010/main">
-        <mc:Choice Requires="a14">
+      <mc:AlternateContent xmlns:mc="http://schemas.openxmlformats.org/markup-compatibility/2006">
+        <mc:Choice xmlns:a14="http://schemas.microsoft.com/office/drawing/2010/main" Requires="a14">
           <p:sp>
             <p:nvSpPr>
               <p:cNvPr id="3" name="Content Placeholder 2"/>
@@ -22574,13 +26002,18 @@
               </a:xfrm>
             </p:spPr>
             <p:txBody>
-              <a:bodyPr/>
+              <a:bodyPr>
+                <a:normAutofit fontScale="70000" lnSpcReduction="20000"/>
+              </a:bodyPr>
               <a:lstStyle/>
               <a:p>
                 <a:r>
                   <a:rPr lang="en-US" dirty="0"/>
-                  <a:t>Learn a polynomial model  </a:t>
-                </a:r>
+                  <a:t>Suppose y only depends on a single variable x, and we want to model y as a polynomial function of x </a:t>
+                </a:r>
+              </a:p>
+              <a:p>
+                <a:pPr lvl="1"/>
                 <a14:m>
                   <m:oMath xmlns:m="http://schemas.openxmlformats.org/officeDocument/2006/math">
                     <m:r>
@@ -22815,6 +26248,237 @@
                       </a:rPr>
                       <m:t>𝑛</m:t>
                     </m:r>
+                  </m:oMath>
+                </a14:m>
+                <a:endParaRPr lang="en-US" dirty="0"/>
+              </a:p>
+              <a:p>
+                <a:r>
+                  <a:rPr lang="en-US" dirty="0"/>
+                  <a:t>Using only </a:t>
+                </a:r>
+                <a14:m>
+                  <m:oMath xmlns:m="http://schemas.openxmlformats.org/officeDocument/2006/math">
+                    <m:sSub>
+                      <m:sSubPr>
+                        <m:ctrlPr>
+                          <a:rPr lang="en-US" i="1">
+                            <a:latin typeface="Cambria Math" panose="02040503050406030204" pitchFamily="18" charset="0"/>
+                          </a:rPr>
+                        </m:ctrlPr>
+                      </m:sSubPr>
+                      <m:e>
+                        <m:r>
+                          <a:rPr lang="en-US" i="1">
+                            <a:latin typeface="Cambria Math" panose="02040503050406030204" pitchFamily="18" charset="0"/>
+                          </a:rPr>
+                          <m:t>𝑥</m:t>
+                        </m:r>
+                      </m:e>
+                      <m:sub>
+                        <m:r>
+                          <a:rPr lang="en-US" i="1">
+                            <a:latin typeface="Cambria Math" panose="02040503050406030204" pitchFamily="18" charset="0"/>
+                          </a:rPr>
+                          <m:t>𝑖</m:t>
+                        </m:r>
+                      </m:sub>
+                    </m:sSub>
+                    <m:r>
+                      <a:rPr lang="en-US" i="1">
+                        <a:latin typeface="Cambria Math" panose="02040503050406030204" pitchFamily="18" charset="0"/>
+                      </a:rPr>
+                      <m:t>,</m:t>
+                    </m:r>
+                  </m:oMath>
+                </a14:m>
+                <a:r>
+                  <a:rPr lang="en-US" dirty="0"/>
+                  <a:t> we can only fit a linear model  </a:t>
+                </a:r>
+                <a14:m>
+                  <m:oMath xmlns:m="http://schemas.openxmlformats.org/officeDocument/2006/math">
+                    <m:r>
+                      <a:rPr lang="en-US" i="1">
+                        <a:latin typeface="Cambria Math" panose="02040503050406030204" pitchFamily="18" charset="0"/>
+                      </a:rPr>
+                      <m:t>𝑦</m:t>
+                    </m:r>
+                    <m:r>
+                      <a:rPr lang="en-US" i="1">
+                        <a:latin typeface="Cambria Math" panose="02040503050406030204" pitchFamily="18" charset="0"/>
+                      </a:rPr>
+                      <m:t>≈</m:t>
+                    </m:r>
+                    <m:sSub>
+                      <m:sSubPr>
+                        <m:ctrlPr>
+                          <a:rPr lang="en-US" i="1">
+                            <a:latin typeface="Cambria Math" panose="02040503050406030204" pitchFamily="18" charset="0"/>
+                          </a:rPr>
+                        </m:ctrlPr>
+                      </m:sSubPr>
+                      <m:e>
+                        <m:r>
+                          <a:rPr lang="en-US" i="1">
+                            <a:latin typeface="Cambria Math" panose="02040503050406030204" pitchFamily="18" charset="0"/>
+                          </a:rPr>
+                          <m:t>𝛽</m:t>
+                        </m:r>
+                      </m:e>
+                      <m:sub>
+                        <m:r>
+                          <a:rPr lang="en-US" i="1">
+                            <a:latin typeface="Cambria Math" panose="02040503050406030204" pitchFamily="18" charset="0"/>
+                          </a:rPr>
+                          <m:t>0</m:t>
+                        </m:r>
+                      </m:sub>
+                    </m:sSub>
+                    <m:r>
+                      <a:rPr lang="en-US" i="1">
+                        <a:latin typeface="Cambria Math" panose="02040503050406030204" pitchFamily="18" charset="0"/>
+                      </a:rPr>
+                      <m:t>+</m:t>
+                    </m:r>
+                    <m:sSub>
+                      <m:sSubPr>
+                        <m:ctrlPr>
+                          <a:rPr lang="en-US" i="1">
+                            <a:latin typeface="Cambria Math" panose="02040503050406030204" pitchFamily="18" charset="0"/>
+                          </a:rPr>
+                        </m:ctrlPr>
+                      </m:sSubPr>
+                      <m:e>
+                        <m:r>
+                          <a:rPr lang="en-US" i="1">
+                            <a:latin typeface="Cambria Math" panose="02040503050406030204" pitchFamily="18" charset="0"/>
+                          </a:rPr>
+                          <m:t>𝛽</m:t>
+                        </m:r>
+                      </m:e>
+                      <m:sub>
+                        <m:r>
+                          <a:rPr lang="en-US" i="1">
+                            <a:latin typeface="Cambria Math" panose="02040503050406030204" pitchFamily="18" charset="0"/>
+                          </a:rPr>
+                          <m:t>1</m:t>
+                        </m:r>
+                      </m:sub>
+                    </m:sSub>
+                    <m:r>
+                      <a:rPr lang="en-US" i="1">
+                        <a:latin typeface="Cambria Math" panose="02040503050406030204" pitchFamily="18" charset="0"/>
+                      </a:rPr>
+                      <m:t>𝑥</m:t>
+                    </m:r>
+                  </m:oMath>
+                </a14:m>
+                <a:endParaRPr lang="en-US" dirty="0"/>
+              </a:p>
+              <a:p>
+                <a:r>
+                  <a:rPr lang="en-US" dirty="0"/>
+                  <a:t>How do we fit a model with degree d&gt;1?</a:t>
+                </a:r>
+              </a:p>
+              <a:p>
+                <a:r>
+                  <a:rPr lang="en-US" dirty="0"/>
+                  <a:t>Generate multiple transformed features from </a:t>
+                </a:r>
+                <a14:m>
+                  <m:oMath xmlns:m="http://schemas.openxmlformats.org/officeDocument/2006/math">
+                    <m:r>
+                      <a:rPr lang="en-US" i="1">
+                        <a:latin typeface="Cambria Math" panose="02040503050406030204" pitchFamily="18" charset="0"/>
+                      </a:rPr>
+                      <m:t>𝑥</m:t>
+                    </m:r>
+                    <m:r>
+                      <a:rPr lang="en-US" i="1">
+                        <a:latin typeface="Cambria Math" panose="02040503050406030204" pitchFamily="18" charset="0"/>
+                      </a:rPr>
+                      <m:t> </m:t>
+                    </m:r>
+                  </m:oMath>
+                </a14:m>
+                <a:r>
+                  <a:rPr lang="en-US" dirty="0"/>
+                  <a:t>: </a:t>
+                </a:r>
+                <a14:m>
+                  <m:oMath xmlns:m="http://schemas.openxmlformats.org/officeDocument/2006/math">
+                    <m:r>
+                      <a:rPr lang="en-US" b="0" i="1" smtClean="0">
+                        <a:latin typeface="Cambria Math" panose="02040503050406030204" pitchFamily="18" charset="0"/>
+                      </a:rPr>
+                      <m:t>𝑥</m:t>
+                    </m:r>
+                    <m:r>
+                      <a:rPr lang="en-US" b="0" i="1" smtClean="0">
+                        <a:latin typeface="Cambria Math" panose="02040503050406030204" pitchFamily="18" charset="0"/>
+                      </a:rPr>
+                      <m:t>, </m:t>
+                    </m:r>
+                    <m:sSup>
+                      <m:sSupPr>
+                        <m:ctrlPr>
+                          <a:rPr lang="en-US" b="0" i="1" smtClean="0">
+                            <a:latin typeface="Cambria Math" panose="02040503050406030204" pitchFamily="18" charset="0"/>
+                          </a:rPr>
+                        </m:ctrlPr>
+                      </m:sSupPr>
+                      <m:e>
+                        <m:r>
+                          <a:rPr lang="en-US" b="0" i="1" smtClean="0">
+                            <a:latin typeface="Cambria Math" panose="02040503050406030204" pitchFamily="18" charset="0"/>
+                          </a:rPr>
+                          <m:t>𝑥</m:t>
+                        </m:r>
+                      </m:e>
+                      <m:sup>
+                        <m:r>
+                          <a:rPr lang="en-US" b="0" i="1" smtClean="0">
+                            <a:latin typeface="Cambria Math" panose="02040503050406030204" pitchFamily="18" charset="0"/>
+                          </a:rPr>
+                          <m:t>2</m:t>
+                        </m:r>
+                      </m:sup>
+                    </m:sSup>
+                  </m:oMath>
+                </a14:m>
+                <a:r>
+                  <a:rPr lang="en-US" dirty="0"/>
+                  <a:t>,…, </a:t>
+                </a:r>
+                <a14:m>
+                  <m:oMath xmlns:m="http://schemas.openxmlformats.org/officeDocument/2006/math">
+                    <m:sSup>
+                      <m:sSupPr>
+                        <m:ctrlPr>
+                          <a:rPr lang="en-US" i="1">
+                            <a:latin typeface="Cambria Math" panose="02040503050406030204" pitchFamily="18" charset="0"/>
+                          </a:rPr>
+                        </m:ctrlPr>
+                      </m:sSupPr>
+                      <m:e>
+                        <m:r>
+                          <a:rPr lang="en-US" i="1">
+                            <a:latin typeface="Cambria Math" panose="02040503050406030204" pitchFamily="18" charset="0"/>
+                          </a:rPr>
+                          <m:t>𝑥</m:t>
+                        </m:r>
+                      </m:e>
+                      <m:sup>
+                        <m:r>
+                          <a:rPr lang="en-US" b="0" i="1" smtClean="0">
+                            <a:latin typeface="Cambria Math" panose="02040503050406030204" pitchFamily="18" charset="0"/>
+                          </a:rPr>
+                          <m:t>𝑑</m:t>
+                        </m:r>
+                      </m:sup>
+                    </m:sSup>
                   </m:oMath>
                 </a14:m>
                 <a:endParaRPr lang="en-US" dirty="0"/>
@@ -23292,7 +26956,19 @@
                 </a14:m>
                 <a:r>
                   <a:rPr lang="en-US" dirty="0"/>
-                  <a:t> transformed features from 1 original feature</a:t>
+                  <a:t> </a:t>
+                </a:r>
+                <a:r>
+                  <a:rPr lang="en-US" dirty="0">
+                    <a:solidFill>
+                      <a:srgbClr val="FF0000"/>
+                    </a:solidFill>
+                  </a:rPr>
+                  <a:t>transformed features </a:t>
+                </a:r>
+                <a:r>
+                  <a:rPr lang="en-US" dirty="0"/>
+                  <a:t>from 1 original feature</a:t>
                 </a:r>
               </a:p>
               <a:p>
@@ -23310,7 +26986,7 @@
             </p:txBody>
           </p:sp>
         </mc:Choice>
-        <mc:Fallback xmlns="">
+        <mc:Fallback>
           <p:sp>
             <p:nvSpPr>
               <p:cNvPr id="3" name="Content Placeholder 2"/>
@@ -23329,7 +27005,7 @@
               <a:blipFill>
                 <a:blip r:embed="rId2"/>
                 <a:stretch>
-                  <a:fillRect l="-2467" t="-1408"/>
+                  <a:fillRect l="-1493" t="-1170"/>
                 </a:stretch>
               </a:blipFill>
             </p:spPr>
@@ -23365,7 +27041,7 @@
           <a:p>
             <a:fld id="{629637A9-119A-49DA-BD12-AAC58B377D80}" type="slidenum">
               <a:rPr lang="en-US" smtClean="0"/>
-              <a:t>38</a:t>
+              <a:t>40</a:t>
             </a:fld>
             <a:endParaRPr lang="en-US" dirty="0"/>
           </a:p>
@@ -23408,7 +27084,7 @@
 </p:sld>
 </file>
 
-<file path=ppt/slides/slide39.xml><?xml version="1.0" encoding="utf-8"?>
+<file path=ppt/slides/slide41.xml><?xml version="1.0" encoding="utf-8"?>
 <p:sld xmlns:a="http://schemas.openxmlformats.org/drawingml/2006/main" xmlns:r="http://schemas.openxmlformats.org/officeDocument/2006/relationships" xmlns:p="http://schemas.openxmlformats.org/presentationml/2006/main">
   <p:cSld>
     <p:spTree>
@@ -23447,8 +27123,8 @@
           </a:p>
         </p:txBody>
       </p:sp>
-      <mc:AlternateContent xmlns:mc="http://schemas.openxmlformats.org/markup-compatibility/2006" xmlns:a14="http://schemas.microsoft.com/office/drawing/2010/main">
-        <mc:Choice Requires="a14">
+      <mc:AlternateContent xmlns:mc="http://schemas.openxmlformats.org/markup-compatibility/2006">
+        <mc:Choice xmlns:a14="http://schemas.microsoft.com/office/drawing/2010/main" Requires="a14">
           <p:sp>
             <p:nvSpPr>
               <p:cNvPr id="3" name="Content Placeholder 2"/>
@@ -23462,7 +27138,7 @@
             <p:spPr/>
             <p:txBody>
               <a:bodyPr>
-                <a:normAutofit lnSpcReduction="10000"/>
+                <a:normAutofit fontScale="92500" lnSpcReduction="10000"/>
               </a:bodyPr>
               <a:lstStyle/>
               <a:p>
@@ -23757,8 +27433,16 @@
                         </m:r>
                       </m:sub>
                     </m:sSub>
-                    <m:r>
-                      <a:rPr lang="en-US" b="0" i="1" smtClean="0">
+                  </m:oMath>
+                </a14:m>
+                <a:r>
+                  <a:rPr lang="en-US" dirty="0"/>
+                  <a:t> </a:t>
+                </a:r>
+                <a14:m>
+                  <m:oMath xmlns:m="http://schemas.openxmlformats.org/officeDocument/2006/math">
+                    <m:r>
+                      <a:rPr lang="en-US" i="1">
                         <a:latin typeface="Cambria Math" panose="02040503050406030204" pitchFamily="18" charset="0"/>
                       </a:rPr>
                       <m:t>+</m:t>
@@ -23766,7 +27450,7 @@
                     <m:sSub>
                       <m:sSubPr>
                         <m:ctrlPr>
-                          <a:rPr lang="en-US" b="0" i="1" smtClean="0">
+                          <a:rPr lang="en-US" i="1">
                             <a:latin typeface="Cambria Math" panose="02040503050406030204" pitchFamily="18" charset="0"/>
                           </a:rPr>
                         </m:ctrlPr>
@@ -23781,7 +27465,7 @@
                       </m:e>
                       <m:sub>
                         <m:r>
-                          <a:rPr lang="en-US" b="0" i="1" smtClean="0">
+                          <a:rPr lang="en-US" i="1">
                             <a:latin typeface="Cambria Math" panose="02040503050406030204" pitchFamily="18" charset="0"/>
                           </a:rPr>
                           <m:t>𝑘</m:t>
@@ -23790,7 +27474,10 @@
                     </m:sSub>
                   </m:oMath>
                 </a14:m>
-                <a:endParaRPr lang="en-US" dirty="0"/>
+                <a:r>
+                  <a:rPr lang="en-US" dirty="0"/>
+                  <a:t> </a:t>
+                </a:r>
               </a:p>
               <a:p>
                 <a:r>
@@ -23930,7 +27617,7 @@
                           <a:rPr lang="en-US" b="0" i="1" smtClean="0">
                             <a:latin typeface="Cambria Math" panose="02040503050406030204" pitchFamily="18" charset="0"/>
                           </a:rPr>
-                          <m:t>1+</m:t>
+                          <m:t>1−</m:t>
                         </m:r>
                         <m:sSub>
                           <m:sSubPr>
@@ -23986,7 +27673,7 @@
                           <a:rPr lang="en-US" b="0" i="1" smtClean="0">
                             <a:latin typeface="Cambria Math" panose="02040503050406030204" pitchFamily="18" charset="0"/>
                           </a:rPr>
-                          <m:t>+⋯+</m:t>
+                          <m:t>−⋯−</m:t>
                         </m:r>
                         <m:sSub>
                           <m:sSubPr>
@@ -24053,126 +27740,27 @@
               <a:p>
                 <a:r>
                   <a:rPr lang="en-US" dirty="0"/>
-                  <a:t>Learn transfer function from data </a:t>
+                  <a:t>Given input sequence and output sequence for  T samples,</a:t>
+                </a:r>
+              </a:p>
+              <a:p>
+                <a:pPr marL="0" indent="0">
+                  <a:buNone/>
+                </a:pPr>
+                <a:r>
+                  <a:rPr lang="en-US" dirty="0"/>
+                  <a:t>    How do we determine </a:t>
                 </a:r>
                 <a14:m>
                   <m:oMath xmlns:m="http://schemas.openxmlformats.org/officeDocument/2006/math">
-                    <m:d>
-                      <m:dPr>
-                        <m:ctrlPr>
-                          <a:rPr lang="en-US" b="0" i="1" smtClean="0">
-                            <a:latin typeface="Cambria Math" panose="02040503050406030204" pitchFamily="18" charset="0"/>
-                          </a:rPr>
-                        </m:ctrlPr>
-                      </m:dPr>
-                      <m:e>
-                        <m:sSub>
-                          <m:sSubPr>
-                            <m:ctrlPr>
-                              <a:rPr lang="en-US" b="0" i="1" smtClean="0">
-                                <a:latin typeface="Cambria Math" panose="02040503050406030204" pitchFamily="18" charset="0"/>
-                              </a:rPr>
-                            </m:ctrlPr>
-                          </m:sSubPr>
-                          <m:e>
-                            <m:r>
-                              <a:rPr lang="en-US" b="0" i="1" smtClean="0">
-                                <a:latin typeface="Cambria Math" panose="02040503050406030204" pitchFamily="18" charset="0"/>
-                              </a:rPr>
-                              <m:t>𝑥</m:t>
-                            </m:r>
-                          </m:e>
-                          <m:sub>
-                            <m:r>
-                              <a:rPr lang="en-US" b="0" i="1" smtClean="0">
-                                <a:latin typeface="Cambria Math" panose="02040503050406030204" pitchFamily="18" charset="0"/>
-                              </a:rPr>
-                              <m:t>𝑘</m:t>
-                            </m:r>
-                          </m:sub>
-                        </m:sSub>
-                        <m:r>
-                          <a:rPr lang="en-US" b="0" i="1" smtClean="0">
-                            <a:latin typeface="Cambria Math" panose="02040503050406030204" pitchFamily="18" charset="0"/>
-                          </a:rPr>
-                          <m:t>,</m:t>
-                        </m:r>
-                        <m:sSub>
-                          <m:sSubPr>
-                            <m:ctrlPr>
-                              <a:rPr lang="en-US" b="0" i="1" smtClean="0">
-                                <a:latin typeface="Cambria Math" panose="02040503050406030204" pitchFamily="18" charset="0"/>
-                              </a:rPr>
-                            </m:ctrlPr>
-                          </m:sSubPr>
-                          <m:e>
-                            <m:r>
-                              <a:rPr lang="en-US" b="0" i="1" smtClean="0">
-                                <a:latin typeface="Cambria Math" panose="02040503050406030204" pitchFamily="18" charset="0"/>
-                              </a:rPr>
-                              <m:t>𝑦</m:t>
-                            </m:r>
-                          </m:e>
-                          <m:sub>
-                            <m:r>
-                              <a:rPr lang="en-US" b="0" i="1" smtClean="0">
-                                <a:latin typeface="Cambria Math" panose="02040503050406030204" pitchFamily="18" charset="0"/>
-                              </a:rPr>
-                              <m:t>𝑘</m:t>
-                            </m:r>
-                          </m:sub>
-                        </m:sSub>
-                      </m:e>
-                    </m:d>
-                    <m:r>
-                      <a:rPr lang="en-US" b="0" i="1" smtClean="0">
-                        <a:latin typeface="Cambria Math" panose="02040503050406030204" pitchFamily="18" charset="0"/>
-                      </a:rPr>
-                      <m:t>,</m:t>
-                    </m:r>
-                    <m:r>
-                      <a:rPr lang="en-US" b="0" i="1" smtClean="0">
-                        <a:latin typeface="Cambria Math" panose="02040503050406030204" pitchFamily="18" charset="0"/>
-                      </a:rPr>
-                      <m:t>𝑘</m:t>
-                    </m:r>
-                    <m:r>
-                      <a:rPr lang="en-US" b="0" i="1" smtClean="0">
-                        <a:latin typeface="Cambria Math" panose="02040503050406030204" pitchFamily="18" charset="0"/>
-                      </a:rPr>
-                      <m:t>=0,…, </m:t>
-                    </m:r>
-                    <m:r>
-                      <a:rPr lang="en-US" b="0" i="1" smtClean="0">
-                        <a:latin typeface="Cambria Math" panose="02040503050406030204" pitchFamily="18" charset="0"/>
-                      </a:rPr>
-                      <m:t>𝑇</m:t>
-                    </m:r>
-                    <m:r>
-                      <a:rPr lang="en-US" b="0" i="1" smtClean="0">
-                        <a:latin typeface="Cambria Math" panose="02040503050406030204" pitchFamily="18" charset="0"/>
-                      </a:rPr>
-                      <m:t>−1</m:t>
-                    </m:r>
-                  </m:oMath>
-                </a14:m>
-                <a:endParaRPr lang="en-US" dirty="0"/>
-              </a:p>
-              <a:p>
-                <a:r>
-                  <a:rPr lang="en-US" dirty="0"/>
-                  <a:t>Unknown coefficients </a:t>
-                </a:r>
-                <a14:m>
-                  <m:oMath xmlns:m="http://schemas.openxmlformats.org/officeDocument/2006/math">
-                    <m:r>
-                      <a:rPr lang="en-US" b="0" i="1" smtClean="0">
+                    <m:r>
+                      <a:rPr lang="en-US" i="1">
                         <a:latin typeface="Cambria Math" panose="02040503050406030204" pitchFamily="18" charset="0"/>
                       </a:rPr>
                       <m:t>𝛽</m:t>
                     </m:r>
                     <m:r>
-                      <a:rPr lang="en-US" b="0" i="1" smtClean="0">
+                      <a:rPr lang="en-US" i="1">
                         <a:latin typeface="Cambria Math" panose="02040503050406030204" pitchFamily="18" charset="0"/>
                       </a:rPr>
                       <m:t>=</m:t>
@@ -24180,7 +27768,7 @@
                     <m:sSup>
                       <m:sSupPr>
                         <m:ctrlPr>
-                          <a:rPr lang="en-US" b="0" i="1" smtClean="0">
+                          <a:rPr lang="en-US" i="1">
                             <a:latin typeface="Cambria Math" panose="02040503050406030204" pitchFamily="18" charset="0"/>
                           </a:rPr>
                         </m:ctrlPr>
@@ -24189,7 +27777,7 @@
                         <m:d>
                           <m:dPr>
                             <m:ctrlPr>
-                              <a:rPr lang="en-US" b="0" i="1" smtClean="0">
+                              <a:rPr lang="en-US" i="1">
                                 <a:latin typeface="Cambria Math" panose="02040503050406030204" pitchFamily="18" charset="0"/>
                               </a:rPr>
                             </m:ctrlPr>
@@ -24198,14 +27786,14 @@
                             <m:sSub>
                               <m:sSubPr>
                                 <m:ctrlPr>
-                                  <a:rPr lang="en-US" b="0" i="1" smtClean="0">
+                                  <a:rPr lang="en-US" i="1">
                                     <a:latin typeface="Cambria Math" panose="02040503050406030204" pitchFamily="18" charset="0"/>
                                   </a:rPr>
                                 </m:ctrlPr>
                               </m:sSubPr>
                               <m:e>
                                 <m:r>
-                                  <a:rPr lang="en-US" b="0" i="1" smtClean="0">
+                                  <a:rPr lang="en-US" i="1">
                                     <a:latin typeface="Cambria Math" panose="02040503050406030204" pitchFamily="18" charset="0"/>
                                   </a:rPr>
                                   <m:t>𝑎</m:t>
@@ -24213,7 +27801,7 @@
                               </m:e>
                               <m:sub>
                                 <m:r>
-                                  <a:rPr lang="en-US" b="0" i="1" smtClean="0">
+                                  <a:rPr lang="en-US" i="1">
                                     <a:latin typeface="Cambria Math" panose="02040503050406030204" pitchFamily="18" charset="0"/>
                                   </a:rPr>
                                   <m:t>1</m:t>
@@ -24221,7 +27809,7 @@
                               </m:sub>
                             </m:sSub>
                             <m:r>
-                              <a:rPr lang="en-US" b="0" i="1" smtClean="0">
+                              <a:rPr lang="en-US" i="1">
                                 <a:latin typeface="Cambria Math" panose="02040503050406030204" pitchFamily="18" charset="0"/>
                               </a:rPr>
                               <m:t>,⋯, </m:t>
@@ -24229,14 +27817,14 @@
                             <m:sSub>
                               <m:sSubPr>
                                 <m:ctrlPr>
-                                  <a:rPr lang="en-US" b="0" i="1" smtClean="0">
+                                  <a:rPr lang="en-US" i="1">
                                     <a:latin typeface="Cambria Math" panose="02040503050406030204" pitchFamily="18" charset="0"/>
                                   </a:rPr>
                                 </m:ctrlPr>
                               </m:sSubPr>
                               <m:e>
                                 <m:r>
-                                  <a:rPr lang="en-US" b="0" i="1" smtClean="0">
+                                  <a:rPr lang="en-US" i="1">
                                     <a:latin typeface="Cambria Math" panose="02040503050406030204" pitchFamily="18" charset="0"/>
                                   </a:rPr>
                                   <m:t>𝑎</m:t>
@@ -24244,7 +27832,7 @@
                               </m:e>
                               <m:sub>
                                 <m:r>
-                                  <a:rPr lang="en-US" b="0" i="1" smtClean="0">
+                                  <a:rPr lang="en-US" i="1">
                                     <a:latin typeface="Cambria Math" panose="02040503050406030204" pitchFamily="18" charset="0"/>
                                   </a:rPr>
                                   <m:t>𝑚</m:t>
@@ -24252,7 +27840,7 @@
                               </m:sub>
                             </m:sSub>
                             <m:r>
-                              <a:rPr lang="en-US" b="0" i="1" smtClean="0">
+                              <a:rPr lang="en-US" i="1">
                                 <a:latin typeface="Cambria Math" panose="02040503050406030204" pitchFamily="18" charset="0"/>
                               </a:rPr>
                               <m:t>,</m:t>
@@ -24260,14 +27848,14 @@
                             <m:sSub>
                               <m:sSubPr>
                                 <m:ctrlPr>
-                                  <a:rPr lang="en-US" b="0" i="1" smtClean="0">
+                                  <a:rPr lang="en-US" i="1">
                                     <a:latin typeface="Cambria Math" panose="02040503050406030204" pitchFamily="18" charset="0"/>
                                   </a:rPr>
                                 </m:ctrlPr>
                               </m:sSubPr>
                               <m:e>
                                 <m:r>
-                                  <a:rPr lang="en-US" b="0" i="1" smtClean="0">
+                                  <a:rPr lang="en-US" i="1">
                                     <a:latin typeface="Cambria Math" panose="02040503050406030204" pitchFamily="18" charset="0"/>
                                   </a:rPr>
                                   <m:t>𝑏</m:t>
@@ -24275,7 +27863,7 @@
                               </m:e>
                               <m:sub>
                                 <m:r>
-                                  <a:rPr lang="en-US" b="0" i="1" smtClean="0">
+                                  <a:rPr lang="en-US" i="1">
                                     <a:latin typeface="Cambria Math" panose="02040503050406030204" pitchFamily="18" charset="0"/>
                                   </a:rPr>
                                   <m:t>0</m:t>
@@ -24283,7 +27871,7 @@
                               </m:sub>
                             </m:sSub>
                             <m:r>
-                              <a:rPr lang="en-US" b="0" i="1" smtClean="0">
+                              <a:rPr lang="en-US" i="1">
                                 <a:latin typeface="Cambria Math" panose="02040503050406030204" pitchFamily="18" charset="0"/>
                               </a:rPr>
                               <m:t>,⋯,</m:t>
@@ -24291,14 +27879,14 @@
                             <m:sSub>
                               <m:sSubPr>
                                 <m:ctrlPr>
-                                  <a:rPr lang="en-US" b="0" i="1" smtClean="0">
+                                  <a:rPr lang="en-US" i="1">
                                     <a:latin typeface="Cambria Math" panose="02040503050406030204" pitchFamily="18" charset="0"/>
                                   </a:rPr>
                                 </m:ctrlPr>
                               </m:sSubPr>
                               <m:e>
                                 <m:r>
-                                  <a:rPr lang="en-US" b="0" i="1" smtClean="0">
+                                  <a:rPr lang="en-US" i="1">
                                     <a:latin typeface="Cambria Math" panose="02040503050406030204" pitchFamily="18" charset="0"/>
                                   </a:rPr>
                                   <m:t>𝑏</m:t>
@@ -24306,7 +27894,7 @@
                               </m:e>
                               <m:sub>
                                 <m:r>
-                                  <a:rPr lang="en-US" b="0" i="1" smtClean="0">
+                                  <a:rPr lang="en-US" i="1">
                                     <a:latin typeface="Cambria Math" panose="02040503050406030204" pitchFamily="18" charset="0"/>
                                   </a:rPr>
                                   <m:t>𝑛</m:t>
@@ -24318,7 +27906,7 @@
                       </m:e>
                       <m:sup>
                         <m:r>
-                          <a:rPr lang="en-US" b="0" i="1" smtClean="0">
+                          <a:rPr lang="en-US" i="1">
                             <a:latin typeface="Cambria Math" panose="02040503050406030204" pitchFamily="18" charset="0"/>
                           </a:rPr>
                           <m:t>𝑇</m:t>
@@ -24327,11 +27915,20 @@
                     </m:sSup>
                   </m:oMath>
                 </a14:m>
-                <a:endParaRPr lang="en-US" dirty="0"/>
+                <a:r>
+                  <a:rPr lang="en-US" dirty="0"/>
+                  <a:t>?</a:t>
+                </a:r>
               </a:p>
               <a:p>
                 <a:r>
                   <a:rPr lang="en-US" dirty="0"/>
+                  <a:t>Can be solved using linear regression!</a:t>
+                </a:r>
+              </a:p>
+              <a:p>
+                <a:r>
+                  <a:rPr lang="en-US" dirty="0"/>
                   <a:t>Write </a:t>
                 </a:r>
                 <a14:m>
@@ -24372,11 +27969,17 @@
                       </a:rPr>
                       <m:t>𝑤</m:t>
                     </m:r>
+                    <m:r>
+                      <a:rPr lang="en-US" b="0" i="1" smtClean="0">
+                        <a:latin typeface="Cambria Math" panose="02040503050406030204" pitchFamily="18" charset="0"/>
+                      </a:rPr>
+                      <m:t> </m:t>
+                    </m:r>
                   </m:oMath>
                 </a14:m>
                 <a:r>
                   <a:rPr lang="en-US" dirty="0"/>
-                  <a:t> for matrix </a:t>
+                  <a:t> and define </a:t>
                 </a:r>
                 <a14:m>
                   <m:oMath xmlns:m="http://schemas.openxmlformats.org/officeDocument/2006/math">
@@ -24388,7 +27991,10 @@
                     </m:r>
                   </m:oMath>
                 </a14:m>
-                <a:endParaRPr lang="en-US" dirty="0"/>
+                <a:r>
+                  <a:rPr lang="en-US" dirty="0"/>
+                  <a:t>, y</a:t>
+                </a:r>
               </a:p>
               <a:p>
                 <a:pPr lvl="1"/>
@@ -24428,7 +28034,7 @@
                 <a:pPr lvl="1"/>
                 <a:r>
                   <a:rPr lang="en-US" dirty="0"/>
-                  <a:t>Speech modeling.  Fit model each 25 </a:t>
+                  <a:t>Speech modeling.  Fit a model each 25 </a:t>
                 </a:r>
                 <a:r>
                   <a:rPr lang="en-US" dirty="0" err="1"/>
@@ -24439,7 +28045,7 @@
             </p:txBody>
           </p:sp>
         </mc:Choice>
-        <mc:Fallback xmlns="">
+        <mc:Fallback>
           <p:sp>
             <p:nvSpPr>
               <p:cNvPr id="3" name="Content Placeholder 2"/>
@@ -24454,7 +28060,7 @@
               <a:blipFill>
                 <a:blip r:embed="rId2"/>
                 <a:stretch>
-                  <a:fillRect l="-1455" t="-2113"/>
+                  <a:fillRect l="-1261" t="-1754" b="-2047"/>
                 </a:stretch>
               </a:blipFill>
             </p:spPr>
@@ -24490,7 +28096,7 @@
           <a:p>
             <a:fld id="{629637A9-119A-49DA-BD12-AAC58B377D80}" type="slidenum">
               <a:rPr lang="en-US" smtClean="0"/>
-              <a:t>39</a:t>
+              <a:t>41</a:t>
             </a:fld>
             <a:endParaRPr lang="en-US" dirty="0"/>
           </a:p>
@@ -24512,8 +28118,8 @@
         </p:blipFill>
         <p:spPr>
           <a:xfrm>
-            <a:off x="7787852" y="2422766"/>
-            <a:ext cx="3897838" cy="2182789"/>
+            <a:off x="6347637" y="2928510"/>
+            <a:ext cx="4969341" cy="2782831"/>
           </a:xfrm>
           <a:prstGeom prst="rect">
             <a:avLst/>
@@ -24533,180 +28139,7 @@
 </p:sld>
 </file>
 
-<file path=ppt/slides/slide4.xml><?xml version="1.0" encoding="utf-8"?>
-<p:sld xmlns:a="http://schemas.openxmlformats.org/drawingml/2006/main" xmlns:r="http://schemas.openxmlformats.org/officeDocument/2006/relationships" xmlns:p="http://schemas.openxmlformats.org/presentationml/2006/main">
-  <p:cSld>
-    <p:spTree>
-      <p:nvGrpSpPr>
-        <p:cNvPr id="1" name=""/>
-        <p:cNvGrpSpPr/>
-        <p:nvPr/>
-      </p:nvGrpSpPr>
-      <p:grpSpPr>
-        <a:xfrm>
-          <a:off x="0" y="0"/>
-          <a:ext cx="0" cy="0"/>
-          <a:chOff x="0" y="0"/>
-          <a:chExt cx="0" cy="0"/>
-        </a:xfrm>
-      </p:grpSpPr>
-      <p:sp>
-        <p:nvSpPr>
-          <p:cNvPr id="2" name="Title 1"/>
-          <p:cNvSpPr>
-            <a:spLocks noGrp="1"/>
-          </p:cNvSpPr>
-          <p:nvPr>
-            <p:ph type="title"/>
-          </p:nvPr>
-        </p:nvSpPr>
-        <p:spPr/>
-        <p:txBody>
-          <a:bodyPr/>
-          <a:lstStyle/>
-          <a:p>
-            <a:r>
-              <a:rPr lang="en-US" dirty="0"/>
-              <a:t>Outline	</a:t>
-            </a:r>
-          </a:p>
-        </p:txBody>
-      </p:sp>
-      <p:sp>
-        <p:nvSpPr>
-          <p:cNvPr id="3" name="Content Placeholder 2"/>
-          <p:cNvSpPr>
-            <a:spLocks noGrp="1"/>
-          </p:cNvSpPr>
-          <p:nvPr>
-            <p:ph idx="1"/>
-          </p:nvPr>
-        </p:nvSpPr>
-        <p:spPr/>
-        <p:txBody>
-          <a:bodyPr/>
-          <a:lstStyle/>
-          <a:p>
-            <a:r>
-              <a:rPr lang="en-US" dirty="0"/>
-              <a:t>Motivating Example:  Understanding glucose levels in diabetes patients</a:t>
-            </a:r>
-          </a:p>
-          <a:p>
-            <a:r>
-              <a:rPr lang="en-US" dirty="0"/>
-              <a:t>Multiple variable linear models</a:t>
-            </a:r>
-          </a:p>
-          <a:p>
-            <a:r>
-              <a:rPr lang="en-US" dirty="0"/>
-              <a:t>Least squares solutions</a:t>
-            </a:r>
-          </a:p>
-          <a:p>
-            <a:r>
-              <a:rPr lang="en-US" dirty="0"/>
-              <a:t>Computing the solutions in python</a:t>
-            </a:r>
-          </a:p>
-          <a:p>
-            <a:r>
-              <a:rPr lang="en-US" dirty="0"/>
-              <a:t>Special case:  Simple linear regression</a:t>
-            </a:r>
-          </a:p>
-          <a:p>
-            <a:r>
-              <a:rPr lang="en-US" dirty="0"/>
-              <a:t>Extensions</a:t>
-            </a:r>
-          </a:p>
-        </p:txBody>
-      </p:sp>
-      <p:sp>
-        <p:nvSpPr>
-          <p:cNvPr id="4" name="Slide Number Placeholder 3"/>
-          <p:cNvSpPr>
-            <a:spLocks noGrp="1"/>
-          </p:cNvSpPr>
-          <p:nvPr>
-            <p:ph type="sldNum" sz="quarter" idx="12"/>
-          </p:nvPr>
-        </p:nvSpPr>
-        <p:spPr/>
-        <p:txBody>
-          <a:bodyPr/>
-          <a:lstStyle/>
-          <a:p>
-            <a:fld id="{629637A9-119A-49DA-BD12-AAC58B377D80}" type="slidenum">
-              <a:rPr lang="en-US" smtClean="0"/>
-              <a:t>4</a:t>
-            </a:fld>
-            <a:endParaRPr lang="en-US" dirty="0"/>
-          </a:p>
-        </p:txBody>
-      </p:sp>
-      <p:sp>
-        <p:nvSpPr>
-          <p:cNvPr id="5" name="Arrow: Right 4"/>
-          <p:cNvSpPr/>
-          <p:nvPr/>
-        </p:nvSpPr>
-        <p:spPr>
-          <a:xfrm>
-            <a:off x="350383" y="1439055"/>
-            <a:ext cx="978408" cy="484632"/>
-          </a:xfrm>
-          <a:prstGeom prst="rightArrow">
-            <a:avLst/>
-          </a:prstGeom>
-          <a:solidFill>
-            <a:schemeClr val="accent1">
-              <a:lumMod val="60000"/>
-              <a:lumOff val="40000"/>
-            </a:schemeClr>
-          </a:solidFill>
-        </p:spPr>
-        <p:style>
-          <a:lnRef idx="2">
-            <a:schemeClr val="accent1">
-              <a:shade val="50000"/>
-            </a:schemeClr>
-          </a:lnRef>
-          <a:fillRef idx="1">
-            <a:schemeClr val="accent1"/>
-          </a:fillRef>
-          <a:effectRef idx="0">
-            <a:schemeClr val="accent1"/>
-          </a:effectRef>
-          <a:fontRef idx="minor">
-            <a:schemeClr val="lt1"/>
-          </a:fontRef>
-        </p:style>
-        <p:txBody>
-          <a:bodyPr rtlCol="0" anchor="ctr"/>
-          <a:lstStyle/>
-          <a:p>
-            <a:pPr algn="ctr"/>
-            <a:endParaRPr lang="en-US"/>
-          </a:p>
-        </p:txBody>
-      </p:sp>
-    </p:spTree>
-    <p:extLst>
-      <p:ext uri="{BB962C8B-B14F-4D97-AF65-F5344CB8AC3E}">
-        <p14:creationId xmlns:p14="http://schemas.microsoft.com/office/powerpoint/2010/main" val="3884060235"/>
-      </p:ext>
-    </p:extLst>
-  </p:cSld>
-  <p:clrMapOvr>
-    <a:masterClrMapping/>
-  </p:clrMapOvr>
-</p:sld>
-</file>
-
-<file path=ppt/slides/slide40.xml><?xml version="1.0" encoding="utf-8"?>
+<file path=ppt/slides/slide42.xml><?xml version="1.0" encoding="utf-8"?>
 <p:sld xmlns:a="http://schemas.openxmlformats.org/drawingml/2006/main" xmlns:r="http://schemas.openxmlformats.org/officeDocument/2006/relationships" xmlns:p="http://schemas.openxmlformats.org/presentationml/2006/main">
   <p:cSld>
     <p:spTree>
@@ -24745,8 +28178,8 @@
           </a:p>
         </p:txBody>
       </p:sp>
-      <mc:AlternateContent xmlns:mc="http://schemas.openxmlformats.org/markup-compatibility/2006" xmlns:a14="http://schemas.microsoft.com/office/drawing/2010/main">
-        <mc:Choice Requires="a14">
+      <mc:AlternateContent xmlns:mc="http://schemas.openxmlformats.org/markup-compatibility/2006">
+        <mc:Choice xmlns:a14="http://schemas.microsoft.com/office/drawing/2010/main" Requires="a14">
           <p:sp>
             <p:nvSpPr>
               <p:cNvPr id="3" name="Content Placeholder 2"/>
@@ -24764,7 +28197,9 @@
               </a:xfrm>
             </p:spPr>
             <p:txBody>
-              <a:bodyPr/>
+              <a:bodyPr>
+                <a:normAutofit fontScale="92500" lnSpcReduction="10000"/>
+              </a:bodyPr>
               <a:lstStyle/>
               <a:p>
                 <a:r>
@@ -24774,11 +28209,56 @@
                 <a14:m>
                   <m:oMath xmlns:m="http://schemas.openxmlformats.org/officeDocument/2006/math">
                     <m:r>
-                      <a:rPr lang="en-US" b="0" i="1" smtClean="0">
-                        <a:latin typeface="Cambria Math" panose="02040503050406030204" pitchFamily="18" charset="0"/>
-                      </a:rPr>
-                      <m:t>𝑥</m:t>
-                    </m:r>
+                      <m:rPr>
+                        <m:sty m:val="p"/>
+                      </m:rPr>
+                      <a:rPr lang="en-US" b="0" i="0" smtClean="0"/>
+                      <m:t>one</m:t>
+                    </m:r>
+                    <m:r>
+                      <a:rPr lang="en-US" b="0" i="0" smtClean="0">
+                        <a:latin typeface="Cambria Math" panose="02040503050406030204" pitchFamily="18" charset="0"/>
+                      </a:rPr>
+                      <m:t> </m:t>
+                    </m:r>
+                    <m:r>
+                      <m:rPr>
+                        <m:sty m:val="p"/>
+                      </m:rPr>
+                      <a:rPr lang="en-US" b="0" i="0" smtClean="0">
+                        <a:latin typeface="Cambria Math" panose="02040503050406030204" pitchFamily="18" charset="0"/>
+                      </a:rPr>
+                      <m:t>feature</m:t>
+                    </m:r>
+                    <m:r>
+                      <a:rPr lang="en-US" b="0" i="0" smtClean="0"/>
+                      <m:t> </m:t>
+                    </m:r>
+                    <m:sSub>
+                      <m:sSubPr>
+                        <m:ctrlPr>
+                          <a:rPr lang="en-US" b="0" i="1" smtClean="0">
+                            <a:latin typeface="Cambria Math" panose="02040503050406030204" pitchFamily="18" charset="0"/>
+                          </a:rPr>
+                        </m:ctrlPr>
+                      </m:sSubPr>
+                      <m:e>
+                        <m:r>
+                          <a:rPr lang="en-US" b="0" i="1" smtClean="0">
+                            <a:latin typeface="Cambria Math" panose="02040503050406030204" pitchFamily="18" charset="0"/>
+                          </a:rPr>
+                          <m:t>𝑥</m:t>
+                        </m:r>
+                      </m:e>
+                      <m:sub>
+                        <m:r>
+                          <a:rPr lang="en-US" b="0" i="1" smtClean="0">
+                            <a:latin typeface="Cambria Math" panose="02040503050406030204" pitchFamily="18" charset="0"/>
+                          </a:rPr>
+                          <m:t>𝑗</m:t>
+                        </m:r>
+                      </m:sub>
+                    </m:sSub>
                   </m:oMath>
                 </a14:m>
                 <a:r>
@@ -24805,34 +28285,527 @@
                 <a:pPr lvl="1"/>
                 <a:r>
                   <a:rPr lang="en-US" dirty="0"/>
-                  <a:t>One of a finite number of choices </a:t>
+                  <a:t>Example: We want to predict the price of a car, given its model </a:t>
                 </a:r>
                 <a14:m>
                   <m:oMath xmlns:m="http://schemas.openxmlformats.org/officeDocument/2006/math">
+                    <m:sSub>
+                      <m:sSubPr>
+                        <m:ctrlPr>
+                          <a:rPr lang="en-US" i="1">
+                            <a:latin typeface="Cambria Math" panose="02040503050406030204" pitchFamily="18" charset="0"/>
+                          </a:rPr>
+                        </m:ctrlPr>
+                      </m:sSubPr>
+                      <m:e>
+                        <m:r>
+                          <a:rPr lang="en-US" i="1">
+                            <a:latin typeface="Cambria Math" panose="02040503050406030204" pitchFamily="18" charset="0"/>
+                          </a:rPr>
+                          <m:t> </m:t>
+                        </m:r>
+                        <m:r>
+                          <a:rPr lang="en-US" i="1">
+                            <a:latin typeface="Cambria Math" panose="02040503050406030204" pitchFamily="18" charset="0"/>
+                          </a:rPr>
+                          <m:t>𝑥</m:t>
+                        </m:r>
+                      </m:e>
+                      <m:sub>
+                        <m:r>
+                          <a:rPr lang="en-US" b="0" i="1" smtClean="0">
+                            <a:latin typeface="Cambria Math" panose="02040503050406030204" pitchFamily="18" charset="0"/>
+                          </a:rPr>
+                          <m:t>1</m:t>
+                        </m:r>
+                      </m:sub>
+                    </m:sSub>
+                  </m:oMath>
+                </a14:m>
+                <a:r>
+                  <a:rPr lang="en-US" dirty="0"/>
+                  <a:t> and interior space </a:t>
+                </a:r>
+                <a14:m>
+                  <m:oMath xmlns:m="http://schemas.openxmlformats.org/officeDocument/2006/math">
+                    <m:sSub>
+                      <m:sSubPr>
+                        <m:ctrlPr>
+                          <a:rPr lang="en-US" i="1">
+                            <a:latin typeface="Cambria Math" panose="02040503050406030204" pitchFamily="18" charset="0"/>
+                          </a:rPr>
+                        </m:ctrlPr>
+                      </m:sSubPr>
+                      <m:e>
+                        <m:r>
+                          <a:rPr lang="en-US" i="1">
+                            <a:latin typeface="Cambria Math" panose="02040503050406030204" pitchFamily="18" charset="0"/>
+                          </a:rPr>
+                          <m:t> </m:t>
+                        </m:r>
+                        <m:r>
+                          <a:rPr lang="en-US" i="1">
+                            <a:latin typeface="Cambria Math" panose="02040503050406030204" pitchFamily="18" charset="0"/>
+                          </a:rPr>
+                          <m:t>𝑥</m:t>
+                        </m:r>
+                      </m:e>
+                      <m:sub>
+                        <m:r>
+                          <a:rPr lang="en-US" b="0" i="1" smtClean="0">
+                            <a:latin typeface="Cambria Math" panose="02040503050406030204" pitchFamily="18" charset="0"/>
+                          </a:rPr>
+                          <m:t>2</m:t>
+                        </m:r>
+                      </m:sub>
+                    </m:sSub>
+                  </m:oMath>
+                </a14:m>
+                <a:r>
+                  <a:rPr lang="en-US" dirty="0"/>
+                  <a:t> . There could be 3 different models of a car</a:t>
+                </a:r>
+              </a:p>
+              <a:p>
+                <a:pPr lvl="1"/>
+                <a:r>
+                  <a:rPr lang="en-US" dirty="0"/>
+                  <a:t>Arbitrarily assign an index to each possible car model may give unreasonable results</a:t>
+                </a:r>
+              </a:p>
+              <a:p>
+                <a:r>
+                  <a:rPr lang="en-US" dirty="0"/>
+                  <a:t>One-hot coding example: </a:t>
+                </a:r>
+              </a:p>
+              <a:p>
+                <a:pPr lvl="1"/>
+                <a:r>
+                  <a:rPr lang="en-US" dirty="0"/>
+                  <a:t>With 3 possible categories, represent </a:t>
+                </a:r>
+                <a14:m>
+                  <m:oMath xmlns:m="http://schemas.openxmlformats.org/officeDocument/2006/math">
+                    <m:sSub>
+                      <m:sSubPr>
+                        <m:ctrlPr>
+                          <a:rPr lang="en-US" i="1">
+                            <a:latin typeface="Cambria Math" panose="02040503050406030204" pitchFamily="18" charset="0"/>
+                          </a:rPr>
+                        </m:ctrlPr>
+                      </m:sSubPr>
+                      <m:e>
+                        <m:r>
+                          <a:rPr lang="en-US" i="1">
+                            <a:latin typeface="Cambria Math" panose="02040503050406030204" pitchFamily="18" charset="0"/>
+                          </a:rPr>
+                          <m:t> </m:t>
+                        </m:r>
+                        <m:r>
+                          <a:rPr lang="en-US" i="1">
+                            <a:latin typeface="Cambria Math" panose="02040503050406030204" pitchFamily="18" charset="0"/>
+                          </a:rPr>
+                          <m:t>𝑥</m:t>
+                        </m:r>
+                      </m:e>
+                      <m:sub>
+                        <m:r>
+                          <a:rPr lang="en-US" i="1">
+                            <a:latin typeface="Cambria Math" panose="02040503050406030204" pitchFamily="18" charset="0"/>
+                          </a:rPr>
+                          <m:t>1</m:t>
+                        </m:r>
+                      </m:sub>
+                    </m:sSub>
+                  </m:oMath>
+                </a14:m>
+                <a:r>
+                  <a:rPr lang="en-US" dirty="0"/>
+                  <a:t> using 3 binary features  (</a:t>
+                </a:r>
+                <a14:m>
+                  <m:oMath xmlns:m="http://schemas.openxmlformats.org/officeDocument/2006/math">
+                    <m:sSub>
+                      <m:sSubPr>
+                        <m:ctrlPr>
+                          <a:rPr lang="en-US" i="1">
+                            <a:latin typeface="Cambria Math" panose="02040503050406030204" pitchFamily="18" charset="0"/>
+                          </a:rPr>
+                        </m:ctrlPr>
+                      </m:sSubPr>
+                      <m:e>
+                        <m:r>
+                          <a:rPr lang="en-US" i="1">
+                            <a:latin typeface="Cambria Math" panose="02040503050406030204" pitchFamily="18" charset="0"/>
+                          </a:rPr>
+                          <m:t>𝑢</m:t>
+                        </m:r>
+                      </m:e>
+                      <m:sub>
+                        <m:r>
+                          <a:rPr lang="en-US" i="1">
+                            <a:latin typeface="Cambria Math" panose="02040503050406030204" pitchFamily="18" charset="0"/>
+                          </a:rPr>
+                          <m:t>1</m:t>
+                        </m:r>
+                      </m:sub>
+                    </m:sSub>
+                  </m:oMath>
+                </a14:m>
+                <a:r>
+                  <a:rPr lang="en-US" dirty="0"/>
+                  <a:t>, </a:t>
+                </a:r>
+                <a14:m>
+                  <m:oMath xmlns:m="http://schemas.openxmlformats.org/officeDocument/2006/math">
+                    <m:sSub>
+                      <m:sSubPr>
+                        <m:ctrlPr>
+                          <a:rPr lang="en-US" i="1">
+                            <a:latin typeface="Cambria Math" panose="02040503050406030204" pitchFamily="18" charset="0"/>
+                          </a:rPr>
+                        </m:ctrlPr>
+                      </m:sSubPr>
+                      <m:e>
+                        <m:r>
+                          <a:rPr lang="en-US" i="1">
+                            <a:latin typeface="Cambria Math" panose="02040503050406030204" pitchFamily="18" charset="0"/>
+                          </a:rPr>
+                          <m:t>𝑢</m:t>
+                        </m:r>
+                      </m:e>
+                      <m:sub>
+                        <m:r>
+                          <a:rPr lang="en-US" b="0" i="1" smtClean="0">
+                            <a:latin typeface="Cambria Math" panose="02040503050406030204" pitchFamily="18" charset="0"/>
+                          </a:rPr>
+                          <m:t>2</m:t>
+                        </m:r>
+                      </m:sub>
+                    </m:sSub>
+                  </m:oMath>
+                </a14:m>
+                <a:r>
+                  <a:rPr lang="en-US" dirty="0"/>
+                  <a:t>,</a:t>
+                </a:r>
+                <a14:m>
+                  <m:oMath xmlns:m="http://schemas.openxmlformats.org/officeDocument/2006/math">
+                    <m:sSub>
+                      <m:sSubPr>
+                        <m:ctrlPr>
+                          <a:rPr lang="en-US" i="1">
+                            <a:latin typeface="Cambria Math" panose="02040503050406030204" pitchFamily="18" charset="0"/>
+                          </a:rPr>
+                        </m:ctrlPr>
+                      </m:sSubPr>
+                      <m:e>
+                        <m:r>
+                          <a:rPr lang="en-US" b="0" i="1" smtClean="0">
+                            <a:latin typeface="Cambria Math" panose="02040503050406030204" pitchFamily="18" charset="0"/>
+                          </a:rPr>
+                          <m:t> </m:t>
+                        </m:r>
+                        <m:r>
+                          <a:rPr lang="en-US" i="1">
+                            <a:latin typeface="Cambria Math" panose="02040503050406030204" pitchFamily="18" charset="0"/>
+                          </a:rPr>
+                          <m:t>𝑢</m:t>
+                        </m:r>
+                      </m:e>
+                      <m:sub>
+                        <m:r>
+                          <a:rPr lang="en-US" b="0" i="1" smtClean="0">
+                            <a:latin typeface="Cambria Math" panose="02040503050406030204" pitchFamily="18" charset="0"/>
+                          </a:rPr>
+                          <m:t>3</m:t>
+                        </m:r>
+                      </m:sub>
+                    </m:sSub>
+                  </m:oMath>
+                </a14:m>
+                <a:r>
+                  <a:rPr lang="en-US" dirty="0"/>
+                  <a:t>),</a:t>
+                </a:r>
+              </a:p>
+              <a:p>
+                <a:pPr lvl="2"/>
+                <a:r>
+                  <a:rPr lang="en-US" dirty="0"/>
+                  <a:t>Ford=[1 0 0 ], BMW=[0 1 0 ], GM=[0 0 1]</a:t>
+                </a:r>
+              </a:p>
+              <a:p>
+                <a:pPr lvl="1"/>
+                <a:r>
+                  <a:rPr lang="en-US" dirty="0"/>
+                  <a:t>Model:  </a:t>
+                </a:r>
+                <a14:m>
+                  <m:oMath xmlns:m="http://schemas.openxmlformats.org/officeDocument/2006/math">
                     <m:r>
                       <a:rPr lang="en-US" b="0" i="1" smtClean="0">
                         <a:latin typeface="Cambria Math" panose="02040503050406030204" pitchFamily="18" charset="0"/>
                       </a:rPr>
-                      <m:t>𝑥</m:t>
+                      <m:t>𝑦</m:t>
                     </m:r>
                     <m:r>
                       <a:rPr lang="en-US" b="0" i="1" smtClean="0">
                         <a:latin typeface="Cambria Math" panose="02040503050406030204" pitchFamily="18" charset="0"/>
                       </a:rPr>
-                      <m:t>∈{1,…,</m:t>
-                    </m:r>
+                      <m:t>=</m:t>
+                    </m:r>
+                    <m:sSub>
+                      <m:sSubPr>
+                        <m:ctrlPr>
+                          <a:rPr lang="en-US" b="0" i="1" smtClean="0">
+                            <a:latin typeface="Cambria Math" panose="02040503050406030204" pitchFamily="18" charset="0"/>
+                          </a:rPr>
+                        </m:ctrlPr>
+                      </m:sSubPr>
+                      <m:e>
+                        <m:r>
+                          <a:rPr lang="en-US" b="0" i="1" smtClean="0">
+                            <a:latin typeface="Cambria Math" panose="02040503050406030204" pitchFamily="18" charset="0"/>
+                          </a:rPr>
+                          <m:t>𝛽</m:t>
+                        </m:r>
+                      </m:e>
+                      <m:sub>
+                        <m:r>
+                          <a:rPr lang="en-US" b="0" i="1" smtClean="0">
+                            <a:latin typeface="Cambria Math" panose="02040503050406030204" pitchFamily="18" charset="0"/>
+                          </a:rPr>
+                          <m:t>0</m:t>
+                        </m:r>
+                      </m:sub>
+                    </m:sSub>
                     <m:r>
                       <a:rPr lang="en-US" b="0" i="1" smtClean="0">
                         <a:latin typeface="Cambria Math" panose="02040503050406030204" pitchFamily="18" charset="0"/>
                       </a:rPr>
-                      <m:t>𝑀</m:t>
-                    </m:r>
+                      <m:t>+</m:t>
+                    </m:r>
+                    <m:sSub>
+                      <m:sSubPr>
+                        <m:ctrlPr>
+                          <a:rPr lang="en-US" b="0" i="1" smtClean="0">
+                            <a:latin typeface="Cambria Math" panose="02040503050406030204" pitchFamily="18" charset="0"/>
+                          </a:rPr>
+                        </m:ctrlPr>
+                      </m:sSubPr>
+                      <m:e>
+                        <m:r>
+                          <a:rPr lang="en-US" b="0" i="1" smtClean="0">
+                            <a:latin typeface="Cambria Math" panose="02040503050406030204" pitchFamily="18" charset="0"/>
+                          </a:rPr>
+                          <m:t>𝛽</m:t>
+                        </m:r>
+                      </m:e>
+                      <m:sub>
+                        <m:r>
+                          <a:rPr lang="en-US" b="0" i="1" smtClean="0">
+                            <a:latin typeface="Cambria Math" panose="02040503050406030204" pitchFamily="18" charset="0"/>
+                          </a:rPr>
+                          <m:t>1</m:t>
+                        </m:r>
+                      </m:sub>
+                    </m:sSub>
+                    <m:sSub>
+                      <m:sSubPr>
+                        <m:ctrlPr>
+                          <a:rPr lang="en-US" b="0" i="1" smtClean="0">
+                            <a:latin typeface="Cambria Math" panose="02040503050406030204" pitchFamily="18" charset="0"/>
+                          </a:rPr>
+                        </m:ctrlPr>
+                      </m:sSubPr>
+                      <m:e>
+                        <m:r>
+                          <a:rPr lang="en-US" b="0" i="1" smtClean="0">
+                            <a:latin typeface="Cambria Math" panose="02040503050406030204" pitchFamily="18" charset="0"/>
+                          </a:rPr>
+                          <m:t>𝑢</m:t>
+                        </m:r>
+                      </m:e>
+                      <m:sub>
+                        <m:r>
+                          <a:rPr lang="en-US" b="0" i="1" smtClean="0">
+                            <a:latin typeface="Cambria Math" panose="02040503050406030204" pitchFamily="18" charset="0"/>
+                          </a:rPr>
+                          <m:t>1</m:t>
+                        </m:r>
+                      </m:sub>
+                    </m:sSub>
                     <m:r>
                       <a:rPr lang="en-US" b="0" i="1" smtClean="0">
                         <a:latin typeface="Cambria Math" panose="02040503050406030204" pitchFamily="18" charset="0"/>
                       </a:rPr>
-                      <m:t>}</m:t>
-                    </m:r>
+                      <m:t>+</m:t>
+                    </m:r>
+                    <m:sSub>
+                      <m:sSubPr>
+                        <m:ctrlPr>
+                          <a:rPr lang="en-US" i="1">
+                            <a:latin typeface="Cambria Math" panose="02040503050406030204" pitchFamily="18" charset="0"/>
+                          </a:rPr>
+                        </m:ctrlPr>
+                      </m:sSubPr>
+                      <m:e>
+                        <m:r>
+                          <a:rPr lang="en-US" i="1">
+                            <a:latin typeface="Cambria Math" panose="02040503050406030204" pitchFamily="18" charset="0"/>
+                          </a:rPr>
+                          <m:t>𝛽</m:t>
+                        </m:r>
+                      </m:e>
+                      <m:sub>
+                        <m:r>
+                          <a:rPr lang="en-US" b="0" i="1" smtClean="0">
+                            <a:latin typeface="Cambria Math" panose="02040503050406030204" pitchFamily="18" charset="0"/>
+                          </a:rPr>
+                          <m:t>2</m:t>
+                        </m:r>
+                      </m:sub>
+                    </m:sSub>
+                    <m:sSub>
+                      <m:sSubPr>
+                        <m:ctrlPr>
+                          <a:rPr lang="en-US" i="1">
+                            <a:latin typeface="Cambria Math" panose="02040503050406030204" pitchFamily="18" charset="0"/>
+                          </a:rPr>
+                        </m:ctrlPr>
+                      </m:sSubPr>
+                      <m:e>
+                        <m:r>
+                          <a:rPr lang="en-US" i="1">
+                            <a:latin typeface="Cambria Math" panose="02040503050406030204" pitchFamily="18" charset="0"/>
+                          </a:rPr>
+                          <m:t>𝑢</m:t>
+                        </m:r>
+                      </m:e>
+                      <m:sub>
+                        <m:r>
+                          <a:rPr lang="en-US" b="0" i="1" smtClean="0">
+                            <a:latin typeface="Cambria Math" panose="02040503050406030204" pitchFamily="18" charset="0"/>
+                          </a:rPr>
+                          <m:t>2</m:t>
+                        </m:r>
+                      </m:sub>
+                    </m:sSub>
+                    <m:r>
+                      <a:rPr lang="en-US" b="0" i="1" smtClean="0">
+                        <a:latin typeface="Cambria Math" panose="02040503050406030204" pitchFamily="18" charset="0"/>
+                      </a:rPr>
+                      <m:t>+</m:t>
+                    </m:r>
+                    <m:sSub>
+                      <m:sSubPr>
+                        <m:ctrlPr>
+                          <a:rPr lang="en-US" b="0" i="1" smtClean="0">
+                            <a:latin typeface="Cambria Math" panose="02040503050406030204" pitchFamily="18" charset="0"/>
+                          </a:rPr>
+                        </m:ctrlPr>
+                      </m:sSubPr>
+                      <m:e>
+                        <m:r>
+                          <a:rPr lang="en-US" b="0" i="1" smtClean="0">
+                            <a:latin typeface="Cambria Math" panose="02040503050406030204" pitchFamily="18" charset="0"/>
+                          </a:rPr>
+                          <m:t>𝛽</m:t>
+                        </m:r>
+                      </m:e>
+                      <m:sub>
+                        <m:r>
+                          <a:rPr lang="en-US" b="0" i="1" smtClean="0">
+                            <a:latin typeface="Cambria Math" panose="02040503050406030204" pitchFamily="18" charset="0"/>
+                          </a:rPr>
+                          <m:t>3</m:t>
+                        </m:r>
+                      </m:sub>
+                    </m:sSub>
+                    <m:sSub>
+                      <m:sSubPr>
+                        <m:ctrlPr>
+                          <a:rPr lang="en-US" b="0" i="1" smtClean="0">
+                            <a:latin typeface="Cambria Math" panose="02040503050406030204" pitchFamily="18" charset="0"/>
+                          </a:rPr>
+                        </m:ctrlPr>
+                      </m:sSubPr>
+                      <m:e>
+                        <m:r>
+                          <a:rPr lang="en-US" b="0" i="1" smtClean="0">
+                            <a:latin typeface="Cambria Math" panose="02040503050406030204" pitchFamily="18" charset="0"/>
+                          </a:rPr>
+                          <m:t>𝑢</m:t>
+                        </m:r>
+                      </m:e>
+                      <m:sub>
+                        <m:r>
+                          <a:rPr lang="en-US" b="0" i="1" smtClean="0">
+                            <a:latin typeface="Cambria Math" panose="02040503050406030204" pitchFamily="18" charset="0"/>
+                          </a:rPr>
+                          <m:t>3</m:t>
+                        </m:r>
+                      </m:sub>
+                    </m:sSub>
+                    <m:r>
+                      <a:rPr lang="en-US" b="0" i="1" smtClean="0">
+                        <a:latin typeface="Cambria Math" panose="02040503050406030204" pitchFamily="18" charset="0"/>
+                      </a:rPr>
+                      <m:t>+</m:t>
+                    </m:r>
+                    <m:sSub>
+                      <m:sSubPr>
+                        <m:ctrlPr>
+                          <a:rPr lang="en-US" i="1">
+                            <a:latin typeface="Cambria Math" panose="02040503050406030204" pitchFamily="18" charset="0"/>
+                          </a:rPr>
+                        </m:ctrlPr>
+                      </m:sSubPr>
+                      <m:e>
+                        <m:r>
+                          <a:rPr lang="en-US" i="1">
+                            <a:latin typeface="Cambria Math" panose="02040503050406030204" pitchFamily="18" charset="0"/>
+                          </a:rPr>
+                          <m:t>𝛽</m:t>
+                        </m:r>
+                      </m:e>
+                      <m:sub>
+                        <m:r>
+                          <a:rPr lang="en-US" b="0" i="1" smtClean="0">
+                            <a:latin typeface="Cambria Math" panose="02040503050406030204" pitchFamily="18" charset="0"/>
+                          </a:rPr>
+                          <m:t>4</m:t>
+                        </m:r>
+                      </m:sub>
+                    </m:sSub>
+                    <m:sSub>
+                      <m:sSubPr>
+                        <m:ctrlPr>
+                          <a:rPr lang="en-US" i="1">
+                            <a:latin typeface="Cambria Math" panose="02040503050406030204" pitchFamily="18" charset="0"/>
+                          </a:rPr>
+                        </m:ctrlPr>
+                      </m:sSubPr>
+                      <m:e>
+                        <m:r>
+                          <a:rPr lang="en-US" b="0" i="1" smtClean="0">
+                            <a:latin typeface="Cambria Math" panose="02040503050406030204" pitchFamily="18" charset="0"/>
+                          </a:rPr>
+                          <m:t>𝑥</m:t>
+                        </m:r>
+                      </m:e>
+                      <m:sub>
+                        <m:r>
+                          <a:rPr lang="en-US" b="0" i="1" smtClean="0">
+                            <a:latin typeface="Cambria Math" panose="02040503050406030204" pitchFamily="18" charset="0"/>
+                          </a:rPr>
+                          <m:t>2</m:t>
+                        </m:r>
+                      </m:sub>
+                    </m:sSub>
                   </m:oMath>
                 </a14:m>
                 <a:endParaRPr lang="en-US" dirty="0"/>
@@ -24841,34 +28814,39 @@
                 <a:pPr lvl="1"/>
                 <a:r>
                   <a:rPr lang="en-US" dirty="0"/>
-                  <a:t>Example: male or female, model of a car, …</a:t>
+                  <a:t>Essentially obtain </a:t>
+                </a:r>
+                <a14:m>
+                  <m:oMath xmlns:m="http://schemas.openxmlformats.org/officeDocument/2006/math">
+                    <m:r>
+                      <a:rPr lang="en-US" b="0" i="1" smtClean="0">
+                        <a:latin typeface="Cambria Math" panose="02040503050406030204" pitchFamily="18" charset="0"/>
+                      </a:rPr>
+                      <m:t>3</m:t>
+                    </m:r>
+                  </m:oMath>
+                </a14:m>
+                <a:r>
+                  <a:rPr lang="en-US" dirty="0"/>
+                  <a:t> different models:</a:t>
                 </a:r>
               </a:p>
               <a:p>
-                <a:endParaRPr lang="en-US" dirty="0"/>
-              </a:p>
-              <a:p>
+                <a:pPr lvl="2"/>
                 <a:r>
                   <a:rPr lang="en-US" dirty="0"/>
-                  <a:t>One-hot coding example:  Car model</a:t>
-                </a:r>
-              </a:p>
-              <a:p>
-                <a:pPr lvl="1"/>
-                <a:r>
-                  <a:rPr lang="en-US" dirty="0"/>
-                  <a:t>Model:  </a:t>
+                  <a:t>Ford:   </a:t>
                 </a:r>
                 <a14:m>
                   <m:oMath xmlns:m="http://schemas.openxmlformats.org/officeDocument/2006/math">
                     <m:r>
-                      <a:rPr lang="en-US" b="0" i="1" smtClean="0">
+                      <a:rPr lang="en-US" i="1">
                         <a:latin typeface="Cambria Math" panose="02040503050406030204" pitchFamily="18" charset="0"/>
                       </a:rPr>
                       <m:t>𝑦</m:t>
                     </m:r>
                     <m:r>
-                      <a:rPr lang="en-US" b="0" i="1" smtClean="0">
+                      <a:rPr lang="en-US" i="1">
                         <a:latin typeface="Cambria Math" panose="02040503050406030204" pitchFamily="18" charset="0"/>
                       </a:rPr>
                       <m:t>=</m:t>
@@ -24876,14 +28854,14 @@
                     <m:sSub>
                       <m:sSubPr>
                         <m:ctrlPr>
-                          <a:rPr lang="en-US" b="0" i="1" smtClean="0">
+                          <a:rPr lang="en-US" i="1">
                             <a:latin typeface="Cambria Math" panose="02040503050406030204" pitchFamily="18" charset="0"/>
                           </a:rPr>
                         </m:ctrlPr>
                       </m:sSubPr>
                       <m:e>
                         <m:r>
-                          <a:rPr lang="en-US" b="0" i="1" smtClean="0">
+                          <a:rPr lang="en-US" i="1">
                             <a:latin typeface="Cambria Math" panose="02040503050406030204" pitchFamily="18" charset="0"/>
                           </a:rPr>
                           <m:t>𝛽</m:t>
@@ -24891,7 +28869,7 @@
                       </m:e>
                       <m:sub>
                         <m:r>
-                          <a:rPr lang="en-US" b="0" i="1" smtClean="0">
+                          <a:rPr lang="en-US" i="1">
                             <a:latin typeface="Cambria Math" panose="02040503050406030204" pitchFamily="18" charset="0"/>
                           </a:rPr>
                           <m:t>0</m:t>
@@ -24899,7 +28877,7 @@
                       </m:sub>
                     </m:sSub>
                     <m:r>
-                      <a:rPr lang="en-US" b="0" i="1" smtClean="0">
+                      <a:rPr lang="en-US" b="0" i="0" smtClean="0">
                         <a:latin typeface="Cambria Math" panose="02040503050406030204" pitchFamily="18" charset="0"/>
                       </a:rPr>
                       <m:t>+</m:t>
@@ -24907,14 +28885,14 @@
                     <m:sSub>
                       <m:sSubPr>
                         <m:ctrlPr>
-                          <a:rPr lang="en-US" b="0" i="1" smtClean="0">
+                          <a:rPr lang="en-US" i="1">
                             <a:latin typeface="Cambria Math" panose="02040503050406030204" pitchFamily="18" charset="0"/>
                           </a:rPr>
                         </m:ctrlPr>
                       </m:sSubPr>
                       <m:e>
                         <m:r>
-                          <a:rPr lang="en-US" b="0" i="1" smtClean="0">
+                          <a:rPr lang="en-US" i="1">
                             <a:latin typeface="Cambria Math" panose="02040503050406030204" pitchFamily="18" charset="0"/>
                           </a:rPr>
                           <m:t>𝛽</m:t>
@@ -24922,55 +28900,112 @@
                       </m:e>
                       <m:sub>
                         <m:r>
-                          <a:rPr lang="en-US" b="0" i="1" smtClean="0">
+                          <a:rPr lang="en-US" i="1">
                             <a:latin typeface="Cambria Math" panose="02040503050406030204" pitchFamily="18" charset="0"/>
                           </a:rPr>
                           <m:t>1</m:t>
+                        </m:r>
+                      </m:sub>
+                    </m:sSub>
+                    <m:r>
+                      <a:rPr lang="en-US" b="0" i="1" smtClean="0">
+                        <a:latin typeface="Cambria Math" panose="02040503050406030204" pitchFamily="18" charset="0"/>
+                      </a:rPr>
+                      <m:t>+</m:t>
+                    </m:r>
+                  </m:oMath>
+                </a14:m>
+                <a:r>
+                  <a:rPr lang="en-US" dirty="0"/>
+                  <a:t> </a:t>
+                </a:r>
+                <a14:m>
+                  <m:oMath xmlns:m="http://schemas.openxmlformats.org/officeDocument/2006/math">
+                    <m:sSub>
+                      <m:sSubPr>
+                        <m:ctrlPr>
+                          <a:rPr lang="en-US" i="1">
+                            <a:latin typeface="Cambria Math" panose="02040503050406030204" pitchFamily="18" charset="0"/>
+                          </a:rPr>
+                        </m:ctrlPr>
+                      </m:sSubPr>
+                      <m:e>
+                        <m:r>
+                          <a:rPr lang="en-US" i="1">
+                            <a:latin typeface="Cambria Math" panose="02040503050406030204" pitchFamily="18" charset="0"/>
+                          </a:rPr>
+                          <m:t>𝛽</m:t>
+                        </m:r>
+                      </m:e>
+                      <m:sub>
+                        <m:r>
+                          <a:rPr lang="en-US" i="1">
+                            <a:latin typeface="Cambria Math" panose="02040503050406030204" pitchFamily="18" charset="0"/>
+                          </a:rPr>
+                          <m:t>4</m:t>
                         </m:r>
                       </m:sub>
                     </m:sSub>
                     <m:sSub>
                       <m:sSubPr>
                         <m:ctrlPr>
-                          <a:rPr lang="en-US" b="0" i="1" smtClean="0">
+                          <a:rPr lang="en-US" i="1">
                             <a:latin typeface="Cambria Math" panose="02040503050406030204" pitchFamily="18" charset="0"/>
                           </a:rPr>
                         </m:ctrlPr>
                       </m:sSubPr>
                       <m:e>
                         <m:r>
-                          <a:rPr lang="en-US" b="0" i="1" smtClean="0">
-                            <a:latin typeface="Cambria Math" panose="02040503050406030204" pitchFamily="18" charset="0"/>
-                          </a:rPr>
-                          <m:t>𝑢</m:t>
+                          <a:rPr lang="en-US" i="1">
+                            <a:latin typeface="Cambria Math" panose="02040503050406030204" pitchFamily="18" charset="0"/>
+                          </a:rPr>
+                          <m:t>𝑥</m:t>
                         </m:r>
                       </m:e>
                       <m:sub>
                         <m:r>
-                          <a:rPr lang="en-US" b="0" i="1" smtClean="0">
-                            <a:latin typeface="Cambria Math" panose="02040503050406030204" pitchFamily="18" charset="0"/>
-                          </a:rPr>
-                          <m:t>1</m:t>
+                          <a:rPr lang="en-US" i="1">
+                            <a:latin typeface="Cambria Math" panose="02040503050406030204" pitchFamily="18" charset="0"/>
+                          </a:rPr>
+                          <m:t>2</m:t>
                         </m:r>
                       </m:sub>
                     </m:sSub>
-                    <m:r>
-                      <a:rPr lang="en-US" b="0" i="1" smtClean="0">
-                        <a:latin typeface="Cambria Math" panose="02040503050406030204" pitchFamily="18" charset="0"/>
-                      </a:rPr>
-                      <m:t>+⋯+</m:t>
+                  </m:oMath>
+                </a14:m>
+                <a:endParaRPr lang="en-US" dirty="0"/>
+              </a:p>
+              <a:p>
+                <a:pPr lvl="2"/>
+                <a:r>
+                  <a:rPr lang="en-US" dirty="0"/>
+                  <a:t>BMW:    </a:t>
+                </a:r>
+                <a14:m>
+                  <m:oMath xmlns:m="http://schemas.openxmlformats.org/officeDocument/2006/math">
+                    <m:r>
+                      <a:rPr lang="en-US" i="1">
+                        <a:latin typeface="Cambria Math" panose="02040503050406030204" pitchFamily="18" charset="0"/>
+                      </a:rPr>
+                      <m:t>𝑦</m:t>
+                    </m:r>
+                    <m:r>
+                      <a:rPr lang="en-US" i="1">
+                        <a:latin typeface="Cambria Math" panose="02040503050406030204" pitchFamily="18" charset="0"/>
+                      </a:rPr>
+                      <m:t>=</m:t>
                     </m:r>
                     <m:sSub>
                       <m:sSubPr>
                         <m:ctrlPr>
-                          <a:rPr lang="en-US" b="0" i="1" smtClean="0">
+                          <a:rPr lang="en-US" i="1">
                             <a:latin typeface="Cambria Math" panose="02040503050406030204" pitchFamily="18" charset="0"/>
                           </a:rPr>
                         </m:ctrlPr>
                       </m:sSubPr>
                       <m:e>
                         <m:r>
-                          <a:rPr lang="en-US" b="0" i="1" smtClean="0">
+                          <a:rPr lang="en-US" i="1">
                             <a:latin typeface="Cambria Math" panose="02040503050406030204" pitchFamily="18" charset="0"/>
                           </a:rPr>
                           <m:t>𝛽</m:t>
@@ -24978,56 +29013,236 @@
                       </m:e>
                       <m:sub>
                         <m:r>
-                          <a:rPr lang="en-US" b="0" i="1" smtClean="0">
-                            <a:latin typeface="Cambria Math" panose="02040503050406030204" pitchFamily="18" charset="0"/>
-                          </a:rPr>
-                          <m:t>𝑀</m:t>
-                        </m:r>
-                        <m:r>
-                          <a:rPr lang="en-US" b="0" i="1" smtClean="0">
-                            <a:latin typeface="Cambria Math" panose="02040503050406030204" pitchFamily="18" charset="0"/>
-                          </a:rPr>
-                          <m:t>−1</m:t>
+                          <a:rPr lang="en-US" i="1">
+                            <a:latin typeface="Cambria Math" panose="02040503050406030204" pitchFamily="18" charset="0"/>
+                          </a:rPr>
+                          <m:t>0</m:t>
+                        </m:r>
+                      </m:sub>
+                    </m:sSub>
+                    <m:r>
+                      <a:rPr lang="en-US">
+                        <a:latin typeface="Cambria Math" panose="02040503050406030204" pitchFamily="18" charset="0"/>
+                      </a:rPr>
+                      <m:t>+</m:t>
+                    </m:r>
+                    <m:sSub>
+                      <m:sSubPr>
+                        <m:ctrlPr>
+                          <a:rPr lang="en-US" b="0" i="1" smtClean="0">
+                            <a:latin typeface="Cambria Math" panose="02040503050406030204" pitchFamily="18" charset="0"/>
+                          </a:rPr>
+                        </m:ctrlPr>
+                      </m:sSubPr>
+                      <m:e>
+                        <m:r>
+                          <a:rPr lang="en-US" b="0" i="1" smtClean="0">
+                            <a:latin typeface="Cambria Math" panose="02040503050406030204" pitchFamily="18" charset="0"/>
+                          </a:rPr>
+                          <m:t>𝛽</m:t>
+                        </m:r>
+                      </m:e>
+                      <m:sub>
+                        <m:r>
+                          <a:rPr lang="en-US" b="0" i="1" smtClean="0">
+                            <a:latin typeface="Cambria Math" panose="02040503050406030204" pitchFamily="18" charset="0"/>
+                          </a:rPr>
+                          <m:t>2</m:t>
+                        </m:r>
+                      </m:sub>
+                    </m:sSub>
+                    <m:r>
+                      <a:rPr lang="en-US" b="0" i="1" smtClean="0">
+                        <a:latin typeface="Cambria Math" panose="02040503050406030204" pitchFamily="18" charset="0"/>
+                      </a:rPr>
+                      <m:t>+</m:t>
+                    </m:r>
+                    <m:sSub>
+                      <m:sSubPr>
+                        <m:ctrlPr>
+                          <a:rPr lang="en-US" i="1">
+                            <a:latin typeface="Cambria Math" panose="02040503050406030204" pitchFamily="18" charset="0"/>
+                          </a:rPr>
+                        </m:ctrlPr>
+                      </m:sSubPr>
+                      <m:e>
+                        <m:r>
+                          <a:rPr lang="en-US" i="1">
+                            <a:latin typeface="Cambria Math" panose="02040503050406030204" pitchFamily="18" charset="0"/>
+                          </a:rPr>
+                          <m:t>𝛽</m:t>
+                        </m:r>
+                      </m:e>
+                      <m:sub>
+                        <m:r>
+                          <a:rPr lang="en-US" i="1">
+                            <a:latin typeface="Cambria Math" panose="02040503050406030204" pitchFamily="18" charset="0"/>
+                          </a:rPr>
+                          <m:t>4</m:t>
                         </m:r>
                       </m:sub>
                     </m:sSub>
                     <m:sSub>
                       <m:sSubPr>
                         <m:ctrlPr>
-                          <a:rPr lang="en-US" b="0" i="1" smtClean="0">
+                          <a:rPr lang="en-US" i="1">
                             <a:latin typeface="Cambria Math" panose="02040503050406030204" pitchFamily="18" charset="0"/>
                           </a:rPr>
                         </m:ctrlPr>
                       </m:sSubPr>
                       <m:e>
                         <m:r>
-                          <a:rPr lang="en-US" b="0" i="1" smtClean="0">
-                            <a:latin typeface="Cambria Math" panose="02040503050406030204" pitchFamily="18" charset="0"/>
-                          </a:rPr>
-                          <m:t>𝑢</m:t>
+                          <a:rPr lang="en-US" i="1">
+                            <a:latin typeface="Cambria Math" panose="02040503050406030204" pitchFamily="18" charset="0"/>
+                          </a:rPr>
+                          <m:t>𝑥</m:t>
                         </m:r>
                       </m:e>
                       <m:sub>
                         <m:r>
-                          <a:rPr lang="en-US" b="0" i="1" smtClean="0">
-                            <a:latin typeface="Cambria Math" panose="02040503050406030204" pitchFamily="18" charset="0"/>
-                          </a:rPr>
-                          <m:t>𝑀</m:t>
-                        </m:r>
-                        <m:r>
-                          <a:rPr lang="en-US" b="0" i="1" smtClean="0">
-                            <a:latin typeface="Cambria Math" panose="02040503050406030204" pitchFamily="18" charset="0"/>
-                          </a:rPr>
-                          <m:t>−1</m:t>
+                          <a:rPr lang="en-US" i="1">
+                            <a:latin typeface="Cambria Math" panose="02040503050406030204" pitchFamily="18" charset="0"/>
+                          </a:rPr>
+                          <m:t>2</m:t>
                         </m:r>
                       </m:sub>
                     </m:sSub>
-                    <m:r>
-                      <a:rPr lang="en-US" b="0" i="1" smtClean="0">
-                        <a:latin typeface="Cambria Math" panose="02040503050406030204" pitchFamily="18" charset="0"/>
-                      </a:rPr>
-                      <m:t>+…</m:t>
-                    </m:r>
+                  </m:oMath>
+                </a14:m>
+                <a:endParaRPr lang="en-US" dirty="0"/>
+              </a:p>
+              <a:p>
+                <a:pPr lvl="2"/>
+                <a:r>
+                  <a:rPr lang="en-US" dirty="0"/>
+                  <a:t>GM:    </a:t>
+                </a:r>
+                <a14:m>
+                  <m:oMath xmlns:m="http://schemas.openxmlformats.org/officeDocument/2006/math">
+                    <m:r>
+                      <a:rPr lang="en-US" i="1">
+                        <a:latin typeface="Cambria Math" panose="02040503050406030204" pitchFamily="18" charset="0"/>
+                      </a:rPr>
+                      <m:t>𝑦</m:t>
+                    </m:r>
+                    <m:r>
+                      <a:rPr lang="en-US" i="1">
+                        <a:latin typeface="Cambria Math" panose="02040503050406030204" pitchFamily="18" charset="0"/>
+                      </a:rPr>
+                      <m:t>=</m:t>
+                    </m:r>
+                    <m:sSub>
+                      <m:sSubPr>
+                        <m:ctrlPr>
+                          <a:rPr lang="en-US" i="1">
+                            <a:latin typeface="Cambria Math" panose="02040503050406030204" pitchFamily="18" charset="0"/>
+                          </a:rPr>
+                        </m:ctrlPr>
+                      </m:sSubPr>
+                      <m:e>
+                        <m:r>
+                          <a:rPr lang="en-US" i="1">
+                            <a:latin typeface="Cambria Math" panose="02040503050406030204" pitchFamily="18" charset="0"/>
+                          </a:rPr>
+                          <m:t>𝛽</m:t>
+                        </m:r>
+                      </m:e>
+                      <m:sub>
+                        <m:r>
+                          <a:rPr lang="en-US" i="1">
+                            <a:latin typeface="Cambria Math" panose="02040503050406030204" pitchFamily="18" charset="0"/>
+                          </a:rPr>
+                          <m:t>0</m:t>
+                        </m:r>
+                      </m:sub>
+                    </m:sSub>
+                    <m:r>
+                      <a:rPr lang="en-US">
+                        <a:latin typeface="Cambria Math" panose="02040503050406030204" pitchFamily="18" charset="0"/>
+                      </a:rPr>
+                      <m:t>+</m:t>
+                    </m:r>
+                    <m:sSub>
+                      <m:sSubPr>
+                        <m:ctrlPr>
+                          <a:rPr lang="en-US" i="1">
+                            <a:latin typeface="Cambria Math" panose="02040503050406030204" pitchFamily="18" charset="0"/>
+                          </a:rPr>
+                        </m:ctrlPr>
+                      </m:sSubPr>
+                      <m:e>
+                        <m:r>
+                          <a:rPr lang="en-US" i="1">
+                            <a:latin typeface="Cambria Math" panose="02040503050406030204" pitchFamily="18" charset="0"/>
+                          </a:rPr>
+                          <m:t>𝛽</m:t>
+                        </m:r>
+                      </m:e>
+                      <m:sub>
+                        <m:r>
+                          <a:rPr lang="en-US" b="0" i="1" smtClean="0">
+                            <a:latin typeface="Cambria Math" panose="02040503050406030204" pitchFamily="18" charset="0"/>
+                          </a:rPr>
+                          <m:t>3</m:t>
+                        </m:r>
+                      </m:sub>
+                    </m:sSub>
+                    <m:r>
+                      <a:rPr lang="en-US" i="1" smtClean="0">
+                        <a:latin typeface="Cambria Math" panose="02040503050406030204" pitchFamily="18" charset="0"/>
+                      </a:rPr>
+                      <m:t>+</m:t>
+                    </m:r>
+                    <m:sSub>
+                      <m:sSubPr>
+                        <m:ctrlPr>
+                          <a:rPr lang="en-US" i="1">
+                            <a:latin typeface="Cambria Math" panose="02040503050406030204" pitchFamily="18" charset="0"/>
+                          </a:rPr>
+                        </m:ctrlPr>
+                      </m:sSubPr>
+                      <m:e>
+                        <m:r>
+                          <a:rPr lang="en-US" i="1">
+                            <a:latin typeface="Cambria Math" panose="02040503050406030204" pitchFamily="18" charset="0"/>
+                          </a:rPr>
+                          <m:t>𝛽</m:t>
+                        </m:r>
+                      </m:e>
+                      <m:sub>
+                        <m:r>
+                          <a:rPr lang="en-US" i="1">
+                            <a:latin typeface="Cambria Math" panose="02040503050406030204" pitchFamily="18" charset="0"/>
+                          </a:rPr>
+                          <m:t>4</m:t>
+                        </m:r>
+                      </m:sub>
+                    </m:sSub>
+                    <m:sSub>
+                      <m:sSubPr>
+                        <m:ctrlPr>
+                          <a:rPr lang="en-US" i="1">
+                            <a:latin typeface="Cambria Math" panose="02040503050406030204" pitchFamily="18" charset="0"/>
+                          </a:rPr>
+                        </m:ctrlPr>
+                      </m:sSubPr>
+                      <m:e>
+                        <m:r>
+                          <a:rPr lang="en-US" i="1">
+                            <a:latin typeface="Cambria Math" panose="02040503050406030204" pitchFamily="18" charset="0"/>
+                          </a:rPr>
+                          <m:t>𝑥</m:t>
+                        </m:r>
+                      </m:e>
+                      <m:sub>
+                        <m:r>
+                          <a:rPr lang="en-US" i="1">
+                            <a:latin typeface="Cambria Math" panose="02040503050406030204" pitchFamily="18" charset="0"/>
+                          </a:rPr>
+                          <m:t>2</m:t>
+                        </m:r>
+                      </m:sub>
+                    </m:sSub>
                   </m:oMath>
                 </a14:m>
                 <a:endParaRPr lang="en-US" dirty="0"/>
@@ -25035,268 +29250,12 @@
               <a:p>
                 <a:pPr lvl="1"/>
                 <a:r>
-                  <a:rPr lang="en-US" dirty="0"/>
-                  <a:t>Obtain </a:t>
-                </a:r>
-                <a14:m>
-                  <m:oMath xmlns:m="http://schemas.openxmlformats.org/officeDocument/2006/math">
-                    <m:r>
-                      <a:rPr lang="en-US" b="0" i="1" smtClean="0">
-                        <a:latin typeface="Cambria Math" panose="02040503050406030204" pitchFamily="18" charset="0"/>
-                      </a:rPr>
-                      <m:t>𝑀</m:t>
-                    </m:r>
-                  </m:oMath>
-                </a14:m>
-                <a:r>
-                  <a:rPr lang="en-US" dirty="0"/>
-                  <a:t> different models:</a:t>
-                </a:r>
-              </a:p>
-              <a:p>
-                <a:pPr lvl="2"/>
-                <a:r>
-                  <a:rPr lang="en-US" dirty="0"/>
-                  <a:t>Ford:   </a:t>
-                </a:r>
-                <a14:m>
-                  <m:oMath xmlns:m="http://schemas.openxmlformats.org/officeDocument/2006/math">
-                    <m:r>
-                      <a:rPr lang="en-US" i="1">
-                        <a:latin typeface="Cambria Math" panose="02040503050406030204" pitchFamily="18" charset="0"/>
-                      </a:rPr>
-                      <m:t>𝑦</m:t>
-                    </m:r>
-                    <m:r>
-                      <a:rPr lang="en-US" i="1">
-                        <a:latin typeface="Cambria Math" panose="02040503050406030204" pitchFamily="18" charset="0"/>
-                      </a:rPr>
-                      <m:t>=</m:t>
-                    </m:r>
-                    <m:sSub>
-                      <m:sSubPr>
-                        <m:ctrlPr>
-                          <a:rPr lang="en-US" i="1">
-                            <a:latin typeface="Cambria Math" panose="02040503050406030204" pitchFamily="18" charset="0"/>
-                          </a:rPr>
-                        </m:ctrlPr>
-                      </m:sSubPr>
-                      <m:e>
-                        <m:r>
-                          <a:rPr lang="en-US" i="1">
-                            <a:latin typeface="Cambria Math" panose="02040503050406030204" pitchFamily="18" charset="0"/>
-                          </a:rPr>
-                          <m:t>𝛽</m:t>
-                        </m:r>
-                      </m:e>
-                      <m:sub>
-                        <m:r>
-                          <a:rPr lang="en-US" i="1">
-                            <a:latin typeface="Cambria Math" panose="02040503050406030204" pitchFamily="18" charset="0"/>
-                          </a:rPr>
-                          <m:t>0</m:t>
-                        </m:r>
-                      </m:sub>
-                    </m:sSub>
-                    <m:r>
-                      <a:rPr lang="en-US" b="0" i="0" smtClean="0">
-                        <a:latin typeface="Cambria Math" panose="02040503050406030204" pitchFamily="18" charset="0"/>
-                      </a:rPr>
-                      <m:t>+</m:t>
-                    </m:r>
-                    <m:r>
-                      <a:rPr lang="en-US" b="0" i="1" smtClean="0">
-                        <a:latin typeface="Cambria Math" panose="02040503050406030204" pitchFamily="18" charset="0"/>
-                      </a:rPr>
-                      <m:t>⋯</m:t>
-                    </m:r>
-                  </m:oMath>
-                </a14:m>
-                <a:endParaRPr lang="en-US" dirty="0"/>
-              </a:p>
-              <a:p>
-                <a:pPr lvl="2"/>
-                <a:r>
-                  <a:rPr lang="en-US" dirty="0"/>
-                  <a:t>BMW:    </a:t>
-                </a:r>
-                <a14:m>
-                  <m:oMath xmlns:m="http://schemas.openxmlformats.org/officeDocument/2006/math">
-                    <m:r>
-                      <a:rPr lang="en-US" i="1">
-                        <a:latin typeface="Cambria Math" panose="02040503050406030204" pitchFamily="18" charset="0"/>
-                      </a:rPr>
-                      <m:t>𝑦</m:t>
-                    </m:r>
-                    <m:r>
-                      <a:rPr lang="en-US" i="1">
-                        <a:latin typeface="Cambria Math" panose="02040503050406030204" pitchFamily="18" charset="0"/>
-                      </a:rPr>
-                      <m:t>=</m:t>
-                    </m:r>
-                    <m:sSub>
-                      <m:sSubPr>
-                        <m:ctrlPr>
-                          <a:rPr lang="en-US" i="1">
-                            <a:latin typeface="Cambria Math" panose="02040503050406030204" pitchFamily="18" charset="0"/>
-                          </a:rPr>
-                        </m:ctrlPr>
-                      </m:sSubPr>
-                      <m:e>
-                        <m:r>
-                          <a:rPr lang="en-US" i="1">
-                            <a:latin typeface="Cambria Math" panose="02040503050406030204" pitchFamily="18" charset="0"/>
-                          </a:rPr>
-                          <m:t>𝛽</m:t>
-                        </m:r>
-                      </m:e>
-                      <m:sub>
-                        <m:r>
-                          <a:rPr lang="en-US" i="1">
-                            <a:latin typeface="Cambria Math" panose="02040503050406030204" pitchFamily="18" charset="0"/>
-                          </a:rPr>
-                          <m:t>0</m:t>
-                        </m:r>
-                      </m:sub>
-                    </m:sSub>
-                    <m:r>
-                      <a:rPr lang="en-US">
-                        <a:latin typeface="Cambria Math" panose="02040503050406030204" pitchFamily="18" charset="0"/>
-                      </a:rPr>
-                      <m:t>+</m:t>
-                    </m:r>
-                    <m:sSub>
-                      <m:sSubPr>
-                        <m:ctrlPr>
-                          <a:rPr lang="en-US" b="0" i="1" smtClean="0">
-                            <a:latin typeface="Cambria Math" panose="02040503050406030204" pitchFamily="18" charset="0"/>
-                          </a:rPr>
-                        </m:ctrlPr>
-                      </m:sSubPr>
-                      <m:e>
-                        <m:r>
-                          <a:rPr lang="en-US" b="0" i="1" smtClean="0">
-                            <a:latin typeface="Cambria Math" panose="02040503050406030204" pitchFamily="18" charset="0"/>
-                          </a:rPr>
-                          <m:t>𝛽</m:t>
-                        </m:r>
-                      </m:e>
-                      <m:sub>
-                        <m:r>
-                          <a:rPr lang="en-US" b="0" i="1" smtClean="0">
-                            <a:latin typeface="Cambria Math" panose="02040503050406030204" pitchFamily="18" charset="0"/>
-                          </a:rPr>
-                          <m:t>1</m:t>
-                        </m:r>
-                      </m:sub>
-                    </m:sSub>
-                    <m:r>
-                      <a:rPr lang="en-US" b="0" i="1" smtClean="0">
-                        <a:latin typeface="Cambria Math" panose="02040503050406030204" pitchFamily="18" charset="0"/>
-                      </a:rPr>
-                      <m:t>+</m:t>
-                    </m:r>
-                    <m:r>
-                      <a:rPr lang="en-US" i="1">
-                        <a:latin typeface="Cambria Math" panose="02040503050406030204" pitchFamily="18" charset="0"/>
-                      </a:rPr>
-                      <m:t>⋯</m:t>
-                    </m:r>
-                  </m:oMath>
-                </a14:m>
-                <a:endParaRPr lang="en-US" dirty="0"/>
-              </a:p>
-              <a:p>
-                <a:pPr lvl="2"/>
-                <a:r>
-                  <a:rPr lang="en-US" dirty="0"/>
-                  <a:t>GM:    </a:t>
-                </a:r>
-                <a14:m>
-                  <m:oMath xmlns:m="http://schemas.openxmlformats.org/officeDocument/2006/math">
-                    <m:r>
-                      <a:rPr lang="en-US" i="1">
-                        <a:latin typeface="Cambria Math" panose="02040503050406030204" pitchFamily="18" charset="0"/>
-                      </a:rPr>
-                      <m:t>𝑦</m:t>
-                    </m:r>
-                    <m:r>
-                      <a:rPr lang="en-US" i="1">
-                        <a:latin typeface="Cambria Math" panose="02040503050406030204" pitchFamily="18" charset="0"/>
-                      </a:rPr>
-                      <m:t>=</m:t>
-                    </m:r>
-                    <m:sSub>
-                      <m:sSubPr>
-                        <m:ctrlPr>
-                          <a:rPr lang="en-US" i="1">
-                            <a:latin typeface="Cambria Math" panose="02040503050406030204" pitchFamily="18" charset="0"/>
-                          </a:rPr>
-                        </m:ctrlPr>
-                      </m:sSubPr>
-                      <m:e>
-                        <m:r>
-                          <a:rPr lang="en-US" i="1">
-                            <a:latin typeface="Cambria Math" panose="02040503050406030204" pitchFamily="18" charset="0"/>
-                          </a:rPr>
-                          <m:t>𝛽</m:t>
-                        </m:r>
-                      </m:e>
-                      <m:sub>
-                        <m:r>
-                          <a:rPr lang="en-US" i="1">
-                            <a:latin typeface="Cambria Math" panose="02040503050406030204" pitchFamily="18" charset="0"/>
-                          </a:rPr>
-                          <m:t>0</m:t>
-                        </m:r>
-                      </m:sub>
-                    </m:sSub>
-                    <m:r>
-                      <a:rPr lang="en-US">
-                        <a:latin typeface="Cambria Math" panose="02040503050406030204" pitchFamily="18" charset="0"/>
-                      </a:rPr>
-                      <m:t>+</m:t>
-                    </m:r>
-                    <m:sSub>
-                      <m:sSubPr>
-                        <m:ctrlPr>
-                          <a:rPr lang="en-US" i="1">
-                            <a:latin typeface="Cambria Math" panose="02040503050406030204" pitchFamily="18" charset="0"/>
-                          </a:rPr>
-                        </m:ctrlPr>
-                      </m:sSubPr>
-                      <m:e>
-                        <m:r>
-                          <a:rPr lang="en-US" i="1">
-                            <a:latin typeface="Cambria Math" panose="02040503050406030204" pitchFamily="18" charset="0"/>
-                          </a:rPr>
-                          <m:t>𝛽</m:t>
-                        </m:r>
-                      </m:e>
-                      <m:sub>
-                        <m:r>
-                          <a:rPr lang="en-US" b="0" i="1" smtClean="0">
-                            <a:latin typeface="Cambria Math" panose="02040503050406030204" pitchFamily="18" charset="0"/>
-                          </a:rPr>
-                          <m:t>2</m:t>
-                        </m:r>
-                      </m:sub>
-                    </m:sSub>
-                    <m:r>
-                      <a:rPr lang="en-US" i="1">
-                        <a:latin typeface="Cambria Math" panose="02040503050406030204" pitchFamily="18" charset="0"/>
-                      </a:rPr>
-                      <m:t>+⋯</m:t>
-                    </m:r>
-                  </m:oMath>
-                </a14:m>
-                <a:endParaRPr lang="en-US" dirty="0"/>
-              </a:p>
-              <a:p>
-                <a:pPr lvl="2"/>
-                <a:r>
-                  <a:rPr lang="en-US" dirty="0"/>
-                  <a:t>…</a:t>
+                  <a:rPr lang="en-US" dirty="0">
+                    <a:solidFill>
+                      <a:srgbClr val="FF0000"/>
+                    </a:solidFill>
+                  </a:rPr>
+                  <a:t>Hot encoding allows different intercepts (or mean values) for different categories! </a:t>
                 </a:r>
               </a:p>
               <a:p>
@@ -25314,7 +29273,7 @@
             </p:txBody>
           </p:sp>
         </mc:Choice>
-        <mc:Fallback xmlns="">
+        <mc:Fallback>
           <p:sp>
             <p:nvSpPr>
               <p:cNvPr id="3" name="Content Placeholder 2"/>
@@ -25333,7 +29292,7 @@
               <a:blipFill>
                 <a:blip r:embed="rId2"/>
                 <a:stretch>
-                  <a:fillRect l="-2220" t="-1549"/>
+                  <a:fillRect l="-1923" t="-1754" r="-1923"/>
                 </a:stretch>
               </a:blipFill>
             </p:spPr>
@@ -25369,7 +29328,7 @@
           <a:p>
             <a:fld id="{629637A9-119A-49DA-BD12-AAC58B377D80}" type="slidenum">
               <a:rPr lang="en-US" smtClean="0"/>
-              <a:t>40</a:t>
+              <a:t>42</a:t>
             </a:fld>
             <a:endParaRPr lang="en-US" dirty="0"/>
           </a:p>
@@ -25386,7 +29345,7 @@
               <p:nvPr>
                 <p:extLst>
                   <p:ext uri="{D42A27DB-BD31-4B8C-83A1-F6EECF244321}">
-                    <p14:modId xmlns:p14="http://schemas.microsoft.com/office/powerpoint/2010/main" val="3004288358"/>
+                    <p14:modId xmlns:p14="http://schemas.microsoft.com/office/powerpoint/2010/main" val="1006865909"/>
                   </p:ext>
                 </p:extLst>
               </p:nvPr>
@@ -25766,10 +29725,7 @@
                         <a:bodyPr/>
                         <a:lstStyle/>
                         <a:p>
-                          <a:r>
-                            <a:rPr lang="en-US" dirty="0"/>
-                            <a:t>VW</a:t>
-                          </a:r>
+                          <a:endParaRPr lang="en-US" dirty="0"/>
                         </a:p>
                       </a:txBody>
                       <a:tcPr/>
@@ -25779,10 +29735,7 @@
                         <a:bodyPr/>
                         <a:lstStyle/>
                         <a:p>
-                          <a:r>
-                            <a:rPr lang="en-US" dirty="0"/>
-                            <a:t>0 </a:t>
-                          </a:r>
+                          <a:endParaRPr lang="en-US" dirty="0"/>
                         </a:p>
                       </a:txBody>
                       <a:tcPr/>
@@ -25792,10 +29745,7 @@
                         <a:bodyPr/>
                         <a:lstStyle/>
                         <a:p>
-                          <a:r>
-                            <a:rPr lang="en-US" dirty="0"/>
-                            <a:t>0 </a:t>
-                          </a:r>
+                          <a:endParaRPr lang="en-US" dirty="0"/>
                         </a:p>
                       </a:txBody>
                       <a:tcPr/>
@@ -25805,10 +29755,7 @@
                         <a:bodyPr/>
                         <a:lstStyle/>
                         <a:p>
-                          <a:r>
-                            <a:rPr lang="en-US" dirty="0"/>
-                            <a:t>1</a:t>
-                          </a:r>
+                          <a:endParaRPr lang="en-US" dirty="0"/>
                         </a:p>
                       </a:txBody>
                       <a:tcPr/>
@@ -25834,7 +29781,7 @@
               <p:nvPr>
                 <p:extLst>
                   <p:ext uri="{D42A27DB-BD31-4B8C-83A1-F6EECF244321}">
-                    <p14:modId xmlns:p14="http://schemas.microsoft.com/office/powerpoint/2010/main" val="3004288358"/>
+                    <p14:modId xmlns:p14="http://schemas.microsoft.com/office/powerpoint/2010/main" val="1006865909"/>
                   </p:ext>
                 </p:extLst>
               </p:nvPr>
@@ -25905,7 +29852,7 @@
                         <a:blipFill>
                           <a:blip r:embed="rId3"/>
                           <a:stretch>
-                            <a:fillRect l="-189610" t="-8197" r="-207792" b="-422951"/>
+                            <a:fillRect l="-189189" t="-6897" r="-205405" b="-410345"/>
                           </a:stretch>
                         </a:blipFill>
                       </a:tcPr>
@@ -25922,7 +29869,7 @@
                         <a:blipFill>
                           <a:blip r:embed="rId3"/>
                           <a:stretch>
-                            <a:fillRect l="-305479" t="-8197" r="-119178" b="-422951"/>
+                            <a:fillRect l="-305714" t="-6897" r="-117143" b="-410345"/>
                           </a:stretch>
                         </a:blipFill>
                       </a:tcPr>
@@ -25939,7 +29886,7 @@
                         <a:blipFill>
                           <a:blip r:embed="rId3"/>
                           <a:stretch>
-                            <a:fillRect l="-356627" t="-8197" r="-4819" b="-422951"/>
+                            <a:fillRect l="-355000" t="-6897" r="-2500" b="-410345"/>
                           </a:stretch>
                         </a:blipFill>
                       </a:tcPr>
@@ -26133,10 +30080,7 @@
                         <a:bodyPr/>
                         <a:lstStyle/>
                         <a:p>
-                          <a:r>
-                            <a:rPr lang="en-US" dirty="0"/>
-                            <a:t>VW</a:t>
-                          </a:r>
+                          <a:endParaRPr lang="en-US" dirty="0"/>
                         </a:p>
                       </a:txBody>
                       <a:tcPr/>
@@ -26146,10 +30090,7 @@
                         <a:bodyPr/>
                         <a:lstStyle/>
                         <a:p>
-                          <a:r>
-                            <a:rPr lang="en-US" dirty="0"/>
-                            <a:t>0 </a:t>
-                          </a:r>
+                          <a:endParaRPr lang="en-US" dirty="0"/>
                         </a:p>
                       </a:txBody>
                       <a:tcPr/>
@@ -26159,10 +30100,7 @@
                         <a:bodyPr/>
                         <a:lstStyle/>
                         <a:p>
-                          <a:r>
-                            <a:rPr lang="en-US" dirty="0"/>
-                            <a:t>0 </a:t>
-                          </a:r>
+                          <a:endParaRPr lang="en-US" dirty="0"/>
                         </a:p>
                       </a:txBody>
                       <a:tcPr/>
@@ -26172,10 +30110,7 @@
                         <a:bodyPr/>
                         <a:lstStyle/>
                         <a:p>
-                          <a:r>
-                            <a:rPr lang="en-US" dirty="0"/>
-                            <a:t>1</a:t>
-                          </a:r>
+                          <a:endParaRPr lang="en-US" dirty="0"/>
                         </a:p>
                       </a:txBody>
                       <a:tcPr/>
@@ -26196,6 +30131,174 @@
     <p:extLst>
       <p:ext uri="{BB962C8B-B14F-4D97-AF65-F5344CB8AC3E}">
         <p14:creationId xmlns:p14="http://schemas.microsoft.com/office/powerpoint/2010/main" val="699092232"/>
+      </p:ext>
+    </p:extLst>
+  </p:cSld>
+  <p:clrMapOvr>
+    <a:masterClrMapping/>
+  </p:clrMapOvr>
+</p:sld>
+</file>
+
+<file path=ppt/slides/slide43.xml><?xml version="1.0" encoding="utf-8"?>
+<p:sld xmlns:a="http://schemas.openxmlformats.org/drawingml/2006/main" xmlns:r="http://schemas.openxmlformats.org/officeDocument/2006/relationships" xmlns:p="http://schemas.openxmlformats.org/presentationml/2006/main">
+  <p:cSld>
+    <p:spTree>
+      <p:nvGrpSpPr>
+        <p:cNvPr id="1" name=""/>
+        <p:cNvGrpSpPr/>
+        <p:nvPr/>
+      </p:nvGrpSpPr>
+      <p:grpSpPr>
+        <a:xfrm>
+          <a:off x="0" y="0"/>
+          <a:ext cx="0" cy="0"/>
+          <a:chOff x="0" y="0"/>
+          <a:chExt cx="0" cy="0"/>
+        </a:xfrm>
+      </p:grpSpPr>
+      <p:sp>
+        <p:nvSpPr>
+          <p:cNvPr id="2" name="Title 1"/>
+          <p:cNvSpPr>
+            <a:spLocks noGrp="1"/>
+          </p:cNvSpPr>
+          <p:nvPr>
+            <p:ph type="title"/>
+          </p:nvPr>
+        </p:nvSpPr>
+        <p:spPr/>
+        <p:txBody>
+          <a:bodyPr>
+            <a:normAutofit/>
+          </a:bodyPr>
+          <a:lstStyle/>
+          <a:p>
+            <a:r>
+              <a:rPr lang="en-US" dirty="0"/>
+              <a:t>What you should know from this unit? </a:t>
+            </a:r>
+          </a:p>
+        </p:txBody>
+      </p:sp>
+      <p:sp>
+        <p:nvSpPr>
+          <p:cNvPr id="3" name="Content Placeholder 2"/>
+          <p:cNvSpPr>
+            <a:spLocks noGrp="1"/>
+          </p:cNvSpPr>
+          <p:nvPr>
+            <p:ph idx="1"/>
+          </p:nvPr>
+        </p:nvSpPr>
+        <p:spPr/>
+        <p:txBody>
+          <a:bodyPr/>
+          <a:lstStyle/>
+          <a:p>
+            <a:r>
+              <a:rPr lang="en-US" dirty="0"/>
+              <a:t>Formulate a machine learning model as a multiple linear regression model.  </a:t>
+            </a:r>
+          </a:p>
+          <a:p>
+            <a:pPr lvl="1"/>
+            <a:r>
+              <a:rPr lang="en-US" dirty="0"/>
+              <a:t>Identify prediction vector and target for the problem.</a:t>
+            </a:r>
+          </a:p>
+          <a:p>
+            <a:pPr lvl="1"/>
+            <a:r>
+              <a:rPr lang="en-US" dirty="0"/>
+              <a:t>May need to transform original predictors (features).</a:t>
+            </a:r>
+          </a:p>
+          <a:p>
+            <a:r>
+              <a:rPr lang="en-US" dirty="0"/>
+              <a:t>Write the regression model in matrix form.  Write the feature matrix</a:t>
+            </a:r>
+          </a:p>
+          <a:p>
+            <a:r>
+              <a:rPr lang="en-US" dirty="0"/>
+              <a:t>Compute the least-squares solution for the regression coefficients on training data.</a:t>
+            </a:r>
+          </a:p>
+          <a:p>
+            <a:r>
+              <a:rPr lang="en-US" dirty="0"/>
+              <a:t>Derive the least-squares formula from minimization of the RSS</a:t>
+            </a:r>
+          </a:p>
+          <a:p>
+            <a:pPr lvl="1"/>
+            <a:r>
+              <a:rPr lang="en-US" dirty="0"/>
+              <a:t>Gradient calculation for a function of multiple variables</a:t>
+            </a:r>
+          </a:p>
+          <a:p>
+            <a:endParaRPr lang="en-US" dirty="0"/>
+          </a:p>
+          <a:p>
+            <a:r>
+              <a:rPr lang="en-US" dirty="0"/>
+              <a:t>Manipulate 2D arrays in python (indexing, stacking, computing shapes, …)</a:t>
+            </a:r>
+          </a:p>
+          <a:p>
+            <a:r>
+              <a:rPr lang="en-US" dirty="0"/>
+              <a:t>Compute the LS solution using python linear algebra and machine learning packages</a:t>
+            </a:r>
+          </a:p>
+          <a:p>
+            <a:endParaRPr lang="en-US" dirty="0"/>
+          </a:p>
+          <a:p>
+            <a:endParaRPr lang="en-US" dirty="0"/>
+          </a:p>
+          <a:p>
+            <a:endParaRPr lang="en-US" dirty="0"/>
+          </a:p>
+          <a:p>
+            <a:endParaRPr lang="en-US" dirty="0"/>
+          </a:p>
+          <a:p>
+            <a:endParaRPr lang="en-US" dirty="0"/>
+          </a:p>
+        </p:txBody>
+      </p:sp>
+      <p:sp>
+        <p:nvSpPr>
+          <p:cNvPr id="4" name="Slide Number Placeholder 3"/>
+          <p:cNvSpPr>
+            <a:spLocks noGrp="1"/>
+          </p:cNvSpPr>
+          <p:nvPr>
+            <p:ph type="sldNum" sz="quarter" idx="12"/>
+          </p:nvPr>
+        </p:nvSpPr>
+        <p:spPr/>
+        <p:txBody>
+          <a:bodyPr/>
+          <a:lstStyle/>
+          <a:p>
+            <a:fld id="{629637A9-119A-49DA-BD12-AAC58B377D80}" type="slidenum">
+              <a:rPr lang="en-US" smtClean="0"/>
+              <a:t>43</a:t>
+            </a:fld>
+            <a:endParaRPr lang="en-US" dirty="0"/>
+          </a:p>
+        </p:txBody>
+      </p:sp>
+    </p:spTree>
+    <p:extLst>
+      <p:ext uri="{BB962C8B-B14F-4D97-AF65-F5344CB8AC3E}">
+        <p14:creationId xmlns:p14="http://schemas.microsoft.com/office/powerpoint/2010/main" val="2443752284"/>
       </p:ext>
     </p:extLst>
   </p:cSld>
@@ -26537,7 +30640,7 @@
         </p:blipFill>
         <p:spPr>
           <a:xfrm>
-            <a:off x="6126480" y="3480121"/>
+            <a:off x="6126480" y="3491272"/>
             <a:ext cx="4807035" cy="2339546"/>
           </a:xfrm>
           <a:prstGeom prst="rect">
@@ -26562,7 +30665,7 @@
         <p:spPr>
           <a:xfrm>
             <a:off x="1336975" y="1667284"/>
-            <a:ext cx="3029079" cy="3691952"/>
+            <a:ext cx="3370949" cy="4108636"/>
           </a:xfrm>
           <a:prstGeom prst="rect">
             <a:avLst/>
@@ -26667,8 +30770,11 @@
               <a:rPr lang="en-US" dirty="0">
                 <a:hlinkClick r:id="rId2"/>
               </a:rPr>
-              <a:t>https://github.com/sdrangan/introml/blob/master/mult_lin_reg/glucose.ipynb</a:t>
+              <a:t>https://github.com/sdrangan/introml/blob/master/unit02_mult_lin_reg/demo02_glucose.ipynb</a:t>
             </a:r>
+            <a:endParaRPr lang="en-US" dirty="0"/>
+          </a:p>
+          <a:p>
             <a:endParaRPr lang="en-US" dirty="0"/>
           </a:p>
           <a:p>
@@ -26968,8 +31074,8 @@
           </a:p>
         </p:txBody>
       </p:sp>
-      <mc:AlternateContent xmlns:mc="http://schemas.openxmlformats.org/markup-compatibility/2006" xmlns:a14="http://schemas.microsoft.com/office/drawing/2010/main">
-        <mc:Choice Requires="a14">
+      <mc:AlternateContent xmlns:mc="http://schemas.openxmlformats.org/markup-compatibility/2006">
+        <mc:Choice xmlns:a14="http://schemas.microsoft.com/office/drawing/2010/main" Requires="a14">
           <p:sp>
             <p:nvSpPr>
               <p:cNvPr id="3" name="Content Placeholder 2"/>
@@ -26983,11 +31089,13 @@
             <p:spPr>
               <a:xfrm>
                 <a:off x="1097280" y="1539277"/>
-                <a:ext cx="4141985" cy="4329817"/>
+                <a:ext cx="5812753" cy="4099523"/>
               </a:xfrm>
             </p:spPr>
             <p:txBody>
-              <a:bodyPr/>
+              <a:bodyPr>
+                <a:normAutofit/>
+              </a:bodyPr>
               <a:lstStyle/>
               <a:p>
                 <a:r>
@@ -27061,7 +31169,7 @@
                       <a:schemeClr val="tx1"/>
                     </a:solidFill>
                   </a:rPr>
-                  <a:t> features / attributes:  </a:t>
+                  <a:t> features / attributes /predictors:  </a:t>
                 </a:r>
               </a:p>
               <a:p>
@@ -27139,8 +31247,415 @@
                       <a:schemeClr val="tx1"/>
                     </a:solidFill>
                   </a:rPr>
-                  <a:t> = blood glucose measurements</a:t>
-                </a:r>
+                  <a:t> = blood glucose measurement of </a:t>
+                </a:r>
+                <a:r>
+                  <a:rPr lang="en-US" dirty="0" err="1">
+                    <a:solidFill>
+                      <a:schemeClr val="tx1"/>
+                    </a:solidFill>
+                  </a:rPr>
+                  <a:t>i-th</a:t>
+                </a:r>
+                <a:r>
+                  <a:rPr lang="en-US" dirty="0">
+                    <a:solidFill>
+                      <a:schemeClr val="tx1"/>
+                    </a:solidFill>
+                  </a:rPr>
+                  <a:t> sample</a:t>
+                </a:r>
+              </a:p>
+              <a:p>
+                <a:pPr lvl="1"/>
+                <a14:m>
+                  <m:oMath xmlns:m="http://schemas.openxmlformats.org/officeDocument/2006/math">
+                    <m:sSub>
+                      <m:sSubPr>
+                        <m:ctrlPr>
+                          <a:rPr lang="en-US" i="1">
+                            <a:latin typeface="Cambria Math" panose="02040503050406030204" pitchFamily="18" charset="0"/>
+                          </a:rPr>
+                        </m:ctrlPr>
+                      </m:sSubPr>
+                      <m:e>
+                        <m:r>
+                          <m:rPr>
+                            <m:brk m:alnAt="7"/>
+                          </m:rPr>
+                          <a:rPr lang="en-US" i="1">
+                            <a:latin typeface="Cambria Math" panose="02040503050406030204" pitchFamily="18" charset="0"/>
+                          </a:rPr>
+                          <m:t>𝑥</m:t>
+                        </m:r>
+                      </m:e>
+                      <m:sub>
+                        <m:r>
+                          <a:rPr lang="en-US" i="1">
+                            <a:latin typeface="Cambria Math" panose="02040503050406030204" pitchFamily="18" charset="0"/>
+                          </a:rPr>
+                          <m:t>𝑖</m:t>
+                        </m:r>
+                        <m:r>
+                          <a:rPr lang="en-US" i="1">
+                            <a:latin typeface="Cambria Math" panose="02040503050406030204" pitchFamily="18" charset="0"/>
+                          </a:rPr>
+                          <m:t>,</m:t>
+                        </m:r>
+                        <m:r>
+                          <a:rPr lang="en-US" i="1">
+                            <a:latin typeface="Cambria Math" panose="02040503050406030204" pitchFamily="18" charset="0"/>
+                          </a:rPr>
+                          <m:t>𝑗</m:t>
+                        </m:r>
+                      </m:sub>
+                    </m:sSub>
+                  </m:oMath>
+                </a14:m>
+                <a:r>
+                  <a:rPr lang="en-US" dirty="0">
+                    <a:solidFill>
+                      <a:schemeClr val="tx1"/>
+                    </a:solidFill>
+                  </a:rPr>
+                  <a:t>: j-</a:t>
+                </a:r>
+                <a:r>
+                  <a:rPr lang="en-US" dirty="0" err="1">
+                    <a:solidFill>
+                      <a:schemeClr val="tx1"/>
+                    </a:solidFill>
+                  </a:rPr>
+                  <a:t>th</a:t>
+                </a:r>
+                <a:r>
+                  <a:rPr lang="en-US" dirty="0">
+                    <a:solidFill>
+                      <a:schemeClr val="tx1"/>
+                    </a:solidFill>
+                  </a:rPr>
+                  <a:t> feature of </a:t>
+                </a:r>
+                <a:r>
+                  <a:rPr lang="en-US" dirty="0" err="1">
+                    <a:solidFill>
+                      <a:schemeClr val="tx1"/>
+                    </a:solidFill>
+                  </a:rPr>
+                  <a:t>i-th</a:t>
+                </a:r>
+                <a:r>
+                  <a:rPr lang="en-US" dirty="0">
+                    <a:solidFill>
+                      <a:schemeClr val="tx1"/>
+                    </a:solidFill>
+                  </a:rPr>
+                  <a:t> sample</a:t>
+                </a:r>
+              </a:p>
+              <a:p>
+                <a:pPr lvl="1"/>
+                <a14:m>
+                  <m:oMath xmlns:m="http://schemas.openxmlformats.org/officeDocument/2006/math">
+                    <m:sSubSup>
+                      <m:sSubSupPr>
+                        <m:ctrlPr>
+                          <a:rPr lang="en-US" i="1" smtClean="0">
+                            <a:latin typeface="Cambria Math" panose="02040503050406030204" pitchFamily="18" charset="0"/>
+                          </a:rPr>
+                        </m:ctrlPr>
+                      </m:sSubSupPr>
+                      <m:e>
+                        <m:r>
+                          <a:rPr lang="en-US" b="1" i="1" smtClean="0">
+                            <a:latin typeface="Cambria Math" panose="02040503050406030204" pitchFamily="18" charset="0"/>
+                          </a:rPr>
+                          <m:t>𝒙</m:t>
+                        </m:r>
+                      </m:e>
+                      <m:sub>
+                        <m:r>
+                          <a:rPr lang="en-US" b="0" i="1" smtClean="0">
+                            <a:latin typeface="Cambria Math" panose="02040503050406030204" pitchFamily="18" charset="0"/>
+                          </a:rPr>
+                          <m:t>𝑖</m:t>
+                        </m:r>
+                      </m:sub>
+                      <m:sup>
+                        <m:r>
+                          <a:rPr lang="en-US" b="0" i="1" smtClean="0">
+                            <a:latin typeface="Cambria Math" panose="02040503050406030204" pitchFamily="18" charset="0"/>
+                          </a:rPr>
+                          <m:t>𝑇</m:t>
+                        </m:r>
+                      </m:sup>
+                    </m:sSubSup>
+                    <m:r>
+                      <a:rPr lang="en-US" b="0" i="1" smtClean="0">
+                        <a:latin typeface="Cambria Math" panose="02040503050406030204" pitchFamily="18" charset="0"/>
+                      </a:rPr>
+                      <m:t>=[</m:t>
+                    </m:r>
+                    <m:sSub>
+                      <m:sSubPr>
+                        <m:ctrlPr>
+                          <a:rPr lang="en-US" i="1">
+                            <a:latin typeface="Cambria Math" panose="02040503050406030204" pitchFamily="18" charset="0"/>
+                          </a:rPr>
+                        </m:ctrlPr>
+                      </m:sSubPr>
+                      <m:e>
+                        <m:r>
+                          <m:rPr>
+                            <m:brk m:alnAt="7"/>
+                          </m:rPr>
+                          <a:rPr lang="en-US" i="1">
+                            <a:latin typeface="Cambria Math" panose="02040503050406030204" pitchFamily="18" charset="0"/>
+                          </a:rPr>
+                          <m:t>𝑥</m:t>
+                        </m:r>
+                      </m:e>
+                      <m:sub>
+                        <m:r>
+                          <a:rPr lang="en-US" i="1">
+                            <a:latin typeface="Cambria Math" panose="02040503050406030204" pitchFamily="18" charset="0"/>
+                          </a:rPr>
+                          <m:t>𝑖</m:t>
+                        </m:r>
+                        <m:r>
+                          <a:rPr lang="en-US" i="1">
+                            <a:latin typeface="Cambria Math" panose="02040503050406030204" pitchFamily="18" charset="0"/>
+                          </a:rPr>
+                          <m:t>,1</m:t>
+                        </m:r>
+                      </m:sub>
+                    </m:sSub>
+                  </m:oMath>
+                </a14:m>
+                <a:r>
+                  <a:rPr lang="en-US" dirty="0">
+                    <a:solidFill>
+                      <a:schemeClr val="tx1"/>
+                    </a:solidFill>
+                  </a:rPr>
+                  <a:t>,</a:t>
+                </a:r>
+                <a:r>
+                  <a:rPr lang="en-US" dirty="0"/>
+                  <a:t> </a:t>
+                </a:r>
+                <a14:m>
+                  <m:oMath xmlns:m="http://schemas.openxmlformats.org/officeDocument/2006/math">
+                    <m:sSub>
+                      <m:sSubPr>
+                        <m:ctrlPr>
+                          <a:rPr lang="en-US" i="1">
+                            <a:latin typeface="Cambria Math" panose="02040503050406030204" pitchFamily="18" charset="0"/>
+                          </a:rPr>
+                        </m:ctrlPr>
+                      </m:sSubPr>
+                      <m:e>
+                        <m:r>
+                          <m:rPr>
+                            <m:brk m:alnAt="7"/>
+                          </m:rPr>
+                          <a:rPr lang="en-US" i="1">
+                            <a:latin typeface="Cambria Math" panose="02040503050406030204" pitchFamily="18" charset="0"/>
+                          </a:rPr>
+                          <m:t>𝑥</m:t>
+                        </m:r>
+                      </m:e>
+                      <m:sub>
+                        <m:r>
+                          <a:rPr lang="en-US" i="1">
+                            <a:latin typeface="Cambria Math" panose="02040503050406030204" pitchFamily="18" charset="0"/>
+                          </a:rPr>
+                          <m:t>𝑖</m:t>
+                        </m:r>
+                        <m:r>
+                          <a:rPr lang="en-US" i="1">
+                            <a:latin typeface="Cambria Math" panose="02040503050406030204" pitchFamily="18" charset="0"/>
+                          </a:rPr>
+                          <m:t>,2</m:t>
+                        </m:r>
+                      </m:sub>
+                    </m:sSub>
+                  </m:oMath>
+                </a14:m>
+                <a:r>
+                  <a:rPr lang="en-US" dirty="0">
+                    <a:solidFill>
+                      <a:schemeClr val="tx1"/>
+                    </a:solidFill>
+                  </a:rPr>
+                  <a:t>,…,</a:t>
+                </a:r>
+                <a:r>
+                  <a:rPr lang="en-US" dirty="0"/>
+                  <a:t> </a:t>
+                </a:r>
+                <a14:m>
+                  <m:oMath xmlns:m="http://schemas.openxmlformats.org/officeDocument/2006/math">
+                    <m:sSub>
+                      <m:sSubPr>
+                        <m:ctrlPr>
+                          <a:rPr lang="en-US" i="1">
+                            <a:latin typeface="Cambria Math" panose="02040503050406030204" pitchFamily="18" charset="0"/>
+                          </a:rPr>
+                        </m:ctrlPr>
+                      </m:sSubPr>
+                      <m:e>
+                        <m:r>
+                          <m:rPr>
+                            <m:brk m:alnAt="7"/>
+                          </m:rPr>
+                          <a:rPr lang="en-US" i="1">
+                            <a:latin typeface="Cambria Math" panose="02040503050406030204" pitchFamily="18" charset="0"/>
+                          </a:rPr>
+                          <m:t>𝑥</m:t>
+                        </m:r>
+                      </m:e>
+                      <m:sub>
+                        <m:r>
+                          <a:rPr lang="en-US" i="1">
+                            <a:latin typeface="Cambria Math" panose="02040503050406030204" pitchFamily="18" charset="0"/>
+                          </a:rPr>
+                          <m:t>𝑖</m:t>
+                        </m:r>
+                        <m:r>
+                          <a:rPr lang="en-US" i="1">
+                            <a:latin typeface="Cambria Math" panose="02040503050406030204" pitchFamily="18" charset="0"/>
+                          </a:rPr>
+                          <m:t>,</m:t>
+                        </m:r>
+                        <m:r>
+                          <a:rPr lang="en-US" b="0" i="1" smtClean="0">
+                            <a:latin typeface="Cambria Math" panose="02040503050406030204" pitchFamily="18" charset="0"/>
+                          </a:rPr>
+                          <m:t>𝑘</m:t>
+                        </m:r>
+                      </m:sub>
+                    </m:sSub>
+                  </m:oMath>
+                </a14:m>
+                <a:r>
+                  <a:rPr lang="en-US" dirty="0">
+                    <a:solidFill>
+                      <a:schemeClr val="tx1"/>
+                    </a:solidFill>
+                  </a:rPr>
+                  <a:t>]: feature or predictor vector</a:t>
+                </a:r>
+              </a:p>
+              <a:p>
+                <a:pPr lvl="1"/>
+                <a:r>
+                  <a:rPr lang="en-US" dirty="0" err="1">
+                    <a:solidFill>
+                      <a:schemeClr val="tx1"/>
+                    </a:solidFill>
+                  </a:rPr>
+                  <a:t>i-th</a:t>
+                </a:r>
+                <a:r>
+                  <a:rPr lang="en-US" dirty="0">
+                    <a:solidFill>
+                      <a:schemeClr val="tx1"/>
+                    </a:solidFill>
+                  </a:rPr>
+                  <a:t> sample contains </a:t>
+                </a:r>
+                <a14:m>
+                  <m:oMath xmlns:m="http://schemas.openxmlformats.org/officeDocument/2006/math">
+                    <m:sSub>
+                      <m:sSubPr>
+                        <m:ctrlPr>
+                          <a:rPr lang="en-US" i="1">
+                            <a:latin typeface="Cambria Math" panose="02040503050406030204" pitchFamily="18" charset="0"/>
+                          </a:rPr>
+                        </m:ctrlPr>
+                      </m:sSubPr>
+                      <m:e>
+                        <m:r>
+                          <m:rPr>
+                            <m:brk m:alnAt="7"/>
+                          </m:rPr>
+                          <a:rPr lang="en-US" b="1" i="1">
+                            <a:latin typeface="Cambria Math" panose="02040503050406030204" pitchFamily="18" charset="0"/>
+                          </a:rPr>
+                          <m:t>𝒙</m:t>
+                        </m:r>
+                      </m:e>
+                      <m:sub>
+                        <m:r>
+                          <a:rPr lang="en-US" i="1">
+                            <a:latin typeface="Cambria Math" panose="02040503050406030204" pitchFamily="18" charset="0"/>
+                          </a:rPr>
+                          <m:t>𝑖</m:t>
+                        </m:r>
+                      </m:sub>
+                    </m:sSub>
+                  </m:oMath>
+                </a14:m>
+                <a:r>
+                  <a:rPr lang="en-US" dirty="0">
+                    <a:solidFill>
+                      <a:schemeClr val="tx1"/>
+                    </a:solidFill>
+                  </a:rPr>
+                  <a:t>,</a:t>
+                </a:r>
+                <a14:m>
+                  <m:oMath xmlns:m="http://schemas.openxmlformats.org/officeDocument/2006/math">
+                    <m:sSub>
+                      <m:sSubPr>
+                        <m:ctrlPr>
+                          <a:rPr lang="en-US" i="1">
+                            <a:solidFill>
+                              <a:schemeClr val="tx1"/>
+                            </a:solidFill>
+                            <a:latin typeface="Cambria Math" panose="02040503050406030204" pitchFamily="18" charset="0"/>
+                          </a:rPr>
+                        </m:ctrlPr>
+                      </m:sSubPr>
+                      <m:e>
+                        <m:r>
+                          <a:rPr lang="en-US" i="1">
+                            <a:solidFill>
+                              <a:schemeClr val="tx1"/>
+                            </a:solidFill>
+                            <a:latin typeface="Cambria Math" panose="02040503050406030204" pitchFamily="18" charset="0"/>
+                          </a:rPr>
+                          <m:t>𝑦</m:t>
+                        </m:r>
+                      </m:e>
+                      <m:sub>
+                        <m:r>
+                          <a:rPr lang="en-US" i="1">
+                            <a:solidFill>
+                              <a:schemeClr val="tx1"/>
+                            </a:solidFill>
+                            <a:latin typeface="Cambria Math" panose="02040503050406030204" pitchFamily="18" charset="0"/>
+                          </a:rPr>
+                          <m:t>𝑖</m:t>
+                        </m:r>
+                      </m:sub>
+                    </m:sSub>
+                  </m:oMath>
+                </a14:m>
+                <a:endParaRPr lang="en-US" dirty="0">
+                  <a:solidFill>
+                    <a:schemeClr val="tx1"/>
+                  </a:solidFill>
+                </a:endParaRPr>
+              </a:p>
+              <a:p>
+                <a:pPr lvl="1"/>
+                <a:endParaRPr lang="en-US" dirty="0">
+                  <a:solidFill>
+                    <a:schemeClr val="tx1"/>
+                  </a:solidFill>
+                </a:endParaRPr>
               </a:p>
               <a:p>
                 <a:endParaRPr lang="en-US" dirty="0">
@@ -27152,7 +31667,7 @@
             </p:txBody>
           </p:sp>
         </mc:Choice>
-        <mc:Fallback xmlns="">
+        <mc:Fallback>
           <p:sp>
             <p:nvSpPr>
               <p:cNvPr id="3" name="Content Placeholder 2"/>
@@ -27166,12 +31681,12 @@
             <p:spPr>
               <a:xfrm>
                 <a:off x="1097280" y="1539277"/>
-                <a:ext cx="4141985" cy="4329817"/>
+                <a:ext cx="5812753" cy="4099523"/>
               </a:xfrm>
               <a:blipFill>
                 <a:blip r:embed="rId2"/>
                 <a:stretch>
-                  <a:fillRect l="-3535" t="-1549"/>
+                  <a:fillRect l="-2179" t="-1543"/>
                 </a:stretch>
               </a:blipFill>
             </p:spPr>
@@ -27223,7 +31738,7 @@
             </p:nvSpPr>
             <p:spPr>
               <a:xfrm>
-                <a:off x="4308389" y="2899718"/>
+                <a:off x="4693049" y="2742853"/>
                 <a:ext cx="3322513" cy="1233030"/>
               </a:xfrm>
               <a:prstGeom prst="rect">
@@ -27480,7 +31995,7 @@
             </p:nvSpPr>
             <p:spPr>
               <a:xfrm>
-                <a:off x="4308389" y="2899718"/>
+                <a:off x="4693049" y="2742853"/>
                 <a:ext cx="3322513" cy="1233030"/>
               </a:xfrm>
               <a:prstGeom prst="rect">
@@ -27489,7 +32004,7 @@
               <a:blipFill>
                 <a:blip r:embed="rId3"/>
                 <a:stretch>
-                  <a:fillRect/>
+                  <a:fillRect b="-2062"/>
                 </a:stretch>
               </a:blipFill>
             </p:spPr>
@@ -27516,7 +32031,7 @@
         </p:nvSpPr>
         <p:spPr>
           <a:xfrm rot="5400000">
-            <a:off x="6131286" y="1422412"/>
+            <a:off x="6515946" y="1265547"/>
             <a:ext cx="370665" cy="2221519"/>
           </a:xfrm>
           <a:prstGeom prst="leftBrace">
@@ -27554,7 +32069,7 @@
         </p:nvSpPr>
         <p:spPr>
           <a:xfrm>
-            <a:off x="5791201" y="1846683"/>
+            <a:off x="6175861" y="1689818"/>
             <a:ext cx="1118832" cy="369332"/>
           </a:xfrm>
           <a:prstGeom prst="rect">
@@ -27583,7 +32098,7 @@
         </p:nvSpPr>
         <p:spPr>
           <a:xfrm rot="10800000">
-            <a:off x="10242295" y="2822816"/>
+            <a:off x="10626955" y="2665951"/>
             <a:ext cx="501173" cy="1219316"/>
           </a:xfrm>
           <a:prstGeom prst="leftBrace">
@@ -27621,7 +32136,7 @@
         </p:nvSpPr>
         <p:spPr>
           <a:xfrm>
-            <a:off x="10842011" y="3266543"/>
+            <a:off x="11226671" y="3109678"/>
             <a:ext cx="965329" cy="369332"/>
           </a:xfrm>
           <a:prstGeom prst="rect">
@@ -27652,7 +32167,7 @@
             </p:nvSpPr>
             <p:spPr>
               <a:xfrm>
-                <a:off x="8252977" y="2834373"/>
+                <a:off x="8637637" y="2677508"/>
                 <a:ext cx="1584793" cy="1233671"/>
               </a:xfrm>
               <a:prstGeom prst="rect">
@@ -27808,7 +32323,7 @@
             </p:nvSpPr>
             <p:spPr>
               <a:xfrm>
-                <a:off x="8252977" y="2834373"/>
+                <a:off x="8637637" y="2677508"/>
                 <a:ext cx="1584793" cy="1233671"/>
               </a:xfrm>
               <a:prstGeom prst="rect">
@@ -27817,7 +32332,7 @@
               <a:blipFill>
                 <a:blip r:embed="rId4"/>
                 <a:stretch>
-                  <a:fillRect/>
+                  <a:fillRect b="-4082"/>
                 </a:stretch>
               </a:blipFill>
             </p:spPr>
@@ -27844,7 +32359,7 @@
         </p:nvSpPr>
         <p:spPr>
           <a:xfrm>
-            <a:off x="8428345" y="1863195"/>
+            <a:off x="8813005" y="1706330"/>
             <a:ext cx="1409425" cy="369332"/>
           </a:xfrm>
           <a:prstGeom prst="rect">

--- a/lectures/Lect03_MultLinRegression.pptx
+++ b/lectures/Lect03_MultLinRegression.pptx
@@ -250,7 +250,7 @@
           <a:p>
             <a:fld id="{B7D6DDD3-D7E9-488B-B626-1E8285E424D8}" type="datetimeFigureOut">
               <a:rPr lang="en-US" smtClean="0"/>
-              <a:t>1/28/18</a:t>
+              <a:t>1/29/18</a:t>
             </a:fld>
             <a:endParaRPr lang="en-US"/>
           </a:p>
@@ -4358,8 +4358,8 @@
           </a:p>
         </p:txBody>
       </p:sp>
-      <mc:AlternateContent xmlns:mc="http://schemas.openxmlformats.org/markup-compatibility/2006">
-        <mc:Choice xmlns:a14="http://schemas.microsoft.com/office/drawing/2010/main" Requires="a14">
+      <mc:AlternateContent xmlns:mc="http://schemas.openxmlformats.org/markup-compatibility/2006" xmlns:a14="http://schemas.microsoft.com/office/drawing/2010/main">
+        <mc:Choice Requires="a14">
           <p:sp>
             <p:nvSpPr>
               <p:cNvPr id="3" name="Content Placeholder 2"/>
@@ -5260,7 +5260,7 @@
             </p:txBody>
           </p:sp>
         </mc:Choice>
-        <mc:Fallback>
+        <mc:Fallback xmlns="">
           <p:sp>
             <p:nvSpPr>
               <p:cNvPr id="3" name="Content Placeholder 2"/>
@@ -9980,8 +9980,8 @@
           </a:p>
         </p:txBody>
       </p:sp>
-      <mc:AlternateContent xmlns:mc="http://schemas.openxmlformats.org/markup-compatibility/2006">
-        <mc:Choice xmlns:a14="http://schemas.microsoft.com/office/drawing/2010/main" Requires="a14">
+      <mc:AlternateContent xmlns:mc="http://schemas.openxmlformats.org/markup-compatibility/2006" xmlns:a14="http://schemas.microsoft.com/office/drawing/2010/main">
+        <mc:Choice Requires="a14">
           <p:sp>
             <p:nvSpPr>
               <p:cNvPr id="5" name="Content Placeholder 2">
@@ -10876,7 +10876,7 @@
             </p:txBody>
           </p:sp>
         </mc:Choice>
-        <mc:Fallback>
+        <mc:Fallback xmlns="">
           <p:sp>
             <p:nvSpPr>
               <p:cNvPr id="5" name="Content Placeholder 2">
@@ -17336,8 +17336,8 @@
           </a:p>
         </p:txBody>
       </p:sp>
-      <mc:AlternateContent xmlns:mc="http://schemas.openxmlformats.org/markup-compatibility/2006">
-        <mc:Choice xmlns:a14="http://schemas.microsoft.com/office/drawing/2010/main" Requires="a14">
+      <mc:AlternateContent xmlns:mc="http://schemas.openxmlformats.org/markup-compatibility/2006" xmlns:a14="http://schemas.microsoft.com/office/drawing/2010/main">
+        <mc:Choice Requires="a14">
           <p:sp>
             <p:nvSpPr>
               <p:cNvPr id="3" name="Content Placeholder 2">
@@ -18789,7 +18789,7 @@
             </p:txBody>
           </p:sp>
         </mc:Choice>
-        <mc:Fallback>
+        <mc:Fallback xmlns="">
           <p:sp>
             <p:nvSpPr>
               <p:cNvPr id="3" name="Content Placeholder 2">
@@ -18912,8 +18912,8 @@
           </a:p>
         </p:txBody>
       </p:sp>
-      <mc:AlternateContent xmlns:mc="http://schemas.openxmlformats.org/markup-compatibility/2006">
-        <mc:Choice xmlns:a14="http://schemas.microsoft.com/office/drawing/2010/main" Requires="a14">
+      <mc:AlternateContent xmlns:mc="http://schemas.openxmlformats.org/markup-compatibility/2006" xmlns:a14="http://schemas.microsoft.com/office/drawing/2010/main">
+        <mc:Choice Requires="a14">
           <p:sp>
             <p:nvSpPr>
               <p:cNvPr id="3" name="Content Placeholder 2"/>
@@ -20969,7 +20969,7 @@
             </p:txBody>
           </p:sp>
         </mc:Choice>
-        <mc:Fallback>
+        <mc:Fallback xmlns="">
           <p:sp>
             <p:nvSpPr>
               <p:cNvPr id="3" name="Content Placeholder 2"/>
@@ -25983,8 +25983,8 @@
           </a:p>
         </p:txBody>
       </p:sp>
-      <mc:AlternateContent xmlns:mc="http://schemas.openxmlformats.org/markup-compatibility/2006">
-        <mc:Choice xmlns:a14="http://schemas.microsoft.com/office/drawing/2010/main" Requires="a14">
+      <mc:AlternateContent xmlns:mc="http://schemas.openxmlformats.org/markup-compatibility/2006" xmlns:a14="http://schemas.microsoft.com/office/drawing/2010/main">
+        <mc:Choice Requires="a14">
           <p:sp>
             <p:nvSpPr>
               <p:cNvPr id="3" name="Content Placeholder 2"/>
@@ -26986,7 +26986,7 @@
             </p:txBody>
           </p:sp>
         </mc:Choice>
-        <mc:Fallback>
+        <mc:Fallback xmlns="">
           <p:sp>
             <p:nvSpPr>
               <p:cNvPr id="3" name="Content Placeholder 2"/>
@@ -27123,8 +27123,8 @@
           </a:p>
         </p:txBody>
       </p:sp>
-      <mc:AlternateContent xmlns:mc="http://schemas.openxmlformats.org/markup-compatibility/2006">
-        <mc:Choice xmlns:a14="http://schemas.microsoft.com/office/drawing/2010/main" Requires="a14">
+      <mc:AlternateContent xmlns:mc="http://schemas.openxmlformats.org/markup-compatibility/2006" xmlns:a14="http://schemas.microsoft.com/office/drawing/2010/main">
+        <mc:Choice Requires="a14">
           <p:sp>
             <p:nvSpPr>
               <p:cNvPr id="3" name="Content Placeholder 2"/>
@@ -28045,7 +28045,7 @@
             </p:txBody>
           </p:sp>
         </mc:Choice>
-        <mc:Fallback>
+        <mc:Fallback xmlns="">
           <p:sp>
             <p:nvSpPr>
               <p:cNvPr id="3" name="Content Placeholder 2"/>
@@ -28178,8 +28178,8 @@
           </a:p>
         </p:txBody>
       </p:sp>
-      <mc:AlternateContent xmlns:mc="http://schemas.openxmlformats.org/markup-compatibility/2006">
-        <mc:Choice xmlns:a14="http://schemas.microsoft.com/office/drawing/2010/main" Requires="a14">
+      <mc:AlternateContent xmlns:mc="http://schemas.openxmlformats.org/markup-compatibility/2006" xmlns:a14="http://schemas.microsoft.com/office/drawing/2010/main">
+        <mc:Choice Requires="a14">
           <p:sp>
             <p:nvSpPr>
               <p:cNvPr id="3" name="Content Placeholder 2"/>
@@ -28212,7 +28212,9 @@
                       <m:rPr>
                         <m:sty m:val="p"/>
                       </m:rPr>
-                      <a:rPr lang="en-US" b="0" i="0" smtClean="0"/>
+                      <a:rPr lang="en-US" b="0" i="0" smtClean="0">
+                        <a:latin typeface="Cambria Math" panose="02040503050406030204" pitchFamily="18" charset="0"/>
+                      </a:rPr>
                       <m:t>one</m:t>
                     </m:r>
                     <m:r>
@@ -28231,7 +28233,9 @@
                       <m:t>feature</m:t>
                     </m:r>
                     <m:r>
-                      <a:rPr lang="en-US" b="0" i="0" smtClean="0"/>
+                      <a:rPr lang="en-US" b="0" i="0" smtClean="0">
+                        <a:latin typeface="Cambria Math" panose="02040503050406030204" pitchFamily="18" charset="0"/>
+                      </a:rPr>
                       <m:t> </m:t>
                     </m:r>
                     <m:sSub>
@@ -29273,7 +29277,7 @@
             </p:txBody>
           </p:sp>
         </mc:Choice>
-        <mc:Fallback>
+        <mc:Fallback xmlns="">
           <p:sp>
             <p:nvSpPr>
               <p:cNvPr id="3" name="Content Placeholder 2"/>
@@ -29334,8 +29338,8 @@
           </a:p>
         </p:txBody>
       </p:sp>
-      <mc:AlternateContent xmlns:mc="http://schemas.openxmlformats.org/markup-compatibility/2006" xmlns:a14="http://schemas.microsoft.com/office/drawing/2010/main">
-        <mc:Choice Requires="a14">
+      <mc:AlternateContent xmlns:mc="http://schemas.openxmlformats.org/markup-compatibility/2006">
+        <mc:Choice xmlns:a14="http://schemas.microsoft.com/office/drawing/2010/main" Requires="a14">
           <p:graphicFrame>
             <p:nvGraphicFramePr>
               <p:cNvPr id="5" name="Table 4"/>
@@ -29345,7 +29349,7 @@
               <p:nvPr>
                 <p:extLst>
                   <p:ext uri="{D42A27DB-BD31-4B8C-83A1-F6EECF244321}">
-                    <p14:modId xmlns:p14="http://schemas.microsoft.com/office/powerpoint/2010/main" val="1006865909"/>
+                    <p14:modId xmlns:p14="http://schemas.microsoft.com/office/powerpoint/2010/main" val="2122118929"/>
                   </p:ext>
                 </p:extLst>
               </p:nvPr>
@@ -29563,7 +29567,7 @@
                         <a:p>
                           <a:r>
                             <a:rPr lang="en-US" dirty="0"/>
-                            <a:t>0</a:t>
+                            <a:t>1</a:t>
                           </a:r>
                         </a:p>
                       </a:txBody>
@@ -29622,7 +29626,7 @@
                         <a:p>
                           <a:r>
                             <a:rPr lang="en-US" dirty="0"/>
-                            <a:t>1</a:t>
+                            <a:t>0</a:t>
                           </a:r>
                         </a:p>
                       </a:txBody>
@@ -29635,7 +29639,7 @@
                         <a:p>
                           <a:r>
                             <a:rPr lang="en-US" dirty="0"/>
-                            <a:t>0</a:t>
+                            <a:t>1</a:t>
                           </a:r>
                         </a:p>
                       </a:txBody>
@@ -29694,7 +29698,7 @@
                         <a:p>
                           <a:r>
                             <a:rPr lang="en-US" dirty="0"/>
-                            <a:t>1 </a:t>
+                            <a:t>0 </a:t>
                           </a:r>
                         </a:p>
                       </a:txBody>
@@ -29707,7 +29711,7 @@
                         <a:p>
                           <a:r>
                             <a:rPr lang="en-US" dirty="0"/>
-                            <a:t>0</a:t>
+                            <a:t>1</a:t>
                           </a:r>
                         </a:p>
                       </a:txBody>
@@ -29771,7 +29775,7 @@
             </a:graphic>
           </p:graphicFrame>
         </mc:Choice>
-        <mc:Fallback xmlns="">
+        <mc:Fallback>
           <p:graphicFrame>
             <p:nvGraphicFramePr>
               <p:cNvPr id="5" name="Table 4"/>
@@ -29781,7 +29785,7 @@
               <p:nvPr>
                 <p:extLst>
                   <p:ext uri="{D42A27DB-BD31-4B8C-83A1-F6EECF244321}">
-                    <p14:modId xmlns:p14="http://schemas.microsoft.com/office/powerpoint/2010/main" val="1006865909"/>
+                    <p14:modId xmlns:p14="http://schemas.microsoft.com/office/powerpoint/2010/main" val="2122118929"/>
                   </p:ext>
                 </p:extLst>
               </p:nvPr>
@@ -29918,7 +29922,7 @@
                         <a:p>
                           <a:r>
                             <a:rPr lang="en-US" dirty="0"/>
-                            <a:t>0</a:t>
+                            <a:t>1</a:t>
                           </a:r>
                         </a:p>
                       </a:txBody>
@@ -29977,7 +29981,7 @@
                         <a:p>
                           <a:r>
                             <a:rPr lang="en-US" dirty="0"/>
-                            <a:t>1</a:t>
+                            <a:t>0</a:t>
                           </a:r>
                         </a:p>
                       </a:txBody>
@@ -29990,7 +29994,7 @@
                         <a:p>
                           <a:r>
                             <a:rPr lang="en-US" dirty="0"/>
-                            <a:t>0</a:t>
+                            <a:t>1</a:t>
                           </a:r>
                         </a:p>
                       </a:txBody>
@@ -30049,7 +30053,7 @@
                         <a:p>
                           <a:r>
                             <a:rPr lang="en-US" dirty="0"/>
-                            <a:t>1 </a:t>
+                            <a:t>0 </a:t>
                           </a:r>
                         </a:p>
                       </a:txBody>
@@ -30062,7 +30066,7 @@
                         <a:p>
                           <a:r>
                             <a:rPr lang="en-US" dirty="0"/>
-                            <a:t>0</a:t>
+                            <a:t>1</a:t>
                           </a:r>
                         </a:p>
                       </a:txBody>
@@ -31074,8 +31078,8 @@
           </a:p>
         </p:txBody>
       </p:sp>
-      <mc:AlternateContent xmlns:mc="http://schemas.openxmlformats.org/markup-compatibility/2006">
-        <mc:Choice xmlns:a14="http://schemas.microsoft.com/office/drawing/2010/main" Requires="a14">
+      <mc:AlternateContent xmlns:mc="http://schemas.openxmlformats.org/markup-compatibility/2006" xmlns:a14="http://schemas.microsoft.com/office/drawing/2010/main">
+        <mc:Choice Requires="a14">
           <p:sp>
             <p:nvSpPr>
               <p:cNvPr id="3" name="Content Placeholder 2"/>
@@ -31667,7 +31671,7 @@
             </p:txBody>
           </p:sp>
         </mc:Choice>
-        <mc:Fallback>
+        <mc:Fallback xmlns="">
           <p:sp>
             <p:nvSpPr>
               <p:cNvPr id="3" name="Content Placeholder 2"/>

--- a/lectures/Lect03_MultLinRegression.pptx
+++ b/lectures/Lect03_MultLinRegression.pptx
@@ -5,7 +5,7 @@
     <p:sldMasterId id="2147483648" r:id="rId1"/>
   </p:sldMasterIdLst>
   <p:notesMasterIdLst>
-    <p:notesMasterId r:id="rId45"/>
+    <p:notesMasterId r:id="rId43"/>
   </p:notesMasterIdLst>
   <p:sldIdLst>
     <p:sldId id="258" r:id="rId2"/>
@@ -23,16 +23,16 @@
     <p:sldId id="313" r:id="rId14"/>
     <p:sldId id="314" r:id="rId15"/>
     <p:sldId id="324" r:id="rId16"/>
-    <p:sldId id="345" r:id="rId17"/>
-    <p:sldId id="347" r:id="rId18"/>
-    <p:sldId id="346" r:id="rId19"/>
-    <p:sldId id="315" r:id="rId20"/>
-    <p:sldId id="316" r:id="rId21"/>
-    <p:sldId id="317" r:id="rId22"/>
-    <p:sldId id="319" r:id="rId23"/>
-    <p:sldId id="352" r:id="rId24"/>
-    <p:sldId id="355" r:id="rId25"/>
-    <p:sldId id="356" r:id="rId26"/>
+    <p:sldId id="359" r:id="rId17"/>
+    <p:sldId id="345" r:id="rId18"/>
+    <p:sldId id="347" r:id="rId19"/>
+    <p:sldId id="346" r:id="rId20"/>
+    <p:sldId id="315" r:id="rId21"/>
+    <p:sldId id="316" r:id="rId22"/>
+    <p:sldId id="317" r:id="rId23"/>
+    <p:sldId id="319" r:id="rId24"/>
+    <p:sldId id="352" r:id="rId25"/>
+    <p:sldId id="355" r:id="rId26"/>
     <p:sldId id="321" r:id="rId27"/>
     <p:sldId id="348" r:id="rId28"/>
     <p:sldId id="325" r:id="rId29"/>
@@ -44,13 +44,11 @@
     <p:sldId id="341" r:id="rId35"/>
     <p:sldId id="351" r:id="rId36"/>
     <p:sldId id="337" r:id="rId37"/>
-    <p:sldId id="357" r:id="rId38"/>
-    <p:sldId id="327" r:id="rId39"/>
-    <p:sldId id="328" r:id="rId40"/>
-    <p:sldId id="329" r:id="rId41"/>
-    <p:sldId id="330" r:id="rId42"/>
-    <p:sldId id="331" r:id="rId43"/>
-    <p:sldId id="358" r:id="rId44"/>
+    <p:sldId id="327" r:id="rId38"/>
+    <p:sldId id="328" r:id="rId39"/>
+    <p:sldId id="329" r:id="rId40"/>
+    <p:sldId id="330" r:id="rId41"/>
+    <p:sldId id="331" r:id="rId42"/>
   </p:sldIdLst>
   <p:sldSz cx="12192000" cy="6858000"/>
   <p:notesSz cx="7315200" cy="9601200"/>
@@ -250,7 +248,7 @@
           <a:p>
             <a:fld id="{B7D6DDD3-D7E9-488B-B626-1E8285E424D8}" type="datetimeFigureOut">
               <a:rPr lang="en-US" smtClean="0"/>
-              <a:t>1/29/18</a:t>
+              <a:t>9/9/2018</a:t>
             </a:fld>
             <a:endParaRPr lang="en-US"/>
           </a:p>
@@ -4358,8 +4356,8 @@
           </a:p>
         </p:txBody>
       </p:sp>
-      <mc:AlternateContent xmlns:mc="http://schemas.openxmlformats.org/markup-compatibility/2006" xmlns:a14="http://schemas.microsoft.com/office/drawing/2010/main">
-        <mc:Choice Requires="a14">
+      <mc:AlternateContent xmlns:mc="http://schemas.openxmlformats.org/markup-compatibility/2006">
+        <mc:Choice xmlns:a14="http://schemas.microsoft.com/office/drawing/2010/main" Requires="a14">
           <p:sp>
             <p:nvSpPr>
               <p:cNvPr id="3" name="Content Placeholder 2"/>
@@ -4396,31 +4394,12 @@
                 </a:r>
                 <a14:m>
                   <m:oMath xmlns:m="http://schemas.openxmlformats.org/officeDocument/2006/math">
-                    <m:sSup>
-                      <m:sSupPr>
-                        <m:ctrlPr>
-                          <a:rPr lang="en-US" b="1" i="1" smtClean="0">
-                            <a:latin typeface="Cambria Math" panose="02040503050406030204" pitchFamily="18" charset="0"/>
-                          </a:rPr>
-                        </m:ctrlPr>
-                      </m:sSupPr>
-                      <m:e>
-                        <m:r>
-                          <a:rPr lang="en-US" b="1" i="1">
-                            <a:latin typeface="Cambria Math" panose="02040503050406030204" pitchFamily="18" charset="0"/>
-                          </a:rPr>
-                          <m:t>𝒙</m:t>
-                        </m:r>
-                      </m:e>
-                      <m:sup>
-                        <m:r>
-                          <a:rPr lang="en-US" b="1" i="1" smtClean="0">
-                            <a:latin typeface="Cambria Math" panose="02040503050406030204" pitchFamily="18" charset="0"/>
-                          </a:rPr>
-                          <m:t>𝑻</m:t>
-                        </m:r>
-                      </m:sup>
-                    </m:sSup>
+                    <m:r>
+                      <a:rPr lang="en-US" b="1" i="1" smtClean="0">
+                        <a:latin typeface="Cambria Math" panose="02040503050406030204" pitchFamily="18" charset="0"/>
+                      </a:rPr>
+                      <m:t>𝒙</m:t>
+                    </m:r>
                     <m:r>
                       <a:rPr lang="en-US" i="1">
                         <a:latin typeface="Cambria Math" panose="02040503050406030204" pitchFamily="18" charset="0"/>
@@ -4904,50 +4883,31 @@
                 </a:r>
                 <a14:m>
                   <m:oMath xmlns:m="http://schemas.openxmlformats.org/officeDocument/2006/math">
-                    <m:sSup>
-                      <m:sSupPr>
+                    <m:sSub>
+                      <m:sSubPr>
                         <m:ctrlPr>
-                          <a:rPr lang="en-US" b="1" i="1">
+                          <a:rPr lang="en-US" b="1" i="1" smtClean="0">
                             <a:latin typeface="Cambria Math" panose="02040503050406030204" pitchFamily="18" charset="0"/>
                           </a:rPr>
                         </m:ctrlPr>
-                      </m:sSupPr>
+                      </m:sSubPr>
                       <m:e>
-                        <m:sSub>
-                          <m:sSubPr>
-                            <m:ctrlPr>
-                              <a:rPr lang="en-US" i="1">
-                                <a:latin typeface="Cambria Math" panose="02040503050406030204" pitchFamily="18" charset="0"/>
-                              </a:rPr>
-                            </m:ctrlPr>
-                          </m:sSubPr>
-                          <m:e>
-                            <m:r>
-                              <a:rPr lang="en-US" b="1" i="1">
-                                <a:latin typeface="Cambria Math" panose="02040503050406030204" pitchFamily="18" charset="0"/>
-                              </a:rPr>
-                              <m:t>𝒙</m:t>
-                            </m:r>
-                          </m:e>
-                          <m:sub>
-                            <m:r>
-                              <a:rPr lang="en-US" i="1">
-                                <a:latin typeface="Cambria Math" panose="02040503050406030204" pitchFamily="18" charset="0"/>
-                              </a:rPr>
-                              <m:t>𝑖</m:t>
-                            </m:r>
-                          </m:sub>
-                        </m:sSub>
+                        <m:r>
+                          <a:rPr lang="en-US" b="1" i="1" smtClean="0">
+                            <a:latin typeface="Cambria Math" panose="02040503050406030204" pitchFamily="18" charset="0"/>
+                          </a:rPr>
+                          <m:t>𝒙</m:t>
+                        </m:r>
                       </m:e>
-                      <m:sup>
-                        <m:r>
-                          <a:rPr lang="en-US" b="1" i="1">
-                            <a:latin typeface="Cambria Math" panose="02040503050406030204" pitchFamily="18" charset="0"/>
-                          </a:rPr>
-                          <m:t>𝑻</m:t>
-                        </m:r>
-                      </m:sup>
-                    </m:sSup>
+                      <m:sub>
+                        <m:r>
+                          <a:rPr lang="en-US" b="0" i="1" smtClean="0">
+                            <a:latin typeface="Cambria Math" panose="02040503050406030204" pitchFamily="18" charset="0"/>
+                          </a:rPr>
+                          <m:t>𝑖</m:t>
+                        </m:r>
+                      </m:sub>
+                    </m:sSub>
                     <m:r>
                       <a:rPr lang="en-US" b="0" i="1" smtClean="0">
                         <a:latin typeface="Cambria Math" panose="02040503050406030204" pitchFamily="18" charset="0"/>
@@ -5060,14 +5020,24 @@
                 <a:endParaRPr lang="en-US" dirty="0"/>
               </a:p>
               <a:p>
-                <a:pPr lvl="1"/>
                 <a:r>
                   <a:rPr lang="en-US" dirty="0">
                     <a:solidFill>
-                      <a:srgbClr val="FF0000"/>
+                      <a:schemeClr val="accent1">
+                        <a:lumMod val="60000"/>
+                        <a:lumOff val="40000"/>
+                      </a:schemeClr>
                     </a:solidFill>
                   </a:rPr>
-                  <a:t>How to learn the best coefficients </a:t>
+                  <a:t>Problem</a:t>
+                </a:r>
+                <a:r>
+                  <a:rPr lang="en-US" dirty="0">
+                    <a:solidFill>
+                      <a:schemeClr val="tx1"/>
+                    </a:solidFill>
+                  </a:rPr>
+                  <a:t>:  Learn the best coefficients </a:t>
                 </a:r>
                 <a14:m>
                   <m:oMath xmlns:m="http://schemas.openxmlformats.org/officeDocument/2006/math">
@@ -5076,7 +5046,7 @@
                         <m:ctrlPr>
                           <a:rPr lang="en-US" i="1">
                             <a:solidFill>
-                              <a:srgbClr val="FF0000"/>
+                              <a:schemeClr val="tx1"/>
                             </a:solidFill>
                             <a:latin typeface="Cambria Math" panose="02040503050406030204" pitchFamily="18" charset="0"/>
                           </a:rPr>
@@ -5088,51 +5058,26 @@
                             <m:ctrlPr>
                               <a:rPr lang="en-US" i="1" smtClean="0">
                                 <a:solidFill>
-                                  <a:srgbClr val="FF0000"/>
+                                  <a:schemeClr val="tx1"/>
                                 </a:solidFill>
                                 <a:latin typeface="Cambria Math" panose="02040503050406030204" pitchFamily="18" charset="0"/>
                               </a:rPr>
                             </m:ctrlPr>
                           </m:sSubPr>
                           <m:e>
-                            <m:sSup>
-                              <m:sSupPr>
-                                <m:ctrlPr>
-                                  <a:rPr lang="en-US" i="1" smtClean="0">
-                                    <a:solidFill>
-                                      <a:srgbClr val="FF0000"/>
-                                    </a:solidFill>
-                                    <a:latin typeface="Cambria Math" panose="02040503050406030204" pitchFamily="18" charset="0"/>
-                                  </a:rPr>
-                                </m:ctrlPr>
-                              </m:sSupPr>
-                              <m:e>
-                                <m:r>
-                                  <a:rPr lang="en-US" b="1" i="1">
-                                    <a:solidFill>
-                                      <a:srgbClr val="FF0000"/>
-                                    </a:solidFill>
-                                    <a:latin typeface="Cambria Math" panose="02040503050406030204" pitchFamily="18" charset="0"/>
-                                  </a:rPr>
-                                  <m:t>𝜷</m:t>
-                                </m:r>
-                              </m:e>
-                              <m:sup>
-                                <m:r>
-                                  <a:rPr lang="en-US" b="0" i="1" smtClean="0">
-                                    <a:solidFill>
-                                      <a:srgbClr val="FF0000"/>
-                                    </a:solidFill>
-                                    <a:latin typeface="Cambria Math" panose="02040503050406030204" pitchFamily="18" charset="0"/>
-                                  </a:rPr>
-                                  <m:t>𝑇</m:t>
-                                </m:r>
-                              </m:sup>
-                            </m:sSup>
+                            <m:r>
+                              <a:rPr lang="en-US" b="1" i="1" smtClean="0">
+                                <a:solidFill>
+                                  <a:schemeClr val="tx1"/>
+                                </a:solidFill>
+                                <a:latin typeface="Cambria Math" panose="02040503050406030204" pitchFamily="18" charset="0"/>
+                              </a:rPr>
+                              <m:t>𝜷</m:t>
+                            </m:r>
                             <m:r>
                               <a:rPr lang="en-US" i="1">
                                 <a:solidFill>
-                                  <a:srgbClr val="FF0000"/>
+                                  <a:schemeClr val="tx1"/>
                                 </a:solidFill>
                                 <a:latin typeface="Cambria Math" panose="02040503050406030204" pitchFamily="18" charset="0"/>
                               </a:rPr>
@@ -5141,7 +5086,7 @@
                             <m:r>
                               <a:rPr lang="en-US" i="1">
                                 <a:solidFill>
-                                  <a:srgbClr val="FF0000"/>
+                                  <a:schemeClr val="tx1"/>
                                 </a:solidFill>
                                 <a:latin typeface="Cambria Math" panose="02040503050406030204" pitchFamily="18" charset="0"/>
                               </a:rPr>
@@ -5152,7 +5097,7 @@
                             <m:r>
                               <a:rPr lang="en-US" i="1">
                                 <a:solidFill>
-                                  <a:srgbClr val="FF0000"/>
+                                  <a:schemeClr val="tx1"/>
                                 </a:solidFill>
                                 <a:latin typeface="Cambria Math" panose="02040503050406030204" pitchFamily="18" charset="0"/>
                               </a:rPr>
@@ -5163,7 +5108,7 @@
                         <m:r>
                           <a:rPr lang="en-US" b="0" i="1" smtClean="0">
                             <a:solidFill>
-                              <a:srgbClr val="FF0000"/>
+                              <a:schemeClr val="tx1"/>
                             </a:solidFill>
                             <a:latin typeface="Cambria Math" panose="02040503050406030204" pitchFamily="18" charset="0"/>
                           </a:rPr>
@@ -5172,7 +5117,7 @@
                         <m:r>
                           <a:rPr lang="en-US" i="1">
                             <a:solidFill>
-                              <a:srgbClr val="FF0000"/>
+                              <a:schemeClr val="tx1"/>
                             </a:solidFill>
                             <a:latin typeface="Cambria Math" panose="02040503050406030204" pitchFamily="18" charset="0"/>
                           </a:rPr>
@@ -5183,7 +5128,7 @@
                         <m:r>
                           <a:rPr lang="en-US" i="1">
                             <a:solidFill>
-                              <a:srgbClr val="FF0000"/>
+                              <a:schemeClr val="tx1"/>
                             </a:solidFill>
                             <a:latin typeface="Cambria Math" panose="02040503050406030204" pitchFamily="18" charset="0"/>
                           </a:rPr>
@@ -5194,7 +5139,7 @@
                     <m:r>
                       <a:rPr lang="en-US" b="0" i="1" smtClean="0">
                         <a:solidFill>
-                          <a:srgbClr val="FF0000"/>
+                          <a:schemeClr val="tx1"/>
                         </a:solidFill>
                         <a:latin typeface="Cambria Math" panose="02040503050406030204" pitchFamily="18" charset="0"/>
                       </a:rPr>
@@ -5205,7 +5150,7 @@
                         <m:ctrlPr>
                           <a:rPr lang="en-US" i="1">
                             <a:solidFill>
-                              <a:srgbClr val="FF0000"/>
+                              <a:schemeClr val="tx1"/>
                             </a:solidFill>
                             <a:latin typeface="Cambria Math" panose="02040503050406030204" pitchFamily="18" charset="0"/>
                           </a:rPr>
@@ -5215,7 +5160,7 @@
                         <m:r>
                           <a:rPr lang="en-US" i="1">
                             <a:solidFill>
-                              <a:srgbClr val="FF0000"/>
+                              <a:schemeClr val="tx1"/>
                             </a:solidFill>
                             <a:latin typeface="Cambria Math" panose="02040503050406030204" pitchFamily="18" charset="0"/>
                           </a:rPr>
@@ -5226,7 +5171,7 @@
                         <m:r>
                           <a:rPr lang="en-US" i="1">
                             <a:solidFill>
-                              <a:srgbClr val="FF0000"/>
+                              <a:schemeClr val="tx1"/>
                             </a:solidFill>
                             <a:latin typeface="Cambria Math" panose="02040503050406030204" pitchFamily="18" charset="0"/>
                           </a:rPr>
@@ -5237,7 +5182,7 @@
                     <m:r>
                       <a:rPr lang="en-US" b="0" i="1" smtClean="0">
                         <a:solidFill>
-                          <a:srgbClr val="FF0000"/>
+                          <a:schemeClr val="tx1"/>
                         </a:solidFill>
                         <a:latin typeface="Cambria Math" panose="02040503050406030204" pitchFamily="18" charset="0"/>
                       </a:rPr>
@@ -5248,10 +5193,10 @@
                 <a:r>
                   <a:rPr lang="en-US" dirty="0">
                     <a:solidFill>
-                      <a:srgbClr val="FF0000"/>
+                      <a:schemeClr val="tx1"/>
                     </a:solidFill>
                   </a:rPr>
-                  <a:t> from the training data?</a:t>
+                  <a:t> from the training data</a:t>
                 </a:r>
               </a:p>
               <a:p>
@@ -5260,7 +5205,7 @@
             </p:txBody>
           </p:sp>
         </mc:Choice>
-        <mc:Fallback xmlns="">
+        <mc:Fallback>
           <p:sp>
             <p:nvSpPr>
               <p:cNvPr id="3" name="Content Placeholder 2"/>
@@ -5275,7 +5220,7 @@
               <a:blipFill>
                 <a:blip r:embed="rId2"/>
                 <a:stretch>
-                  <a:fillRect l="-1261" t="-1170"/>
+                  <a:fillRect l="-1455" t="-1549"/>
                 </a:stretch>
               </a:blipFill>
             </p:spPr>
@@ -6782,8 +6727,8 @@
           </a:p>
         </p:txBody>
       </p:sp>
-      <mc:AlternateContent xmlns:mc="http://schemas.openxmlformats.org/markup-compatibility/2006" xmlns:a14="http://schemas.microsoft.com/office/drawing/2010/main">
-        <mc:Choice Requires="a14">
+      <mc:AlternateContent xmlns:mc="http://schemas.openxmlformats.org/markup-compatibility/2006">
+        <mc:Choice xmlns:a14="http://schemas.microsoft.com/office/drawing/2010/main" Requires="a14">
           <p:sp>
             <p:nvSpPr>
               <p:cNvPr id="3" name="Content Placeholder 2"/>
@@ -7043,7 +6988,10 @@
                 <a:r>
                   <a:rPr lang="en-US" dirty="0">
                     <a:solidFill>
-                      <a:srgbClr val="FF0000"/>
+                      <a:schemeClr val="accent1">
+                        <a:lumMod val="60000"/>
+                        <a:lumOff val="40000"/>
+                      </a:schemeClr>
                     </a:solidFill>
                   </a:rPr>
                   <a:t>regression vector</a:t>
@@ -7676,7 +7624,13 @@
                           <a:rPr lang="en-US" b="0" i="1" smtClean="0">
                             <a:latin typeface="Cambria Math" panose="02040503050406030204" pitchFamily="18" charset="0"/>
                           </a:rPr>
-                          <m:t>[1  </m:t>
+                          <m:t>[1</m:t>
+                        </m:r>
+                        <m:r>
+                          <a:rPr lang="en-US" b="1" i="1" smtClean="0">
+                            <a:latin typeface="Cambria Math" panose="02040503050406030204" pitchFamily="18" charset="0"/>
+                          </a:rPr>
+                          <m:t>, </m:t>
                         </m:r>
                         <m:r>
                           <a:rPr lang="en-US" b="1" i="1">
@@ -7716,7 +7670,7 @@
             </p:txBody>
           </p:sp>
         </mc:Choice>
-        <mc:Fallback xmlns="">
+        <mc:Fallback>
           <p:sp>
             <p:nvSpPr>
               <p:cNvPr id="3" name="Content Placeholder 2"/>
@@ -7731,7 +7685,7 @@
               <a:blipFill>
                 <a:blip r:embed="rId2"/>
                 <a:stretch>
-                  <a:fillRect l="-1261" t="-1462"/>
+                  <a:fillRect l="-1455" t="-1549"/>
                 </a:stretch>
               </a:blipFill>
             </p:spPr>
@@ -7962,8 +7916,8 @@
           </a:p>
         </p:txBody>
       </p:sp>
-      <mc:AlternateContent xmlns:mc="http://schemas.openxmlformats.org/markup-compatibility/2006" xmlns:a14="http://schemas.microsoft.com/office/drawing/2010/main">
-        <mc:Choice Requires="a14">
+      <mc:AlternateContent xmlns:mc="http://schemas.openxmlformats.org/markup-compatibility/2006">
+        <mc:Choice xmlns:a14="http://schemas.microsoft.com/office/drawing/2010/main" Requires="a14">
           <p:sp>
             <p:nvSpPr>
               <p:cNvPr id="3" name="Content Placeholder 2"/>
@@ -8156,45 +8110,179 @@
                 <a:endParaRPr lang="en-US" dirty="0"/>
               </a:p>
               <a:p>
+                <a:r>
+                  <a:rPr lang="en-US" dirty="0"/>
+                  <a:t>Sometimes use notation:  </a:t>
+                </a:r>
+                <a14:m>
+                  <m:oMath xmlns:m="http://schemas.openxmlformats.org/officeDocument/2006/math">
+                    <m:acc>
+                      <m:accPr>
+                        <m:chr m:val="̂"/>
+                        <m:ctrlPr>
+                          <a:rPr lang="en-US" i="1">
+                            <a:latin typeface="Cambria Math" panose="02040503050406030204" pitchFamily="18" charset="0"/>
+                          </a:rPr>
+                        </m:ctrlPr>
+                      </m:accPr>
+                      <m:e>
+                        <m:r>
+                          <a:rPr lang="en-US" i="1">
+                            <a:latin typeface="Cambria Math" panose="02040503050406030204" pitchFamily="18" charset="0"/>
+                          </a:rPr>
+                          <m:t>𝑦</m:t>
+                        </m:r>
+                      </m:e>
+                    </m:acc>
+                    <m:r>
+                      <a:rPr lang="en-US" i="1">
+                        <a:latin typeface="Cambria Math" panose="02040503050406030204" pitchFamily="18" charset="0"/>
+                      </a:rPr>
+                      <m:t>=</m:t>
+                    </m:r>
+                    <m:r>
+                      <a:rPr lang="en-US" b="0" i="1" smtClean="0">
+                        <a:latin typeface="Cambria Math" panose="02040503050406030204" pitchFamily="18" charset="0"/>
+                      </a:rPr>
+                      <m:t>𝑏</m:t>
+                    </m:r>
+                    <m:r>
+                      <a:rPr lang="en-US" i="1">
+                        <a:latin typeface="Cambria Math" panose="02040503050406030204" pitchFamily="18" charset="0"/>
+                      </a:rPr>
+                      <m:t>+</m:t>
+                    </m:r>
+                    <m:sSub>
+                      <m:sSubPr>
+                        <m:ctrlPr>
+                          <a:rPr lang="en-US" i="1">
+                            <a:latin typeface="Cambria Math" panose="02040503050406030204" pitchFamily="18" charset="0"/>
+                          </a:rPr>
+                        </m:ctrlPr>
+                      </m:sSubPr>
+                      <m:e>
+                        <m:r>
+                          <a:rPr lang="en-US" b="0" i="1" smtClean="0">
+                            <a:latin typeface="Cambria Math" panose="02040503050406030204" pitchFamily="18" charset="0"/>
+                          </a:rPr>
+                          <m:t>𝑤</m:t>
+                        </m:r>
+                      </m:e>
+                      <m:sub>
+                        <m:r>
+                          <a:rPr lang="en-US" i="1">
+                            <a:latin typeface="Cambria Math" panose="02040503050406030204" pitchFamily="18" charset="0"/>
+                          </a:rPr>
+                          <m:t>1</m:t>
+                        </m:r>
+                      </m:sub>
+                    </m:sSub>
+                    <m:sSub>
+                      <m:sSubPr>
+                        <m:ctrlPr>
+                          <a:rPr lang="en-US" i="1">
+                            <a:latin typeface="Cambria Math" panose="02040503050406030204" pitchFamily="18" charset="0"/>
+                          </a:rPr>
+                        </m:ctrlPr>
+                      </m:sSubPr>
+                      <m:e>
+                        <m:r>
+                          <a:rPr lang="en-US" i="1">
+                            <a:latin typeface="Cambria Math" panose="02040503050406030204" pitchFamily="18" charset="0"/>
+                          </a:rPr>
+                          <m:t>𝑥</m:t>
+                        </m:r>
+                      </m:e>
+                      <m:sub>
+                        <m:r>
+                          <a:rPr lang="en-US" i="1">
+                            <a:latin typeface="Cambria Math" panose="02040503050406030204" pitchFamily="18" charset="0"/>
+                          </a:rPr>
+                          <m:t>1</m:t>
+                        </m:r>
+                      </m:sub>
+                    </m:sSub>
+                    <m:r>
+                      <a:rPr lang="en-US" i="1">
+                        <a:latin typeface="Cambria Math" panose="02040503050406030204" pitchFamily="18" charset="0"/>
+                      </a:rPr>
+                      <m:t>+⋯+</m:t>
+                    </m:r>
+                    <m:sSub>
+                      <m:sSubPr>
+                        <m:ctrlPr>
+                          <a:rPr lang="en-US" i="1">
+                            <a:latin typeface="Cambria Math" panose="02040503050406030204" pitchFamily="18" charset="0"/>
+                          </a:rPr>
+                        </m:ctrlPr>
+                      </m:sSubPr>
+                      <m:e>
+                        <m:r>
+                          <a:rPr lang="en-US" b="0" i="1" smtClean="0">
+                            <a:latin typeface="Cambria Math" panose="02040503050406030204" pitchFamily="18" charset="0"/>
+                          </a:rPr>
+                          <m:t>𝑤</m:t>
+                        </m:r>
+                      </m:e>
+                      <m:sub>
+                        <m:r>
+                          <a:rPr lang="en-US" i="1">
+                            <a:latin typeface="Cambria Math" panose="02040503050406030204" pitchFamily="18" charset="0"/>
+                          </a:rPr>
+                          <m:t>𝑘</m:t>
+                        </m:r>
+                      </m:sub>
+                    </m:sSub>
+                    <m:sSub>
+                      <m:sSubPr>
+                        <m:ctrlPr>
+                          <a:rPr lang="en-US" i="1">
+                            <a:latin typeface="Cambria Math" panose="02040503050406030204" pitchFamily="18" charset="0"/>
+                          </a:rPr>
+                        </m:ctrlPr>
+                      </m:sSubPr>
+                      <m:e>
+                        <m:r>
+                          <a:rPr lang="en-US" i="1">
+                            <a:latin typeface="Cambria Math" panose="02040503050406030204" pitchFamily="18" charset="0"/>
+                          </a:rPr>
+                          <m:t>𝑥</m:t>
+                        </m:r>
+                      </m:e>
+                      <m:sub>
+                        <m:r>
+                          <a:rPr lang="en-US" i="1">
+                            <a:latin typeface="Cambria Math" panose="02040503050406030204" pitchFamily="18" charset="0"/>
+                          </a:rPr>
+                          <m:t>𝑘</m:t>
+                        </m:r>
+                      </m:sub>
+                    </m:sSub>
+                  </m:oMath>
+                </a14:m>
                 <a:endParaRPr lang="en-US" dirty="0"/>
               </a:p>
               <a:p>
                 <a:r>
                   <a:rPr lang="en-US" dirty="0"/>
-                  <a:t>Divide coefficients into two parts: </a:t>
-                </a:r>
+                  <a:t>Components have two components:</a:t>
+                </a:r>
+              </a:p>
+              <a:p>
+                <a:pPr lvl="1"/>
                 <a14:m>
                   <m:oMath xmlns:m="http://schemas.openxmlformats.org/officeDocument/2006/math">
-                    <m:sSup>
-                      <m:sSupPr>
-                        <m:ctrlPr>
-                          <a:rPr lang="en-US" b="1" i="1" smtClean="0">
-                            <a:latin typeface="Cambria Math" panose="02040503050406030204" pitchFamily="18" charset="0"/>
-                          </a:rPr>
-                        </m:ctrlPr>
-                      </m:sSupPr>
-                      <m:e>
-                        <m:r>
-                          <a:rPr lang="en-US" b="1" i="1">
-                            <a:latin typeface="Cambria Math" panose="02040503050406030204" pitchFamily="18" charset="0"/>
-                          </a:rPr>
-                          <m:t>𝜷</m:t>
-                        </m:r>
-                      </m:e>
-                      <m:sup>
-                        <m:r>
-                          <a:rPr lang="en-US" b="1" i="1" smtClean="0">
-                            <a:latin typeface="Cambria Math" panose="02040503050406030204" pitchFamily="18" charset="0"/>
-                          </a:rPr>
-                          <m:t>𝑻</m:t>
-                        </m:r>
-                      </m:sup>
-                    </m:sSup>
                     <m:r>
                       <a:rPr lang="en-US" b="0" i="1" smtClean="0">
                         <a:latin typeface="Cambria Math" panose="02040503050406030204" pitchFamily="18" charset="0"/>
                       </a:rPr>
-                      <m:t>=[</m:t>
+                      <m:t>𝑏</m:t>
+                    </m:r>
+                    <m:r>
+                      <a:rPr lang="en-US" b="0" i="1" smtClean="0">
+                        <a:latin typeface="Cambria Math" panose="02040503050406030204" pitchFamily="18" charset="0"/>
+                      </a:rPr>
+                      <m:t>=</m:t>
                     </m:r>
                     <m:sSub>
                       <m:sSubPr>
@@ -8221,278 +8309,517 @@
                         </m:r>
                       </m:sub>
                     </m:sSub>
+                  </m:oMath>
+                </a14:m>
+                <a:r>
+                  <a:rPr lang="en-US" dirty="0"/>
+                  <a:t> : </a:t>
+                </a:r>
+                <a:r>
+                  <a:rPr lang="en-US" dirty="0">
+                    <a:solidFill>
+                      <a:schemeClr val="accent1">
+                        <a:lumMod val="60000"/>
+                        <a:lumOff val="40000"/>
+                      </a:schemeClr>
+                    </a:solidFill>
+                  </a:rPr>
+                  <a:t>Bias</a:t>
+                </a:r>
+                <a:r>
+                  <a:rPr lang="en-US" dirty="0"/>
+                  <a:t> or </a:t>
+                </a:r>
+                <a:r>
+                  <a:rPr lang="en-US" dirty="0">
+                    <a:solidFill>
+                      <a:schemeClr val="accent1">
+                        <a:lumMod val="60000"/>
+                        <a:lumOff val="40000"/>
+                      </a:schemeClr>
+                    </a:solidFill>
+                  </a:rPr>
+                  <a:t>intercept</a:t>
+                </a:r>
+                <a:r>
+                  <a:rPr lang="en-US" dirty="0"/>
+                  <a:t> </a:t>
+                </a:r>
+              </a:p>
+              <a:p>
+                <a:pPr lvl="1"/>
+                <a14:m>
+                  <m:oMath xmlns:m="http://schemas.openxmlformats.org/officeDocument/2006/math">
+                    <m:r>
+                      <a:rPr lang="en-US" b="1" i="1" smtClean="0">
+                        <a:latin typeface="Cambria Math" panose="02040503050406030204" pitchFamily="18" charset="0"/>
+                      </a:rPr>
+                      <m:t>𝒘</m:t>
+                    </m:r>
+                    <m:r>
+                      <a:rPr lang="en-US" b="1" i="1" smtClean="0">
+                        <a:latin typeface="Cambria Math" panose="02040503050406030204" pitchFamily="18" charset="0"/>
+                      </a:rPr>
+                      <m:t>=</m:t>
+                    </m:r>
+                    <m:sSub>
+                      <m:sSubPr>
+                        <m:ctrlPr>
+                          <a:rPr lang="en-US" i="1">
+                            <a:latin typeface="Cambria Math" panose="02040503050406030204" pitchFamily="18" charset="0"/>
+                          </a:rPr>
+                        </m:ctrlPr>
+                      </m:sSubPr>
+                      <m:e>
+                        <m:r>
+                          <a:rPr lang="en-US" b="1" i="1">
+                            <a:latin typeface="Cambria Math" panose="02040503050406030204" pitchFamily="18" charset="0"/>
+                          </a:rPr>
+                          <m:t>𝜷</m:t>
+                        </m:r>
+                      </m:e>
+                      <m:sub>
+                        <m:r>
+                          <a:rPr lang="en-US" i="1">
+                            <a:latin typeface="Cambria Math" panose="02040503050406030204" pitchFamily="18" charset="0"/>
+                          </a:rPr>
+                          <m:t>1:</m:t>
+                        </m:r>
+                        <m:r>
+                          <a:rPr lang="en-US" i="1">
+                            <a:latin typeface="Cambria Math" panose="02040503050406030204" pitchFamily="18" charset="0"/>
+                          </a:rPr>
+                          <m:t>𝑘</m:t>
+                        </m:r>
+                      </m:sub>
+                    </m:sSub>
+                    <m:r>
+                      <a:rPr lang="en-US" b="0" i="0" smtClean="0">
+                        <a:latin typeface="Cambria Math" panose="02040503050406030204" pitchFamily="18" charset="0"/>
+                      </a:rPr>
+                      <m:t>=</m:t>
+                    </m:r>
                     <m:r>
                       <a:rPr lang="en-US" b="0" i="1" smtClean="0">
                         <a:latin typeface="Cambria Math" panose="02040503050406030204" pitchFamily="18" charset="0"/>
                       </a:rPr>
-                      <m:t>,</m:t>
-                    </m:r>
-                    <m:sSup>
-                      <m:sSupPr>
+                      <m:t>[</m:t>
+                    </m:r>
+                    <m:sSub>
+                      <m:sSubPr>
                         <m:ctrlPr>
-                          <a:rPr lang="en-US" i="1">
+                          <a:rPr lang="en-US" b="0" i="1" smtClean="0">
                             <a:latin typeface="Cambria Math" panose="02040503050406030204" pitchFamily="18" charset="0"/>
                           </a:rPr>
                         </m:ctrlPr>
-                      </m:sSupPr>
+                      </m:sSubPr>
+                      <m:e>
+                        <m:r>
+                          <a:rPr lang="en-US" b="0" i="1" smtClean="0">
+                            <a:latin typeface="Cambria Math" panose="02040503050406030204" pitchFamily="18" charset="0"/>
+                          </a:rPr>
+                          <m:t>𝛽</m:t>
+                        </m:r>
+                      </m:e>
+                      <m:sub>
+                        <m:r>
+                          <a:rPr lang="en-US" b="0" i="1" smtClean="0">
+                            <a:latin typeface="Cambria Math" panose="02040503050406030204" pitchFamily="18" charset="0"/>
+                          </a:rPr>
+                          <m:t>1</m:t>
+                        </m:r>
+                      </m:sub>
+                    </m:sSub>
+                    <m:r>
+                      <a:rPr lang="en-US" b="0" i="1" smtClean="0">
+                        <a:latin typeface="Cambria Math" panose="02040503050406030204" pitchFamily="18" charset="0"/>
+                      </a:rPr>
+                      <m:t>,…,</m:t>
+                    </m:r>
+                    <m:sSub>
+                      <m:sSubPr>
+                        <m:ctrlPr>
+                          <a:rPr lang="en-US" b="0" i="1" smtClean="0">
+                            <a:latin typeface="Cambria Math" panose="02040503050406030204" pitchFamily="18" charset="0"/>
+                          </a:rPr>
+                        </m:ctrlPr>
+                      </m:sSubPr>
+                      <m:e>
+                        <m:r>
+                          <a:rPr lang="en-US" b="0" i="1" smtClean="0">
+                            <a:latin typeface="Cambria Math" panose="02040503050406030204" pitchFamily="18" charset="0"/>
+                          </a:rPr>
+                          <m:t>𝛽</m:t>
+                        </m:r>
+                      </m:e>
+                      <m:sub>
+                        <m:r>
+                          <a:rPr lang="en-US" b="0" i="1" smtClean="0">
+                            <a:latin typeface="Cambria Math" panose="02040503050406030204" pitchFamily="18" charset="0"/>
+                          </a:rPr>
+                          <m:t>𝑘</m:t>
+                        </m:r>
+                      </m:sub>
+                    </m:sSub>
+                    <m:r>
+                      <a:rPr lang="en-US" b="0" i="1" smtClean="0">
+                        <a:latin typeface="Cambria Math" panose="02040503050406030204" pitchFamily="18" charset="0"/>
+                      </a:rPr>
+                      <m:t>]</m:t>
+                    </m:r>
+                  </m:oMath>
+                </a14:m>
+                <a:r>
+                  <a:rPr lang="en-US" dirty="0"/>
+                  <a:t>:  </a:t>
+                </a:r>
+                <a:r>
+                  <a:rPr lang="en-US" dirty="0">
+                    <a:solidFill>
+                      <a:schemeClr val="accent1">
+                        <a:lumMod val="60000"/>
+                        <a:lumOff val="40000"/>
+                      </a:schemeClr>
+                    </a:solidFill>
+                  </a:rPr>
+                  <a:t>Weights</a:t>
+                </a:r>
+                <a:r>
+                  <a:rPr lang="en-US" dirty="0"/>
+                  <a:t> or </a:t>
+                </a:r>
+                <a:r>
+                  <a:rPr lang="en-US" dirty="0">
+                    <a:solidFill>
+                      <a:schemeClr val="accent1">
+                        <a:lumMod val="60000"/>
+                        <a:lumOff val="40000"/>
+                      </a:schemeClr>
+                    </a:solidFill>
+                  </a:rPr>
+                  <a:t>slope vector</a:t>
+                </a:r>
+              </a:p>
+              <a:p>
+                <a:r>
+                  <a:rPr lang="en-US" dirty="0"/>
+                  <a:t>Can write with inner product:  </a:t>
+                </a:r>
+                <a14:m>
+                  <m:oMath xmlns:m="http://schemas.openxmlformats.org/officeDocument/2006/math">
+                    <m:acc>
+                      <m:accPr>
+                        <m:chr m:val="̂"/>
+                        <m:ctrlPr>
+                          <a:rPr lang="en-US" i="1">
+                            <a:latin typeface="Cambria Math" panose="02040503050406030204" pitchFamily="18" charset="0"/>
+                          </a:rPr>
+                        </m:ctrlPr>
+                      </m:accPr>
+                      <m:e>
+                        <m:r>
+                          <a:rPr lang="en-US" i="1">
+                            <a:latin typeface="Cambria Math" panose="02040503050406030204" pitchFamily="18" charset="0"/>
+                          </a:rPr>
+                          <m:t>𝑦</m:t>
+                        </m:r>
+                      </m:e>
+                    </m:acc>
+                    <m:d>
+                      <m:dPr>
+                        <m:ctrlPr>
+                          <a:rPr lang="en-US" b="1" i="1" smtClean="0">
+                            <a:latin typeface="Cambria Math" panose="02040503050406030204" pitchFamily="18" charset="0"/>
+                          </a:rPr>
+                        </m:ctrlPr>
+                      </m:dPr>
+                      <m:e>
+                        <m:r>
+                          <a:rPr lang="en-US" b="1" i="1">
+                            <a:latin typeface="Cambria Math" panose="02040503050406030204" pitchFamily="18" charset="0"/>
+                          </a:rPr>
+                          <m:t>𝒙</m:t>
+                        </m:r>
+                      </m:e>
+                    </m:d>
+                    <m:r>
+                      <a:rPr lang="en-US" b="0" i="1" smtClean="0">
+                        <a:latin typeface="Cambria Math" panose="02040503050406030204" pitchFamily="18" charset="0"/>
+                      </a:rPr>
+                      <m:t>=</m:t>
+                    </m:r>
+                    <m:sSub>
+                      <m:sSubPr>
+                        <m:ctrlPr>
+                          <a:rPr lang="en-US" b="0" i="1" smtClean="0">
+                            <a:latin typeface="Cambria Math" panose="02040503050406030204" pitchFamily="18" charset="0"/>
+                          </a:rPr>
+                        </m:ctrlPr>
+                      </m:sSubPr>
+                      <m:e>
+                        <m:r>
+                          <a:rPr lang="en-US" b="0" i="1" smtClean="0">
+                            <a:latin typeface="Cambria Math" panose="02040503050406030204" pitchFamily="18" charset="0"/>
+                          </a:rPr>
+                          <m:t>𝛽</m:t>
+                        </m:r>
+                      </m:e>
+                      <m:sub>
+                        <m:r>
+                          <a:rPr lang="en-US" b="0" i="1" smtClean="0">
+                            <a:latin typeface="Cambria Math" panose="02040503050406030204" pitchFamily="18" charset="0"/>
+                          </a:rPr>
+                          <m:t>0</m:t>
+                        </m:r>
+                      </m:sub>
+                    </m:sSub>
+                    <m:r>
+                      <a:rPr lang="en-US" b="0" i="1" smtClean="0">
+                        <a:latin typeface="Cambria Math" panose="02040503050406030204" pitchFamily="18" charset="0"/>
+                      </a:rPr>
+                      <m:t>+</m:t>
+                    </m:r>
+                    <m:sSub>
+                      <m:sSubPr>
+                        <m:ctrlPr>
+                          <a:rPr lang="en-US" i="1">
+                            <a:latin typeface="Cambria Math" panose="02040503050406030204" pitchFamily="18" charset="0"/>
+                          </a:rPr>
+                        </m:ctrlPr>
+                      </m:sSubPr>
+                      <m:e>
+                        <m:r>
+                          <a:rPr lang="en-US" b="1" i="1">
+                            <a:latin typeface="Cambria Math" panose="02040503050406030204" pitchFamily="18" charset="0"/>
+                          </a:rPr>
+                          <m:t>𝜷</m:t>
+                        </m:r>
+                      </m:e>
+                      <m:sub>
+                        <m:r>
+                          <a:rPr lang="en-US" i="1">
+                            <a:latin typeface="Cambria Math" panose="02040503050406030204" pitchFamily="18" charset="0"/>
+                          </a:rPr>
+                          <m:t>1:</m:t>
+                        </m:r>
+                        <m:r>
+                          <a:rPr lang="en-US" i="1">
+                            <a:latin typeface="Cambria Math" panose="02040503050406030204" pitchFamily="18" charset="0"/>
+                          </a:rPr>
+                          <m:t>𝑘</m:t>
+                        </m:r>
+                      </m:sub>
+                    </m:sSub>
+                    <m:r>
+                      <a:rPr lang="en-US" b="1" i="1" smtClean="0">
+                        <a:latin typeface="Cambria Math" panose="02040503050406030204" pitchFamily="18" charset="0"/>
+                      </a:rPr>
+                      <m:t>⋅</m:t>
+                    </m:r>
+                    <m:r>
+                      <a:rPr lang="en-US" b="1" i="1" smtClean="0">
+                        <a:latin typeface="Cambria Math" panose="02040503050406030204" pitchFamily="18" charset="0"/>
+                      </a:rPr>
+                      <m:t>𝒙</m:t>
+                    </m:r>
+                    <m:r>
+                      <a:rPr lang="en-US" b="0" i="1" smtClean="0">
+                        <a:latin typeface="Cambria Math" panose="02040503050406030204" pitchFamily="18" charset="0"/>
+                      </a:rPr>
+                      <m:t>=</m:t>
+                    </m:r>
+                    <m:r>
+                      <a:rPr lang="en-US" b="0" i="1" smtClean="0">
+                        <a:latin typeface="Cambria Math" panose="02040503050406030204" pitchFamily="18" charset="0"/>
+                      </a:rPr>
+                      <m:t>𝑏</m:t>
+                    </m:r>
+                    <m:r>
+                      <a:rPr lang="en-US" b="0" i="1" smtClean="0">
+                        <a:latin typeface="Cambria Math" panose="02040503050406030204" pitchFamily="18" charset="0"/>
+                      </a:rPr>
+                      <m:t>+</m:t>
+                    </m:r>
+                    <m:r>
+                      <a:rPr lang="en-US" b="1" i="1" smtClean="0">
+                        <a:latin typeface="Cambria Math" panose="02040503050406030204" pitchFamily="18" charset="0"/>
+                      </a:rPr>
+                      <m:t>𝒘</m:t>
+                    </m:r>
+                    <m:r>
+                      <a:rPr lang="en-US" b="1" i="1" smtClean="0">
+                        <a:latin typeface="Cambria Math" panose="02040503050406030204" pitchFamily="18" charset="0"/>
+                      </a:rPr>
+                      <m:t>⋅</m:t>
+                    </m:r>
+                    <m:r>
+                      <a:rPr lang="en-US" b="1" i="1" smtClean="0">
+                        <a:latin typeface="Cambria Math" panose="02040503050406030204" pitchFamily="18" charset="0"/>
+                      </a:rPr>
+                      <m:t>𝒙</m:t>
+                    </m:r>
+                  </m:oMath>
+                </a14:m>
+                <a:endParaRPr lang="en-US" b="1" dirty="0"/>
+              </a:p>
+              <a:p>
+                <a:r>
+                  <a:rPr lang="en-US" dirty="0"/>
+                  <a:t>Inner product:</a:t>
+                </a:r>
+              </a:p>
+              <a:p>
+                <a:pPr lvl="1"/>
+                <a14:m>
+                  <m:oMath xmlns:m="http://schemas.openxmlformats.org/officeDocument/2006/math">
+                    <m:r>
+                      <a:rPr lang="en-US" b="1" i="1">
+                        <a:latin typeface="Cambria Math" panose="02040503050406030204" pitchFamily="18" charset="0"/>
+                      </a:rPr>
+                      <m:t>𝒘</m:t>
+                    </m:r>
+                    <m:r>
+                      <a:rPr lang="en-US" b="1" i="1">
+                        <a:latin typeface="Cambria Math" panose="02040503050406030204" pitchFamily="18" charset="0"/>
+                      </a:rPr>
+                      <m:t>⋅</m:t>
+                    </m:r>
+                    <m:r>
+                      <a:rPr lang="en-US" b="1" i="1">
+                        <a:latin typeface="Cambria Math" panose="02040503050406030204" pitchFamily="18" charset="0"/>
+                      </a:rPr>
+                      <m:t>𝒙</m:t>
+                    </m:r>
+                    <m:r>
+                      <a:rPr lang="en-US" b="0" i="1" smtClean="0">
+                        <a:latin typeface="Cambria Math" panose="02040503050406030204" pitchFamily="18" charset="0"/>
+                      </a:rPr>
+                      <m:t>=</m:t>
+                    </m:r>
+                    <m:nary>
+                      <m:naryPr>
+                        <m:chr m:val="∑"/>
+                        <m:ctrlPr>
+                          <a:rPr lang="en-US" b="0" i="1" smtClean="0">
+                            <a:latin typeface="Cambria Math" panose="02040503050406030204" pitchFamily="18" charset="0"/>
+                          </a:rPr>
+                        </m:ctrlPr>
+                      </m:naryPr>
+                      <m:sub>
+                        <m:r>
+                          <m:rPr>
+                            <m:brk m:alnAt="23"/>
+                          </m:rPr>
+                          <a:rPr lang="en-US" b="0" i="1" smtClean="0">
+                            <a:latin typeface="Cambria Math" panose="02040503050406030204" pitchFamily="18" charset="0"/>
+                          </a:rPr>
+                          <m:t>𝑗</m:t>
+                        </m:r>
+                        <m:r>
+                          <a:rPr lang="en-US" b="0" i="1" smtClean="0">
+                            <a:latin typeface="Cambria Math" panose="02040503050406030204" pitchFamily="18" charset="0"/>
+                          </a:rPr>
+                          <m:t>=1</m:t>
+                        </m:r>
+                      </m:sub>
+                      <m:sup>
+                        <m:r>
+                          <a:rPr lang="en-US" b="0" i="1" smtClean="0">
+                            <a:latin typeface="Cambria Math" panose="02040503050406030204" pitchFamily="18" charset="0"/>
+                          </a:rPr>
+                          <m:t>𝑘</m:t>
+                        </m:r>
+                      </m:sup>
                       <m:e>
                         <m:sSub>
                           <m:sSubPr>
                             <m:ctrlPr>
-                              <a:rPr lang="en-US" i="1">
+                              <a:rPr lang="en-US" b="0" i="1" smtClean="0">
                                 <a:latin typeface="Cambria Math" panose="02040503050406030204" pitchFamily="18" charset="0"/>
                               </a:rPr>
                             </m:ctrlPr>
                           </m:sSubPr>
                           <m:e>
                             <m:r>
-                              <a:rPr lang="en-US" b="1" i="1">
+                              <a:rPr lang="en-US" b="0" i="1" smtClean="0">
                                 <a:latin typeface="Cambria Math" panose="02040503050406030204" pitchFamily="18" charset="0"/>
                               </a:rPr>
-                              <m:t>𝜷</m:t>
+                              <m:t>𝑤</m:t>
                             </m:r>
                           </m:e>
                           <m:sub>
                             <m:r>
-                              <a:rPr lang="en-US" i="1">
+                              <a:rPr lang="en-US" b="0" i="1" smtClean="0">
                                 <a:latin typeface="Cambria Math" panose="02040503050406030204" pitchFamily="18" charset="0"/>
                               </a:rPr>
-                              <m:t>1:</m:t>
-                            </m:r>
-                            <m:r>
-                              <a:rPr lang="en-US" i="1">
-                                <a:latin typeface="Cambria Math" panose="02040503050406030204" pitchFamily="18" charset="0"/>
-                              </a:rPr>
-                              <m:t>𝑘</m:t>
+                              <m:t>𝑗</m:t>
                             </m:r>
                           </m:sub>
                         </m:sSub>
-                      </m:e>
-                      <m:sup>
-                        <m:r>
-                          <a:rPr lang="en-US" i="1">
-                            <a:latin typeface="Cambria Math" panose="02040503050406030204" pitchFamily="18" charset="0"/>
-                          </a:rPr>
-                          <m:t>𝑇</m:t>
-                        </m:r>
-                      </m:sup>
-                    </m:sSup>
-                    <m:r>
-                      <a:rPr lang="en-US" b="0" i="1" smtClean="0">
-                        <a:latin typeface="Cambria Math" panose="02040503050406030204" pitchFamily="18" charset="0"/>
-                      </a:rPr>
-                      <m:t>]</m:t>
-                    </m:r>
-                  </m:oMath>
-                </a14:m>
-                <a:endParaRPr lang="en-US" dirty="0"/>
-              </a:p>
-              <a:p>
-                <a:pPr lvl="1"/>
-                <a14:m>
-                  <m:oMath xmlns:m="http://schemas.openxmlformats.org/officeDocument/2006/math">
-                    <m:sSub>
-                      <m:sSubPr>
-                        <m:ctrlPr>
-                          <a:rPr lang="en-US" b="0" i="1" smtClean="0">
-                            <a:latin typeface="Cambria Math" panose="02040503050406030204" pitchFamily="18" charset="0"/>
-                          </a:rPr>
-                        </m:ctrlPr>
-                      </m:sSubPr>
-                      <m:e>
-                        <m:r>
-                          <a:rPr lang="en-US" b="0" i="1" smtClean="0">
-                            <a:latin typeface="Cambria Math" panose="02040503050406030204" pitchFamily="18" charset="0"/>
-                          </a:rPr>
-                          <m:t>𝛽</m:t>
-                        </m:r>
-                      </m:e>
-                      <m:sub>
-                        <m:r>
-                          <a:rPr lang="en-US" b="0" i="1" smtClean="0">
-                            <a:latin typeface="Cambria Math" panose="02040503050406030204" pitchFamily="18" charset="0"/>
-                          </a:rPr>
-                          <m:t>0</m:t>
-                        </m:r>
-                      </m:sub>
-                    </m:sSub>
-                  </m:oMath>
-                </a14:m>
-                <a:r>
-                  <a:rPr lang="en-US" dirty="0"/>
-                  <a:t> : Intercept</a:t>
-                </a:r>
-              </a:p>
-              <a:p>
-                <a:pPr lvl="1"/>
-                <a14:m>
-                  <m:oMath xmlns:m="http://schemas.openxmlformats.org/officeDocument/2006/math">
-                    <m:sSup>
-                      <m:sSupPr>
-                        <m:ctrlPr>
-                          <a:rPr lang="en-US" b="0" i="1" smtClean="0">
-                            <a:latin typeface="Cambria Math" panose="02040503050406030204" pitchFamily="18" charset="0"/>
-                          </a:rPr>
-                        </m:ctrlPr>
-                      </m:sSupPr>
-                      <m:e>
                         <m:sSub>
                           <m:sSubPr>
                             <m:ctrlPr>
-                              <a:rPr lang="en-US" i="1">
+                              <a:rPr lang="en-US" b="0" i="1" smtClean="0">
                                 <a:latin typeface="Cambria Math" panose="02040503050406030204" pitchFamily="18" charset="0"/>
                               </a:rPr>
                             </m:ctrlPr>
                           </m:sSubPr>
                           <m:e>
                             <m:r>
-                              <a:rPr lang="en-US" b="1" i="1">
+                              <a:rPr lang="en-US" b="0" i="1" smtClean="0">
                                 <a:latin typeface="Cambria Math" panose="02040503050406030204" pitchFamily="18" charset="0"/>
                               </a:rPr>
-                              <m:t>𝜷</m:t>
+                              <m:t>𝑥</m:t>
                             </m:r>
                           </m:e>
                           <m:sub>
                             <m:r>
-                              <a:rPr lang="en-US" i="1">
+                              <a:rPr lang="en-US" b="0" i="1" smtClean="0">
                                 <a:latin typeface="Cambria Math" panose="02040503050406030204" pitchFamily="18" charset="0"/>
                               </a:rPr>
-                              <m:t>1:</m:t>
-                            </m:r>
-                            <m:r>
-                              <a:rPr lang="en-US" i="1">
-                                <a:latin typeface="Cambria Math" panose="02040503050406030204" pitchFamily="18" charset="0"/>
-                              </a:rPr>
-                              <m:t>𝑘</m:t>
+                              <m:t>𝑗</m:t>
                             </m:r>
                           </m:sub>
                         </m:sSub>
                       </m:e>
-                      <m:sup>
-                        <m:r>
-                          <a:rPr lang="en-US" b="0" i="1" smtClean="0">
-                            <a:latin typeface="Cambria Math" panose="02040503050406030204" pitchFamily="18" charset="0"/>
-                          </a:rPr>
-                          <m:t>𝑇</m:t>
-                        </m:r>
-                      </m:sup>
-                    </m:sSup>
-                    <m:r>
-                      <a:rPr lang="en-US" b="0" i="0" smtClean="0">
-                        <a:latin typeface="Cambria Math" panose="02040503050406030204" pitchFamily="18" charset="0"/>
-                      </a:rPr>
-                      <m:t>=</m:t>
-                    </m:r>
-                    <m:r>
-                      <a:rPr lang="en-US" b="0" i="1" smtClean="0">
-                        <a:latin typeface="Cambria Math" panose="02040503050406030204" pitchFamily="18" charset="0"/>
-                      </a:rPr>
-                      <m:t>[</m:t>
-                    </m:r>
-                    <m:sSub>
-                      <m:sSubPr>
-                        <m:ctrlPr>
-                          <a:rPr lang="en-US" b="0" i="1" smtClean="0">
-                            <a:latin typeface="Cambria Math" panose="02040503050406030204" pitchFamily="18" charset="0"/>
-                          </a:rPr>
-                        </m:ctrlPr>
-                      </m:sSubPr>
-                      <m:e>
-                        <m:r>
-                          <a:rPr lang="en-US" b="0" i="1" smtClean="0">
-                            <a:latin typeface="Cambria Math" panose="02040503050406030204" pitchFamily="18" charset="0"/>
-                          </a:rPr>
-                          <m:t>𝛽</m:t>
-                        </m:r>
-                      </m:e>
-                      <m:sub>
-                        <m:r>
-                          <a:rPr lang="en-US" b="0" i="1" smtClean="0">
-                            <a:latin typeface="Cambria Math" panose="02040503050406030204" pitchFamily="18" charset="0"/>
-                          </a:rPr>
-                          <m:t>1</m:t>
-                        </m:r>
-                      </m:sub>
-                    </m:sSub>
-                    <m:r>
-                      <a:rPr lang="en-US" b="0" i="1" smtClean="0">
-                        <a:latin typeface="Cambria Math" panose="02040503050406030204" pitchFamily="18" charset="0"/>
-                      </a:rPr>
-                      <m:t>,…,</m:t>
-                    </m:r>
-                    <m:sSub>
-                      <m:sSubPr>
-                        <m:ctrlPr>
-                          <a:rPr lang="en-US" b="0" i="1" smtClean="0">
-                            <a:latin typeface="Cambria Math" panose="02040503050406030204" pitchFamily="18" charset="0"/>
-                          </a:rPr>
-                        </m:ctrlPr>
-                      </m:sSubPr>
-                      <m:e>
-                        <m:r>
-                          <a:rPr lang="en-US" b="0" i="1" smtClean="0">
-                            <a:latin typeface="Cambria Math" panose="02040503050406030204" pitchFamily="18" charset="0"/>
-                          </a:rPr>
-                          <m:t>𝛽</m:t>
-                        </m:r>
-                      </m:e>
-                      <m:sub>
-                        <m:r>
-                          <a:rPr lang="en-US" b="0" i="1" smtClean="0">
-                            <a:latin typeface="Cambria Math" panose="02040503050406030204" pitchFamily="18" charset="0"/>
-                          </a:rPr>
-                          <m:t>𝑘</m:t>
-                        </m:r>
-                      </m:sub>
-                    </m:sSub>
-                    <m:r>
-                      <a:rPr lang="en-US" b="0" i="1" smtClean="0">
-                        <a:latin typeface="Cambria Math" panose="02040503050406030204" pitchFamily="18" charset="0"/>
-                      </a:rPr>
-                      <m:t>]</m:t>
-                    </m:r>
+                    </m:nary>
                   </m:oMath>
                 </a14:m>
-                <a:r>
-                  <a:rPr lang="en-US" dirty="0"/>
-                  <a:t>:  Slope coefficients</a:t>
-                </a:r>
+                <a:endParaRPr lang="en-US" b="0" dirty="0"/>
               </a:p>
               <a:p>
                 <a:pPr lvl="1"/>
-                <a:endParaRPr lang="en-US" dirty="0"/>
-              </a:p>
-              <a:p>
                 <a:r>
                   <a:rPr lang="en-US" dirty="0"/>
-                  <a:t>Then, can rewrite model as:  </a:t>
+                  <a:t>Will use alternate notation:  </a:t>
                 </a:r>
                 <a14:m>
                   <m:oMath xmlns:m="http://schemas.openxmlformats.org/officeDocument/2006/math">
-                    <m:acc>
-                      <m:accPr>
-                        <m:chr m:val="̂"/>
+                    <m:sSup>
+                      <m:sSupPr>
                         <m:ctrlPr>
                           <a:rPr lang="en-US" i="1">
                             <a:latin typeface="Cambria Math" panose="02040503050406030204" pitchFamily="18" charset="0"/>
                           </a:rPr>
                         </m:ctrlPr>
-                      </m:accPr>
+                      </m:sSupPr>
                       <m:e>
                         <m:r>
-                          <a:rPr lang="en-US" i="1">
-                            <a:latin typeface="Cambria Math" panose="02040503050406030204" pitchFamily="18" charset="0"/>
-                          </a:rPr>
-                          <m:t>𝑦</m:t>
+                          <a:rPr lang="en-US" b="1" i="1">
+                            <a:latin typeface="Cambria Math" panose="02040503050406030204" pitchFamily="18" charset="0"/>
+                          </a:rPr>
+                          <m:t>𝐰</m:t>
                         </m:r>
                       </m:e>
-                    </m:acc>
-                    <m:r>
-                      <a:rPr lang="en-US" b="1" i="1" smtClean="0">
-                        <a:latin typeface="Cambria Math" panose="02040503050406030204" pitchFamily="18" charset="0"/>
-                      </a:rPr>
-                      <m:t>(</m:t>
-                    </m:r>
+                      <m:sup>
+                        <m:r>
+                          <a:rPr lang="en-US" i="1">
+                            <a:latin typeface="Cambria Math" panose="02040503050406030204" pitchFamily="18" charset="0"/>
+                          </a:rPr>
+                          <m:t>𝑇</m:t>
+                        </m:r>
+                      </m:sup>
+                    </m:sSup>
                     <m:r>
                       <a:rPr lang="en-US" b="1" i="1">
                         <a:latin typeface="Cambria Math" panose="02040503050406030204" pitchFamily="18" charset="0"/>
@@ -8500,105 +8827,50 @@
                       <m:t>𝒙</m:t>
                     </m:r>
                     <m:r>
-                      <a:rPr lang="en-US" b="1" i="1" smtClean="0">
-                        <a:latin typeface="Cambria Math" panose="02040503050406030204" pitchFamily="18" charset="0"/>
-                      </a:rPr>
-                      <m:t>)</m:t>
-                    </m:r>
-                    <m:r>
-                      <a:rPr lang="en-US" b="0" i="1" smtClean="0">
+                      <a:rPr lang="en-US" i="1">
                         <a:latin typeface="Cambria Math" panose="02040503050406030204" pitchFamily="18" charset="0"/>
                       </a:rPr>
                       <m:t>=</m:t>
                     </m:r>
-                    <m:sSub>
-                      <m:sSubPr>
+                    <m:d>
+                      <m:dPr>
+                        <m:begChr m:val="⟨"/>
+                        <m:endChr m:val="⟩"/>
                         <m:ctrlPr>
-                          <a:rPr lang="en-US" b="0" i="1" smtClean="0">
+                          <a:rPr lang="en-US" i="1">
                             <a:latin typeface="Cambria Math" panose="02040503050406030204" pitchFamily="18" charset="0"/>
                           </a:rPr>
                         </m:ctrlPr>
-                      </m:sSubPr>
+                      </m:dPr>
                       <m:e>
                         <m:r>
-                          <a:rPr lang="en-US" b="0" i="1" smtClean="0">
-                            <a:latin typeface="Cambria Math" panose="02040503050406030204" pitchFamily="18" charset="0"/>
-                          </a:rPr>
-                          <m:t>𝛽</m:t>
+                          <a:rPr lang="en-US" b="1" i="1">
+                            <a:latin typeface="Cambria Math" panose="02040503050406030204" pitchFamily="18" charset="0"/>
+                          </a:rPr>
+                          <m:t>𝒘</m:t>
+                        </m:r>
+                        <m:r>
+                          <a:rPr lang="en-US" i="1">
+                            <a:latin typeface="Cambria Math" panose="02040503050406030204" pitchFamily="18" charset="0"/>
+                          </a:rPr>
+                          <m:t>,</m:t>
+                        </m:r>
+                        <m:r>
+                          <a:rPr lang="en-US" b="1" i="1">
+                            <a:latin typeface="Cambria Math" panose="02040503050406030204" pitchFamily="18" charset="0"/>
+                          </a:rPr>
+                          <m:t>𝒙</m:t>
                         </m:r>
                       </m:e>
-                      <m:sub>
-                        <m:r>
-                          <a:rPr lang="en-US" b="0" i="1" smtClean="0">
-                            <a:latin typeface="Cambria Math" panose="02040503050406030204" pitchFamily="18" charset="0"/>
-                          </a:rPr>
-                          <m:t>0</m:t>
-                        </m:r>
-                      </m:sub>
-                    </m:sSub>
-                    <m:r>
-                      <a:rPr lang="en-US" b="0" i="1" smtClean="0">
-                        <a:latin typeface="Cambria Math" panose="02040503050406030204" pitchFamily="18" charset="0"/>
-                      </a:rPr>
-                      <m:t>+ </m:t>
-                    </m:r>
-                    <m:sSubSup>
-                      <m:sSubSupPr>
-                        <m:ctrlPr>
-                          <a:rPr lang="en-US" b="0" i="1" smtClean="0">
-                            <a:latin typeface="Cambria Math" panose="02040503050406030204" pitchFamily="18" charset="0"/>
-                          </a:rPr>
-                        </m:ctrlPr>
-                      </m:sSubSupPr>
-                      <m:e>
-                        <m:r>
-                          <a:rPr lang="en-US" b="1" i="1">
-                            <a:latin typeface="Cambria Math" panose="02040503050406030204" pitchFamily="18" charset="0"/>
-                          </a:rPr>
-                          <m:t>𝜷</m:t>
-                        </m:r>
-                      </m:e>
-                      <m:sub>
-                        <m:r>
-                          <a:rPr lang="en-US" i="1">
-                            <a:latin typeface="Cambria Math" panose="02040503050406030204" pitchFamily="18" charset="0"/>
-                          </a:rPr>
-                          <m:t>1:</m:t>
-                        </m:r>
-                        <m:r>
-                          <a:rPr lang="en-US" i="1">
-                            <a:latin typeface="Cambria Math" panose="02040503050406030204" pitchFamily="18" charset="0"/>
-                          </a:rPr>
-                          <m:t>𝑘</m:t>
-                        </m:r>
-                      </m:sub>
-                      <m:sup>
-                        <m:r>
-                          <a:rPr lang="en-US" b="0" i="1" smtClean="0">
-                            <a:latin typeface="Cambria Math" panose="02040503050406030204" pitchFamily="18" charset="0"/>
-                          </a:rPr>
-                          <m:t>𝑇</m:t>
-                        </m:r>
-                      </m:sup>
-                    </m:sSubSup>
-                    <m:r>
-                      <a:rPr lang="en-US" b="1" i="1" smtClean="0">
-                        <a:latin typeface="Cambria Math" panose="02040503050406030204" pitchFamily="18" charset="0"/>
-                      </a:rPr>
-                      <m:t>𝒙</m:t>
-                    </m:r>
+                    </m:d>
                   </m:oMath>
                 </a14:m>
-                <a:endParaRPr lang="en-US" b="1" dirty="0"/>
-              </a:p>
-              <a:p>
-                <a:pPr lvl="1"/>
                 <a:endParaRPr lang="en-US" dirty="0"/>
               </a:p>
             </p:txBody>
           </p:sp>
         </mc:Choice>
-        <mc:Fallback xmlns="">
+        <mc:Fallback>
           <p:sp>
             <p:nvSpPr>
               <p:cNvPr id="3" name="Content Placeholder 2"/>
@@ -8617,7 +8889,7 @@
               <a:blipFill>
                 <a:blip r:embed="rId2"/>
                 <a:stretch>
-                  <a:fillRect l="-1261" t="-1462"/>
+                  <a:fillRect l="-1455" t="-1549"/>
                 </a:stretch>
               </a:blipFill>
             </p:spPr>
@@ -8673,6 +8945,508 @@
 </file>
 
 <file path=ppt/slides/slide16.xml><?xml version="1.0" encoding="utf-8"?>
+<p:sld xmlns:a="http://schemas.openxmlformats.org/drawingml/2006/main" xmlns:r="http://schemas.openxmlformats.org/officeDocument/2006/relationships" xmlns:p="http://schemas.openxmlformats.org/presentationml/2006/main">
+  <p:cSld>
+    <p:spTree>
+      <p:nvGrpSpPr>
+        <p:cNvPr id="1" name=""/>
+        <p:cNvGrpSpPr/>
+        <p:nvPr/>
+      </p:nvGrpSpPr>
+      <p:grpSpPr>
+        <a:xfrm>
+          <a:off x="0" y="0"/>
+          <a:ext cx="0" cy="0"/>
+          <a:chOff x="0" y="0"/>
+          <a:chExt cx="0" cy="0"/>
+        </a:xfrm>
+      </p:grpSpPr>
+      <p:sp>
+        <p:nvSpPr>
+          <p:cNvPr id="2" name="Title 1">
+            <a:extLst>
+              <a:ext uri="{FF2B5EF4-FFF2-40B4-BE49-F238E27FC236}">
+                <a16:creationId xmlns:a16="http://schemas.microsoft.com/office/drawing/2014/main" id="{420E9826-28DA-4BA0-8AE4-B263040F4D02}"/>
+              </a:ext>
+            </a:extLst>
+          </p:cNvPr>
+          <p:cNvSpPr>
+            <a:spLocks noGrp="1"/>
+          </p:cNvSpPr>
+          <p:nvPr>
+            <p:ph type="title"/>
+          </p:nvPr>
+        </p:nvSpPr>
+        <p:spPr/>
+        <p:txBody>
+          <a:bodyPr>
+            <a:normAutofit fontScale="90000"/>
+          </a:bodyPr>
+          <a:lstStyle/>
+          <a:p>
+            <a:r>
+              <a:rPr lang="en-US" dirty="0"/>
+              <a:t>Arrays and Vector in Python and MATLAB</a:t>
+            </a:r>
+          </a:p>
+        </p:txBody>
+      </p:sp>
+      <p:sp>
+        <p:nvSpPr>
+          <p:cNvPr id="4" name="Slide Number Placeholder 3">
+            <a:extLst>
+              <a:ext uri="{FF2B5EF4-FFF2-40B4-BE49-F238E27FC236}">
+                <a16:creationId xmlns:a16="http://schemas.microsoft.com/office/drawing/2014/main" id="{0B2353E9-E9EE-4094-8CA6-82995975418E}"/>
+              </a:ext>
+            </a:extLst>
+          </p:cNvPr>
+          <p:cNvSpPr>
+            <a:spLocks noGrp="1"/>
+          </p:cNvSpPr>
+          <p:nvPr>
+            <p:ph type="sldNum" sz="quarter" idx="12"/>
+          </p:nvPr>
+        </p:nvSpPr>
+        <p:spPr/>
+        <p:txBody>
+          <a:bodyPr/>
+          <a:lstStyle/>
+          <a:p>
+            <a:fld id="{629637A9-119A-49DA-BD12-AAC58B377D80}" type="slidenum">
+              <a:rPr lang="en-US" smtClean="0"/>
+              <a:t>16</a:t>
+            </a:fld>
+            <a:endParaRPr lang="en-US" dirty="0"/>
+          </a:p>
+        </p:txBody>
+      </p:sp>
+      <mc:AlternateContent xmlns:mc="http://schemas.openxmlformats.org/markup-compatibility/2006">
+        <mc:Choice xmlns:a14="http://schemas.microsoft.com/office/drawing/2010/main" Requires="a14">
+          <p:sp>
+            <p:nvSpPr>
+              <p:cNvPr id="7" name="Content Placeholder 6">
+                <a:extLst>
+                  <a:ext uri="{FF2B5EF4-FFF2-40B4-BE49-F238E27FC236}">
+                    <a16:creationId xmlns:a16="http://schemas.microsoft.com/office/drawing/2014/main" id="{C994B35B-95E0-40D8-A86B-DBC521F226F5}"/>
+                  </a:ext>
+                </a:extLst>
+              </p:cNvPr>
+              <p:cNvSpPr>
+                <a:spLocks noGrp="1"/>
+              </p:cNvSpPr>
+              <p:nvPr>
+                <p:ph idx="1"/>
+              </p:nvPr>
+            </p:nvSpPr>
+            <p:spPr/>
+            <p:txBody>
+              <a:bodyPr>
+                <a:normAutofit lnSpcReduction="10000"/>
+              </a:bodyPr>
+              <a:lstStyle/>
+              <a:p>
+                <a:r>
+                  <a:rPr lang="en-US" dirty="0"/>
+                  <a:t>There are some key differences between MATLAB and Python that you need to get used to</a:t>
+                </a:r>
+              </a:p>
+              <a:p>
+                <a:r>
+                  <a:rPr lang="en-US" dirty="0">
+                    <a:solidFill>
+                      <a:schemeClr val="accent1">
+                        <a:lumMod val="60000"/>
+                        <a:lumOff val="40000"/>
+                      </a:schemeClr>
+                    </a:solidFill>
+                  </a:rPr>
+                  <a:t>MATLAB</a:t>
+                </a:r>
+              </a:p>
+              <a:p>
+                <a:pPr lvl="1"/>
+                <a:r>
+                  <a:rPr lang="en-US" dirty="0"/>
+                  <a:t>All arrays are at least 2 dimensions</a:t>
+                </a:r>
+              </a:p>
+              <a:p>
+                <a:pPr lvl="1"/>
+                <a:r>
+                  <a:rPr lang="en-US" dirty="0"/>
+                  <a:t>Vectors are </a:t>
+                </a:r>
+                <a14:m>
+                  <m:oMath xmlns:m="http://schemas.openxmlformats.org/officeDocument/2006/math">
+                    <m:r>
+                      <a:rPr lang="en-US" b="0" i="1" smtClean="0">
+                        <a:latin typeface="Cambria Math" panose="02040503050406030204" pitchFamily="18" charset="0"/>
+                      </a:rPr>
+                      <m:t>1×</m:t>
+                    </m:r>
+                    <m:r>
+                      <a:rPr lang="en-US" b="0" i="1" smtClean="0">
+                        <a:latin typeface="Cambria Math" panose="02040503050406030204" pitchFamily="18" charset="0"/>
+                      </a:rPr>
+                      <m:t>𝑁</m:t>
+                    </m:r>
+                  </m:oMath>
+                </a14:m>
+                <a:r>
+                  <a:rPr lang="en-US" dirty="0"/>
+                  <a:t> (row vectors) or </a:t>
+                </a:r>
+                <a14:m>
+                  <m:oMath xmlns:m="http://schemas.openxmlformats.org/officeDocument/2006/math">
+                    <m:r>
+                      <a:rPr lang="en-US" b="0" i="1" smtClean="0">
+                        <a:latin typeface="Cambria Math" panose="02040503050406030204" pitchFamily="18" charset="0"/>
+                      </a:rPr>
+                      <m:t>𝑁</m:t>
+                    </m:r>
+                    <m:r>
+                      <a:rPr lang="en-US" b="0" i="1" smtClean="0">
+                        <a:latin typeface="Cambria Math" panose="02040503050406030204" pitchFamily="18" charset="0"/>
+                      </a:rPr>
+                      <m:t>×1 </m:t>
+                    </m:r>
+                  </m:oMath>
+                </a14:m>
+                <a:r>
+                  <a:rPr lang="en-US" dirty="0"/>
+                  <a:t>(column) vectors</a:t>
+                </a:r>
+              </a:p>
+              <a:p>
+                <a:pPr lvl="1"/>
+                <a:r>
+                  <a:rPr lang="en-US" dirty="0"/>
+                  <a:t>Matrix vector multiplication syntax depends if vector is on left or right:  </a:t>
+                </a:r>
+                <a:r>
+                  <a:rPr lang="en-US" dirty="0">
+                    <a:latin typeface="Courier New" panose="02070309020205020404" pitchFamily="49" charset="0"/>
+                    <a:cs typeface="Courier New" panose="02070309020205020404" pitchFamily="49" charset="0"/>
+                  </a:rPr>
+                  <a:t>x’*A </a:t>
+                </a:r>
+                <a:r>
+                  <a:rPr lang="en-US" dirty="0"/>
+                  <a:t>or </a:t>
+                </a:r>
+                <a:r>
+                  <a:rPr lang="en-US" dirty="0">
+                    <a:latin typeface="Courier New" panose="02070309020205020404" pitchFamily="49" charset="0"/>
+                    <a:cs typeface="Courier New" panose="02070309020205020404" pitchFamily="49" charset="0"/>
+                  </a:rPr>
+                  <a:t>A*x</a:t>
+                </a:r>
+              </a:p>
+              <a:p>
+                <a:r>
+                  <a:rPr lang="en-US" dirty="0">
+                    <a:solidFill>
+                      <a:schemeClr val="accent1">
+                        <a:lumMod val="60000"/>
+                        <a:lumOff val="40000"/>
+                      </a:schemeClr>
+                    </a:solidFill>
+                  </a:rPr>
+                  <a:t>Python</a:t>
+                </a:r>
+                <a:r>
+                  <a:rPr lang="en-US" dirty="0"/>
+                  <a:t>:</a:t>
+                </a:r>
+              </a:p>
+              <a:p>
+                <a:pPr lvl="1"/>
+                <a:r>
+                  <a:rPr lang="en-US" dirty="0"/>
+                  <a:t>Arrays can have 1, 2, 3, … dimension</a:t>
+                </a:r>
+              </a:p>
+              <a:p>
+                <a:pPr lvl="1"/>
+                <a:r>
+                  <a:rPr lang="en-US" dirty="0"/>
+                  <a:t>Vectors can be 1D arrays;  matrices are generally 2D arrays</a:t>
+                </a:r>
+              </a:p>
+              <a:p>
+                <a:pPr lvl="1"/>
+                <a:r>
+                  <a:rPr lang="en-US" dirty="0"/>
+                  <a:t>Vectors that are 1D arrays are neither row not column vectors</a:t>
+                </a:r>
+              </a:p>
+              <a:p>
+                <a:pPr lvl="1"/>
+                <a:r>
+                  <a:rPr lang="en-US" dirty="0"/>
+                  <a:t>If </a:t>
+                </a:r>
+                <a:r>
+                  <a:rPr lang="en-US" dirty="0">
+                    <a:latin typeface="Courier New" panose="02070309020205020404" pitchFamily="49" charset="0"/>
+                    <a:cs typeface="Courier New" panose="02070309020205020404" pitchFamily="49" charset="0"/>
+                  </a:rPr>
+                  <a:t>x</a:t>
+                </a:r>
+                <a:r>
+                  <a:rPr lang="en-US" dirty="0"/>
+                  <a:t> is 1D and </a:t>
+                </a:r>
+                <a:r>
+                  <a:rPr lang="en-US" dirty="0">
+                    <a:latin typeface="Courier New" panose="02070309020205020404" pitchFamily="49" charset="0"/>
+                    <a:cs typeface="Courier New" panose="02070309020205020404" pitchFamily="49" charset="0"/>
+                  </a:rPr>
+                  <a:t>A</a:t>
+                </a:r>
+                <a:r>
+                  <a:rPr lang="en-US" dirty="0"/>
+                  <a:t> is 2D, then left and right multiplication are the same:  </a:t>
+                </a:r>
+                <a:r>
+                  <a:rPr lang="en-US" dirty="0">
+                    <a:latin typeface="Courier New" panose="02070309020205020404" pitchFamily="49" charset="0"/>
+                    <a:cs typeface="Courier New" panose="02070309020205020404" pitchFamily="49" charset="0"/>
+                  </a:rPr>
+                  <a:t>x.dot(A)  </a:t>
+                </a:r>
+                <a:r>
+                  <a:rPr lang="en-US" dirty="0"/>
+                  <a:t>and </a:t>
+                </a:r>
+                <a:r>
+                  <a:rPr lang="en-US" dirty="0">
+                    <a:latin typeface="Courier New" panose="02070309020205020404" pitchFamily="49" charset="0"/>
+                    <a:cs typeface="Courier New" panose="02070309020205020404" pitchFamily="49" charset="0"/>
+                  </a:rPr>
+                  <a:t>A.dot(x) </a:t>
+                </a:r>
+              </a:p>
+              <a:p>
+                <a:r>
+                  <a:rPr lang="en-US" dirty="0">
+                    <a:solidFill>
+                      <a:schemeClr val="accent1">
+                        <a:lumMod val="60000"/>
+                        <a:lumOff val="40000"/>
+                      </a:schemeClr>
+                    </a:solidFill>
+                  </a:rPr>
+                  <a:t>Lecture notes</a:t>
+                </a:r>
+                <a:r>
+                  <a:rPr lang="en-US" dirty="0"/>
+                  <a:t>:  We will generally treat </a:t>
+                </a:r>
+                <a14:m>
+                  <m:oMath xmlns:m="http://schemas.openxmlformats.org/officeDocument/2006/math">
+                    <m:r>
+                      <a:rPr lang="en-US" i="1" dirty="0" smtClean="0">
+                        <a:latin typeface="Cambria Math" panose="02040503050406030204" pitchFamily="18" charset="0"/>
+                      </a:rPr>
+                      <m:t>𝑥</m:t>
+                    </m:r>
+                  </m:oMath>
+                </a14:m>
+                <a:r>
+                  <a:rPr lang="en-US" dirty="0"/>
+                  <a:t> and </a:t>
+                </a:r>
+                <a14:m>
+                  <m:oMath xmlns:m="http://schemas.openxmlformats.org/officeDocument/2006/math">
+                    <m:sSup>
+                      <m:sSupPr>
+                        <m:ctrlPr>
+                          <a:rPr lang="en-US" b="0" i="1" dirty="0" smtClean="0">
+                            <a:latin typeface="Cambria Math" panose="02040503050406030204" pitchFamily="18" charset="0"/>
+                          </a:rPr>
+                        </m:ctrlPr>
+                      </m:sSupPr>
+                      <m:e>
+                        <m:r>
+                          <a:rPr lang="en-US" i="1" dirty="0" smtClean="0">
+                            <a:latin typeface="Cambria Math" panose="02040503050406030204" pitchFamily="18" charset="0"/>
+                          </a:rPr>
+                          <m:t>𝑥</m:t>
+                        </m:r>
+                      </m:e>
+                      <m:sup>
+                        <m:r>
+                          <a:rPr lang="en-US" b="0" i="1" dirty="0" smtClean="0">
+                            <a:latin typeface="Cambria Math" panose="02040503050406030204" pitchFamily="18" charset="0"/>
+                          </a:rPr>
+                          <m:t>𝑇</m:t>
+                        </m:r>
+                      </m:sup>
+                    </m:sSup>
+                    <m:r>
+                      <a:rPr lang="en-US" i="1" dirty="0">
+                        <a:latin typeface="Cambria Math" panose="02040503050406030204" pitchFamily="18" charset="0"/>
+                      </a:rPr>
+                      <m:t> </m:t>
+                    </m:r>
+                  </m:oMath>
+                </a14:m>
+                <a:r>
+                  <a:rPr lang="en-US" dirty="0"/>
+                  <a:t>the same.  </a:t>
+                </a:r>
+              </a:p>
+              <a:p>
+                <a:pPr lvl="1"/>
+                <a:r>
+                  <a:rPr lang="en-US" dirty="0"/>
+                  <a:t>Can write </a:t>
+                </a:r>
+                <a14:m>
+                  <m:oMath xmlns:m="http://schemas.openxmlformats.org/officeDocument/2006/math">
+                    <m:r>
+                      <a:rPr lang="en-US" b="0" i="1" smtClean="0">
+                        <a:latin typeface="Cambria Math" panose="02040503050406030204" pitchFamily="18" charset="0"/>
+                      </a:rPr>
+                      <m:t>𝑥</m:t>
+                    </m:r>
+                    <m:r>
+                      <a:rPr lang="en-US" b="0" i="1" smtClean="0">
+                        <a:latin typeface="Cambria Math" panose="02040503050406030204" pitchFamily="18" charset="0"/>
+                      </a:rPr>
+                      <m:t>=(</m:t>
+                    </m:r>
+                    <m:sSub>
+                      <m:sSubPr>
+                        <m:ctrlPr>
+                          <a:rPr lang="en-US" b="0" i="1" smtClean="0">
+                            <a:latin typeface="Cambria Math" panose="02040503050406030204" pitchFamily="18" charset="0"/>
+                          </a:rPr>
+                        </m:ctrlPr>
+                      </m:sSubPr>
+                      <m:e>
+                        <m:r>
+                          <a:rPr lang="en-US" b="0" i="1" smtClean="0">
+                            <a:latin typeface="Cambria Math" panose="02040503050406030204" pitchFamily="18" charset="0"/>
+                          </a:rPr>
+                          <m:t>𝑥</m:t>
+                        </m:r>
+                      </m:e>
+                      <m:sub>
+                        <m:r>
+                          <a:rPr lang="en-US" b="0" i="1" smtClean="0">
+                            <a:latin typeface="Cambria Math" panose="02040503050406030204" pitchFamily="18" charset="0"/>
+                          </a:rPr>
+                          <m:t>1</m:t>
+                        </m:r>
+                      </m:sub>
+                    </m:sSub>
+                    <m:r>
+                      <a:rPr lang="en-US" b="0" i="1" smtClean="0">
+                        <a:latin typeface="Cambria Math" panose="02040503050406030204" pitchFamily="18" charset="0"/>
+                      </a:rPr>
+                      <m:t>,…,</m:t>
+                    </m:r>
+                    <m:sSub>
+                      <m:sSubPr>
+                        <m:ctrlPr>
+                          <a:rPr lang="en-US" b="0" i="1" smtClean="0">
+                            <a:latin typeface="Cambria Math" panose="02040503050406030204" pitchFamily="18" charset="0"/>
+                          </a:rPr>
+                        </m:ctrlPr>
+                      </m:sSubPr>
+                      <m:e>
+                        <m:r>
+                          <a:rPr lang="en-US" b="0" i="1" smtClean="0">
+                            <a:latin typeface="Cambria Math" panose="02040503050406030204" pitchFamily="18" charset="0"/>
+                          </a:rPr>
+                          <m:t>𝑥</m:t>
+                        </m:r>
+                      </m:e>
+                      <m:sub>
+                        <m:r>
+                          <a:rPr lang="en-US" b="0" i="1" smtClean="0">
+                            <a:latin typeface="Cambria Math" panose="02040503050406030204" pitchFamily="18" charset="0"/>
+                          </a:rPr>
+                          <m:t>𝑁</m:t>
+                        </m:r>
+                      </m:sub>
+                    </m:sSub>
+                    <m:r>
+                      <a:rPr lang="en-US" b="0" i="1" smtClean="0">
+                        <a:latin typeface="Cambria Math" panose="02040503050406030204" pitchFamily="18" charset="0"/>
+                      </a:rPr>
+                      <m:t>)</m:t>
+                    </m:r>
+                  </m:oMath>
+                </a14:m>
+                <a:r>
+                  <a:rPr lang="en-US" dirty="0"/>
+                  <a:t> and still multiply by a matrix on left or right </a:t>
+                </a:r>
+              </a:p>
+              <a:p>
+                <a:pPr lvl="1"/>
+                <a:endParaRPr lang="en-US" dirty="0"/>
+              </a:p>
+            </p:txBody>
+          </p:sp>
+        </mc:Choice>
+        <mc:Fallback>
+          <p:sp>
+            <p:nvSpPr>
+              <p:cNvPr id="7" name="Content Placeholder 6">
+                <a:extLst>
+                  <a:ext uri="{FF2B5EF4-FFF2-40B4-BE49-F238E27FC236}">
+                    <a16:creationId xmlns:a16="http://schemas.microsoft.com/office/drawing/2014/main" id="{C994B35B-95E0-40D8-A86B-DBC521F226F5}"/>
+                  </a:ext>
+                </a:extLst>
+              </p:cNvPr>
+              <p:cNvSpPr>
+                <a:spLocks noGrp="1" noRot="1" noChangeAspect="1" noMove="1" noResize="1" noEditPoints="1" noAdjustHandles="1" noChangeArrowheads="1" noChangeShapeType="1" noTextEdit="1"/>
+              </p:cNvSpPr>
+              <p:nvPr>
+                <p:ph idx="1"/>
+              </p:nvPr>
+            </p:nvSpPr>
+            <p:spPr>
+              <a:blipFill>
+                <a:blip r:embed="rId2"/>
+                <a:stretch>
+                  <a:fillRect l="-1455" t="-2113"/>
+                </a:stretch>
+              </a:blipFill>
+            </p:spPr>
+            <p:txBody>
+              <a:bodyPr/>
+              <a:lstStyle/>
+              <a:p>
+                <a:r>
+                  <a:rPr lang="en-US">
+                    <a:noFill/>
+                  </a:rPr>
+                  <a:t> </a:t>
+                </a:r>
+              </a:p>
+            </p:txBody>
+          </p:sp>
+        </mc:Fallback>
+      </mc:AlternateContent>
+    </p:spTree>
+    <p:extLst>
+      <p:ext uri="{BB962C8B-B14F-4D97-AF65-F5344CB8AC3E}">
+        <p14:creationId xmlns:p14="http://schemas.microsoft.com/office/powerpoint/2010/main" val="3364758823"/>
+      </p:ext>
+    </p:extLst>
+  </p:cSld>
+  <p:clrMapOvr>
+    <a:masterClrMapping/>
+  </p:clrMapOvr>
+</p:sld>
+</file>
+
+<file path=ppt/slides/slide17.xml><?xml version="1.0" encoding="utf-8"?>
 <p:sld xmlns:a="http://schemas.openxmlformats.org/drawingml/2006/main" xmlns:r="http://schemas.openxmlformats.org/officeDocument/2006/relationships" xmlns:p="http://schemas.openxmlformats.org/presentationml/2006/main">
   <p:cSld>
     <p:spTree>
@@ -8780,7 +9554,7 @@
           <a:p>
             <a:fld id="{629637A9-119A-49DA-BD12-AAC58B377D80}" type="slidenum">
               <a:rPr lang="en-US" smtClean="0"/>
-              <a:t>16</a:t>
+              <a:t>17</a:t>
             </a:fld>
             <a:endParaRPr lang="en-US" dirty="0"/>
           </a:p>
@@ -8845,7 +9619,7 @@
 </p:sld>
 </file>
 
-<file path=ppt/slides/slide17.xml><?xml version="1.0" encoding="utf-8"?>
+<file path=ppt/slides/slide18.xml><?xml version="1.0" encoding="utf-8"?>
 <p:sld xmlns:a="http://schemas.openxmlformats.org/drawingml/2006/main" xmlns:r="http://schemas.openxmlformats.org/officeDocument/2006/relationships" xmlns:p="http://schemas.openxmlformats.org/presentationml/2006/main">
   <p:cSld>
     <p:spTree>
@@ -9753,7 +10527,7 @@
           <a:p>
             <a:fld id="{629637A9-119A-49DA-BD12-AAC58B377D80}" type="slidenum">
               <a:rPr lang="en-US" smtClean="0"/>
-              <a:t>17</a:t>
+              <a:t>18</a:t>
             </a:fld>
             <a:endParaRPr lang="en-US" dirty="0"/>
           </a:p>
@@ -9772,7 +10546,7 @@
 </p:sld>
 </file>
 
-<file path=ppt/slides/slide18.xml><?xml version="1.0" encoding="utf-8"?>
+<file path=ppt/slides/slide19.xml><?xml version="1.0" encoding="utf-8"?>
 <p:sld xmlns:a="http://schemas.openxmlformats.org/drawingml/2006/main" xmlns:r="http://schemas.openxmlformats.org/officeDocument/2006/relationships" xmlns:p="http://schemas.openxmlformats.org/presentationml/2006/main">
   <p:cSld>
     <p:spTree>
@@ -9974,7 +10748,7 @@
           <a:p>
             <a:fld id="{629637A9-119A-49DA-BD12-AAC58B377D80}" type="slidenum">
               <a:rPr lang="en-US" smtClean="0"/>
-              <a:t>18</a:t>
+              <a:t>19</a:t>
             </a:fld>
             <a:endParaRPr lang="en-US" dirty="0"/>
           </a:p>
@@ -11200,623 +11974,6 @@
 </p:sld>
 </file>
 
-<file path=ppt/slides/slide19.xml><?xml version="1.0" encoding="utf-8"?>
-<p:sld xmlns:a="http://schemas.openxmlformats.org/drawingml/2006/main" xmlns:r="http://schemas.openxmlformats.org/officeDocument/2006/relationships" xmlns:p="http://schemas.openxmlformats.org/presentationml/2006/main">
-  <p:cSld>
-    <p:spTree>
-      <p:nvGrpSpPr>
-        <p:cNvPr id="1" name=""/>
-        <p:cNvGrpSpPr/>
-        <p:nvPr/>
-      </p:nvGrpSpPr>
-      <p:grpSpPr>
-        <a:xfrm>
-          <a:off x="0" y="0"/>
-          <a:ext cx="0" cy="0"/>
-          <a:chOff x="0" y="0"/>
-          <a:chExt cx="0" cy="0"/>
-        </a:xfrm>
-      </p:grpSpPr>
-      <p:sp>
-        <p:nvSpPr>
-          <p:cNvPr id="2" name="Title 1"/>
-          <p:cNvSpPr>
-            <a:spLocks noGrp="1"/>
-          </p:cNvSpPr>
-          <p:nvPr>
-            <p:ph type="title"/>
-          </p:nvPr>
-        </p:nvSpPr>
-        <p:spPr/>
-        <p:txBody>
-          <a:bodyPr/>
-          <a:lstStyle/>
-          <a:p>
-            <a:r>
-              <a:rPr lang="en-US" dirty="0"/>
-              <a:t>RSS as a Vector Norm</a:t>
-            </a:r>
-          </a:p>
-        </p:txBody>
-      </p:sp>
-      <mc:AlternateContent xmlns:mc="http://schemas.openxmlformats.org/markup-compatibility/2006" xmlns:a14="http://schemas.microsoft.com/office/drawing/2010/main">
-        <mc:Choice Requires="a14">
-          <p:sp>
-            <p:nvSpPr>
-              <p:cNvPr id="3" name="Content Placeholder 2"/>
-              <p:cNvSpPr>
-                <a:spLocks noGrp="1"/>
-              </p:cNvSpPr>
-              <p:nvPr>
-                <p:ph idx="1"/>
-              </p:nvPr>
-            </p:nvSpPr>
-            <p:spPr/>
-            <p:txBody>
-              <a:bodyPr/>
-              <a:lstStyle/>
-              <a:p>
-                <a:r>
-                  <a:rPr lang="en-US" dirty="0"/>
-                  <a:t>RSS is given by sum:</a:t>
-                </a:r>
-                <a:br>
-                  <a:rPr lang="en-US" dirty="0"/>
-                </a:br>
-                <a14:m>
-                  <m:oMath xmlns:m="http://schemas.openxmlformats.org/officeDocument/2006/math">
-                    <m:r>
-                      <m:rPr>
-                        <m:nor/>
-                      </m:rPr>
-                      <a:rPr lang="en-US" b="0" i="0" smtClean="0">
-                        <a:latin typeface="Cambria Math" panose="02040503050406030204" pitchFamily="18" charset="0"/>
-                      </a:rPr>
-                      <m:t>RSS</m:t>
-                    </m:r>
-                    <m:r>
-                      <a:rPr lang="en-US" b="0" i="1" smtClean="0">
-                        <a:latin typeface="Cambria Math" panose="02040503050406030204" pitchFamily="18" charset="0"/>
-                      </a:rPr>
-                      <m:t>=</m:t>
-                    </m:r>
-                    <m:nary>
-                      <m:naryPr>
-                        <m:chr m:val="∑"/>
-                        <m:limLoc m:val="subSup"/>
-                        <m:ctrlPr>
-                          <a:rPr lang="en-US" b="0" i="1" smtClean="0">
-                            <a:latin typeface="Cambria Math" panose="02040503050406030204" pitchFamily="18" charset="0"/>
-                          </a:rPr>
-                        </m:ctrlPr>
-                      </m:naryPr>
-                      <m:sub>
-                        <m:r>
-                          <m:rPr>
-                            <m:brk m:alnAt="25"/>
-                          </m:rPr>
-                          <a:rPr lang="en-US" b="0" i="1" smtClean="0">
-                            <a:latin typeface="Cambria Math" panose="02040503050406030204" pitchFamily="18" charset="0"/>
-                          </a:rPr>
-                          <m:t>𝑖</m:t>
-                        </m:r>
-                        <m:r>
-                          <a:rPr lang="en-US" b="0" i="1" smtClean="0">
-                            <a:latin typeface="Cambria Math" panose="02040503050406030204" pitchFamily="18" charset="0"/>
-                          </a:rPr>
-                          <m:t>=1</m:t>
-                        </m:r>
-                      </m:sub>
-                      <m:sup>
-                        <m:r>
-                          <a:rPr lang="en-US" b="0" i="1" smtClean="0">
-                            <a:latin typeface="Cambria Math" panose="02040503050406030204" pitchFamily="18" charset="0"/>
-                          </a:rPr>
-                          <m:t>𝑛</m:t>
-                        </m:r>
-                      </m:sup>
-                      <m:e>
-                        <m:sSup>
-                          <m:sSupPr>
-                            <m:ctrlPr>
-                              <a:rPr lang="en-US" b="0" i="1" smtClean="0">
-                                <a:latin typeface="Cambria Math" panose="02040503050406030204" pitchFamily="18" charset="0"/>
-                              </a:rPr>
-                            </m:ctrlPr>
-                          </m:sSupPr>
-                          <m:e>
-                            <m:d>
-                              <m:dPr>
-                                <m:ctrlPr>
-                                  <a:rPr lang="en-US" b="0" i="1" smtClean="0">
-                                    <a:latin typeface="Cambria Math" panose="02040503050406030204" pitchFamily="18" charset="0"/>
-                                  </a:rPr>
-                                </m:ctrlPr>
-                              </m:dPr>
-                              <m:e>
-                                <m:sSub>
-                                  <m:sSubPr>
-                                    <m:ctrlPr>
-                                      <a:rPr lang="en-US" b="0" i="1" smtClean="0">
-                                        <a:latin typeface="Cambria Math" panose="02040503050406030204" pitchFamily="18" charset="0"/>
-                                      </a:rPr>
-                                    </m:ctrlPr>
-                                  </m:sSubPr>
-                                  <m:e>
-                                    <m:r>
-                                      <a:rPr lang="en-US" b="0" i="1" smtClean="0">
-                                        <a:latin typeface="Cambria Math" panose="02040503050406030204" pitchFamily="18" charset="0"/>
-                                      </a:rPr>
-                                      <m:t>𝑦</m:t>
-                                    </m:r>
-                                  </m:e>
-                                  <m:sub>
-                                    <m:r>
-                                      <a:rPr lang="en-US" b="0" i="1" smtClean="0">
-                                        <a:latin typeface="Cambria Math" panose="02040503050406030204" pitchFamily="18" charset="0"/>
-                                      </a:rPr>
-                                      <m:t>𝑖</m:t>
-                                    </m:r>
-                                  </m:sub>
-                                </m:sSub>
-                                <m:r>
-                                  <a:rPr lang="en-US" b="0" i="1" smtClean="0">
-                                    <a:latin typeface="Cambria Math" panose="02040503050406030204" pitchFamily="18" charset="0"/>
-                                  </a:rPr>
-                                  <m:t>−</m:t>
-                                </m:r>
-                                <m:sSub>
-                                  <m:sSubPr>
-                                    <m:ctrlPr>
-                                      <a:rPr lang="en-US" b="0" i="1" smtClean="0">
-                                        <a:latin typeface="Cambria Math" panose="02040503050406030204" pitchFamily="18" charset="0"/>
-                                      </a:rPr>
-                                    </m:ctrlPr>
-                                  </m:sSubPr>
-                                  <m:e>
-                                    <m:acc>
-                                      <m:accPr>
-                                        <m:chr m:val="̂"/>
-                                        <m:ctrlPr>
-                                          <a:rPr lang="en-US" b="0" i="1" smtClean="0">
-                                            <a:latin typeface="Cambria Math" panose="02040503050406030204" pitchFamily="18" charset="0"/>
-                                          </a:rPr>
-                                        </m:ctrlPr>
-                                      </m:accPr>
-                                      <m:e>
-                                        <m:r>
-                                          <a:rPr lang="en-US" b="0" i="1" smtClean="0">
-                                            <a:latin typeface="Cambria Math" panose="02040503050406030204" pitchFamily="18" charset="0"/>
-                                          </a:rPr>
-                                          <m:t>𝑦</m:t>
-                                        </m:r>
-                                      </m:e>
-                                    </m:acc>
-                                  </m:e>
-                                  <m:sub>
-                                    <m:r>
-                                      <a:rPr lang="en-US" b="0" i="1" smtClean="0">
-                                        <a:latin typeface="Cambria Math" panose="02040503050406030204" pitchFamily="18" charset="0"/>
-                                      </a:rPr>
-                                      <m:t>𝑖</m:t>
-                                    </m:r>
-                                  </m:sub>
-                                </m:sSub>
-                              </m:e>
-                            </m:d>
-                          </m:e>
-                          <m:sup>
-                            <m:r>
-                              <a:rPr lang="en-US" b="0" i="1" smtClean="0">
-                                <a:latin typeface="Cambria Math" panose="02040503050406030204" pitchFamily="18" charset="0"/>
-                              </a:rPr>
-                              <m:t>2</m:t>
-                            </m:r>
-                          </m:sup>
-                        </m:sSup>
-                      </m:e>
-                    </m:nary>
-                  </m:oMath>
-                </a14:m>
-                <a:endParaRPr lang="en-US" b="0" dirty="0"/>
-              </a:p>
-              <a:p>
-                <a:r>
-                  <a:rPr lang="en-US" dirty="0"/>
-                  <a:t>Define </a:t>
-                </a:r>
-                <a:r>
-                  <a:rPr lang="en-US" dirty="0">
-                    <a:solidFill>
-                      <a:schemeClr val="accent1">
-                        <a:lumMod val="60000"/>
-                        <a:lumOff val="40000"/>
-                      </a:schemeClr>
-                    </a:solidFill>
-                  </a:rPr>
-                  <a:t>norm</a:t>
-                </a:r>
-                <a:r>
-                  <a:rPr lang="en-US" dirty="0"/>
-                  <a:t> of a vector:  </a:t>
-                </a:r>
-              </a:p>
-              <a:p>
-                <a:pPr lvl="1"/>
-                <a14:m>
-                  <m:oMath xmlns:m="http://schemas.openxmlformats.org/officeDocument/2006/math">
-                    <m:d>
-                      <m:dPr>
-                        <m:begChr m:val="‖"/>
-                        <m:endChr m:val="‖"/>
-                        <m:ctrlPr>
-                          <a:rPr lang="en-US" i="1" smtClean="0">
-                            <a:latin typeface="Cambria Math" panose="02040503050406030204" pitchFamily="18" charset="0"/>
-                          </a:rPr>
-                        </m:ctrlPr>
-                      </m:dPr>
-                      <m:e>
-                        <m:r>
-                          <a:rPr lang="en-US" b="1" i="1" smtClean="0">
-                            <a:latin typeface="Cambria Math" panose="02040503050406030204" pitchFamily="18" charset="0"/>
-                          </a:rPr>
-                          <m:t>𝒙</m:t>
-                        </m:r>
-                      </m:e>
-                    </m:d>
-                    <m:r>
-                      <a:rPr lang="en-US" b="0" i="1" smtClean="0">
-                        <a:latin typeface="Cambria Math" panose="02040503050406030204" pitchFamily="18" charset="0"/>
-                      </a:rPr>
-                      <m:t>=</m:t>
-                    </m:r>
-                    <m:sSup>
-                      <m:sSupPr>
-                        <m:ctrlPr>
-                          <a:rPr lang="en-US" b="0" i="1" smtClean="0">
-                            <a:latin typeface="Cambria Math" panose="02040503050406030204" pitchFamily="18" charset="0"/>
-                          </a:rPr>
-                        </m:ctrlPr>
-                      </m:sSupPr>
-                      <m:e>
-                        <m:d>
-                          <m:dPr>
-                            <m:ctrlPr>
-                              <a:rPr lang="en-US" b="0" i="1" smtClean="0">
-                                <a:latin typeface="Cambria Math" panose="02040503050406030204" pitchFamily="18" charset="0"/>
-                              </a:rPr>
-                            </m:ctrlPr>
-                          </m:dPr>
-                          <m:e>
-                            <m:sSubSup>
-                              <m:sSubSupPr>
-                                <m:ctrlPr>
-                                  <a:rPr lang="en-US" b="0" i="1" smtClean="0">
-                                    <a:latin typeface="Cambria Math" panose="02040503050406030204" pitchFamily="18" charset="0"/>
-                                  </a:rPr>
-                                </m:ctrlPr>
-                              </m:sSubSupPr>
-                              <m:e>
-                                <m:r>
-                                  <a:rPr lang="en-US" b="0" i="1" smtClean="0">
-                                    <a:latin typeface="Cambria Math" panose="02040503050406030204" pitchFamily="18" charset="0"/>
-                                  </a:rPr>
-                                  <m:t>𝑥</m:t>
-                                </m:r>
-                              </m:e>
-                              <m:sub>
-                                <m:r>
-                                  <a:rPr lang="en-US" b="0" i="1" smtClean="0">
-                                    <a:latin typeface="Cambria Math" panose="02040503050406030204" pitchFamily="18" charset="0"/>
-                                  </a:rPr>
-                                  <m:t>1</m:t>
-                                </m:r>
-                              </m:sub>
-                              <m:sup>
-                                <m:r>
-                                  <a:rPr lang="en-US" b="0" i="1" smtClean="0">
-                                    <a:latin typeface="Cambria Math" panose="02040503050406030204" pitchFamily="18" charset="0"/>
-                                  </a:rPr>
-                                  <m:t>2</m:t>
-                                </m:r>
-                              </m:sup>
-                            </m:sSubSup>
-                            <m:r>
-                              <a:rPr lang="en-US" b="0" i="1" smtClean="0">
-                                <a:latin typeface="Cambria Math" panose="02040503050406030204" pitchFamily="18" charset="0"/>
-                              </a:rPr>
-                              <m:t>+⋯+</m:t>
-                            </m:r>
-                            <m:sSubSup>
-                              <m:sSubSupPr>
-                                <m:ctrlPr>
-                                  <a:rPr lang="en-US" b="0" i="1" smtClean="0">
-                                    <a:latin typeface="Cambria Math" panose="02040503050406030204" pitchFamily="18" charset="0"/>
-                                  </a:rPr>
-                                </m:ctrlPr>
-                              </m:sSubSupPr>
-                              <m:e>
-                                <m:r>
-                                  <a:rPr lang="en-US" b="0" i="1" smtClean="0">
-                                    <a:latin typeface="Cambria Math" panose="02040503050406030204" pitchFamily="18" charset="0"/>
-                                  </a:rPr>
-                                  <m:t>𝑥</m:t>
-                                </m:r>
-                              </m:e>
-                              <m:sub>
-                                <m:r>
-                                  <a:rPr lang="en-US" b="0" i="1" smtClean="0">
-                                    <a:latin typeface="Cambria Math" panose="02040503050406030204" pitchFamily="18" charset="0"/>
-                                  </a:rPr>
-                                  <m:t>𝑟</m:t>
-                                </m:r>
-                              </m:sub>
-                              <m:sup>
-                                <m:r>
-                                  <a:rPr lang="en-US" b="0" i="1" smtClean="0">
-                                    <a:latin typeface="Cambria Math" panose="02040503050406030204" pitchFamily="18" charset="0"/>
-                                  </a:rPr>
-                                  <m:t>2</m:t>
-                                </m:r>
-                              </m:sup>
-                            </m:sSubSup>
-                          </m:e>
-                        </m:d>
-                      </m:e>
-                      <m:sup>
-                        <m:r>
-                          <a:rPr lang="en-US" b="0" i="1" smtClean="0">
-                            <a:latin typeface="Cambria Math" panose="02040503050406030204" pitchFamily="18" charset="0"/>
-                          </a:rPr>
-                          <m:t>1/2</m:t>
-                        </m:r>
-                      </m:sup>
-                    </m:sSup>
-                  </m:oMath>
-                </a14:m>
-                <a:endParaRPr lang="en-US" dirty="0"/>
-              </a:p>
-              <a:p>
-                <a:pPr lvl="1"/>
-                <a:r>
-                  <a:rPr lang="en-US" dirty="0"/>
-                  <a:t>Standard Euclidean norm.</a:t>
-                </a:r>
-              </a:p>
-              <a:p>
-                <a:pPr lvl="1"/>
-                <a:r>
-                  <a:rPr lang="en-US" dirty="0"/>
-                  <a:t>Sometimes called </a:t>
-                </a:r>
-                <a14:m>
-                  <m:oMath xmlns:m="http://schemas.openxmlformats.org/officeDocument/2006/math">
-                    <m:r>
-                      <a:rPr lang="en-US" b="0" i="1" smtClean="0">
-                        <a:latin typeface="Cambria Math" panose="02040503050406030204" pitchFamily="18" charset="0"/>
-                      </a:rPr>
-                      <m:t>ℓ</m:t>
-                    </m:r>
-                  </m:oMath>
-                </a14:m>
-                <a:r>
-                  <a:rPr lang="en-US" dirty="0"/>
-                  <a:t>-2 norm. </a:t>
-                </a:r>
-                <a14:m>
-                  <m:oMath xmlns:m="http://schemas.openxmlformats.org/officeDocument/2006/math">
-                    <m:r>
-                      <a:rPr lang="en-US" i="1">
-                        <a:latin typeface="Cambria Math" panose="02040503050406030204" pitchFamily="18" charset="0"/>
-                      </a:rPr>
-                      <m:t>ℓ</m:t>
-                    </m:r>
-                  </m:oMath>
-                </a14:m>
-                <a:r>
-                  <a:rPr lang="en-US" dirty="0"/>
-                  <a:t> is for </a:t>
-                </a:r>
-                <a:r>
-                  <a:rPr lang="en-US" dirty="0" err="1"/>
-                  <a:t>Lebesque</a:t>
-                </a:r>
-                <a:r>
-                  <a:rPr lang="en-US" dirty="0"/>
-                  <a:t> </a:t>
-                </a:r>
-              </a:p>
-              <a:p>
-                <a:endParaRPr lang="en-US" dirty="0"/>
-              </a:p>
-              <a:p>
-                <a:r>
-                  <a:rPr lang="en-US" dirty="0"/>
-                  <a:t>Write RSS in vector form:</a:t>
-                </a:r>
-                <a:br>
-                  <a:rPr lang="en-US" dirty="0"/>
-                </a:br>
-                <a14:m>
-                  <m:oMath xmlns:m="http://schemas.openxmlformats.org/officeDocument/2006/math">
-                    <m:r>
-                      <m:rPr>
-                        <m:nor/>
-                      </m:rPr>
-                      <a:rPr lang="en-US" b="0" i="0" smtClean="0">
-                        <a:latin typeface="Cambria Math" panose="02040503050406030204" pitchFamily="18" charset="0"/>
-                      </a:rPr>
-                      <m:t>RSS</m:t>
-                    </m:r>
-                    <m:r>
-                      <a:rPr lang="en-US" b="0" i="1" smtClean="0">
-                        <a:latin typeface="Cambria Math" panose="02040503050406030204" pitchFamily="18" charset="0"/>
-                      </a:rPr>
-                      <m:t>=</m:t>
-                    </m:r>
-                    <m:sSup>
-                      <m:sSupPr>
-                        <m:ctrlPr>
-                          <a:rPr lang="en-US" b="0" i="1" smtClean="0">
-                            <a:latin typeface="Cambria Math" panose="02040503050406030204" pitchFamily="18" charset="0"/>
-                          </a:rPr>
-                        </m:ctrlPr>
-                      </m:sSupPr>
-                      <m:e>
-                        <m:d>
-                          <m:dPr>
-                            <m:begChr m:val="‖"/>
-                            <m:endChr m:val="‖"/>
-                            <m:ctrlPr>
-                              <a:rPr lang="en-US" b="0" i="1" smtClean="0">
-                                <a:latin typeface="Cambria Math" panose="02040503050406030204" pitchFamily="18" charset="0"/>
-                              </a:rPr>
-                            </m:ctrlPr>
-                          </m:dPr>
-                          <m:e>
-                            <m:r>
-                              <a:rPr lang="en-US" b="1" i="1" smtClean="0">
-                                <a:latin typeface="Cambria Math" panose="02040503050406030204" pitchFamily="18" charset="0"/>
-                              </a:rPr>
-                              <m:t>𝒚</m:t>
-                            </m:r>
-                            <m:r>
-                              <a:rPr lang="en-US" b="0" i="1" smtClean="0">
-                                <a:latin typeface="Cambria Math" panose="02040503050406030204" pitchFamily="18" charset="0"/>
-                              </a:rPr>
-                              <m:t>−</m:t>
-                            </m:r>
-                            <m:acc>
-                              <m:accPr>
-                                <m:chr m:val="̂"/>
-                                <m:ctrlPr>
-                                  <a:rPr lang="en-US" b="0" i="1" smtClean="0">
-                                    <a:latin typeface="Cambria Math" panose="02040503050406030204" pitchFamily="18" charset="0"/>
-                                  </a:rPr>
-                                </m:ctrlPr>
-                              </m:accPr>
-                              <m:e>
-                                <m:r>
-                                  <a:rPr lang="en-US" b="1" i="1" smtClean="0">
-                                    <a:latin typeface="Cambria Math" panose="02040503050406030204" pitchFamily="18" charset="0"/>
-                                  </a:rPr>
-                                  <m:t>𝒚</m:t>
-                                </m:r>
-                              </m:e>
-                            </m:acc>
-                          </m:e>
-                        </m:d>
-                      </m:e>
-                      <m:sup>
-                        <m:r>
-                          <a:rPr lang="en-US" b="0" i="1" smtClean="0">
-                            <a:latin typeface="Cambria Math" panose="02040503050406030204" pitchFamily="18" charset="0"/>
-                          </a:rPr>
-                          <m:t>2</m:t>
-                        </m:r>
-                      </m:sup>
-                    </m:sSup>
-                  </m:oMath>
-                </a14:m>
-                <a:endParaRPr lang="en-US" dirty="0"/>
-              </a:p>
-            </p:txBody>
-          </p:sp>
-        </mc:Choice>
-        <mc:Fallback xmlns="">
-          <p:sp>
-            <p:nvSpPr>
-              <p:cNvPr id="3" name="Content Placeholder 2"/>
-              <p:cNvSpPr>
-                <a:spLocks noGrp="1" noRot="1" noChangeAspect="1" noMove="1" noResize="1" noEditPoints="1" noAdjustHandles="1" noChangeArrowheads="1" noChangeShapeType="1" noTextEdit="1"/>
-              </p:cNvSpPr>
-              <p:nvPr>
-                <p:ph idx="1"/>
-              </p:nvPr>
-            </p:nvSpPr>
-            <p:spPr>
-              <a:blipFill>
-                <a:blip r:embed="rId2"/>
-                <a:stretch>
-                  <a:fillRect l="-1455" t="-1549"/>
-                </a:stretch>
-              </a:blipFill>
-            </p:spPr>
-            <p:txBody>
-              <a:bodyPr/>
-              <a:lstStyle/>
-              <a:p>
-                <a:r>
-                  <a:rPr lang="en-US">
-                    <a:noFill/>
-                  </a:rPr>
-                  <a:t> </a:t>
-                </a:r>
-              </a:p>
-            </p:txBody>
-          </p:sp>
-        </mc:Fallback>
-      </mc:AlternateContent>
-      <p:sp>
-        <p:nvSpPr>
-          <p:cNvPr id="4" name="Slide Number Placeholder 3"/>
-          <p:cNvSpPr>
-            <a:spLocks noGrp="1"/>
-          </p:cNvSpPr>
-          <p:nvPr>
-            <p:ph type="sldNum" sz="quarter" idx="12"/>
-          </p:nvPr>
-        </p:nvSpPr>
-        <p:spPr/>
-        <p:txBody>
-          <a:bodyPr/>
-          <a:lstStyle/>
-          <a:p>
-            <a:fld id="{629637A9-119A-49DA-BD12-AAC58B377D80}" type="slidenum">
-              <a:rPr lang="en-US" smtClean="0"/>
-              <a:t>19</a:t>
-            </a:fld>
-            <a:endParaRPr lang="en-US" dirty="0"/>
-          </a:p>
-        </p:txBody>
-      </p:sp>
-      <p:pic>
-        <p:nvPicPr>
-          <p:cNvPr id="6" name="Picture 5"/>
-          <p:cNvPicPr>
-            <a:picLocks noChangeAspect="1"/>
-          </p:cNvPicPr>
-          <p:nvPr/>
-        </p:nvPicPr>
-        <p:blipFill>
-          <a:blip r:embed="rId3"/>
-          <a:stretch>
-            <a:fillRect/>
-          </a:stretch>
-        </p:blipFill>
-        <p:spPr>
-          <a:xfrm>
-            <a:off x="8163697" y="1870503"/>
-            <a:ext cx="3352543" cy="3206780"/>
-          </a:xfrm>
-          <a:prstGeom prst="rect">
-            <a:avLst/>
-          </a:prstGeom>
-        </p:spPr>
-      </p:pic>
-    </p:spTree>
-    <p:extLst>
-      <p:ext uri="{BB962C8B-B14F-4D97-AF65-F5344CB8AC3E}">
-        <p14:creationId xmlns:p14="http://schemas.microsoft.com/office/powerpoint/2010/main" val="3918322651"/>
-      </p:ext>
-    </p:extLst>
-  </p:cSld>
-  <p:clrMapOvr>
-    <a:masterClrMapping/>
-  </p:clrMapOvr>
-</p:sld>
-</file>
-
 <file path=ppt/slides/slide2.xml><?xml version="1.0" encoding="utf-8"?>
 <p:sld xmlns:a="http://schemas.openxmlformats.org/drawingml/2006/main" xmlns:r="http://schemas.openxmlformats.org/officeDocument/2006/relationships" xmlns:p="http://schemas.openxmlformats.org/presentationml/2006/main">
   <p:cSld>
@@ -11970,6 +12127,623 @@
 </file>
 
 <file path=ppt/slides/slide20.xml><?xml version="1.0" encoding="utf-8"?>
+<p:sld xmlns:a="http://schemas.openxmlformats.org/drawingml/2006/main" xmlns:r="http://schemas.openxmlformats.org/officeDocument/2006/relationships" xmlns:p="http://schemas.openxmlformats.org/presentationml/2006/main">
+  <p:cSld>
+    <p:spTree>
+      <p:nvGrpSpPr>
+        <p:cNvPr id="1" name=""/>
+        <p:cNvGrpSpPr/>
+        <p:nvPr/>
+      </p:nvGrpSpPr>
+      <p:grpSpPr>
+        <a:xfrm>
+          <a:off x="0" y="0"/>
+          <a:ext cx="0" cy="0"/>
+          <a:chOff x="0" y="0"/>
+          <a:chExt cx="0" cy="0"/>
+        </a:xfrm>
+      </p:grpSpPr>
+      <p:sp>
+        <p:nvSpPr>
+          <p:cNvPr id="2" name="Title 1"/>
+          <p:cNvSpPr>
+            <a:spLocks noGrp="1"/>
+          </p:cNvSpPr>
+          <p:nvPr>
+            <p:ph type="title"/>
+          </p:nvPr>
+        </p:nvSpPr>
+        <p:spPr/>
+        <p:txBody>
+          <a:bodyPr/>
+          <a:lstStyle/>
+          <a:p>
+            <a:r>
+              <a:rPr lang="en-US" dirty="0"/>
+              <a:t>RSS as a Vector Norm</a:t>
+            </a:r>
+          </a:p>
+        </p:txBody>
+      </p:sp>
+      <mc:AlternateContent xmlns:mc="http://schemas.openxmlformats.org/markup-compatibility/2006" xmlns:a14="http://schemas.microsoft.com/office/drawing/2010/main">
+        <mc:Choice Requires="a14">
+          <p:sp>
+            <p:nvSpPr>
+              <p:cNvPr id="3" name="Content Placeholder 2"/>
+              <p:cNvSpPr>
+                <a:spLocks noGrp="1"/>
+              </p:cNvSpPr>
+              <p:nvPr>
+                <p:ph idx="1"/>
+              </p:nvPr>
+            </p:nvSpPr>
+            <p:spPr/>
+            <p:txBody>
+              <a:bodyPr/>
+              <a:lstStyle/>
+              <a:p>
+                <a:r>
+                  <a:rPr lang="en-US" dirty="0"/>
+                  <a:t>RSS is given by sum:</a:t>
+                </a:r>
+                <a:br>
+                  <a:rPr lang="en-US" dirty="0"/>
+                </a:br>
+                <a14:m>
+                  <m:oMath xmlns:m="http://schemas.openxmlformats.org/officeDocument/2006/math">
+                    <m:r>
+                      <m:rPr>
+                        <m:nor/>
+                      </m:rPr>
+                      <a:rPr lang="en-US" b="0" i="0" smtClean="0">
+                        <a:latin typeface="Cambria Math" panose="02040503050406030204" pitchFamily="18" charset="0"/>
+                      </a:rPr>
+                      <m:t>RSS</m:t>
+                    </m:r>
+                    <m:r>
+                      <a:rPr lang="en-US" b="0" i="1" smtClean="0">
+                        <a:latin typeface="Cambria Math" panose="02040503050406030204" pitchFamily="18" charset="0"/>
+                      </a:rPr>
+                      <m:t>=</m:t>
+                    </m:r>
+                    <m:nary>
+                      <m:naryPr>
+                        <m:chr m:val="∑"/>
+                        <m:limLoc m:val="subSup"/>
+                        <m:ctrlPr>
+                          <a:rPr lang="en-US" b="0" i="1" smtClean="0">
+                            <a:latin typeface="Cambria Math" panose="02040503050406030204" pitchFamily="18" charset="0"/>
+                          </a:rPr>
+                        </m:ctrlPr>
+                      </m:naryPr>
+                      <m:sub>
+                        <m:r>
+                          <m:rPr>
+                            <m:brk m:alnAt="25"/>
+                          </m:rPr>
+                          <a:rPr lang="en-US" b="0" i="1" smtClean="0">
+                            <a:latin typeface="Cambria Math" panose="02040503050406030204" pitchFamily="18" charset="0"/>
+                          </a:rPr>
+                          <m:t>𝑖</m:t>
+                        </m:r>
+                        <m:r>
+                          <a:rPr lang="en-US" b="0" i="1" smtClean="0">
+                            <a:latin typeface="Cambria Math" panose="02040503050406030204" pitchFamily="18" charset="0"/>
+                          </a:rPr>
+                          <m:t>=1</m:t>
+                        </m:r>
+                      </m:sub>
+                      <m:sup>
+                        <m:r>
+                          <a:rPr lang="en-US" b="0" i="1" smtClean="0">
+                            <a:latin typeface="Cambria Math" panose="02040503050406030204" pitchFamily="18" charset="0"/>
+                          </a:rPr>
+                          <m:t>𝑛</m:t>
+                        </m:r>
+                      </m:sup>
+                      <m:e>
+                        <m:sSup>
+                          <m:sSupPr>
+                            <m:ctrlPr>
+                              <a:rPr lang="en-US" b="0" i="1" smtClean="0">
+                                <a:latin typeface="Cambria Math" panose="02040503050406030204" pitchFamily="18" charset="0"/>
+                              </a:rPr>
+                            </m:ctrlPr>
+                          </m:sSupPr>
+                          <m:e>
+                            <m:d>
+                              <m:dPr>
+                                <m:ctrlPr>
+                                  <a:rPr lang="en-US" b="0" i="1" smtClean="0">
+                                    <a:latin typeface="Cambria Math" panose="02040503050406030204" pitchFamily="18" charset="0"/>
+                                  </a:rPr>
+                                </m:ctrlPr>
+                              </m:dPr>
+                              <m:e>
+                                <m:sSub>
+                                  <m:sSubPr>
+                                    <m:ctrlPr>
+                                      <a:rPr lang="en-US" b="0" i="1" smtClean="0">
+                                        <a:latin typeface="Cambria Math" panose="02040503050406030204" pitchFamily="18" charset="0"/>
+                                      </a:rPr>
+                                    </m:ctrlPr>
+                                  </m:sSubPr>
+                                  <m:e>
+                                    <m:r>
+                                      <a:rPr lang="en-US" b="0" i="1" smtClean="0">
+                                        <a:latin typeface="Cambria Math" panose="02040503050406030204" pitchFamily="18" charset="0"/>
+                                      </a:rPr>
+                                      <m:t>𝑦</m:t>
+                                    </m:r>
+                                  </m:e>
+                                  <m:sub>
+                                    <m:r>
+                                      <a:rPr lang="en-US" b="0" i="1" smtClean="0">
+                                        <a:latin typeface="Cambria Math" panose="02040503050406030204" pitchFamily="18" charset="0"/>
+                                      </a:rPr>
+                                      <m:t>𝑖</m:t>
+                                    </m:r>
+                                  </m:sub>
+                                </m:sSub>
+                                <m:r>
+                                  <a:rPr lang="en-US" b="0" i="1" smtClean="0">
+                                    <a:latin typeface="Cambria Math" panose="02040503050406030204" pitchFamily="18" charset="0"/>
+                                  </a:rPr>
+                                  <m:t>−</m:t>
+                                </m:r>
+                                <m:sSub>
+                                  <m:sSubPr>
+                                    <m:ctrlPr>
+                                      <a:rPr lang="en-US" b="0" i="1" smtClean="0">
+                                        <a:latin typeface="Cambria Math" panose="02040503050406030204" pitchFamily="18" charset="0"/>
+                                      </a:rPr>
+                                    </m:ctrlPr>
+                                  </m:sSubPr>
+                                  <m:e>
+                                    <m:acc>
+                                      <m:accPr>
+                                        <m:chr m:val="̂"/>
+                                        <m:ctrlPr>
+                                          <a:rPr lang="en-US" b="0" i="1" smtClean="0">
+                                            <a:latin typeface="Cambria Math" panose="02040503050406030204" pitchFamily="18" charset="0"/>
+                                          </a:rPr>
+                                        </m:ctrlPr>
+                                      </m:accPr>
+                                      <m:e>
+                                        <m:r>
+                                          <a:rPr lang="en-US" b="0" i="1" smtClean="0">
+                                            <a:latin typeface="Cambria Math" panose="02040503050406030204" pitchFamily="18" charset="0"/>
+                                          </a:rPr>
+                                          <m:t>𝑦</m:t>
+                                        </m:r>
+                                      </m:e>
+                                    </m:acc>
+                                  </m:e>
+                                  <m:sub>
+                                    <m:r>
+                                      <a:rPr lang="en-US" b="0" i="1" smtClean="0">
+                                        <a:latin typeface="Cambria Math" panose="02040503050406030204" pitchFamily="18" charset="0"/>
+                                      </a:rPr>
+                                      <m:t>𝑖</m:t>
+                                    </m:r>
+                                  </m:sub>
+                                </m:sSub>
+                              </m:e>
+                            </m:d>
+                          </m:e>
+                          <m:sup>
+                            <m:r>
+                              <a:rPr lang="en-US" b="0" i="1" smtClean="0">
+                                <a:latin typeface="Cambria Math" panose="02040503050406030204" pitchFamily="18" charset="0"/>
+                              </a:rPr>
+                              <m:t>2</m:t>
+                            </m:r>
+                          </m:sup>
+                        </m:sSup>
+                      </m:e>
+                    </m:nary>
+                  </m:oMath>
+                </a14:m>
+                <a:endParaRPr lang="en-US" b="0" dirty="0"/>
+              </a:p>
+              <a:p>
+                <a:r>
+                  <a:rPr lang="en-US" dirty="0"/>
+                  <a:t>Define </a:t>
+                </a:r>
+                <a:r>
+                  <a:rPr lang="en-US" dirty="0">
+                    <a:solidFill>
+                      <a:schemeClr val="accent1">
+                        <a:lumMod val="60000"/>
+                        <a:lumOff val="40000"/>
+                      </a:schemeClr>
+                    </a:solidFill>
+                  </a:rPr>
+                  <a:t>norm</a:t>
+                </a:r>
+                <a:r>
+                  <a:rPr lang="en-US" dirty="0"/>
+                  <a:t> of a vector:  </a:t>
+                </a:r>
+              </a:p>
+              <a:p>
+                <a:pPr lvl="1"/>
+                <a14:m>
+                  <m:oMath xmlns:m="http://schemas.openxmlformats.org/officeDocument/2006/math">
+                    <m:d>
+                      <m:dPr>
+                        <m:begChr m:val="‖"/>
+                        <m:endChr m:val="‖"/>
+                        <m:ctrlPr>
+                          <a:rPr lang="en-US" i="1" smtClean="0">
+                            <a:latin typeface="Cambria Math" panose="02040503050406030204" pitchFamily="18" charset="0"/>
+                          </a:rPr>
+                        </m:ctrlPr>
+                      </m:dPr>
+                      <m:e>
+                        <m:r>
+                          <a:rPr lang="en-US" b="1" i="1" smtClean="0">
+                            <a:latin typeface="Cambria Math" panose="02040503050406030204" pitchFamily="18" charset="0"/>
+                          </a:rPr>
+                          <m:t>𝒙</m:t>
+                        </m:r>
+                      </m:e>
+                    </m:d>
+                    <m:r>
+                      <a:rPr lang="en-US" b="0" i="1" smtClean="0">
+                        <a:latin typeface="Cambria Math" panose="02040503050406030204" pitchFamily="18" charset="0"/>
+                      </a:rPr>
+                      <m:t>=</m:t>
+                    </m:r>
+                    <m:sSup>
+                      <m:sSupPr>
+                        <m:ctrlPr>
+                          <a:rPr lang="en-US" b="0" i="1" smtClean="0">
+                            <a:latin typeface="Cambria Math" panose="02040503050406030204" pitchFamily="18" charset="0"/>
+                          </a:rPr>
+                        </m:ctrlPr>
+                      </m:sSupPr>
+                      <m:e>
+                        <m:d>
+                          <m:dPr>
+                            <m:ctrlPr>
+                              <a:rPr lang="en-US" b="0" i="1" smtClean="0">
+                                <a:latin typeface="Cambria Math" panose="02040503050406030204" pitchFamily="18" charset="0"/>
+                              </a:rPr>
+                            </m:ctrlPr>
+                          </m:dPr>
+                          <m:e>
+                            <m:sSubSup>
+                              <m:sSubSupPr>
+                                <m:ctrlPr>
+                                  <a:rPr lang="en-US" b="0" i="1" smtClean="0">
+                                    <a:latin typeface="Cambria Math" panose="02040503050406030204" pitchFamily="18" charset="0"/>
+                                  </a:rPr>
+                                </m:ctrlPr>
+                              </m:sSubSupPr>
+                              <m:e>
+                                <m:r>
+                                  <a:rPr lang="en-US" b="0" i="1" smtClean="0">
+                                    <a:latin typeface="Cambria Math" panose="02040503050406030204" pitchFamily="18" charset="0"/>
+                                  </a:rPr>
+                                  <m:t>𝑥</m:t>
+                                </m:r>
+                              </m:e>
+                              <m:sub>
+                                <m:r>
+                                  <a:rPr lang="en-US" b="0" i="1" smtClean="0">
+                                    <a:latin typeface="Cambria Math" panose="02040503050406030204" pitchFamily="18" charset="0"/>
+                                  </a:rPr>
+                                  <m:t>1</m:t>
+                                </m:r>
+                              </m:sub>
+                              <m:sup>
+                                <m:r>
+                                  <a:rPr lang="en-US" b="0" i="1" smtClean="0">
+                                    <a:latin typeface="Cambria Math" panose="02040503050406030204" pitchFamily="18" charset="0"/>
+                                  </a:rPr>
+                                  <m:t>2</m:t>
+                                </m:r>
+                              </m:sup>
+                            </m:sSubSup>
+                            <m:r>
+                              <a:rPr lang="en-US" b="0" i="1" smtClean="0">
+                                <a:latin typeface="Cambria Math" panose="02040503050406030204" pitchFamily="18" charset="0"/>
+                              </a:rPr>
+                              <m:t>+⋯+</m:t>
+                            </m:r>
+                            <m:sSubSup>
+                              <m:sSubSupPr>
+                                <m:ctrlPr>
+                                  <a:rPr lang="en-US" b="0" i="1" smtClean="0">
+                                    <a:latin typeface="Cambria Math" panose="02040503050406030204" pitchFamily="18" charset="0"/>
+                                  </a:rPr>
+                                </m:ctrlPr>
+                              </m:sSubSupPr>
+                              <m:e>
+                                <m:r>
+                                  <a:rPr lang="en-US" b="0" i="1" smtClean="0">
+                                    <a:latin typeface="Cambria Math" panose="02040503050406030204" pitchFamily="18" charset="0"/>
+                                  </a:rPr>
+                                  <m:t>𝑥</m:t>
+                                </m:r>
+                              </m:e>
+                              <m:sub>
+                                <m:r>
+                                  <a:rPr lang="en-US" b="0" i="1" smtClean="0">
+                                    <a:latin typeface="Cambria Math" panose="02040503050406030204" pitchFamily="18" charset="0"/>
+                                  </a:rPr>
+                                  <m:t>𝑟</m:t>
+                                </m:r>
+                              </m:sub>
+                              <m:sup>
+                                <m:r>
+                                  <a:rPr lang="en-US" b="0" i="1" smtClean="0">
+                                    <a:latin typeface="Cambria Math" panose="02040503050406030204" pitchFamily="18" charset="0"/>
+                                  </a:rPr>
+                                  <m:t>2</m:t>
+                                </m:r>
+                              </m:sup>
+                            </m:sSubSup>
+                          </m:e>
+                        </m:d>
+                      </m:e>
+                      <m:sup>
+                        <m:r>
+                          <a:rPr lang="en-US" b="0" i="1" smtClean="0">
+                            <a:latin typeface="Cambria Math" panose="02040503050406030204" pitchFamily="18" charset="0"/>
+                          </a:rPr>
+                          <m:t>1/2</m:t>
+                        </m:r>
+                      </m:sup>
+                    </m:sSup>
+                  </m:oMath>
+                </a14:m>
+                <a:endParaRPr lang="en-US" dirty="0"/>
+              </a:p>
+              <a:p>
+                <a:pPr lvl="1"/>
+                <a:r>
+                  <a:rPr lang="en-US" dirty="0"/>
+                  <a:t>Standard Euclidean norm.</a:t>
+                </a:r>
+              </a:p>
+              <a:p>
+                <a:pPr lvl="1"/>
+                <a:r>
+                  <a:rPr lang="en-US" dirty="0"/>
+                  <a:t>Sometimes called </a:t>
+                </a:r>
+                <a14:m>
+                  <m:oMath xmlns:m="http://schemas.openxmlformats.org/officeDocument/2006/math">
+                    <m:r>
+                      <a:rPr lang="en-US" b="0" i="1" smtClean="0">
+                        <a:latin typeface="Cambria Math" panose="02040503050406030204" pitchFamily="18" charset="0"/>
+                      </a:rPr>
+                      <m:t>ℓ</m:t>
+                    </m:r>
+                  </m:oMath>
+                </a14:m>
+                <a:r>
+                  <a:rPr lang="en-US" dirty="0"/>
+                  <a:t>-2 norm. </a:t>
+                </a:r>
+                <a14:m>
+                  <m:oMath xmlns:m="http://schemas.openxmlformats.org/officeDocument/2006/math">
+                    <m:r>
+                      <a:rPr lang="en-US" i="1">
+                        <a:latin typeface="Cambria Math" panose="02040503050406030204" pitchFamily="18" charset="0"/>
+                      </a:rPr>
+                      <m:t>ℓ</m:t>
+                    </m:r>
+                  </m:oMath>
+                </a14:m>
+                <a:r>
+                  <a:rPr lang="en-US" dirty="0"/>
+                  <a:t> is for </a:t>
+                </a:r>
+                <a:r>
+                  <a:rPr lang="en-US" dirty="0" err="1"/>
+                  <a:t>Lebesque</a:t>
+                </a:r>
+                <a:r>
+                  <a:rPr lang="en-US" dirty="0"/>
+                  <a:t> </a:t>
+                </a:r>
+              </a:p>
+              <a:p>
+                <a:endParaRPr lang="en-US" dirty="0"/>
+              </a:p>
+              <a:p>
+                <a:r>
+                  <a:rPr lang="en-US" dirty="0"/>
+                  <a:t>Write RSS in vector form:</a:t>
+                </a:r>
+                <a:br>
+                  <a:rPr lang="en-US" dirty="0"/>
+                </a:br>
+                <a14:m>
+                  <m:oMath xmlns:m="http://schemas.openxmlformats.org/officeDocument/2006/math">
+                    <m:r>
+                      <m:rPr>
+                        <m:nor/>
+                      </m:rPr>
+                      <a:rPr lang="en-US" b="0" i="0" smtClean="0">
+                        <a:latin typeface="Cambria Math" panose="02040503050406030204" pitchFamily="18" charset="0"/>
+                      </a:rPr>
+                      <m:t>RSS</m:t>
+                    </m:r>
+                    <m:r>
+                      <a:rPr lang="en-US" b="0" i="1" smtClean="0">
+                        <a:latin typeface="Cambria Math" panose="02040503050406030204" pitchFamily="18" charset="0"/>
+                      </a:rPr>
+                      <m:t>=</m:t>
+                    </m:r>
+                    <m:sSup>
+                      <m:sSupPr>
+                        <m:ctrlPr>
+                          <a:rPr lang="en-US" b="0" i="1" smtClean="0">
+                            <a:latin typeface="Cambria Math" panose="02040503050406030204" pitchFamily="18" charset="0"/>
+                          </a:rPr>
+                        </m:ctrlPr>
+                      </m:sSupPr>
+                      <m:e>
+                        <m:d>
+                          <m:dPr>
+                            <m:begChr m:val="‖"/>
+                            <m:endChr m:val="‖"/>
+                            <m:ctrlPr>
+                              <a:rPr lang="en-US" b="0" i="1" smtClean="0">
+                                <a:latin typeface="Cambria Math" panose="02040503050406030204" pitchFamily="18" charset="0"/>
+                              </a:rPr>
+                            </m:ctrlPr>
+                          </m:dPr>
+                          <m:e>
+                            <m:r>
+                              <a:rPr lang="en-US" b="1" i="1" smtClean="0">
+                                <a:latin typeface="Cambria Math" panose="02040503050406030204" pitchFamily="18" charset="0"/>
+                              </a:rPr>
+                              <m:t>𝒚</m:t>
+                            </m:r>
+                            <m:r>
+                              <a:rPr lang="en-US" b="0" i="1" smtClean="0">
+                                <a:latin typeface="Cambria Math" panose="02040503050406030204" pitchFamily="18" charset="0"/>
+                              </a:rPr>
+                              <m:t>−</m:t>
+                            </m:r>
+                            <m:acc>
+                              <m:accPr>
+                                <m:chr m:val="̂"/>
+                                <m:ctrlPr>
+                                  <a:rPr lang="en-US" b="0" i="1" smtClean="0">
+                                    <a:latin typeface="Cambria Math" panose="02040503050406030204" pitchFamily="18" charset="0"/>
+                                  </a:rPr>
+                                </m:ctrlPr>
+                              </m:accPr>
+                              <m:e>
+                                <m:r>
+                                  <a:rPr lang="en-US" b="1" i="1" smtClean="0">
+                                    <a:latin typeface="Cambria Math" panose="02040503050406030204" pitchFamily="18" charset="0"/>
+                                  </a:rPr>
+                                  <m:t>𝒚</m:t>
+                                </m:r>
+                              </m:e>
+                            </m:acc>
+                          </m:e>
+                        </m:d>
+                      </m:e>
+                      <m:sup>
+                        <m:r>
+                          <a:rPr lang="en-US" b="0" i="1" smtClean="0">
+                            <a:latin typeface="Cambria Math" panose="02040503050406030204" pitchFamily="18" charset="0"/>
+                          </a:rPr>
+                          <m:t>2</m:t>
+                        </m:r>
+                      </m:sup>
+                    </m:sSup>
+                  </m:oMath>
+                </a14:m>
+                <a:endParaRPr lang="en-US" dirty="0"/>
+              </a:p>
+            </p:txBody>
+          </p:sp>
+        </mc:Choice>
+        <mc:Fallback xmlns="">
+          <p:sp>
+            <p:nvSpPr>
+              <p:cNvPr id="3" name="Content Placeholder 2"/>
+              <p:cNvSpPr>
+                <a:spLocks noGrp="1" noRot="1" noChangeAspect="1" noMove="1" noResize="1" noEditPoints="1" noAdjustHandles="1" noChangeArrowheads="1" noChangeShapeType="1" noTextEdit="1"/>
+              </p:cNvSpPr>
+              <p:nvPr>
+                <p:ph idx="1"/>
+              </p:nvPr>
+            </p:nvSpPr>
+            <p:spPr>
+              <a:blipFill>
+                <a:blip r:embed="rId2"/>
+                <a:stretch>
+                  <a:fillRect l="-1455" t="-1549"/>
+                </a:stretch>
+              </a:blipFill>
+            </p:spPr>
+            <p:txBody>
+              <a:bodyPr/>
+              <a:lstStyle/>
+              <a:p>
+                <a:r>
+                  <a:rPr lang="en-US">
+                    <a:noFill/>
+                  </a:rPr>
+                  <a:t> </a:t>
+                </a:r>
+              </a:p>
+            </p:txBody>
+          </p:sp>
+        </mc:Fallback>
+      </mc:AlternateContent>
+      <p:sp>
+        <p:nvSpPr>
+          <p:cNvPr id="4" name="Slide Number Placeholder 3"/>
+          <p:cNvSpPr>
+            <a:spLocks noGrp="1"/>
+          </p:cNvSpPr>
+          <p:nvPr>
+            <p:ph type="sldNum" sz="quarter" idx="12"/>
+          </p:nvPr>
+        </p:nvSpPr>
+        <p:spPr/>
+        <p:txBody>
+          <a:bodyPr/>
+          <a:lstStyle/>
+          <a:p>
+            <a:fld id="{629637A9-119A-49DA-BD12-AAC58B377D80}" type="slidenum">
+              <a:rPr lang="en-US" smtClean="0"/>
+              <a:t>20</a:t>
+            </a:fld>
+            <a:endParaRPr lang="en-US" dirty="0"/>
+          </a:p>
+        </p:txBody>
+      </p:sp>
+      <p:pic>
+        <p:nvPicPr>
+          <p:cNvPr id="6" name="Picture 5"/>
+          <p:cNvPicPr>
+            <a:picLocks noChangeAspect="1"/>
+          </p:cNvPicPr>
+          <p:nvPr/>
+        </p:nvPicPr>
+        <p:blipFill>
+          <a:blip r:embed="rId3"/>
+          <a:stretch>
+            <a:fillRect/>
+          </a:stretch>
+        </p:blipFill>
+        <p:spPr>
+          <a:xfrm>
+            <a:off x="8163697" y="1870503"/>
+            <a:ext cx="3352543" cy="3206780"/>
+          </a:xfrm>
+          <a:prstGeom prst="rect">
+            <a:avLst/>
+          </a:prstGeom>
+        </p:spPr>
+      </p:pic>
+    </p:spTree>
+    <p:extLst>
+      <p:ext uri="{BB962C8B-B14F-4D97-AF65-F5344CB8AC3E}">
+        <p14:creationId xmlns:p14="http://schemas.microsoft.com/office/powerpoint/2010/main" val="3918322651"/>
+      </p:ext>
+    </p:extLst>
+  </p:cSld>
+  <p:clrMapOvr>
+    <a:masterClrMapping/>
+  </p:clrMapOvr>
+</p:sld>
+</file>
+
+<file path=ppt/slides/slide21.xml><?xml version="1.0" encoding="utf-8"?>
 <p:sld xmlns:a="http://schemas.openxmlformats.org/drawingml/2006/main" xmlns:r="http://schemas.openxmlformats.org/officeDocument/2006/relationships" xmlns:p="http://schemas.openxmlformats.org/presentationml/2006/main">
   <p:cSld>
     <p:spTree>
@@ -12834,7 +13608,7 @@
           <a:p>
             <a:fld id="{629637A9-119A-49DA-BD12-AAC58B377D80}" type="slidenum">
               <a:rPr lang="en-US" smtClean="0"/>
-              <a:t>20</a:t>
+              <a:t>21</a:t>
             </a:fld>
             <a:endParaRPr lang="en-US" dirty="0"/>
           </a:p>
@@ -12901,7 +13675,7 @@
 </p:sld>
 </file>
 
-<file path=ppt/slides/slide21.xml><?xml version="1.0" encoding="utf-8"?>
+<file path=ppt/slides/slide22.xml><?xml version="1.0" encoding="utf-8"?>
 <p:sld xmlns:a="http://schemas.openxmlformats.org/drawingml/2006/main" xmlns:r="http://schemas.openxmlformats.org/officeDocument/2006/relationships" xmlns:p="http://schemas.openxmlformats.org/presentationml/2006/main">
   <p:cSld>
     <p:spTree>
@@ -12940,8 +13714,8 @@
           </a:p>
         </p:txBody>
       </p:sp>
-      <mc:AlternateContent xmlns:mc="http://schemas.openxmlformats.org/markup-compatibility/2006" xmlns:a14="http://schemas.microsoft.com/office/drawing/2010/main">
-        <mc:Choice Requires="a14">
+      <mc:AlternateContent xmlns:mc="http://schemas.openxmlformats.org/markup-compatibility/2006">
+        <mc:Choice xmlns:a14="http://schemas.microsoft.com/office/drawing/2010/main" Requires="a14">
           <p:sp>
             <p:nvSpPr>
               <p:cNvPr id="3" name="Content Placeholder 2"/>
@@ -13815,7 +14589,7 @@
                     <m:r>
                       <a:rPr lang="en-US" b="1" i="1" smtClean="0">
                         <a:solidFill>
-                          <a:srgbClr val="FF0000"/>
+                          <a:schemeClr val="tx1"/>
                         </a:solidFill>
                         <a:latin typeface="Cambria Math" panose="02040503050406030204" pitchFamily="18" charset="0"/>
                       </a:rPr>
@@ -13824,7 +14598,7 @@
                     <m:r>
                       <a:rPr lang="en-US" b="0" i="1" smtClean="0">
                         <a:solidFill>
-                          <a:srgbClr val="FF0000"/>
+                          <a:schemeClr val="tx1"/>
                         </a:solidFill>
                         <a:latin typeface="Cambria Math" panose="02040503050406030204" pitchFamily="18" charset="0"/>
                       </a:rPr>
@@ -13835,7 +14609,7 @@
                         <m:ctrlPr>
                           <a:rPr lang="en-US" b="0" i="1" smtClean="0">
                             <a:solidFill>
-                              <a:srgbClr val="FF0000"/>
+                              <a:schemeClr val="tx1"/>
                             </a:solidFill>
                             <a:latin typeface="Cambria Math" panose="02040503050406030204" pitchFamily="18" charset="0"/>
                           </a:rPr>
@@ -13847,7 +14621,7 @@
                             <m:ctrlPr>
                               <a:rPr lang="en-US" b="0" i="1" smtClean="0">
                                 <a:solidFill>
-                                  <a:srgbClr val="FF0000"/>
+                                  <a:schemeClr val="tx1"/>
                                 </a:solidFill>
                                 <a:latin typeface="Cambria Math" panose="02040503050406030204" pitchFamily="18" charset="0"/>
                               </a:rPr>
@@ -13859,7 +14633,7 @@
                                 <m:ctrlPr>
                                   <a:rPr lang="en-US" b="0" i="1" smtClean="0">
                                     <a:solidFill>
-                                      <a:srgbClr val="FF0000"/>
+                                      <a:schemeClr val="tx1"/>
                                     </a:solidFill>
                                     <a:latin typeface="Cambria Math" panose="02040503050406030204" pitchFamily="18" charset="0"/>
                                   </a:rPr>
@@ -13869,7 +14643,7 @@
                                 <m:r>
                                   <a:rPr lang="en-US" b="0" i="1" smtClean="0">
                                     <a:solidFill>
-                                      <a:srgbClr val="FF0000"/>
+                                      <a:schemeClr val="tx1"/>
                                     </a:solidFill>
                                     <a:latin typeface="Cambria Math" panose="02040503050406030204" pitchFamily="18" charset="0"/>
                                   </a:rPr>
@@ -13880,7 +14654,7 @@
                                 <m:r>
                                   <a:rPr lang="en-US" b="0" i="1" smtClean="0">
                                     <a:solidFill>
-                                      <a:srgbClr val="FF0000"/>
+                                      <a:schemeClr val="tx1"/>
                                     </a:solidFill>
                                     <a:latin typeface="Cambria Math" panose="02040503050406030204" pitchFamily="18" charset="0"/>
                                   </a:rPr>
@@ -13891,7 +14665,7 @@
                             <m:r>
                               <a:rPr lang="en-US" b="0" i="1" smtClean="0">
                                 <a:solidFill>
-                                  <a:srgbClr val="FF0000"/>
+                                  <a:schemeClr val="tx1"/>
                                 </a:solidFill>
                                 <a:latin typeface="Cambria Math" panose="02040503050406030204" pitchFamily="18" charset="0"/>
                               </a:rPr>
@@ -13904,7 +14678,7 @@
                         <m:r>
                           <a:rPr lang="en-US" b="0" i="1" smtClean="0">
                             <a:solidFill>
-                              <a:srgbClr val="FF0000"/>
+                              <a:schemeClr val="tx1"/>
                             </a:solidFill>
                             <a:latin typeface="Cambria Math" panose="02040503050406030204" pitchFamily="18" charset="0"/>
                           </a:rPr>
@@ -13917,7 +14691,7 @@
                         <m:ctrlPr>
                           <a:rPr lang="en-US" b="0" i="1" smtClean="0">
                             <a:solidFill>
-                              <a:srgbClr val="FF0000"/>
+                              <a:schemeClr val="tx1"/>
                             </a:solidFill>
                             <a:latin typeface="Cambria Math" panose="02040503050406030204" pitchFamily="18" charset="0"/>
                           </a:rPr>
@@ -13927,7 +14701,7 @@
                         <m:r>
                           <a:rPr lang="en-US" b="0" i="1" smtClean="0">
                             <a:solidFill>
-                              <a:srgbClr val="FF0000"/>
+                              <a:schemeClr val="tx1"/>
                             </a:solidFill>
                             <a:latin typeface="Cambria Math" panose="02040503050406030204" pitchFamily="18" charset="0"/>
                           </a:rPr>
@@ -13938,7 +14712,7 @@
                         <m:r>
                           <a:rPr lang="en-US" b="0" i="1" smtClean="0">
                             <a:solidFill>
-                              <a:srgbClr val="FF0000"/>
+                              <a:schemeClr val="tx1"/>
                             </a:solidFill>
                             <a:latin typeface="Cambria Math" panose="02040503050406030204" pitchFamily="18" charset="0"/>
                           </a:rPr>
@@ -13949,7 +14723,7 @@
                     <m:r>
                       <a:rPr lang="en-US" b="1" i="1" smtClean="0">
                         <a:solidFill>
-                          <a:srgbClr val="FF0000"/>
+                          <a:schemeClr val="tx1"/>
                         </a:solidFill>
                         <a:latin typeface="Cambria Math" panose="02040503050406030204" pitchFamily="18" charset="0"/>
                       </a:rPr>
@@ -13958,7 +14732,7 @@
                     <m:r>
                       <a:rPr lang="en-US" b="0" i="1" smtClean="0">
                         <a:solidFill>
-                          <a:srgbClr val="FF0000"/>
+                          <a:schemeClr val="tx1"/>
                         </a:solidFill>
                         <a:latin typeface="Cambria Math" panose="02040503050406030204" pitchFamily="18" charset="0"/>
                       </a:rPr>
@@ -14187,7 +14961,7 @@
             </p:txBody>
           </p:sp>
         </mc:Choice>
-        <mc:Fallback xmlns="">
+        <mc:Fallback>
           <p:sp>
             <p:nvSpPr>
               <p:cNvPr id="3" name="Content Placeholder 2"/>
@@ -14202,7 +14976,7 @@
               <a:blipFill>
                 <a:blip r:embed="rId2"/>
                 <a:stretch>
-                  <a:fillRect l="-1261" t="-16082"/>
+                  <a:fillRect l="-1455" t="-1549"/>
                 </a:stretch>
               </a:blipFill>
             </p:spPr>
@@ -14238,7 +15012,7 @@
           <a:p>
             <a:fld id="{629637A9-119A-49DA-BD12-AAC58B377D80}" type="slidenum">
               <a:rPr lang="en-US" smtClean="0"/>
-              <a:t>21</a:t>
+              <a:t>22</a:t>
             </a:fld>
             <a:endParaRPr lang="en-US" dirty="0"/>
           </a:p>
@@ -14257,7 +15031,7 @@
 </p:sld>
 </file>
 
-<file path=ppt/slides/slide22.xml><?xml version="1.0" encoding="utf-8"?>
+<file path=ppt/slides/slide23.xml><?xml version="1.0" encoding="utf-8"?>
 <p:sld xmlns:a="http://schemas.openxmlformats.org/drawingml/2006/main" xmlns:r="http://schemas.openxmlformats.org/officeDocument/2006/relationships" xmlns:p="http://schemas.openxmlformats.org/presentationml/2006/main">
   <p:cSld>
     <p:spTree>
@@ -14298,8 +15072,8 @@
           </a:p>
         </p:txBody>
       </p:sp>
-      <mc:AlternateContent xmlns:mc="http://schemas.openxmlformats.org/markup-compatibility/2006" xmlns:a14="http://schemas.microsoft.com/office/drawing/2010/main">
-        <mc:Choice Requires="a14">
+      <mc:AlternateContent xmlns:mc="http://schemas.openxmlformats.org/markup-compatibility/2006">
+        <mc:Choice xmlns:a14="http://schemas.microsoft.com/office/drawing/2010/main" Requires="a14">
           <p:sp>
             <p:nvSpPr>
               <p:cNvPr id="3" name="Content Placeholder 2"/>
@@ -15169,7 +15943,10 @@
                     <m:r>
                       <a:rPr lang="en-US" b="1" i="1" smtClean="0">
                         <a:solidFill>
-                          <a:srgbClr val="FF0000"/>
+                          <a:schemeClr val="tx2">
+                            <a:lumMod val="60000"/>
+                            <a:lumOff val="40000"/>
+                          </a:schemeClr>
                         </a:solidFill>
                         <a:latin typeface="Cambria Math" panose="02040503050406030204" pitchFamily="18" charset="0"/>
                       </a:rPr>
@@ -15178,7 +15955,10 @@
                     <m:r>
                       <a:rPr lang="en-US" b="0" i="1" smtClean="0">
                         <a:solidFill>
-                          <a:srgbClr val="FF0000"/>
+                          <a:schemeClr val="tx2">
+                            <a:lumMod val="60000"/>
+                            <a:lumOff val="40000"/>
+                          </a:schemeClr>
                         </a:solidFill>
                         <a:latin typeface="Cambria Math" panose="02040503050406030204" pitchFamily="18" charset="0"/>
                       </a:rPr>
@@ -15189,7 +15969,10 @@
                         <m:ctrlPr>
                           <a:rPr lang="en-US" b="0" i="1" smtClean="0">
                             <a:solidFill>
-                              <a:srgbClr val="FF0000"/>
+                              <a:schemeClr val="tx2">
+                                <a:lumMod val="60000"/>
+                                <a:lumOff val="40000"/>
+                              </a:schemeClr>
                             </a:solidFill>
                             <a:latin typeface="Cambria Math" panose="02040503050406030204" pitchFamily="18" charset="0"/>
                           </a:rPr>
@@ -15199,7 +15982,10 @@
                         <m:r>
                           <a:rPr lang="en-US" b="0" i="1" smtClean="0">
                             <a:solidFill>
-                              <a:srgbClr val="FF0000"/>
+                              <a:schemeClr val="tx2">
+                                <a:lumMod val="60000"/>
+                                <a:lumOff val="40000"/>
+                              </a:schemeClr>
                             </a:solidFill>
                             <a:latin typeface="Cambria Math" panose="02040503050406030204" pitchFamily="18" charset="0"/>
                           </a:rPr>
@@ -15210,7 +15996,10 @@
                         <m:r>
                           <a:rPr lang="en-US" b="0" i="1" smtClean="0">
                             <a:solidFill>
-                              <a:srgbClr val="FF0000"/>
+                              <a:schemeClr val="tx2">
+                                <a:lumMod val="60000"/>
+                                <a:lumOff val="40000"/>
+                              </a:schemeClr>
                             </a:solidFill>
                             <a:latin typeface="Cambria Math" panose="02040503050406030204" pitchFamily="18" charset="0"/>
                           </a:rPr>
@@ -15221,7 +16010,10 @@
                         <m:r>
                           <a:rPr lang="en-US" b="0" i="1" smtClean="0">
                             <a:solidFill>
-                              <a:srgbClr val="FF0000"/>
+                              <a:schemeClr val="tx2">
+                                <a:lumMod val="60000"/>
+                                <a:lumOff val="40000"/>
+                              </a:schemeClr>
                             </a:solidFill>
                             <a:latin typeface="Cambria Math" panose="02040503050406030204" pitchFamily="18" charset="0"/>
                           </a:rPr>
@@ -15234,7 +16026,10 @@
                         <m:ctrlPr>
                           <a:rPr lang="en-US" b="0" i="1" smtClean="0">
                             <a:solidFill>
-                              <a:srgbClr val="FF0000"/>
+                              <a:schemeClr val="tx2">
+                                <a:lumMod val="60000"/>
+                                <a:lumOff val="40000"/>
+                              </a:schemeClr>
                             </a:solidFill>
                             <a:latin typeface="Cambria Math" panose="02040503050406030204" pitchFamily="18" charset="0"/>
                           </a:rPr>
@@ -15244,7 +16039,10 @@
                         <m:r>
                           <a:rPr lang="en-US" b="0" i="1" smtClean="0">
                             <a:solidFill>
-                              <a:srgbClr val="FF0000"/>
+                              <a:schemeClr val="tx2">
+                                <a:lumMod val="60000"/>
+                                <a:lumOff val="40000"/>
+                              </a:schemeClr>
                             </a:solidFill>
                             <a:latin typeface="Cambria Math" panose="02040503050406030204" pitchFamily="18" charset="0"/>
                           </a:rPr>
@@ -15255,7 +16053,10 @@
                         <m:r>
                           <a:rPr lang="en-US" b="0" i="1" smtClean="0">
                             <a:solidFill>
-                              <a:srgbClr val="FF0000"/>
+                              <a:schemeClr val="tx2">
+                                <a:lumMod val="60000"/>
+                                <a:lumOff val="40000"/>
+                              </a:schemeClr>
                             </a:solidFill>
                             <a:latin typeface="Cambria Math" panose="02040503050406030204" pitchFamily="18" charset="0"/>
                           </a:rPr>
@@ -15283,7 +16084,7 @@
             </p:txBody>
           </p:sp>
         </mc:Choice>
-        <mc:Fallback xmlns="">
+        <mc:Fallback>
           <p:sp>
             <p:nvSpPr>
               <p:cNvPr id="3" name="Content Placeholder 2"/>
@@ -15298,7 +16099,7 @@
               <a:blipFill>
                 <a:blip r:embed="rId2"/>
                 <a:stretch>
-                  <a:fillRect l="-1261" t="-1462"/>
+                  <a:fillRect l="-1455" t="-1549"/>
                 </a:stretch>
               </a:blipFill>
             </p:spPr>
@@ -15334,7 +16135,7 @@
           <a:p>
             <a:fld id="{629637A9-119A-49DA-BD12-AAC58B377D80}" type="slidenum">
               <a:rPr lang="en-US" smtClean="0"/>
-              <a:t>22</a:t>
+              <a:t>23</a:t>
             </a:fld>
             <a:endParaRPr lang="en-US" dirty="0"/>
           </a:p>
@@ -15353,7 +16154,7 @@
 </p:sld>
 </file>
 
-<file path=ppt/slides/slide23.xml><?xml version="1.0" encoding="utf-8"?>
+<file path=ppt/slides/slide24.xml><?xml version="1.0" encoding="utf-8"?>
 <p:sld xmlns:a="http://schemas.openxmlformats.org/drawingml/2006/main" xmlns:r="http://schemas.openxmlformats.org/officeDocument/2006/relationships" xmlns:p="http://schemas.openxmlformats.org/presentationml/2006/main">
   <p:cSld>
     <p:spTree>
@@ -15398,8 +16199,8 @@
           </a:p>
         </p:txBody>
       </p:sp>
-      <mc:AlternateContent xmlns:mc="http://schemas.openxmlformats.org/markup-compatibility/2006" xmlns:a14="http://schemas.microsoft.com/office/drawing/2010/main">
-        <mc:Choice Requires="a14">
+      <mc:AlternateContent xmlns:mc="http://schemas.openxmlformats.org/markup-compatibility/2006">
+        <mc:Choice xmlns:a14="http://schemas.microsoft.com/office/drawing/2010/main" Requires="a14">
           <p:sp>
             <p:nvSpPr>
               <p:cNvPr id="3" name="Content Placeholder 2">
@@ -15419,7 +16220,7 @@
             <p:spPr/>
             <p:txBody>
               <a:bodyPr>
-                <a:normAutofit lnSpcReduction="10000"/>
+                <a:normAutofit fontScale="92500" lnSpcReduction="10000"/>
               </a:bodyPr>
               <a:lstStyle/>
               <a:p>
@@ -15997,6 +16798,9 @@
                 <a:br>
                   <a:rPr lang="en-US" dirty="0"/>
                 </a:br>
+                <a:br>
+                  <a:rPr lang="en-US" dirty="0"/>
+                </a:br>
                 <a14:m>
                   <m:oMath xmlns:m="http://schemas.openxmlformats.org/officeDocument/2006/math">
                     <m:sSup>
@@ -16435,7 +17239,7 @@
             </p:txBody>
           </p:sp>
         </mc:Choice>
-        <mc:Fallback xmlns="">
+        <mc:Fallback>
           <p:sp>
             <p:nvSpPr>
               <p:cNvPr id="3" name="Content Placeholder 2">
@@ -16456,7 +17260,7 @@
               <a:blipFill>
                 <a:blip r:embed="rId2"/>
                 <a:stretch>
-                  <a:fillRect l="-1261" t="-21053"/>
+                  <a:fillRect l="-1333" t="-20845"/>
                 </a:stretch>
               </a:blipFill>
             </p:spPr>
@@ -16498,7 +17302,7 @@
           <a:p>
             <a:fld id="{629637A9-119A-49DA-BD12-AAC58B377D80}" type="slidenum">
               <a:rPr lang="en-US" smtClean="0"/>
-              <a:t>23</a:t>
+              <a:t>24</a:t>
             </a:fld>
             <a:endParaRPr lang="en-US" dirty="0"/>
           </a:p>
@@ -16517,7 +17321,7 @@
 </p:sld>
 </file>
 
-<file path=ppt/slides/slide24.xml><?xml version="1.0" encoding="utf-8"?>
+<file path=ppt/slides/slide25.xml><?xml version="1.0" encoding="utf-8"?>
 <p:sld xmlns:a="http://schemas.openxmlformats.org/drawingml/2006/main" xmlns:r="http://schemas.openxmlformats.org/officeDocument/2006/relationships" xmlns:p="http://schemas.openxmlformats.org/presentationml/2006/main">
   <p:cSld>
     <p:spTree>
@@ -17270,7 +18074,7 @@
           <a:p>
             <a:fld id="{629637A9-119A-49DA-BD12-AAC58B377D80}" type="slidenum">
               <a:rPr lang="en-US" smtClean="0"/>
-              <a:t>24</a:t>
+              <a:t>25</a:t>
             </a:fld>
             <a:endParaRPr lang="en-US" dirty="0"/>
           </a:p>
@@ -17280,1588 +18084,6 @@
     <p:extLst>
       <p:ext uri="{BB962C8B-B14F-4D97-AF65-F5344CB8AC3E}">
         <p14:creationId xmlns:p14="http://schemas.microsoft.com/office/powerpoint/2010/main" val="4214243291"/>
-      </p:ext>
-    </p:extLst>
-  </p:cSld>
-  <p:clrMapOvr>
-    <a:masterClrMapping/>
-  </p:clrMapOvr>
-</p:sld>
-</file>
-
-<file path=ppt/slides/slide25.xml><?xml version="1.0" encoding="utf-8"?>
-<p:sld xmlns:a="http://schemas.openxmlformats.org/drawingml/2006/main" xmlns:r="http://schemas.openxmlformats.org/officeDocument/2006/relationships" xmlns:p="http://schemas.openxmlformats.org/presentationml/2006/main">
-  <p:cSld>
-    <p:spTree>
-      <p:nvGrpSpPr>
-        <p:cNvPr id="1" name=""/>
-        <p:cNvGrpSpPr/>
-        <p:nvPr/>
-      </p:nvGrpSpPr>
-      <p:grpSpPr>
-        <a:xfrm>
-          <a:off x="0" y="0"/>
-          <a:ext cx="0" cy="0"/>
-          <a:chOff x="0" y="0"/>
-          <a:chExt cx="0" cy="0"/>
-        </a:xfrm>
-      </p:grpSpPr>
-      <p:sp>
-        <p:nvSpPr>
-          <p:cNvPr id="2" name="Title 1">
-            <a:extLst>
-              <a:ext uri="{FF2B5EF4-FFF2-40B4-BE49-F238E27FC236}">
-                <a16:creationId xmlns:a16="http://schemas.microsoft.com/office/drawing/2014/main" id="{489C8513-60AC-6149-82A9-79B5BFDC46ED}"/>
-              </a:ext>
-            </a:extLst>
-          </p:cNvPr>
-          <p:cNvSpPr>
-            <a:spLocks noGrp="1"/>
-          </p:cNvSpPr>
-          <p:nvPr>
-            <p:ph type="title"/>
-          </p:nvPr>
-        </p:nvSpPr>
-        <p:spPr/>
-        <p:txBody>
-          <a:bodyPr>
-            <a:normAutofit fontScale="90000"/>
-          </a:bodyPr>
-          <a:lstStyle/>
-          <a:p>
-            <a:r>
-              <a:rPr lang="en-US" dirty="0"/>
-              <a:t>Applying Linear Regression on Mean Removed Data</a:t>
-            </a:r>
-          </a:p>
-        </p:txBody>
-      </p:sp>
-      <mc:AlternateContent xmlns:mc="http://schemas.openxmlformats.org/markup-compatibility/2006" xmlns:a14="http://schemas.microsoft.com/office/drawing/2010/main">
-        <mc:Choice Requires="a14">
-          <p:sp>
-            <p:nvSpPr>
-              <p:cNvPr id="3" name="Content Placeholder 2">
-                <a:extLst>
-                  <a:ext uri="{FF2B5EF4-FFF2-40B4-BE49-F238E27FC236}">
-                    <a16:creationId xmlns:a16="http://schemas.microsoft.com/office/drawing/2014/main" id="{D8148FF9-AD3B-5440-BFE2-903AF8C0C55C}"/>
-                  </a:ext>
-                </a:extLst>
-              </p:cNvPr>
-              <p:cNvSpPr>
-                <a:spLocks noGrp="1"/>
-              </p:cNvSpPr>
-              <p:nvPr>
-                <p:ph idx="1"/>
-              </p:nvPr>
-            </p:nvSpPr>
-            <p:spPr/>
-            <p:txBody>
-              <a:bodyPr>
-                <a:normAutofit/>
-              </a:bodyPr>
-              <a:lstStyle/>
-              <a:p>
-                <a:r>
-                  <a:rPr lang="en-US" dirty="0"/>
-                  <a:t>Why do we need the intercept term? </a:t>
-                </a:r>
-              </a:p>
-              <a:p>
-                <a:pPr lvl="1"/>
-                <a:r>
-                  <a:rPr lang="en-US" dirty="0"/>
-                  <a:t>To compensate the mean difference between </a:t>
-                </a:r>
-                <a:r>
-                  <a:rPr lang="en-US" dirty="0" err="1"/>
-                  <a:t>x</a:t>
-                </a:r>
-                <a:r>
-                  <a:rPr lang="en-US" baseline="-25000" dirty="0" err="1"/>
-                  <a:t>j</a:t>
-                </a:r>
-                <a:r>
-                  <a:rPr lang="en-US" dirty="0"/>
-                  <a:t> and y</a:t>
-                </a:r>
-              </a:p>
-              <a:p>
-                <a:pPr lvl="1"/>
-                <a:r>
-                  <a:rPr lang="en-US" dirty="0"/>
-                  <a:t>Can show that mean of predicted y = mean of y</a:t>
-                </a:r>
-              </a:p>
-              <a:p>
-                <a:r>
-                  <a:rPr lang="en-US" dirty="0"/>
-                  <a:t>Alternative approach: predict mean-removed y from mean-removed </a:t>
-                </a:r>
-                <a:r>
-                  <a:rPr lang="en-US" b="1" dirty="0"/>
-                  <a:t>x</a:t>
-                </a:r>
-              </a:p>
-              <a:p>
-                <a:pPr lvl="1"/>
-                <a:r>
-                  <a:rPr lang="en-US" dirty="0"/>
-                  <a:t>First compute mean from data:   </a:t>
-                </a:r>
-                <a14:m>
-                  <m:oMath xmlns:m="http://schemas.openxmlformats.org/officeDocument/2006/math">
-                    <m:acc>
-                      <m:accPr>
-                        <m:chr m:val="̅"/>
-                        <m:ctrlPr>
-                          <a:rPr lang="en-US" i="1">
-                            <a:latin typeface="Cambria Math" panose="02040503050406030204" pitchFamily="18" charset="0"/>
-                          </a:rPr>
-                        </m:ctrlPr>
-                      </m:accPr>
-                      <m:e>
-                        <m:r>
-                          <a:rPr lang="en-US" i="1">
-                            <a:latin typeface="Cambria Math" panose="02040503050406030204" pitchFamily="18" charset="0"/>
-                          </a:rPr>
-                          <m:t>𝑦</m:t>
-                        </m:r>
-                      </m:e>
-                    </m:acc>
-                    <m:r>
-                      <a:rPr lang="en-US" b="0" i="0" smtClean="0">
-                        <a:latin typeface="Cambria Math" panose="02040503050406030204" pitchFamily="18" charset="0"/>
-                      </a:rPr>
-                      <m:t> , </m:t>
-                    </m:r>
-                    <m:sSup>
-                      <m:sSupPr>
-                        <m:ctrlPr>
-                          <a:rPr lang="en-US" b="1" i="1" smtClean="0">
-                            <a:latin typeface="Cambria Math" panose="02040503050406030204" pitchFamily="18" charset="0"/>
-                          </a:rPr>
-                        </m:ctrlPr>
-                      </m:sSupPr>
-                      <m:e>
-                        <m:acc>
-                          <m:accPr>
-                            <m:chr m:val="̅"/>
-                            <m:ctrlPr>
-                              <a:rPr lang="en-US" b="1" i="1">
-                                <a:latin typeface="Cambria Math" panose="02040503050406030204" pitchFamily="18" charset="0"/>
-                              </a:rPr>
-                            </m:ctrlPr>
-                          </m:accPr>
-                          <m:e>
-                            <m:r>
-                              <a:rPr lang="en-US" b="1" i="1">
-                                <a:latin typeface="Cambria Math" panose="02040503050406030204" pitchFamily="18" charset="0"/>
-                              </a:rPr>
-                              <m:t>𝒙</m:t>
-                            </m:r>
-                          </m:e>
-                        </m:acc>
-                      </m:e>
-                      <m:sup>
-                        <m:r>
-                          <a:rPr lang="en-US" b="1" i="1" smtClean="0">
-                            <a:latin typeface="Cambria Math" panose="02040503050406030204" pitchFamily="18" charset="0"/>
-                          </a:rPr>
-                          <m:t>𝑻</m:t>
-                        </m:r>
-                      </m:sup>
-                    </m:sSup>
-                    <m:r>
-                      <a:rPr lang="en-US" i="1">
-                        <a:latin typeface="Cambria Math" panose="02040503050406030204" pitchFamily="18" charset="0"/>
-                      </a:rPr>
-                      <m:t>=</m:t>
-                    </m:r>
-                    <m:d>
-                      <m:dPr>
-                        <m:begChr m:val="⌈"/>
-                        <m:endChr m:val="⌉"/>
-                        <m:ctrlPr>
-                          <a:rPr lang="en-US" i="1">
-                            <a:latin typeface="Cambria Math" panose="02040503050406030204" pitchFamily="18" charset="0"/>
-                          </a:rPr>
-                        </m:ctrlPr>
-                      </m:dPr>
-                      <m:e>
-                        <m:sSub>
-                          <m:sSubPr>
-                            <m:ctrlPr>
-                              <a:rPr lang="en-US" i="1">
-                                <a:latin typeface="Cambria Math" panose="02040503050406030204" pitchFamily="18" charset="0"/>
-                              </a:rPr>
-                            </m:ctrlPr>
-                          </m:sSubPr>
-                          <m:e>
-                            <m:acc>
-                              <m:accPr>
-                                <m:chr m:val="̅"/>
-                                <m:ctrlPr>
-                                  <a:rPr lang="en-US" i="1">
-                                    <a:latin typeface="Cambria Math" panose="02040503050406030204" pitchFamily="18" charset="0"/>
-                                  </a:rPr>
-                                </m:ctrlPr>
-                              </m:accPr>
-                              <m:e>
-                                <m:r>
-                                  <a:rPr lang="en-US" i="1">
-                                    <a:latin typeface="Cambria Math" panose="02040503050406030204" pitchFamily="18" charset="0"/>
-                                  </a:rPr>
-                                  <m:t>𝑥</m:t>
-                                </m:r>
-                              </m:e>
-                            </m:acc>
-                          </m:e>
-                          <m:sub>
-                            <m:r>
-                              <a:rPr lang="en-US" i="1">
-                                <a:latin typeface="Cambria Math" panose="02040503050406030204" pitchFamily="18" charset="0"/>
-                              </a:rPr>
-                              <m:t>1</m:t>
-                            </m:r>
-                          </m:sub>
-                        </m:sSub>
-                        <m:r>
-                          <a:rPr lang="en-US" i="1">
-                            <a:latin typeface="Cambria Math" panose="02040503050406030204" pitchFamily="18" charset="0"/>
-                          </a:rPr>
-                          <m:t>,⋯,</m:t>
-                        </m:r>
-                        <m:sSub>
-                          <m:sSubPr>
-                            <m:ctrlPr>
-                              <a:rPr lang="en-US" i="1">
-                                <a:latin typeface="Cambria Math" panose="02040503050406030204" pitchFamily="18" charset="0"/>
-                              </a:rPr>
-                            </m:ctrlPr>
-                          </m:sSubPr>
-                          <m:e>
-                            <m:acc>
-                              <m:accPr>
-                                <m:chr m:val="̅"/>
-                                <m:ctrlPr>
-                                  <a:rPr lang="en-US" i="1">
-                                    <a:latin typeface="Cambria Math" panose="02040503050406030204" pitchFamily="18" charset="0"/>
-                                  </a:rPr>
-                                </m:ctrlPr>
-                              </m:accPr>
-                              <m:e>
-                                <m:r>
-                                  <a:rPr lang="en-US" i="1">
-                                    <a:latin typeface="Cambria Math" panose="02040503050406030204" pitchFamily="18" charset="0"/>
-                                  </a:rPr>
-                                  <m:t>𝑥</m:t>
-                                </m:r>
-                              </m:e>
-                            </m:acc>
-                          </m:e>
-                          <m:sub>
-                            <m:r>
-                              <a:rPr lang="en-US" i="1">
-                                <a:latin typeface="Cambria Math" panose="02040503050406030204" pitchFamily="18" charset="0"/>
-                              </a:rPr>
-                              <m:t>𝑘</m:t>
-                            </m:r>
-                          </m:sub>
-                        </m:sSub>
-                      </m:e>
-                    </m:d>
-                    <m:r>
-                      <a:rPr lang="en-US" i="1">
-                        <a:latin typeface="Cambria Math" panose="02040503050406030204" pitchFamily="18" charset="0"/>
-                      </a:rPr>
-                      <m:t> </m:t>
-                    </m:r>
-                  </m:oMath>
-                </a14:m>
-                <a:endParaRPr lang="en-US" dirty="0"/>
-              </a:p>
-              <a:p>
-                <a:pPr lvl="1"/>
-                <a:r>
-                  <a:rPr lang="en-US" dirty="0"/>
-                  <a:t>Mean-removed data:   </a:t>
-                </a:r>
-                <a14:m>
-                  <m:oMath xmlns:m="http://schemas.openxmlformats.org/officeDocument/2006/math">
-                    <m:acc>
-                      <m:accPr>
-                        <m:chr m:val="̃"/>
-                        <m:ctrlPr>
-                          <a:rPr lang="en-US" b="1" i="1" smtClean="0">
-                            <a:latin typeface="Cambria Math" panose="02040503050406030204" pitchFamily="18" charset="0"/>
-                          </a:rPr>
-                        </m:ctrlPr>
-                      </m:accPr>
-                      <m:e>
-                        <m:r>
-                          <a:rPr lang="en-US" b="1" i="1" smtClean="0">
-                            <a:latin typeface="Cambria Math" panose="02040503050406030204" pitchFamily="18" charset="0"/>
-                          </a:rPr>
-                          <m:t>𝒚</m:t>
-                        </m:r>
-                      </m:e>
-                    </m:acc>
-                    <m:r>
-                      <a:rPr lang="en-US" b="0" i="1" smtClean="0">
-                        <a:latin typeface="Cambria Math" panose="02040503050406030204" pitchFamily="18" charset="0"/>
-                      </a:rPr>
-                      <m:t>=</m:t>
-                    </m:r>
-                    <m:r>
-                      <a:rPr lang="en-US" b="1" i="1" smtClean="0">
-                        <a:latin typeface="Cambria Math" panose="02040503050406030204" pitchFamily="18" charset="0"/>
-                      </a:rPr>
-                      <m:t>𝒚</m:t>
-                    </m:r>
-                    <m:r>
-                      <a:rPr lang="en-US" b="0" i="1" smtClean="0">
-                        <a:latin typeface="Cambria Math" panose="02040503050406030204" pitchFamily="18" charset="0"/>
-                      </a:rPr>
-                      <m:t>−</m:t>
-                    </m:r>
-                  </m:oMath>
-                </a14:m>
-                <a:r>
-                  <a:rPr lang="en-US" dirty="0"/>
-                  <a:t> </a:t>
-                </a:r>
-                <a14:m>
-                  <m:oMath xmlns:m="http://schemas.openxmlformats.org/officeDocument/2006/math">
-                    <m:r>
-                      <m:rPr>
-                        <m:nor/>
-                      </m:rPr>
-                      <a:rPr lang="en-US" b="1" dirty="0"/>
-                      <m:t>1</m:t>
-                    </m:r>
-                    <m:r>
-                      <a:rPr lang="en-US" b="1" i="1" dirty="0">
-                        <a:latin typeface="Cambria Math" panose="02040503050406030204" pitchFamily="18" charset="0"/>
-                      </a:rPr>
-                      <m:t> </m:t>
-                    </m:r>
-                    <m:acc>
-                      <m:accPr>
-                        <m:chr m:val="̅"/>
-                        <m:ctrlPr>
-                          <a:rPr lang="en-US" i="1">
-                            <a:latin typeface="Cambria Math" panose="02040503050406030204" pitchFamily="18" charset="0"/>
-                          </a:rPr>
-                        </m:ctrlPr>
-                      </m:accPr>
-                      <m:e>
-                        <m:r>
-                          <a:rPr lang="en-US" i="1">
-                            <a:latin typeface="Cambria Math" panose="02040503050406030204" pitchFamily="18" charset="0"/>
-                          </a:rPr>
-                          <m:t>𝑦</m:t>
-                        </m:r>
-                      </m:e>
-                    </m:acc>
-                  </m:oMath>
-                </a14:m>
-                <a:r>
-                  <a:rPr lang="en-US" dirty="0"/>
-                  <a:t>, </a:t>
-                </a:r>
-                <a14:m>
-                  <m:oMath xmlns:m="http://schemas.openxmlformats.org/officeDocument/2006/math">
-                    <m:acc>
-                      <m:accPr>
-                        <m:chr m:val="̃"/>
-                        <m:ctrlPr>
-                          <a:rPr lang="en-US" i="1">
-                            <a:latin typeface="Cambria Math" panose="02040503050406030204" pitchFamily="18" charset="0"/>
-                          </a:rPr>
-                        </m:ctrlPr>
-                      </m:accPr>
-                      <m:e>
-                        <m:r>
-                          <a:rPr lang="en-US" b="0" i="1" smtClean="0">
-                            <a:latin typeface="Cambria Math" panose="02040503050406030204" pitchFamily="18" charset="0"/>
-                          </a:rPr>
-                          <m:t>𝑋</m:t>
-                        </m:r>
-                      </m:e>
-                    </m:acc>
-                    <m:r>
-                      <a:rPr lang="en-US" b="0" i="1" smtClean="0">
-                        <a:latin typeface="Cambria Math" panose="02040503050406030204" pitchFamily="18" charset="0"/>
-                      </a:rPr>
-                      <m:t>=</m:t>
-                    </m:r>
-                    <m:r>
-                      <a:rPr lang="en-US" b="0" i="1" smtClean="0">
-                        <a:latin typeface="Cambria Math" panose="02040503050406030204" pitchFamily="18" charset="0"/>
-                      </a:rPr>
-                      <m:t>𝑋</m:t>
-                    </m:r>
-                    <m:r>
-                      <a:rPr lang="en-US" b="0" i="1" smtClean="0">
-                        <a:latin typeface="Cambria Math" panose="02040503050406030204" pitchFamily="18" charset="0"/>
-                      </a:rPr>
-                      <m:t>−</m:t>
-                    </m:r>
-                    <m:r>
-                      <m:rPr>
-                        <m:nor/>
-                      </m:rPr>
-                      <a:rPr lang="en-US" b="1" dirty="0"/>
-                      <m:t>1</m:t>
-                    </m:r>
-                    <m:r>
-                      <m:rPr>
-                        <m:nor/>
-                      </m:rPr>
-                      <a:rPr lang="en-US" dirty="0"/>
-                      <m:t> </m:t>
-                    </m:r>
-                    <m:sSup>
-                      <m:sSupPr>
-                        <m:ctrlPr>
-                          <a:rPr lang="en-US" i="1">
-                            <a:latin typeface="Cambria Math" panose="02040503050406030204" pitchFamily="18" charset="0"/>
-                          </a:rPr>
-                        </m:ctrlPr>
-                      </m:sSupPr>
-                      <m:e>
-                        <m:acc>
-                          <m:accPr>
-                            <m:chr m:val="̅"/>
-                            <m:ctrlPr>
-                              <a:rPr lang="en-US" b="1" i="1">
-                                <a:latin typeface="Cambria Math" panose="02040503050406030204" pitchFamily="18" charset="0"/>
-                              </a:rPr>
-                            </m:ctrlPr>
-                          </m:accPr>
-                          <m:e>
-                            <m:r>
-                              <a:rPr lang="en-US" b="1" i="1">
-                                <a:latin typeface="Cambria Math" panose="02040503050406030204" pitchFamily="18" charset="0"/>
-                              </a:rPr>
-                              <m:t>𝒙</m:t>
-                            </m:r>
-                          </m:e>
-                        </m:acc>
-                      </m:e>
-                      <m:sup>
-                        <m:r>
-                          <a:rPr lang="en-US" i="1">
-                            <a:latin typeface="Cambria Math" panose="02040503050406030204" pitchFamily="18" charset="0"/>
-                          </a:rPr>
-                          <m:t>𝑇</m:t>
-                        </m:r>
-                      </m:sup>
-                    </m:sSup>
-                  </m:oMath>
-                </a14:m>
-                <a:r>
-                  <a:rPr lang="en-US" dirty="0"/>
-                  <a:t>, </a:t>
-                </a:r>
-                <a14:m>
-                  <m:oMath xmlns:m="http://schemas.openxmlformats.org/officeDocument/2006/math">
-                    <m:r>
-                      <m:rPr>
-                        <m:nor/>
-                      </m:rPr>
-                      <a:rPr lang="en-US" b="1" dirty="0"/>
-                      <m:t>1</m:t>
-                    </m:r>
-                  </m:oMath>
-                </a14:m>
-                <a:r>
-                  <a:rPr lang="en-US" dirty="0"/>
-                  <a:t>: a  </a:t>
-                </a:r>
-                <a:r>
-                  <a:rPr lang="en-US" i="1" dirty="0"/>
-                  <a:t>n</a:t>
-                </a:r>
-                <a:r>
-                  <a:rPr lang="en-US" dirty="0"/>
-                  <a:t>x1 vector consisting of </a:t>
-                </a:r>
-                <a:r>
-                  <a:rPr lang="en-US" i="1" dirty="0"/>
-                  <a:t>n</a:t>
-                </a:r>
-                <a:r>
-                  <a:rPr lang="en-US" dirty="0"/>
-                  <a:t> ones</a:t>
-                </a:r>
-              </a:p>
-              <a:p>
-                <a:pPr lvl="1"/>
-                <a:r>
-                  <a:rPr lang="en-US" dirty="0"/>
-                  <a:t>Predict</a:t>
-                </a:r>
-                <a:r>
-                  <a:rPr lang="en-US" b="1" dirty="0"/>
-                  <a:t> </a:t>
-                </a:r>
-                <a14:m>
-                  <m:oMath xmlns:m="http://schemas.openxmlformats.org/officeDocument/2006/math">
-                    <m:acc>
-                      <m:accPr>
-                        <m:chr m:val="̃"/>
-                        <m:ctrlPr>
-                          <a:rPr lang="en-US" b="1" i="1">
-                            <a:latin typeface="Cambria Math" panose="02040503050406030204" pitchFamily="18" charset="0"/>
-                          </a:rPr>
-                        </m:ctrlPr>
-                      </m:accPr>
-                      <m:e>
-                        <m:r>
-                          <a:rPr lang="en-US" b="1" i="1">
-                            <a:latin typeface="Cambria Math" panose="02040503050406030204" pitchFamily="18" charset="0"/>
-                          </a:rPr>
-                          <m:t>𝒚</m:t>
-                        </m:r>
-                      </m:e>
-                    </m:acc>
-                    <m:r>
-                      <a:rPr lang="en-US" b="1" i="1">
-                        <a:latin typeface="Cambria Math" panose="02040503050406030204" pitchFamily="18" charset="0"/>
-                      </a:rPr>
-                      <m:t> </m:t>
-                    </m:r>
-                  </m:oMath>
-                </a14:m>
-                <a:r>
-                  <a:rPr lang="en-US" dirty="0"/>
-                  <a:t>from </a:t>
-                </a:r>
-                <a14:m>
-                  <m:oMath xmlns:m="http://schemas.openxmlformats.org/officeDocument/2006/math">
-                    <m:acc>
-                      <m:accPr>
-                        <m:chr m:val="̃"/>
-                        <m:ctrlPr>
-                          <a:rPr lang="en-US" i="1">
-                            <a:latin typeface="Cambria Math" panose="02040503050406030204" pitchFamily="18" charset="0"/>
-                          </a:rPr>
-                        </m:ctrlPr>
-                      </m:accPr>
-                      <m:e>
-                        <m:r>
-                          <a:rPr lang="en-US" i="1">
-                            <a:latin typeface="Cambria Math" panose="02040503050406030204" pitchFamily="18" charset="0"/>
-                          </a:rPr>
-                          <m:t>𝑋</m:t>
-                        </m:r>
-                      </m:e>
-                    </m:acc>
-                  </m:oMath>
-                </a14:m>
-                <a:r>
-                  <a:rPr lang="en-US" dirty="0"/>
-                  <a:t> using linear regression, without the intercept term </a:t>
-                </a:r>
-              </a:p>
-              <a:p>
-                <a:pPr lvl="3"/>
-                <a14:m>
-                  <m:oMath xmlns:m="http://schemas.openxmlformats.org/officeDocument/2006/math">
-                    <m:acc>
-                      <m:accPr>
-                        <m:chr m:val="̆"/>
-                        <m:ctrlPr>
-                          <a:rPr lang="en-US" b="1" i="1" smtClean="0">
-                            <a:latin typeface="Cambria Math" panose="02040503050406030204" pitchFamily="18" charset="0"/>
-                          </a:rPr>
-                        </m:ctrlPr>
-                      </m:accPr>
-                      <m:e>
-                        <m:r>
-                          <a:rPr lang="en-US" b="1" i="1">
-                            <a:latin typeface="Cambria Math" panose="02040503050406030204" pitchFamily="18" charset="0"/>
-                          </a:rPr>
-                          <m:t>𝒚</m:t>
-                        </m:r>
-                      </m:e>
-                    </m:acc>
-                    <m:r>
-                      <a:rPr lang="en-US" b="1" i="1" smtClean="0">
-                        <a:latin typeface="Cambria Math" panose="02040503050406030204" pitchFamily="18" charset="0"/>
-                      </a:rPr>
-                      <m:t>=</m:t>
-                    </m:r>
-                    <m:acc>
-                      <m:accPr>
-                        <m:chr m:val="̃"/>
-                        <m:ctrlPr>
-                          <a:rPr lang="en-US" b="1" i="1" smtClean="0">
-                            <a:latin typeface="Cambria Math" panose="02040503050406030204" pitchFamily="18" charset="0"/>
-                          </a:rPr>
-                        </m:ctrlPr>
-                      </m:accPr>
-                      <m:e>
-                        <m:r>
-                          <a:rPr lang="en-US" b="1" i="1">
-                            <a:latin typeface="Cambria Math" panose="02040503050406030204" pitchFamily="18" charset="0"/>
-                          </a:rPr>
-                          <m:t>𝑿</m:t>
-                        </m:r>
-                      </m:e>
-                    </m:acc>
-                    <m:acc>
-                      <m:accPr>
-                        <m:chr m:val="̃"/>
-                        <m:ctrlPr>
-                          <a:rPr lang="en-US" b="1" i="1" smtClean="0">
-                            <a:latin typeface="Cambria Math" panose="02040503050406030204" pitchFamily="18" charset="0"/>
-                          </a:rPr>
-                        </m:ctrlPr>
-                      </m:accPr>
-                      <m:e>
-                        <m:r>
-                          <a:rPr lang="en-US" b="1" i="1">
-                            <a:latin typeface="Cambria Math" panose="02040503050406030204" pitchFamily="18" charset="0"/>
-                            <a:ea typeface="Cambria Math" panose="02040503050406030204" pitchFamily="18" charset="0"/>
-                          </a:rPr>
-                          <m:t>𝜷</m:t>
-                        </m:r>
-                      </m:e>
-                    </m:acc>
-                  </m:oMath>
-                </a14:m>
-                <a:endParaRPr lang="en-US" dirty="0"/>
-              </a:p>
-              <a:p>
-                <a:pPr lvl="1"/>
-                <a:r>
-                  <a:rPr lang="en-US" dirty="0"/>
-                  <a:t>Least squares solution for </a:t>
-                </a:r>
-                <a14:m>
-                  <m:oMath xmlns:m="http://schemas.openxmlformats.org/officeDocument/2006/math">
-                    <m:acc>
-                      <m:accPr>
-                        <m:chr m:val="̃"/>
-                        <m:ctrlPr>
-                          <a:rPr lang="en-US" b="1" i="1" smtClean="0">
-                            <a:latin typeface="Cambria Math" panose="02040503050406030204" pitchFamily="18" charset="0"/>
-                          </a:rPr>
-                        </m:ctrlPr>
-                      </m:accPr>
-                      <m:e>
-                        <m:r>
-                          <a:rPr lang="en-US" b="1" i="1" smtClean="0">
-                            <a:latin typeface="Cambria Math" panose="02040503050406030204" pitchFamily="18" charset="0"/>
-                          </a:rPr>
-                          <m:t>𝒚</m:t>
-                        </m:r>
-                      </m:e>
-                    </m:acc>
-                    <m:r>
-                      <a:rPr lang="en-US" b="1" i="1">
-                        <a:latin typeface="Cambria Math" panose="02040503050406030204" pitchFamily="18" charset="0"/>
-                      </a:rPr>
-                      <m:t>=</m:t>
-                    </m:r>
-                    <m:acc>
-                      <m:accPr>
-                        <m:chr m:val="̃"/>
-                        <m:ctrlPr>
-                          <a:rPr lang="en-US" b="1" i="1">
-                            <a:latin typeface="Cambria Math" panose="02040503050406030204" pitchFamily="18" charset="0"/>
-                          </a:rPr>
-                        </m:ctrlPr>
-                      </m:accPr>
-                      <m:e>
-                        <m:r>
-                          <a:rPr lang="en-US" b="1" i="1">
-                            <a:latin typeface="Cambria Math" panose="02040503050406030204" pitchFamily="18" charset="0"/>
-                          </a:rPr>
-                          <m:t>𝑿</m:t>
-                        </m:r>
-                      </m:e>
-                    </m:acc>
-                    <m:acc>
-                      <m:accPr>
-                        <m:chr m:val="̃"/>
-                        <m:ctrlPr>
-                          <a:rPr lang="en-US" b="1" i="1">
-                            <a:latin typeface="Cambria Math" panose="02040503050406030204" pitchFamily="18" charset="0"/>
-                          </a:rPr>
-                        </m:ctrlPr>
-                      </m:accPr>
-                      <m:e>
-                        <m:r>
-                          <a:rPr lang="en-US" b="1" i="1">
-                            <a:latin typeface="Cambria Math" panose="02040503050406030204" pitchFamily="18" charset="0"/>
-                            <a:ea typeface="Cambria Math" panose="02040503050406030204" pitchFamily="18" charset="0"/>
-                          </a:rPr>
-                          <m:t>𝜷</m:t>
-                        </m:r>
-                      </m:e>
-                    </m:acc>
-                  </m:oMath>
-                </a14:m>
-                <a:r>
-                  <a:rPr lang="en-US" dirty="0"/>
-                  <a:t>   is     </a:t>
-                </a:r>
-                <a14:m>
-                  <m:oMath xmlns:m="http://schemas.openxmlformats.org/officeDocument/2006/math">
-                    <m:acc>
-                      <m:accPr>
-                        <m:chr m:val="̃"/>
-                        <m:ctrlPr>
-                          <a:rPr lang="en-US" b="1" i="1">
-                            <a:latin typeface="Cambria Math" panose="02040503050406030204" pitchFamily="18" charset="0"/>
-                          </a:rPr>
-                        </m:ctrlPr>
-                      </m:accPr>
-                      <m:e>
-                        <m:r>
-                          <a:rPr lang="en-US" b="1" i="1">
-                            <a:latin typeface="Cambria Math" panose="02040503050406030204" pitchFamily="18" charset="0"/>
-                            <a:ea typeface="Cambria Math" panose="02040503050406030204" pitchFamily="18" charset="0"/>
-                          </a:rPr>
-                          <m:t>𝜷</m:t>
-                        </m:r>
-                      </m:e>
-                    </m:acc>
-                  </m:oMath>
-                </a14:m>
-                <a:r>
-                  <a:rPr lang="en-US" dirty="0"/>
-                  <a:t>= </a:t>
-                </a:r>
-                <a14:m>
-                  <m:oMath xmlns:m="http://schemas.openxmlformats.org/officeDocument/2006/math">
-                    <m:sSup>
-                      <m:sSupPr>
-                        <m:ctrlPr>
-                          <a:rPr lang="en-US" i="1" smtClean="0">
-                            <a:latin typeface="Cambria Math" panose="02040503050406030204" pitchFamily="18" charset="0"/>
-                          </a:rPr>
-                        </m:ctrlPr>
-                      </m:sSupPr>
-                      <m:e>
-                        <m:d>
-                          <m:dPr>
-                            <m:ctrlPr>
-                              <a:rPr lang="en-US" i="1">
-                                <a:latin typeface="Cambria Math" panose="02040503050406030204" pitchFamily="18" charset="0"/>
-                              </a:rPr>
-                            </m:ctrlPr>
-                          </m:dPr>
-                          <m:e>
-                            <m:sSup>
-                              <m:sSupPr>
-                                <m:ctrlPr>
-                                  <a:rPr lang="en-US" i="1">
-                                    <a:latin typeface="Cambria Math" panose="02040503050406030204" pitchFamily="18" charset="0"/>
-                                  </a:rPr>
-                                </m:ctrlPr>
-                              </m:sSupPr>
-                              <m:e>
-                                <m:acc>
-                                  <m:accPr>
-                                    <m:chr m:val="̃"/>
-                                    <m:ctrlPr>
-                                      <a:rPr lang="en-US" i="1">
-                                        <a:latin typeface="Cambria Math" panose="02040503050406030204" pitchFamily="18" charset="0"/>
-                                      </a:rPr>
-                                    </m:ctrlPr>
-                                  </m:accPr>
-                                  <m:e>
-                                    <m:r>
-                                      <a:rPr lang="en-US" i="1">
-                                        <a:latin typeface="Cambria Math" panose="02040503050406030204" pitchFamily="18" charset="0"/>
-                                      </a:rPr>
-                                      <m:t>𝑋</m:t>
-                                    </m:r>
-                                  </m:e>
-                                </m:acc>
-                              </m:e>
-                              <m:sup>
-                                <m:r>
-                                  <a:rPr lang="en-US" i="1">
-                                    <a:latin typeface="Cambria Math" panose="02040503050406030204" pitchFamily="18" charset="0"/>
-                                  </a:rPr>
-                                  <m:t>𝑇</m:t>
-                                </m:r>
-                              </m:sup>
-                            </m:sSup>
-                            <m:acc>
-                              <m:accPr>
-                                <m:chr m:val="̃"/>
-                                <m:ctrlPr>
-                                  <a:rPr lang="en-US" i="1">
-                                    <a:latin typeface="Cambria Math" panose="02040503050406030204" pitchFamily="18" charset="0"/>
-                                  </a:rPr>
-                                </m:ctrlPr>
-                              </m:accPr>
-                              <m:e>
-                                <m:r>
-                                  <a:rPr lang="en-US" i="1">
-                                    <a:latin typeface="Cambria Math" panose="02040503050406030204" pitchFamily="18" charset="0"/>
-                                  </a:rPr>
-                                  <m:t>𝑋</m:t>
-                                </m:r>
-                              </m:e>
-                            </m:acc>
-                          </m:e>
-                        </m:d>
-                      </m:e>
-                      <m:sup>
-                        <m:r>
-                          <a:rPr lang="en-US" b="0" i="1" smtClean="0">
-                            <a:latin typeface="Cambria Math" panose="02040503050406030204" pitchFamily="18" charset="0"/>
-                          </a:rPr>
-                          <m:t>−1</m:t>
-                        </m:r>
-                      </m:sup>
-                    </m:sSup>
-                    <m:sSup>
-                      <m:sSupPr>
-                        <m:ctrlPr>
-                          <a:rPr lang="en-US" i="1" smtClean="0">
-                            <a:latin typeface="Cambria Math" panose="02040503050406030204" pitchFamily="18" charset="0"/>
-                          </a:rPr>
-                        </m:ctrlPr>
-                      </m:sSupPr>
-                      <m:e>
-                        <m:acc>
-                          <m:accPr>
-                            <m:chr m:val="̃"/>
-                            <m:ctrlPr>
-                              <a:rPr lang="en-US" i="1" smtClean="0">
-                                <a:latin typeface="Cambria Math" panose="02040503050406030204" pitchFamily="18" charset="0"/>
-                              </a:rPr>
-                            </m:ctrlPr>
-                          </m:accPr>
-                          <m:e>
-                            <m:r>
-                              <a:rPr lang="en-US" i="1">
-                                <a:latin typeface="Cambria Math" panose="02040503050406030204" pitchFamily="18" charset="0"/>
-                              </a:rPr>
-                              <m:t>𝑋</m:t>
-                            </m:r>
-                          </m:e>
-                        </m:acc>
-                      </m:e>
-                      <m:sup>
-                        <m:r>
-                          <a:rPr lang="en-US" b="0" i="1" smtClean="0">
-                            <a:latin typeface="Cambria Math" panose="02040503050406030204" pitchFamily="18" charset="0"/>
-                          </a:rPr>
-                          <m:t>𝑇</m:t>
-                        </m:r>
-                      </m:sup>
-                    </m:sSup>
-                    <m:r>
-                      <a:rPr lang="en-US" i="1">
-                        <a:latin typeface="Cambria Math" panose="02040503050406030204" pitchFamily="18" charset="0"/>
-                      </a:rPr>
-                      <m:t> </m:t>
-                    </m:r>
-                    <m:acc>
-                      <m:accPr>
-                        <m:chr m:val="̃"/>
-                        <m:ctrlPr>
-                          <a:rPr lang="en-US" b="1" i="1">
-                            <a:latin typeface="Cambria Math" panose="02040503050406030204" pitchFamily="18" charset="0"/>
-                          </a:rPr>
-                        </m:ctrlPr>
-                      </m:accPr>
-                      <m:e>
-                        <m:r>
-                          <a:rPr lang="en-US" b="1" i="1" smtClean="0">
-                            <a:latin typeface="Cambria Math" panose="02040503050406030204" pitchFamily="18" charset="0"/>
-                          </a:rPr>
-                          <m:t>𝒚</m:t>
-                        </m:r>
-                      </m:e>
-                    </m:acc>
-                    <m:r>
-                      <a:rPr lang="en-US" b="1" i="1">
-                        <a:latin typeface="Cambria Math" panose="02040503050406030204" pitchFamily="18" charset="0"/>
-                      </a:rPr>
-                      <m:t> </m:t>
-                    </m:r>
-                  </m:oMath>
-                </a14:m>
-                <a:endParaRPr lang="en-US" b="1" dirty="0"/>
-              </a:p>
-              <a:p>
-                <a:pPr lvl="1"/>
-                <a:r>
-                  <a:rPr lang="en-US" dirty="0"/>
-                  <a:t>To estimate actual y for a given feature vector </a:t>
-                </a:r>
-                <a:r>
-                  <a:rPr lang="en-US" b="1" dirty="0"/>
-                  <a:t>x</a:t>
-                </a:r>
-                <a:r>
-                  <a:rPr lang="en-US" dirty="0"/>
-                  <a:t>, we add the mean back, yielding</a:t>
-                </a:r>
-              </a:p>
-              <a:p>
-                <a:pPr lvl="1"/>
-                <a14:m>
-                  <m:oMath xmlns:m="http://schemas.openxmlformats.org/officeDocument/2006/math">
-                    <m:acc>
-                      <m:accPr>
-                        <m:chr m:val="̂"/>
-                        <m:ctrlPr>
-                          <a:rPr lang="en-US" b="0" i="1" smtClean="0">
-                            <a:latin typeface="Cambria Math" panose="02040503050406030204" pitchFamily="18" charset="0"/>
-                          </a:rPr>
-                        </m:ctrlPr>
-                      </m:accPr>
-                      <m:e>
-                        <m:r>
-                          <a:rPr lang="en-US" b="0" i="1" smtClean="0">
-                            <a:latin typeface="Cambria Math" panose="02040503050406030204" pitchFamily="18" charset="0"/>
-                          </a:rPr>
-                          <m:t>𝑦</m:t>
-                        </m:r>
-                      </m:e>
-                    </m:acc>
-                    <m:r>
-                      <a:rPr lang="en-US" b="0" i="1" smtClean="0">
-                        <a:latin typeface="Cambria Math" panose="02040503050406030204" pitchFamily="18" charset="0"/>
-                      </a:rPr>
-                      <m:t>=</m:t>
-                    </m:r>
-                  </m:oMath>
-                </a14:m>
-                <a:r>
-                  <a:rPr lang="en-US" dirty="0"/>
-                  <a:t> </a:t>
-                </a:r>
-                <a14:m>
-                  <m:oMath xmlns:m="http://schemas.openxmlformats.org/officeDocument/2006/math">
-                    <m:acc>
-                      <m:accPr>
-                        <m:chr m:val="̌"/>
-                        <m:ctrlPr>
-                          <a:rPr lang="en-US" i="1">
-                            <a:latin typeface="Cambria Math" panose="02040503050406030204" pitchFamily="18" charset="0"/>
-                          </a:rPr>
-                        </m:ctrlPr>
-                      </m:accPr>
-                      <m:e>
-                        <m:r>
-                          <a:rPr lang="en-US" i="1">
-                            <a:latin typeface="Cambria Math" panose="02040503050406030204" pitchFamily="18" charset="0"/>
-                          </a:rPr>
-                          <m:t>𝑦</m:t>
-                        </m:r>
-                      </m:e>
-                    </m:acc>
-                  </m:oMath>
-                </a14:m>
-                <a:r>
-                  <a:rPr lang="en-US" dirty="0"/>
-                  <a:t>+ </a:t>
-                </a:r>
-                <a14:m>
-                  <m:oMath xmlns:m="http://schemas.openxmlformats.org/officeDocument/2006/math">
-                    <m:acc>
-                      <m:accPr>
-                        <m:chr m:val="̅"/>
-                        <m:ctrlPr>
-                          <a:rPr lang="en-US" i="1">
-                            <a:latin typeface="Cambria Math" panose="02040503050406030204" pitchFamily="18" charset="0"/>
-                          </a:rPr>
-                        </m:ctrlPr>
-                      </m:accPr>
-                      <m:e>
-                        <m:r>
-                          <a:rPr lang="en-US" i="1">
-                            <a:latin typeface="Cambria Math" panose="02040503050406030204" pitchFamily="18" charset="0"/>
-                          </a:rPr>
-                          <m:t>𝑦</m:t>
-                        </m:r>
-                      </m:e>
-                    </m:acc>
-                  </m:oMath>
-                </a14:m>
-                <a:r>
-                  <a:rPr lang="en-US" dirty="0"/>
-                  <a:t>= </a:t>
-                </a:r>
-                <a14:m>
-                  <m:oMath xmlns:m="http://schemas.openxmlformats.org/officeDocument/2006/math">
-                    <m:sSup>
-                      <m:sSupPr>
-                        <m:ctrlPr>
-                          <a:rPr lang="en-US" i="1" smtClean="0">
-                            <a:latin typeface="Cambria Math" panose="02040503050406030204" pitchFamily="18" charset="0"/>
-                          </a:rPr>
-                        </m:ctrlPr>
-                      </m:sSupPr>
-                      <m:e>
-                        <m:acc>
-                          <m:accPr>
-                            <m:chr m:val="̃"/>
-                            <m:ctrlPr>
-                              <a:rPr lang="en-US" b="1" i="1">
-                                <a:latin typeface="Cambria Math" panose="02040503050406030204" pitchFamily="18" charset="0"/>
-                              </a:rPr>
-                            </m:ctrlPr>
-                          </m:accPr>
-                          <m:e>
-                            <m:r>
-                              <a:rPr lang="en-US" b="1" i="1">
-                                <a:latin typeface="Cambria Math" panose="02040503050406030204" pitchFamily="18" charset="0"/>
-                              </a:rPr>
-                              <m:t>𝒙</m:t>
-                            </m:r>
-                          </m:e>
-                        </m:acc>
-                      </m:e>
-                      <m:sup>
-                        <m:r>
-                          <a:rPr lang="en-US" b="0" i="1" smtClean="0">
-                            <a:latin typeface="Cambria Math" panose="02040503050406030204" pitchFamily="18" charset="0"/>
-                          </a:rPr>
-                          <m:t>𝑇</m:t>
-                        </m:r>
-                      </m:sup>
-                    </m:sSup>
-                    <m:acc>
-                      <m:accPr>
-                        <m:chr m:val="̃"/>
-                        <m:ctrlPr>
-                          <a:rPr lang="en-US" b="1" i="1">
-                            <a:latin typeface="Cambria Math" panose="02040503050406030204" pitchFamily="18" charset="0"/>
-                          </a:rPr>
-                        </m:ctrlPr>
-                      </m:accPr>
-                      <m:e>
-                        <m:r>
-                          <a:rPr lang="en-US" b="1" i="1">
-                            <a:latin typeface="Cambria Math" panose="02040503050406030204" pitchFamily="18" charset="0"/>
-                            <a:ea typeface="Cambria Math" panose="02040503050406030204" pitchFamily="18" charset="0"/>
-                          </a:rPr>
-                          <m:t>𝜷</m:t>
-                        </m:r>
-                      </m:e>
-                    </m:acc>
-                    <m:r>
-                      <a:rPr lang="en-US" b="1" i="1">
-                        <a:latin typeface="Cambria Math" panose="02040503050406030204" pitchFamily="18" charset="0"/>
-                      </a:rPr>
-                      <m:t> </m:t>
-                    </m:r>
-                  </m:oMath>
-                </a14:m>
-                <a:r>
-                  <a:rPr lang="en-US" dirty="0"/>
-                  <a:t>+</a:t>
-                </a:r>
-                <a14:m>
-                  <m:oMath xmlns:m="http://schemas.openxmlformats.org/officeDocument/2006/math">
-                    <m:acc>
-                      <m:accPr>
-                        <m:chr m:val="̅"/>
-                        <m:ctrlPr>
-                          <a:rPr lang="en-US" i="1">
-                            <a:latin typeface="Cambria Math" panose="02040503050406030204" pitchFamily="18" charset="0"/>
-                          </a:rPr>
-                        </m:ctrlPr>
-                      </m:accPr>
-                      <m:e>
-                        <m:r>
-                          <a:rPr lang="en-US" i="1">
-                            <a:latin typeface="Cambria Math" panose="02040503050406030204" pitchFamily="18" charset="0"/>
-                          </a:rPr>
-                          <m:t>𝑦</m:t>
-                        </m:r>
-                      </m:e>
-                    </m:acc>
-                  </m:oMath>
-                </a14:m>
-                <a:r>
-                  <a:rPr lang="en-US" dirty="0"/>
-                  <a:t>=</a:t>
-                </a:r>
-                <a14:m>
-                  <m:oMath xmlns:m="http://schemas.openxmlformats.org/officeDocument/2006/math">
-                    <m:d>
-                      <m:dPr>
-                        <m:ctrlPr>
-                          <a:rPr lang="en-US" i="1" smtClean="0">
-                            <a:latin typeface="Cambria Math" panose="02040503050406030204" pitchFamily="18" charset="0"/>
-                          </a:rPr>
-                        </m:ctrlPr>
-                      </m:dPr>
-                      <m:e>
-                        <m:sSup>
-                          <m:sSupPr>
-                            <m:ctrlPr>
-                              <a:rPr lang="en-US" i="1" smtClean="0">
-                                <a:latin typeface="Cambria Math" panose="02040503050406030204" pitchFamily="18" charset="0"/>
-                              </a:rPr>
-                            </m:ctrlPr>
-                          </m:sSupPr>
-                          <m:e>
-                            <m:r>
-                              <a:rPr lang="en-US" b="1" i="1" smtClean="0">
-                                <a:latin typeface="Cambria Math" panose="02040503050406030204" pitchFamily="18" charset="0"/>
-                              </a:rPr>
-                              <m:t>𝒙</m:t>
-                            </m:r>
-                          </m:e>
-                          <m:sup>
-                            <m:r>
-                              <a:rPr lang="en-US" b="0" i="1" smtClean="0">
-                                <a:latin typeface="Cambria Math" panose="02040503050406030204" pitchFamily="18" charset="0"/>
-                              </a:rPr>
-                              <m:t>𝑇</m:t>
-                            </m:r>
-                          </m:sup>
-                        </m:sSup>
-                        <m:r>
-                          <a:rPr lang="en-US" i="1">
-                            <a:latin typeface="Cambria Math" panose="02040503050406030204" pitchFamily="18" charset="0"/>
-                          </a:rPr>
-                          <m:t>−</m:t>
-                        </m:r>
-                        <m:sSup>
-                          <m:sSupPr>
-                            <m:ctrlPr>
-                              <a:rPr lang="en-US" i="1">
-                                <a:latin typeface="Cambria Math" panose="02040503050406030204" pitchFamily="18" charset="0"/>
-                              </a:rPr>
-                            </m:ctrlPr>
-                          </m:sSupPr>
-                          <m:e>
-                            <m:acc>
-                              <m:accPr>
-                                <m:chr m:val="̅"/>
-                                <m:ctrlPr>
-                                  <a:rPr lang="en-US" b="1" i="1">
-                                    <a:latin typeface="Cambria Math" panose="02040503050406030204" pitchFamily="18" charset="0"/>
-                                  </a:rPr>
-                                </m:ctrlPr>
-                              </m:accPr>
-                              <m:e>
-                                <m:r>
-                                  <a:rPr lang="en-US" b="1" i="1">
-                                    <a:latin typeface="Cambria Math" panose="02040503050406030204" pitchFamily="18" charset="0"/>
-                                  </a:rPr>
-                                  <m:t>𝒙</m:t>
-                                </m:r>
-                              </m:e>
-                            </m:acc>
-                          </m:e>
-                          <m:sup>
-                            <m:r>
-                              <a:rPr lang="en-US" i="1">
-                                <a:latin typeface="Cambria Math" panose="02040503050406030204" pitchFamily="18" charset="0"/>
-                              </a:rPr>
-                              <m:t>𝑇</m:t>
-                            </m:r>
-                          </m:sup>
-                        </m:sSup>
-                      </m:e>
-                    </m:d>
-                  </m:oMath>
-                </a14:m>
-                <a:r>
-                  <a:rPr lang="en-US" dirty="0"/>
-                  <a:t> </a:t>
-                </a:r>
-                <a14:m>
-                  <m:oMath xmlns:m="http://schemas.openxmlformats.org/officeDocument/2006/math">
-                    <m:acc>
-                      <m:accPr>
-                        <m:chr m:val="̃"/>
-                        <m:ctrlPr>
-                          <a:rPr lang="en-US" b="1" i="1">
-                            <a:latin typeface="Cambria Math" panose="02040503050406030204" pitchFamily="18" charset="0"/>
-                          </a:rPr>
-                        </m:ctrlPr>
-                      </m:accPr>
-                      <m:e>
-                        <m:r>
-                          <a:rPr lang="en-US" b="1" i="1">
-                            <a:latin typeface="Cambria Math" panose="02040503050406030204" pitchFamily="18" charset="0"/>
-                            <a:ea typeface="Cambria Math" panose="02040503050406030204" pitchFamily="18" charset="0"/>
-                          </a:rPr>
-                          <m:t>𝜷</m:t>
-                        </m:r>
-                      </m:e>
-                    </m:acc>
-                    <m:r>
-                      <a:rPr lang="en-US" b="0" i="1" smtClean="0">
-                        <a:latin typeface="Cambria Math" panose="02040503050406030204" pitchFamily="18" charset="0"/>
-                        <a:ea typeface="Cambria Math" panose="02040503050406030204" pitchFamily="18" charset="0"/>
-                      </a:rPr>
-                      <m:t>+</m:t>
-                    </m:r>
-                    <m:acc>
-                      <m:accPr>
-                        <m:chr m:val="̅"/>
-                        <m:ctrlPr>
-                          <a:rPr lang="en-US" i="1">
-                            <a:latin typeface="Cambria Math" panose="02040503050406030204" pitchFamily="18" charset="0"/>
-                          </a:rPr>
-                        </m:ctrlPr>
-                      </m:accPr>
-                      <m:e>
-                        <m:r>
-                          <a:rPr lang="en-US" i="1">
-                            <a:latin typeface="Cambria Math" panose="02040503050406030204" pitchFamily="18" charset="0"/>
-                          </a:rPr>
-                          <m:t>𝑦</m:t>
-                        </m:r>
-                      </m:e>
-                    </m:acc>
-                    <m:r>
-                      <a:rPr lang="en-US" b="0" i="0" smtClean="0">
-                        <a:latin typeface="Cambria Math" panose="02040503050406030204" pitchFamily="18" charset="0"/>
-                      </a:rPr>
-                      <m:t>=</m:t>
-                    </m:r>
-                    <m:sSup>
-                      <m:sSupPr>
-                        <m:ctrlPr>
-                          <a:rPr lang="en-US" i="1">
-                            <a:latin typeface="Cambria Math" panose="02040503050406030204" pitchFamily="18" charset="0"/>
-                          </a:rPr>
-                        </m:ctrlPr>
-                      </m:sSupPr>
-                      <m:e>
-                        <m:r>
-                          <a:rPr lang="en-US" b="1" i="1">
-                            <a:latin typeface="Cambria Math" panose="02040503050406030204" pitchFamily="18" charset="0"/>
-                          </a:rPr>
-                          <m:t>𝒙</m:t>
-                        </m:r>
-                      </m:e>
-                      <m:sup>
-                        <m:r>
-                          <a:rPr lang="en-US" i="1">
-                            <a:latin typeface="Cambria Math" panose="02040503050406030204" pitchFamily="18" charset="0"/>
-                          </a:rPr>
-                          <m:t>𝑇</m:t>
-                        </m:r>
-                      </m:sup>
-                    </m:sSup>
-                    <m:acc>
-                      <m:accPr>
-                        <m:chr m:val="̃"/>
-                        <m:ctrlPr>
-                          <a:rPr lang="en-US" b="1" i="1">
-                            <a:latin typeface="Cambria Math" panose="02040503050406030204" pitchFamily="18" charset="0"/>
-                          </a:rPr>
-                        </m:ctrlPr>
-                      </m:accPr>
-                      <m:e>
-                        <m:r>
-                          <a:rPr lang="en-US" b="1" i="1">
-                            <a:latin typeface="Cambria Math" panose="02040503050406030204" pitchFamily="18" charset="0"/>
-                            <a:ea typeface="Cambria Math" panose="02040503050406030204" pitchFamily="18" charset="0"/>
-                          </a:rPr>
-                          <m:t>𝜷</m:t>
-                        </m:r>
-                      </m:e>
-                    </m:acc>
-                    <m:r>
-                      <a:rPr lang="en-US" b="0" i="0" smtClean="0">
-                        <a:latin typeface="Cambria Math" panose="02040503050406030204" pitchFamily="18" charset="0"/>
-                        <a:ea typeface="Cambria Math" panose="02040503050406030204" pitchFamily="18" charset="0"/>
-                      </a:rPr>
-                      <m:t>+</m:t>
-                    </m:r>
-                    <m:sSub>
-                      <m:sSubPr>
-                        <m:ctrlPr>
-                          <a:rPr lang="en-US" b="0" i="1" smtClean="0">
-                            <a:latin typeface="Cambria Math" panose="02040503050406030204" pitchFamily="18" charset="0"/>
-                            <a:ea typeface="Cambria Math" panose="02040503050406030204" pitchFamily="18" charset="0"/>
-                          </a:rPr>
-                        </m:ctrlPr>
-                      </m:sSubPr>
-                      <m:e>
-                        <m:r>
-                          <a:rPr lang="en-US" b="0" i="1" smtClean="0">
-                            <a:latin typeface="Cambria Math" panose="02040503050406030204" pitchFamily="18" charset="0"/>
-                            <a:ea typeface="Cambria Math" panose="02040503050406030204" pitchFamily="18" charset="0"/>
-                          </a:rPr>
-                          <m:t>𝛽</m:t>
-                        </m:r>
-                      </m:e>
-                      <m:sub>
-                        <m:r>
-                          <a:rPr lang="en-US" b="0" i="1" smtClean="0">
-                            <a:latin typeface="Cambria Math" panose="02040503050406030204" pitchFamily="18" charset="0"/>
-                            <a:ea typeface="Cambria Math" panose="02040503050406030204" pitchFamily="18" charset="0"/>
-                          </a:rPr>
-                          <m:t>0</m:t>
-                        </m:r>
-                      </m:sub>
-                    </m:sSub>
-                  </m:oMath>
-                </a14:m>
-                <a:r>
-                  <a:rPr lang="en-US" dirty="0"/>
-                  <a:t>, </a:t>
-                </a:r>
-                <a14:m>
-                  <m:oMath xmlns:m="http://schemas.openxmlformats.org/officeDocument/2006/math">
-                    <m:sSub>
-                      <m:sSubPr>
-                        <m:ctrlPr>
-                          <a:rPr lang="en-US" i="1" smtClean="0">
-                            <a:solidFill>
-                              <a:srgbClr val="FF0000"/>
-                            </a:solidFill>
-                            <a:latin typeface="Cambria Math" panose="02040503050406030204" pitchFamily="18" charset="0"/>
-                            <a:ea typeface="Cambria Math" panose="02040503050406030204" pitchFamily="18" charset="0"/>
-                          </a:rPr>
-                        </m:ctrlPr>
-                      </m:sSubPr>
-                      <m:e>
-                        <m:r>
-                          <a:rPr lang="en-US" i="1">
-                            <a:solidFill>
-                              <a:srgbClr val="FF0000"/>
-                            </a:solidFill>
-                            <a:latin typeface="Cambria Math" panose="02040503050406030204" pitchFamily="18" charset="0"/>
-                            <a:ea typeface="Cambria Math" panose="02040503050406030204" pitchFamily="18" charset="0"/>
-                          </a:rPr>
-                          <m:t>𝛽</m:t>
-                        </m:r>
-                      </m:e>
-                      <m:sub>
-                        <m:r>
-                          <a:rPr lang="en-US" i="1">
-                            <a:solidFill>
-                              <a:srgbClr val="FF0000"/>
-                            </a:solidFill>
-                            <a:latin typeface="Cambria Math" panose="02040503050406030204" pitchFamily="18" charset="0"/>
-                            <a:ea typeface="Cambria Math" panose="02040503050406030204" pitchFamily="18" charset="0"/>
-                          </a:rPr>
-                          <m:t>0</m:t>
-                        </m:r>
-                      </m:sub>
-                    </m:sSub>
-                  </m:oMath>
-                </a14:m>
-                <a:r>
-                  <a:rPr lang="en-US" dirty="0">
-                    <a:solidFill>
-                      <a:srgbClr val="FF0000"/>
-                    </a:solidFill>
-                  </a:rPr>
-                  <a:t>=</a:t>
-                </a:r>
-                <a14:m>
-                  <m:oMath xmlns:m="http://schemas.openxmlformats.org/officeDocument/2006/math">
-                    <m:acc>
-                      <m:accPr>
-                        <m:chr m:val="̅"/>
-                        <m:ctrlPr>
-                          <a:rPr lang="en-US" i="1">
-                            <a:solidFill>
-                              <a:srgbClr val="FF0000"/>
-                            </a:solidFill>
-                            <a:latin typeface="Cambria Math" panose="02040503050406030204" pitchFamily="18" charset="0"/>
-                          </a:rPr>
-                        </m:ctrlPr>
-                      </m:accPr>
-                      <m:e>
-                        <m:r>
-                          <a:rPr lang="en-US" i="1">
-                            <a:solidFill>
-                              <a:srgbClr val="FF0000"/>
-                            </a:solidFill>
-                            <a:latin typeface="Cambria Math" panose="02040503050406030204" pitchFamily="18" charset="0"/>
-                          </a:rPr>
-                          <m:t>𝑦</m:t>
-                        </m:r>
-                      </m:e>
-                    </m:acc>
-                    <m:r>
-                      <a:rPr lang="en-US" b="0" i="0" smtClean="0">
-                        <a:solidFill>
-                          <a:srgbClr val="FF0000"/>
-                        </a:solidFill>
-                        <a:latin typeface="Cambria Math" panose="02040503050406030204" pitchFamily="18" charset="0"/>
-                      </a:rPr>
-                      <m:t>−</m:t>
-                    </m:r>
-                    <m:sSup>
-                      <m:sSupPr>
-                        <m:ctrlPr>
-                          <a:rPr lang="en-US" i="1">
-                            <a:solidFill>
-                              <a:srgbClr val="FF0000"/>
-                            </a:solidFill>
-                            <a:latin typeface="Cambria Math" panose="02040503050406030204" pitchFamily="18" charset="0"/>
-                          </a:rPr>
-                        </m:ctrlPr>
-                      </m:sSupPr>
-                      <m:e>
-                        <m:acc>
-                          <m:accPr>
-                            <m:chr m:val="̅"/>
-                            <m:ctrlPr>
-                              <a:rPr lang="en-US" b="1" i="1">
-                                <a:solidFill>
-                                  <a:srgbClr val="FF0000"/>
-                                </a:solidFill>
-                                <a:latin typeface="Cambria Math" panose="02040503050406030204" pitchFamily="18" charset="0"/>
-                              </a:rPr>
-                            </m:ctrlPr>
-                          </m:accPr>
-                          <m:e>
-                            <m:r>
-                              <a:rPr lang="en-US" b="1" i="1">
-                                <a:solidFill>
-                                  <a:srgbClr val="FF0000"/>
-                                </a:solidFill>
-                                <a:latin typeface="Cambria Math" panose="02040503050406030204" pitchFamily="18" charset="0"/>
-                              </a:rPr>
-                              <m:t>𝒙</m:t>
-                            </m:r>
-                          </m:e>
-                        </m:acc>
-                      </m:e>
-                      <m:sup>
-                        <m:r>
-                          <a:rPr lang="en-US" i="1">
-                            <a:solidFill>
-                              <a:srgbClr val="FF0000"/>
-                            </a:solidFill>
-                            <a:latin typeface="Cambria Math" panose="02040503050406030204" pitchFamily="18" charset="0"/>
-                          </a:rPr>
-                          <m:t>𝑇</m:t>
-                        </m:r>
-                      </m:sup>
-                    </m:sSup>
-                    <m:r>
-                      <a:rPr lang="en-US" i="1">
-                        <a:solidFill>
-                          <a:srgbClr val="FF0000"/>
-                        </a:solidFill>
-                        <a:latin typeface="Cambria Math" panose="02040503050406030204" pitchFamily="18" charset="0"/>
-                      </a:rPr>
-                      <m:t> </m:t>
-                    </m:r>
-                    <m:acc>
-                      <m:accPr>
-                        <m:chr m:val="̃"/>
-                        <m:ctrlPr>
-                          <a:rPr lang="en-US" b="1" i="1">
-                            <a:solidFill>
-                              <a:srgbClr val="FF0000"/>
-                            </a:solidFill>
-                            <a:latin typeface="Cambria Math" panose="02040503050406030204" pitchFamily="18" charset="0"/>
-                          </a:rPr>
-                        </m:ctrlPr>
-                      </m:accPr>
-                      <m:e>
-                        <m:r>
-                          <a:rPr lang="en-US" b="1" i="1">
-                            <a:solidFill>
-                              <a:srgbClr val="FF0000"/>
-                            </a:solidFill>
-                            <a:latin typeface="Cambria Math" panose="02040503050406030204" pitchFamily="18" charset="0"/>
-                            <a:ea typeface="Cambria Math" panose="02040503050406030204" pitchFamily="18" charset="0"/>
-                          </a:rPr>
-                          <m:t>𝜷</m:t>
-                        </m:r>
-                      </m:e>
-                    </m:acc>
-                  </m:oMath>
-                </a14:m>
-                <a:endParaRPr lang="en-US" b="1" dirty="0"/>
-              </a:p>
-            </p:txBody>
-          </p:sp>
-        </mc:Choice>
-        <mc:Fallback xmlns="">
-          <p:sp>
-            <p:nvSpPr>
-              <p:cNvPr id="3" name="Content Placeholder 2">
-                <a:extLst>
-                  <a:ext uri="{FF2B5EF4-FFF2-40B4-BE49-F238E27FC236}">
-                    <a16:creationId xmlns:a16="http://schemas.microsoft.com/office/drawing/2014/main" id="{D8148FF9-AD3B-5440-BFE2-903AF8C0C55C}"/>
-                  </a:ext>
-                </a:extLst>
-              </p:cNvPr>
-              <p:cNvSpPr>
-                <a:spLocks noGrp="1" noRot="1" noChangeAspect="1" noMove="1" noResize="1" noEditPoints="1" noAdjustHandles="1" noChangeArrowheads="1" noChangeShapeType="1" noTextEdit="1"/>
-              </p:cNvSpPr>
-              <p:nvPr>
-                <p:ph idx="1"/>
-              </p:nvPr>
-            </p:nvSpPr>
-            <p:spPr>
-              <a:blipFill>
-                <a:blip r:embed="rId2"/>
-                <a:stretch>
-                  <a:fillRect l="-1261" t="-1462"/>
-                </a:stretch>
-              </a:blipFill>
-            </p:spPr>
-            <p:txBody>
-              <a:bodyPr/>
-              <a:lstStyle/>
-              <a:p>
-                <a:r>
-                  <a:rPr lang="en-US">
-                    <a:noFill/>
-                  </a:rPr>
-                  <a:t> </a:t>
-                </a:r>
-              </a:p>
-            </p:txBody>
-          </p:sp>
-        </mc:Fallback>
-      </mc:AlternateContent>
-      <p:sp>
-        <p:nvSpPr>
-          <p:cNvPr id="4" name="Slide Number Placeholder 3">
-            <a:extLst>
-              <a:ext uri="{FF2B5EF4-FFF2-40B4-BE49-F238E27FC236}">
-                <a16:creationId xmlns:a16="http://schemas.microsoft.com/office/drawing/2014/main" id="{6C57C3A8-DC51-734B-B3C5-D92AF59D91C0}"/>
-              </a:ext>
-            </a:extLst>
-          </p:cNvPr>
-          <p:cNvSpPr>
-            <a:spLocks noGrp="1"/>
-          </p:cNvSpPr>
-          <p:nvPr>
-            <p:ph type="sldNum" sz="quarter" idx="12"/>
-          </p:nvPr>
-        </p:nvSpPr>
-        <p:spPr/>
-        <p:txBody>
-          <a:bodyPr/>
-          <a:lstStyle/>
-          <a:p>
-            <a:fld id="{629637A9-119A-49DA-BD12-AAC58B377D80}" type="slidenum">
-              <a:rPr lang="en-US" smtClean="0"/>
-              <a:t>25</a:t>
-            </a:fld>
-            <a:endParaRPr lang="en-US" dirty="0"/>
-          </a:p>
-        </p:txBody>
-      </p:sp>
-    </p:spTree>
-    <p:extLst>
-      <p:ext uri="{BB962C8B-B14F-4D97-AF65-F5344CB8AC3E}">
-        <p14:creationId xmlns:p14="http://schemas.microsoft.com/office/powerpoint/2010/main" val="331418584"/>
       </p:ext>
     </p:extLst>
   </p:cSld>
@@ -18901,19 +18123,19 @@
         <p:spPr/>
         <p:txBody>
           <a:bodyPr>
-            <a:normAutofit fontScale="90000"/>
+            <a:normAutofit/>
           </a:bodyPr>
           <a:lstStyle/>
           <a:p>
             <a:r>
               <a:rPr lang="en-US" dirty="0"/>
-              <a:t>Solution in terms of Sample Mean, Covariance and Cross-Covariance Matrices</a:t>
+              <a:t>Mean Removed Form of the LS Solution</a:t>
             </a:r>
           </a:p>
         </p:txBody>
       </p:sp>
-      <mc:AlternateContent xmlns:mc="http://schemas.openxmlformats.org/markup-compatibility/2006" xmlns:a14="http://schemas.microsoft.com/office/drawing/2010/main">
-        <mc:Choice Requires="a14">
+      <mc:AlternateContent xmlns:mc="http://schemas.openxmlformats.org/markup-compatibility/2006">
+        <mc:Choice xmlns:a14="http://schemas.microsoft.com/office/drawing/2010/main" Requires="a14">
           <p:sp>
             <p:nvSpPr>
               <p:cNvPr id="3" name="Content Placeholder 2"/>
@@ -18933,6 +18155,12 @@
               <a:p>
                 <a:r>
                   <a:rPr lang="en-US" dirty="0"/>
+                  <a:t>Often useful to remove mean from data before fitting</a:t>
+                </a:r>
+              </a:p>
+              <a:p>
+                <a:r>
+                  <a:rPr lang="en-US" dirty="0"/>
                   <a:t>Sample mean: </a:t>
                 </a:r>
                 <a14:m>
@@ -18961,6 +18189,31 @@
                       </a:rPr>
                       <m:t>=</m:t>
                     </m:r>
+                    <m:f>
+                      <m:fPr>
+                        <m:ctrlPr>
+                          <a:rPr lang="en-US" b="0" i="1" smtClean="0">
+                            <a:latin typeface="Cambria Math" panose="02040503050406030204" pitchFamily="18" charset="0"/>
+                          </a:rPr>
+                        </m:ctrlPr>
+                      </m:fPr>
+                      <m:num>
+                        <m:r>
+                          <a:rPr lang="en-US" b="0" i="1" smtClean="0">
+                            <a:latin typeface="Cambria Math" panose="02040503050406030204" pitchFamily="18" charset="0"/>
+                          </a:rPr>
+                          <m:t>1</m:t>
+                        </m:r>
+                      </m:num>
+                      <m:den>
+                        <m:r>
+                          <a:rPr lang="en-US" b="0" i="1" smtClean="0">
+                            <a:latin typeface="Cambria Math" panose="02040503050406030204" pitchFamily="18" charset="0"/>
+                          </a:rPr>
+                          <m:t>𝑁</m:t>
+                        </m:r>
+                      </m:den>
+                    </m:f>
                     <m:nary>
                       <m:naryPr>
                         <m:chr m:val="∑"/>
@@ -18990,10 +18243,10 @@
                       </m:sub>
                       <m:sup>
                         <m:r>
-                          <a:rPr lang="en-US" i="1">
-                            <a:latin typeface="Cambria Math" panose="02040503050406030204" pitchFamily="18" charset="0"/>
-                          </a:rPr>
-                          <m:t>𝑛</m:t>
+                          <a:rPr lang="en-US" b="0" i="1" smtClean="0">
+                            <a:latin typeface="Cambria Math" panose="02040503050406030204" pitchFamily="18" charset="0"/>
+                          </a:rPr>
+                          <m:t>𝑁</m:t>
                         </m:r>
                       </m:sup>
                       <m:e>
@@ -19028,7 +18281,7 @@
                 </a14:m>
                 <a:r>
                   <a:rPr lang="en-US" dirty="0"/>
-                  <a:t>, </a:t>
+                  <a:t>,   </a:t>
                 </a:r>
                 <a14:m>
                   <m:oMath xmlns:m="http://schemas.openxmlformats.org/officeDocument/2006/math">
@@ -19075,6 +18328,31 @@
                       </a:rPr>
                       <m:t>=</m:t>
                     </m:r>
+                    <m:f>
+                      <m:fPr>
+                        <m:ctrlPr>
+                          <a:rPr lang="en-US" b="0" i="1" smtClean="0">
+                            <a:latin typeface="Cambria Math" panose="02040503050406030204" pitchFamily="18" charset="0"/>
+                          </a:rPr>
+                        </m:ctrlPr>
+                      </m:fPr>
+                      <m:num>
+                        <m:r>
+                          <a:rPr lang="en-US" b="0" i="1" smtClean="0">
+                            <a:latin typeface="Cambria Math" panose="02040503050406030204" pitchFamily="18" charset="0"/>
+                          </a:rPr>
+                          <m:t>1</m:t>
+                        </m:r>
+                      </m:num>
+                      <m:den>
+                        <m:r>
+                          <a:rPr lang="en-US" b="0" i="1" smtClean="0">
+                            <a:latin typeface="Cambria Math" panose="02040503050406030204" pitchFamily="18" charset="0"/>
+                          </a:rPr>
+                          <m:t>𝑁</m:t>
+                        </m:r>
+                      </m:den>
+                    </m:f>
                     <m:nary>
                       <m:naryPr>
                         <m:chr m:val="∑"/>
@@ -19104,10 +18382,10 @@
                       </m:sub>
                       <m:sup>
                         <m:r>
-                          <a:rPr lang="en-US" i="1">
-                            <a:latin typeface="Cambria Math" panose="02040503050406030204" pitchFamily="18" charset="0"/>
-                          </a:rPr>
-                          <m:t>𝑛</m:t>
+                          <a:rPr lang="en-US" b="0" i="1" smtClean="0">
+                            <a:latin typeface="Cambria Math" panose="02040503050406030204" pitchFamily="18" charset="0"/>
+                          </a:rPr>
+                          <m:t>𝑁</m:t>
                         </m:r>
                       </m:sup>
                       <m:e>
@@ -19138,12 +18416,6 @@
                               <a:rPr lang="en-US" b="0" i="1" smtClean="0">
                                 <a:latin typeface="Cambria Math" panose="02040503050406030204" pitchFamily="18" charset="0"/>
                               </a:rPr>
-                              <m:t>,</m:t>
-                            </m:r>
-                            <m:r>
-                              <a:rPr lang="en-US" b="0" i="1" smtClean="0">
-                                <a:latin typeface="Cambria Math" panose="02040503050406030204" pitchFamily="18" charset="0"/>
-                              </a:rPr>
                               <m:t>𝑗</m:t>
                             </m:r>
                           </m:sub>
@@ -19154,47 +18426,28 @@
                 </a14:m>
                 <a:r>
                   <a:rPr lang="en-US" dirty="0"/>
-                  <a:t>, </a:t>
+                  <a:t>,   </a:t>
                 </a:r>
                 <a14:m>
                   <m:oMath xmlns:m="http://schemas.openxmlformats.org/officeDocument/2006/math">
-                    <m:sSup>
-                      <m:sSupPr>
+                    <m:acc>
+                      <m:accPr>
+                        <m:chr m:val="̅"/>
                         <m:ctrlPr>
-                          <a:rPr lang="en-US" i="1" smtClean="0">
+                          <a:rPr lang="en-US" b="1" i="1">
                             <a:latin typeface="Cambria Math" panose="02040503050406030204" pitchFamily="18" charset="0"/>
                           </a:rPr>
                         </m:ctrlPr>
-                      </m:sSupPr>
+                      </m:accPr>
                       <m:e>
-                        <m:acc>
-                          <m:accPr>
-                            <m:chr m:val="̅"/>
-                            <m:ctrlPr>
-                              <a:rPr lang="en-US" b="1" i="1">
-                                <a:latin typeface="Cambria Math" panose="02040503050406030204" pitchFamily="18" charset="0"/>
-                              </a:rPr>
-                            </m:ctrlPr>
-                          </m:accPr>
-                          <m:e>
-                            <m:r>
-                              <a:rPr lang="en-US" b="1" i="1">
-                                <a:latin typeface="Cambria Math" panose="02040503050406030204" pitchFamily="18" charset="0"/>
-                              </a:rPr>
-                              <m:t>𝒙</m:t>
-                            </m:r>
-                          </m:e>
-                        </m:acc>
+                        <m:r>
+                          <a:rPr lang="en-US" b="1" i="1">
+                            <a:latin typeface="Cambria Math" panose="02040503050406030204" pitchFamily="18" charset="0"/>
+                          </a:rPr>
+                          <m:t>𝒙</m:t>
+                        </m:r>
                       </m:e>
-                      <m:sup>
-                        <m:r>
-                          <a:rPr lang="en-US" i="1">
-                            <a:latin typeface="Cambria Math" panose="02040503050406030204" pitchFamily="18" charset="0"/>
-                          </a:rPr>
-                          <m:t>𝑇</m:t>
-                        </m:r>
-                      </m:sup>
-                    </m:sSup>
+                    </m:acc>
                     <m:r>
                       <a:rPr lang="en-US" b="0" i="1" smtClean="0">
                         <a:latin typeface="Cambria Math" panose="02040503050406030204" pitchFamily="18" charset="0"/>
@@ -19301,6 +18554,249 @@
               <a:p>
                 <a:r>
                   <a:rPr lang="en-US" dirty="0"/>
+                  <a:t>Defined </a:t>
+                </a:r>
+                <a:r>
+                  <a:rPr lang="en-US" dirty="0">
+                    <a:solidFill>
+                      <a:schemeClr val="tx2">
+                        <a:lumMod val="60000"/>
+                        <a:lumOff val="40000"/>
+                      </a:schemeClr>
+                    </a:solidFill>
+                  </a:rPr>
+                  <a:t>mean removed data</a:t>
+                </a:r>
+                <a:r>
+                  <a:rPr lang="en-US" dirty="0"/>
+                  <a:t>: </a:t>
+                </a:r>
+                <a14:m>
+                  <m:oMath xmlns:m="http://schemas.openxmlformats.org/officeDocument/2006/math">
+                    <m:sSub>
+                      <m:sSubPr>
+                        <m:ctrlPr>
+                          <a:rPr lang="en-US" i="1">
+                            <a:latin typeface="Cambria Math" panose="02040503050406030204" pitchFamily="18" charset="0"/>
+                          </a:rPr>
+                        </m:ctrlPr>
+                      </m:sSubPr>
+                      <m:e>
+                        <m:acc>
+                          <m:accPr>
+                            <m:chr m:val="̃"/>
+                            <m:ctrlPr>
+                              <a:rPr lang="en-US" i="1">
+                                <a:latin typeface="Cambria Math" panose="02040503050406030204" pitchFamily="18" charset="0"/>
+                              </a:rPr>
+                            </m:ctrlPr>
+                          </m:accPr>
+                          <m:e>
+                            <m:r>
+                              <a:rPr lang="en-US" b="0" i="1" smtClean="0">
+                                <a:latin typeface="Cambria Math" panose="02040503050406030204" pitchFamily="18" charset="0"/>
+                              </a:rPr>
+                              <m:t>𝑋</m:t>
+                            </m:r>
+                          </m:e>
+                        </m:acc>
+                      </m:e>
+                      <m:sub>
+                        <m:r>
+                          <a:rPr lang="en-US" i="1">
+                            <a:latin typeface="Cambria Math" panose="02040503050406030204" pitchFamily="18" charset="0"/>
+                          </a:rPr>
+                          <m:t>𝑖𝑗</m:t>
+                        </m:r>
+                      </m:sub>
+                    </m:sSub>
+                    <m:r>
+                      <a:rPr lang="en-US" i="1">
+                        <a:latin typeface="Cambria Math" panose="02040503050406030204" pitchFamily="18" charset="0"/>
+                      </a:rPr>
+                      <m:t>=</m:t>
+                    </m:r>
+                    <m:sSub>
+                      <m:sSubPr>
+                        <m:ctrlPr>
+                          <a:rPr lang="en-US" i="1">
+                            <a:latin typeface="Cambria Math" panose="02040503050406030204" pitchFamily="18" charset="0"/>
+                          </a:rPr>
+                        </m:ctrlPr>
+                      </m:sSubPr>
+                      <m:e>
+                        <m:r>
+                          <a:rPr lang="en-US" b="0" i="1" smtClean="0">
+                            <a:latin typeface="Cambria Math" panose="02040503050406030204" pitchFamily="18" charset="0"/>
+                          </a:rPr>
+                          <m:t>𝑥</m:t>
+                        </m:r>
+                      </m:e>
+                      <m:sub>
+                        <m:r>
+                          <a:rPr lang="en-US" i="1">
+                            <a:latin typeface="Cambria Math" panose="02040503050406030204" pitchFamily="18" charset="0"/>
+                          </a:rPr>
+                          <m:t>𝑖𝑗</m:t>
+                        </m:r>
+                      </m:sub>
+                    </m:sSub>
+                    <m:r>
+                      <a:rPr lang="en-US" i="1">
+                        <a:latin typeface="Cambria Math" panose="02040503050406030204" pitchFamily="18" charset="0"/>
+                      </a:rPr>
+                      <m:t>−</m:t>
+                    </m:r>
+                    <m:sSub>
+                      <m:sSubPr>
+                        <m:ctrlPr>
+                          <a:rPr lang="en-US" i="1">
+                            <a:latin typeface="Cambria Math" panose="02040503050406030204" pitchFamily="18" charset="0"/>
+                          </a:rPr>
+                        </m:ctrlPr>
+                      </m:sSubPr>
+                      <m:e>
+                        <m:acc>
+                          <m:accPr>
+                            <m:chr m:val="̅"/>
+                            <m:ctrlPr>
+                              <a:rPr lang="en-US" i="1">
+                                <a:latin typeface="Cambria Math" panose="02040503050406030204" pitchFamily="18" charset="0"/>
+                              </a:rPr>
+                            </m:ctrlPr>
+                          </m:accPr>
+                          <m:e>
+                            <m:r>
+                              <a:rPr lang="en-US" i="1">
+                                <a:latin typeface="Cambria Math" panose="02040503050406030204" pitchFamily="18" charset="0"/>
+                              </a:rPr>
+                              <m:t>𝑥</m:t>
+                            </m:r>
+                          </m:e>
+                        </m:acc>
+                      </m:e>
+                      <m:sub>
+                        <m:r>
+                          <a:rPr lang="en-US" i="1">
+                            <a:latin typeface="Cambria Math" panose="02040503050406030204" pitchFamily="18" charset="0"/>
+                          </a:rPr>
+                          <m:t>𝑗</m:t>
+                        </m:r>
+                      </m:sub>
+                    </m:sSub>
+                    <m:r>
+                      <a:rPr lang="en-US" b="0" i="1" smtClean="0">
+                        <a:latin typeface="Cambria Math" panose="02040503050406030204" pitchFamily="18" charset="0"/>
+                      </a:rPr>
+                      <m:t>,</m:t>
+                    </m:r>
+                    <m:sSub>
+                      <m:sSubPr>
+                        <m:ctrlPr>
+                          <a:rPr lang="en-US" i="1">
+                            <a:latin typeface="Cambria Math" panose="02040503050406030204" pitchFamily="18" charset="0"/>
+                          </a:rPr>
+                        </m:ctrlPr>
+                      </m:sSubPr>
+                      <m:e>
+                        <m:acc>
+                          <m:accPr>
+                            <m:chr m:val="̃"/>
+                            <m:ctrlPr>
+                              <a:rPr lang="en-US" i="1" smtClean="0">
+                                <a:latin typeface="Cambria Math" panose="02040503050406030204" pitchFamily="18" charset="0"/>
+                              </a:rPr>
+                            </m:ctrlPr>
+                          </m:accPr>
+                          <m:e>
+                            <m:r>
+                              <a:rPr lang="en-US" b="0" i="1" smtClean="0">
+                                <a:latin typeface="Cambria Math" panose="02040503050406030204" pitchFamily="18" charset="0"/>
+                              </a:rPr>
+                              <m:t>𝑦</m:t>
+                            </m:r>
+                          </m:e>
+                        </m:acc>
+                      </m:e>
+                      <m:sub>
+                        <m:r>
+                          <a:rPr lang="en-US" i="1">
+                            <a:latin typeface="Cambria Math" panose="02040503050406030204" pitchFamily="18" charset="0"/>
+                          </a:rPr>
+                          <m:t>𝑖</m:t>
+                        </m:r>
+                      </m:sub>
+                    </m:sSub>
+                    <m:r>
+                      <a:rPr lang="en-US" b="0" i="1" smtClean="0">
+                        <a:latin typeface="Cambria Math" panose="02040503050406030204" pitchFamily="18" charset="0"/>
+                      </a:rPr>
+                      <m:t>=</m:t>
+                    </m:r>
+                    <m:sSub>
+                      <m:sSubPr>
+                        <m:ctrlPr>
+                          <a:rPr lang="en-US" b="0" i="1" smtClean="0">
+                            <a:latin typeface="Cambria Math" panose="02040503050406030204" pitchFamily="18" charset="0"/>
+                          </a:rPr>
+                        </m:ctrlPr>
+                      </m:sSubPr>
+                      <m:e>
+                        <m:r>
+                          <a:rPr lang="en-US" b="0" i="1" smtClean="0">
+                            <a:latin typeface="Cambria Math" panose="02040503050406030204" pitchFamily="18" charset="0"/>
+                          </a:rPr>
+                          <m:t>𝑦</m:t>
+                        </m:r>
+                      </m:e>
+                      <m:sub>
+                        <m:r>
+                          <a:rPr lang="en-US" b="0" i="1" smtClean="0">
+                            <a:latin typeface="Cambria Math" panose="02040503050406030204" pitchFamily="18" charset="0"/>
+                          </a:rPr>
+                          <m:t>𝑖</m:t>
+                        </m:r>
+                      </m:sub>
+                    </m:sSub>
+                    <m:r>
+                      <a:rPr lang="en-US" b="0" i="1" smtClean="0">
+                        <a:latin typeface="Cambria Math" panose="02040503050406030204" pitchFamily="18" charset="0"/>
+                      </a:rPr>
+                      <m:t>−</m:t>
+                    </m:r>
+                  </m:oMath>
+                </a14:m>
+                <a:r>
+                  <a:rPr lang="en-US" dirty="0"/>
+                  <a:t> </a:t>
+                </a:r>
+                <a14:m>
+                  <m:oMath xmlns:m="http://schemas.openxmlformats.org/officeDocument/2006/math">
+                    <m:acc>
+                      <m:accPr>
+                        <m:chr m:val="̅"/>
+                        <m:ctrlPr>
+                          <a:rPr lang="en-US" i="1">
+                            <a:latin typeface="Cambria Math" panose="02040503050406030204" pitchFamily="18" charset="0"/>
+                          </a:rPr>
+                        </m:ctrlPr>
+                      </m:accPr>
+                      <m:e>
+                        <m:r>
+                          <a:rPr lang="en-US" i="1">
+                            <a:latin typeface="Cambria Math" panose="02040503050406030204" pitchFamily="18" charset="0"/>
+                          </a:rPr>
+                          <m:t>𝑦</m:t>
+                        </m:r>
+                      </m:e>
+                    </m:acc>
+                  </m:oMath>
+                </a14:m>
+                <a:endParaRPr lang="en-US" dirty="0"/>
+              </a:p>
+              <a:p>
+                <a:r>
+                  <a:rPr lang="en-US" dirty="0"/>
                   <a:t>Sample</a:t>
                 </a:r>
                 <a:r>
@@ -19413,7 +18909,7 @@
                           <a:rPr lang="en-US" b="0" i="1" smtClean="0">
                             <a:latin typeface="Cambria Math" panose="02040503050406030204" pitchFamily="18" charset="0"/>
                           </a:rPr>
-                          <m:t>𝑛</m:t>
+                          <m:t>𝑁</m:t>
                         </m:r>
                       </m:den>
                     </m:f>
@@ -19449,7 +18945,7 @@
                           <a:rPr lang="en-US" b="0" i="1" smtClean="0">
                             <a:latin typeface="Cambria Math" panose="02040503050406030204" pitchFamily="18" charset="0"/>
                           </a:rPr>
-                          <m:t>𝑛</m:t>
+                          <m:t>𝑁</m:t>
                         </m:r>
                       </m:sup>
                       <m:e>
@@ -19631,7 +19127,7 @@
                 </a14:m>
                 <a:r>
                   <a:rPr lang="en-US" dirty="0"/>
-                  <a:t>, </a:t>
+                  <a:t>,    </a:t>
                 </a:r>
                 <a14:m>
                   <m:oMath xmlns:m="http://schemas.openxmlformats.org/officeDocument/2006/math">
@@ -19687,14 +19183,14 @@
                           <a:rPr lang="en-US" b="0" i="1" smtClean="0">
                             <a:latin typeface="Cambria Math" panose="02040503050406030204" pitchFamily="18" charset="0"/>
                           </a:rPr>
-                          <m:t>𝑛</m:t>
+                          <m:t>𝑁</m:t>
                         </m:r>
                       </m:den>
                     </m:f>
                     <m:sSup>
                       <m:sSupPr>
                         <m:ctrlPr>
-                          <a:rPr lang="en-US" b="0" i="1" smtClean="0">
+                          <a:rPr lang="en-US" b="1" i="1" smtClean="0">
                             <a:latin typeface="Cambria Math" panose="02040503050406030204" pitchFamily="18" charset="0"/>
                           </a:rPr>
                         </m:ctrlPr>
@@ -19704,27 +19200,27 @@
                           <m:accPr>
                             <m:chr m:val="̃"/>
                             <m:ctrlPr>
-                              <a:rPr lang="en-US" i="1">
+                              <a:rPr lang="en-US" b="1" i="1">
                                 <a:latin typeface="Cambria Math" panose="02040503050406030204" pitchFamily="18" charset="0"/>
                               </a:rPr>
                             </m:ctrlPr>
                           </m:accPr>
                           <m:e>
                             <m:r>
-                              <a:rPr lang="en-US" i="1">
+                              <a:rPr lang="en-US" b="1" i="1">
                                 <a:latin typeface="Cambria Math" panose="02040503050406030204" pitchFamily="18" charset="0"/>
                               </a:rPr>
-                              <m:t>𝑋</m:t>
+                              <m:t>𝑿</m:t>
                             </m:r>
                           </m:e>
                         </m:acc>
                       </m:e>
                       <m:sup>
                         <m:r>
-                          <a:rPr lang="en-US" b="0" i="1" smtClean="0">
-                            <a:latin typeface="Cambria Math" panose="02040503050406030204" pitchFamily="18" charset="0"/>
-                          </a:rPr>
-                          <m:t>𝑇</m:t>
+                          <a:rPr lang="en-US" b="1" i="1" smtClean="0">
+                            <a:latin typeface="Cambria Math" panose="02040503050406030204" pitchFamily="18" charset="0"/>
+                          </a:rPr>
+                          <m:t>𝑻</m:t>
                         </m:r>
                       </m:sup>
                     </m:sSup>
@@ -19732,23 +19228,23 @@
                       <m:accPr>
                         <m:chr m:val="̃"/>
                         <m:ctrlPr>
-                          <a:rPr lang="en-US" i="1">
+                          <a:rPr lang="en-US" b="1" i="1">
                             <a:latin typeface="Cambria Math" panose="02040503050406030204" pitchFamily="18" charset="0"/>
                           </a:rPr>
                         </m:ctrlPr>
                       </m:accPr>
                       <m:e>
                         <m:r>
-                          <a:rPr lang="en-US" i="1">
-                            <a:latin typeface="Cambria Math" panose="02040503050406030204" pitchFamily="18" charset="0"/>
-                          </a:rPr>
-                          <m:t>𝑋</m:t>
+                          <a:rPr lang="en-US" b="1" i="1">
+                            <a:latin typeface="Cambria Math" panose="02040503050406030204" pitchFamily="18" charset="0"/>
+                          </a:rPr>
+                          <m:t>𝑿</m:t>
                         </m:r>
                       </m:e>
                     </m:acc>
                   </m:oMath>
                 </a14:m>
-                <a:endParaRPr lang="en-US" dirty="0"/>
+                <a:endParaRPr lang="en-US" b="1" dirty="0"/>
               </a:p>
               <a:p>
                 <a:pPr lvl="1"/>
@@ -19826,10 +19322,10 @@
                       </m:num>
                       <m:den>
                         <m:r>
-                          <a:rPr lang="en-US" i="1">
-                            <a:latin typeface="Cambria Math" panose="02040503050406030204" pitchFamily="18" charset="0"/>
-                          </a:rPr>
-                          <m:t>𝑛</m:t>
+                          <a:rPr lang="en-US" b="0" i="1" smtClean="0">
+                            <a:latin typeface="Cambria Math" panose="02040503050406030204" pitchFamily="18" charset="0"/>
+                          </a:rPr>
+                          <m:t>𝑁</m:t>
                         </m:r>
                       </m:den>
                     </m:f>
@@ -19862,10 +19358,10 @@
                       </m:sub>
                       <m:sup>
                         <m:r>
-                          <a:rPr lang="en-US" i="1">
-                            <a:latin typeface="Cambria Math" panose="02040503050406030204" pitchFamily="18" charset="0"/>
-                          </a:rPr>
-                          <m:t>𝑛</m:t>
+                          <a:rPr lang="en-US" b="0" i="1" smtClean="0">
+                            <a:latin typeface="Cambria Math" panose="02040503050406030204" pitchFamily="18" charset="0"/>
+                          </a:rPr>
+                          <m:t>𝑁</m:t>
                         </m:r>
                       </m:sup>
                       <m:e>
@@ -20026,6 +19522,12 @@
                 </a:r>
                 <a14:m>
                   <m:oMath xmlns:m="http://schemas.openxmlformats.org/officeDocument/2006/math">
+                    <m:r>
+                      <a:rPr lang="en-US" b="0" i="0" smtClean="0">
+                        <a:latin typeface="Cambria Math" panose="02040503050406030204" pitchFamily="18" charset="0"/>
+                      </a:rPr>
+                      <m:t>  </m:t>
+                    </m:r>
                     <m:sSub>
                       <m:sSubPr>
                         <m:ctrlPr>
@@ -20090,10 +19592,10 @@
                           </m:num>
                           <m:den>
                             <m:r>
-                              <a:rPr lang="en-US" i="1">
+                              <a:rPr lang="en-US" b="0" i="1" smtClean="0">
                                 <a:latin typeface="Cambria Math" panose="02040503050406030204" pitchFamily="18" charset="0"/>
                               </a:rPr>
-                              <m:t>𝑛</m:t>
+                              <m:t>𝑁</m:t>
                             </m:r>
                           </m:den>
                         </m:f>
@@ -20101,17 +19603,17 @@
                           <m:accPr>
                             <m:chr m:val="̃"/>
                             <m:ctrlPr>
-                              <a:rPr lang="en-US" i="1">
+                              <a:rPr lang="en-US" b="1" i="1">
                                 <a:latin typeface="Cambria Math" panose="02040503050406030204" pitchFamily="18" charset="0"/>
                               </a:rPr>
                             </m:ctrlPr>
                           </m:accPr>
                           <m:e>
                             <m:r>
-                              <a:rPr lang="en-US" i="1">
+                              <a:rPr lang="en-US" b="1" i="1">
                                 <a:latin typeface="Cambria Math" panose="02040503050406030204" pitchFamily="18" charset="0"/>
                               </a:rPr>
-                              <m:t>𝑋</m:t>
+                              <m:t>𝑿</m:t>
                             </m:r>
                           </m:e>
                         </m:acc>
@@ -20149,137 +19651,80 @@
               </a:p>
               <a:p>
                 <a:r>
+                  <a:rPr lang="en-US" dirty="0">
+                    <a:solidFill>
+                      <a:schemeClr val="accent1">
+                        <a:lumMod val="60000"/>
+                        <a:lumOff val="40000"/>
+                      </a:schemeClr>
+                    </a:solidFill>
+                  </a:rPr>
+                  <a:t>Mean-Removed form</a:t>
+                </a:r>
+                <a:r>
                   <a:rPr lang="en-US" dirty="0"/>
-                  <a:t>Write parameters as </a:t>
-                </a:r>
+                  <a:t> of the least squares solution:</a:t>
+                </a:r>
+                <a:br>
+                  <a:rPr lang="en-US" dirty="0"/>
+                </a:br>
+                <a:br>
+                  <a:rPr lang="en-US" dirty="0"/>
+                </a:br>
                 <a14:m>
                   <m:oMath xmlns:m="http://schemas.openxmlformats.org/officeDocument/2006/math">
+                    <m:acc>
+                      <m:accPr>
+                        <m:chr m:val="̂"/>
+                        <m:ctrlPr>
+                          <a:rPr lang="en-US" i="1" smtClean="0">
+                            <a:solidFill>
+                              <a:schemeClr val="tx1"/>
+                            </a:solidFill>
+                            <a:latin typeface="Cambria Math" panose="02040503050406030204" pitchFamily="18" charset="0"/>
+                          </a:rPr>
+                        </m:ctrlPr>
+                      </m:accPr>
+                      <m:e>
+                        <m:r>
+                          <a:rPr lang="en-US" b="0" i="1" smtClean="0">
+                            <a:solidFill>
+                              <a:schemeClr val="tx1"/>
+                            </a:solidFill>
+                            <a:latin typeface="Cambria Math" panose="02040503050406030204" pitchFamily="18" charset="0"/>
+                          </a:rPr>
+                          <m:t>𝑦</m:t>
+                        </m:r>
+                      </m:e>
+                    </m:acc>
+                    <m:r>
+                      <a:rPr lang="en-US" i="1" smtClean="0">
+                        <a:solidFill>
+                          <a:schemeClr val="tx1"/>
+                        </a:solidFill>
+                        <a:latin typeface="Cambria Math" panose="02040503050406030204" pitchFamily="18" charset="0"/>
+                      </a:rPr>
+                      <m:t>=</m:t>
+                    </m:r>
                     <m:sSub>
                       <m:sSubPr>
                         <m:ctrlPr>
                           <a:rPr lang="en-US" i="1">
+                            <a:solidFill>
+                              <a:schemeClr val="tx1"/>
+                            </a:solidFill>
                             <a:latin typeface="Cambria Math" panose="02040503050406030204" pitchFamily="18" charset="0"/>
                           </a:rPr>
                         </m:ctrlPr>
                       </m:sSubPr>
-                      <m:e>
-                        <m:sSup>
-                          <m:sSupPr>
-                            <m:ctrlPr>
-                              <a:rPr lang="en-US" b="1" i="1" smtClean="0">
-                                <a:latin typeface="Cambria Math" panose="02040503050406030204" pitchFamily="18" charset="0"/>
-                              </a:rPr>
-                            </m:ctrlPr>
-                          </m:sSupPr>
-                          <m:e>
-                            <m:r>
-                              <a:rPr lang="en-US" b="1" i="1">
-                                <a:latin typeface="Cambria Math" panose="02040503050406030204" pitchFamily="18" charset="0"/>
-                              </a:rPr>
-                              <m:t>𝜷</m:t>
-                            </m:r>
-                          </m:e>
-                          <m:sup>
-                            <m:r>
-                              <a:rPr lang="en-US" b="1" i="1" smtClean="0">
-                                <a:latin typeface="Cambria Math" panose="02040503050406030204" pitchFamily="18" charset="0"/>
-                              </a:rPr>
-                              <m:t>𝑻</m:t>
-                            </m:r>
-                          </m:sup>
-                        </m:sSup>
-                        <m:r>
-                          <a:rPr lang="en-US" b="1" i="1">
-                            <a:latin typeface="Cambria Math" panose="02040503050406030204" pitchFamily="18" charset="0"/>
-                          </a:rPr>
-                          <m:t>=</m:t>
-                        </m:r>
-                        <m:r>
-                          <a:rPr lang="en-US" b="0" i="1" smtClean="0">
-                            <a:latin typeface="Cambria Math" panose="02040503050406030204" pitchFamily="18" charset="0"/>
-                          </a:rPr>
-                          <m:t>[</m:t>
-                        </m:r>
-                        <m:sSub>
-                          <m:sSubPr>
-                            <m:ctrlPr>
-                              <a:rPr lang="en-US" i="1">
-                                <a:latin typeface="Cambria Math" panose="02040503050406030204" pitchFamily="18" charset="0"/>
-                              </a:rPr>
-                            </m:ctrlPr>
-                          </m:sSubPr>
-                          <m:e>
-                            <m:r>
-                              <a:rPr lang="en-US" i="1">
-                                <a:latin typeface="Cambria Math" panose="02040503050406030204" pitchFamily="18" charset="0"/>
-                              </a:rPr>
-                              <m:t>𝛽</m:t>
-                            </m:r>
-                          </m:e>
-                          <m:sub>
-                            <m:r>
-                              <a:rPr lang="en-US" i="1">
-                                <a:latin typeface="Cambria Math" panose="02040503050406030204" pitchFamily="18" charset="0"/>
-                              </a:rPr>
-                              <m:t>0</m:t>
-                            </m:r>
-                          </m:sub>
-                        </m:sSub>
-                        <m:r>
-                          <a:rPr lang="en-US" b="1" i="1">
-                            <a:latin typeface="Cambria Math" panose="02040503050406030204" pitchFamily="18" charset="0"/>
-                          </a:rPr>
-                          <m:t>,</m:t>
-                        </m:r>
-                        <m:r>
-                          <a:rPr lang="en-US" b="1" i="1">
-                            <a:latin typeface="Cambria Math" panose="02040503050406030204" pitchFamily="18" charset="0"/>
-                          </a:rPr>
-                          <m:t>𝜷</m:t>
-                        </m:r>
-                      </m:e>
-                      <m:sub>
-                        <m:r>
-                          <a:rPr lang="en-US" i="1">
-                            <a:latin typeface="Cambria Math" panose="02040503050406030204" pitchFamily="18" charset="0"/>
-                          </a:rPr>
-                          <m:t>1:</m:t>
-                        </m:r>
-                        <m:r>
-                          <a:rPr lang="en-US" i="1">
-                            <a:latin typeface="Cambria Math" panose="02040503050406030204" pitchFamily="18" charset="0"/>
-                          </a:rPr>
-                          <m:t>𝑘</m:t>
-                        </m:r>
-                      </m:sub>
-                    </m:sSub>
-                    <m:r>
-                      <a:rPr lang="en-US" b="0" i="1" smtClean="0">
-                        <a:latin typeface="Cambria Math" panose="02040503050406030204" pitchFamily="18" charset="0"/>
-                      </a:rPr>
-                      <m:t>]</m:t>
-                    </m:r>
-                  </m:oMath>
-                </a14:m>
-                <a:endParaRPr lang="en-US" dirty="0"/>
-              </a:p>
-              <a:p>
-                <a:pPr lvl="1"/>
-                <a14:m>
-                  <m:oMath xmlns:m="http://schemas.openxmlformats.org/officeDocument/2006/math">
-                    <m:sSup>
-                      <m:sSupPr>
-                        <m:ctrlPr>
-                          <a:rPr lang="en-US" b="0" i="1" smtClean="0">
-                            <a:latin typeface="Cambria Math" panose="02040503050406030204" pitchFamily="18" charset="0"/>
-                          </a:rPr>
-                        </m:ctrlPr>
-                      </m:sSupPr>
                       <m:e>
                         <m:sSub>
                           <m:sSubPr>
                             <m:ctrlPr>
                               <a:rPr lang="en-US" i="1">
+                                <a:solidFill>
+                                  <a:schemeClr val="tx1"/>
+                                </a:solidFill>
                                 <a:latin typeface="Cambria Math" panose="02040503050406030204" pitchFamily="18" charset="0"/>
                               </a:rPr>
                             </m:ctrlPr>
@@ -20287,6 +19732,9 @@
                           <m:e>
                             <m:r>
                               <a:rPr lang="en-US" b="1" i="1">
+                                <a:solidFill>
+                                  <a:schemeClr val="tx1"/>
+                                </a:solidFill>
                                 <a:latin typeface="Cambria Math" panose="02040503050406030204" pitchFamily="18" charset="0"/>
                               </a:rPr>
                               <m:t>𝜷</m:t>
@@ -20295,397 +19743,138 @@
                           <m:sub>
                             <m:r>
                               <a:rPr lang="en-US" i="1">
+                                <a:solidFill>
+                                  <a:schemeClr val="tx1"/>
+                                </a:solidFill>
                                 <a:latin typeface="Cambria Math" panose="02040503050406030204" pitchFamily="18" charset="0"/>
                               </a:rPr>
                               <m:t>1:</m:t>
                             </m:r>
                             <m:r>
                               <a:rPr lang="en-US" i="1">
+                                <a:solidFill>
+                                  <a:schemeClr val="tx1"/>
+                                </a:solidFill>
                                 <a:latin typeface="Cambria Math" panose="02040503050406030204" pitchFamily="18" charset="0"/>
                               </a:rPr>
                               <m:t>𝑘</m:t>
                             </m:r>
                           </m:sub>
                         </m:sSub>
+                        <m:r>
+                          <a:rPr lang="en-US" i="1">
+                            <a:solidFill>
+                              <a:schemeClr val="tx1"/>
+                            </a:solidFill>
+                            <a:latin typeface="Cambria Math" panose="02040503050406030204" pitchFamily="18" charset="0"/>
+                          </a:rPr>
+                          <m:t>⋅</m:t>
+                        </m:r>
+                        <m:r>
+                          <a:rPr lang="en-US" b="1" i="1">
+                            <a:solidFill>
+                              <a:schemeClr val="tx1"/>
+                            </a:solidFill>
+                            <a:latin typeface="Cambria Math" panose="02040503050406030204" pitchFamily="18" charset="0"/>
+                          </a:rPr>
+                          <m:t>𝒙</m:t>
+                        </m:r>
+                        <m:r>
+                          <a:rPr lang="en-US" i="1">
+                            <a:solidFill>
+                              <a:schemeClr val="tx1"/>
+                            </a:solidFill>
+                            <a:latin typeface="Cambria Math" panose="02040503050406030204" pitchFamily="18" charset="0"/>
+                          </a:rPr>
+                          <m:t>+</m:t>
+                        </m:r>
+                        <m:r>
+                          <a:rPr lang="en-US" i="1">
+                            <a:solidFill>
+                              <a:schemeClr val="tx1"/>
+                            </a:solidFill>
+                            <a:latin typeface="Cambria Math" panose="02040503050406030204" pitchFamily="18" charset="0"/>
+                          </a:rPr>
+                          <m:t>𝛽</m:t>
+                        </m:r>
                       </m:e>
-                      <m:sup>
-                        <m:r>
-                          <a:rPr lang="en-US" b="0" i="1" smtClean="0">
-                            <a:latin typeface="Cambria Math" panose="02040503050406030204" pitchFamily="18" charset="0"/>
-                          </a:rPr>
-                          <m:t>𝑇</m:t>
-                        </m:r>
-                      </m:sup>
-                    </m:sSup>
+                      <m:sub>
+                        <m:r>
+                          <a:rPr lang="en-US" i="1">
+                            <a:solidFill>
+                              <a:schemeClr val="tx1"/>
+                            </a:solidFill>
+                            <a:latin typeface="Cambria Math" panose="02040503050406030204" pitchFamily="18" charset="0"/>
+                          </a:rPr>
+                          <m:t>0</m:t>
+                        </m:r>
+                      </m:sub>
+                    </m:sSub>
+                    <m:r>
+                      <a:rPr lang="en-US" i="1">
+                        <a:solidFill>
+                          <a:schemeClr val="tx1"/>
+                        </a:solidFill>
+                        <a:latin typeface="Cambria Math" panose="02040503050406030204" pitchFamily="18" charset="0"/>
+                      </a:rPr>
+                      <m:t>, </m:t>
+                    </m:r>
                     <m:r>
                       <a:rPr lang="en-US" b="0" i="1" smtClean="0">
-                        <a:latin typeface="Cambria Math" panose="02040503050406030204" pitchFamily="18" charset="0"/>
-                      </a:rPr>
-                      <m:t>=</m:t>
-                    </m:r>
-                    <m:d>
-                      <m:dPr>
-                        <m:begChr m:val="["/>
-                        <m:endChr m:val="]"/>
-                        <m:ctrlPr>
-                          <a:rPr lang="en-US" b="0" i="1" smtClean="0">
-                            <a:latin typeface="Cambria Math" panose="02040503050406030204" pitchFamily="18" charset="0"/>
-                          </a:rPr>
-                        </m:ctrlPr>
-                      </m:dPr>
-                      <m:e>
-                        <m:sSub>
-                          <m:sSubPr>
-                            <m:ctrlPr>
-                              <a:rPr lang="en-US" i="1">
-                                <a:latin typeface="Cambria Math" panose="02040503050406030204" pitchFamily="18" charset="0"/>
-                              </a:rPr>
-                            </m:ctrlPr>
-                          </m:sSubPr>
-                          <m:e>
-                            <m:r>
-                              <a:rPr lang="en-US" i="1">
-                                <a:latin typeface="Cambria Math" panose="02040503050406030204" pitchFamily="18" charset="0"/>
-                              </a:rPr>
-                              <m:t>𝛽</m:t>
-                            </m:r>
-                          </m:e>
-                          <m:sub>
-                            <m:r>
-                              <a:rPr lang="en-US" i="1">
-                                <a:latin typeface="Cambria Math" panose="02040503050406030204" pitchFamily="18" charset="0"/>
-                              </a:rPr>
-                              <m:t>1</m:t>
-                            </m:r>
-                          </m:sub>
-                        </m:sSub>
-                        <m:r>
-                          <a:rPr lang="en-US" i="1">
-                            <a:latin typeface="Cambria Math" panose="02040503050406030204" pitchFamily="18" charset="0"/>
-                          </a:rPr>
-                          <m:t>,…,</m:t>
-                        </m:r>
-                        <m:sSub>
-                          <m:sSubPr>
-                            <m:ctrlPr>
-                              <a:rPr lang="en-US" i="1">
-                                <a:latin typeface="Cambria Math" panose="02040503050406030204" pitchFamily="18" charset="0"/>
-                              </a:rPr>
-                            </m:ctrlPr>
-                          </m:sSubPr>
-                          <m:e>
-                            <m:r>
-                              <a:rPr lang="en-US" i="1">
-                                <a:latin typeface="Cambria Math" panose="02040503050406030204" pitchFamily="18" charset="0"/>
-                              </a:rPr>
-                              <m:t>𝛽</m:t>
-                            </m:r>
-                          </m:e>
-                          <m:sub>
-                            <m:r>
-                              <a:rPr lang="en-US" i="1">
-                                <a:latin typeface="Cambria Math" panose="02040503050406030204" pitchFamily="18" charset="0"/>
-                              </a:rPr>
-                              <m:t>𝑘</m:t>
-                            </m:r>
-                          </m:sub>
-                        </m:sSub>
-                      </m:e>
-                    </m:d>
-                  </m:oMath>
-                </a14:m>
-                <a:r>
-                  <a:rPr lang="en-US" dirty="0"/>
-                  <a:t> coefficients for the features (=</a:t>
-                </a:r>
-                <a14:m>
-                  <m:oMath xmlns:m="http://schemas.openxmlformats.org/officeDocument/2006/math">
-                    <m:acc>
-                      <m:accPr>
-                        <m:chr m:val="̃"/>
-                        <m:ctrlPr>
-                          <a:rPr lang="en-US" b="1" i="1">
-                            <a:latin typeface="Cambria Math" panose="02040503050406030204" pitchFamily="18" charset="0"/>
-                          </a:rPr>
-                        </m:ctrlPr>
-                      </m:accPr>
-                      <m:e>
-                        <m:r>
-                          <a:rPr lang="en-US" b="1" i="1">
-                            <a:latin typeface="Cambria Math" panose="02040503050406030204" pitchFamily="18" charset="0"/>
-                            <a:ea typeface="Cambria Math" panose="02040503050406030204" pitchFamily="18" charset="0"/>
-                          </a:rPr>
-                          <m:t>𝜷</m:t>
-                        </m:r>
-                      </m:e>
-                    </m:acc>
-                  </m:oMath>
-                </a14:m>
-                <a:r>
-                  <a:rPr lang="en-US" dirty="0"/>
-                  <a:t>)</a:t>
-                </a:r>
-              </a:p>
-              <a:p>
-                <a:pPr lvl="1"/>
-                <a14:m>
-                  <m:oMath xmlns:m="http://schemas.openxmlformats.org/officeDocument/2006/math">
+                        <a:solidFill>
+                          <a:schemeClr val="tx1"/>
+                        </a:solidFill>
+                        <a:latin typeface="Cambria Math" panose="02040503050406030204" pitchFamily="18" charset="0"/>
+                      </a:rPr>
+                      <m:t>   </m:t>
+                    </m:r>
                     <m:sSub>
                       <m:sSubPr>
                         <m:ctrlPr>
-                          <a:rPr lang="en-US" b="0" i="1" smtClean="0">
+                          <a:rPr lang="en-US" i="1">
+                            <a:solidFill>
+                              <a:schemeClr val="tx1"/>
+                            </a:solidFill>
                             <a:latin typeface="Cambria Math" panose="02040503050406030204" pitchFamily="18" charset="0"/>
                           </a:rPr>
                         </m:ctrlPr>
                       </m:sSubPr>
                       <m:e>
                         <m:r>
-                          <a:rPr lang="en-US" b="0" i="1" smtClean="0">
-                            <a:latin typeface="Cambria Math" panose="02040503050406030204" pitchFamily="18" charset="0"/>
-                          </a:rPr>
-                          <m:t>𝛽</m:t>
+                          <a:rPr lang="en-US" b="1" i="1">
+                            <a:solidFill>
+                              <a:schemeClr val="tx1"/>
+                            </a:solidFill>
+                            <a:latin typeface="Cambria Math" panose="02040503050406030204" pitchFamily="18" charset="0"/>
+                          </a:rPr>
+                          <m:t>𝜷</m:t>
                         </m:r>
                       </m:e>
                       <m:sub>
                         <m:r>
-                          <a:rPr lang="en-US" b="0" i="1" smtClean="0">
-                            <a:latin typeface="Cambria Math" panose="02040503050406030204" pitchFamily="18" charset="0"/>
-                          </a:rPr>
-                          <m:t>0</m:t>
+                          <a:rPr lang="en-US" i="1">
+                            <a:solidFill>
+                              <a:schemeClr val="tx1"/>
+                            </a:solidFill>
+                            <a:latin typeface="Cambria Math" panose="02040503050406030204" pitchFamily="18" charset="0"/>
+                          </a:rPr>
+                          <m:t>1:</m:t>
+                        </m:r>
+                        <m:r>
+                          <a:rPr lang="en-US" i="1">
+                            <a:solidFill>
+                              <a:schemeClr val="tx1"/>
+                            </a:solidFill>
+                            <a:latin typeface="Cambria Math" panose="02040503050406030204" pitchFamily="18" charset="0"/>
+                          </a:rPr>
+                          <m:t>𝑘</m:t>
                         </m:r>
                       </m:sub>
                     </m:sSub>
-                  </m:oMath>
-                </a14:m>
-                <a:r>
-                  <a:rPr lang="en-US" dirty="0"/>
-                  <a:t> = constant term</a:t>
-                </a:r>
-              </a:p>
-              <a:p>
-                <a:r>
-                  <a:rPr lang="en-US" dirty="0"/>
-                  <a:t>From previous derivation, given a sample feature </a:t>
-                </a:r>
-                <a14:m>
-                  <m:oMath xmlns:m="http://schemas.openxmlformats.org/officeDocument/2006/math">
-                    <m:r>
-                      <a:rPr lang="en-US" b="1" i="1" smtClean="0">
-                        <a:latin typeface="Cambria Math" panose="02040503050406030204" pitchFamily="18" charset="0"/>
-                      </a:rPr>
-                      <m:t>𝒙</m:t>
-                    </m:r>
-                    <m:r>
-                      <a:rPr lang="en-US" b="0" i="1" smtClean="0">
-                        <a:latin typeface="Cambria Math" panose="02040503050406030204" pitchFamily="18" charset="0"/>
-                      </a:rPr>
-                      <m:t>,  </m:t>
-                    </m:r>
-                  </m:oMath>
-                </a14:m>
-                <a:r>
-                  <a:rPr lang="en-US" dirty="0"/>
-                  <a:t>the optimal predictor is</a:t>
-                </a:r>
-              </a:p>
-              <a:p>
-                <a:pPr lvl="1"/>
-                <a14:m>
-                  <m:oMath xmlns:m="http://schemas.openxmlformats.org/officeDocument/2006/math">
-                    <m:r>
-                      <a:rPr lang="en-US" i="1" smtClean="0">
+                    <m:r>
+                      <a:rPr lang="en-US" i="1">
                         <a:solidFill>
-                          <a:srgbClr val="FF0000"/>
-                        </a:solidFill>
-                        <a:latin typeface="Cambria Math" panose="02040503050406030204" pitchFamily="18" charset="0"/>
-                      </a:rPr>
-                      <m:t>𝑦</m:t>
-                    </m:r>
-                    <m:r>
-                      <a:rPr lang="en-US" i="1" smtClean="0">
-                        <a:solidFill>
-                          <a:srgbClr val="FF0000"/>
-                        </a:solidFill>
-                        <a:latin typeface="Cambria Math" panose="02040503050406030204" pitchFamily="18" charset="0"/>
-                      </a:rPr>
-                      <m:t>=</m:t>
-                    </m:r>
-                    <m:sSub>
-                      <m:sSubPr>
-                        <m:ctrlPr>
-                          <a:rPr lang="en-US" i="1" smtClean="0">
-                            <a:solidFill>
-                              <a:srgbClr val="FF0000"/>
-                            </a:solidFill>
-                            <a:latin typeface="Cambria Math" panose="02040503050406030204" pitchFamily="18" charset="0"/>
-                          </a:rPr>
-                        </m:ctrlPr>
-                      </m:sSubPr>
-                      <m:e>
-                        <m:sSup>
-                          <m:sSupPr>
-                            <m:ctrlPr>
-                              <a:rPr lang="en-US" i="1">
-                                <a:solidFill>
-                                  <a:srgbClr val="FF0000"/>
-                                </a:solidFill>
-                                <a:latin typeface="Cambria Math" panose="02040503050406030204" pitchFamily="18" charset="0"/>
-                              </a:rPr>
-                            </m:ctrlPr>
-                          </m:sSupPr>
-                          <m:e>
-                            <m:sSup>
-                              <m:sSupPr>
-                                <m:ctrlPr>
-                                  <a:rPr lang="en-US" i="1">
-                                    <a:solidFill>
-                                      <a:srgbClr val="FF0000"/>
-                                    </a:solidFill>
-                                    <a:latin typeface="Cambria Math" panose="02040503050406030204" pitchFamily="18" charset="0"/>
-                                  </a:rPr>
-                                </m:ctrlPr>
-                              </m:sSupPr>
-                              <m:e>
-                                <m:r>
-                                  <a:rPr lang="en-US" b="1" i="1">
-                                    <a:solidFill>
-                                      <a:srgbClr val="FF0000"/>
-                                    </a:solidFill>
-                                    <a:latin typeface="Cambria Math" panose="02040503050406030204" pitchFamily="18" charset="0"/>
-                                  </a:rPr>
-                                  <m:t>𝜷</m:t>
-                                </m:r>
-                              </m:e>
-                              <m:sup>
-                                <m:r>
-                                  <a:rPr lang="en-US" i="1">
-                                    <a:solidFill>
-                                      <a:srgbClr val="FF0000"/>
-                                    </a:solidFill>
-                                    <a:latin typeface="Cambria Math" panose="02040503050406030204" pitchFamily="18" charset="0"/>
-                                  </a:rPr>
-                                  <m:t>1:</m:t>
-                                </m:r>
-                                <m:r>
-                                  <a:rPr lang="en-US" i="1">
-                                    <a:solidFill>
-                                      <a:srgbClr val="FF0000"/>
-                                    </a:solidFill>
-                                    <a:latin typeface="Cambria Math" panose="02040503050406030204" pitchFamily="18" charset="0"/>
-                                  </a:rPr>
-                                  <m:t>𝑘</m:t>
-                                </m:r>
-                              </m:sup>
-                            </m:sSup>
-                          </m:e>
-                          <m:sup>
-                            <m:r>
-                              <a:rPr lang="en-US" i="1">
-                                <a:solidFill>
-                                  <a:srgbClr val="FF0000"/>
-                                </a:solidFill>
-                                <a:latin typeface="Cambria Math" panose="02040503050406030204" pitchFamily="18" charset="0"/>
-                              </a:rPr>
-                              <m:t>𝑇</m:t>
-                            </m:r>
-                          </m:sup>
-                        </m:sSup>
-                        <m:r>
-                          <a:rPr lang="en-US" b="1" i="1">
-                            <a:solidFill>
-                              <a:srgbClr val="FF0000"/>
-                            </a:solidFill>
-                            <a:latin typeface="Cambria Math" panose="02040503050406030204" pitchFamily="18" charset="0"/>
-                          </a:rPr>
-                          <m:t>𝒙</m:t>
-                        </m:r>
-                        <m:r>
-                          <a:rPr lang="en-US" i="1">
-                            <a:solidFill>
-                              <a:srgbClr val="FF0000"/>
-                            </a:solidFill>
-                            <a:latin typeface="Cambria Math" panose="02040503050406030204" pitchFamily="18" charset="0"/>
-                          </a:rPr>
-                          <m:t>+</m:t>
-                        </m:r>
-                        <m:r>
-                          <a:rPr lang="en-US" i="1">
-                            <a:solidFill>
-                              <a:srgbClr val="FF0000"/>
-                            </a:solidFill>
-                            <a:latin typeface="Cambria Math" panose="02040503050406030204" pitchFamily="18" charset="0"/>
-                          </a:rPr>
-                          <m:t>𝛽</m:t>
-                        </m:r>
-                      </m:e>
-                      <m:sub>
-                        <m:r>
-                          <a:rPr lang="en-US" i="1">
-                            <a:solidFill>
-                              <a:srgbClr val="FF0000"/>
-                            </a:solidFill>
-                            <a:latin typeface="Cambria Math" panose="02040503050406030204" pitchFamily="18" charset="0"/>
-                          </a:rPr>
-                          <m:t>0</m:t>
-                        </m:r>
-                      </m:sub>
-                    </m:sSub>
-                    <m:sSub>
-                      <m:sSubPr>
-                        <m:ctrlPr>
-                          <a:rPr lang="en-US" i="1">
-                            <a:solidFill>
-                              <a:srgbClr val="FF0000"/>
-                            </a:solidFill>
-                            <a:latin typeface="Cambria Math" panose="02040503050406030204" pitchFamily="18" charset="0"/>
-                          </a:rPr>
-                        </m:ctrlPr>
-                      </m:sSubPr>
-                      <m:e>
-                        <m:r>
-                          <a:rPr lang="en-US" b="1" i="1" smtClean="0">
-                            <a:solidFill>
-                              <a:srgbClr val="FF0000"/>
-                            </a:solidFill>
-                            <a:latin typeface="Cambria Math" panose="02040503050406030204" pitchFamily="18" charset="0"/>
-                          </a:rPr>
-                          <m:t>,  </m:t>
-                        </m:r>
-                        <m:r>
-                          <a:rPr lang="en-US" b="1" i="1">
-                            <a:solidFill>
-                              <a:srgbClr val="FF0000"/>
-                            </a:solidFill>
-                            <a:latin typeface="Cambria Math" panose="02040503050406030204" pitchFamily="18" charset="0"/>
-                          </a:rPr>
-                          <m:t>𝜷</m:t>
-                        </m:r>
-                      </m:e>
-                      <m:sub>
-                        <m:r>
-                          <a:rPr lang="en-US" i="1">
-                            <a:solidFill>
-                              <a:srgbClr val="FF0000"/>
-                            </a:solidFill>
-                            <a:latin typeface="Cambria Math" panose="02040503050406030204" pitchFamily="18" charset="0"/>
-                          </a:rPr>
-                          <m:t>1:</m:t>
-                        </m:r>
-                        <m:r>
-                          <a:rPr lang="en-US" i="1">
-                            <a:solidFill>
-                              <a:srgbClr val="FF0000"/>
-                            </a:solidFill>
-                            <a:latin typeface="Cambria Math" panose="02040503050406030204" pitchFamily="18" charset="0"/>
-                          </a:rPr>
-                          <m:t>𝑘</m:t>
-                        </m:r>
-                      </m:sub>
-                    </m:sSub>
-                    <m:r>
-                      <a:rPr lang="en-US" b="0" i="1" smtClean="0">
-                        <a:solidFill>
-                          <a:srgbClr val="FF0000"/>
+                          <a:schemeClr val="tx1"/>
                         </a:solidFill>
                         <a:latin typeface="Cambria Math" panose="02040503050406030204" pitchFamily="18" charset="0"/>
                       </a:rPr>
@@ -20694,9 +19883,9 @@
                     <m:sSubSup>
                       <m:sSubSupPr>
                         <m:ctrlPr>
-                          <a:rPr lang="en-US" b="0" i="1" smtClean="0">
+                          <a:rPr lang="en-US" i="1">
                             <a:solidFill>
-                              <a:srgbClr val="FF0000"/>
+                              <a:schemeClr val="tx1"/>
                             </a:solidFill>
                             <a:latin typeface="Cambria Math" panose="02040503050406030204" pitchFamily="18" charset="0"/>
                           </a:rPr>
@@ -20704,9 +19893,9 @@
                       </m:sSubSupPr>
                       <m:e>
                         <m:r>
-                          <a:rPr lang="en-US" b="0" i="1" smtClean="0">
+                          <a:rPr lang="en-US" i="1">
                             <a:solidFill>
-                              <a:srgbClr val="FF0000"/>
+                              <a:schemeClr val="tx1"/>
                             </a:solidFill>
                             <a:latin typeface="Cambria Math" panose="02040503050406030204" pitchFamily="18" charset="0"/>
                           </a:rPr>
@@ -20715,9 +19904,9 @@
                       </m:e>
                       <m:sub>
                         <m:r>
-                          <a:rPr lang="en-US" b="0" i="1" smtClean="0">
+                          <a:rPr lang="en-US" i="1">
                             <a:solidFill>
-                              <a:srgbClr val="FF0000"/>
+                              <a:schemeClr val="tx1"/>
                             </a:solidFill>
                             <a:latin typeface="Cambria Math" panose="02040503050406030204" pitchFamily="18" charset="0"/>
                           </a:rPr>
@@ -20726,9 +19915,9 @@
                       </m:sub>
                       <m:sup>
                         <m:r>
-                          <a:rPr lang="en-US" b="0" i="1" smtClean="0">
+                          <a:rPr lang="en-US" i="1">
                             <a:solidFill>
-                              <a:srgbClr val="FF0000"/>
+                              <a:schemeClr val="tx1"/>
                             </a:solidFill>
                             <a:latin typeface="Cambria Math" panose="02040503050406030204" pitchFamily="18" charset="0"/>
                           </a:rPr>
@@ -20739,9 +19928,9 @@
                     <m:sSub>
                       <m:sSubPr>
                         <m:ctrlPr>
-                          <a:rPr lang="en-US" b="0" i="1" smtClean="0">
+                          <a:rPr lang="en-US" i="1">
                             <a:solidFill>
-                              <a:srgbClr val="FF0000"/>
+                              <a:schemeClr val="tx1"/>
                             </a:solidFill>
                             <a:latin typeface="Cambria Math" panose="02040503050406030204" pitchFamily="18" charset="0"/>
                           </a:rPr>
@@ -20749,9 +19938,9 @@
                       </m:sSubPr>
                       <m:e>
                         <m:r>
-                          <a:rPr lang="en-US" b="0" i="1" smtClean="0">
+                          <a:rPr lang="en-US" i="1">
                             <a:solidFill>
-                              <a:srgbClr val="FF0000"/>
+                              <a:schemeClr val="tx1"/>
                             </a:solidFill>
                             <a:latin typeface="Cambria Math" panose="02040503050406030204" pitchFamily="18" charset="0"/>
                           </a:rPr>
@@ -20760,9 +19949,9 @@
                       </m:e>
                       <m:sub>
                         <m:r>
-                          <a:rPr lang="en-US" b="0" i="1" smtClean="0">
+                          <a:rPr lang="en-US" i="1">
                             <a:solidFill>
-                              <a:srgbClr val="FF0000"/>
+                              <a:schemeClr val="tx1"/>
                             </a:solidFill>
                             <a:latin typeface="Cambria Math" panose="02040503050406030204" pitchFamily="18" charset="0"/>
                           </a:rPr>
@@ -20771,20 +19960,29 @@
                       </m:sub>
                     </m:sSub>
                     <m:r>
+                      <a:rPr lang="en-US" i="1">
+                        <a:solidFill>
+                          <a:schemeClr val="tx1"/>
+                        </a:solidFill>
+                        <a:latin typeface="Cambria Math" panose="02040503050406030204" pitchFamily="18" charset="0"/>
+                      </a:rPr>
+                      <m:t>,</m:t>
+                    </m:r>
+                    <m:r>
                       <a:rPr lang="en-US" b="0" i="1" smtClean="0">
                         <a:solidFill>
-                          <a:srgbClr val="FF0000"/>
+                          <a:schemeClr val="tx1"/>
                         </a:solidFill>
                         <a:latin typeface="Cambria Math" panose="02040503050406030204" pitchFamily="18" charset="0"/>
                       </a:rPr>
-                      <m:t>,</m:t>
+                      <m:t>   </m:t>
                     </m:r>
                     <m:sSub>
                       <m:sSubPr>
                         <m:ctrlPr>
                           <a:rPr lang="en-US" i="1">
                             <a:solidFill>
-                              <a:srgbClr val="FF0000"/>
+                              <a:schemeClr val="tx1"/>
                             </a:solidFill>
                             <a:latin typeface="Cambria Math" panose="02040503050406030204" pitchFamily="18" charset="0"/>
                           </a:rPr>
@@ -20792,18 +19990,9 @@
                       </m:sSubPr>
                       <m:e>
                         <m:r>
-                          <a:rPr lang="en-US" b="0" i="1" smtClean="0">
+                          <a:rPr lang="en-US" i="1">
                             <a:solidFill>
-                              <a:srgbClr val="FF0000"/>
-                            </a:solidFill>
-                            <a:latin typeface="Cambria Math" panose="02040503050406030204" pitchFamily="18" charset="0"/>
-                          </a:rPr>
-                          <m:t>  </m:t>
-                        </m:r>
-                        <m:r>
-                          <a:rPr lang="en-US" i="1">
-                            <a:solidFill>
-                              <a:srgbClr val="FF0000"/>
+                              <a:schemeClr val="tx1"/>
                             </a:solidFill>
                             <a:latin typeface="Cambria Math" panose="02040503050406030204" pitchFamily="18" charset="0"/>
                           </a:rPr>
@@ -20814,7 +20003,7 @@
                         <m:r>
                           <a:rPr lang="en-US" i="1">
                             <a:solidFill>
-                              <a:srgbClr val="FF0000"/>
+                              <a:schemeClr val="tx1"/>
                             </a:solidFill>
                             <a:latin typeface="Cambria Math" panose="02040503050406030204" pitchFamily="18" charset="0"/>
                           </a:rPr>
@@ -20823,9 +20012,9 @@
                       </m:sub>
                     </m:sSub>
                     <m:r>
-                      <a:rPr lang="en-US" b="0" i="1" smtClean="0">
+                      <a:rPr lang="en-US" i="1">
                         <a:solidFill>
-                          <a:srgbClr val="FF0000"/>
+                          <a:schemeClr val="tx1"/>
                         </a:solidFill>
                         <a:latin typeface="Cambria Math" panose="02040503050406030204" pitchFamily="18" charset="0"/>
                       </a:rPr>
@@ -20837,7 +20026,7 @@
                         <m:ctrlPr>
                           <a:rPr lang="en-US" i="1">
                             <a:solidFill>
-                              <a:srgbClr val="FF0000"/>
+                              <a:schemeClr val="tx1"/>
                             </a:solidFill>
                             <a:latin typeface="Cambria Math" panose="02040503050406030204" pitchFamily="18" charset="0"/>
                           </a:rPr>
@@ -20847,7 +20036,7 @@
                         <m:r>
                           <a:rPr lang="en-US" i="1">
                             <a:solidFill>
-                              <a:srgbClr val="FF0000"/>
+                              <a:schemeClr val="tx1"/>
                             </a:solidFill>
                             <a:latin typeface="Cambria Math" panose="02040503050406030204" pitchFamily="18" charset="0"/>
                           </a:rPr>
@@ -20856,30 +20045,30 @@
                       </m:e>
                     </m:acc>
                     <m:r>
-                      <a:rPr lang="en-US" b="0" i="1" smtClean="0">
+                      <a:rPr lang="en-US" i="1">
                         <a:solidFill>
-                          <a:srgbClr val="FF0000"/>
+                          <a:schemeClr val="tx1"/>
                         </a:solidFill>
                         <a:latin typeface="Cambria Math" panose="02040503050406030204" pitchFamily="18" charset="0"/>
                       </a:rPr>
                       <m:t>−</m:t>
                     </m:r>
-                    <m:sSubSup>
-                      <m:sSubSupPr>
+                    <m:sSub>
+                      <m:sSubPr>
                         <m:ctrlPr>
-                          <a:rPr lang="en-US" b="0" i="1" smtClean="0">
+                          <a:rPr lang="en-US" i="1">
                             <a:solidFill>
-                              <a:srgbClr val="FF0000"/>
+                              <a:schemeClr val="tx1"/>
                             </a:solidFill>
                             <a:latin typeface="Cambria Math" panose="02040503050406030204" pitchFamily="18" charset="0"/>
                           </a:rPr>
                         </m:ctrlPr>
-                      </m:sSubSupPr>
+                      </m:sSubPr>
                       <m:e>
                         <m:r>
                           <a:rPr lang="en-US" b="1" i="1">
                             <a:solidFill>
-                              <a:srgbClr val="FF0000"/>
+                              <a:schemeClr val="tx1"/>
                             </a:solidFill>
                             <a:latin typeface="Cambria Math" panose="02040503050406030204" pitchFamily="18" charset="0"/>
                           </a:rPr>
@@ -20890,7 +20079,7 @@
                         <m:r>
                           <a:rPr lang="en-US" i="1">
                             <a:solidFill>
-                              <a:srgbClr val="FF0000"/>
+                              <a:schemeClr val="tx1"/>
                             </a:solidFill>
                             <a:latin typeface="Cambria Math" panose="02040503050406030204" pitchFamily="18" charset="0"/>
                           </a:rPr>
@@ -20899,32 +20088,30 @@
                         <m:r>
                           <a:rPr lang="en-US" i="1">
                             <a:solidFill>
-                              <a:srgbClr val="FF0000"/>
+                              <a:schemeClr val="tx1"/>
                             </a:solidFill>
                             <a:latin typeface="Cambria Math" panose="02040503050406030204" pitchFamily="18" charset="0"/>
                           </a:rPr>
                           <m:t>𝑘</m:t>
                         </m:r>
                       </m:sub>
-                      <m:sup>
-                        <m:r>
-                          <a:rPr lang="en-US" b="0" i="1" smtClean="0">
-                            <a:solidFill>
-                              <a:srgbClr val="FF0000"/>
-                            </a:solidFill>
-                            <a:latin typeface="Cambria Math" panose="02040503050406030204" pitchFamily="18" charset="0"/>
-                          </a:rPr>
-                          <m:t>𝑇</m:t>
-                        </m:r>
-                      </m:sup>
-                    </m:sSubSup>
+                    </m:sSub>
+                    <m:r>
+                      <a:rPr lang="en-US" i="1">
+                        <a:solidFill>
+                          <a:schemeClr val="tx1"/>
+                        </a:solidFill>
+                        <a:latin typeface="Cambria Math" panose="02040503050406030204" pitchFamily="18" charset="0"/>
+                      </a:rPr>
+                      <m:t>⋅</m:t>
+                    </m:r>
                     <m:acc>
                       <m:accPr>
                         <m:chr m:val="̅"/>
                         <m:ctrlPr>
                           <a:rPr lang="en-US" i="1">
                             <a:solidFill>
-                              <a:srgbClr val="FF0000"/>
+                              <a:schemeClr val="tx1"/>
                             </a:solidFill>
                             <a:latin typeface="Cambria Math" panose="02040503050406030204" pitchFamily="18" charset="0"/>
                           </a:rPr>
@@ -20934,7 +20121,7 @@
                         <m:r>
                           <a:rPr lang="en-US" b="1" i="1">
                             <a:solidFill>
-                              <a:srgbClr val="FF0000"/>
+                              <a:schemeClr val="tx1"/>
                             </a:solidFill>
                             <a:latin typeface="Cambria Math" panose="02040503050406030204" pitchFamily="18" charset="0"/>
                           </a:rPr>
@@ -20944,17 +20131,21 @@
                     </m:acc>
                   </m:oMath>
                 </a14:m>
-                <a:endParaRPr lang="en-US" dirty="0"/>
+                <a:endParaRPr lang="en-US" dirty="0">
+                  <a:solidFill>
+                    <a:schemeClr val="tx1"/>
+                  </a:solidFill>
+                </a:endParaRPr>
               </a:p>
               <a:p>
-                <a:pPr lvl="1"/>
-                <a:r>
-                  <a:rPr lang="en-US" dirty="0"/>
-                  <a:t>It can be shown that the solution is the same as the original one with the intersect term</a:t>
-                </a:r>
-              </a:p>
-              <a:p>
-                <a:pPr lvl="1"/>
+                <a:r>
+                  <a:rPr lang="en-US" dirty="0">
+                    <a:solidFill>
+                      <a:schemeClr val="tx1"/>
+                    </a:solidFill>
+                  </a:rPr>
+                  <a:t>Proof:  On board</a:t>
+                </a:r>
                 <a:endParaRPr lang="en-US" dirty="0"/>
               </a:p>
               <a:p>
@@ -20969,7 +20160,7 @@
             </p:txBody>
           </p:sp>
         </mc:Choice>
-        <mc:Fallback xmlns="">
+        <mc:Fallback>
           <p:sp>
             <p:nvSpPr>
               <p:cNvPr id="3" name="Content Placeholder 2"/>
@@ -20984,7 +20175,7 @@
               <a:blipFill>
                 <a:blip r:embed="rId2"/>
                 <a:stretch>
-                  <a:fillRect l="-1261" t="-11404"/>
+                  <a:fillRect l="-1455" t="-1549"/>
                 </a:stretch>
               </a:blipFill>
             </p:spPr>
@@ -22034,7 +21225,7 @@
             <a:pPr lvl="1"/>
             <a:r>
               <a:rPr lang="en-US" dirty="0"/>
-              <a:t>Go through Lecture 2 (Simple Linear Regression) first</a:t>
+              <a:t>We will cover Lecture 2 (Simple Linear Regression) in class first</a:t>
             </a:r>
           </a:p>
           <a:p>
@@ -22065,7 +21256,7 @@
             <a:pPr lvl="1"/>
             <a:r>
               <a:rPr lang="en-US" dirty="0"/>
-              <a:t>You can skip Lecture 2 and start this after Lecture 1</a:t>
+              <a:t>We will can skip Lecture 2 and start this lecture directly after Lecture 1</a:t>
             </a:r>
           </a:p>
           <a:p>
@@ -25300,149 +24491,6 @@
       </p:grpSpPr>
       <p:sp>
         <p:nvSpPr>
-          <p:cNvPr id="2" name="Title 1">
-            <a:extLst>
-              <a:ext uri="{FF2B5EF4-FFF2-40B4-BE49-F238E27FC236}">
-                <a16:creationId xmlns:a16="http://schemas.microsoft.com/office/drawing/2014/main" id="{1E857F66-2CF2-DE4C-8E04-8A6784C3B1B7}"/>
-              </a:ext>
-            </a:extLst>
-          </p:cNvPr>
-          <p:cNvSpPr>
-            <a:spLocks noGrp="1"/>
-          </p:cNvSpPr>
-          <p:nvPr>
-            <p:ph type="title"/>
-          </p:nvPr>
-        </p:nvSpPr>
-        <p:spPr/>
-        <p:txBody>
-          <a:bodyPr/>
-          <a:lstStyle/>
-          <a:p>
-            <a:r>
-              <a:rPr lang="en-US" dirty="0"/>
-              <a:t>Go through the demo for this unit</a:t>
-            </a:r>
-          </a:p>
-        </p:txBody>
-      </p:sp>
-      <p:sp>
-        <p:nvSpPr>
-          <p:cNvPr id="3" name="Content Placeholder 2">
-            <a:extLst>
-              <a:ext uri="{FF2B5EF4-FFF2-40B4-BE49-F238E27FC236}">
-                <a16:creationId xmlns:a16="http://schemas.microsoft.com/office/drawing/2014/main" id="{99333F3E-855C-C847-8FAF-6E3B66A76541}"/>
-              </a:ext>
-            </a:extLst>
-          </p:cNvPr>
-          <p:cNvSpPr>
-            <a:spLocks noGrp="1"/>
-          </p:cNvSpPr>
-          <p:nvPr>
-            <p:ph idx="1"/>
-          </p:nvPr>
-        </p:nvSpPr>
-        <p:spPr/>
-        <p:txBody>
-          <a:bodyPr/>
-          <a:lstStyle/>
-          <a:p>
-            <a:r>
-              <a:rPr lang="en-US" dirty="0"/>
-              <a:t>Results with simple regression</a:t>
-            </a:r>
-          </a:p>
-          <a:p>
-            <a:r>
-              <a:rPr lang="en-US" dirty="0"/>
-              <a:t>Results with multiple variable regression</a:t>
-            </a:r>
-          </a:p>
-          <a:p>
-            <a:pPr lvl="1"/>
-            <a:r>
-              <a:rPr lang="en-US" dirty="0"/>
-              <a:t>Using built-in </a:t>
-            </a:r>
-            <a:r>
-              <a:rPr lang="en-US" dirty="0" err="1"/>
-              <a:t>sklearn</a:t>
-            </a:r>
-            <a:r>
-              <a:rPr lang="en-US" dirty="0"/>
-              <a:t> linear regression model</a:t>
-            </a:r>
-          </a:p>
-          <a:p>
-            <a:pPr lvl="1"/>
-            <a:r>
-              <a:rPr lang="en-US" dirty="0"/>
-              <a:t>Manually computing the solution</a:t>
-            </a:r>
-          </a:p>
-        </p:txBody>
-      </p:sp>
-      <p:sp>
-        <p:nvSpPr>
-          <p:cNvPr id="4" name="Slide Number Placeholder 3">
-            <a:extLst>
-              <a:ext uri="{FF2B5EF4-FFF2-40B4-BE49-F238E27FC236}">
-                <a16:creationId xmlns:a16="http://schemas.microsoft.com/office/drawing/2014/main" id="{978A4871-4B8E-4D46-919A-3163BA0EAA4F}"/>
-              </a:ext>
-            </a:extLst>
-          </p:cNvPr>
-          <p:cNvSpPr>
-            <a:spLocks noGrp="1"/>
-          </p:cNvSpPr>
-          <p:nvPr>
-            <p:ph type="sldNum" sz="quarter" idx="12"/>
-          </p:nvPr>
-        </p:nvSpPr>
-        <p:spPr/>
-        <p:txBody>
-          <a:bodyPr/>
-          <a:lstStyle/>
-          <a:p>
-            <a:fld id="{629637A9-119A-49DA-BD12-AAC58B377D80}" type="slidenum">
-              <a:rPr lang="en-US" smtClean="0"/>
-              <a:t>37</a:t>
-            </a:fld>
-            <a:endParaRPr lang="en-US" dirty="0"/>
-          </a:p>
-        </p:txBody>
-      </p:sp>
-    </p:spTree>
-    <p:extLst>
-      <p:ext uri="{BB962C8B-B14F-4D97-AF65-F5344CB8AC3E}">
-        <p14:creationId xmlns:p14="http://schemas.microsoft.com/office/powerpoint/2010/main" val="3673195195"/>
-      </p:ext>
-    </p:extLst>
-  </p:cSld>
-  <p:clrMapOvr>
-    <a:masterClrMapping/>
-  </p:clrMapOvr>
-</p:sld>
-</file>
-
-<file path=ppt/slides/slide38.xml><?xml version="1.0" encoding="utf-8"?>
-<p:sld xmlns:a="http://schemas.openxmlformats.org/drawingml/2006/main" xmlns:r="http://schemas.openxmlformats.org/officeDocument/2006/relationships" xmlns:p="http://schemas.openxmlformats.org/presentationml/2006/main">
-  <p:cSld>
-    <p:spTree>
-      <p:nvGrpSpPr>
-        <p:cNvPr id="1" name=""/>
-        <p:cNvGrpSpPr/>
-        <p:nvPr/>
-      </p:nvGrpSpPr>
-      <p:grpSpPr>
-        <a:xfrm>
-          <a:off x="0" y="0"/>
-          <a:ext cx="0" cy="0"/>
-          <a:chOff x="0" y="0"/>
-          <a:chExt cx="0" cy="0"/>
-        </a:xfrm>
-      </p:grpSpPr>
-      <p:sp>
-        <p:nvSpPr>
           <p:cNvPr id="2" name="Title 1"/>
           <p:cNvSpPr>
             <a:spLocks noGrp="1"/>
@@ -25561,7 +24609,7 @@
           <a:p>
             <a:fld id="{629637A9-119A-49DA-BD12-AAC58B377D80}" type="slidenum">
               <a:rPr lang="en-US" smtClean="0"/>
-              <a:t>38</a:t>
+              <a:t>37</a:t>
             </a:fld>
             <a:endParaRPr lang="en-US" dirty="0"/>
           </a:p>
@@ -25604,7 +24652,7 @@
 </p:sld>
 </file>
 
-<file path=ppt/slides/slide39.xml><?xml version="1.0" encoding="utf-8"?>
+<file path=ppt/slides/slide38.xml><?xml version="1.0" encoding="utf-8"?>
 <p:sld xmlns:a="http://schemas.openxmlformats.org/drawingml/2006/main" xmlns:r="http://schemas.openxmlformats.org/officeDocument/2006/relationships" xmlns:p="http://schemas.openxmlformats.org/presentationml/2006/main">
   <p:cSld>
     <p:spTree>
@@ -25706,7 +24754,7 @@
           <a:p>
             <a:fld id="{629637A9-119A-49DA-BD12-AAC58B377D80}" type="slidenum">
               <a:rPr lang="en-US" smtClean="0"/>
-              <a:t>39</a:t>
+              <a:t>38</a:t>
             </a:fld>
             <a:endParaRPr lang="en-US" dirty="0"/>
           </a:p>
@@ -25771,180 +24819,7 @@
 </p:sld>
 </file>
 
-<file path=ppt/slides/slide4.xml><?xml version="1.0" encoding="utf-8"?>
-<p:sld xmlns:a="http://schemas.openxmlformats.org/drawingml/2006/main" xmlns:r="http://schemas.openxmlformats.org/officeDocument/2006/relationships" xmlns:p="http://schemas.openxmlformats.org/presentationml/2006/main">
-  <p:cSld>
-    <p:spTree>
-      <p:nvGrpSpPr>
-        <p:cNvPr id="1" name=""/>
-        <p:cNvGrpSpPr/>
-        <p:nvPr/>
-      </p:nvGrpSpPr>
-      <p:grpSpPr>
-        <a:xfrm>
-          <a:off x="0" y="0"/>
-          <a:ext cx="0" cy="0"/>
-          <a:chOff x="0" y="0"/>
-          <a:chExt cx="0" cy="0"/>
-        </a:xfrm>
-      </p:grpSpPr>
-      <p:sp>
-        <p:nvSpPr>
-          <p:cNvPr id="2" name="Title 1"/>
-          <p:cNvSpPr>
-            <a:spLocks noGrp="1"/>
-          </p:cNvSpPr>
-          <p:nvPr>
-            <p:ph type="title"/>
-          </p:nvPr>
-        </p:nvSpPr>
-        <p:spPr/>
-        <p:txBody>
-          <a:bodyPr/>
-          <a:lstStyle/>
-          <a:p>
-            <a:r>
-              <a:rPr lang="en-US" dirty="0"/>
-              <a:t>Outline	</a:t>
-            </a:r>
-          </a:p>
-        </p:txBody>
-      </p:sp>
-      <p:sp>
-        <p:nvSpPr>
-          <p:cNvPr id="3" name="Content Placeholder 2"/>
-          <p:cNvSpPr>
-            <a:spLocks noGrp="1"/>
-          </p:cNvSpPr>
-          <p:nvPr>
-            <p:ph idx="1"/>
-          </p:nvPr>
-        </p:nvSpPr>
-        <p:spPr/>
-        <p:txBody>
-          <a:bodyPr/>
-          <a:lstStyle/>
-          <a:p>
-            <a:r>
-              <a:rPr lang="en-US" dirty="0"/>
-              <a:t>Motivating Example:  Understanding glucose levels in diabetes patients</a:t>
-            </a:r>
-          </a:p>
-          <a:p>
-            <a:r>
-              <a:rPr lang="en-US" dirty="0"/>
-              <a:t>Multiple variable linear models</a:t>
-            </a:r>
-          </a:p>
-          <a:p>
-            <a:r>
-              <a:rPr lang="en-US" dirty="0"/>
-              <a:t>Least squares solutions</a:t>
-            </a:r>
-          </a:p>
-          <a:p>
-            <a:r>
-              <a:rPr lang="en-US" dirty="0"/>
-              <a:t>Computing the solutions in python</a:t>
-            </a:r>
-          </a:p>
-          <a:p>
-            <a:r>
-              <a:rPr lang="en-US" dirty="0"/>
-              <a:t>Special case:  Simple linear regression</a:t>
-            </a:r>
-          </a:p>
-          <a:p>
-            <a:r>
-              <a:rPr lang="en-US" dirty="0"/>
-              <a:t>Extensions</a:t>
-            </a:r>
-          </a:p>
-        </p:txBody>
-      </p:sp>
-      <p:sp>
-        <p:nvSpPr>
-          <p:cNvPr id="4" name="Slide Number Placeholder 3"/>
-          <p:cNvSpPr>
-            <a:spLocks noGrp="1"/>
-          </p:cNvSpPr>
-          <p:nvPr>
-            <p:ph type="sldNum" sz="quarter" idx="12"/>
-          </p:nvPr>
-        </p:nvSpPr>
-        <p:spPr/>
-        <p:txBody>
-          <a:bodyPr/>
-          <a:lstStyle/>
-          <a:p>
-            <a:fld id="{629637A9-119A-49DA-BD12-AAC58B377D80}" type="slidenum">
-              <a:rPr lang="en-US" smtClean="0"/>
-              <a:t>4</a:t>
-            </a:fld>
-            <a:endParaRPr lang="en-US" dirty="0"/>
-          </a:p>
-        </p:txBody>
-      </p:sp>
-      <p:sp>
-        <p:nvSpPr>
-          <p:cNvPr id="5" name="Arrow: Right 4"/>
-          <p:cNvSpPr/>
-          <p:nvPr/>
-        </p:nvSpPr>
-        <p:spPr>
-          <a:xfrm>
-            <a:off x="350383" y="1439055"/>
-            <a:ext cx="978408" cy="484632"/>
-          </a:xfrm>
-          <a:prstGeom prst="rightArrow">
-            <a:avLst/>
-          </a:prstGeom>
-          <a:solidFill>
-            <a:schemeClr val="accent1">
-              <a:lumMod val="60000"/>
-              <a:lumOff val="40000"/>
-            </a:schemeClr>
-          </a:solidFill>
-        </p:spPr>
-        <p:style>
-          <a:lnRef idx="2">
-            <a:schemeClr val="accent1">
-              <a:shade val="50000"/>
-            </a:schemeClr>
-          </a:lnRef>
-          <a:fillRef idx="1">
-            <a:schemeClr val="accent1"/>
-          </a:fillRef>
-          <a:effectRef idx="0">
-            <a:schemeClr val="accent1"/>
-          </a:effectRef>
-          <a:fontRef idx="minor">
-            <a:schemeClr val="lt1"/>
-          </a:fontRef>
-        </p:style>
-        <p:txBody>
-          <a:bodyPr rtlCol="0" anchor="ctr"/>
-          <a:lstStyle/>
-          <a:p>
-            <a:pPr algn="ctr"/>
-            <a:endParaRPr lang="en-US"/>
-          </a:p>
-        </p:txBody>
-      </p:sp>
-    </p:spTree>
-    <p:extLst>
-      <p:ext uri="{BB962C8B-B14F-4D97-AF65-F5344CB8AC3E}">
-        <p14:creationId xmlns:p14="http://schemas.microsoft.com/office/powerpoint/2010/main" val="3884060235"/>
-      </p:ext>
-    </p:extLst>
-  </p:cSld>
-  <p:clrMapOvr>
-    <a:masterClrMapping/>
-  </p:clrMapOvr>
-</p:sld>
-</file>
-
-<file path=ppt/slides/slide40.xml><?xml version="1.0" encoding="utf-8"?>
+<file path=ppt/slides/slide39.xml><?xml version="1.0" encoding="utf-8"?>
 <p:sld xmlns:a="http://schemas.openxmlformats.org/drawingml/2006/main" xmlns:r="http://schemas.openxmlformats.org/officeDocument/2006/relationships" xmlns:p="http://schemas.openxmlformats.org/presentationml/2006/main">
   <p:cSld>
     <p:spTree>
@@ -27041,7 +25916,7 @@
           <a:p>
             <a:fld id="{629637A9-119A-49DA-BD12-AAC58B377D80}" type="slidenum">
               <a:rPr lang="en-US" smtClean="0"/>
-              <a:t>40</a:t>
+              <a:t>39</a:t>
             </a:fld>
             <a:endParaRPr lang="en-US" dirty="0"/>
           </a:p>
@@ -27084,7 +25959,180 @@
 </p:sld>
 </file>
 
-<file path=ppt/slides/slide41.xml><?xml version="1.0" encoding="utf-8"?>
+<file path=ppt/slides/slide4.xml><?xml version="1.0" encoding="utf-8"?>
+<p:sld xmlns:a="http://schemas.openxmlformats.org/drawingml/2006/main" xmlns:r="http://schemas.openxmlformats.org/officeDocument/2006/relationships" xmlns:p="http://schemas.openxmlformats.org/presentationml/2006/main">
+  <p:cSld>
+    <p:spTree>
+      <p:nvGrpSpPr>
+        <p:cNvPr id="1" name=""/>
+        <p:cNvGrpSpPr/>
+        <p:nvPr/>
+      </p:nvGrpSpPr>
+      <p:grpSpPr>
+        <a:xfrm>
+          <a:off x="0" y="0"/>
+          <a:ext cx="0" cy="0"/>
+          <a:chOff x="0" y="0"/>
+          <a:chExt cx="0" cy="0"/>
+        </a:xfrm>
+      </p:grpSpPr>
+      <p:sp>
+        <p:nvSpPr>
+          <p:cNvPr id="2" name="Title 1"/>
+          <p:cNvSpPr>
+            <a:spLocks noGrp="1"/>
+          </p:cNvSpPr>
+          <p:nvPr>
+            <p:ph type="title"/>
+          </p:nvPr>
+        </p:nvSpPr>
+        <p:spPr/>
+        <p:txBody>
+          <a:bodyPr/>
+          <a:lstStyle/>
+          <a:p>
+            <a:r>
+              <a:rPr lang="en-US" dirty="0"/>
+              <a:t>Outline	</a:t>
+            </a:r>
+          </a:p>
+        </p:txBody>
+      </p:sp>
+      <p:sp>
+        <p:nvSpPr>
+          <p:cNvPr id="3" name="Content Placeholder 2"/>
+          <p:cNvSpPr>
+            <a:spLocks noGrp="1"/>
+          </p:cNvSpPr>
+          <p:nvPr>
+            <p:ph idx="1"/>
+          </p:nvPr>
+        </p:nvSpPr>
+        <p:spPr/>
+        <p:txBody>
+          <a:bodyPr/>
+          <a:lstStyle/>
+          <a:p>
+            <a:r>
+              <a:rPr lang="en-US" dirty="0"/>
+              <a:t>Motivating Example:  Understanding glucose levels in diabetes patients</a:t>
+            </a:r>
+          </a:p>
+          <a:p>
+            <a:r>
+              <a:rPr lang="en-US" dirty="0"/>
+              <a:t>Multiple variable linear models</a:t>
+            </a:r>
+          </a:p>
+          <a:p>
+            <a:r>
+              <a:rPr lang="en-US" dirty="0"/>
+              <a:t>Least squares solutions</a:t>
+            </a:r>
+          </a:p>
+          <a:p>
+            <a:r>
+              <a:rPr lang="en-US" dirty="0"/>
+              <a:t>Computing the solutions in python</a:t>
+            </a:r>
+          </a:p>
+          <a:p>
+            <a:r>
+              <a:rPr lang="en-US" dirty="0"/>
+              <a:t>Special case:  Simple linear regression</a:t>
+            </a:r>
+          </a:p>
+          <a:p>
+            <a:r>
+              <a:rPr lang="en-US" dirty="0"/>
+              <a:t>Extensions</a:t>
+            </a:r>
+          </a:p>
+        </p:txBody>
+      </p:sp>
+      <p:sp>
+        <p:nvSpPr>
+          <p:cNvPr id="4" name="Slide Number Placeholder 3"/>
+          <p:cNvSpPr>
+            <a:spLocks noGrp="1"/>
+          </p:cNvSpPr>
+          <p:nvPr>
+            <p:ph type="sldNum" sz="quarter" idx="12"/>
+          </p:nvPr>
+        </p:nvSpPr>
+        <p:spPr/>
+        <p:txBody>
+          <a:bodyPr/>
+          <a:lstStyle/>
+          <a:p>
+            <a:fld id="{629637A9-119A-49DA-BD12-AAC58B377D80}" type="slidenum">
+              <a:rPr lang="en-US" smtClean="0"/>
+              <a:t>4</a:t>
+            </a:fld>
+            <a:endParaRPr lang="en-US" dirty="0"/>
+          </a:p>
+        </p:txBody>
+      </p:sp>
+      <p:sp>
+        <p:nvSpPr>
+          <p:cNvPr id="5" name="Arrow: Right 4"/>
+          <p:cNvSpPr/>
+          <p:nvPr/>
+        </p:nvSpPr>
+        <p:spPr>
+          <a:xfrm>
+            <a:off x="350383" y="1439055"/>
+            <a:ext cx="978408" cy="484632"/>
+          </a:xfrm>
+          <a:prstGeom prst="rightArrow">
+            <a:avLst/>
+          </a:prstGeom>
+          <a:solidFill>
+            <a:schemeClr val="accent1">
+              <a:lumMod val="60000"/>
+              <a:lumOff val="40000"/>
+            </a:schemeClr>
+          </a:solidFill>
+        </p:spPr>
+        <p:style>
+          <a:lnRef idx="2">
+            <a:schemeClr val="accent1">
+              <a:shade val="50000"/>
+            </a:schemeClr>
+          </a:lnRef>
+          <a:fillRef idx="1">
+            <a:schemeClr val="accent1"/>
+          </a:fillRef>
+          <a:effectRef idx="0">
+            <a:schemeClr val="accent1"/>
+          </a:effectRef>
+          <a:fontRef idx="minor">
+            <a:schemeClr val="lt1"/>
+          </a:fontRef>
+        </p:style>
+        <p:txBody>
+          <a:bodyPr rtlCol="0" anchor="ctr"/>
+          <a:lstStyle/>
+          <a:p>
+            <a:pPr algn="ctr"/>
+            <a:endParaRPr lang="en-US"/>
+          </a:p>
+        </p:txBody>
+      </p:sp>
+    </p:spTree>
+    <p:extLst>
+      <p:ext uri="{BB962C8B-B14F-4D97-AF65-F5344CB8AC3E}">
+        <p14:creationId xmlns:p14="http://schemas.microsoft.com/office/powerpoint/2010/main" val="3884060235"/>
+      </p:ext>
+    </p:extLst>
+  </p:cSld>
+  <p:clrMapOvr>
+    <a:masterClrMapping/>
+  </p:clrMapOvr>
+</p:sld>
+</file>
+
+<file path=ppt/slides/slide40.xml><?xml version="1.0" encoding="utf-8"?>
 <p:sld xmlns:a="http://schemas.openxmlformats.org/drawingml/2006/main" xmlns:r="http://schemas.openxmlformats.org/officeDocument/2006/relationships" xmlns:p="http://schemas.openxmlformats.org/presentationml/2006/main">
   <p:cSld>
     <p:spTree>
@@ -28096,7 +27144,7 @@
           <a:p>
             <a:fld id="{629637A9-119A-49DA-BD12-AAC58B377D80}" type="slidenum">
               <a:rPr lang="en-US" smtClean="0"/>
-              <a:t>41</a:t>
+              <a:t>40</a:t>
             </a:fld>
             <a:endParaRPr lang="en-US" dirty="0"/>
           </a:p>
@@ -28139,7 +27187,7 @@
 </p:sld>
 </file>
 
-<file path=ppt/slides/slide42.xml><?xml version="1.0" encoding="utf-8"?>
+<file path=ppt/slides/slide41.xml><?xml version="1.0" encoding="utf-8"?>
 <p:sld xmlns:a="http://schemas.openxmlformats.org/drawingml/2006/main" xmlns:r="http://schemas.openxmlformats.org/officeDocument/2006/relationships" xmlns:p="http://schemas.openxmlformats.org/presentationml/2006/main">
   <p:cSld>
     <p:spTree>
@@ -28178,8 +27226,8 @@
           </a:p>
         </p:txBody>
       </p:sp>
-      <mc:AlternateContent xmlns:mc="http://schemas.openxmlformats.org/markup-compatibility/2006" xmlns:a14="http://schemas.microsoft.com/office/drawing/2010/main">
-        <mc:Choice Requires="a14">
+      <mc:AlternateContent xmlns:mc="http://schemas.openxmlformats.org/markup-compatibility/2006">
+        <mc:Choice xmlns:a14="http://schemas.microsoft.com/office/drawing/2010/main" Requires="a14">
           <p:sp>
             <p:nvSpPr>
               <p:cNvPr id="3" name="Content Placeholder 2"/>
@@ -28192,13 +27240,13 @@
             </p:nvSpPr>
             <p:spPr>
               <a:xfrm>
-                <a:off x="1097281" y="1539277"/>
-                <a:ext cx="6587036" cy="4329817"/>
+                <a:off x="1097280" y="1539277"/>
+                <a:ext cx="7658301" cy="4329817"/>
               </a:xfrm>
             </p:spPr>
             <p:txBody>
               <a:bodyPr>
-                <a:normAutofit fontScale="92500" lnSpcReduction="10000"/>
+                <a:normAutofit fontScale="92500" lnSpcReduction="20000"/>
               </a:bodyPr>
               <a:lstStyle/>
               <a:p>
@@ -28286,10 +27334,29 @@
                 </a:r>
               </a:p>
               <a:p>
-                <a:pPr lvl="1"/>
                 <a:r>
                   <a:rPr lang="en-US" dirty="0"/>
-                  <a:t>Example: We want to predict the price of a car, given its model </a:t>
+                  <a:t>Ex:  Predict the price of a car, </a:t>
+                </a:r>
+                <a14:m>
+                  <m:oMath xmlns:m="http://schemas.openxmlformats.org/officeDocument/2006/math">
+                    <m:r>
+                      <a:rPr lang="en-US" b="0" i="1" smtClean="0">
+                        <a:latin typeface="Cambria Math" panose="02040503050406030204" pitchFamily="18" charset="0"/>
+                      </a:rPr>
+                      <m:t>𝑦</m:t>
+                    </m:r>
+                    <m:r>
+                      <a:rPr lang="en-US" b="0" i="0" smtClean="0">
+                        <a:latin typeface="Cambria Math" panose="02040503050406030204" pitchFamily="18" charset="0"/>
+                      </a:rPr>
+                      <m:t>,</m:t>
+                    </m:r>
+                  </m:oMath>
+                </a14:m>
+                <a:r>
+                  <a:rPr lang="en-US" dirty="0"/>
+                  <a:t> given model </a:t>
                 </a:r>
                 <a14:m>
                   <m:oMath xmlns:m="http://schemas.openxmlformats.org/officeDocument/2006/math">
@@ -28349,453 +27416,6 @@
                         </m:r>
                         <m:r>
                           <a:rPr lang="en-US" i="1">
-                            <a:latin typeface="Cambria Math" panose="02040503050406030204" pitchFamily="18" charset="0"/>
-                          </a:rPr>
-                          <m:t>𝑥</m:t>
-                        </m:r>
-                      </m:e>
-                      <m:sub>
-                        <m:r>
-                          <a:rPr lang="en-US" b="0" i="1" smtClean="0">
-                            <a:latin typeface="Cambria Math" panose="02040503050406030204" pitchFamily="18" charset="0"/>
-                          </a:rPr>
-                          <m:t>2</m:t>
-                        </m:r>
-                      </m:sub>
-                    </m:sSub>
-                  </m:oMath>
-                </a14:m>
-                <a:r>
-                  <a:rPr lang="en-US" dirty="0"/>
-                  <a:t> . There could be 3 different models of a car</a:t>
-                </a:r>
-              </a:p>
-              <a:p>
-                <a:pPr lvl="1"/>
-                <a:r>
-                  <a:rPr lang="en-US" dirty="0"/>
-                  <a:t>Arbitrarily assign an index to each possible car model may give unreasonable results</a:t>
-                </a:r>
-              </a:p>
-              <a:p>
-                <a:r>
-                  <a:rPr lang="en-US" dirty="0"/>
-                  <a:t>One-hot coding example: </a:t>
-                </a:r>
-              </a:p>
-              <a:p>
-                <a:pPr lvl="1"/>
-                <a:r>
-                  <a:rPr lang="en-US" dirty="0"/>
-                  <a:t>With 3 possible categories, represent </a:t>
-                </a:r>
-                <a14:m>
-                  <m:oMath xmlns:m="http://schemas.openxmlformats.org/officeDocument/2006/math">
-                    <m:sSub>
-                      <m:sSubPr>
-                        <m:ctrlPr>
-                          <a:rPr lang="en-US" i="1">
-                            <a:latin typeface="Cambria Math" panose="02040503050406030204" pitchFamily="18" charset="0"/>
-                          </a:rPr>
-                        </m:ctrlPr>
-                      </m:sSubPr>
-                      <m:e>
-                        <m:r>
-                          <a:rPr lang="en-US" i="1">
-                            <a:latin typeface="Cambria Math" panose="02040503050406030204" pitchFamily="18" charset="0"/>
-                          </a:rPr>
-                          <m:t> </m:t>
-                        </m:r>
-                        <m:r>
-                          <a:rPr lang="en-US" i="1">
-                            <a:latin typeface="Cambria Math" panose="02040503050406030204" pitchFamily="18" charset="0"/>
-                          </a:rPr>
-                          <m:t>𝑥</m:t>
-                        </m:r>
-                      </m:e>
-                      <m:sub>
-                        <m:r>
-                          <a:rPr lang="en-US" i="1">
-                            <a:latin typeface="Cambria Math" panose="02040503050406030204" pitchFamily="18" charset="0"/>
-                          </a:rPr>
-                          <m:t>1</m:t>
-                        </m:r>
-                      </m:sub>
-                    </m:sSub>
-                  </m:oMath>
-                </a14:m>
-                <a:r>
-                  <a:rPr lang="en-US" dirty="0"/>
-                  <a:t> using 3 binary features  (</a:t>
-                </a:r>
-                <a14:m>
-                  <m:oMath xmlns:m="http://schemas.openxmlformats.org/officeDocument/2006/math">
-                    <m:sSub>
-                      <m:sSubPr>
-                        <m:ctrlPr>
-                          <a:rPr lang="en-US" i="1">
-                            <a:latin typeface="Cambria Math" panose="02040503050406030204" pitchFamily="18" charset="0"/>
-                          </a:rPr>
-                        </m:ctrlPr>
-                      </m:sSubPr>
-                      <m:e>
-                        <m:r>
-                          <a:rPr lang="en-US" i="1">
-                            <a:latin typeface="Cambria Math" panose="02040503050406030204" pitchFamily="18" charset="0"/>
-                          </a:rPr>
-                          <m:t>𝑢</m:t>
-                        </m:r>
-                      </m:e>
-                      <m:sub>
-                        <m:r>
-                          <a:rPr lang="en-US" i="1">
-                            <a:latin typeface="Cambria Math" panose="02040503050406030204" pitchFamily="18" charset="0"/>
-                          </a:rPr>
-                          <m:t>1</m:t>
-                        </m:r>
-                      </m:sub>
-                    </m:sSub>
-                  </m:oMath>
-                </a14:m>
-                <a:r>
-                  <a:rPr lang="en-US" dirty="0"/>
-                  <a:t>, </a:t>
-                </a:r>
-                <a14:m>
-                  <m:oMath xmlns:m="http://schemas.openxmlformats.org/officeDocument/2006/math">
-                    <m:sSub>
-                      <m:sSubPr>
-                        <m:ctrlPr>
-                          <a:rPr lang="en-US" i="1">
-                            <a:latin typeface="Cambria Math" panose="02040503050406030204" pitchFamily="18" charset="0"/>
-                          </a:rPr>
-                        </m:ctrlPr>
-                      </m:sSubPr>
-                      <m:e>
-                        <m:r>
-                          <a:rPr lang="en-US" i="1">
-                            <a:latin typeface="Cambria Math" panose="02040503050406030204" pitchFamily="18" charset="0"/>
-                          </a:rPr>
-                          <m:t>𝑢</m:t>
-                        </m:r>
-                      </m:e>
-                      <m:sub>
-                        <m:r>
-                          <a:rPr lang="en-US" b="0" i="1" smtClean="0">
-                            <a:latin typeface="Cambria Math" panose="02040503050406030204" pitchFamily="18" charset="0"/>
-                          </a:rPr>
-                          <m:t>2</m:t>
-                        </m:r>
-                      </m:sub>
-                    </m:sSub>
-                  </m:oMath>
-                </a14:m>
-                <a:r>
-                  <a:rPr lang="en-US" dirty="0"/>
-                  <a:t>,</a:t>
-                </a:r>
-                <a14:m>
-                  <m:oMath xmlns:m="http://schemas.openxmlformats.org/officeDocument/2006/math">
-                    <m:sSub>
-                      <m:sSubPr>
-                        <m:ctrlPr>
-                          <a:rPr lang="en-US" i="1">
-                            <a:latin typeface="Cambria Math" panose="02040503050406030204" pitchFamily="18" charset="0"/>
-                          </a:rPr>
-                        </m:ctrlPr>
-                      </m:sSubPr>
-                      <m:e>
-                        <m:r>
-                          <a:rPr lang="en-US" b="0" i="1" smtClean="0">
-                            <a:latin typeface="Cambria Math" panose="02040503050406030204" pitchFamily="18" charset="0"/>
-                          </a:rPr>
-                          <m:t> </m:t>
-                        </m:r>
-                        <m:r>
-                          <a:rPr lang="en-US" i="1">
-                            <a:latin typeface="Cambria Math" panose="02040503050406030204" pitchFamily="18" charset="0"/>
-                          </a:rPr>
-                          <m:t>𝑢</m:t>
-                        </m:r>
-                      </m:e>
-                      <m:sub>
-                        <m:r>
-                          <a:rPr lang="en-US" b="0" i="1" smtClean="0">
-                            <a:latin typeface="Cambria Math" panose="02040503050406030204" pitchFamily="18" charset="0"/>
-                          </a:rPr>
-                          <m:t>3</m:t>
-                        </m:r>
-                      </m:sub>
-                    </m:sSub>
-                  </m:oMath>
-                </a14:m>
-                <a:r>
-                  <a:rPr lang="en-US" dirty="0"/>
-                  <a:t>),</a:t>
-                </a:r>
-              </a:p>
-              <a:p>
-                <a:pPr lvl="2"/>
-                <a:r>
-                  <a:rPr lang="en-US" dirty="0"/>
-                  <a:t>Ford=[1 0 0 ], BMW=[0 1 0 ], GM=[0 0 1]</a:t>
-                </a:r>
-              </a:p>
-              <a:p>
-                <a:pPr lvl="1"/>
-                <a:r>
-                  <a:rPr lang="en-US" dirty="0"/>
-                  <a:t>Model:  </a:t>
-                </a:r>
-                <a14:m>
-                  <m:oMath xmlns:m="http://schemas.openxmlformats.org/officeDocument/2006/math">
-                    <m:r>
-                      <a:rPr lang="en-US" b="0" i="1" smtClean="0">
-                        <a:latin typeface="Cambria Math" panose="02040503050406030204" pitchFamily="18" charset="0"/>
-                      </a:rPr>
-                      <m:t>𝑦</m:t>
-                    </m:r>
-                    <m:r>
-                      <a:rPr lang="en-US" b="0" i="1" smtClean="0">
-                        <a:latin typeface="Cambria Math" panose="02040503050406030204" pitchFamily="18" charset="0"/>
-                      </a:rPr>
-                      <m:t>=</m:t>
-                    </m:r>
-                    <m:sSub>
-                      <m:sSubPr>
-                        <m:ctrlPr>
-                          <a:rPr lang="en-US" b="0" i="1" smtClean="0">
-                            <a:latin typeface="Cambria Math" panose="02040503050406030204" pitchFamily="18" charset="0"/>
-                          </a:rPr>
-                        </m:ctrlPr>
-                      </m:sSubPr>
-                      <m:e>
-                        <m:r>
-                          <a:rPr lang="en-US" b="0" i="1" smtClean="0">
-                            <a:latin typeface="Cambria Math" panose="02040503050406030204" pitchFamily="18" charset="0"/>
-                          </a:rPr>
-                          <m:t>𝛽</m:t>
-                        </m:r>
-                      </m:e>
-                      <m:sub>
-                        <m:r>
-                          <a:rPr lang="en-US" b="0" i="1" smtClean="0">
-                            <a:latin typeface="Cambria Math" panose="02040503050406030204" pitchFamily="18" charset="0"/>
-                          </a:rPr>
-                          <m:t>0</m:t>
-                        </m:r>
-                      </m:sub>
-                    </m:sSub>
-                    <m:r>
-                      <a:rPr lang="en-US" b="0" i="1" smtClean="0">
-                        <a:latin typeface="Cambria Math" panose="02040503050406030204" pitchFamily="18" charset="0"/>
-                      </a:rPr>
-                      <m:t>+</m:t>
-                    </m:r>
-                    <m:sSub>
-                      <m:sSubPr>
-                        <m:ctrlPr>
-                          <a:rPr lang="en-US" b="0" i="1" smtClean="0">
-                            <a:latin typeface="Cambria Math" panose="02040503050406030204" pitchFamily="18" charset="0"/>
-                          </a:rPr>
-                        </m:ctrlPr>
-                      </m:sSubPr>
-                      <m:e>
-                        <m:r>
-                          <a:rPr lang="en-US" b="0" i="1" smtClean="0">
-                            <a:latin typeface="Cambria Math" panose="02040503050406030204" pitchFamily="18" charset="0"/>
-                          </a:rPr>
-                          <m:t>𝛽</m:t>
-                        </m:r>
-                      </m:e>
-                      <m:sub>
-                        <m:r>
-                          <a:rPr lang="en-US" b="0" i="1" smtClean="0">
-                            <a:latin typeface="Cambria Math" panose="02040503050406030204" pitchFamily="18" charset="0"/>
-                          </a:rPr>
-                          <m:t>1</m:t>
-                        </m:r>
-                      </m:sub>
-                    </m:sSub>
-                    <m:sSub>
-                      <m:sSubPr>
-                        <m:ctrlPr>
-                          <a:rPr lang="en-US" b="0" i="1" smtClean="0">
-                            <a:latin typeface="Cambria Math" panose="02040503050406030204" pitchFamily="18" charset="0"/>
-                          </a:rPr>
-                        </m:ctrlPr>
-                      </m:sSubPr>
-                      <m:e>
-                        <m:r>
-                          <a:rPr lang="en-US" b="0" i="1" smtClean="0">
-                            <a:latin typeface="Cambria Math" panose="02040503050406030204" pitchFamily="18" charset="0"/>
-                          </a:rPr>
-                          <m:t>𝑢</m:t>
-                        </m:r>
-                      </m:e>
-                      <m:sub>
-                        <m:r>
-                          <a:rPr lang="en-US" b="0" i="1" smtClean="0">
-                            <a:latin typeface="Cambria Math" panose="02040503050406030204" pitchFamily="18" charset="0"/>
-                          </a:rPr>
-                          <m:t>1</m:t>
-                        </m:r>
-                      </m:sub>
-                    </m:sSub>
-                    <m:r>
-                      <a:rPr lang="en-US" b="0" i="1" smtClean="0">
-                        <a:latin typeface="Cambria Math" panose="02040503050406030204" pitchFamily="18" charset="0"/>
-                      </a:rPr>
-                      <m:t>+</m:t>
-                    </m:r>
-                    <m:sSub>
-                      <m:sSubPr>
-                        <m:ctrlPr>
-                          <a:rPr lang="en-US" i="1">
-                            <a:latin typeface="Cambria Math" panose="02040503050406030204" pitchFamily="18" charset="0"/>
-                          </a:rPr>
-                        </m:ctrlPr>
-                      </m:sSubPr>
-                      <m:e>
-                        <m:r>
-                          <a:rPr lang="en-US" i="1">
-                            <a:latin typeface="Cambria Math" panose="02040503050406030204" pitchFamily="18" charset="0"/>
-                          </a:rPr>
-                          <m:t>𝛽</m:t>
-                        </m:r>
-                      </m:e>
-                      <m:sub>
-                        <m:r>
-                          <a:rPr lang="en-US" b="0" i="1" smtClean="0">
-                            <a:latin typeface="Cambria Math" panose="02040503050406030204" pitchFamily="18" charset="0"/>
-                          </a:rPr>
-                          <m:t>2</m:t>
-                        </m:r>
-                      </m:sub>
-                    </m:sSub>
-                    <m:sSub>
-                      <m:sSubPr>
-                        <m:ctrlPr>
-                          <a:rPr lang="en-US" i="1">
-                            <a:latin typeface="Cambria Math" panose="02040503050406030204" pitchFamily="18" charset="0"/>
-                          </a:rPr>
-                        </m:ctrlPr>
-                      </m:sSubPr>
-                      <m:e>
-                        <m:r>
-                          <a:rPr lang="en-US" i="1">
-                            <a:latin typeface="Cambria Math" panose="02040503050406030204" pitchFamily="18" charset="0"/>
-                          </a:rPr>
-                          <m:t>𝑢</m:t>
-                        </m:r>
-                      </m:e>
-                      <m:sub>
-                        <m:r>
-                          <a:rPr lang="en-US" b="0" i="1" smtClean="0">
-                            <a:latin typeface="Cambria Math" panose="02040503050406030204" pitchFamily="18" charset="0"/>
-                          </a:rPr>
-                          <m:t>2</m:t>
-                        </m:r>
-                      </m:sub>
-                    </m:sSub>
-                    <m:r>
-                      <a:rPr lang="en-US" b="0" i="1" smtClean="0">
-                        <a:latin typeface="Cambria Math" panose="02040503050406030204" pitchFamily="18" charset="0"/>
-                      </a:rPr>
-                      <m:t>+</m:t>
-                    </m:r>
-                    <m:sSub>
-                      <m:sSubPr>
-                        <m:ctrlPr>
-                          <a:rPr lang="en-US" b="0" i="1" smtClean="0">
-                            <a:latin typeface="Cambria Math" panose="02040503050406030204" pitchFamily="18" charset="0"/>
-                          </a:rPr>
-                        </m:ctrlPr>
-                      </m:sSubPr>
-                      <m:e>
-                        <m:r>
-                          <a:rPr lang="en-US" b="0" i="1" smtClean="0">
-                            <a:latin typeface="Cambria Math" panose="02040503050406030204" pitchFamily="18" charset="0"/>
-                          </a:rPr>
-                          <m:t>𝛽</m:t>
-                        </m:r>
-                      </m:e>
-                      <m:sub>
-                        <m:r>
-                          <a:rPr lang="en-US" b="0" i="1" smtClean="0">
-                            <a:latin typeface="Cambria Math" panose="02040503050406030204" pitchFamily="18" charset="0"/>
-                          </a:rPr>
-                          <m:t>3</m:t>
-                        </m:r>
-                      </m:sub>
-                    </m:sSub>
-                    <m:sSub>
-                      <m:sSubPr>
-                        <m:ctrlPr>
-                          <a:rPr lang="en-US" b="0" i="1" smtClean="0">
-                            <a:latin typeface="Cambria Math" panose="02040503050406030204" pitchFamily="18" charset="0"/>
-                          </a:rPr>
-                        </m:ctrlPr>
-                      </m:sSubPr>
-                      <m:e>
-                        <m:r>
-                          <a:rPr lang="en-US" b="0" i="1" smtClean="0">
-                            <a:latin typeface="Cambria Math" panose="02040503050406030204" pitchFamily="18" charset="0"/>
-                          </a:rPr>
-                          <m:t>𝑢</m:t>
-                        </m:r>
-                      </m:e>
-                      <m:sub>
-                        <m:r>
-                          <a:rPr lang="en-US" b="0" i="1" smtClean="0">
-                            <a:latin typeface="Cambria Math" panose="02040503050406030204" pitchFamily="18" charset="0"/>
-                          </a:rPr>
-                          <m:t>3</m:t>
-                        </m:r>
-                      </m:sub>
-                    </m:sSub>
-                    <m:r>
-                      <a:rPr lang="en-US" b="0" i="1" smtClean="0">
-                        <a:latin typeface="Cambria Math" panose="02040503050406030204" pitchFamily="18" charset="0"/>
-                      </a:rPr>
-                      <m:t>+</m:t>
-                    </m:r>
-                    <m:sSub>
-                      <m:sSubPr>
-                        <m:ctrlPr>
-                          <a:rPr lang="en-US" i="1">
-                            <a:latin typeface="Cambria Math" panose="02040503050406030204" pitchFamily="18" charset="0"/>
-                          </a:rPr>
-                        </m:ctrlPr>
-                      </m:sSubPr>
-                      <m:e>
-                        <m:r>
-                          <a:rPr lang="en-US" i="1">
-                            <a:latin typeface="Cambria Math" panose="02040503050406030204" pitchFamily="18" charset="0"/>
-                          </a:rPr>
-                          <m:t>𝛽</m:t>
-                        </m:r>
-                      </m:e>
-                      <m:sub>
-                        <m:r>
-                          <a:rPr lang="en-US" b="0" i="1" smtClean="0">
-                            <a:latin typeface="Cambria Math" panose="02040503050406030204" pitchFamily="18" charset="0"/>
-                          </a:rPr>
-                          <m:t>4</m:t>
-                        </m:r>
-                      </m:sub>
-                    </m:sSub>
-                    <m:sSub>
-                      <m:sSubPr>
-                        <m:ctrlPr>
-                          <a:rPr lang="en-US" i="1">
-                            <a:latin typeface="Cambria Math" panose="02040503050406030204" pitchFamily="18" charset="0"/>
-                          </a:rPr>
-                        </m:ctrlPr>
-                      </m:sSubPr>
-                      <m:e>
-                        <m:r>
-                          <a:rPr lang="en-US" b="0" i="1" smtClean="0">
                             <a:latin typeface="Cambria Math" panose="02040503050406030204" pitchFamily="18" charset="0"/>
                           </a:rPr>
                           <m:t>𝑥</m:t>
@@ -28818,6 +27438,362 @@
                 <a:pPr lvl="1"/>
                 <a:r>
                   <a:rPr lang="en-US" dirty="0"/>
+                  <a:t>Suppose there are 3 different models of a car (Ford, BMW, GM)</a:t>
+                </a:r>
+              </a:p>
+              <a:p>
+                <a:pPr lvl="1"/>
+                <a:r>
+                  <a:rPr lang="en-US" dirty="0"/>
+                  <a:t>Bad idea:  Arbitrarily assign an index to each possible car model</a:t>
+                </a:r>
+              </a:p>
+              <a:p>
+                <a:pPr lvl="1"/>
+                <a:r>
+                  <a:rPr lang="en-US" dirty="0"/>
+                  <a:t>Can give unreasonable relations</a:t>
+                </a:r>
+              </a:p>
+              <a:p>
+                <a:r>
+                  <a:rPr lang="en-US" dirty="0"/>
+                  <a:t>One-hot coding example: </a:t>
+                </a:r>
+              </a:p>
+              <a:p>
+                <a:pPr lvl="1"/>
+                <a:r>
+                  <a:rPr lang="en-US" dirty="0"/>
+                  <a:t>With 3 possible categories, represent </a:t>
+                </a:r>
+                <a14:m>
+                  <m:oMath xmlns:m="http://schemas.openxmlformats.org/officeDocument/2006/math">
+                    <m:sSub>
+                      <m:sSubPr>
+                        <m:ctrlPr>
+                          <a:rPr lang="en-US" i="1">
+                            <a:latin typeface="Cambria Math" panose="02040503050406030204" pitchFamily="18" charset="0"/>
+                          </a:rPr>
+                        </m:ctrlPr>
+                      </m:sSubPr>
+                      <m:e>
+                        <m:r>
+                          <a:rPr lang="en-US" i="1">
+                            <a:latin typeface="Cambria Math" panose="02040503050406030204" pitchFamily="18" charset="0"/>
+                          </a:rPr>
+                          <m:t> </m:t>
+                        </m:r>
+                        <m:r>
+                          <a:rPr lang="en-US" i="1">
+                            <a:latin typeface="Cambria Math" panose="02040503050406030204" pitchFamily="18" charset="0"/>
+                          </a:rPr>
+                          <m:t>𝑥</m:t>
+                        </m:r>
+                      </m:e>
+                      <m:sub>
+                        <m:r>
+                          <a:rPr lang="en-US" i="1">
+                            <a:latin typeface="Cambria Math" panose="02040503050406030204" pitchFamily="18" charset="0"/>
+                          </a:rPr>
+                          <m:t>1</m:t>
+                        </m:r>
+                      </m:sub>
+                    </m:sSub>
+                  </m:oMath>
+                </a14:m>
+                <a:r>
+                  <a:rPr lang="en-US" dirty="0"/>
+                  <a:t> using 2 binary features  (</a:t>
+                </a:r>
+                <a14:m>
+                  <m:oMath xmlns:m="http://schemas.openxmlformats.org/officeDocument/2006/math">
+                    <m:sSub>
+                      <m:sSubPr>
+                        <m:ctrlPr>
+                          <a:rPr lang="en-US" i="1">
+                            <a:latin typeface="Cambria Math" panose="02040503050406030204" pitchFamily="18" charset="0"/>
+                          </a:rPr>
+                        </m:ctrlPr>
+                      </m:sSubPr>
+                      <m:e>
+                        <m:r>
+                          <a:rPr lang="en-US" i="1">
+                            <a:latin typeface="Cambria Math" panose="02040503050406030204" pitchFamily="18" charset="0"/>
+                          </a:rPr>
+                          <m:t>𝑢</m:t>
+                        </m:r>
+                      </m:e>
+                      <m:sub>
+                        <m:r>
+                          <a:rPr lang="en-US" i="1">
+                            <a:latin typeface="Cambria Math" panose="02040503050406030204" pitchFamily="18" charset="0"/>
+                          </a:rPr>
+                          <m:t>1</m:t>
+                        </m:r>
+                      </m:sub>
+                    </m:sSub>
+                  </m:oMath>
+                </a14:m>
+                <a:r>
+                  <a:rPr lang="en-US" dirty="0"/>
+                  <a:t>, </a:t>
+                </a:r>
+                <a14:m>
+                  <m:oMath xmlns:m="http://schemas.openxmlformats.org/officeDocument/2006/math">
+                    <m:sSub>
+                      <m:sSubPr>
+                        <m:ctrlPr>
+                          <a:rPr lang="en-US" i="1">
+                            <a:latin typeface="Cambria Math" panose="02040503050406030204" pitchFamily="18" charset="0"/>
+                          </a:rPr>
+                        </m:ctrlPr>
+                      </m:sSubPr>
+                      <m:e>
+                        <m:r>
+                          <a:rPr lang="en-US" i="1">
+                            <a:latin typeface="Cambria Math" panose="02040503050406030204" pitchFamily="18" charset="0"/>
+                          </a:rPr>
+                          <m:t>𝑢</m:t>
+                        </m:r>
+                      </m:e>
+                      <m:sub>
+                        <m:r>
+                          <a:rPr lang="en-US" b="0" i="1" smtClean="0">
+                            <a:latin typeface="Cambria Math" panose="02040503050406030204" pitchFamily="18" charset="0"/>
+                          </a:rPr>
+                          <m:t>2</m:t>
+                        </m:r>
+                      </m:sub>
+                    </m:sSub>
+                  </m:oMath>
+                </a14:m>
+                <a:r>
+                  <a:rPr lang="en-US" dirty="0"/>
+                  <a:t>)</a:t>
+                </a:r>
+              </a:p>
+              <a:p>
+                <a:pPr lvl="1"/>
+                <a:r>
+                  <a:rPr lang="en-US" dirty="0"/>
+                  <a:t>Model:  </a:t>
+                </a:r>
+                <a14:m>
+                  <m:oMath xmlns:m="http://schemas.openxmlformats.org/officeDocument/2006/math">
+                    <m:r>
+                      <a:rPr lang="en-US" b="0" i="1" smtClean="0">
+                        <a:latin typeface="Cambria Math" panose="02040503050406030204" pitchFamily="18" charset="0"/>
+                      </a:rPr>
+                      <m:t>𝑦</m:t>
+                    </m:r>
+                    <m:r>
+                      <a:rPr lang="en-US" b="0" i="1" smtClean="0">
+                        <a:latin typeface="Cambria Math" panose="02040503050406030204" pitchFamily="18" charset="0"/>
+                      </a:rPr>
+                      <m:t>=</m:t>
+                    </m:r>
+                    <m:sSub>
+                      <m:sSubPr>
+                        <m:ctrlPr>
+                          <a:rPr lang="en-US" b="0" i="1" smtClean="0">
+                            <a:latin typeface="Cambria Math" panose="02040503050406030204" pitchFamily="18" charset="0"/>
+                          </a:rPr>
+                        </m:ctrlPr>
+                      </m:sSubPr>
+                      <m:e>
+                        <m:r>
+                          <a:rPr lang="en-US" b="0" i="1" smtClean="0">
+                            <a:latin typeface="Cambria Math" panose="02040503050406030204" pitchFamily="18" charset="0"/>
+                          </a:rPr>
+                          <m:t>𝛽</m:t>
+                        </m:r>
+                      </m:e>
+                      <m:sub>
+                        <m:r>
+                          <a:rPr lang="en-US" b="0" i="1" smtClean="0">
+                            <a:latin typeface="Cambria Math" panose="02040503050406030204" pitchFamily="18" charset="0"/>
+                          </a:rPr>
+                          <m:t>0</m:t>
+                        </m:r>
+                      </m:sub>
+                    </m:sSub>
+                    <m:r>
+                      <a:rPr lang="en-US" b="0" i="1" smtClean="0">
+                        <a:latin typeface="Cambria Math" panose="02040503050406030204" pitchFamily="18" charset="0"/>
+                      </a:rPr>
+                      <m:t>+</m:t>
+                    </m:r>
+                    <m:sSub>
+                      <m:sSubPr>
+                        <m:ctrlPr>
+                          <a:rPr lang="en-US" b="0" i="1" smtClean="0">
+                            <a:latin typeface="Cambria Math" panose="02040503050406030204" pitchFamily="18" charset="0"/>
+                          </a:rPr>
+                        </m:ctrlPr>
+                      </m:sSubPr>
+                      <m:e>
+                        <m:r>
+                          <a:rPr lang="en-US" b="0" i="1" smtClean="0">
+                            <a:latin typeface="Cambria Math" panose="02040503050406030204" pitchFamily="18" charset="0"/>
+                          </a:rPr>
+                          <m:t>𝛽</m:t>
+                        </m:r>
+                      </m:e>
+                      <m:sub>
+                        <m:r>
+                          <a:rPr lang="en-US" b="0" i="1" smtClean="0">
+                            <a:latin typeface="Cambria Math" panose="02040503050406030204" pitchFamily="18" charset="0"/>
+                          </a:rPr>
+                          <m:t>1</m:t>
+                        </m:r>
+                      </m:sub>
+                    </m:sSub>
+                    <m:sSub>
+                      <m:sSubPr>
+                        <m:ctrlPr>
+                          <a:rPr lang="en-US" b="0" i="1" smtClean="0">
+                            <a:latin typeface="Cambria Math" panose="02040503050406030204" pitchFamily="18" charset="0"/>
+                          </a:rPr>
+                        </m:ctrlPr>
+                      </m:sSubPr>
+                      <m:e>
+                        <m:r>
+                          <a:rPr lang="en-US" b="0" i="1" smtClean="0">
+                            <a:latin typeface="Cambria Math" panose="02040503050406030204" pitchFamily="18" charset="0"/>
+                          </a:rPr>
+                          <m:t>𝑢</m:t>
+                        </m:r>
+                      </m:e>
+                      <m:sub>
+                        <m:r>
+                          <a:rPr lang="en-US" b="0" i="1" smtClean="0">
+                            <a:latin typeface="Cambria Math" panose="02040503050406030204" pitchFamily="18" charset="0"/>
+                          </a:rPr>
+                          <m:t>1</m:t>
+                        </m:r>
+                      </m:sub>
+                    </m:sSub>
+                    <m:r>
+                      <a:rPr lang="en-US" b="0" i="1" smtClean="0">
+                        <a:latin typeface="Cambria Math" panose="02040503050406030204" pitchFamily="18" charset="0"/>
+                      </a:rPr>
+                      <m:t>+</m:t>
+                    </m:r>
+                    <m:sSub>
+                      <m:sSubPr>
+                        <m:ctrlPr>
+                          <a:rPr lang="en-US" i="1">
+                            <a:latin typeface="Cambria Math" panose="02040503050406030204" pitchFamily="18" charset="0"/>
+                          </a:rPr>
+                        </m:ctrlPr>
+                      </m:sSubPr>
+                      <m:e>
+                        <m:r>
+                          <a:rPr lang="en-US" i="1">
+                            <a:latin typeface="Cambria Math" panose="02040503050406030204" pitchFamily="18" charset="0"/>
+                          </a:rPr>
+                          <m:t>𝛽</m:t>
+                        </m:r>
+                      </m:e>
+                      <m:sub>
+                        <m:r>
+                          <a:rPr lang="en-US" b="0" i="1" smtClean="0">
+                            <a:latin typeface="Cambria Math" panose="02040503050406030204" pitchFamily="18" charset="0"/>
+                          </a:rPr>
+                          <m:t>2</m:t>
+                        </m:r>
+                      </m:sub>
+                    </m:sSub>
+                    <m:sSub>
+                      <m:sSubPr>
+                        <m:ctrlPr>
+                          <a:rPr lang="en-US" i="1">
+                            <a:latin typeface="Cambria Math" panose="02040503050406030204" pitchFamily="18" charset="0"/>
+                          </a:rPr>
+                        </m:ctrlPr>
+                      </m:sSubPr>
+                      <m:e>
+                        <m:r>
+                          <a:rPr lang="en-US" i="1">
+                            <a:latin typeface="Cambria Math" panose="02040503050406030204" pitchFamily="18" charset="0"/>
+                          </a:rPr>
+                          <m:t>𝑢</m:t>
+                        </m:r>
+                      </m:e>
+                      <m:sub>
+                        <m:r>
+                          <a:rPr lang="en-US" b="0" i="1" smtClean="0">
+                            <a:latin typeface="Cambria Math" panose="02040503050406030204" pitchFamily="18" charset="0"/>
+                          </a:rPr>
+                          <m:t>2</m:t>
+                        </m:r>
+                      </m:sub>
+                    </m:sSub>
+                    <m:r>
+                      <a:rPr lang="en-US" b="0" i="1" smtClean="0">
+                        <a:latin typeface="Cambria Math" panose="02040503050406030204" pitchFamily="18" charset="0"/>
+                      </a:rPr>
+                      <m:t>+</m:t>
+                    </m:r>
+                    <m:sSub>
+                      <m:sSubPr>
+                        <m:ctrlPr>
+                          <a:rPr lang="en-US" i="1">
+                            <a:latin typeface="Cambria Math" panose="02040503050406030204" pitchFamily="18" charset="0"/>
+                          </a:rPr>
+                        </m:ctrlPr>
+                      </m:sSubPr>
+                      <m:e>
+                        <m:r>
+                          <a:rPr lang="en-US" i="1">
+                            <a:latin typeface="Cambria Math" panose="02040503050406030204" pitchFamily="18" charset="0"/>
+                          </a:rPr>
+                          <m:t>𝛽</m:t>
+                        </m:r>
+                      </m:e>
+                      <m:sub>
+                        <m:r>
+                          <a:rPr lang="en-US" b="0" i="1" smtClean="0">
+                            <a:latin typeface="Cambria Math" panose="02040503050406030204" pitchFamily="18" charset="0"/>
+                          </a:rPr>
+                          <m:t>4</m:t>
+                        </m:r>
+                      </m:sub>
+                    </m:sSub>
+                    <m:sSub>
+                      <m:sSubPr>
+                        <m:ctrlPr>
+                          <a:rPr lang="en-US" i="1">
+                            <a:latin typeface="Cambria Math" panose="02040503050406030204" pitchFamily="18" charset="0"/>
+                          </a:rPr>
+                        </m:ctrlPr>
+                      </m:sSubPr>
+                      <m:e>
+                        <m:r>
+                          <a:rPr lang="en-US" b="0" i="1" smtClean="0">
+                            <a:latin typeface="Cambria Math" panose="02040503050406030204" pitchFamily="18" charset="0"/>
+                          </a:rPr>
+                          <m:t>𝑥</m:t>
+                        </m:r>
+                      </m:e>
+                      <m:sub>
+                        <m:r>
+                          <a:rPr lang="en-US" b="0" i="1" smtClean="0">
+                            <a:latin typeface="Cambria Math" panose="02040503050406030204" pitchFamily="18" charset="0"/>
+                          </a:rPr>
+                          <m:t>2</m:t>
+                        </m:r>
+                      </m:sub>
+                    </m:sSub>
+                  </m:oMath>
+                </a14:m>
+                <a:endParaRPr lang="en-US" dirty="0"/>
+              </a:p>
+              <a:p>
+                <a:pPr lvl="1"/>
+                <a:r>
+                  <a:rPr lang="en-US" dirty="0"/>
                   <a:t>Essentially obtain </a:t>
                 </a:r>
                 <a14:m>
@@ -29161,37 +28137,6 @@
                       </m:sub>
                     </m:sSub>
                     <m:r>
-                      <a:rPr lang="en-US">
-                        <a:latin typeface="Cambria Math" panose="02040503050406030204" pitchFamily="18" charset="0"/>
-                      </a:rPr>
-                      <m:t>+</m:t>
-                    </m:r>
-                    <m:sSub>
-                      <m:sSubPr>
-                        <m:ctrlPr>
-                          <a:rPr lang="en-US" i="1">
-                            <a:latin typeface="Cambria Math" panose="02040503050406030204" pitchFamily="18" charset="0"/>
-                          </a:rPr>
-                        </m:ctrlPr>
-                      </m:sSubPr>
-                      <m:e>
-                        <m:r>
-                          <a:rPr lang="en-US" i="1">
-                            <a:latin typeface="Cambria Math" panose="02040503050406030204" pitchFamily="18" charset="0"/>
-                          </a:rPr>
-                          <m:t>𝛽</m:t>
-                        </m:r>
-                      </m:e>
-                      <m:sub>
-                        <m:r>
-                          <a:rPr lang="en-US" b="0" i="1" smtClean="0">
-                            <a:latin typeface="Cambria Math" panose="02040503050406030204" pitchFamily="18" charset="0"/>
-                          </a:rPr>
-                          <m:t>3</m:t>
-                        </m:r>
-                      </m:sub>
-                    </m:sSub>
-                    <m:r>
                       <a:rPr lang="en-US" i="1" smtClean="0">
                         <a:latin typeface="Cambria Math" panose="02040503050406030204" pitchFamily="18" charset="0"/>
                       </a:rPr>
@@ -29256,11 +28201,138 @@
                 <a:r>
                   <a:rPr lang="en-US" dirty="0">
                     <a:solidFill>
-                      <a:srgbClr val="FF0000"/>
+                      <a:schemeClr val="tx1"/>
                     </a:solidFill>
                   </a:rPr>
-                  <a:t>Hot encoding allows different intercepts (or mean values) for different categories! </a:t>
-                </a:r>
+                  <a:t>Allows different intercepts (or mean values) for different categories! </a:t>
+                </a:r>
+              </a:p>
+              <a:p>
+                <a:pPr lvl="1"/>
+                <a:r>
+                  <a:rPr lang="en-US" dirty="0">
+                    <a:solidFill>
+                      <a:schemeClr val="tx1"/>
+                    </a:solidFill>
+                  </a:rPr>
+                  <a:t>In general, if there are </a:t>
+                </a:r>
+                <a14:m>
+                  <m:oMath xmlns:m="http://schemas.openxmlformats.org/officeDocument/2006/math">
+                    <m:r>
+                      <a:rPr lang="en-US" b="0" i="1" smtClean="0">
+                        <a:solidFill>
+                          <a:schemeClr val="tx1"/>
+                        </a:solidFill>
+                        <a:latin typeface="Cambria Math" panose="02040503050406030204" pitchFamily="18" charset="0"/>
+                      </a:rPr>
+                      <m:t>𝐾</m:t>
+                    </m:r>
+                  </m:oMath>
+                </a14:m>
+                <a:r>
+                  <a:rPr lang="en-US" dirty="0">
+                    <a:solidFill>
+                      <a:schemeClr val="tx1"/>
+                    </a:solidFill>
+                  </a:rPr>
+                  <a:t> categories, we need </a:t>
+                </a:r>
+                <a14:m>
+                  <m:oMath xmlns:m="http://schemas.openxmlformats.org/officeDocument/2006/math">
+                    <m:r>
+                      <a:rPr lang="en-US" b="0" i="1" smtClean="0">
+                        <a:solidFill>
+                          <a:schemeClr val="tx1"/>
+                        </a:solidFill>
+                        <a:latin typeface="Cambria Math" panose="02040503050406030204" pitchFamily="18" charset="0"/>
+                      </a:rPr>
+                      <m:t>𝐾</m:t>
+                    </m:r>
+                    <m:r>
+                      <a:rPr lang="en-US" b="0" i="1" smtClean="0">
+                        <a:solidFill>
+                          <a:schemeClr val="tx1"/>
+                        </a:solidFill>
+                        <a:latin typeface="Cambria Math" panose="02040503050406030204" pitchFamily="18" charset="0"/>
+                      </a:rPr>
+                      <m:t>−1</m:t>
+                    </m:r>
+                  </m:oMath>
+                </a14:m>
+                <a:r>
+                  <a:rPr lang="en-US" dirty="0">
+                    <a:solidFill>
+                      <a:schemeClr val="tx1"/>
+                    </a:solidFill>
+                  </a:rPr>
+                  <a:t> variables</a:t>
+                </a:r>
+              </a:p>
+              <a:p>
+                <a:pPr lvl="1"/>
+                <a:r>
+                  <a:rPr lang="en-US" dirty="0">
+                    <a:solidFill>
+                      <a:schemeClr val="tx1"/>
+                    </a:solidFill>
+                  </a:rPr>
+                  <a:t>Constant offset term </a:t>
+                </a:r>
+                <a14:m>
+                  <m:oMath xmlns:m="http://schemas.openxmlformats.org/officeDocument/2006/math">
+                    <m:sSub>
+                      <m:sSubPr>
+                        <m:ctrlPr>
+                          <a:rPr lang="en-US" b="0" i="1" smtClean="0">
+                            <a:solidFill>
+                              <a:schemeClr val="tx1"/>
+                            </a:solidFill>
+                            <a:latin typeface="Cambria Math" panose="02040503050406030204" pitchFamily="18" charset="0"/>
+                          </a:rPr>
+                        </m:ctrlPr>
+                      </m:sSubPr>
+                      <m:e>
+                        <m:r>
+                          <a:rPr lang="en-US" b="0" i="1" smtClean="0">
+                            <a:solidFill>
+                              <a:schemeClr val="tx1"/>
+                            </a:solidFill>
+                            <a:latin typeface="Cambria Math" panose="02040503050406030204" pitchFamily="18" charset="0"/>
+                          </a:rPr>
+                          <m:t>𝛽</m:t>
+                        </m:r>
+                      </m:e>
+                      <m:sub>
+                        <m:r>
+                          <a:rPr lang="en-US" b="0" i="1" smtClean="0">
+                            <a:solidFill>
+                              <a:schemeClr val="tx1"/>
+                            </a:solidFill>
+                            <a:latin typeface="Cambria Math" panose="02040503050406030204" pitchFamily="18" charset="0"/>
+                          </a:rPr>
+                          <m:t>0</m:t>
+                        </m:r>
+                      </m:sub>
+                    </m:sSub>
+                  </m:oMath>
+                </a14:m>
+                <a:r>
+                  <a:rPr lang="en-US" dirty="0">
+                    <a:solidFill>
+                      <a:schemeClr val="tx1"/>
+                    </a:solidFill>
+                  </a:rPr>
+                  <a:t> term used for all models</a:t>
+                </a:r>
+              </a:p>
+              <a:p>
+                <a:pPr lvl="1"/>
+                <a:endParaRPr lang="en-US" dirty="0">
+                  <a:solidFill>
+                    <a:srgbClr val="FF0000"/>
+                  </a:solidFill>
+                </a:endParaRPr>
               </a:p>
               <a:p>
                 <a:pPr lvl="1"/>
@@ -29277,7 +28349,7 @@
             </p:txBody>
           </p:sp>
         </mc:Choice>
-        <mc:Fallback xmlns="">
+        <mc:Fallback>
           <p:sp>
             <p:nvSpPr>
               <p:cNvPr id="3" name="Content Placeholder 2"/>
@@ -29290,13 +28362,13 @@
             </p:nvSpPr>
             <p:spPr>
               <a:xfrm>
-                <a:off x="1097281" y="1539277"/>
-                <a:ext cx="6587036" cy="4329817"/>
+                <a:off x="1097280" y="1539277"/>
+                <a:ext cx="7658301" cy="4329817"/>
               </a:xfrm>
               <a:blipFill>
                 <a:blip r:embed="rId2"/>
                 <a:stretch>
-                  <a:fillRect l="-1923" t="-1754" r="-1923"/>
+                  <a:fillRect l="-1752" t="-2254"/>
                 </a:stretch>
               </a:blipFill>
             </p:spPr>
@@ -29332,7 +28404,7 @@
           <a:p>
             <a:fld id="{629637A9-119A-49DA-BD12-AAC58B377D80}" type="slidenum">
               <a:rPr lang="en-US" smtClean="0"/>
-              <a:t>42</a:t>
+              <a:t>41</a:t>
             </a:fld>
             <a:endParaRPr lang="en-US" dirty="0"/>
           </a:p>
@@ -29349,14 +28421,14 @@
               <p:nvPr>
                 <p:extLst>
                   <p:ext uri="{D42A27DB-BD31-4B8C-83A1-F6EECF244321}">
-                    <p14:modId xmlns:p14="http://schemas.microsoft.com/office/powerpoint/2010/main" val="2122118929"/>
+                    <p14:modId xmlns:p14="http://schemas.microsoft.com/office/powerpoint/2010/main" val="4077255416"/>
                   </p:ext>
                 </p:extLst>
               </p:nvPr>
             </p:nvGraphicFramePr>
             <p:xfrm>
               <a:off x="9001387" y="1634066"/>
-              <a:ext cx="2298583" cy="1854200"/>
+              <a:ext cx="1795244" cy="1483360"/>
             </p:xfrm>
             <a:graphic>
               <a:graphicData uri="http://schemas.openxmlformats.org/drawingml/2006/table">
@@ -29383,13 +28455,6 @@
                       <a:extLst>
                         <a:ext uri="{9D8B030D-6E8A-4147-A177-3AD203B41FA5}">
                           <a16:colId xmlns:a16="http://schemas.microsoft.com/office/drawing/2014/main" val="1364150264"/>
-                        </a:ext>
-                      </a:extLst>
-                    </a:gridCol>
-                    <a:gridCol w="503339">
-                      <a:extLst>
-                        <a:ext uri="{9D8B030D-6E8A-4147-A177-3AD203B41FA5}">
-                          <a16:colId xmlns:a16="http://schemas.microsoft.com/office/drawing/2014/main" val="2497421955"/>
                         </a:ext>
                       </a:extLst>
                     </a:gridCol>
@@ -29495,51 +28560,6 @@
                       </a:txBody>
                       <a:tcPr/>
                     </a:tc>
-                    <a:tc>
-                      <a:txBody>
-                        <a:bodyPr/>
-                        <a:lstStyle/>
-                        <a:p>
-                          <a:pPr/>
-                          <a14:m>
-                            <m:oMathPara xmlns:m="http://schemas.openxmlformats.org/officeDocument/2006/math">
-                              <m:oMathParaPr>
-                                <m:jc m:val="centerGroup"/>
-                              </m:oMathParaPr>
-                              <m:oMath xmlns:m="http://schemas.openxmlformats.org/officeDocument/2006/math">
-                                <m:sSub>
-                                  <m:sSubPr>
-                                    <m:ctrlPr>
-                                      <a:rPr lang="en-US" b="1" i="1" smtClean="0">
-                                        <a:latin typeface="Cambria Math" panose="02040503050406030204" pitchFamily="18" charset="0"/>
-                                      </a:rPr>
-                                    </m:ctrlPr>
-                                  </m:sSubPr>
-                                  <m:e>
-                                    <m:r>
-                                      <a:rPr lang="en-US" b="1" i="1" smtClean="0">
-                                        <a:latin typeface="Cambria Math" panose="02040503050406030204" pitchFamily="18" charset="0"/>
-                                      </a:rPr>
-                                      <m:t>𝒖</m:t>
-                                    </m:r>
-                                  </m:e>
-                                  <m:sub>
-                                    <m:r>
-                                      <a:rPr lang="en-US" b="1" i="1" smtClean="0">
-                                        <a:latin typeface="Cambria Math" panose="02040503050406030204" pitchFamily="18" charset="0"/>
-                                      </a:rPr>
-                                      <m:t>𝟑</m:t>
-                                    </m:r>
-                                  </m:sub>
-                                </m:sSub>
-                              </m:oMath>
-                            </m:oMathPara>
-                          </a14:m>
-                          <a:endParaRPr lang="en-US" dirty="0"/>
-                        </a:p>
-                      </a:txBody>
-                      <a:tcPr/>
-                    </a:tc>
                     <a:extLst>
                       <a:ext uri="{0D108BD9-81ED-4DB2-BD59-A6C34878D82A}">
                         <a16:rowId xmlns:a16="http://schemas.microsoft.com/office/drawing/2014/main" val="3183946152"/>
@@ -29568,19 +28588,6 @@
                           <a:r>
                             <a:rPr lang="en-US" dirty="0"/>
                             <a:t>1</a:t>
-                          </a:r>
-                        </a:p>
-                      </a:txBody>
-                      <a:tcPr/>
-                    </a:tc>
-                    <a:tc>
-                      <a:txBody>
-                        <a:bodyPr/>
-                        <a:lstStyle/>
-                        <a:p>
-                          <a:r>
-                            <a:rPr lang="en-US" dirty="0"/>
-                            <a:t>0</a:t>
                           </a:r>
                         </a:p>
                       </a:txBody>
@@ -29645,19 +28652,6 @@
                       </a:txBody>
                       <a:tcPr/>
                     </a:tc>
-                    <a:tc>
-                      <a:txBody>
-                        <a:bodyPr/>
-                        <a:lstStyle/>
-                        <a:p>
-                          <a:r>
-                            <a:rPr lang="en-US" dirty="0"/>
-                            <a:t>0</a:t>
-                          </a:r>
-                        </a:p>
-                      </a:txBody>
-                      <a:tcPr/>
-                    </a:tc>
                     <a:extLst>
                       <a:ext uri="{0D108BD9-81ED-4DB2-BD59-A6C34878D82A}">
                         <a16:rowId xmlns:a16="http://schemas.microsoft.com/office/drawing/2014/main" val="4140835237"/>
@@ -29704,69 +28698,9 @@
                       </a:txBody>
                       <a:tcPr/>
                     </a:tc>
-                    <a:tc>
-                      <a:txBody>
-                        <a:bodyPr/>
-                        <a:lstStyle/>
-                        <a:p>
-                          <a:r>
-                            <a:rPr lang="en-US" dirty="0"/>
-                            <a:t>1</a:t>
-                          </a:r>
-                        </a:p>
-                      </a:txBody>
-                      <a:tcPr/>
-                    </a:tc>
                     <a:extLst>
                       <a:ext uri="{0D108BD9-81ED-4DB2-BD59-A6C34878D82A}">
                         <a16:rowId xmlns:a16="http://schemas.microsoft.com/office/drawing/2014/main" val="816384567"/>
-                      </a:ext>
-                    </a:extLst>
-                  </a:tr>
-                  <a:tr h="370840">
-                    <a:tc>
-                      <a:txBody>
-                        <a:bodyPr/>
-                        <a:lstStyle/>
-                        <a:p>
-                          <a:endParaRPr lang="en-US" dirty="0"/>
-                        </a:p>
-                      </a:txBody>
-                      <a:tcPr/>
-                    </a:tc>
-                    <a:tc>
-                      <a:txBody>
-                        <a:bodyPr/>
-                        <a:lstStyle/>
-                        <a:p>
-                          <a:endParaRPr lang="en-US" dirty="0"/>
-                        </a:p>
-                      </a:txBody>
-                      <a:tcPr/>
-                    </a:tc>
-                    <a:tc>
-                      <a:txBody>
-                        <a:bodyPr/>
-                        <a:lstStyle/>
-                        <a:p>
-                          <a:endParaRPr lang="en-US" dirty="0"/>
-                        </a:p>
-                      </a:txBody>
-                      <a:tcPr/>
-                    </a:tc>
-                    <a:tc>
-                      <a:txBody>
-                        <a:bodyPr/>
-                        <a:lstStyle/>
-                        <a:p>
-                          <a:endParaRPr lang="en-US" dirty="0"/>
-                        </a:p>
-                      </a:txBody>
-                      <a:tcPr/>
-                    </a:tc>
-                    <a:extLst>
-                      <a:ext uri="{0D108BD9-81ED-4DB2-BD59-A6C34878D82A}">
-                        <a16:rowId xmlns:a16="http://schemas.microsoft.com/office/drawing/2014/main" val="3708055064"/>
                       </a:ext>
                     </a:extLst>
                   </a:tr>
@@ -29785,14 +28719,14 @@
               <p:nvPr>
                 <p:extLst>
                   <p:ext uri="{D42A27DB-BD31-4B8C-83A1-F6EECF244321}">
-                    <p14:modId xmlns:p14="http://schemas.microsoft.com/office/powerpoint/2010/main" val="2122118929"/>
+                    <p14:modId xmlns:p14="http://schemas.microsoft.com/office/powerpoint/2010/main" val="4077255416"/>
                   </p:ext>
                 </p:extLst>
               </p:nvPr>
             </p:nvGraphicFramePr>
             <p:xfrm>
               <a:off x="9001387" y="1634066"/>
-              <a:ext cx="2298583" cy="1854200"/>
+              <a:ext cx="1795244" cy="1483360"/>
             </p:xfrm>
             <a:graphic>
               <a:graphicData uri="http://schemas.openxmlformats.org/drawingml/2006/table">
@@ -29819,13 +28753,6 @@
                       <a:extLst>
                         <a:ext uri="{9D8B030D-6E8A-4147-A177-3AD203B41FA5}">
                           <a16:colId xmlns:a16="http://schemas.microsoft.com/office/drawing/2014/main" val="1364150264"/>
-                        </a:ext>
-                      </a:extLst>
-                    </a:gridCol>
-                    <a:gridCol w="503339">
-                      <a:extLst>
-                        <a:ext uri="{9D8B030D-6E8A-4147-A177-3AD203B41FA5}">
-                          <a16:colId xmlns:a16="http://schemas.microsoft.com/office/drawing/2014/main" val="2497421955"/>
                         </a:ext>
                       </a:extLst>
                     </a:gridCol>
@@ -29856,7 +28783,7 @@
                         <a:blipFill>
                           <a:blip r:embed="rId3"/>
                           <a:stretch>
-                            <a:fillRect l="-189189" t="-6897" r="-205405" b="-410345"/>
+                            <a:fillRect l="-187179" t="-8197" r="-98718" b="-324590"/>
                           </a:stretch>
                         </a:blipFill>
                       </a:tcPr>
@@ -29873,24 +28800,7 @@
                         <a:blipFill>
                           <a:blip r:embed="rId3"/>
                           <a:stretch>
-                            <a:fillRect l="-305714" t="-6897" r="-117143" b="-410345"/>
-                          </a:stretch>
-                        </a:blipFill>
-                      </a:tcPr>
-                    </a:tc>
-                    <a:tc>
-                      <a:txBody>
-                        <a:bodyPr/>
-                        <a:lstStyle/>
-                        <a:p>
-                          <a:endParaRPr lang="en-US"/>
-                        </a:p>
-                      </a:txBody>
-                      <a:tcPr>
-                        <a:blipFill>
-                          <a:blip r:embed="rId3"/>
-                          <a:stretch>
-                            <a:fillRect l="-355000" t="-6897" r="-2500" b="-410345"/>
+                            <a:fillRect l="-306849" t="-8197" r="-5479" b="-324590"/>
                           </a:stretch>
                         </a:blipFill>
                       </a:tcPr>
@@ -29923,19 +28833,6 @@
                           <a:r>
                             <a:rPr lang="en-US" dirty="0"/>
                             <a:t>1</a:t>
-                          </a:r>
-                        </a:p>
-                      </a:txBody>
-                      <a:tcPr/>
-                    </a:tc>
-                    <a:tc>
-                      <a:txBody>
-                        <a:bodyPr/>
-                        <a:lstStyle/>
-                        <a:p>
-                          <a:r>
-                            <a:rPr lang="en-US" dirty="0"/>
-                            <a:t>0</a:t>
                           </a:r>
                         </a:p>
                       </a:txBody>
@@ -30000,19 +28897,6 @@
                       </a:txBody>
                       <a:tcPr/>
                     </a:tc>
-                    <a:tc>
-                      <a:txBody>
-                        <a:bodyPr/>
-                        <a:lstStyle/>
-                        <a:p>
-                          <a:r>
-                            <a:rPr lang="en-US" dirty="0"/>
-                            <a:t>0</a:t>
-                          </a:r>
-                        </a:p>
-                      </a:txBody>
-                      <a:tcPr/>
-                    </a:tc>
                     <a:extLst>
                       <a:ext uri="{0D108BD9-81ED-4DB2-BD59-A6C34878D82A}">
                         <a16:rowId xmlns:a16="http://schemas.microsoft.com/office/drawing/2014/main" val="4140835237"/>
@@ -30059,69 +28943,9 @@
                       </a:txBody>
                       <a:tcPr/>
                     </a:tc>
-                    <a:tc>
-                      <a:txBody>
-                        <a:bodyPr/>
-                        <a:lstStyle/>
-                        <a:p>
-                          <a:r>
-                            <a:rPr lang="en-US" dirty="0"/>
-                            <a:t>1</a:t>
-                          </a:r>
-                        </a:p>
-                      </a:txBody>
-                      <a:tcPr/>
-                    </a:tc>
                     <a:extLst>
                       <a:ext uri="{0D108BD9-81ED-4DB2-BD59-A6C34878D82A}">
                         <a16:rowId xmlns:a16="http://schemas.microsoft.com/office/drawing/2014/main" val="816384567"/>
-                      </a:ext>
-                    </a:extLst>
-                  </a:tr>
-                  <a:tr h="370840">
-                    <a:tc>
-                      <a:txBody>
-                        <a:bodyPr/>
-                        <a:lstStyle/>
-                        <a:p>
-                          <a:endParaRPr lang="en-US" dirty="0"/>
-                        </a:p>
-                      </a:txBody>
-                      <a:tcPr/>
-                    </a:tc>
-                    <a:tc>
-                      <a:txBody>
-                        <a:bodyPr/>
-                        <a:lstStyle/>
-                        <a:p>
-                          <a:endParaRPr lang="en-US" dirty="0"/>
-                        </a:p>
-                      </a:txBody>
-                      <a:tcPr/>
-                    </a:tc>
-                    <a:tc>
-                      <a:txBody>
-                        <a:bodyPr/>
-                        <a:lstStyle/>
-                        <a:p>
-                          <a:endParaRPr lang="en-US" dirty="0"/>
-                        </a:p>
-                      </a:txBody>
-                      <a:tcPr/>
-                    </a:tc>
-                    <a:tc>
-                      <a:txBody>
-                        <a:bodyPr/>
-                        <a:lstStyle/>
-                        <a:p>
-                          <a:endParaRPr lang="en-US" dirty="0"/>
-                        </a:p>
-                      </a:txBody>
-                      <a:tcPr/>
-                    </a:tc>
-                    <a:extLst>
-                      <a:ext uri="{0D108BD9-81ED-4DB2-BD59-A6C34878D82A}">
-                        <a16:rowId xmlns:a16="http://schemas.microsoft.com/office/drawing/2014/main" val="3708055064"/>
                       </a:ext>
                     </a:extLst>
                   </a:tr>
@@ -30135,174 +28959,6 @@
     <p:extLst>
       <p:ext uri="{BB962C8B-B14F-4D97-AF65-F5344CB8AC3E}">
         <p14:creationId xmlns:p14="http://schemas.microsoft.com/office/powerpoint/2010/main" val="699092232"/>
-      </p:ext>
-    </p:extLst>
-  </p:cSld>
-  <p:clrMapOvr>
-    <a:masterClrMapping/>
-  </p:clrMapOvr>
-</p:sld>
-</file>
-
-<file path=ppt/slides/slide43.xml><?xml version="1.0" encoding="utf-8"?>
-<p:sld xmlns:a="http://schemas.openxmlformats.org/drawingml/2006/main" xmlns:r="http://schemas.openxmlformats.org/officeDocument/2006/relationships" xmlns:p="http://schemas.openxmlformats.org/presentationml/2006/main">
-  <p:cSld>
-    <p:spTree>
-      <p:nvGrpSpPr>
-        <p:cNvPr id="1" name=""/>
-        <p:cNvGrpSpPr/>
-        <p:nvPr/>
-      </p:nvGrpSpPr>
-      <p:grpSpPr>
-        <a:xfrm>
-          <a:off x="0" y="0"/>
-          <a:ext cx="0" cy="0"/>
-          <a:chOff x="0" y="0"/>
-          <a:chExt cx="0" cy="0"/>
-        </a:xfrm>
-      </p:grpSpPr>
-      <p:sp>
-        <p:nvSpPr>
-          <p:cNvPr id="2" name="Title 1"/>
-          <p:cNvSpPr>
-            <a:spLocks noGrp="1"/>
-          </p:cNvSpPr>
-          <p:nvPr>
-            <p:ph type="title"/>
-          </p:nvPr>
-        </p:nvSpPr>
-        <p:spPr/>
-        <p:txBody>
-          <a:bodyPr>
-            <a:normAutofit/>
-          </a:bodyPr>
-          <a:lstStyle/>
-          <a:p>
-            <a:r>
-              <a:rPr lang="en-US" dirty="0"/>
-              <a:t>What you should know from this unit? </a:t>
-            </a:r>
-          </a:p>
-        </p:txBody>
-      </p:sp>
-      <p:sp>
-        <p:nvSpPr>
-          <p:cNvPr id="3" name="Content Placeholder 2"/>
-          <p:cNvSpPr>
-            <a:spLocks noGrp="1"/>
-          </p:cNvSpPr>
-          <p:nvPr>
-            <p:ph idx="1"/>
-          </p:nvPr>
-        </p:nvSpPr>
-        <p:spPr/>
-        <p:txBody>
-          <a:bodyPr/>
-          <a:lstStyle/>
-          <a:p>
-            <a:r>
-              <a:rPr lang="en-US" dirty="0"/>
-              <a:t>Formulate a machine learning model as a multiple linear regression model.  </a:t>
-            </a:r>
-          </a:p>
-          <a:p>
-            <a:pPr lvl="1"/>
-            <a:r>
-              <a:rPr lang="en-US" dirty="0"/>
-              <a:t>Identify prediction vector and target for the problem.</a:t>
-            </a:r>
-          </a:p>
-          <a:p>
-            <a:pPr lvl="1"/>
-            <a:r>
-              <a:rPr lang="en-US" dirty="0"/>
-              <a:t>May need to transform original predictors (features).</a:t>
-            </a:r>
-          </a:p>
-          <a:p>
-            <a:r>
-              <a:rPr lang="en-US" dirty="0"/>
-              <a:t>Write the regression model in matrix form.  Write the feature matrix</a:t>
-            </a:r>
-          </a:p>
-          <a:p>
-            <a:r>
-              <a:rPr lang="en-US" dirty="0"/>
-              <a:t>Compute the least-squares solution for the regression coefficients on training data.</a:t>
-            </a:r>
-          </a:p>
-          <a:p>
-            <a:r>
-              <a:rPr lang="en-US" dirty="0"/>
-              <a:t>Derive the least-squares formula from minimization of the RSS</a:t>
-            </a:r>
-          </a:p>
-          <a:p>
-            <a:pPr lvl="1"/>
-            <a:r>
-              <a:rPr lang="en-US" dirty="0"/>
-              <a:t>Gradient calculation for a function of multiple variables</a:t>
-            </a:r>
-          </a:p>
-          <a:p>
-            <a:endParaRPr lang="en-US" dirty="0"/>
-          </a:p>
-          <a:p>
-            <a:r>
-              <a:rPr lang="en-US" dirty="0"/>
-              <a:t>Manipulate 2D arrays in python (indexing, stacking, computing shapes, …)</a:t>
-            </a:r>
-          </a:p>
-          <a:p>
-            <a:r>
-              <a:rPr lang="en-US" dirty="0"/>
-              <a:t>Compute the LS solution using python linear algebra and machine learning packages</a:t>
-            </a:r>
-          </a:p>
-          <a:p>
-            <a:endParaRPr lang="en-US" dirty="0"/>
-          </a:p>
-          <a:p>
-            <a:endParaRPr lang="en-US" dirty="0"/>
-          </a:p>
-          <a:p>
-            <a:endParaRPr lang="en-US" dirty="0"/>
-          </a:p>
-          <a:p>
-            <a:endParaRPr lang="en-US" dirty="0"/>
-          </a:p>
-          <a:p>
-            <a:endParaRPr lang="en-US" dirty="0"/>
-          </a:p>
-        </p:txBody>
-      </p:sp>
-      <p:sp>
-        <p:nvSpPr>
-          <p:cNvPr id="4" name="Slide Number Placeholder 3"/>
-          <p:cNvSpPr>
-            <a:spLocks noGrp="1"/>
-          </p:cNvSpPr>
-          <p:nvPr>
-            <p:ph type="sldNum" sz="quarter" idx="12"/>
-          </p:nvPr>
-        </p:nvSpPr>
-        <p:spPr/>
-        <p:txBody>
-          <a:bodyPr/>
-          <a:lstStyle/>
-          <a:p>
-            <a:fld id="{629637A9-119A-49DA-BD12-AAC58B377D80}" type="slidenum">
-              <a:rPr lang="en-US" smtClean="0"/>
-              <a:t>43</a:t>
-            </a:fld>
-            <a:endParaRPr lang="en-US" dirty="0"/>
-          </a:p>
-        </p:txBody>
-      </p:sp>
-    </p:spTree>
-    <p:extLst>
-      <p:ext uri="{BB962C8B-B14F-4D97-AF65-F5344CB8AC3E}">
-        <p14:creationId xmlns:p14="http://schemas.microsoft.com/office/powerpoint/2010/main" val="2443752284"/>
       </p:ext>
     </p:extLst>
   </p:cSld>
@@ -30774,7 +29430,7 @@
               <a:rPr lang="en-US" dirty="0">
                 <a:hlinkClick r:id="rId2"/>
               </a:rPr>
-              <a:t>https://github.com/sdrangan/introml/blob/master/unit02_mult_lin_reg/demo02_glucose.ipynb</a:t>
+              <a:t>https://github.com/sdrangan/introml/blob/master/unit03_mult_lin_reg/demo2_glucose.ipynb</a:t>
             </a:r>
             <a:endParaRPr lang="en-US" dirty="0"/>
           </a:p>

--- a/lectures/Lect03_MultLinRegression.pptx
+++ b/lectures/Lect03_MultLinRegression.pptx
@@ -248,7 +248,7 @@
           <a:p>
             <a:fld id="{B7D6DDD3-D7E9-488B-B626-1E8285E424D8}" type="datetimeFigureOut">
               <a:rPr lang="en-US" smtClean="0"/>
-              <a:t>9/9/2018</a:t>
+              <a:t>9/21/2018</a:t>
             </a:fld>
             <a:endParaRPr lang="en-US"/>
           </a:p>
@@ -4356,8 +4356,8 @@
           </a:p>
         </p:txBody>
       </p:sp>
-      <mc:AlternateContent xmlns:mc="http://schemas.openxmlformats.org/markup-compatibility/2006">
-        <mc:Choice xmlns:a14="http://schemas.microsoft.com/office/drawing/2010/main" Requires="a14">
+      <mc:AlternateContent xmlns:mc="http://schemas.openxmlformats.org/markup-compatibility/2006" xmlns:a14="http://schemas.microsoft.com/office/drawing/2010/main">
+        <mc:Choice Requires="a14">
           <p:sp>
             <p:nvSpPr>
               <p:cNvPr id="3" name="Content Placeholder 2"/>
@@ -5205,7 +5205,7 @@
             </p:txBody>
           </p:sp>
         </mc:Choice>
-        <mc:Fallback>
+        <mc:Fallback xmlns="">
           <p:sp>
             <p:nvSpPr>
               <p:cNvPr id="3" name="Content Placeholder 2"/>
@@ -6727,8 +6727,8 @@
           </a:p>
         </p:txBody>
       </p:sp>
-      <mc:AlternateContent xmlns:mc="http://schemas.openxmlformats.org/markup-compatibility/2006">
-        <mc:Choice xmlns:a14="http://schemas.microsoft.com/office/drawing/2010/main" Requires="a14">
+      <mc:AlternateContent xmlns:mc="http://schemas.openxmlformats.org/markup-compatibility/2006" xmlns:a14="http://schemas.microsoft.com/office/drawing/2010/main">
+        <mc:Choice Requires="a14">
           <p:sp>
             <p:nvSpPr>
               <p:cNvPr id="3" name="Content Placeholder 2"/>
@@ -7670,7 +7670,7 @@
             </p:txBody>
           </p:sp>
         </mc:Choice>
-        <mc:Fallback>
+        <mc:Fallback xmlns="">
           <p:sp>
             <p:nvSpPr>
               <p:cNvPr id="3" name="Content Placeholder 2"/>
@@ -7916,8 +7916,8 @@
           </a:p>
         </p:txBody>
       </p:sp>
-      <mc:AlternateContent xmlns:mc="http://schemas.openxmlformats.org/markup-compatibility/2006">
-        <mc:Choice xmlns:a14="http://schemas.microsoft.com/office/drawing/2010/main" Requires="a14">
+      <mc:AlternateContent xmlns:mc="http://schemas.openxmlformats.org/markup-compatibility/2006" xmlns:a14="http://schemas.microsoft.com/office/drawing/2010/main">
+        <mc:Choice Requires="a14">
           <p:sp>
             <p:nvSpPr>
               <p:cNvPr id="3" name="Content Placeholder 2"/>
@@ -8870,7 +8870,7 @@
             </p:txBody>
           </p:sp>
         </mc:Choice>
-        <mc:Fallback>
+        <mc:Fallback xmlns="">
           <p:sp>
             <p:nvSpPr>
               <p:cNvPr id="3" name="Content Placeholder 2"/>
@@ -9020,8 +9020,8 @@
           </a:p>
         </p:txBody>
       </p:sp>
-      <mc:AlternateContent xmlns:mc="http://schemas.openxmlformats.org/markup-compatibility/2006">
-        <mc:Choice xmlns:a14="http://schemas.microsoft.com/office/drawing/2010/main" Requires="a14">
+      <mc:AlternateContent xmlns:mc="http://schemas.openxmlformats.org/markup-compatibility/2006" xmlns:a14="http://schemas.microsoft.com/office/drawing/2010/main">
+        <mc:Choice Requires="a14">
           <p:sp>
             <p:nvSpPr>
               <p:cNvPr id="7" name="Content Placeholder 6">
@@ -9393,7 +9393,7 @@
             </p:txBody>
           </p:sp>
         </mc:Choice>
-        <mc:Fallback>
+        <mc:Fallback xmlns="">
           <p:sp>
             <p:nvSpPr>
               <p:cNvPr id="7" name="Content Placeholder 6">
@@ -13714,8 +13714,8 @@
           </a:p>
         </p:txBody>
       </p:sp>
-      <mc:AlternateContent xmlns:mc="http://schemas.openxmlformats.org/markup-compatibility/2006">
-        <mc:Choice xmlns:a14="http://schemas.microsoft.com/office/drawing/2010/main" Requires="a14">
+      <mc:AlternateContent xmlns:mc="http://schemas.openxmlformats.org/markup-compatibility/2006" xmlns:a14="http://schemas.microsoft.com/office/drawing/2010/main">
+        <mc:Choice Requires="a14">
           <p:sp>
             <p:nvSpPr>
               <p:cNvPr id="3" name="Content Placeholder 2"/>
@@ -14961,7 +14961,7 @@
             </p:txBody>
           </p:sp>
         </mc:Choice>
-        <mc:Fallback>
+        <mc:Fallback xmlns="">
           <p:sp>
             <p:nvSpPr>
               <p:cNvPr id="3" name="Content Placeholder 2"/>
@@ -15072,8 +15072,8 @@
           </a:p>
         </p:txBody>
       </p:sp>
-      <mc:AlternateContent xmlns:mc="http://schemas.openxmlformats.org/markup-compatibility/2006">
-        <mc:Choice xmlns:a14="http://schemas.microsoft.com/office/drawing/2010/main" Requires="a14">
+      <mc:AlternateContent xmlns:mc="http://schemas.openxmlformats.org/markup-compatibility/2006" xmlns:a14="http://schemas.microsoft.com/office/drawing/2010/main">
+        <mc:Choice Requires="a14">
           <p:sp>
             <p:nvSpPr>
               <p:cNvPr id="3" name="Content Placeholder 2"/>
@@ -16084,7 +16084,7 @@
             </p:txBody>
           </p:sp>
         </mc:Choice>
-        <mc:Fallback>
+        <mc:Fallback xmlns="">
           <p:sp>
             <p:nvSpPr>
               <p:cNvPr id="3" name="Content Placeholder 2"/>
@@ -16199,8 +16199,8 @@
           </a:p>
         </p:txBody>
       </p:sp>
-      <mc:AlternateContent xmlns:mc="http://schemas.openxmlformats.org/markup-compatibility/2006">
-        <mc:Choice xmlns:a14="http://schemas.microsoft.com/office/drawing/2010/main" Requires="a14">
+      <mc:AlternateContent xmlns:mc="http://schemas.openxmlformats.org/markup-compatibility/2006" xmlns:a14="http://schemas.microsoft.com/office/drawing/2010/main">
+        <mc:Choice Requires="a14">
           <p:sp>
             <p:nvSpPr>
               <p:cNvPr id="3" name="Content Placeholder 2">
@@ -17239,7 +17239,7 @@
             </p:txBody>
           </p:sp>
         </mc:Choice>
-        <mc:Fallback>
+        <mc:Fallback xmlns="">
           <p:sp>
             <p:nvSpPr>
               <p:cNvPr id="3" name="Content Placeholder 2">
@@ -18134,8 +18134,8 @@
           </a:p>
         </p:txBody>
       </p:sp>
-      <mc:AlternateContent xmlns:mc="http://schemas.openxmlformats.org/markup-compatibility/2006">
-        <mc:Choice xmlns:a14="http://schemas.microsoft.com/office/drawing/2010/main" Requires="a14">
+      <mc:AlternateContent xmlns:mc="http://schemas.openxmlformats.org/markup-compatibility/2006" xmlns:a14="http://schemas.microsoft.com/office/drawing/2010/main">
+        <mc:Choice Requires="a14">
           <p:sp>
             <p:nvSpPr>
               <p:cNvPr id="3" name="Content Placeholder 2"/>
@@ -20160,7 +20160,7 @@
             </p:txBody>
           </p:sp>
         </mc:Choice>
-        <mc:Fallback>
+        <mc:Fallback xmlns="">
           <p:sp>
             <p:nvSpPr>
               <p:cNvPr id="3" name="Content Placeholder 2"/>
@@ -27226,8 +27226,8 @@
           </a:p>
         </p:txBody>
       </p:sp>
-      <mc:AlternateContent xmlns:mc="http://schemas.openxmlformats.org/markup-compatibility/2006">
-        <mc:Choice xmlns:a14="http://schemas.microsoft.com/office/drawing/2010/main" Requires="a14">
+      <mc:AlternateContent xmlns:mc="http://schemas.openxmlformats.org/markup-compatibility/2006" xmlns:a14="http://schemas.microsoft.com/office/drawing/2010/main">
+        <mc:Choice Requires="a14">
           <p:sp>
             <p:nvSpPr>
               <p:cNvPr id="3" name="Content Placeholder 2"/>
@@ -28349,7 +28349,7 @@
             </p:txBody>
           </p:sp>
         </mc:Choice>
-        <mc:Fallback>
+        <mc:Fallback xmlns="">
           <p:sp>
             <p:nvSpPr>
               <p:cNvPr id="3" name="Content Placeholder 2"/>
@@ -28410,8 +28410,8 @@
           </a:p>
         </p:txBody>
       </p:sp>
-      <mc:AlternateContent xmlns:mc="http://schemas.openxmlformats.org/markup-compatibility/2006">
-        <mc:Choice xmlns:a14="http://schemas.microsoft.com/office/drawing/2010/main" Requires="a14">
+      <mc:AlternateContent xmlns:mc="http://schemas.openxmlformats.org/markup-compatibility/2006" xmlns:a14="http://schemas.microsoft.com/office/drawing/2010/main">
+        <mc:Choice Requires="a14">
           <p:graphicFrame>
             <p:nvGraphicFramePr>
               <p:cNvPr id="5" name="Table 4"/>
@@ -28709,7 +28709,7 @@
             </a:graphic>
           </p:graphicFrame>
         </mc:Choice>
-        <mc:Fallback>
+        <mc:Fallback xmlns="">
           <p:graphicFrame>
             <p:nvGraphicFramePr>
               <p:cNvPr id="5" name="Table 4"/>

--- a/lectures/Lect03_MultLinRegression.pptx
+++ b/lectures/Lect03_MultLinRegression.pptx
@@ -5,7 +5,7 @@
     <p:sldMasterId id="2147483648" r:id="rId1"/>
   </p:sldMasterIdLst>
   <p:notesMasterIdLst>
-    <p:notesMasterId r:id="rId43"/>
+    <p:notesMasterId r:id="rId47"/>
   </p:notesMasterIdLst>
   <p:sldIdLst>
     <p:sldId id="258" r:id="rId2"/>
@@ -46,9 +46,13 @@
     <p:sldId id="337" r:id="rId37"/>
     <p:sldId id="327" r:id="rId38"/>
     <p:sldId id="328" r:id="rId39"/>
-    <p:sldId id="329" r:id="rId40"/>
-    <p:sldId id="330" r:id="rId41"/>
-    <p:sldId id="331" r:id="rId42"/>
+    <p:sldId id="360" r:id="rId40"/>
+    <p:sldId id="362" r:id="rId41"/>
+    <p:sldId id="363" r:id="rId42"/>
+    <p:sldId id="364" r:id="rId43"/>
+    <p:sldId id="366" r:id="rId44"/>
+    <p:sldId id="330" r:id="rId45"/>
+    <p:sldId id="365" r:id="rId46"/>
   </p:sldIdLst>
   <p:sldSz cx="12192000" cy="6858000"/>
   <p:notesSz cx="7315200" cy="9601200"/>
@@ -248,7 +252,7 @@
           <a:p>
             <a:fld id="{B7D6DDD3-D7E9-488B-B626-1E8285E424D8}" type="datetimeFigureOut">
               <a:rPr lang="en-US" smtClean="0"/>
-              <a:t>9/21/2018</a:t>
+              <a:t>1/27/2019</a:t>
             </a:fld>
             <a:endParaRPr lang="en-US"/>
           </a:p>
@@ -24838,7 +24842,13 @@
       </p:grpSpPr>
       <p:sp>
         <p:nvSpPr>
-          <p:cNvPr id="2" name="Title 1"/>
+          <p:cNvPr id="2" name="Title 1">
+            <a:extLst>
+              <a:ext uri="{FF2B5EF4-FFF2-40B4-BE49-F238E27FC236}">
+                <a16:creationId xmlns:a16="http://schemas.microsoft.com/office/drawing/2014/main" id="{C3779EE5-DE3E-4D65-9E97-F9C477C017E2}"/>
+              </a:ext>
+            </a:extLst>
+          </p:cNvPr>
           <p:cNvSpPr>
             <a:spLocks noGrp="1"/>
           </p:cNvSpPr>
@@ -24848,21 +24858,29 @@
         </p:nvSpPr>
         <p:spPr/>
         <p:txBody>
-          <a:bodyPr/>
+          <a:bodyPr>
+            <a:normAutofit/>
+          </a:bodyPr>
           <a:lstStyle/>
           <a:p>
             <a:r>
               <a:rPr lang="en-US" dirty="0"/>
-              <a:t>Polynomial Fitting</a:t>
+              <a:t>Transformed Linear Models</a:t>
             </a:r>
           </a:p>
         </p:txBody>
       </p:sp>
-      <mc:AlternateContent xmlns:mc="http://schemas.openxmlformats.org/markup-compatibility/2006" xmlns:a14="http://schemas.microsoft.com/office/drawing/2010/main">
-        <mc:Choice Requires="a14">
+      <mc:AlternateContent xmlns:mc="http://schemas.openxmlformats.org/markup-compatibility/2006">
+        <mc:Choice xmlns:a14="http://schemas.microsoft.com/office/drawing/2010/main" Requires="a14">
           <p:sp>
             <p:nvSpPr>
-              <p:cNvPr id="3" name="Content Placeholder 2"/>
+              <p:cNvPr id="3" name="Content Placeholder 2">
+                <a:extLst>
+                  <a:ext uri="{FF2B5EF4-FFF2-40B4-BE49-F238E27FC236}">
+                    <a16:creationId xmlns:a16="http://schemas.microsoft.com/office/drawing/2014/main" id="{EB34FFE9-ECEF-499A-818E-F5327C72E8E0}"/>
+                  </a:ext>
+                </a:extLst>
+              </p:cNvPr>
               <p:cNvSpPr>
                 <a:spLocks noGrp="1"/>
               </p:cNvSpPr>
@@ -24870,172 +24888,663 @@
                 <p:ph idx="1"/>
               </p:nvPr>
             </p:nvSpPr>
-            <p:spPr>
-              <a:xfrm>
-                <a:off x="1097280" y="1539277"/>
-                <a:ext cx="5932694" cy="4329817"/>
-              </a:xfrm>
-            </p:spPr>
+            <p:spPr/>
             <p:txBody>
               <a:bodyPr>
-                <a:normAutofit fontScale="70000" lnSpcReduction="20000"/>
+                <a:normAutofit/>
               </a:bodyPr>
               <a:lstStyle/>
               <a:p>
                 <a:r>
                   <a:rPr lang="en-US" dirty="0"/>
-                  <a:t>Suppose y only depends on a single variable x, and we want to model y as a polynomial function of x </a:t>
-                </a:r>
+                  <a:t>Standard linear model:  </a:t>
+                </a:r>
+                <a14:m>
+                  <m:oMath xmlns:m="http://schemas.openxmlformats.org/officeDocument/2006/math">
+                    <m:acc>
+                      <m:accPr>
+                        <m:chr m:val="̂"/>
+                        <m:ctrlPr>
+                          <a:rPr lang="en-US" b="0" i="1" smtClean="0">
+                            <a:latin typeface="Cambria Math" panose="02040503050406030204" pitchFamily="18" charset="0"/>
+                          </a:rPr>
+                        </m:ctrlPr>
+                      </m:accPr>
+                      <m:e>
+                        <m:r>
+                          <a:rPr lang="en-US" b="0" i="1" smtClean="0">
+                            <a:latin typeface="Cambria Math" panose="02040503050406030204" pitchFamily="18" charset="0"/>
+                          </a:rPr>
+                          <m:t>𝑦</m:t>
+                        </m:r>
+                      </m:e>
+                    </m:acc>
+                    <m:r>
+                      <a:rPr lang="en-US" b="0" i="1" smtClean="0">
+                        <a:latin typeface="Cambria Math" panose="02040503050406030204" pitchFamily="18" charset="0"/>
+                      </a:rPr>
+                      <m:t>=</m:t>
+                    </m:r>
+                    <m:sSub>
+                      <m:sSubPr>
+                        <m:ctrlPr>
+                          <a:rPr lang="en-US" b="0" i="1" smtClean="0">
+                            <a:latin typeface="Cambria Math" panose="02040503050406030204" pitchFamily="18" charset="0"/>
+                          </a:rPr>
+                        </m:ctrlPr>
+                      </m:sSubPr>
+                      <m:e>
+                        <m:r>
+                          <a:rPr lang="en-US" b="0" i="1" smtClean="0">
+                            <a:latin typeface="Cambria Math" panose="02040503050406030204" pitchFamily="18" charset="0"/>
+                          </a:rPr>
+                          <m:t>𝛽</m:t>
+                        </m:r>
+                      </m:e>
+                      <m:sub>
+                        <m:r>
+                          <a:rPr lang="en-US" b="0" i="1" smtClean="0">
+                            <a:latin typeface="Cambria Math" panose="02040503050406030204" pitchFamily="18" charset="0"/>
+                          </a:rPr>
+                          <m:t>0</m:t>
+                        </m:r>
+                      </m:sub>
+                    </m:sSub>
+                    <m:r>
+                      <a:rPr lang="en-US" b="0" i="1" smtClean="0">
+                        <a:latin typeface="Cambria Math" panose="02040503050406030204" pitchFamily="18" charset="0"/>
+                      </a:rPr>
+                      <m:t>+</m:t>
+                    </m:r>
+                    <m:sSub>
+                      <m:sSubPr>
+                        <m:ctrlPr>
+                          <a:rPr lang="en-US" b="0" i="1" smtClean="0">
+                            <a:latin typeface="Cambria Math" panose="02040503050406030204" pitchFamily="18" charset="0"/>
+                          </a:rPr>
+                        </m:ctrlPr>
+                      </m:sSubPr>
+                      <m:e>
+                        <m:r>
+                          <a:rPr lang="en-US" b="0" i="1" smtClean="0">
+                            <a:latin typeface="Cambria Math" panose="02040503050406030204" pitchFamily="18" charset="0"/>
+                          </a:rPr>
+                          <m:t>𝛽</m:t>
+                        </m:r>
+                      </m:e>
+                      <m:sub>
+                        <m:r>
+                          <a:rPr lang="en-US" b="0" i="1" smtClean="0">
+                            <a:latin typeface="Cambria Math" panose="02040503050406030204" pitchFamily="18" charset="0"/>
+                          </a:rPr>
+                          <m:t>1</m:t>
+                        </m:r>
+                      </m:sub>
+                    </m:sSub>
+                    <m:sSub>
+                      <m:sSubPr>
+                        <m:ctrlPr>
+                          <a:rPr lang="en-US" b="0" i="1" smtClean="0">
+                            <a:latin typeface="Cambria Math" panose="02040503050406030204" pitchFamily="18" charset="0"/>
+                          </a:rPr>
+                        </m:ctrlPr>
+                      </m:sSubPr>
+                      <m:e>
+                        <m:r>
+                          <a:rPr lang="en-US" b="0" i="1" smtClean="0">
+                            <a:latin typeface="Cambria Math" panose="02040503050406030204" pitchFamily="18" charset="0"/>
+                          </a:rPr>
+                          <m:t>𝑥</m:t>
+                        </m:r>
+                      </m:e>
+                      <m:sub>
+                        <m:r>
+                          <a:rPr lang="en-US" b="0" i="1" smtClean="0">
+                            <a:latin typeface="Cambria Math" panose="02040503050406030204" pitchFamily="18" charset="0"/>
+                          </a:rPr>
+                          <m:t>1</m:t>
+                        </m:r>
+                      </m:sub>
+                    </m:sSub>
+                    <m:r>
+                      <a:rPr lang="en-US" b="0" i="1" smtClean="0">
+                        <a:latin typeface="Cambria Math" panose="02040503050406030204" pitchFamily="18" charset="0"/>
+                      </a:rPr>
+                      <m:t>+⋯+</m:t>
+                    </m:r>
+                    <m:sSub>
+                      <m:sSubPr>
+                        <m:ctrlPr>
+                          <a:rPr lang="en-US" b="0" i="1" smtClean="0">
+                            <a:latin typeface="Cambria Math" panose="02040503050406030204" pitchFamily="18" charset="0"/>
+                          </a:rPr>
+                        </m:ctrlPr>
+                      </m:sSubPr>
+                      <m:e>
+                        <m:r>
+                          <a:rPr lang="en-US" b="0" i="1" smtClean="0">
+                            <a:latin typeface="Cambria Math" panose="02040503050406030204" pitchFamily="18" charset="0"/>
+                          </a:rPr>
+                          <m:t>𝛽</m:t>
+                        </m:r>
+                      </m:e>
+                      <m:sub>
+                        <m:r>
+                          <a:rPr lang="en-US" b="0" i="1" smtClean="0">
+                            <a:latin typeface="Cambria Math" panose="02040503050406030204" pitchFamily="18" charset="0"/>
+                          </a:rPr>
+                          <m:t>𝑑</m:t>
+                        </m:r>
+                      </m:sub>
+                    </m:sSub>
+                    <m:sSub>
+                      <m:sSubPr>
+                        <m:ctrlPr>
+                          <a:rPr lang="en-US" b="0" i="1" smtClean="0">
+                            <a:latin typeface="Cambria Math" panose="02040503050406030204" pitchFamily="18" charset="0"/>
+                          </a:rPr>
+                        </m:ctrlPr>
+                      </m:sSubPr>
+                      <m:e>
+                        <m:r>
+                          <a:rPr lang="en-US" b="0" i="1" smtClean="0">
+                            <a:latin typeface="Cambria Math" panose="02040503050406030204" pitchFamily="18" charset="0"/>
+                          </a:rPr>
+                          <m:t>𝑥</m:t>
+                        </m:r>
+                      </m:e>
+                      <m:sub>
+                        <m:r>
+                          <a:rPr lang="en-US" b="0" i="1" smtClean="0">
+                            <a:latin typeface="Cambria Math" panose="02040503050406030204" pitchFamily="18" charset="0"/>
+                          </a:rPr>
+                          <m:t>𝑑</m:t>
+                        </m:r>
+                      </m:sub>
+                    </m:sSub>
+                  </m:oMath>
+                </a14:m>
+                <a:endParaRPr lang="en-US" b="0" dirty="0"/>
+              </a:p>
+              <a:p>
+                <a:r>
+                  <a:rPr lang="en-US" dirty="0"/>
+                  <a:t>But, often it is useful to look at models in </a:t>
+                </a:r>
+                <a:r>
+                  <a:rPr lang="en-US" dirty="0">
+                    <a:solidFill>
+                      <a:schemeClr val="accent1">
+                        <a:lumMod val="60000"/>
+                        <a:lumOff val="40000"/>
+                      </a:schemeClr>
+                    </a:solidFill>
+                  </a:rPr>
+                  <a:t>transformed form</a:t>
+                </a:r>
+                <a:r>
+                  <a:rPr lang="en-US" dirty="0"/>
+                  <a:t>:</a:t>
+                </a:r>
+                <a:br>
+                  <a:rPr lang="en-US" dirty="0"/>
+                </a:br>
+                <a:br>
+                  <a:rPr lang="en-US" dirty="0"/>
+                </a:br>
+                <a14:m>
+                  <m:oMath xmlns:m="http://schemas.openxmlformats.org/officeDocument/2006/math">
+                    <m:acc>
+                      <m:accPr>
+                        <m:chr m:val="̂"/>
+                        <m:ctrlPr>
+                          <a:rPr lang="en-US" i="1">
+                            <a:latin typeface="Cambria Math" panose="02040503050406030204" pitchFamily="18" charset="0"/>
+                          </a:rPr>
+                        </m:ctrlPr>
+                      </m:accPr>
+                      <m:e>
+                        <m:r>
+                          <a:rPr lang="en-US" i="1">
+                            <a:latin typeface="Cambria Math" panose="02040503050406030204" pitchFamily="18" charset="0"/>
+                          </a:rPr>
+                          <m:t>𝑦</m:t>
+                        </m:r>
+                      </m:e>
+                    </m:acc>
+                    <m:r>
+                      <a:rPr lang="en-US" i="1">
+                        <a:latin typeface="Cambria Math" panose="02040503050406030204" pitchFamily="18" charset="0"/>
+                      </a:rPr>
+                      <m:t>=</m:t>
+                    </m:r>
+                    <m:sSub>
+                      <m:sSubPr>
+                        <m:ctrlPr>
+                          <a:rPr lang="en-US" b="0" i="1" smtClean="0">
+                            <a:latin typeface="Cambria Math" panose="02040503050406030204" pitchFamily="18" charset="0"/>
+                          </a:rPr>
+                        </m:ctrlPr>
+                      </m:sSubPr>
+                      <m:e>
+                        <m:r>
+                          <a:rPr lang="en-US" b="0" i="1" smtClean="0">
+                            <a:latin typeface="Cambria Math" panose="02040503050406030204" pitchFamily="18" charset="0"/>
+                          </a:rPr>
+                          <m:t>𝛽</m:t>
+                        </m:r>
+                      </m:e>
+                      <m:sub>
+                        <m:r>
+                          <a:rPr lang="en-US" b="0" i="1" smtClean="0">
+                            <a:latin typeface="Cambria Math" panose="02040503050406030204" pitchFamily="18" charset="0"/>
+                          </a:rPr>
+                          <m:t>1</m:t>
+                        </m:r>
+                      </m:sub>
+                    </m:sSub>
+                    <m:sSub>
+                      <m:sSubPr>
+                        <m:ctrlPr>
+                          <a:rPr lang="en-US" b="0" i="1" smtClean="0">
+                            <a:latin typeface="Cambria Math" panose="02040503050406030204" pitchFamily="18" charset="0"/>
+                          </a:rPr>
+                        </m:ctrlPr>
+                      </m:sSubPr>
+                      <m:e>
+                        <m:r>
+                          <a:rPr lang="en-US" b="0" i="1" smtClean="0">
+                            <a:latin typeface="Cambria Math" panose="02040503050406030204" pitchFamily="18" charset="0"/>
+                          </a:rPr>
+                          <m:t>𝜙</m:t>
+                        </m:r>
+                      </m:e>
+                      <m:sub>
+                        <m:r>
+                          <a:rPr lang="en-US" b="0" i="1" smtClean="0">
+                            <a:latin typeface="Cambria Math" panose="02040503050406030204" pitchFamily="18" charset="0"/>
+                          </a:rPr>
+                          <m:t>1</m:t>
+                        </m:r>
+                      </m:sub>
+                    </m:sSub>
+                    <m:d>
+                      <m:dPr>
+                        <m:ctrlPr>
+                          <a:rPr lang="en-US" b="0" i="1" smtClean="0">
+                            <a:latin typeface="Cambria Math" panose="02040503050406030204" pitchFamily="18" charset="0"/>
+                          </a:rPr>
+                        </m:ctrlPr>
+                      </m:dPr>
+                      <m:e>
+                        <m:r>
+                          <a:rPr lang="en-US" b="1" i="1" smtClean="0">
+                            <a:latin typeface="Cambria Math" panose="02040503050406030204" pitchFamily="18" charset="0"/>
+                          </a:rPr>
+                          <m:t>𝒙</m:t>
+                        </m:r>
+                      </m:e>
+                    </m:d>
+                    <m:r>
+                      <a:rPr lang="en-US" b="0" i="1" smtClean="0">
+                        <a:latin typeface="Cambria Math" panose="02040503050406030204" pitchFamily="18" charset="0"/>
+                      </a:rPr>
+                      <m:t>+⋯+</m:t>
+                    </m:r>
+                    <m:sSub>
+                      <m:sSubPr>
+                        <m:ctrlPr>
+                          <a:rPr lang="en-US" b="0" i="1" smtClean="0">
+                            <a:latin typeface="Cambria Math" panose="02040503050406030204" pitchFamily="18" charset="0"/>
+                          </a:rPr>
+                        </m:ctrlPr>
+                      </m:sSubPr>
+                      <m:e>
+                        <m:r>
+                          <a:rPr lang="en-US" b="0" i="1" smtClean="0">
+                            <a:latin typeface="Cambria Math" panose="02040503050406030204" pitchFamily="18" charset="0"/>
+                          </a:rPr>
+                          <m:t>𝛽</m:t>
+                        </m:r>
+                      </m:e>
+                      <m:sub>
+                        <m:r>
+                          <a:rPr lang="en-US" b="0" i="1" smtClean="0">
+                            <a:latin typeface="Cambria Math" panose="02040503050406030204" pitchFamily="18" charset="0"/>
+                          </a:rPr>
+                          <m:t>𝑝</m:t>
+                        </m:r>
+                      </m:sub>
+                    </m:sSub>
+                    <m:sSub>
+                      <m:sSubPr>
+                        <m:ctrlPr>
+                          <a:rPr lang="en-US" b="0" i="1" smtClean="0">
+                            <a:latin typeface="Cambria Math" panose="02040503050406030204" pitchFamily="18" charset="0"/>
+                          </a:rPr>
+                        </m:ctrlPr>
+                      </m:sSubPr>
+                      <m:e>
+                        <m:r>
+                          <a:rPr lang="en-US" b="0" i="1" smtClean="0">
+                            <a:latin typeface="Cambria Math" panose="02040503050406030204" pitchFamily="18" charset="0"/>
+                          </a:rPr>
+                          <m:t>𝜙</m:t>
+                        </m:r>
+                      </m:e>
+                      <m:sub>
+                        <m:r>
+                          <a:rPr lang="en-US" b="0" i="1" smtClean="0">
+                            <a:latin typeface="Cambria Math" panose="02040503050406030204" pitchFamily="18" charset="0"/>
+                          </a:rPr>
+                          <m:t>𝑝</m:t>
+                        </m:r>
+                      </m:sub>
+                    </m:sSub>
+                    <m:d>
+                      <m:dPr>
+                        <m:ctrlPr>
+                          <a:rPr lang="en-US" b="0" i="1" smtClean="0">
+                            <a:latin typeface="Cambria Math" panose="02040503050406030204" pitchFamily="18" charset="0"/>
+                          </a:rPr>
+                        </m:ctrlPr>
+                      </m:dPr>
+                      <m:e>
+                        <m:r>
+                          <a:rPr lang="en-US" b="1" i="1" smtClean="0">
+                            <a:latin typeface="Cambria Math" panose="02040503050406030204" pitchFamily="18" charset="0"/>
+                          </a:rPr>
+                          <m:t>𝒙</m:t>
+                        </m:r>
+                      </m:e>
+                    </m:d>
+                  </m:oMath>
+                </a14:m>
+                <a:endParaRPr lang="en-US" b="0" dirty="0"/>
+              </a:p>
+              <a:p>
+                <a:pPr lvl="1"/>
+                <a:r>
+                  <a:rPr lang="en-US" dirty="0"/>
+                  <a:t>Each function </a:t>
+                </a:r>
+                <a14:m>
+                  <m:oMath xmlns:m="http://schemas.openxmlformats.org/officeDocument/2006/math">
+                    <m:sSub>
+                      <m:sSubPr>
+                        <m:ctrlPr>
+                          <a:rPr lang="en-US" b="0" i="1" smtClean="0">
+                            <a:latin typeface="Cambria Math" panose="02040503050406030204" pitchFamily="18" charset="0"/>
+                          </a:rPr>
+                        </m:ctrlPr>
+                      </m:sSubPr>
+                      <m:e>
+                        <m:r>
+                          <a:rPr lang="en-US" b="0" i="1" smtClean="0">
+                            <a:latin typeface="Cambria Math" panose="02040503050406030204" pitchFamily="18" charset="0"/>
+                          </a:rPr>
+                          <m:t>𝜙</m:t>
+                        </m:r>
+                      </m:e>
+                      <m:sub>
+                        <m:r>
+                          <a:rPr lang="en-US" b="0" i="1" smtClean="0">
+                            <a:latin typeface="Cambria Math" panose="02040503050406030204" pitchFamily="18" charset="0"/>
+                          </a:rPr>
+                          <m:t>𝑗</m:t>
+                        </m:r>
+                      </m:sub>
+                    </m:sSub>
+                    <m:d>
+                      <m:dPr>
+                        <m:ctrlPr>
+                          <a:rPr lang="en-US" b="0" i="1" smtClean="0">
+                            <a:latin typeface="Cambria Math" panose="02040503050406030204" pitchFamily="18" charset="0"/>
+                          </a:rPr>
+                        </m:ctrlPr>
+                      </m:dPr>
+                      <m:e>
+                        <m:r>
+                          <a:rPr lang="en-US" b="1" i="1" smtClean="0">
+                            <a:latin typeface="Cambria Math" panose="02040503050406030204" pitchFamily="18" charset="0"/>
+                          </a:rPr>
+                          <m:t>𝒙</m:t>
+                        </m:r>
+                      </m:e>
+                    </m:d>
+                    <m:r>
+                      <a:rPr lang="en-US" b="0" i="1" smtClean="0">
+                        <a:latin typeface="Cambria Math" panose="02040503050406030204" pitchFamily="18" charset="0"/>
+                      </a:rPr>
+                      <m:t>=</m:t>
+                    </m:r>
+                    <m:sSub>
+                      <m:sSubPr>
+                        <m:ctrlPr>
+                          <a:rPr lang="en-US" b="0" i="1" smtClean="0">
+                            <a:latin typeface="Cambria Math" panose="02040503050406030204" pitchFamily="18" charset="0"/>
+                          </a:rPr>
+                        </m:ctrlPr>
+                      </m:sSubPr>
+                      <m:e>
+                        <m:r>
+                          <a:rPr lang="en-US" b="0" i="1" smtClean="0">
+                            <a:latin typeface="Cambria Math" panose="02040503050406030204" pitchFamily="18" charset="0"/>
+                          </a:rPr>
+                          <m:t>𝜙</m:t>
+                        </m:r>
+                      </m:e>
+                      <m:sub>
+                        <m:r>
+                          <a:rPr lang="en-US" b="0" i="1" smtClean="0">
+                            <a:latin typeface="Cambria Math" panose="02040503050406030204" pitchFamily="18" charset="0"/>
+                          </a:rPr>
+                          <m:t>𝑗</m:t>
+                        </m:r>
+                      </m:sub>
+                    </m:sSub>
+                    <m:r>
+                      <a:rPr lang="en-US" b="0" i="1" smtClean="0">
+                        <a:latin typeface="Cambria Math" panose="02040503050406030204" pitchFamily="18" charset="0"/>
+                      </a:rPr>
+                      <m:t>(</m:t>
+                    </m:r>
+                    <m:sSub>
+                      <m:sSubPr>
+                        <m:ctrlPr>
+                          <a:rPr lang="en-US" b="0" i="1" smtClean="0">
+                            <a:latin typeface="Cambria Math" panose="02040503050406030204" pitchFamily="18" charset="0"/>
+                          </a:rPr>
+                        </m:ctrlPr>
+                      </m:sSubPr>
+                      <m:e>
+                        <m:r>
+                          <a:rPr lang="en-US" b="0" i="1" smtClean="0">
+                            <a:latin typeface="Cambria Math" panose="02040503050406030204" pitchFamily="18" charset="0"/>
+                          </a:rPr>
+                          <m:t>𝑥</m:t>
+                        </m:r>
+                      </m:e>
+                      <m:sub>
+                        <m:r>
+                          <a:rPr lang="en-US" b="0" i="1" smtClean="0">
+                            <a:latin typeface="Cambria Math" panose="02040503050406030204" pitchFamily="18" charset="0"/>
+                          </a:rPr>
+                          <m:t>1</m:t>
+                        </m:r>
+                      </m:sub>
+                    </m:sSub>
+                    <m:r>
+                      <a:rPr lang="en-US" b="0" i="1" smtClean="0">
+                        <a:latin typeface="Cambria Math" panose="02040503050406030204" pitchFamily="18" charset="0"/>
+                      </a:rPr>
+                      <m:t>,…,</m:t>
+                    </m:r>
+                    <m:sSub>
+                      <m:sSubPr>
+                        <m:ctrlPr>
+                          <a:rPr lang="en-US" b="0" i="1" smtClean="0">
+                            <a:latin typeface="Cambria Math" panose="02040503050406030204" pitchFamily="18" charset="0"/>
+                          </a:rPr>
+                        </m:ctrlPr>
+                      </m:sSubPr>
+                      <m:e>
+                        <m:r>
+                          <a:rPr lang="en-US" b="0" i="1" smtClean="0">
+                            <a:latin typeface="Cambria Math" panose="02040503050406030204" pitchFamily="18" charset="0"/>
+                          </a:rPr>
+                          <m:t>𝑥</m:t>
+                        </m:r>
+                      </m:e>
+                      <m:sub>
+                        <m:r>
+                          <a:rPr lang="en-US" b="0" i="1" smtClean="0">
+                            <a:latin typeface="Cambria Math" panose="02040503050406030204" pitchFamily="18" charset="0"/>
+                          </a:rPr>
+                          <m:t>𝑑</m:t>
+                        </m:r>
+                      </m:sub>
+                    </m:sSub>
+                    <m:r>
+                      <a:rPr lang="en-US" b="0" i="1" smtClean="0">
+                        <a:latin typeface="Cambria Math" panose="02040503050406030204" pitchFamily="18" charset="0"/>
+                      </a:rPr>
+                      <m:t>)</m:t>
+                    </m:r>
+                  </m:oMath>
+                </a14:m>
+                <a:r>
+                  <a:rPr lang="en-US" dirty="0"/>
+                  <a:t> is called a </a:t>
+                </a:r>
+                <a:r>
+                  <a:rPr lang="en-US" dirty="0">
+                    <a:solidFill>
+                      <a:schemeClr val="accent1">
+                        <a:lumMod val="60000"/>
+                        <a:lumOff val="40000"/>
+                      </a:schemeClr>
+                    </a:solidFill>
+                  </a:rPr>
+                  <a:t>basis function</a:t>
+                </a:r>
+              </a:p>
+              <a:p>
+                <a:pPr lvl="1"/>
+                <a:r>
+                  <a:rPr lang="en-US" dirty="0"/>
+                  <a:t>Each basis functions may be nonlinear and a function of multi-variables</a:t>
+                </a:r>
+              </a:p>
+              <a:p>
+                <a:r>
+                  <a:rPr lang="en-US" dirty="0"/>
+                  <a:t>Can write in vector form:  </a:t>
+                </a:r>
+                <a14:m>
+                  <m:oMath xmlns:m="http://schemas.openxmlformats.org/officeDocument/2006/math">
+                    <m:acc>
+                      <m:accPr>
+                        <m:chr m:val="̂"/>
+                        <m:ctrlPr>
+                          <a:rPr lang="en-US" i="1">
+                            <a:latin typeface="Cambria Math" panose="02040503050406030204" pitchFamily="18" charset="0"/>
+                          </a:rPr>
+                        </m:ctrlPr>
+                      </m:accPr>
+                      <m:e>
+                        <m:r>
+                          <a:rPr lang="en-US" i="1">
+                            <a:latin typeface="Cambria Math" panose="02040503050406030204" pitchFamily="18" charset="0"/>
+                          </a:rPr>
+                          <m:t>𝑦</m:t>
+                        </m:r>
+                      </m:e>
+                    </m:acc>
+                    <m:r>
+                      <a:rPr lang="en-US" i="1">
+                        <a:latin typeface="Cambria Math" panose="02040503050406030204" pitchFamily="18" charset="0"/>
+                      </a:rPr>
+                      <m:t>=</m:t>
+                    </m:r>
+                    <m:r>
+                      <a:rPr lang="en-US" b="1" i="1" smtClean="0">
+                        <a:latin typeface="Cambria Math" panose="02040503050406030204" pitchFamily="18" charset="0"/>
+                      </a:rPr>
+                      <m:t>𝝓</m:t>
+                    </m:r>
+                    <m:d>
+                      <m:dPr>
+                        <m:ctrlPr>
+                          <a:rPr lang="en-US" b="1" i="1" smtClean="0">
+                            <a:latin typeface="Cambria Math" panose="02040503050406030204" pitchFamily="18" charset="0"/>
+                          </a:rPr>
+                        </m:ctrlPr>
+                      </m:dPr>
+                      <m:e>
+                        <m:r>
+                          <a:rPr lang="en-US" b="1" i="1" smtClean="0">
+                            <a:latin typeface="Cambria Math" panose="02040503050406030204" pitchFamily="18" charset="0"/>
+                          </a:rPr>
+                          <m:t>𝒙</m:t>
+                        </m:r>
+                      </m:e>
+                    </m:d>
+                    <m:r>
+                      <a:rPr lang="en-US" b="1" i="1" smtClean="0">
+                        <a:latin typeface="Cambria Math" panose="02040503050406030204" pitchFamily="18" charset="0"/>
+                      </a:rPr>
+                      <m:t>⋅</m:t>
+                    </m:r>
+                    <m:r>
+                      <a:rPr lang="en-US" b="1" i="1" smtClean="0">
+                        <a:latin typeface="Cambria Math" panose="02040503050406030204" pitchFamily="18" charset="0"/>
+                      </a:rPr>
+                      <m:t>𝜷</m:t>
+                    </m:r>
+                  </m:oMath>
+                </a14:m>
+                <a:endParaRPr lang="en-US" b="1" dirty="0"/>
               </a:p>
               <a:p>
                 <a:pPr lvl="1"/>
                 <a14:m>
                   <m:oMath xmlns:m="http://schemas.openxmlformats.org/officeDocument/2006/math">
                     <m:r>
-                      <a:rPr lang="en-US" b="0" i="1" smtClean="0">
-                        <a:latin typeface="Cambria Math" panose="02040503050406030204" pitchFamily="18" charset="0"/>
-                      </a:rPr>
-                      <m:t>𝑦</m:t>
-                    </m:r>
-                    <m:r>
-                      <a:rPr lang="en-US" b="0" i="1" smtClean="0">
-                        <a:latin typeface="Cambria Math" panose="02040503050406030204" pitchFamily="18" charset="0"/>
-                      </a:rPr>
-                      <m:t>≈</m:t>
-                    </m:r>
-                    <m:sSub>
-                      <m:sSubPr>
-                        <m:ctrlPr>
-                          <a:rPr lang="en-US" b="0" i="1" smtClean="0">
-                            <a:latin typeface="Cambria Math" panose="02040503050406030204" pitchFamily="18" charset="0"/>
-                          </a:rPr>
-                        </m:ctrlPr>
-                      </m:sSubPr>
-                      <m:e>
-                        <m:r>
-                          <a:rPr lang="en-US" b="0" i="1" smtClean="0">
-                            <a:latin typeface="Cambria Math" panose="02040503050406030204" pitchFamily="18" charset="0"/>
-                          </a:rPr>
-                          <m:t>𝛽</m:t>
-                        </m:r>
-                      </m:e>
-                      <m:sub>
-                        <m:r>
-                          <a:rPr lang="en-US" b="0" i="1" smtClean="0">
-                            <a:latin typeface="Cambria Math" panose="02040503050406030204" pitchFamily="18" charset="0"/>
-                          </a:rPr>
-                          <m:t>0</m:t>
-                        </m:r>
-                      </m:sub>
-                    </m:sSub>
-                    <m:r>
-                      <a:rPr lang="en-US" b="0" i="1" smtClean="0">
-                        <a:latin typeface="Cambria Math" panose="02040503050406030204" pitchFamily="18" charset="0"/>
-                      </a:rPr>
-                      <m:t>+</m:t>
-                    </m:r>
-                    <m:sSub>
-                      <m:sSubPr>
-                        <m:ctrlPr>
-                          <a:rPr lang="en-US" b="0" i="1" smtClean="0">
-                            <a:latin typeface="Cambria Math" panose="02040503050406030204" pitchFamily="18" charset="0"/>
-                          </a:rPr>
-                        </m:ctrlPr>
-                      </m:sSubPr>
-                      <m:e>
-                        <m:r>
-                          <a:rPr lang="en-US" b="0" i="1" smtClean="0">
-                            <a:latin typeface="Cambria Math" panose="02040503050406030204" pitchFamily="18" charset="0"/>
-                          </a:rPr>
-                          <m:t>𝛽</m:t>
-                        </m:r>
-                      </m:e>
-                      <m:sub>
-                        <m:r>
-                          <a:rPr lang="en-US" b="0" i="1" smtClean="0">
-                            <a:latin typeface="Cambria Math" panose="02040503050406030204" pitchFamily="18" charset="0"/>
-                          </a:rPr>
-                          <m:t>1</m:t>
-                        </m:r>
-                      </m:sub>
-                    </m:sSub>
-                    <m:r>
-                      <a:rPr lang="en-US" b="0" i="1" smtClean="0">
-                        <a:latin typeface="Cambria Math" panose="02040503050406030204" pitchFamily="18" charset="0"/>
-                      </a:rPr>
-                      <m:t>𝑥</m:t>
-                    </m:r>
-                    <m:r>
-                      <a:rPr lang="en-US" b="0" i="1" smtClean="0">
-                        <a:latin typeface="Cambria Math" panose="02040503050406030204" pitchFamily="18" charset="0"/>
-                      </a:rPr>
-                      <m:t>+⋯</m:t>
-                    </m:r>
-                    <m:sSub>
-                      <m:sSubPr>
-                        <m:ctrlPr>
-                          <a:rPr lang="en-US" b="0" i="1" smtClean="0">
-                            <a:latin typeface="Cambria Math" panose="02040503050406030204" pitchFamily="18" charset="0"/>
-                          </a:rPr>
-                        </m:ctrlPr>
-                      </m:sSubPr>
-                      <m:e>
-                        <m:r>
-                          <a:rPr lang="en-US" b="0" i="1" smtClean="0">
-                            <a:latin typeface="Cambria Math" panose="02040503050406030204" pitchFamily="18" charset="0"/>
-                          </a:rPr>
-                          <m:t>𝛽</m:t>
-                        </m:r>
-                      </m:e>
-                      <m:sub>
-                        <m:r>
-                          <a:rPr lang="en-US" b="0" i="1" smtClean="0">
-                            <a:latin typeface="Cambria Math" panose="02040503050406030204" pitchFamily="18" charset="0"/>
-                          </a:rPr>
-                          <m:t>𝑑</m:t>
-                        </m:r>
-                      </m:sub>
-                    </m:sSub>
-                    <m:sSup>
-                      <m:sSupPr>
-                        <m:ctrlPr>
-                          <a:rPr lang="en-US" b="0" i="1" smtClean="0">
-                            <a:latin typeface="Cambria Math" panose="02040503050406030204" pitchFamily="18" charset="0"/>
-                          </a:rPr>
-                        </m:ctrlPr>
-                      </m:sSupPr>
-                      <m:e>
-                        <m:r>
-                          <a:rPr lang="en-US" b="0" i="1" smtClean="0">
-                            <a:latin typeface="Cambria Math" panose="02040503050406030204" pitchFamily="18" charset="0"/>
-                          </a:rPr>
-                          <m:t>𝑥</m:t>
-                        </m:r>
-                      </m:e>
-                      <m:sup>
-                        <m:r>
-                          <a:rPr lang="en-US" b="0" i="1" smtClean="0">
-                            <a:latin typeface="Cambria Math" panose="02040503050406030204" pitchFamily="18" charset="0"/>
-                          </a:rPr>
-                          <m:t>𝑑</m:t>
-                        </m:r>
-                      </m:sup>
-                    </m:sSup>
-                  </m:oMath>
-                </a14:m>
-                <a:endParaRPr lang="en-US" dirty="0"/>
-              </a:p>
-              <a:p>
-                <a:r>
-                  <a:rPr lang="en-US" dirty="0"/>
-                  <a:t>Given data </a:t>
-                </a:r>
-                <a14:m>
-                  <m:oMath xmlns:m="http://schemas.openxmlformats.org/officeDocument/2006/math">
+                      <a:rPr lang="en-US" b="1" i="1">
+                        <a:latin typeface="Cambria Math" panose="02040503050406030204" pitchFamily="18" charset="0"/>
+                      </a:rPr>
+                      <m:t>𝝓</m:t>
+                    </m:r>
                     <m:d>
                       <m:dPr>
                         <m:ctrlPr>
-                          <a:rPr lang="en-US" b="0" i="1" smtClean="0">
+                          <a:rPr lang="en-US" b="1" i="1">
+                            <a:latin typeface="Cambria Math" panose="02040503050406030204" pitchFamily="18" charset="0"/>
+                          </a:rPr>
+                        </m:ctrlPr>
+                      </m:dPr>
+                      <m:e>
+                        <m:r>
+                          <a:rPr lang="en-US" b="1" i="1">
+                            <a:latin typeface="Cambria Math" panose="02040503050406030204" pitchFamily="18" charset="0"/>
+                          </a:rPr>
+                          <m:t>𝒙</m:t>
+                        </m:r>
+                      </m:e>
+                    </m:d>
+                    <m:r>
+                      <a:rPr lang="en-US" b="1" i="1" smtClean="0">
+                        <a:latin typeface="Cambria Math" panose="02040503050406030204" pitchFamily="18" charset="0"/>
+                      </a:rPr>
+                      <m:t>=</m:t>
+                    </m:r>
+                    <m:d>
+                      <m:dPr>
+                        <m:begChr m:val="["/>
+                        <m:endChr m:val="]"/>
+                        <m:ctrlPr>
+                          <a:rPr lang="en-US" b="1" i="1" smtClean="0">
                             <a:latin typeface="Cambria Math" panose="02040503050406030204" pitchFamily="18" charset="0"/>
                           </a:rPr>
                         </m:ctrlPr>
@@ -25044,7 +25553,7 @@
                         <m:sSub>
                           <m:sSubPr>
                             <m:ctrlPr>
-                              <a:rPr lang="en-US" b="0" i="1" smtClean="0">
+                              <a:rPr lang="en-US" i="1" smtClean="0">
                                 <a:latin typeface="Cambria Math" panose="02040503050406030204" pitchFamily="18" charset="0"/>
                               </a:rPr>
                             </m:ctrlPr>
@@ -25054,7 +25563,7 @@
                               <a:rPr lang="en-US" b="0" i="1" smtClean="0">
                                 <a:latin typeface="Cambria Math" panose="02040503050406030204" pitchFamily="18" charset="0"/>
                               </a:rPr>
-                              <m:t>𝑥</m:t>
+                              <m:t>𝜙</m:t>
                             </m:r>
                           </m:e>
                           <m:sub>
@@ -25062,30 +25571,47 @@
                               <a:rPr lang="en-US" b="0" i="1" smtClean="0">
                                 <a:latin typeface="Cambria Math" panose="02040503050406030204" pitchFamily="18" charset="0"/>
                               </a:rPr>
-                              <m:t>𝑖</m:t>
+                              <m:t>1</m:t>
                             </m:r>
                           </m:sub>
                         </m:sSub>
-                        <m:r>
-                          <a:rPr lang="en-US" b="0" i="1" smtClean="0">
-                            <a:latin typeface="Cambria Math" panose="02040503050406030204" pitchFamily="18" charset="0"/>
-                          </a:rPr>
-                          <m:t>,</m:t>
+                        <m:d>
+                          <m:dPr>
+                            <m:ctrlPr>
+                              <a:rPr lang="en-US" b="1" i="1" smtClean="0">
+                                <a:latin typeface="Cambria Math" panose="02040503050406030204" pitchFamily="18" charset="0"/>
+                              </a:rPr>
+                            </m:ctrlPr>
+                          </m:dPr>
+                          <m:e>
+                            <m:r>
+                              <a:rPr lang="en-US" b="1" i="1" smtClean="0">
+                                <a:latin typeface="Cambria Math" panose="02040503050406030204" pitchFamily="18" charset="0"/>
+                              </a:rPr>
+                              <m:t>𝒙</m:t>
+                            </m:r>
+                          </m:e>
+                        </m:d>
+                        <m:r>
+                          <a:rPr lang="en-US" b="1" i="1" smtClean="0">
+                            <a:latin typeface="Cambria Math" panose="02040503050406030204" pitchFamily="18" charset="0"/>
+                          </a:rPr>
+                          <m:t>,…,</m:t>
                         </m:r>
                         <m:sSub>
                           <m:sSubPr>
                             <m:ctrlPr>
-                              <a:rPr lang="en-US" b="0" i="1" smtClean="0">
+                              <a:rPr lang="en-US" i="1">
                                 <a:latin typeface="Cambria Math" panose="02040503050406030204" pitchFamily="18" charset="0"/>
                               </a:rPr>
                             </m:ctrlPr>
                           </m:sSubPr>
                           <m:e>
                             <m:r>
-                              <a:rPr lang="en-US" b="0" i="1" smtClean="0">
+                              <a:rPr lang="en-US" i="1">
                                 <a:latin typeface="Cambria Math" panose="02040503050406030204" pitchFamily="18" charset="0"/>
                               </a:rPr>
-                              <m:t>𝑦</m:t>
+                              <m:t>𝜙</m:t>
                             </m:r>
                           </m:e>
                           <m:sub>
@@ -25093,35 +25619,114 @@
                               <a:rPr lang="en-US" b="0" i="1" smtClean="0">
                                 <a:latin typeface="Cambria Math" panose="02040503050406030204" pitchFamily="18" charset="0"/>
                               </a:rPr>
-                              <m:t>𝑖</m:t>
+                              <m:t>𝑏</m:t>
                             </m:r>
                           </m:sub>
                         </m:sSub>
+                        <m:d>
+                          <m:dPr>
+                            <m:ctrlPr>
+                              <a:rPr lang="en-US" b="1" i="1">
+                                <a:latin typeface="Cambria Math" panose="02040503050406030204" pitchFamily="18" charset="0"/>
+                              </a:rPr>
+                            </m:ctrlPr>
+                          </m:dPr>
+                          <m:e>
+                            <m:r>
+                              <a:rPr lang="en-US" b="1" i="1">
+                                <a:latin typeface="Cambria Math" panose="02040503050406030204" pitchFamily="18" charset="0"/>
+                              </a:rPr>
+                              <m:t>𝒙</m:t>
+                            </m:r>
+                          </m:e>
+                        </m:d>
                       </m:e>
                     </m:d>
                     <m:r>
+                      <a:rPr lang="en-US" b="1" i="1" smtClean="0">
+                        <a:latin typeface="Cambria Math" panose="02040503050406030204" pitchFamily="18" charset="0"/>
+                      </a:rPr>
+                      <m:t>,  </m:t>
+                    </m:r>
+                    <m:r>
+                      <a:rPr lang="en-US" b="1" i="1" smtClean="0">
+                        <a:latin typeface="Cambria Math" panose="02040503050406030204" pitchFamily="18" charset="0"/>
+                      </a:rPr>
+                      <m:t>𝜷</m:t>
+                    </m:r>
+                    <m:r>
+                      <a:rPr lang="en-US" b="1" i="1" smtClean="0">
+                        <a:latin typeface="Cambria Math" panose="02040503050406030204" pitchFamily="18" charset="0"/>
+                      </a:rPr>
+                      <m:t>=</m:t>
+                    </m:r>
+                    <m:r>
                       <a:rPr lang="en-US" b="0" i="1" smtClean="0">
                         <a:latin typeface="Cambria Math" panose="02040503050406030204" pitchFamily="18" charset="0"/>
                       </a:rPr>
-                      <m:t>, </m:t>
-                    </m:r>
+                      <m:t>[</m:t>
+                    </m:r>
+                    <m:sSub>
+                      <m:sSubPr>
+                        <m:ctrlPr>
+                          <a:rPr lang="en-US" i="1" smtClean="0">
+                            <a:latin typeface="Cambria Math" panose="02040503050406030204" pitchFamily="18" charset="0"/>
+                          </a:rPr>
+                        </m:ctrlPr>
+                      </m:sSubPr>
+                      <m:e>
+                        <m:r>
+                          <a:rPr lang="en-US" b="0" i="1" smtClean="0">
+                            <a:latin typeface="Cambria Math" panose="02040503050406030204" pitchFamily="18" charset="0"/>
+                          </a:rPr>
+                          <m:t>𝛽</m:t>
+                        </m:r>
+                      </m:e>
+                      <m:sub>
+                        <m:r>
+                          <a:rPr lang="en-US" b="0" i="1" smtClean="0">
+                            <a:latin typeface="Cambria Math" panose="02040503050406030204" pitchFamily="18" charset="0"/>
+                          </a:rPr>
+                          <m:t>1</m:t>
+                        </m:r>
+                      </m:sub>
+                    </m:sSub>
                     <m:r>
                       <a:rPr lang="en-US" b="0" i="1" smtClean="0">
                         <a:latin typeface="Cambria Math" panose="02040503050406030204" pitchFamily="18" charset="0"/>
                       </a:rPr>
-                      <m:t>𝑖</m:t>
-                    </m:r>
+                      <m:t>,…,</m:t>
+                    </m:r>
+                    <m:sSub>
+                      <m:sSubPr>
+                        <m:ctrlPr>
+                          <a:rPr lang="en-US" i="1">
+                            <a:latin typeface="Cambria Math" panose="02040503050406030204" pitchFamily="18" charset="0"/>
+                          </a:rPr>
+                        </m:ctrlPr>
+                      </m:sSubPr>
+                      <m:e>
+                        <m:r>
+                          <a:rPr lang="en-US" i="1">
+                            <a:latin typeface="Cambria Math" panose="02040503050406030204" pitchFamily="18" charset="0"/>
+                          </a:rPr>
+                          <m:t>𝛽</m:t>
+                        </m:r>
+                      </m:e>
+                      <m:sub>
+                        <m:r>
+                          <a:rPr lang="en-US" b="0" i="1" smtClean="0">
+                            <a:latin typeface="Cambria Math" panose="02040503050406030204" pitchFamily="18" charset="0"/>
+                          </a:rPr>
+                          <m:t>𝑝</m:t>
+                        </m:r>
+                      </m:sub>
+                    </m:sSub>
                     <m:r>
                       <a:rPr lang="en-US" b="0" i="1" smtClean="0">
                         <a:latin typeface="Cambria Math" panose="02040503050406030204" pitchFamily="18" charset="0"/>
                       </a:rPr>
-                      <m:t>=1,…, </m:t>
-                    </m:r>
-                    <m:r>
-                      <a:rPr lang="en-US" b="0" i="1" smtClean="0">
-                        <a:latin typeface="Cambria Math" panose="02040503050406030204" pitchFamily="18" charset="0"/>
-                      </a:rPr>
-                      <m:t>𝑛</m:t>
+                      <m:t>]</m:t>
                     </m:r>
                   </m:oMath>
                 </a14:m>
@@ -25130,741 +25735,25 @@
               <a:p>
                 <a:r>
                   <a:rPr lang="en-US" dirty="0"/>
-                  <a:t>Using only </a:t>
-                </a:r>
-                <a14:m>
-                  <m:oMath xmlns:m="http://schemas.openxmlformats.org/officeDocument/2006/math">
-                    <m:sSub>
-                      <m:sSubPr>
-                        <m:ctrlPr>
-                          <a:rPr lang="en-US" i="1">
-                            <a:latin typeface="Cambria Math" panose="02040503050406030204" pitchFamily="18" charset="0"/>
-                          </a:rPr>
-                        </m:ctrlPr>
-                      </m:sSubPr>
-                      <m:e>
-                        <m:r>
-                          <a:rPr lang="en-US" i="1">
-                            <a:latin typeface="Cambria Math" panose="02040503050406030204" pitchFamily="18" charset="0"/>
-                          </a:rPr>
-                          <m:t>𝑥</m:t>
-                        </m:r>
-                      </m:e>
-                      <m:sub>
-                        <m:r>
-                          <a:rPr lang="en-US" i="1">
-                            <a:latin typeface="Cambria Math" panose="02040503050406030204" pitchFamily="18" charset="0"/>
-                          </a:rPr>
-                          <m:t>𝑖</m:t>
-                        </m:r>
-                      </m:sub>
-                    </m:sSub>
-                    <m:r>
-                      <a:rPr lang="en-US" i="1">
-                        <a:latin typeface="Cambria Math" panose="02040503050406030204" pitchFamily="18" charset="0"/>
-                      </a:rPr>
-                      <m:t>,</m:t>
-                    </m:r>
-                  </m:oMath>
-                </a14:m>
-                <a:r>
-                  <a:rPr lang="en-US" dirty="0"/>
-                  <a:t> we can only fit a linear model  </a:t>
-                </a:r>
-                <a14:m>
-                  <m:oMath xmlns:m="http://schemas.openxmlformats.org/officeDocument/2006/math">
-                    <m:r>
-                      <a:rPr lang="en-US" i="1">
-                        <a:latin typeface="Cambria Math" panose="02040503050406030204" pitchFamily="18" charset="0"/>
-                      </a:rPr>
-                      <m:t>𝑦</m:t>
-                    </m:r>
-                    <m:r>
-                      <a:rPr lang="en-US" i="1">
-                        <a:latin typeface="Cambria Math" panose="02040503050406030204" pitchFamily="18" charset="0"/>
-                      </a:rPr>
-                      <m:t>≈</m:t>
-                    </m:r>
-                    <m:sSub>
-                      <m:sSubPr>
-                        <m:ctrlPr>
-                          <a:rPr lang="en-US" i="1">
-                            <a:latin typeface="Cambria Math" panose="02040503050406030204" pitchFamily="18" charset="0"/>
-                          </a:rPr>
-                        </m:ctrlPr>
-                      </m:sSubPr>
-                      <m:e>
-                        <m:r>
-                          <a:rPr lang="en-US" i="1">
-                            <a:latin typeface="Cambria Math" panose="02040503050406030204" pitchFamily="18" charset="0"/>
-                          </a:rPr>
-                          <m:t>𝛽</m:t>
-                        </m:r>
-                      </m:e>
-                      <m:sub>
-                        <m:r>
-                          <a:rPr lang="en-US" i="1">
-                            <a:latin typeface="Cambria Math" panose="02040503050406030204" pitchFamily="18" charset="0"/>
-                          </a:rPr>
-                          <m:t>0</m:t>
-                        </m:r>
-                      </m:sub>
-                    </m:sSub>
-                    <m:r>
-                      <a:rPr lang="en-US" i="1">
-                        <a:latin typeface="Cambria Math" panose="02040503050406030204" pitchFamily="18" charset="0"/>
-                      </a:rPr>
-                      <m:t>+</m:t>
-                    </m:r>
-                    <m:sSub>
-                      <m:sSubPr>
-                        <m:ctrlPr>
-                          <a:rPr lang="en-US" i="1">
-                            <a:latin typeface="Cambria Math" panose="02040503050406030204" pitchFamily="18" charset="0"/>
-                          </a:rPr>
-                        </m:ctrlPr>
-                      </m:sSubPr>
-                      <m:e>
-                        <m:r>
-                          <a:rPr lang="en-US" i="1">
-                            <a:latin typeface="Cambria Math" panose="02040503050406030204" pitchFamily="18" charset="0"/>
-                          </a:rPr>
-                          <m:t>𝛽</m:t>
-                        </m:r>
-                      </m:e>
-                      <m:sub>
-                        <m:r>
-                          <a:rPr lang="en-US" i="1">
-                            <a:latin typeface="Cambria Math" panose="02040503050406030204" pitchFamily="18" charset="0"/>
-                          </a:rPr>
-                          <m:t>1</m:t>
-                        </m:r>
-                      </m:sub>
-                    </m:sSub>
-                    <m:r>
-                      <a:rPr lang="en-US" i="1">
-                        <a:latin typeface="Cambria Math" panose="02040503050406030204" pitchFamily="18" charset="0"/>
-                      </a:rPr>
-                      <m:t>𝑥</m:t>
-                    </m:r>
-                  </m:oMath>
-                </a14:m>
-                <a:endParaRPr lang="en-US" dirty="0"/>
+                  <a:t>Enables a much richer class </a:t>
+                </a:r>
               </a:p>
               <a:p>
-                <a:r>
-                  <a:rPr lang="en-US" dirty="0"/>
-                  <a:t>How do we fit a model with degree d&gt;1?</a:t>
-                </a:r>
-              </a:p>
-              <a:p>
-                <a:r>
-                  <a:rPr lang="en-US" dirty="0"/>
-                  <a:t>Generate multiple transformed features from </a:t>
-                </a:r>
-                <a14:m>
-                  <m:oMath xmlns:m="http://schemas.openxmlformats.org/officeDocument/2006/math">
-                    <m:r>
-                      <a:rPr lang="en-US" i="1">
-                        <a:latin typeface="Cambria Math" panose="02040503050406030204" pitchFamily="18" charset="0"/>
-                      </a:rPr>
-                      <m:t>𝑥</m:t>
-                    </m:r>
-                    <m:r>
-                      <a:rPr lang="en-US" i="1">
-                        <a:latin typeface="Cambria Math" panose="02040503050406030204" pitchFamily="18" charset="0"/>
-                      </a:rPr>
-                      <m:t> </m:t>
-                    </m:r>
-                  </m:oMath>
-                </a14:m>
-                <a:r>
-                  <a:rPr lang="en-US" dirty="0"/>
-                  <a:t>: </a:t>
-                </a:r>
-                <a14:m>
-                  <m:oMath xmlns:m="http://schemas.openxmlformats.org/officeDocument/2006/math">
-                    <m:r>
-                      <a:rPr lang="en-US" b="0" i="1" smtClean="0">
-                        <a:latin typeface="Cambria Math" panose="02040503050406030204" pitchFamily="18" charset="0"/>
-                      </a:rPr>
-                      <m:t>𝑥</m:t>
-                    </m:r>
-                    <m:r>
-                      <a:rPr lang="en-US" b="0" i="1" smtClean="0">
-                        <a:latin typeface="Cambria Math" panose="02040503050406030204" pitchFamily="18" charset="0"/>
-                      </a:rPr>
-                      <m:t>, </m:t>
-                    </m:r>
-                    <m:sSup>
-                      <m:sSupPr>
-                        <m:ctrlPr>
-                          <a:rPr lang="en-US" b="0" i="1" smtClean="0">
-                            <a:latin typeface="Cambria Math" panose="02040503050406030204" pitchFamily="18" charset="0"/>
-                          </a:rPr>
-                        </m:ctrlPr>
-                      </m:sSupPr>
-                      <m:e>
-                        <m:r>
-                          <a:rPr lang="en-US" b="0" i="1" smtClean="0">
-                            <a:latin typeface="Cambria Math" panose="02040503050406030204" pitchFamily="18" charset="0"/>
-                          </a:rPr>
-                          <m:t>𝑥</m:t>
-                        </m:r>
-                      </m:e>
-                      <m:sup>
-                        <m:r>
-                          <a:rPr lang="en-US" b="0" i="1" smtClean="0">
-                            <a:latin typeface="Cambria Math" panose="02040503050406030204" pitchFamily="18" charset="0"/>
-                          </a:rPr>
-                          <m:t>2</m:t>
-                        </m:r>
-                      </m:sup>
-                    </m:sSup>
-                  </m:oMath>
-                </a14:m>
-                <a:r>
-                  <a:rPr lang="en-US" dirty="0"/>
-                  <a:t>,…, </a:t>
-                </a:r>
-                <a14:m>
-                  <m:oMath xmlns:m="http://schemas.openxmlformats.org/officeDocument/2006/math">
-                    <m:sSup>
-                      <m:sSupPr>
-                        <m:ctrlPr>
-                          <a:rPr lang="en-US" i="1">
-                            <a:latin typeface="Cambria Math" panose="02040503050406030204" pitchFamily="18" charset="0"/>
-                          </a:rPr>
-                        </m:ctrlPr>
-                      </m:sSupPr>
-                      <m:e>
-                        <m:r>
-                          <a:rPr lang="en-US" i="1">
-                            <a:latin typeface="Cambria Math" panose="02040503050406030204" pitchFamily="18" charset="0"/>
-                          </a:rPr>
-                          <m:t>𝑥</m:t>
-                        </m:r>
-                      </m:e>
-                      <m:sup>
-                        <m:r>
-                          <a:rPr lang="en-US" b="0" i="1" smtClean="0">
-                            <a:latin typeface="Cambria Math" panose="02040503050406030204" pitchFamily="18" charset="0"/>
-                          </a:rPr>
-                          <m:t>𝑑</m:t>
-                        </m:r>
-                      </m:sup>
-                    </m:sSup>
-                  </m:oMath>
-                </a14:m>
                 <a:endParaRPr lang="en-US" dirty="0"/>
-              </a:p>
-              <a:p>
-                <a:r>
-                  <a:rPr lang="en-US" dirty="0"/>
-                  <a:t>Form feature matrix and coefficient vector</a:t>
-                </a:r>
-                <a:br>
-                  <a:rPr lang="en-US" dirty="0"/>
-                </a:br>
-                <a:br>
-                  <a:rPr lang="en-US" dirty="0"/>
-                </a:br>
-                <a14:m>
-                  <m:oMath xmlns:m="http://schemas.openxmlformats.org/officeDocument/2006/math">
-                    <m:r>
-                      <a:rPr lang="en-US" b="1" i="1" smtClean="0">
-                        <a:latin typeface="Cambria Math" panose="02040503050406030204" pitchFamily="18" charset="0"/>
-                      </a:rPr>
-                      <m:t>𝑨</m:t>
-                    </m:r>
-                    <m:r>
-                      <a:rPr lang="en-US" b="0" i="1" smtClean="0">
-                        <a:latin typeface="Cambria Math" panose="02040503050406030204" pitchFamily="18" charset="0"/>
-                      </a:rPr>
-                      <m:t>=</m:t>
-                    </m:r>
-                    <m:d>
-                      <m:dPr>
-                        <m:begChr m:val="["/>
-                        <m:endChr m:val="]"/>
-                        <m:ctrlPr>
-                          <a:rPr lang="en-US" b="0" i="1" smtClean="0">
-                            <a:latin typeface="Cambria Math" panose="02040503050406030204" pitchFamily="18" charset="0"/>
-                          </a:rPr>
-                        </m:ctrlPr>
-                      </m:dPr>
-                      <m:e>
-                        <m:m>
-                          <m:mPr>
-                            <m:mcs>
-                              <m:mc>
-                                <m:mcPr>
-                                  <m:count m:val="3"/>
-                                  <m:mcJc m:val="center"/>
-                                </m:mcPr>
-                              </m:mc>
-                            </m:mcs>
-                            <m:ctrlPr>
-                              <a:rPr lang="en-US" b="0" i="1" smtClean="0">
-                                <a:latin typeface="Cambria Math" panose="02040503050406030204" pitchFamily="18" charset="0"/>
-                              </a:rPr>
-                            </m:ctrlPr>
-                          </m:mPr>
-                          <m:mr>
-                            <m:e>
-                              <m:r>
-                                <m:rPr>
-                                  <m:brk m:alnAt="7"/>
-                                </m:rPr>
-                                <a:rPr lang="en-US" b="0" i="1" smtClean="0">
-                                  <a:latin typeface="Cambria Math" panose="02040503050406030204" pitchFamily="18" charset="0"/>
-                                </a:rPr>
-                                <m:t>1</m:t>
-                              </m:r>
-                            </m:e>
-                            <m:e>
-                              <m:sSub>
-                                <m:sSubPr>
-                                  <m:ctrlPr>
-                                    <a:rPr lang="en-US" b="0" i="1" smtClean="0">
-                                      <a:latin typeface="Cambria Math" panose="02040503050406030204" pitchFamily="18" charset="0"/>
-                                    </a:rPr>
-                                  </m:ctrlPr>
-                                </m:sSubPr>
-                                <m:e>
-                                  <m:r>
-                                    <a:rPr lang="en-US" b="0" i="1" smtClean="0">
-                                      <a:latin typeface="Cambria Math" panose="02040503050406030204" pitchFamily="18" charset="0"/>
-                                    </a:rPr>
-                                    <m:t>𝑥</m:t>
-                                  </m:r>
-                                </m:e>
-                                <m:sub>
-                                  <m:r>
-                                    <a:rPr lang="en-US" b="0" i="1" smtClean="0">
-                                      <a:latin typeface="Cambria Math" panose="02040503050406030204" pitchFamily="18" charset="0"/>
-                                    </a:rPr>
-                                    <m:t>1</m:t>
-                                  </m:r>
-                                </m:sub>
-                              </m:sSub>
-                            </m:e>
-                            <m:e>
-                              <m:m>
-                                <m:mPr>
-                                  <m:mcs>
-                                    <m:mc>
-                                      <m:mcPr>
-                                        <m:count m:val="2"/>
-                                        <m:mcJc m:val="center"/>
-                                      </m:mcPr>
-                                    </m:mc>
-                                  </m:mcs>
-                                  <m:ctrlPr>
-                                    <a:rPr lang="en-US" b="0" i="1" smtClean="0">
-                                      <a:latin typeface="Cambria Math" panose="02040503050406030204" pitchFamily="18" charset="0"/>
-                                    </a:rPr>
-                                  </m:ctrlPr>
-                                </m:mPr>
-                                <m:mr>
-                                  <m:e>
-                                    <m:r>
-                                      <a:rPr lang="en-US" b="0" i="1" smtClean="0">
-                                        <a:latin typeface="Cambria Math" panose="02040503050406030204" pitchFamily="18" charset="0"/>
-                                      </a:rPr>
-                                      <m:t>⋯</m:t>
-                                    </m:r>
-                                  </m:e>
-                                  <m:e>
-                                    <m:sSubSup>
-                                      <m:sSubSupPr>
-                                        <m:ctrlPr>
-                                          <a:rPr lang="en-US" b="0" i="1" smtClean="0">
-                                            <a:latin typeface="Cambria Math" panose="02040503050406030204" pitchFamily="18" charset="0"/>
-                                          </a:rPr>
-                                        </m:ctrlPr>
-                                      </m:sSubSupPr>
-                                      <m:e>
-                                        <m:r>
-                                          <a:rPr lang="en-US" b="0" i="1" smtClean="0">
-                                            <a:latin typeface="Cambria Math" panose="02040503050406030204" pitchFamily="18" charset="0"/>
-                                          </a:rPr>
-                                          <m:t>𝑥</m:t>
-                                        </m:r>
-                                      </m:e>
-                                      <m:sub>
-                                        <m:r>
-                                          <a:rPr lang="en-US" b="0" i="1" smtClean="0">
-                                            <a:latin typeface="Cambria Math" panose="02040503050406030204" pitchFamily="18" charset="0"/>
-                                          </a:rPr>
-                                          <m:t>1</m:t>
-                                        </m:r>
-                                      </m:sub>
-                                      <m:sup>
-                                        <m:r>
-                                          <a:rPr lang="en-US" b="0" i="1" smtClean="0">
-                                            <a:latin typeface="Cambria Math" panose="02040503050406030204" pitchFamily="18" charset="0"/>
-                                          </a:rPr>
-                                          <m:t>𝑑</m:t>
-                                        </m:r>
-                                      </m:sup>
-                                    </m:sSubSup>
-                                  </m:e>
-                                </m:mr>
-                              </m:m>
-                            </m:e>
-                          </m:mr>
-                          <m:mr>
-                            <m:e>
-                              <m:r>
-                                <a:rPr lang="en-US" b="0" i="1" smtClean="0">
-                                  <a:latin typeface="Cambria Math" panose="02040503050406030204" pitchFamily="18" charset="0"/>
-                                </a:rPr>
-                                <m:t>⋮</m:t>
-                              </m:r>
-                            </m:e>
-                            <m:e>
-                              <m:r>
-                                <a:rPr lang="en-US" b="0" i="1" smtClean="0">
-                                  <a:latin typeface="Cambria Math" panose="02040503050406030204" pitchFamily="18" charset="0"/>
-                                </a:rPr>
-                                <m:t>⋮</m:t>
-                              </m:r>
-                            </m:e>
-                            <m:e>
-                              <m:m>
-                                <m:mPr>
-                                  <m:mcs>
-                                    <m:mc>
-                                      <m:mcPr>
-                                        <m:count m:val="2"/>
-                                        <m:mcJc m:val="center"/>
-                                      </m:mcPr>
-                                    </m:mc>
-                                  </m:mcs>
-                                  <m:ctrlPr>
-                                    <a:rPr lang="en-US" i="1">
-                                      <a:latin typeface="Cambria Math" panose="02040503050406030204" pitchFamily="18" charset="0"/>
-                                    </a:rPr>
-                                  </m:ctrlPr>
-                                </m:mPr>
-                                <m:mr>
-                                  <m:e>
-                                    <m:r>
-                                      <a:rPr lang="en-US" i="1">
-                                        <a:latin typeface="Cambria Math" panose="02040503050406030204" pitchFamily="18" charset="0"/>
-                                      </a:rPr>
-                                      <m:t>⋯</m:t>
-                                    </m:r>
-                                  </m:e>
-                                  <m:e>
-                                    <m:r>
-                                      <a:rPr lang="en-US" b="0" i="1" smtClean="0">
-                                        <a:latin typeface="Cambria Math" panose="02040503050406030204" pitchFamily="18" charset="0"/>
-                                      </a:rPr>
-                                      <m:t>⋮</m:t>
-                                    </m:r>
-                                  </m:e>
-                                </m:mr>
-                              </m:m>
-                            </m:e>
-                          </m:mr>
-                          <m:mr>
-                            <m:e>
-                              <m:r>
-                                <a:rPr lang="en-US" b="0" i="1" smtClean="0">
-                                  <a:latin typeface="Cambria Math" panose="02040503050406030204" pitchFamily="18" charset="0"/>
-                                </a:rPr>
-                                <m:t>1</m:t>
-                              </m:r>
-                            </m:e>
-                            <m:e>
-                              <m:sSub>
-                                <m:sSubPr>
-                                  <m:ctrlPr>
-                                    <a:rPr lang="en-US" b="0" i="1" smtClean="0">
-                                      <a:latin typeface="Cambria Math" panose="02040503050406030204" pitchFamily="18" charset="0"/>
-                                    </a:rPr>
-                                  </m:ctrlPr>
-                                </m:sSubPr>
-                                <m:e>
-                                  <m:r>
-                                    <a:rPr lang="en-US" b="0" i="1" smtClean="0">
-                                      <a:latin typeface="Cambria Math" panose="02040503050406030204" pitchFamily="18" charset="0"/>
-                                    </a:rPr>
-                                    <m:t>𝑥</m:t>
-                                  </m:r>
-                                </m:e>
-                                <m:sub>
-                                  <m:r>
-                                    <a:rPr lang="en-US" b="0" i="1" smtClean="0">
-                                      <a:latin typeface="Cambria Math" panose="02040503050406030204" pitchFamily="18" charset="0"/>
-                                    </a:rPr>
-                                    <m:t>𝑛</m:t>
-                                  </m:r>
-                                </m:sub>
-                              </m:sSub>
-                            </m:e>
-                            <m:e>
-                              <m:m>
-                                <m:mPr>
-                                  <m:mcs>
-                                    <m:mc>
-                                      <m:mcPr>
-                                        <m:count m:val="2"/>
-                                        <m:mcJc m:val="center"/>
-                                      </m:mcPr>
-                                    </m:mc>
-                                  </m:mcs>
-                                  <m:ctrlPr>
-                                    <a:rPr lang="en-US" i="1">
-                                      <a:latin typeface="Cambria Math" panose="02040503050406030204" pitchFamily="18" charset="0"/>
-                                    </a:rPr>
-                                  </m:ctrlPr>
-                                </m:mPr>
-                                <m:mr>
-                                  <m:e>
-                                    <m:r>
-                                      <a:rPr lang="en-US" i="1">
-                                        <a:latin typeface="Cambria Math" panose="02040503050406030204" pitchFamily="18" charset="0"/>
-                                      </a:rPr>
-                                      <m:t>⋯</m:t>
-                                    </m:r>
-                                  </m:e>
-                                  <m:e>
-                                    <m:sSubSup>
-                                      <m:sSubSupPr>
-                                        <m:ctrlPr>
-                                          <a:rPr lang="en-US" i="1">
-                                            <a:latin typeface="Cambria Math" panose="02040503050406030204" pitchFamily="18" charset="0"/>
-                                          </a:rPr>
-                                        </m:ctrlPr>
-                                      </m:sSubSupPr>
-                                      <m:e>
-                                        <m:r>
-                                          <a:rPr lang="en-US" i="1">
-                                            <a:latin typeface="Cambria Math" panose="02040503050406030204" pitchFamily="18" charset="0"/>
-                                          </a:rPr>
-                                          <m:t>𝑥</m:t>
-                                        </m:r>
-                                      </m:e>
-                                      <m:sub>
-                                        <m:r>
-                                          <a:rPr lang="en-US" b="0" i="1" smtClean="0">
-                                            <a:latin typeface="Cambria Math" panose="02040503050406030204" pitchFamily="18" charset="0"/>
-                                          </a:rPr>
-                                          <m:t>𝑛</m:t>
-                                        </m:r>
-                                      </m:sub>
-                                      <m:sup>
-                                        <m:r>
-                                          <a:rPr lang="en-US" i="1">
-                                            <a:latin typeface="Cambria Math" panose="02040503050406030204" pitchFamily="18" charset="0"/>
-                                          </a:rPr>
-                                          <m:t>𝑑</m:t>
-                                        </m:r>
-                                      </m:sup>
-                                    </m:sSubSup>
-                                  </m:e>
-                                </m:mr>
-                              </m:m>
-                            </m:e>
-                          </m:mr>
-                        </m:m>
-                      </m:e>
-                    </m:d>
-                    <m:r>
-                      <a:rPr lang="en-US" b="0" i="1" smtClean="0">
-                        <a:latin typeface="Cambria Math" panose="02040503050406030204" pitchFamily="18" charset="0"/>
-                      </a:rPr>
-                      <m:t>,   </m:t>
-                    </m:r>
-                    <m:r>
-                      <a:rPr lang="en-US" b="0" i="1" smtClean="0">
-                        <a:latin typeface="Cambria Math" panose="02040503050406030204" pitchFamily="18" charset="0"/>
-                      </a:rPr>
-                      <m:t>𝛽</m:t>
-                    </m:r>
-                    <m:r>
-                      <a:rPr lang="en-US" b="0" i="1" smtClean="0">
-                        <a:latin typeface="Cambria Math" panose="02040503050406030204" pitchFamily="18" charset="0"/>
-                      </a:rPr>
-                      <m:t>=</m:t>
-                    </m:r>
-                    <m:d>
-                      <m:dPr>
-                        <m:begChr m:val="["/>
-                        <m:endChr m:val="]"/>
-                        <m:ctrlPr>
-                          <a:rPr lang="en-US" i="1">
-                            <a:latin typeface="Cambria Math" panose="02040503050406030204" pitchFamily="18" charset="0"/>
-                          </a:rPr>
-                        </m:ctrlPr>
-                      </m:dPr>
-                      <m:e>
-                        <m:m>
-                          <m:mPr>
-                            <m:mcs>
-                              <m:mc>
-                                <m:mcPr>
-                                  <m:count m:val="1"/>
-                                  <m:mcJc m:val="center"/>
-                                </m:mcPr>
-                              </m:mc>
-                            </m:mcs>
-                            <m:ctrlPr>
-                              <a:rPr lang="en-US" i="1" smtClean="0">
-                                <a:latin typeface="Cambria Math" panose="02040503050406030204" pitchFamily="18" charset="0"/>
-                              </a:rPr>
-                            </m:ctrlPr>
-                          </m:mPr>
-                          <m:mr>
-                            <m:e>
-                              <m:sSub>
-                                <m:sSubPr>
-                                  <m:ctrlPr>
-                                    <a:rPr lang="en-US" b="0" i="1" smtClean="0">
-                                      <a:latin typeface="Cambria Math" panose="02040503050406030204" pitchFamily="18" charset="0"/>
-                                    </a:rPr>
-                                  </m:ctrlPr>
-                                </m:sSubPr>
-                                <m:e>
-                                  <m:r>
-                                    <a:rPr lang="en-US" b="0" i="1" smtClean="0">
-                                      <a:latin typeface="Cambria Math" panose="02040503050406030204" pitchFamily="18" charset="0"/>
-                                    </a:rPr>
-                                    <m:t>𝛽</m:t>
-                                  </m:r>
-                                </m:e>
-                                <m:sub>
-                                  <m:r>
-                                    <a:rPr lang="en-US" b="0" i="1" smtClean="0">
-                                      <a:latin typeface="Cambria Math" panose="02040503050406030204" pitchFamily="18" charset="0"/>
-                                    </a:rPr>
-                                    <m:t>0</m:t>
-                                  </m:r>
-                                </m:sub>
-                              </m:sSub>
-                            </m:e>
-                          </m:mr>
-                          <m:mr>
-                            <m:e>
-                              <m:r>
-                                <a:rPr lang="en-US" b="0" i="1" smtClean="0">
-                                  <a:latin typeface="Cambria Math" panose="02040503050406030204" pitchFamily="18" charset="0"/>
-                                </a:rPr>
-                                <m:t>⋮</m:t>
-                              </m:r>
-                            </m:e>
-                          </m:mr>
-                          <m:mr>
-                            <m:e>
-                              <m:sSub>
-                                <m:sSubPr>
-                                  <m:ctrlPr>
-                                    <a:rPr lang="en-US" b="0" i="1" smtClean="0">
-                                      <a:latin typeface="Cambria Math" panose="02040503050406030204" pitchFamily="18" charset="0"/>
-                                    </a:rPr>
-                                  </m:ctrlPr>
-                                </m:sSubPr>
-                                <m:e>
-                                  <m:r>
-                                    <a:rPr lang="en-US" b="0" i="1" smtClean="0">
-                                      <a:latin typeface="Cambria Math" panose="02040503050406030204" pitchFamily="18" charset="0"/>
-                                    </a:rPr>
-                                    <m:t>𝛽</m:t>
-                                  </m:r>
-                                </m:e>
-                                <m:sub>
-                                  <m:r>
-                                    <a:rPr lang="en-US" b="0" i="1" smtClean="0">
-                                      <a:latin typeface="Cambria Math" panose="02040503050406030204" pitchFamily="18" charset="0"/>
-                                    </a:rPr>
-                                    <m:t>𝑑</m:t>
-                                  </m:r>
-                                </m:sub>
-                              </m:sSub>
-                            </m:e>
-                          </m:mr>
-                        </m:m>
-                      </m:e>
-                    </m:d>
-                  </m:oMath>
-                </a14:m>
-                <a:endParaRPr lang="en-US" dirty="0"/>
-              </a:p>
-              <a:p>
-                <a:pPr marL="0" indent="0">
-                  <a:buNone/>
-                </a:pPr>
-                <a:endParaRPr lang="en-US" dirty="0"/>
-              </a:p>
-              <a:p>
-                <a:pPr lvl="1"/>
-                <a14:m>
-                  <m:oMath xmlns:m="http://schemas.openxmlformats.org/officeDocument/2006/math">
-                    <m:r>
-                      <a:rPr lang="en-US" b="0" i="1" smtClean="0">
-                        <a:latin typeface="Cambria Math" panose="02040503050406030204" pitchFamily="18" charset="0"/>
-                      </a:rPr>
-                      <m:t>𝑝</m:t>
-                    </m:r>
-                    <m:r>
-                      <a:rPr lang="en-US" b="0" i="1" smtClean="0">
-                        <a:latin typeface="Cambria Math" panose="02040503050406030204" pitchFamily="18" charset="0"/>
-                      </a:rPr>
-                      <m:t>=</m:t>
-                    </m:r>
-                    <m:r>
-                      <a:rPr lang="en-US" b="0" i="1" smtClean="0">
-                        <a:latin typeface="Cambria Math" panose="02040503050406030204" pitchFamily="18" charset="0"/>
-                      </a:rPr>
-                      <m:t>𝑑</m:t>
-                    </m:r>
-                    <m:r>
-                      <a:rPr lang="en-US" b="0" i="1" smtClean="0">
-                        <a:latin typeface="Cambria Math" panose="02040503050406030204" pitchFamily="18" charset="0"/>
-                      </a:rPr>
-                      <m:t>+1</m:t>
-                    </m:r>
-                  </m:oMath>
-                </a14:m>
-                <a:r>
-                  <a:rPr lang="en-US" dirty="0"/>
-                  <a:t> </a:t>
-                </a:r>
-                <a:r>
-                  <a:rPr lang="en-US" dirty="0">
-                    <a:solidFill>
-                      <a:srgbClr val="FF0000"/>
-                    </a:solidFill>
-                  </a:rPr>
-                  <a:t>transformed features </a:t>
-                </a:r>
-                <a:r>
-                  <a:rPr lang="en-US" dirty="0"/>
-                  <a:t>from 1 original feature</a:t>
-                </a:r>
-              </a:p>
-              <a:p>
-                <a:r>
-                  <a:rPr lang="en-US" dirty="0"/>
-                  <a:t>Will discuss model order selection in next year</a:t>
-                </a:r>
-              </a:p>
-              <a:p>
-                <a:r>
-                  <a:rPr lang="en-US" dirty="0"/>
-                  <a:t>Extensions to other nonlinear transforms</a:t>
-                </a:r>
               </a:p>
             </p:txBody>
           </p:sp>
         </mc:Choice>
-        <mc:Fallback xmlns="">
+        <mc:Fallback>
           <p:sp>
             <p:nvSpPr>
-              <p:cNvPr id="3" name="Content Placeholder 2"/>
+              <p:cNvPr id="3" name="Content Placeholder 2">
+                <a:extLst>
+                  <a:ext uri="{FF2B5EF4-FFF2-40B4-BE49-F238E27FC236}">
+                    <a16:creationId xmlns:a16="http://schemas.microsoft.com/office/drawing/2014/main" id="{EB34FFE9-ECEF-499A-818E-F5327C72E8E0}"/>
+                  </a:ext>
+                </a:extLst>
+              </p:cNvPr>
               <p:cNvSpPr>
                 <a:spLocks noGrp="1" noRot="1" noChangeAspect="1" noMove="1" noResize="1" noEditPoints="1" noAdjustHandles="1" noChangeArrowheads="1" noChangeShapeType="1" noTextEdit="1"/>
               </p:cNvSpPr>
@@ -25873,14 +25762,10 @@
               </p:nvPr>
             </p:nvSpPr>
             <p:spPr>
-              <a:xfrm>
-                <a:off x="1097280" y="1539277"/>
-                <a:ext cx="5932694" cy="4329817"/>
-              </a:xfrm>
               <a:blipFill>
                 <a:blip r:embed="rId2"/>
                 <a:stretch>
-                  <a:fillRect l="-1493" t="-1170"/>
+                  <a:fillRect l="-1455" t="-1549"/>
                 </a:stretch>
               </a:blipFill>
             </p:spPr>
@@ -25901,7 +25786,13 @@
       </mc:AlternateContent>
       <p:sp>
         <p:nvSpPr>
-          <p:cNvPr id="4" name="Slide Number Placeholder 3"/>
+          <p:cNvPr id="4" name="Slide Number Placeholder 3">
+            <a:extLst>
+              <a:ext uri="{FF2B5EF4-FFF2-40B4-BE49-F238E27FC236}">
+                <a16:creationId xmlns:a16="http://schemas.microsoft.com/office/drawing/2014/main" id="{3F11E6BC-423B-4488-A9EC-DD14BD99D644}"/>
+              </a:ext>
+            </a:extLst>
+          </p:cNvPr>
           <p:cNvSpPr>
             <a:spLocks noGrp="1"/>
           </p:cNvSpPr>
@@ -25922,34 +25813,10 @@
           </a:p>
         </p:txBody>
       </p:sp>
-      <p:pic>
-        <p:nvPicPr>
-          <p:cNvPr id="6" name="Picture 5"/>
-          <p:cNvPicPr>
-            <a:picLocks noChangeAspect="1"/>
-          </p:cNvPicPr>
-          <p:nvPr/>
-        </p:nvPicPr>
-        <p:blipFill>
-          <a:blip r:embed="rId3"/>
-          <a:stretch>
-            <a:fillRect/>
-          </a:stretch>
-        </p:blipFill>
-        <p:spPr>
-          <a:xfrm>
-            <a:off x="7621555" y="1780134"/>
-            <a:ext cx="3849811" cy="3110647"/>
-          </a:xfrm>
-          <a:prstGeom prst="rect">
-            <a:avLst/>
-          </a:prstGeom>
-        </p:spPr>
-      </p:pic>
     </p:spTree>
     <p:extLst>
       <p:ext uri="{BB962C8B-B14F-4D97-AF65-F5344CB8AC3E}">
-        <p14:creationId xmlns:p14="http://schemas.microsoft.com/office/powerpoint/2010/main" val="346417768"/>
+        <p14:creationId xmlns:p14="http://schemas.microsoft.com/office/powerpoint/2010/main" val="1791761701"/>
       </p:ext>
     </p:extLst>
   </p:cSld>
@@ -26151,6 +26018,1034 @@
       </p:grpSpPr>
       <p:sp>
         <p:nvSpPr>
+          <p:cNvPr id="2" name="Title 1">
+            <a:extLst>
+              <a:ext uri="{FF2B5EF4-FFF2-40B4-BE49-F238E27FC236}">
+                <a16:creationId xmlns:a16="http://schemas.microsoft.com/office/drawing/2014/main" id="{C3779EE5-DE3E-4D65-9E97-F9C477C017E2}"/>
+              </a:ext>
+            </a:extLst>
+          </p:cNvPr>
+          <p:cNvSpPr>
+            <a:spLocks noGrp="1"/>
+          </p:cNvSpPr>
+          <p:nvPr>
+            <p:ph type="title"/>
+          </p:nvPr>
+        </p:nvSpPr>
+        <p:spPr/>
+        <p:txBody>
+          <a:bodyPr>
+            <a:normAutofit/>
+          </a:bodyPr>
+          <a:lstStyle/>
+          <a:p>
+            <a:r>
+              <a:rPr lang="en-US" dirty="0"/>
+              <a:t>Fitting Transformed Linear Models</a:t>
+            </a:r>
+          </a:p>
+        </p:txBody>
+      </p:sp>
+      <mc:AlternateContent xmlns:mc="http://schemas.openxmlformats.org/markup-compatibility/2006">
+        <mc:Choice xmlns:a14="http://schemas.microsoft.com/office/drawing/2010/main" Requires="a14">
+          <p:sp>
+            <p:nvSpPr>
+              <p:cNvPr id="3" name="Content Placeholder 2">
+                <a:extLst>
+                  <a:ext uri="{FF2B5EF4-FFF2-40B4-BE49-F238E27FC236}">
+                    <a16:creationId xmlns:a16="http://schemas.microsoft.com/office/drawing/2014/main" id="{EB34FFE9-ECEF-499A-818E-F5327C72E8E0}"/>
+                  </a:ext>
+                </a:extLst>
+              </p:cNvPr>
+              <p:cNvSpPr>
+                <a:spLocks noGrp="1"/>
+              </p:cNvSpPr>
+              <p:nvPr>
+                <p:ph idx="1"/>
+              </p:nvPr>
+            </p:nvSpPr>
+            <p:spPr/>
+            <p:txBody>
+              <a:bodyPr>
+                <a:normAutofit/>
+              </a:bodyPr>
+              <a:lstStyle/>
+              <a:p>
+                <a:r>
+                  <a:rPr lang="en-US" dirty="0"/>
+                  <a:t>Consider transformed linear model</a:t>
+                </a:r>
+                <a:br>
+                  <a:rPr lang="en-US" dirty="0"/>
+                </a:br>
+                <a14:m>
+                  <m:oMath xmlns:m="http://schemas.openxmlformats.org/officeDocument/2006/math">
+                    <m:acc>
+                      <m:accPr>
+                        <m:chr m:val="̂"/>
+                        <m:ctrlPr>
+                          <a:rPr lang="en-US" i="1">
+                            <a:latin typeface="Cambria Math" panose="02040503050406030204" pitchFamily="18" charset="0"/>
+                          </a:rPr>
+                        </m:ctrlPr>
+                      </m:accPr>
+                      <m:e>
+                        <m:r>
+                          <a:rPr lang="en-US" i="1">
+                            <a:latin typeface="Cambria Math" panose="02040503050406030204" pitchFamily="18" charset="0"/>
+                          </a:rPr>
+                          <m:t>𝑦</m:t>
+                        </m:r>
+                      </m:e>
+                    </m:acc>
+                    <m:r>
+                      <a:rPr lang="en-US" i="1">
+                        <a:latin typeface="Cambria Math" panose="02040503050406030204" pitchFamily="18" charset="0"/>
+                      </a:rPr>
+                      <m:t>=</m:t>
+                    </m:r>
+                    <m:sSub>
+                      <m:sSubPr>
+                        <m:ctrlPr>
+                          <a:rPr lang="en-US" i="1">
+                            <a:latin typeface="Cambria Math" panose="02040503050406030204" pitchFamily="18" charset="0"/>
+                          </a:rPr>
+                        </m:ctrlPr>
+                      </m:sSubPr>
+                      <m:e>
+                        <m:r>
+                          <a:rPr lang="en-US" i="1">
+                            <a:latin typeface="Cambria Math" panose="02040503050406030204" pitchFamily="18" charset="0"/>
+                          </a:rPr>
+                          <m:t>𝛽</m:t>
+                        </m:r>
+                      </m:e>
+                      <m:sub>
+                        <m:r>
+                          <a:rPr lang="en-US" i="1">
+                            <a:latin typeface="Cambria Math" panose="02040503050406030204" pitchFamily="18" charset="0"/>
+                          </a:rPr>
+                          <m:t>1</m:t>
+                        </m:r>
+                      </m:sub>
+                    </m:sSub>
+                    <m:sSub>
+                      <m:sSubPr>
+                        <m:ctrlPr>
+                          <a:rPr lang="en-US" i="1">
+                            <a:latin typeface="Cambria Math" panose="02040503050406030204" pitchFamily="18" charset="0"/>
+                          </a:rPr>
+                        </m:ctrlPr>
+                      </m:sSubPr>
+                      <m:e>
+                        <m:r>
+                          <a:rPr lang="en-US" i="1">
+                            <a:latin typeface="Cambria Math" panose="02040503050406030204" pitchFamily="18" charset="0"/>
+                          </a:rPr>
+                          <m:t>𝜙</m:t>
+                        </m:r>
+                      </m:e>
+                      <m:sub>
+                        <m:r>
+                          <a:rPr lang="en-US" i="1">
+                            <a:latin typeface="Cambria Math" panose="02040503050406030204" pitchFamily="18" charset="0"/>
+                          </a:rPr>
+                          <m:t>1</m:t>
+                        </m:r>
+                      </m:sub>
+                    </m:sSub>
+                    <m:d>
+                      <m:dPr>
+                        <m:ctrlPr>
+                          <a:rPr lang="en-US" i="1">
+                            <a:latin typeface="Cambria Math" panose="02040503050406030204" pitchFamily="18" charset="0"/>
+                          </a:rPr>
+                        </m:ctrlPr>
+                      </m:dPr>
+                      <m:e>
+                        <m:r>
+                          <a:rPr lang="en-US" b="1" i="1">
+                            <a:latin typeface="Cambria Math" panose="02040503050406030204" pitchFamily="18" charset="0"/>
+                          </a:rPr>
+                          <m:t>𝒙</m:t>
+                        </m:r>
+                      </m:e>
+                    </m:d>
+                    <m:r>
+                      <a:rPr lang="en-US" i="1">
+                        <a:latin typeface="Cambria Math" panose="02040503050406030204" pitchFamily="18" charset="0"/>
+                      </a:rPr>
+                      <m:t>+⋯+</m:t>
+                    </m:r>
+                    <m:sSub>
+                      <m:sSubPr>
+                        <m:ctrlPr>
+                          <a:rPr lang="en-US" i="1">
+                            <a:latin typeface="Cambria Math" panose="02040503050406030204" pitchFamily="18" charset="0"/>
+                          </a:rPr>
+                        </m:ctrlPr>
+                      </m:sSubPr>
+                      <m:e>
+                        <m:r>
+                          <a:rPr lang="en-US" i="1">
+                            <a:latin typeface="Cambria Math" panose="02040503050406030204" pitchFamily="18" charset="0"/>
+                          </a:rPr>
+                          <m:t>𝛽</m:t>
+                        </m:r>
+                      </m:e>
+                      <m:sub>
+                        <m:r>
+                          <a:rPr lang="en-US" i="1">
+                            <a:latin typeface="Cambria Math" panose="02040503050406030204" pitchFamily="18" charset="0"/>
+                          </a:rPr>
+                          <m:t>𝑝</m:t>
+                        </m:r>
+                      </m:sub>
+                    </m:sSub>
+                    <m:sSub>
+                      <m:sSubPr>
+                        <m:ctrlPr>
+                          <a:rPr lang="en-US" i="1">
+                            <a:latin typeface="Cambria Math" panose="02040503050406030204" pitchFamily="18" charset="0"/>
+                          </a:rPr>
+                        </m:ctrlPr>
+                      </m:sSubPr>
+                      <m:e>
+                        <m:r>
+                          <a:rPr lang="en-US" i="1">
+                            <a:latin typeface="Cambria Math" panose="02040503050406030204" pitchFamily="18" charset="0"/>
+                          </a:rPr>
+                          <m:t>𝜙</m:t>
+                        </m:r>
+                      </m:e>
+                      <m:sub>
+                        <m:r>
+                          <a:rPr lang="en-US" i="1">
+                            <a:latin typeface="Cambria Math" panose="02040503050406030204" pitchFamily="18" charset="0"/>
+                          </a:rPr>
+                          <m:t>𝑝</m:t>
+                        </m:r>
+                      </m:sub>
+                    </m:sSub>
+                    <m:d>
+                      <m:dPr>
+                        <m:ctrlPr>
+                          <a:rPr lang="en-US" i="1">
+                            <a:latin typeface="Cambria Math" panose="02040503050406030204" pitchFamily="18" charset="0"/>
+                          </a:rPr>
+                        </m:ctrlPr>
+                      </m:dPr>
+                      <m:e>
+                        <m:r>
+                          <a:rPr lang="en-US" b="1" i="1">
+                            <a:latin typeface="Cambria Math" panose="02040503050406030204" pitchFamily="18" charset="0"/>
+                          </a:rPr>
+                          <m:t>𝒙</m:t>
+                        </m:r>
+                      </m:e>
+                    </m:d>
+                  </m:oMath>
+                </a14:m>
+                <a:endParaRPr lang="en-US" b="0" dirty="0"/>
+              </a:p>
+              <a:p>
+                <a:r>
+                  <a:rPr lang="en-US" dirty="0"/>
+                  <a:t>We can fit this model exactly as before</a:t>
+                </a:r>
+              </a:p>
+              <a:p>
+                <a:pPr lvl="1"/>
+                <a:r>
+                  <a:rPr lang="en-US" dirty="0"/>
+                  <a:t>Given data </a:t>
+                </a:r>
+                <a14:m>
+                  <m:oMath xmlns:m="http://schemas.openxmlformats.org/officeDocument/2006/math">
+                    <m:d>
+                      <m:dPr>
+                        <m:ctrlPr>
+                          <a:rPr lang="en-US" b="0" i="1" smtClean="0">
+                            <a:latin typeface="Cambria Math" panose="02040503050406030204" pitchFamily="18" charset="0"/>
+                          </a:rPr>
+                        </m:ctrlPr>
+                      </m:dPr>
+                      <m:e>
+                        <m:sSub>
+                          <m:sSubPr>
+                            <m:ctrlPr>
+                              <a:rPr lang="en-US" b="0" i="1" smtClean="0">
+                                <a:latin typeface="Cambria Math" panose="02040503050406030204" pitchFamily="18" charset="0"/>
+                              </a:rPr>
+                            </m:ctrlPr>
+                          </m:sSubPr>
+                          <m:e>
+                            <m:r>
+                              <a:rPr lang="en-US" b="1" i="1" smtClean="0">
+                                <a:latin typeface="Cambria Math" panose="02040503050406030204" pitchFamily="18" charset="0"/>
+                              </a:rPr>
+                              <m:t>𝒙</m:t>
+                            </m:r>
+                          </m:e>
+                          <m:sub>
+                            <m:r>
+                              <a:rPr lang="en-US" b="0" i="1" smtClean="0">
+                                <a:latin typeface="Cambria Math" panose="02040503050406030204" pitchFamily="18" charset="0"/>
+                              </a:rPr>
+                              <m:t>𝑖</m:t>
+                            </m:r>
+                          </m:sub>
+                        </m:sSub>
+                        <m:r>
+                          <a:rPr lang="en-US" b="0" i="1" smtClean="0">
+                            <a:latin typeface="Cambria Math" panose="02040503050406030204" pitchFamily="18" charset="0"/>
+                          </a:rPr>
+                          <m:t>,</m:t>
+                        </m:r>
+                        <m:sSub>
+                          <m:sSubPr>
+                            <m:ctrlPr>
+                              <a:rPr lang="en-US" b="0" i="1" smtClean="0">
+                                <a:latin typeface="Cambria Math" panose="02040503050406030204" pitchFamily="18" charset="0"/>
+                              </a:rPr>
+                            </m:ctrlPr>
+                          </m:sSubPr>
+                          <m:e>
+                            <m:r>
+                              <a:rPr lang="en-US" b="0" i="1" smtClean="0">
+                                <a:latin typeface="Cambria Math" panose="02040503050406030204" pitchFamily="18" charset="0"/>
+                              </a:rPr>
+                              <m:t>𝑦</m:t>
+                            </m:r>
+                          </m:e>
+                          <m:sub>
+                            <m:r>
+                              <a:rPr lang="en-US" b="0" i="1" smtClean="0">
+                                <a:latin typeface="Cambria Math" panose="02040503050406030204" pitchFamily="18" charset="0"/>
+                              </a:rPr>
+                              <m:t>𝑖</m:t>
+                            </m:r>
+                          </m:sub>
+                        </m:sSub>
+                      </m:e>
+                    </m:d>
+                    <m:r>
+                      <a:rPr lang="en-US" b="0" i="1" smtClean="0">
+                        <a:latin typeface="Cambria Math" panose="02040503050406030204" pitchFamily="18" charset="0"/>
+                      </a:rPr>
+                      <m:t>, </m:t>
+                    </m:r>
+                    <m:r>
+                      <a:rPr lang="en-US" b="0" i="1" smtClean="0">
+                        <a:latin typeface="Cambria Math" panose="02040503050406030204" pitchFamily="18" charset="0"/>
+                      </a:rPr>
+                      <m:t>𝑖</m:t>
+                    </m:r>
+                    <m:r>
+                      <a:rPr lang="en-US" b="0" i="1" smtClean="0">
+                        <a:latin typeface="Cambria Math" panose="02040503050406030204" pitchFamily="18" charset="0"/>
+                      </a:rPr>
+                      <m:t>=1,…,</m:t>
+                    </m:r>
+                    <m:r>
+                      <a:rPr lang="en-US" b="0" i="1" smtClean="0">
+                        <a:latin typeface="Cambria Math" panose="02040503050406030204" pitchFamily="18" charset="0"/>
+                      </a:rPr>
+                      <m:t>𝑁</m:t>
+                    </m:r>
+                  </m:oMath>
+                </a14:m>
+                <a:endParaRPr lang="en-US" dirty="0"/>
+              </a:p>
+              <a:p>
+                <a:pPr lvl="1"/>
+                <a:r>
+                  <a:rPr lang="en-US" dirty="0"/>
+                  <a:t>Then, fit the model from the </a:t>
+                </a:r>
+                <a:r>
+                  <a:rPr lang="en-US" dirty="0">
+                    <a:solidFill>
+                      <a:schemeClr val="accent1">
+                        <a:lumMod val="60000"/>
+                        <a:lumOff val="40000"/>
+                      </a:schemeClr>
+                    </a:solidFill>
+                  </a:rPr>
+                  <a:t>transformed variables </a:t>
+                </a:r>
+                <a14:m>
+                  <m:oMath xmlns:m="http://schemas.openxmlformats.org/officeDocument/2006/math">
+                    <m:sSub>
+                      <m:sSubPr>
+                        <m:ctrlPr>
+                          <a:rPr lang="en-US" i="1">
+                            <a:latin typeface="Cambria Math" panose="02040503050406030204" pitchFamily="18" charset="0"/>
+                          </a:rPr>
+                        </m:ctrlPr>
+                      </m:sSubPr>
+                      <m:e>
+                        <m:r>
+                          <a:rPr lang="en-US" i="1">
+                            <a:latin typeface="Cambria Math" panose="02040503050406030204" pitchFamily="18" charset="0"/>
+                          </a:rPr>
+                          <m:t>𝜙</m:t>
+                        </m:r>
+                      </m:e>
+                      <m:sub>
+                        <m:r>
+                          <a:rPr lang="en-US" b="0" i="1" smtClean="0">
+                            <a:latin typeface="Cambria Math" panose="02040503050406030204" pitchFamily="18" charset="0"/>
+                          </a:rPr>
+                          <m:t>𝑗</m:t>
+                        </m:r>
+                      </m:sub>
+                    </m:sSub>
+                    <m:d>
+                      <m:dPr>
+                        <m:ctrlPr>
+                          <a:rPr lang="en-US" i="1">
+                            <a:latin typeface="Cambria Math" panose="02040503050406030204" pitchFamily="18" charset="0"/>
+                          </a:rPr>
+                        </m:ctrlPr>
+                      </m:dPr>
+                      <m:e>
+                        <m:r>
+                          <a:rPr lang="en-US" b="1" i="1">
+                            <a:latin typeface="Cambria Math" panose="02040503050406030204" pitchFamily="18" charset="0"/>
+                          </a:rPr>
+                          <m:t>𝒙</m:t>
+                        </m:r>
+                      </m:e>
+                    </m:d>
+                  </m:oMath>
+                </a14:m>
+                <a:r>
+                  <a:rPr lang="en-US" dirty="0"/>
+                  <a:t> to target </a:t>
+                </a:r>
+                <a14:m>
+                  <m:oMath xmlns:m="http://schemas.openxmlformats.org/officeDocument/2006/math">
+                    <m:r>
+                      <a:rPr lang="en-US" b="0" i="1" smtClean="0">
+                        <a:latin typeface="Cambria Math" panose="02040503050406030204" pitchFamily="18" charset="0"/>
+                      </a:rPr>
+                      <m:t>𝑦</m:t>
+                    </m:r>
+                  </m:oMath>
+                </a14:m>
+                <a:r>
+                  <a:rPr lang="en-US" dirty="0"/>
+                  <a:t> </a:t>
+                </a:r>
+              </a:p>
+              <a:p>
+                <a:pPr lvl="1"/>
+                <a:r>
+                  <a:rPr lang="en-US" dirty="0"/>
+                  <a:t>Define the transformed matrix:</a:t>
+                </a:r>
+              </a:p>
+              <a:p>
+                <a:pPr marL="201168" lvl="1" indent="0">
+                  <a:buNone/>
+                </a:pPr>
+                <a14:m>
+                  <m:oMathPara xmlns:m="http://schemas.openxmlformats.org/officeDocument/2006/math">
+                    <m:oMathParaPr>
+                      <m:jc m:val="centerGroup"/>
+                    </m:oMathParaPr>
+                    <m:oMath xmlns:m="http://schemas.openxmlformats.org/officeDocument/2006/math">
+                      <m:r>
+                        <a:rPr lang="en-US" i="1">
+                          <a:latin typeface="Cambria Math" panose="02040503050406030204" pitchFamily="18" charset="0"/>
+                        </a:rPr>
+                        <m:t>𝐴</m:t>
+                      </m:r>
+                      <m:r>
+                        <a:rPr lang="en-US" i="1">
+                          <a:latin typeface="Cambria Math" panose="02040503050406030204" pitchFamily="18" charset="0"/>
+                        </a:rPr>
+                        <m:t>=</m:t>
+                      </m:r>
+                      <m:d>
+                        <m:dPr>
+                          <m:begChr m:val="["/>
+                          <m:endChr m:val="]"/>
+                          <m:ctrlPr>
+                            <a:rPr lang="en-US" i="1">
+                              <a:latin typeface="Cambria Math" panose="02040503050406030204" pitchFamily="18" charset="0"/>
+                            </a:rPr>
+                          </m:ctrlPr>
+                        </m:dPr>
+                        <m:e>
+                          <m:m>
+                            <m:mPr>
+                              <m:mcs>
+                                <m:mc>
+                                  <m:mcPr>
+                                    <m:count m:val="3"/>
+                                    <m:mcJc m:val="center"/>
+                                  </m:mcPr>
+                                </m:mc>
+                              </m:mcs>
+                              <m:ctrlPr>
+                                <a:rPr lang="en-US" i="1">
+                                  <a:latin typeface="Cambria Math" panose="02040503050406030204" pitchFamily="18" charset="0"/>
+                                </a:rPr>
+                              </m:ctrlPr>
+                            </m:mPr>
+                            <m:mr>
+                              <m:e>
+                                <m:sSub>
+                                  <m:sSubPr>
+                                    <m:ctrlPr>
+                                      <a:rPr lang="en-US" i="1">
+                                        <a:latin typeface="Cambria Math" panose="02040503050406030204" pitchFamily="18" charset="0"/>
+                                      </a:rPr>
+                                    </m:ctrlPr>
+                                  </m:sSubPr>
+                                  <m:e>
+                                    <m:r>
+                                      <a:rPr lang="en-US" i="1">
+                                        <a:latin typeface="Cambria Math" panose="02040503050406030204" pitchFamily="18" charset="0"/>
+                                      </a:rPr>
+                                      <m:t>𝜙</m:t>
+                                    </m:r>
+                                  </m:e>
+                                  <m:sub>
+                                    <m:r>
+                                      <a:rPr lang="en-US" i="1">
+                                        <a:latin typeface="Cambria Math" panose="02040503050406030204" pitchFamily="18" charset="0"/>
+                                      </a:rPr>
+                                      <m:t>1</m:t>
+                                    </m:r>
+                                  </m:sub>
+                                </m:sSub>
+                                <m:r>
+                                  <a:rPr lang="en-US" i="1">
+                                    <a:latin typeface="Cambria Math" panose="02040503050406030204" pitchFamily="18" charset="0"/>
+                                  </a:rPr>
+                                  <m:t>(</m:t>
+                                </m:r>
+                                <m:sSub>
+                                  <m:sSubPr>
+                                    <m:ctrlPr>
+                                      <a:rPr lang="en-US" i="1">
+                                        <a:latin typeface="Cambria Math" panose="02040503050406030204" pitchFamily="18" charset="0"/>
+                                      </a:rPr>
+                                    </m:ctrlPr>
+                                  </m:sSubPr>
+                                  <m:e>
+                                    <m:r>
+                                      <a:rPr lang="en-US" b="1" i="1">
+                                        <a:latin typeface="Cambria Math" panose="02040503050406030204" pitchFamily="18" charset="0"/>
+                                      </a:rPr>
+                                      <m:t>𝒙</m:t>
+                                    </m:r>
+                                  </m:e>
+                                  <m:sub>
+                                    <m:r>
+                                      <a:rPr lang="en-US" i="1">
+                                        <a:latin typeface="Cambria Math" panose="02040503050406030204" pitchFamily="18" charset="0"/>
+                                      </a:rPr>
+                                      <m:t>1</m:t>
+                                    </m:r>
+                                  </m:sub>
+                                </m:sSub>
+                                <m:r>
+                                  <a:rPr lang="en-US" i="1">
+                                    <a:latin typeface="Cambria Math" panose="02040503050406030204" pitchFamily="18" charset="0"/>
+                                  </a:rPr>
+                                  <m:t>)</m:t>
+                                </m:r>
+                              </m:e>
+                              <m:e>
+                                <m:r>
+                                  <a:rPr lang="en-US" i="1">
+                                    <a:latin typeface="Cambria Math" panose="02040503050406030204" pitchFamily="18" charset="0"/>
+                                  </a:rPr>
+                                  <m:t>⋯</m:t>
+                                </m:r>
+                              </m:e>
+                              <m:e>
+                                <m:sSub>
+                                  <m:sSubPr>
+                                    <m:ctrlPr>
+                                      <a:rPr lang="en-US" i="1">
+                                        <a:latin typeface="Cambria Math" panose="02040503050406030204" pitchFamily="18" charset="0"/>
+                                      </a:rPr>
+                                    </m:ctrlPr>
+                                  </m:sSubPr>
+                                  <m:e>
+                                    <m:r>
+                                      <a:rPr lang="en-US" i="1">
+                                        <a:latin typeface="Cambria Math" panose="02040503050406030204" pitchFamily="18" charset="0"/>
+                                      </a:rPr>
+                                      <m:t>𝜙</m:t>
+                                    </m:r>
+                                  </m:e>
+                                  <m:sub>
+                                    <m:r>
+                                      <a:rPr lang="en-US" i="1">
+                                        <a:latin typeface="Cambria Math" panose="02040503050406030204" pitchFamily="18" charset="0"/>
+                                      </a:rPr>
+                                      <m:t>𝑝</m:t>
+                                    </m:r>
+                                  </m:sub>
+                                </m:sSub>
+                                <m:r>
+                                  <a:rPr lang="en-US" i="1">
+                                    <a:latin typeface="Cambria Math" panose="02040503050406030204" pitchFamily="18" charset="0"/>
+                                  </a:rPr>
+                                  <m:t>(</m:t>
+                                </m:r>
+                                <m:sSub>
+                                  <m:sSubPr>
+                                    <m:ctrlPr>
+                                      <a:rPr lang="en-US" i="1">
+                                        <a:latin typeface="Cambria Math" panose="02040503050406030204" pitchFamily="18" charset="0"/>
+                                      </a:rPr>
+                                    </m:ctrlPr>
+                                  </m:sSubPr>
+                                  <m:e>
+                                    <m:r>
+                                      <a:rPr lang="en-US" b="1" i="1">
+                                        <a:latin typeface="Cambria Math" panose="02040503050406030204" pitchFamily="18" charset="0"/>
+                                      </a:rPr>
+                                      <m:t>𝒙</m:t>
+                                    </m:r>
+                                  </m:e>
+                                  <m:sub>
+                                    <m:r>
+                                      <a:rPr lang="en-US" i="1">
+                                        <a:latin typeface="Cambria Math" panose="02040503050406030204" pitchFamily="18" charset="0"/>
+                                      </a:rPr>
+                                      <m:t>1</m:t>
+                                    </m:r>
+                                  </m:sub>
+                                </m:sSub>
+                                <m:r>
+                                  <a:rPr lang="en-US" i="1">
+                                    <a:latin typeface="Cambria Math" panose="02040503050406030204" pitchFamily="18" charset="0"/>
+                                  </a:rPr>
+                                  <m:t>)</m:t>
+                                </m:r>
+                              </m:e>
+                            </m:mr>
+                            <m:mr>
+                              <m:e>
+                                <m:r>
+                                  <a:rPr lang="en-US" i="1">
+                                    <a:latin typeface="Cambria Math" panose="02040503050406030204" pitchFamily="18" charset="0"/>
+                                  </a:rPr>
+                                  <m:t>⋮</m:t>
+                                </m:r>
+                              </m:e>
+                              <m:e>
+                                <m:r>
+                                  <a:rPr lang="en-US" i="1">
+                                    <a:latin typeface="Cambria Math" panose="02040503050406030204" pitchFamily="18" charset="0"/>
+                                  </a:rPr>
+                                  <m:t>⋮</m:t>
+                                </m:r>
+                              </m:e>
+                              <m:e>
+                                <m:r>
+                                  <a:rPr lang="en-US" i="1">
+                                    <a:latin typeface="Cambria Math" panose="02040503050406030204" pitchFamily="18" charset="0"/>
+                                  </a:rPr>
+                                  <m:t>⋮</m:t>
+                                </m:r>
+                              </m:e>
+                            </m:mr>
+                            <m:mr>
+                              <m:e>
+                                <m:sSub>
+                                  <m:sSubPr>
+                                    <m:ctrlPr>
+                                      <a:rPr lang="en-US" i="1">
+                                        <a:latin typeface="Cambria Math" panose="02040503050406030204" pitchFamily="18" charset="0"/>
+                                      </a:rPr>
+                                    </m:ctrlPr>
+                                  </m:sSubPr>
+                                  <m:e>
+                                    <m:r>
+                                      <a:rPr lang="en-US" i="1">
+                                        <a:latin typeface="Cambria Math" panose="02040503050406030204" pitchFamily="18" charset="0"/>
+                                      </a:rPr>
+                                      <m:t>𝜙</m:t>
+                                    </m:r>
+                                  </m:e>
+                                  <m:sub>
+                                    <m:r>
+                                      <a:rPr lang="en-US" i="1">
+                                        <a:latin typeface="Cambria Math" panose="02040503050406030204" pitchFamily="18" charset="0"/>
+                                      </a:rPr>
+                                      <m:t>1</m:t>
+                                    </m:r>
+                                  </m:sub>
+                                </m:sSub>
+                                <m:r>
+                                  <a:rPr lang="en-US" i="1">
+                                    <a:latin typeface="Cambria Math" panose="02040503050406030204" pitchFamily="18" charset="0"/>
+                                  </a:rPr>
+                                  <m:t>(</m:t>
+                                </m:r>
+                                <m:sSub>
+                                  <m:sSubPr>
+                                    <m:ctrlPr>
+                                      <a:rPr lang="en-US" i="1">
+                                        <a:latin typeface="Cambria Math" panose="02040503050406030204" pitchFamily="18" charset="0"/>
+                                      </a:rPr>
+                                    </m:ctrlPr>
+                                  </m:sSubPr>
+                                  <m:e>
+                                    <m:r>
+                                      <a:rPr lang="en-US" b="1" i="1">
+                                        <a:latin typeface="Cambria Math" panose="02040503050406030204" pitchFamily="18" charset="0"/>
+                                      </a:rPr>
+                                      <m:t>𝒙</m:t>
+                                    </m:r>
+                                  </m:e>
+                                  <m:sub>
+                                    <m:r>
+                                      <a:rPr lang="en-US" i="1">
+                                        <a:latin typeface="Cambria Math" panose="02040503050406030204" pitchFamily="18" charset="0"/>
+                                      </a:rPr>
+                                      <m:t>𝑁</m:t>
+                                    </m:r>
+                                  </m:sub>
+                                </m:sSub>
+                                <m:r>
+                                  <a:rPr lang="en-US" i="1">
+                                    <a:latin typeface="Cambria Math" panose="02040503050406030204" pitchFamily="18" charset="0"/>
+                                  </a:rPr>
+                                  <m:t>)</m:t>
+                                </m:r>
+                              </m:e>
+                              <m:e>
+                                <m:r>
+                                  <a:rPr lang="en-US" i="1">
+                                    <a:latin typeface="Cambria Math" panose="02040503050406030204" pitchFamily="18" charset="0"/>
+                                  </a:rPr>
+                                  <m:t>⋯</m:t>
+                                </m:r>
+                              </m:e>
+                              <m:e>
+                                <m:sSub>
+                                  <m:sSubPr>
+                                    <m:ctrlPr>
+                                      <a:rPr lang="en-US" i="1">
+                                        <a:latin typeface="Cambria Math" panose="02040503050406030204" pitchFamily="18" charset="0"/>
+                                      </a:rPr>
+                                    </m:ctrlPr>
+                                  </m:sSubPr>
+                                  <m:e>
+                                    <m:r>
+                                      <a:rPr lang="en-US" i="1">
+                                        <a:latin typeface="Cambria Math" panose="02040503050406030204" pitchFamily="18" charset="0"/>
+                                      </a:rPr>
+                                      <m:t>𝜙</m:t>
+                                    </m:r>
+                                  </m:e>
+                                  <m:sub>
+                                    <m:r>
+                                      <a:rPr lang="en-US" i="1">
+                                        <a:latin typeface="Cambria Math" panose="02040503050406030204" pitchFamily="18" charset="0"/>
+                                      </a:rPr>
+                                      <m:t>𝑝</m:t>
+                                    </m:r>
+                                  </m:sub>
+                                </m:sSub>
+                                <m:r>
+                                  <a:rPr lang="en-US" i="1">
+                                    <a:latin typeface="Cambria Math" panose="02040503050406030204" pitchFamily="18" charset="0"/>
+                                  </a:rPr>
+                                  <m:t>(</m:t>
+                                </m:r>
+                                <m:sSub>
+                                  <m:sSubPr>
+                                    <m:ctrlPr>
+                                      <a:rPr lang="en-US" i="1">
+                                        <a:latin typeface="Cambria Math" panose="02040503050406030204" pitchFamily="18" charset="0"/>
+                                      </a:rPr>
+                                    </m:ctrlPr>
+                                  </m:sSubPr>
+                                  <m:e>
+                                    <m:r>
+                                      <a:rPr lang="en-US" b="1" i="1">
+                                        <a:latin typeface="Cambria Math" panose="02040503050406030204" pitchFamily="18" charset="0"/>
+                                      </a:rPr>
+                                      <m:t>𝒙</m:t>
+                                    </m:r>
+                                  </m:e>
+                                  <m:sub>
+                                    <m:r>
+                                      <a:rPr lang="en-US" i="1">
+                                        <a:latin typeface="Cambria Math" panose="02040503050406030204" pitchFamily="18" charset="0"/>
+                                      </a:rPr>
+                                      <m:t>𝑁</m:t>
+                                    </m:r>
+                                  </m:sub>
+                                </m:sSub>
+                                <m:r>
+                                  <a:rPr lang="en-US" i="1">
+                                    <a:latin typeface="Cambria Math" panose="02040503050406030204" pitchFamily="18" charset="0"/>
+                                  </a:rPr>
+                                  <m:t>)</m:t>
+                                </m:r>
+                              </m:e>
+                            </m:mr>
+                          </m:m>
+                        </m:e>
+                      </m:d>
+                    </m:oMath>
+                  </m:oMathPara>
+                </a14:m>
+                <a:endParaRPr lang="en-US" dirty="0"/>
+              </a:p>
+              <a:p>
+                <a:pPr marL="201168" lvl="1" indent="0">
+                  <a:buNone/>
+                </a:pPr>
+                <a:endParaRPr lang="en-US" dirty="0"/>
+              </a:p>
+              <a:p>
+                <a:pPr lvl="1"/>
+                <a:r>
+                  <a:rPr lang="en-US" dirty="0"/>
+                  <a:t>Least squares fit </a:t>
+                </a:r>
+                <a14:m>
+                  <m:oMath xmlns:m="http://schemas.openxmlformats.org/officeDocument/2006/math">
+                    <m:acc>
+                      <m:accPr>
+                        <m:chr m:val="̂"/>
+                        <m:ctrlPr>
+                          <a:rPr lang="en-US" i="1">
+                            <a:latin typeface="Cambria Math" panose="02040503050406030204" pitchFamily="18" charset="0"/>
+                          </a:rPr>
+                        </m:ctrlPr>
+                      </m:accPr>
+                      <m:e>
+                        <m:r>
+                          <a:rPr lang="en-US" i="1">
+                            <a:latin typeface="Cambria Math" panose="02040503050406030204" pitchFamily="18" charset="0"/>
+                          </a:rPr>
+                          <m:t>𝛽</m:t>
+                        </m:r>
+                      </m:e>
+                    </m:acc>
+                    <m:r>
+                      <a:rPr lang="en-US" i="1">
+                        <a:latin typeface="Cambria Math" panose="02040503050406030204" pitchFamily="18" charset="0"/>
+                      </a:rPr>
+                      <m:t>=</m:t>
+                    </m:r>
+                    <m:sSup>
+                      <m:sSupPr>
+                        <m:ctrlPr>
+                          <a:rPr lang="en-US" i="1">
+                            <a:latin typeface="Cambria Math" panose="02040503050406030204" pitchFamily="18" charset="0"/>
+                          </a:rPr>
+                        </m:ctrlPr>
+                      </m:sSupPr>
+                      <m:e>
+                        <m:d>
+                          <m:dPr>
+                            <m:ctrlPr>
+                              <a:rPr lang="en-US" i="1">
+                                <a:latin typeface="Cambria Math" panose="02040503050406030204" pitchFamily="18" charset="0"/>
+                              </a:rPr>
+                            </m:ctrlPr>
+                          </m:dPr>
+                          <m:e>
+                            <m:sSup>
+                              <m:sSupPr>
+                                <m:ctrlPr>
+                                  <a:rPr lang="en-US" i="1">
+                                    <a:latin typeface="Cambria Math" panose="02040503050406030204" pitchFamily="18" charset="0"/>
+                                  </a:rPr>
+                                </m:ctrlPr>
+                              </m:sSupPr>
+                              <m:e>
+                                <m:r>
+                                  <a:rPr lang="en-US" i="1">
+                                    <a:latin typeface="Cambria Math" panose="02040503050406030204" pitchFamily="18" charset="0"/>
+                                  </a:rPr>
+                                  <m:t>𝐴</m:t>
+                                </m:r>
+                              </m:e>
+                              <m:sup>
+                                <m:r>
+                                  <a:rPr lang="en-US" i="1">
+                                    <a:latin typeface="Cambria Math" panose="02040503050406030204" pitchFamily="18" charset="0"/>
+                                  </a:rPr>
+                                  <m:t>𝑇</m:t>
+                                </m:r>
+                              </m:sup>
+                            </m:sSup>
+                            <m:r>
+                              <a:rPr lang="en-US" i="1">
+                                <a:latin typeface="Cambria Math" panose="02040503050406030204" pitchFamily="18" charset="0"/>
+                              </a:rPr>
+                              <m:t>𝐴</m:t>
+                            </m:r>
+                          </m:e>
+                        </m:d>
+                      </m:e>
+                      <m:sup>
+                        <m:r>
+                          <a:rPr lang="en-US" i="1">
+                            <a:latin typeface="Cambria Math" panose="02040503050406030204" pitchFamily="18" charset="0"/>
+                          </a:rPr>
+                          <m:t>−1</m:t>
+                        </m:r>
+                      </m:sup>
+                    </m:sSup>
+                    <m:sSup>
+                      <m:sSupPr>
+                        <m:ctrlPr>
+                          <a:rPr lang="en-US" i="1">
+                            <a:latin typeface="Cambria Math" panose="02040503050406030204" pitchFamily="18" charset="0"/>
+                          </a:rPr>
+                        </m:ctrlPr>
+                      </m:sSupPr>
+                      <m:e>
+                        <m:r>
+                          <a:rPr lang="en-US" i="1">
+                            <a:latin typeface="Cambria Math" panose="02040503050406030204" pitchFamily="18" charset="0"/>
+                          </a:rPr>
+                          <m:t>𝐴</m:t>
+                        </m:r>
+                      </m:e>
+                      <m:sup>
+                        <m:r>
+                          <a:rPr lang="en-US" i="1">
+                            <a:latin typeface="Cambria Math" panose="02040503050406030204" pitchFamily="18" charset="0"/>
+                          </a:rPr>
+                          <m:t>𝑇</m:t>
+                        </m:r>
+                      </m:sup>
+                    </m:sSup>
+                    <m:r>
+                      <a:rPr lang="en-US" i="1">
+                        <a:latin typeface="Cambria Math" panose="02040503050406030204" pitchFamily="18" charset="0"/>
+                      </a:rPr>
+                      <m:t>𝑦</m:t>
+                    </m:r>
+                  </m:oMath>
+                </a14:m>
+                <a:br>
+                  <a:rPr lang="en-US" dirty="0"/>
+                </a:br>
+                <a:endParaRPr lang="en-US" dirty="0"/>
+              </a:p>
+            </p:txBody>
+          </p:sp>
+        </mc:Choice>
+        <mc:Fallback>
+          <p:sp>
+            <p:nvSpPr>
+              <p:cNvPr id="3" name="Content Placeholder 2">
+                <a:extLst>
+                  <a:ext uri="{FF2B5EF4-FFF2-40B4-BE49-F238E27FC236}">
+                    <a16:creationId xmlns:a16="http://schemas.microsoft.com/office/drawing/2014/main" id="{EB34FFE9-ECEF-499A-818E-F5327C72E8E0}"/>
+                  </a:ext>
+                </a:extLst>
+              </p:cNvPr>
+              <p:cNvSpPr>
+                <a:spLocks noGrp="1" noRot="1" noChangeAspect="1" noMove="1" noResize="1" noEditPoints="1" noAdjustHandles="1" noChangeArrowheads="1" noChangeShapeType="1" noTextEdit="1"/>
+              </p:cNvSpPr>
+              <p:nvPr>
+                <p:ph idx="1"/>
+              </p:nvPr>
+            </p:nvSpPr>
+            <p:spPr>
+              <a:blipFill>
+                <a:blip r:embed="rId2"/>
+                <a:stretch>
+                  <a:fillRect l="-1455" t="-1549"/>
+                </a:stretch>
+              </a:blipFill>
+            </p:spPr>
+            <p:txBody>
+              <a:bodyPr/>
+              <a:lstStyle/>
+              <a:p>
+                <a:r>
+                  <a:rPr lang="en-US">
+                    <a:noFill/>
+                  </a:rPr>
+                  <a:t> </a:t>
+                </a:r>
+              </a:p>
+            </p:txBody>
+          </p:sp>
+        </mc:Fallback>
+      </mc:AlternateContent>
+      <p:sp>
+        <p:nvSpPr>
+          <p:cNvPr id="4" name="Slide Number Placeholder 3">
+            <a:extLst>
+              <a:ext uri="{FF2B5EF4-FFF2-40B4-BE49-F238E27FC236}">
+                <a16:creationId xmlns:a16="http://schemas.microsoft.com/office/drawing/2014/main" id="{3F11E6BC-423B-4488-A9EC-DD14BD99D644}"/>
+              </a:ext>
+            </a:extLst>
+          </p:cNvPr>
+          <p:cNvSpPr>
+            <a:spLocks noGrp="1"/>
+          </p:cNvSpPr>
+          <p:nvPr>
+            <p:ph type="sldNum" sz="quarter" idx="12"/>
+          </p:nvPr>
+        </p:nvSpPr>
+        <p:spPr/>
+        <p:txBody>
+          <a:bodyPr/>
+          <a:lstStyle/>
+          <a:p>
+            <a:fld id="{629637A9-119A-49DA-BD12-AAC58B377D80}" type="slidenum">
+              <a:rPr lang="en-US" smtClean="0"/>
+              <a:t>40</a:t>
+            </a:fld>
+            <a:endParaRPr lang="en-US" dirty="0"/>
+          </a:p>
+        </p:txBody>
+      </p:sp>
+    </p:spTree>
+    <p:extLst>
+      <p:ext uri="{BB962C8B-B14F-4D97-AF65-F5344CB8AC3E}">
+        <p14:creationId xmlns:p14="http://schemas.microsoft.com/office/powerpoint/2010/main" val="214734774"/>
+      </p:ext>
+    </p:extLst>
+  </p:cSld>
+  <p:clrMapOvr>
+    <a:masterClrMapping/>
+  </p:clrMapOvr>
+</p:sld>
+</file>
+
+<file path=ppt/slides/slide41.xml><?xml version="1.0" encoding="utf-8"?>
+<p:sld xmlns:a="http://schemas.openxmlformats.org/drawingml/2006/main" xmlns:r="http://schemas.openxmlformats.org/officeDocument/2006/relationships" xmlns:p="http://schemas.openxmlformats.org/presentationml/2006/main">
+  <p:cSld>
+    <p:spTree>
+      <p:nvGrpSpPr>
+        <p:cNvPr id="1" name=""/>
+        <p:cNvGrpSpPr/>
+        <p:nvPr/>
+      </p:nvGrpSpPr>
+      <p:grpSpPr>
+        <a:xfrm>
+          <a:off x="0" y="0"/>
+          <a:ext cx="0" cy="0"/>
+          <a:chOff x="0" y="0"/>
+          <a:chExt cx="0" cy="0"/>
+        </a:xfrm>
+      </p:grpSpPr>
+      <p:sp>
+        <p:nvSpPr>
           <p:cNvPr id="2" name="Title 1"/>
           <p:cNvSpPr>
             <a:spLocks noGrp="1"/>
@@ -26166,7 +27061,4375 @@
           <a:p>
             <a:r>
               <a:rPr lang="en-US" dirty="0"/>
-              <a:t>Learning Linear Systems</a:t>
+              <a:t>Example:  Polynomial Fitting</a:t>
+            </a:r>
+          </a:p>
+        </p:txBody>
+      </p:sp>
+      <mc:AlternateContent xmlns:mc="http://schemas.openxmlformats.org/markup-compatibility/2006">
+        <mc:Choice xmlns:a14="http://schemas.microsoft.com/office/drawing/2010/main" Requires="a14">
+          <p:sp>
+            <p:nvSpPr>
+              <p:cNvPr id="3" name="Content Placeholder 2"/>
+              <p:cNvSpPr>
+                <a:spLocks noGrp="1"/>
+              </p:cNvSpPr>
+              <p:nvPr>
+                <p:ph idx="1"/>
+              </p:nvPr>
+            </p:nvSpPr>
+            <p:spPr>
+              <a:xfrm>
+                <a:off x="1097280" y="1539277"/>
+                <a:ext cx="5932694" cy="4329817"/>
+              </a:xfrm>
+            </p:spPr>
+            <p:txBody>
+              <a:bodyPr>
+                <a:normAutofit fontScale="85000" lnSpcReduction="20000"/>
+              </a:bodyPr>
+              <a:lstStyle/>
+              <a:p>
+                <a:r>
+                  <a:rPr lang="en-US" dirty="0"/>
+                  <a:t>Suppose </a:t>
+                </a:r>
+                <a14:m>
+                  <m:oMath xmlns:m="http://schemas.openxmlformats.org/officeDocument/2006/math">
+                    <m:r>
+                      <a:rPr lang="en-US" i="1" dirty="0" smtClean="0">
+                        <a:latin typeface="Cambria Math" panose="02040503050406030204" pitchFamily="18" charset="0"/>
+                      </a:rPr>
+                      <m:t>𝑦</m:t>
+                    </m:r>
+                  </m:oMath>
+                </a14:m>
+                <a:r>
+                  <a:rPr lang="en-US" dirty="0"/>
+                  <a:t> only depends on a single variable </a:t>
+                </a:r>
+                <a14:m>
+                  <m:oMath xmlns:m="http://schemas.openxmlformats.org/officeDocument/2006/math">
+                    <m:r>
+                      <a:rPr lang="en-US" i="1" dirty="0" smtClean="0">
+                        <a:latin typeface="Cambria Math" panose="02040503050406030204" pitchFamily="18" charset="0"/>
+                      </a:rPr>
+                      <m:t>𝑥</m:t>
+                    </m:r>
+                  </m:oMath>
+                </a14:m>
+                <a:r>
+                  <a:rPr lang="en-US" dirty="0"/>
+                  <a:t>, </a:t>
+                </a:r>
+              </a:p>
+              <a:p>
+                <a:r>
+                  <a:rPr lang="en-US" dirty="0"/>
+                  <a:t>Want to fit a polynomial model</a:t>
+                </a:r>
+              </a:p>
+              <a:p>
+                <a:pPr lvl="1"/>
+                <a14:m>
+                  <m:oMath xmlns:m="http://schemas.openxmlformats.org/officeDocument/2006/math">
+                    <m:r>
+                      <a:rPr lang="en-US" b="0" i="1" smtClean="0">
+                        <a:latin typeface="Cambria Math" panose="02040503050406030204" pitchFamily="18" charset="0"/>
+                      </a:rPr>
+                      <m:t>𝑦</m:t>
+                    </m:r>
+                    <m:r>
+                      <a:rPr lang="en-US" b="0" i="1" smtClean="0">
+                        <a:latin typeface="Cambria Math" panose="02040503050406030204" pitchFamily="18" charset="0"/>
+                      </a:rPr>
+                      <m:t>≈</m:t>
+                    </m:r>
+                    <m:sSub>
+                      <m:sSubPr>
+                        <m:ctrlPr>
+                          <a:rPr lang="en-US" b="0" i="1" smtClean="0">
+                            <a:latin typeface="Cambria Math" panose="02040503050406030204" pitchFamily="18" charset="0"/>
+                          </a:rPr>
+                        </m:ctrlPr>
+                      </m:sSubPr>
+                      <m:e>
+                        <m:r>
+                          <a:rPr lang="en-US" b="0" i="1" smtClean="0">
+                            <a:latin typeface="Cambria Math" panose="02040503050406030204" pitchFamily="18" charset="0"/>
+                          </a:rPr>
+                          <m:t>𝛽</m:t>
+                        </m:r>
+                      </m:e>
+                      <m:sub>
+                        <m:r>
+                          <a:rPr lang="en-US" b="0" i="1" smtClean="0">
+                            <a:latin typeface="Cambria Math" panose="02040503050406030204" pitchFamily="18" charset="0"/>
+                          </a:rPr>
+                          <m:t>0</m:t>
+                        </m:r>
+                      </m:sub>
+                    </m:sSub>
+                    <m:r>
+                      <a:rPr lang="en-US" b="0" i="1" smtClean="0">
+                        <a:latin typeface="Cambria Math" panose="02040503050406030204" pitchFamily="18" charset="0"/>
+                      </a:rPr>
+                      <m:t>+</m:t>
+                    </m:r>
+                    <m:sSub>
+                      <m:sSubPr>
+                        <m:ctrlPr>
+                          <a:rPr lang="en-US" b="0" i="1" smtClean="0">
+                            <a:latin typeface="Cambria Math" panose="02040503050406030204" pitchFamily="18" charset="0"/>
+                          </a:rPr>
+                        </m:ctrlPr>
+                      </m:sSubPr>
+                      <m:e>
+                        <m:r>
+                          <a:rPr lang="en-US" b="0" i="1" smtClean="0">
+                            <a:latin typeface="Cambria Math" panose="02040503050406030204" pitchFamily="18" charset="0"/>
+                          </a:rPr>
+                          <m:t>𝛽</m:t>
+                        </m:r>
+                      </m:e>
+                      <m:sub>
+                        <m:r>
+                          <a:rPr lang="en-US" b="0" i="1" smtClean="0">
+                            <a:latin typeface="Cambria Math" panose="02040503050406030204" pitchFamily="18" charset="0"/>
+                          </a:rPr>
+                          <m:t>1</m:t>
+                        </m:r>
+                      </m:sub>
+                    </m:sSub>
+                    <m:r>
+                      <a:rPr lang="en-US" b="0" i="1" smtClean="0">
+                        <a:latin typeface="Cambria Math" panose="02040503050406030204" pitchFamily="18" charset="0"/>
+                      </a:rPr>
+                      <m:t>𝑥</m:t>
+                    </m:r>
+                    <m:r>
+                      <a:rPr lang="en-US" b="0" i="1" smtClean="0">
+                        <a:latin typeface="Cambria Math" panose="02040503050406030204" pitchFamily="18" charset="0"/>
+                      </a:rPr>
+                      <m:t>+⋯</m:t>
+                    </m:r>
+                    <m:sSub>
+                      <m:sSubPr>
+                        <m:ctrlPr>
+                          <a:rPr lang="en-US" b="0" i="1" smtClean="0">
+                            <a:latin typeface="Cambria Math" panose="02040503050406030204" pitchFamily="18" charset="0"/>
+                          </a:rPr>
+                        </m:ctrlPr>
+                      </m:sSubPr>
+                      <m:e>
+                        <m:r>
+                          <a:rPr lang="en-US" b="0" i="1" smtClean="0">
+                            <a:latin typeface="Cambria Math" panose="02040503050406030204" pitchFamily="18" charset="0"/>
+                          </a:rPr>
+                          <m:t>𝛽</m:t>
+                        </m:r>
+                      </m:e>
+                      <m:sub>
+                        <m:r>
+                          <a:rPr lang="en-US" b="0" i="1" smtClean="0">
+                            <a:latin typeface="Cambria Math" panose="02040503050406030204" pitchFamily="18" charset="0"/>
+                          </a:rPr>
+                          <m:t>𝑑</m:t>
+                        </m:r>
+                      </m:sub>
+                    </m:sSub>
+                    <m:sSup>
+                      <m:sSupPr>
+                        <m:ctrlPr>
+                          <a:rPr lang="en-US" b="0" i="1" smtClean="0">
+                            <a:latin typeface="Cambria Math" panose="02040503050406030204" pitchFamily="18" charset="0"/>
+                          </a:rPr>
+                        </m:ctrlPr>
+                      </m:sSupPr>
+                      <m:e>
+                        <m:r>
+                          <a:rPr lang="en-US" b="0" i="1" smtClean="0">
+                            <a:latin typeface="Cambria Math" panose="02040503050406030204" pitchFamily="18" charset="0"/>
+                          </a:rPr>
+                          <m:t>𝑥</m:t>
+                        </m:r>
+                      </m:e>
+                      <m:sup>
+                        <m:r>
+                          <a:rPr lang="en-US" b="0" i="1" smtClean="0">
+                            <a:latin typeface="Cambria Math" panose="02040503050406030204" pitchFamily="18" charset="0"/>
+                          </a:rPr>
+                          <m:t>𝑑</m:t>
+                        </m:r>
+                      </m:sup>
+                    </m:sSup>
+                  </m:oMath>
+                </a14:m>
+                <a:endParaRPr lang="en-US" dirty="0"/>
+              </a:p>
+              <a:p>
+                <a:r>
+                  <a:rPr lang="en-US" dirty="0"/>
+                  <a:t>Given data </a:t>
+                </a:r>
+                <a14:m>
+                  <m:oMath xmlns:m="http://schemas.openxmlformats.org/officeDocument/2006/math">
+                    <m:d>
+                      <m:dPr>
+                        <m:ctrlPr>
+                          <a:rPr lang="en-US" b="0" i="1" smtClean="0">
+                            <a:latin typeface="Cambria Math" panose="02040503050406030204" pitchFamily="18" charset="0"/>
+                          </a:rPr>
+                        </m:ctrlPr>
+                      </m:dPr>
+                      <m:e>
+                        <m:sSub>
+                          <m:sSubPr>
+                            <m:ctrlPr>
+                              <a:rPr lang="en-US" b="0" i="1" smtClean="0">
+                                <a:latin typeface="Cambria Math" panose="02040503050406030204" pitchFamily="18" charset="0"/>
+                              </a:rPr>
+                            </m:ctrlPr>
+                          </m:sSubPr>
+                          <m:e>
+                            <m:r>
+                              <a:rPr lang="en-US" b="0" i="1" smtClean="0">
+                                <a:latin typeface="Cambria Math" panose="02040503050406030204" pitchFamily="18" charset="0"/>
+                              </a:rPr>
+                              <m:t>𝑥</m:t>
+                            </m:r>
+                          </m:e>
+                          <m:sub>
+                            <m:r>
+                              <a:rPr lang="en-US" b="0" i="1" smtClean="0">
+                                <a:latin typeface="Cambria Math" panose="02040503050406030204" pitchFamily="18" charset="0"/>
+                              </a:rPr>
+                              <m:t>𝑖</m:t>
+                            </m:r>
+                          </m:sub>
+                        </m:sSub>
+                        <m:r>
+                          <a:rPr lang="en-US" b="0" i="1" smtClean="0">
+                            <a:latin typeface="Cambria Math" panose="02040503050406030204" pitchFamily="18" charset="0"/>
+                          </a:rPr>
+                          <m:t>,</m:t>
+                        </m:r>
+                        <m:sSub>
+                          <m:sSubPr>
+                            <m:ctrlPr>
+                              <a:rPr lang="en-US" b="0" i="1" smtClean="0">
+                                <a:latin typeface="Cambria Math" panose="02040503050406030204" pitchFamily="18" charset="0"/>
+                              </a:rPr>
+                            </m:ctrlPr>
+                          </m:sSubPr>
+                          <m:e>
+                            <m:r>
+                              <a:rPr lang="en-US" b="0" i="1" smtClean="0">
+                                <a:latin typeface="Cambria Math" panose="02040503050406030204" pitchFamily="18" charset="0"/>
+                              </a:rPr>
+                              <m:t>𝑦</m:t>
+                            </m:r>
+                          </m:e>
+                          <m:sub>
+                            <m:r>
+                              <a:rPr lang="en-US" b="0" i="1" smtClean="0">
+                                <a:latin typeface="Cambria Math" panose="02040503050406030204" pitchFamily="18" charset="0"/>
+                              </a:rPr>
+                              <m:t>𝑖</m:t>
+                            </m:r>
+                          </m:sub>
+                        </m:sSub>
+                      </m:e>
+                    </m:d>
+                    <m:r>
+                      <a:rPr lang="en-US" b="0" i="1" smtClean="0">
+                        <a:latin typeface="Cambria Math" panose="02040503050406030204" pitchFamily="18" charset="0"/>
+                      </a:rPr>
+                      <m:t>, </m:t>
+                    </m:r>
+                    <m:r>
+                      <a:rPr lang="en-US" b="0" i="1" smtClean="0">
+                        <a:latin typeface="Cambria Math" panose="02040503050406030204" pitchFamily="18" charset="0"/>
+                      </a:rPr>
+                      <m:t>𝑖</m:t>
+                    </m:r>
+                    <m:r>
+                      <a:rPr lang="en-US" b="0" i="1" smtClean="0">
+                        <a:latin typeface="Cambria Math" panose="02040503050406030204" pitchFamily="18" charset="0"/>
+                      </a:rPr>
+                      <m:t>=1,…, </m:t>
+                    </m:r>
+                    <m:r>
+                      <a:rPr lang="en-US" b="0" i="1" smtClean="0">
+                        <a:latin typeface="Cambria Math" panose="02040503050406030204" pitchFamily="18" charset="0"/>
+                      </a:rPr>
+                      <m:t>𝑛</m:t>
+                    </m:r>
+                  </m:oMath>
+                </a14:m>
+                <a:endParaRPr lang="en-US" dirty="0"/>
+              </a:p>
+              <a:p>
+                <a:r>
+                  <a:rPr lang="en-US" dirty="0"/>
+                  <a:t>Take basis functions </a:t>
+                </a:r>
+                <a14:m>
+                  <m:oMath xmlns:m="http://schemas.openxmlformats.org/officeDocument/2006/math">
+                    <m:sSub>
+                      <m:sSubPr>
+                        <m:ctrlPr>
+                          <a:rPr lang="en-US" b="0" i="1" smtClean="0">
+                            <a:latin typeface="Cambria Math" panose="02040503050406030204" pitchFamily="18" charset="0"/>
+                          </a:rPr>
+                        </m:ctrlPr>
+                      </m:sSubPr>
+                      <m:e>
+                        <m:r>
+                          <a:rPr lang="en-US" b="0" i="1" smtClean="0">
+                            <a:latin typeface="Cambria Math" panose="02040503050406030204" pitchFamily="18" charset="0"/>
+                          </a:rPr>
+                          <m:t>𝜙</m:t>
+                        </m:r>
+                      </m:e>
+                      <m:sub>
+                        <m:r>
+                          <a:rPr lang="en-US" b="0" i="1" smtClean="0">
+                            <a:latin typeface="Cambria Math" panose="02040503050406030204" pitchFamily="18" charset="0"/>
+                          </a:rPr>
+                          <m:t>𝑗</m:t>
+                        </m:r>
+                      </m:sub>
+                    </m:sSub>
+                    <m:d>
+                      <m:dPr>
+                        <m:ctrlPr>
+                          <a:rPr lang="en-US" b="0" i="1" smtClean="0">
+                            <a:latin typeface="Cambria Math" panose="02040503050406030204" pitchFamily="18" charset="0"/>
+                          </a:rPr>
+                        </m:ctrlPr>
+                      </m:dPr>
+                      <m:e>
+                        <m:r>
+                          <a:rPr lang="en-US" b="0" i="1" smtClean="0">
+                            <a:latin typeface="Cambria Math" panose="02040503050406030204" pitchFamily="18" charset="0"/>
+                          </a:rPr>
+                          <m:t>𝑥</m:t>
+                        </m:r>
+                      </m:e>
+                    </m:d>
+                    <m:r>
+                      <a:rPr lang="en-US" b="0" i="1" smtClean="0">
+                        <a:latin typeface="Cambria Math" panose="02040503050406030204" pitchFamily="18" charset="0"/>
+                      </a:rPr>
+                      <m:t>=</m:t>
+                    </m:r>
+                    <m:sSup>
+                      <m:sSupPr>
+                        <m:ctrlPr>
+                          <a:rPr lang="en-US" b="0" i="1" smtClean="0">
+                            <a:latin typeface="Cambria Math" panose="02040503050406030204" pitchFamily="18" charset="0"/>
+                          </a:rPr>
+                        </m:ctrlPr>
+                      </m:sSupPr>
+                      <m:e>
+                        <m:r>
+                          <a:rPr lang="en-US" b="0" i="1" smtClean="0">
+                            <a:latin typeface="Cambria Math" panose="02040503050406030204" pitchFamily="18" charset="0"/>
+                          </a:rPr>
+                          <m:t>𝑥</m:t>
+                        </m:r>
+                      </m:e>
+                      <m:sup>
+                        <m:r>
+                          <a:rPr lang="en-US" b="0" i="1" smtClean="0">
+                            <a:latin typeface="Cambria Math" panose="02040503050406030204" pitchFamily="18" charset="0"/>
+                          </a:rPr>
+                          <m:t>𝑗</m:t>
+                        </m:r>
+                      </m:sup>
+                    </m:sSup>
+                    <m:r>
+                      <a:rPr lang="en-US" b="0" i="1" smtClean="0">
+                        <a:latin typeface="Cambria Math" panose="02040503050406030204" pitchFamily="18" charset="0"/>
+                      </a:rPr>
+                      <m:t>,</m:t>
+                    </m:r>
+                    <m:r>
+                      <a:rPr lang="en-US" b="0" i="1" smtClean="0">
+                        <a:latin typeface="Cambria Math" panose="02040503050406030204" pitchFamily="18" charset="0"/>
+                      </a:rPr>
+                      <m:t>𝑗</m:t>
+                    </m:r>
+                    <m:r>
+                      <a:rPr lang="en-US" b="0" i="1" smtClean="0">
+                        <a:latin typeface="Cambria Math" panose="02040503050406030204" pitchFamily="18" charset="0"/>
+                      </a:rPr>
+                      <m:t>=0,…,</m:t>
+                    </m:r>
+                    <m:r>
+                      <a:rPr lang="en-US" b="0" i="1" smtClean="0">
+                        <a:latin typeface="Cambria Math" panose="02040503050406030204" pitchFamily="18" charset="0"/>
+                      </a:rPr>
+                      <m:t>𝑑</m:t>
+                    </m:r>
+                  </m:oMath>
+                </a14:m>
+                <a:endParaRPr lang="en-US" dirty="0"/>
+              </a:p>
+              <a:p>
+                <a:r>
+                  <a:rPr lang="en-US" dirty="0"/>
+                  <a:t>Transformed model: </a:t>
+                </a:r>
+                <a14:m>
+                  <m:oMath xmlns:m="http://schemas.openxmlformats.org/officeDocument/2006/math">
+                    <m:acc>
+                      <m:accPr>
+                        <m:chr m:val="̂"/>
+                        <m:ctrlPr>
+                          <a:rPr lang="en-US" i="1">
+                            <a:latin typeface="Cambria Math" panose="02040503050406030204" pitchFamily="18" charset="0"/>
+                          </a:rPr>
+                        </m:ctrlPr>
+                      </m:accPr>
+                      <m:e>
+                        <m:r>
+                          <a:rPr lang="en-US" i="1">
+                            <a:latin typeface="Cambria Math" panose="02040503050406030204" pitchFamily="18" charset="0"/>
+                          </a:rPr>
+                          <m:t>𝑦</m:t>
+                        </m:r>
+                      </m:e>
+                    </m:acc>
+                    <m:r>
+                      <a:rPr lang="en-US" i="1">
+                        <a:latin typeface="Cambria Math" panose="02040503050406030204" pitchFamily="18" charset="0"/>
+                      </a:rPr>
+                      <m:t>=</m:t>
+                    </m:r>
+                    <m:sSub>
+                      <m:sSubPr>
+                        <m:ctrlPr>
+                          <a:rPr lang="en-US" i="1">
+                            <a:latin typeface="Cambria Math" panose="02040503050406030204" pitchFamily="18" charset="0"/>
+                          </a:rPr>
+                        </m:ctrlPr>
+                      </m:sSubPr>
+                      <m:e>
+                        <m:r>
+                          <a:rPr lang="en-US" i="1">
+                            <a:latin typeface="Cambria Math" panose="02040503050406030204" pitchFamily="18" charset="0"/>
+                          </a:rPr>
+                          <m:t>𝛽</m:t>
+                        </m:r>
+                      </m:e>
+                      <m:sub>
+                        <m:r>
+                          <a:rPr lang="en-US" b="0" i="1" smtClean="0">
+                            <a:latin typeface="Cambria Math" panose="02040503050406030204" pitchFamily="18" charset="0"/>
+                          </a:rPr>
+                          <m:t>0</m:t>
+                        </m:r>
+                      </m:sub>
+                    </m:sSub>
+                    <m:sSub>
+                      <m:sSubPr>
+                        <m:ctrlPr>
+                          <a:rPr lang="en-US" i="1">
+                            <a:latin typeface="Cambria Math" panose="02040503050406030204" pitchFamily="18" charset="0"/>
+                          </a:rPr>
+                        </m:ctrlPr>
+                      </m:sSubPr>
+                      <m:e>
+                        <m:r>
+                          <a:rPr lang="en-US" i="1">
+                            <a:latin typeface="Cambria Math" panose="02040503050406030204" pitchFamily="18" charset="0"/>
+                          </a:rPr>
+                          <m:t>𝜙</m:t>
+                        </m:r>
+                      </m:e>
+                      <m:sub>
+                        <m:r>
+                          <a:rPr lang="en-US" b="0" i="1" smtClean="0">
+                            <a:latin typeface="Cambria Math" panose="02040503050406030204" pitchFamily="18" charset="0"/>
+                          </a:rPr>
+                          <m:t>0</m:t>
+                        </m:r>
+                      </m:sub>
+                    </m:sSub>
+                    <m:d>
+                      <m:dPr>
+                        <m:ctrlPr>
+                          <a:rPr lang="en-US" i="1">
+                            <a:latin typeface="Cambria Math" panose="02040503050406030204" pitchFamily="18" charset="0"/>
+                          </a:rPr>
+                        </m:ctrlPr>
+                      </m:dPr>
+                      <m:e>
+                        <m:r>
+                          <a:rPr lang="en-US" b="0" i="1" smtClean="0">
+                            <a:latin typeface="Cambria Math" panose="02040503050406030204" pitchFamily="18" charset="0"/>
+                          </a:rPr>
+                          <m:t>𝑥</m:t>
+                        </m:r>
+                      </m:e>
+                    </m:d>
+                    <m:r>
+                      <a:rPr lang="en-US" i="1">
+                        <a:latin typeface="Cambria Math" panose="02040503050406030204" pitchFamily="18" charset="0"/>
+                      </a:rPr>
+                      <m:t>+⋯+</m:t>
+                    </m:r>
+                    <m:sSub>
+                      <m:sSubPr>
+                        <m:ctrlPr>
+                          <a:rPr lang="en-US" i="1">
+                            <a:latin typeface="Cambria Math" panose="02040503050406030204" pitchFamily="18" charset="0"/>
+                          </a:rPr>
+                        </m:ctrlPr>
+                      </m:sSubPr>
+                      <m:e>
+                        <m:r>
+                          <a:rPr lang="en-US" i="1">
+                            <a:latin typeface="Cambria Math" panose="02040503050406030204" pitchFamily="18" charset="0"/>
+                          </a:rPr>
+                          <m:t>𝛽</m:t>
+                        </m:r>
+                      </m:e>
+                      <m:sub>
+                        <m:r>
+                          <a:rPr lang="en-US" b="0" i="1" smtClean="0">
+                            <a:latin typeface="Cambria Math" panose="02040503050406030204" pitchFamily="18" charset="0"/>
+                          </a:rPr>
+                          <m:t>𝑑</m:t>
+                        </m:r>
+                      </m:sub>
+                    </m:sSub>
+                    <m:sSub>
+                      <m:sSubPr>
+                        <m:ctrlPr>
+                          <a:rPr lang="en-US" i="1">
+                            <a:latin typeface="Cambria Math" panose="02040503050406030204" pitchFamily="18" charset="0"/>
+                          </a:rPr>
+                        </m:ctrlPr>
+                      </m:sSubPr>
+                      <m:e>
+                        <m:r>
+                          <a:rPr lang="en-US" i="1">
+                            <a:latin typeface="Cambria Math" panose="02040503050406030204" pitchFamily="18" charset="0"/>
+                          </a:rPr>
+                          <m:t>𝜙</m:t>
+                        </m:r>
+                      </m:e>
+                      <m:sub>
+                        <m:r>
+                          <a:rPr lang="en-US" b="0" i="1" smtClean="0">
+                            <a:latin typeface="Cambria Math" panose="02040503050406030204" pitchFamily="18" charset="0"/>
+                          </a:rPr>
+                          <m:t>𝑑</m:t>
+                        </m:r>
+                      </m:sub>
+                    </m:sSub>
+                    <m:d>
+                      <m:dPr>
+                        <m:ctrlPr>
+                          <a:rPr lang="en-US" i="1">
+                            <a:latin typeface="Cambria Math" panose="02040503050406030204" pitchFamily="18" charset="0"/>
+                          </a:rPr>
+                        </m:ctrlPr>
+                      </m:dPr>
+                      <m:e>
+                        <m:r>
+                          <a:rPr lang="en-US" b="0" i="1" smtClean="0">
+                            <a:latin typeface="Cambria Math" panose="02040503050406030204" pitchFamily="18" charset="0"/>
+                          </a:rPr>
+                          <m:t>𝑥</m:t>
+                        </m:r>
+                      </m:e>
+                    </m:d>
+                  </m:oMath>
+                </a14:m>
+                <a:endParaRPr lang="en-US" dirty="0"/>
+              </a:p>
+              <a:p>
+                <a:r>
+                  <a:rPr lang="en-US" dirty="0"/>
+                  <a:t>Transformed matrix is:</a:t>
+                </a:r>
+              </a:p>
+              <a:p>
+                <a:pPr marL="0" indent="0">
+                  <a:buNone/>
+                </a:pPr>
+                <a:br>
+                  <a:rPr lang="en-US" dirty="0"/>
+                </a:br>
+                <a14:m>
+                  <m:oMathPara xmlns:m="http://schemas.openxmlformats.org/officeDocument/2006/math">
+                    <m:oMathParaPr>
+                      <m:jc m:val="centerGroup"/>
+                    </m:oMathParaPr>
+                    <m:oMath xmlns:m="http://schemas.openxmlformats.org/officeDocument/2006/math">
+                      <m:r>
+                        <a:rPr lang="en-US" b="1" i="1" smtClean="0">
+                          <a:latin typeface="Cambria Math" panose="02040503050406030204" pitchFamily="18" charset="0"/>
+                        </a:rPr>
+                        <m:t>𝑨</m:t>
+                      </m:r>
+                      <m:r>
+                        <a:rPr lang="en-US" b="0" i="1" smtClean="0">
+                          <a:latin typeface="Cambria Math" panose="02040503050406030204" pitchFamily="18" charset="0"/>
+                        </a:rPr>
+                        <m:t>=</m:t>
+                      </m:r>
+                      <m:d>
+                        <m:dPr>
+                          <m:begChr m:val="["/>
+                          <m:endChr m:val="]"/>
+                          <m:ctrlPr>
+                            <a:rPr lang="en-US" b="0" i="1" smtClean="0">
+                              <a:latin typeface="Cambria Math" panose="02040503050406030204" pitchFamily="18" charset="0"/>
+                            </a:rPr>
+                          </m:ctrlPr>
+                        </m:dPr>
+                        <m:e>
+                          <m:m>
+                            <m:mPr>
+                              <m:mcs>
+                                <m:mc>
+                                  <m:mcPr>
+                                    <m:count m:val="3"/>
+                                    <m:mcJc m:val="center"/>
+                                  </m:mcPr>
+                                </m:mc>
+                              </m:mcs>
+                              <m:ctrlPr>
+                                <a:rPr lang="en-US" b="0" i="1" smtClean="0">
+                                  <a:latin typeface="Cambria Math" panose="02040503050406030204" pitchFamily="18" charset="0"/>
+                                </a:rPr>
+                              </m:ctrlPr>
+                            </m:mPr>
+                            <m:mr>
+                              <m:e>
+                                <m:r>
+                                  <m:rPr>
+                                    <m:brk m:alnAt="7"/>
+                                  </m:rPr>
+                                  <a:rPr lang="en-US" b="0" i="1" smtClean="0">
+                                    <a:latin typeface="Cambria Math" panose="02040503050406030204" pitchFamily="18" charset="0"/>
+                                  </a:rPr>
+                                  <m:t>1</m:t>
+                                </m:r>
+                              </m:e>
+                              <m:e>
+                                <m:sSub>
+                                  <m:sSubPr>
+                                    <m:ctrlPr>
+                                      <a:rPr lang="en-US" b="0" i="1" smtClean="0">
+                                        <a:latin typeface="Cambria Math" panose="02040503050406030204" pitchFamily="18" charset="0"/>
+                                      </a:rPr>
+                                    </m:ctrlPr>
+                                  </m:sSubPr>
+                                  <m:e>
+                                    <m:r>
+                                      <a:rPr lang="en-US" b="0" i="1" smtClean="0">
+                                        <a:latin typeface="Cambria Math" panose="02040503050406030204" pitchFamily="18" charset="0"/>
+                                      </a:rPr>
+                                      <m:t>𝑥</m:t>
+                                    </m:r>
+                                  </m:e>
+                                  <m:sub>
+                                    <m:r>
+                                      <a:rPr lang="en-US" b="0" i="1" smtClean="0">
+                                        <a:latin typeface="Cambria Math" panose="02040503050406030204" pitchFamily="18" charset="0"/>
+                                      </a:rPr>
+                                      <m:t>1</m:t>
+                                    </m:r>
+                                  </m:sub>
+                                </m:sSub>
+                              </m:e>
+                              <m:e>
+                                <m:m>
+                                  <m:mPr>
+                                    <m:mcs>
+                                      <m:mc>
+                                        <m:mcPr>
+                                          <m:count m:val="2"/>
+                                          <m:mcJc m:val="center"/>
+                                        </m:mcPr>
+                                      </m:mc>
+                                    </m:mcs>
+                                    <m:ctrlPr>
+                                      <a:rPr lang="en-US" b="0" i="1" smtClean="0">
+                                        <a:latin typeface="Cambria Math" panose="02040503050406030204" pitchFamily="18" charset="0"/>
+                                      </a:rPr>
+                                    </m:ctrlPr>
+                                  </m:mPr>
+                                  <m:mr>
+                                    <m:e>
+                                      <m:r>
+                                        <a:rPr lang="en-US" b="0" i="1" smtClean="0">
+                                          <a:latin typeface="Cambria Math" panose="02040503050406030204" pitchFamily="18" charset="0"/>
+                                        </a:rPr>
+                                        <m:t>⋯</m:t>
+                                      </m:r>
+                                    </m:e>
+                                    <m:e>
+                                      <m:sSubSup>
+                                        <m:sSubSupPr>
+                                          <m:ctrlPr>
+                                            <a:rPr lang="en-US" b="0" i="1" smtClean="0">
+                                              <a:latin typeface="Cambria Math" panose="02040503050406030204" pitchFamily="18" charset="0"/>
+                                            </a:rPr>
+                                          </m:ctrlPr>
+                                        </m:sSubSupPr>
+                                        <m:e>
+                                          <m:r>
+                                            <a:rPr lang="en-US" b="0" i="1" smtClean="0">
+                                              <a:latin typeface="Cambria Math" panose="02040503050406030204" pitchFamily="18" charset="0"/>
+                                            </a:rPr>
+                                            <m:t>𝑥</m:t>
+                                          </m:r>
+                                        </m:e>
+                                        <m:sub>
+                                          <m:r>
+                                            <a:rPr lang="en-US" b="0" i="1" smtClean="0">
+                                              <a:latin typeface="Cambria Math" panose="02040503050406030204" pitchFamily="18" charset="0"/>
+                                            </a:rPr>
+                                            <m:t>1</m:t>
+                                          </m:r>
+                                        </m:sub>
+                                        <m:sup>
+                                          <m:r>
+                                            <a:rPr lang="en-US" b="0" i="1" smtClean="0">
+                                              <a:latin typeface="Cambria Math" panose="02040503050406030204" pitchFamily="18" charset="0"/>
+                                            </a:rPr>
+                                            <m:t>𝑑</m:t>
+                                          </m:r>
+                                        </m:sup>
+                                      </m:sSubSup>
+                                    </m:e>
+                                  </m:mr>
+                                </m:m>
+                              </m:e>
+                            </m:mr>
+                            <m:mr>
+                              <m:e>
+                                <m:r>
+                                  <a:rPr lang="en-US" b="0" i="1" smtClean="0">
+                                    <a:latin typeface="Cambria Math" panose="02040503050406030204" pitchFamily="18" charset="0"/>
+                                  </a:rPr>
+                                  <m:t>⋮</m:t>
+                                </m:r>
+                              </m:e>
+                              <m:e>
+                                <m:r>
+                                  <a:rPr lang="en-US" b="0" i="1" smtClean="0">
+                                    <a:latin typeface="Cambria Math" panose="02040503050406030204" pitchFamily="18" charset="0"/>
+                                  </a:rPr>
+                                  <m:t>⋮</m:t>
+                                </m:r>
+                              </m:e>
+                              <m:e>
+                                <m:m>
+                                  <m:mPr>
+                                    <m:mcs>
+                                      <m:mc>
+                                        <m:mcPr>
+                                          <m:count m:val="2"/>
+                                          <m:mcJc m:val="center"/>
+                                        </m:mcPr>
+                                      </m:mc>
+                                    </m:mcs>
+                                    <m:ctrlPr>
+                                      <a:rPr lang="en-US" i="1">
+                                        <a:latin typeface="Cambria Math" panose="02040503050406030204" pitchFamily="18" charset="0"/>
+                                      </a:rPr>
+                                    </m:ctrlPr>
+                                  </m:mPr>
+                                  <m:mr>
+                                    <m:e>
+                                      <m:r>
+                                        <a:rPr lang="en-US" i="1">
+                                          <a:latin typeface="Cambria Math" panose="02040503050406030204" pitchFamily="18" charset="0"/>
+                                        </a:rPr>
+                                        <m:t>⋯</m:t>
+                                      </m:r>
+                                    </m:e>
+                                    <m:e>
+                                      <m:r>
+                                        <a:rPr lang="en-US" b="0" i="1" smtClean="0">
+                                          <a:latin typeface="Cambria Math" panose="02040503050406030204" pitchFamily="18" charset="0"/>
+                                        </a:rPr>
+                                        <m:t>⋮</m:t>
+                                      </m:r>
+                                    </m:e>
+                                  </m:mr>
+                                </m:m>
+                              </m:e>
+                            </m:mr>
+                            <m:mr>
+                              <m:e>
+                                <m:r>
+                                  <a:rPr lang="en-US" b="0" i="1" smtClean="0">
+                                    <a:latin typeface="Cambria Math" panose="02040503050406030204" pitchFamily="18" charset="0"/>
+                                  </a:rPr>
+                                  <m:t>1</m:t>
+                                </m:r>
+                              </m:e>
+                              <m:e>
+                                <m:sSub>
+                                  <m:sSubPr>
+                                    <m:ctrlPr>
+                                      <a:rPr lang="en-US" b="0" i="1" smtClean="0">
+                                        <a:latin typeface="Cambria Math" panose="02040503050406030204" pitchFamily="18" charset="0"/>
+                                      </a:rPr>
+                                    </m:ctrlPr>
+                                  </m:sSubPr>
+                                  <m:e>
+                                    <m:r>
+                                      <a:rPr lang="en-US" b="0" i="1" smtClean="0">
+                                        <a:latin typeface="Cambria Math" panose="02040503050406030204" pitchFamily="18" charset="0"/>
+                                      </a:rPr>
+                                      <m:t>𝑥</m:t>
+                                    </m:r>
+                                  </m:e>
+                                  <m:sub>
+                                    <m:r>
+                                      <a:rPr lang="en-US" b="0" i="1" smtClean="0">
+                                        <a:latin typeface="Cambria Math" panose="02040503050406030204" pitchFamily="18" charset="0"/>
+                                      </a:rPr>
+                                      <m:t>𝑛</m:t>
+                                    </m:r>
+                                  </m:sub>
+                                </m:sSub>
+                              </m:e>
+                              <m:e>
+                                <m:m>
+                                  <m:mPr>
+                                    <m:mcs>
+                                      <m:mc>
+                                        <m:mcPr>
+                                          <m:count m:val="2"/>
+                                          <m:mcJc m:val="center"/>
+                                        </m:mcPr>
+                                      </m:mc>
+                                    </m:mcs>
+                                    <m:ctrlPr>
+                                      <a:rPr lang="en-US" i="1">
+                                        <a:latin typeface="Cambria Math" panose="02040503050406030204" pitchFamily="18" charset="0"/>
+                                      </a:rPr>
+                                    </m:ctrlPr>
+                                  </m:mPr>
+                                  <m:mr>
+                                    <m:e>
+                                      <m:r>
+                                        <a:rPr lang="en-US" i="1">
+                                          <a:latin typeface="Cambria Math" panose="02040503050406030204" pitchFamily="18" charset="0"/>
+                                        </a:rPr>
+                                        <m:t>⋯</m:t>
+                                      </m:r>
+                                    </m:e>
+                                    <m:e>
+                                      <m:sSubSup>
+                                        <m:sSubSupPr>
+                                          <m:ctrlPr>
+                                            <a:rPr lang="en-US" i="1">
+                                              <a:latin typeface="Cambria Math" panose="02040503050406030204" pitchFamily="18" charset="0"/>
+                                            </a:rPr>
+                                          </m:ctrlPr>
+                                        </m:sSubSupPr>
+                                        <m:e>
+                                          <m:r>
+                                            <a:rPr lang="en-US" i="1">
+                                              <a:latin typeface="Cambria Math" panose="02040503050406030204" pitchFamily="18" charset="0"/>
+                                            </a:rPr>
+                                            <m:t>𝑥</m:t>
+                                          </m:r>
+                                        </m:e>
+                                        <m:sub>
+                                          <m:r>
+                                            <a:rPr lang="en-US" b="0" i="1" smtClean="0">
+                                              <a:latin typeface="Cambria Math" panose="02040503050406030204" pitchFamily="18" charset="0"/>
+                                            </a:rPr>
+                                            <m:t>𝑛</m:t>
+                                          </m:r>
+                                        </m:sub>
+                                        <m:sup>
+                                          <m:r>
+                                            <a:rPr lang="en-US" i="1">
+                                              <a:latin typeface="Cambria Math" panose="02040503050406030204" pitchFamily="18" charset="0"/>
+                                            </a:rPr>
+                                            <m:t>𝑑</m:t>
+                                          </m:r>
+                                        </m:sup>
+                                      </m:sSubSup>
+                                    </m:e>
+                                  </m:mr>
+                                </m:m>
+                              </m:e>
+                            </m:mr>
+                          </m:m>
+                        </m:e>
+                      </m:d>
+                      <m:r>
+                        <a:rPr lang="en-US" b="0" i="1" smtClean="0">
+                          <a:latin typeface="Cambria Math" panose="02040503050406030204" pitchFamily="18" charset="0"/>
+                        </a:rPr>
+                        <m:t>,   </m:t>
+                      </m:r>
+                      <m:r>
+                        <a:rPr lang="en-US" b="0" i="1" smtClean="0">
+                          <a:latin typeface="Cambria Math" panose="02040503050406030204" pitchFamily="18" charset="0"/>
+                        </a:rPr>
+                        <m:t>𝛽</m:t>
+                      </m:r>
+                      <m:r>
+                        <a:rPr lang="en-US" b="0" i="1" smtClean="0">
+                          <a:latin typeface="Cambria Math" panose="02040503050406030204" pitchFamily="18" charset="0"/>
+                        </a:rPr>
+                        <m:t>=</m:t>
+                      </m:r>
+                      <m:d>
+                        <m:dPr>
+                          <m:begChr m:val="["/>
+                          <m:endChr m:val="]"/>
+                          <m:ctrlPr>
+                            <a:rPr lang="en-US" i="1">
+                              <a:latin typeface="Cambria Math" panose="02040503050406030204" pitchFamily="18" charset="0"/>
+                            </a:rPr>
+                          </m:ctrlPr>
+                        </m:dPr>
+                        <m:e>
+                          <m:m>
+                            <m:mPr>
+                              <m:mcs>
+                                <m:mc>
+                                  <m:mcPr>
+                                    <m:count m:val="1"/>
+                                    <m:mcJc m:val="center"/>
+                                  </m:mcPr>
+                                </m:mc>
+                              </m:mcs>
+                              <m:ctrlPr>
+                                <a:rPr lang="en-US" i="1" smtClean="0">
+                                  <a:latin typeface="Cambria Math" panose="02040503050406030204" pitchFamily="18" charset="0"/>
+                                </a:rPr>
+                              </m:ctrlPr>
+                            </m:mPr>
+                            <m:mr>
+                              <m:e>
+                                <m:sSub>
+                                  <m:sSubPr>
+                                    <m:ctrlPr>
+                                      <a:rPr lang="en-US" b="0" i="1" smtClean="0">
+                                        <a:latin typeface="Cambria Math" panose="02040503050406030204" pitchFamily="18" charset="0"/>
+                                      </a:rPr>
+                                    </m:ctrlPr>
+                                  </m:sSubPr>
+                                  <m:e>
+                                    <m:r>
+                                      <a:rPr lang="en-US" b="0" i="1" smtClean="0">
+                                        <a:latin typeface="Cambria Math" panose="02040503050406030204" pitchFamily="18" charset="0"/>
+                                      </a:rPr>
+                                      <m:t>𝛽</m:t>
+                                    </m:r>
+                                  </m:e>
+                                  <m:sub>
+                                    <m:r>
+                                      <a:rPr lang="en-US" b="0" i="1" smtClean="0">
+                                        <a:latin typeface="Cambria Math" panose="02040503050406030204" pitchFamily="18" charset="0"/>
+                                      </a:rPr>
+                                      <m:t>0</m:t>
+                                    </m:r>
+                                  </m:sub>
+                                </m:sSub>
+                              </m:e>
+                            </m:mr>
+                            <m:mr>
+                              <m:e>
+                                <m:r>
+                                  <a:rPr lang="en-US" b="0" i="1" smtClean="0">
+                                    <a:latin typeface="Cambria Math" panose="02040503050406030204" pitchFamily="18" charset="0"/>
+                                  </a:rPr>
+                                  <m:t>⋮</m:t>
+                                </m:r>
+                              </m:e>
+                            </m:mr>
+                            <m:mr>
+                              <m:e>
+                                <m:sSub>
+                                  <m:sSubPr>
+                                    <m:ctrlPr>
+                                      <a:rPr lang="en-US" b="0" i="1" smtClean="0">
+                                        <a:latin typeface="Cambria Math" panose="02040503050406030204" pitchFamily="18" charset="0"/>
+                                      </a:rPr>
+                                    </m:ctrlPr>
+                                  </m:sSubPr>
+                                  <m:e>
+                                    <m:r>
+                                      <a:rPr lang="en-US" b="0" i="1" smtClean="0">
+                                        <a:latin typeface="Cambria Math" panose="02040503050406030204" pitchFamily="18" charset="0"/>
+                                      </a:rPr>
+                                      <m:t>𝛽</m:t>
+                                    </m:r>
+                                  </m:e>
+                                  <m:sub>
+                                    <m:r>
+                                      <a:rPr lang="en-US" b="0" i="1" smtClean="0">
+                                        <a:latin typeface="Cambria Math" panose="02040503050406030204" pitchFamily="18" charset="0"/>
+                                      </a:rPr>
+                                      <m:t>𝑑</m:t>
+                                    </m:r>
+                                  </m:sub>
+                                </m:sSub>
+                              </m:e>
+                            </m:mr>
+                          </m:m>
+                        </m:e>
+                      </m:d>
+                    </m:oMath>
+                  </m:oMathPara>
+                </a14:m>
+                <a:endParaRPr lang="en-US" dirty="0"/>
+              </a:p>
+              <a:p>
+                <a:pPr marL="0" indent="0">
+                  <a:buNone/>
+                </a:pPr>
+                <a:endParaRPr lang="en-US" dirty="0"/>
+              </a:p>
+              <a:p>
+                <a:pPr lvl="1"/>
+                <a14:m>
+                  <m:oMath xmlns:m="http://schemas.openxmlformats.org/officeDocument/2006/math">
+                    <m:r>
+                      <a:rPr lang="en-US" b="0" i="1" smtClean="0">
+                        <a:latin typeface="Cambria Math" panose="02040503050406030204" pitchFamily="18" charset="0"/>
+                      </a:rPr>
+                      <m:t>𝑝</m:t>
+                    </m:r>
+                    <m:r>
+                      <a:rPr lang="en-US" b="0" i="1" smtClean="0">
+                        <a:latin typeface="Cambria Math" panose="02040503050406030204" pitchFamily="18" charset="0"/>
+                      </a:rPr>
+                      <m:t>=</m:t>
+                    </m:r>
+                    <m:r>
+                      <a:rPr lang="en-US" b="0" i="1" smtClean="0">
+                        <a:latin typeface="Cambria Math" panose="02040503050406030204" pitchFamily="18" charset="0"/>
+                      </a:rPr>
+                      <m:t>𝑑</m:t>
+                    </m:r>
+                    <m:r>
+                      <a:rPr lang="en-US" b="0" i="1" smtClean="0">
+                        <a:latin typeface="Cambria Math" panose="02040503050406030204" pitchFamily="18" charset="0"/>
+                      </a:rPr>
+                      <m:t>+1</m:t>
+                    </m:r>
+                  </m:oMath>
+                </a14:m>
+                <a:r>
+                  <a:rPr lang="en-US" dirty="0"/>
+                  <a:t> </a:t>
+                </a:r>
+                <a:r>
+                  <a:rPr lang="en-US" dirty="0">
+                    <a:solidFill>
+                      <a:schemeClr val="accent1">
+                        <a:lumMod val="60000"/>
+                        <a:lumOff val="40000"/>
+                      </a:schemeClr>
+                    </a:solidFill>
+                  </a:rPr>
+                  <a:t>transformed features</a:t>
+                </a:r>
+                <a:r>
+                  <a:rPr lang="en-US" dirty="0">
+                    <a:solidFill>
+                      <a:srgbClr val="FF0000"/>
+                    </a:solidFill>
+                  </a:rPr>
+                  <a:t> </a:t>
+                </a:r>
+                <a:r>
+                  <a:rPr lang="en-US" dirty="0"/>
+                  <a:t>from 1 original feature</a:t>
+                </a:r>
+              </a:p>
+              <a:p>
+                <a:r>
+                  <a:rPr lang="en-US" dirty="0"/>
+                  <a:t>Will discuss how to select </a:t>
+                </a:r>
+                <a14:m>
+                  <m:oMath xmlns:m="http://schemas.openxmlformats.org/officeDocument/2006/math">
+                    <m:r>
+                      <a:rPr lang="en-US" b="0" i="1" smtClean="0">
+                        <a:latin typeface="Cambria Math" panose="02040503050406030204" pitchFamily="18" charset="0"/>
+                      </a:rPr>
+                      <m:t>𝑑</m:t>
+                    </m:r>
+                  </m:oMath>
+                </a14:m>
+                <a:r>
+                  <a:rPr lang="en-US" dirty="0"/>
+                  <a:t> in the next lecture</a:t>
+                </a:r>
+              </a:p>
+            </p:txBody>
+          </p:sp>
+        </mc:Choice>
+        <mc:Fallback>
+          <p:sp>
+            <p:nvSpPr>
+              <p:cNvPr id="3" name="Content Placeholder 2"/>
+              <p:cNvSpPr>
+                <a:spLocks noGrp="1" noRot="1" noChangeAspect="1" noMove="1" noResize="1" noEditPoints="1" noAdjustHandles="1" noChangeArrowheads="1" noChangeShapeType="1" noTextEdit="1"/>
+              </p:cNvSpPr>
+              <p:nvPr>
+                <p:ph idx="1"/>
+              </p:nvPr>
+            </p:nvSpPr>
+            <p:spPr>
+              <a:xfrm>
+                <a:off x="1097280" y="1539277"/>
+                <a:ext cx="5932694" cy="4329817"/>
+              </a:xfrm>
+              <a:blipFill>
+                <a:blip r:embed="rId2"/>
+                <a:stretch>
+                  <a:fillRect l="-1953" t="-2113" b="-845"/>
+                </a:stretch>
+              </a:blipFill>
+            </p:spPr>
+            <p:txBody>
+              <a:bodyPr/>
+              <a:lstStyle/>
+              <a:p>
+                <a:r>
+                  <a:rPr lang="en-US">
+                    <a:noFill/>
+                  </a:rPr>
+                  <a:t> </a:t>
+                </a:r>
+              </a:p>
+            </p:txBody>
+          </p:sp>
+        </mc:Fallback>
+      </mc:AlternateContent>
+      <p:sp>
+        <p:nvSpPr>
+          <p:cNvPr id="4" name="Slide Number Placeholder 3"/>
+          <p:cNvSpPr>
+            <a:spLocks noGrp="1"/>
+          </p:cNvSpPr>
+          <p:nvPr>
+            <p:ph type="sldNum" sz="quarter" idx="12"/>
+          </p:nvPr>
+        </p:nvSpPr>
+        <p:spPr/>
+        <p:txBody>
+          <a:bodyPr/>
+          <a:lstStyle/>
+          <a:p>
+            <a:fld id="{629637A9-119A-49DA-BD12-AAC58B377D80}" type="slidenum">
+              <a:rPr lang="en-US" smtClean="0"/>
+              <a:t>41</a:t>
+            </a:fld>
+            <a:endParaRPr lang="en-US" dirty="0"/>
+          </a:p>
+        </p:txBody>
+      </p:sp>
+      <p:pic>
+        <p:nvPicPr>
+          <p:cNvPr id="6" name="Picture 5"/>
+          <p:cNvPicPr>
+            <a:picLocks noChangeAspect="1"/>
+          </p:cNvPicPr>
+          <p:nvPr/>
+        </p:nvPicPr>
+        <p:blipFill>
+          <a:blip r:embed="rId3"/>
+          <a:stretch>
+            <a:fillRect/>
+          </a:stretch>
+        </p:blipFill>
+        <p:spPr>
+          <a:xfrm>
+            <a:off x="7621555" y="1780134"/>
+            <a:ext cx="3849811" cy="3110647"/>
+          </a:xfrm>
+          <a:prstGeom prst="rect">
+            <a:avLst/>
+          </a:prstGeom>
+        </p:spPr>
+      </p:pic>
+    </p:spTree>
+    <p:extLst>
+      <p:ext uri="{BB962C8B-B14F-4D97-AF65-F5344CB8AC3E}">
+        <p14:creationId xmlns:p14="http://schemas.microsoft.com/office/powerpoint/2010/main" val="1889244722"/>
+      </p:ext>
+    </p:extLst>
+  </p:cSld>
+  <p:clrMapOvr>
+    <a:masterClrMapping/>
+  </p:clrMapOvr>
+</p:sld>
+</file>
+
+<file path=ppt/slides/slide42.xml><?xml version="1.0" encoding="utf-8"?>
+<p:sld xmlns:a="http://schemas.openxmlformats.org/drawingml/2006/main" xmlns:r="http://schemas.openxmlformats.org/officeDocument/2006/relationships" xmlns:p="http://schemas.openxmlformats.org/presentationml/2006/main">
+  <p:cSld>
+    <p:spTree>
+      <p:nvGrpSpPr>
+        <p:cNvPr id="1" name=""/>
+        <p:cNvGrpSpPr/>
+        <p:nvPr/>
+      </p:nvGrpSpPr>
+      <p:grpSpPr>
+        <a:xfrm>
+          <a:off x="0" y="0"/>
+          <a:ext cx="0" cy="0"/>
+          <a:chOff x="0" y="0"/>
+          <a:chExt cx="0" cy="0"/>
+        </a:xfrm>
+      </p:grpSpPr>
+      <p:sp>
+        <p:nvSpPr>
+          <p:cNvPr id="2" name="Title 1">
+            <a:extLst>
+              <a:ext uri="{FF2B5EF4-FFF2-40B4-BE49-F238E27FC236}">
+                <a16:creationId xmlns:a16="http://schemas.microsoft.com/office/drawing/2014/main" id="{AE64F773-69F1-4AC1-85A4-E468781B3CEE}"/>
+              </a:ext>
+            </a:extLst>
+          </p:cNvPr>
+          <p:cNvSpPr>
+            <a:spLocks noGrp="1"/>
+          </p:cNvSpPr>
+          <p:nvPr>
+            <p:ph type="title"/>
+          </p:nvPr>
+        </p:nvSpPr>
+        <p:spPr/>
+        <p:txBody>
+          <a:bodyPr/>
+          <a:lstStyle/>
+          <a:p>
+            <a:r>
+              <a:rPr lang="en-US" dirty="0"/>
+              <a:t>Other Nonlinear Examples</a:t>
+            </a:r>
+          </a:p>
+        </p:txBody>
+      </p:sp>
+      <mc:AlternateContent xmlns:mc="http://schemas.openxmlformats.org/markup-compatibility/2006">
+        <mc:Choice xmlns:a14="http://schemas.microsoft.com/office/drawing/2010/main" Requires="a14">
+          <p:sp>
+            <p:nvSpPr>
+              <p:cNvPr id="3" name="Content Placeholder 2">
+                <a:extLst>
+                  <a:ext uri="{FF2B5EF4-FFF2-40B4-BE49-F238E27FC236}">
+                    <a16:creationId xmlns:a16="http://schemas.microsoft.com/office/drawing/2014/main" id="{FEE8E073-8163-4D87-B850-E6D9269636B9}"/>
+                  </a:ext>
+                </a:extLst>
+              </p:cNvPr>
+              <p:cNvSpPr>
+                <a:spLocks noGrp="1"/>
+              </p:cNvSpPr>
+              <p:nvPr>
+                <p:ph idx="1"/>
+              </p:nvPr>
+            </p:nvSpPr>
+            <p:spPr/>
+            <p:txBody>
+              <a:bodyPr/>
+              <a:lstStyle/>
+              <a:p>
+                <a:r>
+                  <a:rPr lang="en-US" dirty="0">
+                    <a:solidFill>
+                      <a:schemeClr val="accent1">
+                        <a:lumMod val="60000"/>
+                        <a:lumOff val="40000"/>
+                      </a:schemeClr>
+                    </a:solidFill>
+                  </a:rPr>
+                  <a:t>Multinomial model</a:t>
+                </a:r>
+                <a:r>
+                  <a:rPr lang="en-US" dirty="0"/>
+                  <a:t>:  </a:t>
+                </a:r>
+                <a14:m>
+                  <m:oMath xmlns:m="http://schemas.openxmlformats.org/officeDocument/2006/math">
+                    <m:acc>
+                      <m:accPr>
+                        <m:chr m:val="̂"/>
+                        <m:ctrlPr>
+                          <a:rPr lang="en-US" i="1">
+                            <a:latin typeface="Cambria Math" panose="02040503050406030204" pitchFamily="18" charset="0"/>
+                          </a:rPr>
+                        </m:ctrlPr>
+                      </m:accPr>
+                      <m:e>
+                        <m:r>
+                          <a:rPr lang="en-US" i="1">
+                            <a:latin typeface="Cambria Math" panose="02040503050406030204" pitchFamily="18" charset="0"/>
+                          </a:rPr>
+                          <m:t>𝑦</m:t>
+                        </m:r>
+                      </m:e>
+                    </m:acc>
+                    <m:r>
+                      <a:rPr lang="en-US" i="1">
+                        <a:latin typeface="Cambria Math" panose="02040503050406030204" pitchFamily="18" charset="0"/>
+                      </a:rPr>
+                      <m:t>=</m:t>
+                    </m:r>
+                    <m:r>
+                      <a:rPr lang="en-US" b="0" i="1" smtClean="0">
+                        <a:latin typeface="Cambria Math" panose="02040503050406030204" pitchFamily="18" charset="0"/>
+                      </a:rPr>
+                      <m:t>𝑎</m:t>
+                    </m:r>
+                    <m:r>
+                      <a:rPr lang="en-US" b="0" i="1" smtClean="0">
+                        <a:latin typeface="Cambria Math" panose="02040503050406030204" pitchFamily="18" charset="0"/>
+                      </a:rPr>
+                      <m:t>+</m:t>
+                    </m:r>
+                    <m:sSub>
+                      <m:sSubPr>
+                        <m:ctrlPr>
+                          <a:rPr lang="en-US" b="0" i="1" smtClean="0">
+                            <a:latin typeface="Cambria Math" panose="02040503050406030204" pitchFamily="18" charset="0"/>
+                          </a:rPr>
+                        </m:ctrlPr>
+                      </m:sSubPr>
+                      <m:e>
+                        <m:r>
+                          <a:rPr lang="en-US" b="0" i="1" smtClean="0">
+                            <a:latin typeface="Cambria Math" panose="02040503050406030204" pitchFamily="18" charset="0"/>
+                          </a:rPr>
+                          <m:t>𝑏</m:t>
+                        </m:r>
+                      </m:e>
+                      <m:sub>
+                        <m:r>
+                          <a:rPr lang="en-US" b="0" i="1" smtClean="0">
+                            <a:latin typeface="Cambria Math" panose="02040503050406030204" pitchFamily="18" charset="0"/>
+                          </a:rPr>
+                          <m:t>1</m:t>
+                        </m:r>
+                      </m:sub>
+                    </m:sSub>
+                    <m:sSub>
+                      <m:sSubPr>
+                        <m:ctrlPr>
+                          <a:rPr lang="en-US" b="0" i="1" smtClean="0">
+                            <a:latin typeface="Cambria Math" panose="02040503050406030204" pitchFamily="18" charset="0"/>
+                          </a:rPr>
+                        </m:ctrlPr>
+                      </m:sSubPr>
+                      <m:e>
+                        <m:r>
+                          <a:rPr lang="en-US" b="0" i="1" smtClean="0">
+                            <a:latin typeface="Cambria Math" panose="02040503050406030204" pitchFamily="18" charset="0"/>
+                          </a:rPr>
+                          <m:t>𝑥</m:t>
+                        </m:r>
+                      </m:e>
+                      <m:sub>
+                        <m:r>
+                          <a:rPr lang="en-US" b="0" i="1" smtClean="0">
+                            <a:latin typeface="Cambria Math" panose="02040503050406030204" pitchFamily="18" charset="0"/>
+                          </a:rPr>
+                          <m:t>1</m:t>
+                        </m:r>
+                      </m:sub>
+                    </m:sSub>
+                    <m:r>
+                      <a:rPr lang="en-US" b="0" i="1" smtClean="0">
+                        <a:latin typeface="Cambria Math" panose="02040503050406030204" pitchFamily="18" charset="0"/>
+                      </a:rPr>
+                      <m:t>+</m:t>
+                    </m:r>
+                    <m:sSub>
+                      <m:sSubPr>
+                        <m:ctrlPr>
+                          <a:rPr lang="en-US" b="0" i="1" smtClean="0">
+                            <a:latin typeface="Cambria Math" panose="02040503050406030204" pitchFamily="18" charset="0"/>
+                          </a:rPr>
+                        </m:ctrlPr>
+                      </m:sSubPr>
+                      <m:e>
+                        <m:r>
+                          <a:rPr lang="en-US" b="0" i="1" smtClean="0">
+                            <a:latin typeface="Cambria Math" panose="02040503050406030204" pitchFamily="18" charset="0"/>
+                          </a:rPr>
+                          <m:t>𝑏</m:t>
+                        </m:r>
+                      </m:e>
+                      <m:sub>
+                        <m:r>
+                          <a:rPr lang="en-US" b="0" i="1" smtClean="0">
+                            <a:latin typeface="Cambria Math" panose="02040503050406030204" pitchFamily="18" charset="0"/>
+                          </a:rPr>
+                          <m:t>2</m:t>
+                        </m:r>
+                      </m:sub>
+                    </m:sSub>
+                    <m:sSub>
+                      <m:sSubPr>
+                        <m:ctrlPr>
+                          <a:rPr lang="en-US" b="0" i="1" smtClean="0">
+                            <a:latin typeface="Cambria Math" panose="02040503050406030204" pitchFamily="18" charset="0"/>
+                          </a:rPr>
+                        </m:ctrlPr>
+                      </m:sSubPr>
+                      <m:e>
+                        <m:r>
+                          <a:rPr lang="en-US" b="0" i="1" smtClean="0">
+                            <a:latin typeface="Cambria Math" panose="02040503050406030204" pitchFamily="18" charset="0"/>
+                          </a:rPr>
+                          <m:t>𝑥</m:t>
+                        </m:r>
+                      </m:e>
+                      <m:sub>
+                        <m:r>
+                          <a:rPr lang="en-US" b="0" i="1" smtClean="0">
+                            <a:latin typeface="Cambria Math" panose="02040503050406030204" pitchFamily="18" charset="0"/>
+                          </a:rPr>
+                          <m:t>2</m:t>
+                        </m:r>
+                      </m:sub>
+                    </m:sSub>
+                    <m:r>
+                      <a:rPr lang="en-US" b="0" i="1" smtClean="0">
+                        <a:latin typeface="Cambria Math" panose="02040503050406030204" pitchFamily="18" charset="0"/>
+                      </a:rPr>
+                      <m:t>+</m:t>
+                    </m:r>
+                    <m:sSub>
+                      <m:sSubPr>
+                        <m:ctrlPr>
+                          <a:rPr lang="en-US" b="0" i="1" smtClean="0">
+                            <a:latin typeface="Cambria Math" panose="02040503050406030204" pitchFamily="18" charset="0"/>
+                          </a:rPr>
+                        </m:ctrlPr>
+                      </m:sSubPr>
+                      <m:e>
+                        <m:r>
+                          <a:rPr lang="en-US" b="0" i="1" smtClean="0">
+                            <a:latin typeface="Cambria Math" panose="02040503050406030204" pitchFamily="18" charset="0"/>
+                          </a:rPr>
+                          <m:t>𝑐</m:t>
+                        </m:r>
+                      </m:e>
+                      <m:sub>
+                        <m:r>
+                          <a:rPr lang="en-US" b="0" i="1" smtClean="0">
+                            <a:latin typeface="Cambria Math" panose="02040503050406030204" pitchFamily="18" charset="0"/>
+                          </a:rPr>
+                          <m:t>1</m:t>
+                        </m:r>
+                      </m:sub>
+                    </m:sSub>
+                    <m:sSubSup>
+                      <m:sSubSupPr>
+                        <m:ctrlPr>
+                          <a:rPr lang="en-US" b="0" i="1" smtClean="0">
+                            <a:latin typeface="Cambria Math" panose="02040503050406030204" pitchFamily="18" charset="0"/>
+                          </a:rPr>
+                        </m:ctrlPr>
+                      </m:sSubSupPr>
+                      <m:e>
+                        <m:r>
+                          <a:rPr lang="en-US" b="0" i="1" smtClean="0">
+                            <a:latin typeface="Cambria Math" panose="02040503050406030204" pitchFamily="18" charset="0"/>
+                          </a:rPr>
+                          <m:t>𝑥</m:t>
+                        </m:r>
+                      </m:e>
+                      <m:sub>
+                        <m:r>
+                          <a:rPr lang="en-US" b="0" i="1" smtClean="0">
+                            <a:latin typeface="Cambria Math" panose="02040503050406030204" pitchFamily="18" charset="0"/>
+                          </a:rPr>
+                          <m:t>1</m:t>
+                        </m:r>
+                      </m:sub>
+                      <m:sup>
+                        <m:r>
+                          <a:rPr lang="en-US" b="0" i="1" smtClean="0">
+                            <a:latin typeface="Cambria Math" panose="02040503050406030204" pitchFamily="18" charset="0"/>
+                          </a:rPr>
+                          <m:t>2</m:t>
+                        </m:r>
+                      </m:sup>
+                    </m:sSubSup>
+                    <m:r>
+                      <a:rPr lang="en-US" b="0" i="1" smtClean="0">
+                        <a:latin typeface="Cambria Math" panose="02040503050406030204" pitchFamily="18" charset="0"/>
+                      </a:rPr>
+                      <m:t>+</m:t>
+                    </m:r>
+                    <m:sSub>
+                      <m:sSubPr>
+                        <m:ctrlPr>
+                          <a:rPr lang="en-US" b="0" i="1" smtClean="0">
+                            <a:latin typeface="Cambria Math" panose="02040503050406030204" pitchFamily="18" charset="0"/>
+                          </a:rPr>
+                        </m:ctrlPr>
+                      </m:sSubPr>
+                      <m:e>
+                        <m:r>
+                          <a:rPr lang="en-US" b="0" i="1" smtClean="0">
+                            <a:latin typeface="Cambria Math" panose="02040503050406030204" pitchFamily="18" charset="0"/>
+                          </a:rPr>
+                          <m:t>𝑐</m:t>
+                        </m:r>
+                      </m:e>
+                      <m:sub>
+                        <m:r>
+                          <a:rPr lang="en-US" b="0" i="1" smtClean="0">
+                            <a:latin typeface="Cambria Math" panose="02040503050406030204" pitchFamily="18" charset="0"/>
+                          </a:rPr>
+                          <m:t>2</m:t>
+                        </m:r>
+                      </m:sub>
+                    </m:sSub>
+                    <m:sSub>
+                      <m:sSubPr>
+                        <m:ctrlPr>
+                          <a:rPr lang="en-US" b="0" i="1" smtClean="0">
+                            <a:latin typeface="Cambria Math" panose="02040503050406030204" pitchFamily="18" charset="0"/>
+                          </a:rPr>
+                        </m:ctrlPr>
+                      </m:sSubPr>
+                      <m:e>
+                        <m:r>
+                          <a:rPr lang="en-US" b="0" i="1" smtClean="0">
+                            <a:latin typeface="Cambria Math" panose="02040503050406030204" pitchFamily="18" charset="0"/>
+                          </a:rPr>
+                          <m:t>𝑥</m:t>
+                        </m:r>
+                      </m:e>
+                      <m:sub>
+                        <m:r>
+                          <a:rPr lang="en-US" b="0" i="1" smtClean="0">
+                            <a:latin typeface="Cambria Math" panose="02040503050406030204" pitchFamily="18" charset="0"/>
+                          </a:rPr>
+                          <m:t>1</m:t>
+                        </m:r>
+                      </m:sub>
+                    </m:sSub>
+                    <m:sSub>
+                      <m:sSubPr>
+                        <m:ctrlPr>
+                          <a:rPr lang="en-US" b="0" i="1" smtClean="0">
+                            <a:latin typeface="Cambria Math" panose="02040503050406030204" pitchFamily="18" charset="0"/>
+                          </a:rPr>
+                        </m:ctrlPr>
+                      </m:sSubPr>
+                      <m:e>
+                        <m:r>
+                          <a:rPr lang="en-US" b="0" i="1" smtClean="0">
+                            <a:latin typeface="Cambria Math" panose="02040503050406030204" pitchFamily="18" charset="0"/>
+                          </a:rPr>
+                          <m:t>𝑥</m:t>
+                        </m:r>
+                      </m:e>
+                      <m:sub>
+                        <m:r>
+                          <a:rPr lang="en-US" b="0" i="1" smtClean="0">
+                            <a:latin typeface="Cambria Math" panose="02040503050406030204" pitchFamily="18" charset="0"/>
+                          </a:rPr>
+                          <m:t>2</m:t>
+                        </m:r>
+                      </m:sub>
+                    </m:sSub>
+                    <m:r>
+                      <a:rPr lang="en-US" b="0" i="1" smtClean="0">
+                        <a:latin typeface="Cambria Math" panose="02040503050406030204" pitchFamily="18" charset="0"/>
+                      </a:rPr>
+                      <m:t>+</m:t>
+                    </m:r>
+                    <m:sSub>
+                      <m:sSubPr>
+                        <m:ctrlPr>
+                          <a:rPr lang="en-US" b="0" i="1" smtClean="0">
+                            <a:latin typeface="Cambria Math" panose="02040503050406030204" pitchFamily="18" charset="0"/>
+                          </a:rPr>
+                        </m:ctrlPr>
+                      </m:sSubPr>
+                      <m:e>
+                        <m:r>
+                          <a:rPr lang="en-US" b="0" i="1" smtClean="0">
+                            <a:latin typeface="Cambria Math" panose="02040503050406030204" pitchFamily="18" charset="0"/>
+                          </a:rPr>
+                          <m:t>𝑐</m:t>
+                        </m:r>
+                      </m:e>
+                      <m:sub>
+                        <m:r>
+                          <a:rPr lang="en-US" b="0" i="1" smtClean="0">
+                            <a:latin typeface="Cambria Math" panose="02040503050406030204" pitchFamily="18" charset="0"/>
+                          </a:rPr>
+                          <m:t>3</m:t>
+                        </m:r>
+                      </m:sub>
+                    </m:sSub>
+                    <m:sSubSup>
+                      <m:sSubSupPr>
+                        <m:ctrlPr>
+                          <a:rPr lang="en-US" b="0" i="1" smtClean="0">
+                            <a:latin typeface="Cambria Math" panose="02040503050406030204" pitchFamily="18" charset="0"/>
+                          </a:rPr>
+                        </m:ctrlPr>
+                      </m:sSubSupPr>
+                      <m:e>
+                        <m:r>
+                          <a:rPr lang="en-US" b="0" i="1" smtClean="0">
+                            <a:latin typeface="Cambria Math" panose="02040503050406030204" pitchFamily="18" charset="0"/>
+                          </a:rPr>
+                          <m:t>𝑥</m:t>
+                        </m:r>
+                      </m:e>
+                      <m:sub>
+                        <m:r>
+                          <a:rPr lang="en-US" b="0" i="1" smtClean="0">
+                            <a:latin typeface="Cambria Math" panose="02040503050406030204" pitchFamily="18" charset="0"/>
+                          </a:rPr>
+                          <m:t>2</m:t>
+                        </m:r>
+                      </m:sub>
+                      <m:sup>
+                        <m:r>
+                          <a:rPr lang="en-US" b="0" i="1" smtClean="0">
+                            <a:latin typeface="Cambria Math" panose="02040503050406030204" pitchFamily="18" charset="0"/>
+                          </a:rPr>
+                          <m:t>2</m:t>
+                        </m:r>
+                      </m:sup>
+                    </m:sSubSup>
+                  </m:oMath>
+                </a14:m>
+                <a:endParaRPr lang="en-US" dirty="0"/>
+              </a:p>
+              <a:p>
+                <a:pPr lvl="1"/>
+                <a:r>
+                  <a:rPr lang="en-US" dirty="0"/>
+                  <a:t>Contains all second order terms</a:t>
+                </a:r>
+              </a:p>
+              <a:p>
+                <a:pPr lvl="1"/>
+                <a:r>
+                  <a:rPr lang="en-US" dirty="0"/>
+                  <a:t>Define parameter vector </a:t>
+                </a:r>
+                <a14:m>
+                  <m:oMath xmlns:m="http://schemas.openxmlformats.org/officeDocument/2006/math">
+                    <m:r>
+                      <a:rPr lang="en-US" b="0" i="1" smtClean="0">
+                        <a:latin typeface="Cambria Math" panose="02040503050406030204" pitchFamily="18" charset="0"/>
+                      </a:rPr>
+                      <m:t>𝛽</m:t>
+                    </m:r>
+                    <m:r>
+                      <a:rPr lang="en-US" b="0" i="1" smtClean="0">
+                        <a:latin typeface="Cambria Math" panose="02040503050406030204" pitchFamily="18" charset="0"/>
+                      </a:rPr>
+                      <m:t>=</m:t>
+                    </m:r>
+                    <m:d>
+                      <m:dPr>
+                        <m:begChr m:val="["/>
+                        <m:endChr m:val="]"/>
+                        <m:ctrlPr>
+                          <a:rPr lang="en-US" b="0" i="1" smtClean="0">
+                            <a:latin typeface="Cambria Math" panose="02040503050406030204" pitchFamily="18" charset="0"/>
+                          </a:rPr>
+                        </m:ctrlPr>
+                      </m:dPr>
+                      <m:e>
+                        <m:r>
+                          <a:rPr lang="en-US" b="0" i="1" smtClean="0">
+                            <a:latin typeface="Cambria Math" panose="02040503050406030204" pitchFamily="18" charset="0"/>
+                          </a:rPr>
+                          <m:t>𝑎</m:t>
+                        </m:r>
+                        <m:r>
+                          <a:rPr lang="en-US" b="0" i="1" smtClean="0">
+                            <a:latin typeface="Cambria Math" panose="02040503050406030204" pitchFamily="18" charset="0"/>
+                          </a:rPr>
+                          <m:t>,</m:t>
+                        </m:r>
+                        <m:sSub>
+                          <m:sSubPr>
+                            <m:ctrlPr>
+                              <a:rPr lang="en-US" b="0" i="1" smtClean="0">
+                                <a:latin typeface="Cambria Math" panose="02040503050406030204" pitchFamily="18" charset="0"/>
+                              </a:rPr>
+                            </m:ctrlPr>
+                          </m:sSubPr>
+                          <m:e>
+                            <m:r>
+                              <a:rPr lang="en-US" b="0" i="1" smtClean="0">
+                                <a:latin typeface="Cambria Math" panose="02040503050406030204" pitchFamily="18" charset="0"/>
+                              </a:rPr>
+                              <m:t>𝑏</m:t>
+                            </m:r>
+                          </m:e>
+                          <m:sub>
+                            <m:r>
+                              <a:rPr lang="en-US" b="0" i="1" smtClean="0">
+                                <a:latin typeface="Cambria Math" panose="02040503050406030204" pitchFamily="18" charset="0"/>
+                              </a:rPr>
+                              <m:t>1</m:t>
+                            </m:r>
+                          </m:sub>
+                        </m:sSub>
+                        <m:r>
+                          <a:rPr lang="en-US" b="0" i="1" smtClean="0">
+                            <a:latin typeface="Cambria Math" panose="02040503050406030204" pitchFamily="18" charset="0"/>
+                          </a:rPr>
+                          <m:t>,</m:t>
+                        </m:r>
+                        <m:sSub>
+                          <m:sSubPr>
+                            <m:ctrlPr>
+                              <a:rPr lang="en-US" b="0" i="1" smtClean="0">
+                                <a:latin typeface="Cambria Math" panose="02040503050406030204" pitchFamily="18" charset="0"/>
+                              </a:rPr>
+                            </m:ctrlPr>
+                          </m:sSubPr>
+                          <m:e>
+                            <m:r>
+                              <a:rPr lang="en-US" b="0" i="1" smtClean="0">
+                                <a:latin typeface="Cambria Math" panose="02040503050406030204" pitchFamily="18" charset="0"/>
+                              </a:rPr>
+                              <m:t>𝑏</m:t>
+                            </m:r>
+                          </m:e>
+                          <m:sub>
+                            <m:r>
+                              <a:rPr lang="en-US" b="0" i="1" smtClean="0">
+                                <a:latin typeface="Cambria Math" panose="02040503050406030204" pitchFamily="18" charset="0"/>
+                              </a:rPr>
+                              <m:t>2</m:t>
+                            </m:r>
+                          </m:sub>
+                        </m:sSub>
+                        <m:r>
+                          <a:rPr lang="en-US" b="0" i="1" smtClean="0">
+                            <a:latin typeface="Cambria Math" panose="02040503050406030204" pitchFamily="18" charset="0"/>
+                          </a:rPr>
+                          <m:t>,</m:t>
+                        </m:r>
+                        <m:sSub>
+                          <m:sSubPr>
+                            <m:ctrlPr>
+                              <a:rPr lang="en-US" b="0" i="1" smtClean="0">
+                                <a:latin typeface="Cambria Math" panose="02040503050406030204" pitchFamily="18" charset="0"/>
+                              </a:rPr>
+                            </m:ctrlPr>
+                          </m:sSubPr>
+                          <m:e>
+                            <m:r>
+                              <a:rPr lang="en-US" b="0" i="1" smtClean="0">
+                                <a:latin typeface="Cambria Math" panose="02040503050406030204" pitchFamily="18" charset="0"/>
+                              </a:rPr>
+                              <m:t>𝑐</m:t>
+                            </m:r>
+                          </m:e>
+                          <m:sub>
+                            <m:r>
+                              <a:rPr lang="en-US" b="0" i="1" smtClean="0">
+                                <a:latin typeface="Cambria Math" panose="02040503050406030204" pitchFamily="18" charset="0"/>
+                              </a:rPr>
+                              <m:t>1</m:t>
+                            </m:r>
+                          </m:sub>
+                        </m:sSub>
+                        <m:r>
+                          <a:rPr lang="en-US" b="0" i="1" smtClean="0">
+                            <a:latin typeface="Cambria Math" panose="02040503050406030204" pitchFamily="18" charset="0"/>
+                          </a:rPr>
+                          <m:t>,</m:t>
+                        </m:r>
+                        <m:sSub>
+                          <m:sSubPr>
+                            <m:ctrlPr>
+                              <a:rPr lang="en-US" b="0" i="1" smtClean="0">
+                                <a:latin typeface="Cambria Math" panose="02040503050406030204" pitchFamily="18" charset="0"/>
+                              </a:rPr>
+                            </m:ctrlPr>
+                          </m:sSubPr>
+                          <m:e>
+                            <m:r>
+                              <a:rPr lang="en-US" b="0" i="1" smtClean="0">
+                                <a:latin typeface="Cambria Math" panose="02040503050406030204" pitchFamily="18" charset="0"/>
+                              </a:rPr>
+                              <m:t>𝑐</m:t>
+                            </m:r>
+                          </m:e>
+                          <m:sub>
+                            <m:r>
+                              <a:rPr lang="en-US" b="0" i="1" smtClean="0">
+                                <a:latin typeface="Cambria Math" panose="02040503050406030204" pitchFamily="18" charset="0"/>
+                              </a:rPr>
+                              <m:t>2</m:t>
+                            </m:r>
+                          </m:sub>
+                        </m:sSub>
+                        <m:r>
+                          <a:rPr lang="en-US" b="0" i="1" smtClean="0">
+                            <a:latin typeface="Cambria Math" panose="02040503050406030204" pitchFamily="18" charset="0"/>
+                          </a:rPr>
+                          <m:t>,</m:t>
+                        </m:r>
+                        <m:sSub>
+                          <m:sSubPr>
+                            <m:ctrlPr>
+                              <a:rPr lang="en-US" b="0" i="1" smtClean="0">
+                                <a:latin typeface="Cambria Math" panose="02040503050406030204" pitchFamily="18" charset="0"/>
+                              </a:rPr>
+                            </m:ctrlPr>
+                          </m:sSubPr>
+                          <m:e>
+                            <m:r>
+                              <a:rPr lang="en-US" b="0" i="1" smtClean="0">
+                                <a:latin typeface="Cambria Math" panose="02040503050406030204" pitchFamily="18" charset="0"/>
+                              </a:rPr>
+                              <m:t>𝑐</m:t>
+                            </m:r>
+                          </m:e>
+                          <m:sub>
+                            <m:r>
+                              <a:rPr lang="en-US" b="0" i="1" smtClean="0">
+                                <a:latin typeface="Cambria Math" panose="02040503050406030204" pitchFamily="18" charset="0"/>
+                              </a:rPr>
+                              <m:t>3</m:t>
+                            </m:r>
+                          </m:sub>
+                        </m:sSub>
+                      </m:e>
+                    </m:d>
+                  </m:oMath>
+                </a14:m>
+                <a:endParaRPr lang="en-US" b="0" dirty="0"/>
+              </a:p>
+              <a:p>
+                <a:pPr lvl="1"/>
+                <a:r>
+                  <a:rPr lang="en-US" dirty="0"/>
+                  <a:t>Transformed vector </a:t>
+                </a:r>
+                <a14:m>
+                  <m:oMath xmlns:m="http://schemas.openxmlformats.org/officeDocument/2006/math">
+                    <m:r>
+                      <a:rPr lang="en-US" b="0" i="1" smtClean="0">
+                        <a:latin typeface="Cambria Math" panose="02040503050406030204" pitchFamily="18" charset="0"/>
+                      </a:rPr>
+                      <m:t>𝜙</m:t>
+                    </m:r>
+                    <m:d>
+                      <m:dPr>
+                        <m:ctrlPr>
+                          <a:rPr lang="en-US" b="0" i="1" smtClean="0">
+                            <a:latin typeface="Cambria Math" panose="02040503050406030204" pitchFamily="18" charset="0"/>
+                          </a:rPr>
+                        </m:ctrlPr>
+                      </m:dPr>
+                      <m:e>
+                        <m:sSub>
+                          <m:sSubPr>
+                            <m:ctrlPr>
+                              <a:rPr lang="en-US" b="0" i="1" smtClean="0">
+                                <a:latin typeface="Cambria Math" panose="02040503050406030204" pitchFamily="18" charset="0"/>
+                              </a:rPr>
+                            </m:ctrlPr>
+                          </m:sSubPr>
+                          <m:e>
+                            <m:r>
+                              <a:rPr lang="en-US" b="0" i="1" smtClean="0">
+                                <a:latin typeface="Cambria Math" panose="02040503050406030204" pitchFamily="18" charset="0"/>
+                              </a:rPr>
+                              <m:t>𝑥</m:t>
+                            </m:r>
+                          </m:e>
+                          <m:sub>
+                            <m:r>
+                              <a:rPr lang="en-US" b="0" i="1" smtClean="0">
+                                <a:latin typeface="Cambria Math" panose="02040503050406030204" pitchFamily="18" charset="0"/>
+                              </a:rPr>
+                              <m:t>1</m:t>
+                            </m:r>
+                          </m:sub>
+                        </m:sSub>
+                        <m:r>
+                          <a:rPr lang="en-US" b="0" i="1" smtClean="0">
+                            <a:latin typeface="Cambria Math" panose="02040503050406030204" pitchFamily="18" charset="0"/>
+                          </a:rPr>
+                          <m:t>,</m:t>
+                        </m:r>
+                        <m:sSub>
+                          <m:sSubPr>
+                            <m:ctrlPr>
+                              <a:rPr lang="en-US" b="0" i="1" smtClean="0">
+                                <a:latin typeface="Cambria Math" panose="02040503050406030204" pitchFamily="18" charset="0"/>
+                              </a:rPr>
+                            </m:ctrlPr>
+                          </m:sSubPr>
+                          <m:e>
+                            <m:r>
+                              <a:rPr lang="en-US" b="0" i="1" smtClean="0">
+                                <a:latin typeface="Cambria Math" panose="02040503050406030204" pitchFamily="18" charset="0"/>
+                              </a:rPr>
+                              <m:t>𝑥</m:t>
+                            </m:r>
+                          </m:e>
+                          <m:sub>
+                            <m:r>
+                              <a:rPr lang="en-US" b="0" i="1" smtClean="0">
+                                <a:latin typeface="Cambria Math" panose="02040503050406030204" pitchFamily="18" charset="0"/>
+                              </a:rPr>
+                              <m:t>2</m:t>
+                            </m:r>
+                          </m:sub>
+                        </m:sSub>
+                      </m:e>
+                    </m:d>
+                    <m:r>
+                      <a:rPr lang="en-US" b="0" i="1" smtClean="0">
+                        <a:latin typeface="Cambria Math" panose="02040503050406030204" pitchFamily="18" charset="0"/>
+                      </a:rPr>
+                      <m:t>=[1,</m:t>
+                    </m:r>
+                    <m:sSub>
+                      <m:sSubPr>
+                        <m:ctrlPr>
+                          <a:rPr lang="en-US" b="0" i="1" smtClean="0">
+                            <a:latin typeface="Cambria Math" panose="02040503050406030204" pitchFamily="18" charset="0"/>
+                          </a:rPr>
+                        </m:ctrlPr>
+                      </m:sSubPr>
+                      <m:e>
+                        <m:r>
+                          <a:rPr lang="en-US" b="0" i="1" smtClean="0">
+                            <a:latin typeface="Cambria Math" panose="02040503050406030204" pitchFamily="18" charset="0"/>
+                          </a:rPr>
+                          <m:t>𝑥</m:t>
+                        </m:r>
+                      </m:e>
+                      <m:sub>
+                        <m:r>
+                          <a:rPr lang="en-US" b="0" i="1" smtClean="0">
+                            <a:latin typeface="Cambria Math" panose="02040503050406030204" pitchFamily="18" charset="0"/>
+                          </a:rPr>
+                          <m:t>1</m:t>
+                        </m:r>
+                      </m:sub>
+                    </m:sSub>
+                    <m:r>
+                      <a:rPr lang="en-US" b="0" i="1" smtClean="0">
+                        <a:latin typeface="Cambria Math" panose="02040503050406030204" pitchFamily="18" charset="0"/>
+                      </a:rPr>
+                      <m:t>,</m:t>
+                    </m:r>
+                    <m:sSub>
+                      <m:sSubPr>
+                        <m:ctrlPr>
+                          <a:rPr lang="en-US" b="0" i="1" smtClean="0">
+                            <a:latin typeface="Cambria Math" panose="02040503050406030204" pitchFamily="18" charset="0"/>
+                          </a:rPr>
+                        </m:ctrlPr>
+                      </m:sSubPr>
+                      <m:e>
+                        <m:r>
+                          <a:rPr lang="en-US" b="0" i="1" smtClean="0">
+                            <a:latin typeface="Cambria Math" panose="02040503050406030204" pitchFamily="18" charset="0"/>
+                          </a:rPr>
+                          <m:t>𝑥</m:t>
+                        </m:r>
+                      </m:e>
+                      <m:sub>
+                        <m:r>
+                          <a:rPr lang="en-US" b="0" i="1" smtClean="0">
+                            <a:latin typeface="Cambria Math" panose="02040503050406030204" pitchFamily="18" charset="0"/>
+                          </a:rPr>
+                          <m:t>2</m:t>
+                        </m:r>
+                      </m:sub>
+                    </m:sSub>
+                    <m:r>
+                      <a:rPr lang="en-US" b="0" i="1" smtClean="0">
+                        <a:latin typeface="Cambria Math" panose="02040503050406030204" pitchFamily="18" charset="0"/>
+                      </a:rPr>
+                      <m:t>,</m:t>
+                    </m:r>
+                    <m:sSubSup>
+                      <m:sSubSupPr>
+                        <m:ctrlPr>
+                          <a:rPr lang="en-US" b="0" i="1" smtClean="0">
+                            <a:latin typeface="Cambria Math" panose="02040503050406030204" pitchFamily="18" charset="0"/>
+                          </a:rPr>
+                        </m:ctrlPr>
+                      </m:sSubSupPr>
+                      <m:e>
+                        <m:r>
+                          <a:rPr lang="en-US" b="0" i="1" smtClean="0">
+                            <a:latin typeface="Cambria Math" panose="02040503050406030204" pitchFamily="18" charset="0"/>
+                          </a:rPr>
+                          <m:t>𝑥</m:t>
+                        </m:r>
+                      </m:e>
+                      <m:sub>
+                        <m:r>
+                          <a:rPr lang="en-US" b="0" i="1" smtClean="0">
+                            <a:latin typeface="Cambria Math" panose="02040503050406030204" pitchFamily="18" charset="0"/>
+                          </a:rPr>
+                          <m:t>1</m:t>
+                        </m:r>
+                      </m:sub>
+                      <m:sup>
+                        <m:r>
+                          <a:rPr lang="en-US" b="0" i="1" smtClean="0">
+                            <a:latin typeface="Cambria Math" panose="02040503050406030204" pitchFamily="18" charset="0"/>
+                          </a:rPr>
+                          <m:t>2</m:t>
+                        </m:r>
+                      </m:sup>
+                    </m:sSubSup>
+                    <m:r>
+                      <a:rPr lang="en-US" b="0" i="1" smtClean="0">
+                        <a:latin typeface="Cambria Math" panose="02040503050406030204" pitchFamily="18" charset="0"/>
+                      </a:rPr>
+                      <m:t>,</m:t>
+                    </m:r>
+                    <m:sSub>
+                      <m:sSubPr>
+                        <m:ctrlPr>
+                          <a:rPr lang="en-US" b="0" i="1" smtClean="0">
+                            <a:latin typeface="Cambria Math" panose="02040503050406030204" pitchFamily="18" charset="0"/>
+                          </a:rPr>
+                        </m:ctrlPr>
+                      </m:sSubPr>
+                      <m:e>
+                        <m:r>
+                          <a:rPr lang="en-US" b="0" i="1" smtClean="0">
+                            <a:latin typeface="Cambria Math" panose="02040503050406030204" pitchFamily="18" charset="0"/>
+                          </a:rPr>
+                          <m:t>𝑥</m:t>
+                        </m:r>
+                      </m:e>
+                      <m:sub>
+                        <m:r>
+                          <a:rPr lang="en-US" b="0" i="1" smtClean="0">
+                            <a:latin typeface="Cambria Math" panose="02040503050406030204" pitchFamily="18" charset="0"/>
+                          </a:rPr>
+                          <m:t>1</m:t>
+                        </m:r>
+                      </m:sub>
+                    </m:sSub>
+                    <m:sSub>
+                      <m:sSubPr>
+                        <m:ctrlPr>
+                          <a:rPr lang="en-US" b="0" i="1" smtClean="0">
+                            <a:latin typeface="Cambria Math" panose="02040503050406030204" pitchFamily="18" charset="0"/>
+                          </a:rPr>
+                        </m:ctrlPr>
+                      </m:sSubPr>
+                      <m:e>
+                        <m:r>
+                          <a:rPr lang="en-US" b="0" i="1" smtClean="0">
+                            <a:latin typeface="Cambria Math" panose="02040503050406030204" pitchFamily="18" charset="0"/>
+                          </a:rPr>
+                          <m:t>𝑥</m:t>
+                        </m:r>
+                      </m:e>
+                      <m:sub>
+                        <m:r>
+                          <a:rPr lang="en-US" b="0" i="1" smtClean="0">
+                            <a:latin typeface="Cambria Math" panose="02040503050406030204" pitchFamily="18" charset="0"/>
+                          </a:rPr>
+                          <m:t>2</m:t>
+                        </m:r>
+                      </m:sub>
+                    </m:sSub>
+                    <m:r>
+                      <a:rPr lang="en-US" b="0" i="1" smtClean="0">
+                        <a:latin typeface="Cambria Math" panose="02040503050406030204" pitchFamily="18" charset="0"/>
+                      </a:rPr>
+                      <m:t>,</m:t>
+                    </m:r>
+                    <m:sSubSup>
+                      <m:sSubSupPr>
+                        <m:ctrlPr>
+                          <a:rPr lang="en-US" b="0" i="1" smtClean="0">
+                            <a:latin typeface="Cambria Math" panose="02040503050406030204" pitchFamily="18" charset="0"/>
+                          </a:rPr>
+                        </m:ctrlPr>
+                      </m:sSubSupPr>
+                      <m:e>
+                        <m:r>
+                          <a:rPr lang="en-US" b="0" i="1" smtClean="0">
+                            <a:latin typeface="Cambria Math" panose="02040503050406030204" pitchFamily="18" charset="0"/>
+                          </a:rPr>
+                          <m:t>𝑥</m:t>
+                        </m:r>
+                      </m:e>
+                      <m:sub>
+                        <m:r>
+                          <a:rPr lang="en-US" b="0" i="1" smtClean="0">
+                            <a:latin typeface="Cambria Math" panose="02040503050406030204" pitchFamily="18" charset="0"/>
+                          </a:rPr>
+                          <m:t>2</m:t>
+                        </m:r>
+                      </m:sub>
+                      <m:sup>
+                        <m:r>
+                          <a:rPr lang="en-US" b="0" i="1" smtClean="0">
+                            <a:latin typeface="Cambria Math" panose="02040503050406030204" pitchFamily="18" charset="0"/>
+                          </a:rPr>
+                          <m:t>2</m:t>
+                        </m:r>
+                      </m:sup>
+                    </m:sSubSup>
+                    <m:r>
+                      <a:rPr lang="en-US" b="0" i="1" smtClean="0">
+                        <a:latin typeface="Cambria Math" panose="02040503050406030204" pitchFamily="18" charset="0"/>
+                      </a:rPr>
+                      <m:t>]</m:t>
+                    </m:r>
+                  </m:oMath>
+                </a14:m>
+                <a:endParaRPr lang="en-US" dirty="0"/>
+              </a:p>
+              <a:p>
+                <a:pPr lvl="1"/>
+                <a:r>
+                  <a:rPr lang="en-US" dirty="0"/>
+                  <a:t>Note that the features are nonlinear functions of </a:t>
+                </a:r>
+                <a14:m>
+                  <m:oMath xmlns:m="http://schemas.openxmlformats.org/officeDocument/2006/math">
+                    <m:r>
+                      <a:rPr lang="en-US" b="1" i="1" smtClean="0">
+                        <a:latin typeface="Cambria Math" panose="02040503050406030204" pitchFamily="18" charset="0"/>
+                      </a:rPr>
+                      <m:t>𝒙</m:t>
+                    </m:r>
+                    <m:r>
+                      <a:rPr lang="en-US" b="0" i="1" smtClean="0">
+                        <a:latin typeface="Cambria Math" panose="02040503050406030204" pitchFamily="18" charset="0"/>
+                      </a:rPr>
+                      <m:t>=[</m:t>
+                    </m:r>
+                    <m:sSub>
+                      <m:sSubPr>
+                        <m:ctrlPr>
+                          <a:rPr lang="en-US" b="0" i="1" smtClean="0">
+                            <a:latin typeface="Cambria Math" panose="02040503050406030204" pitchFamily="18" charset="0"/>
+                          </a:rPr>
+                        </m:ctrlPr>
+                      </m:sSubPr>
+                      <m:e>
+                        <m:r>
+                          <a:rPr lang="en-US" b="0" i="1" smtClean="0">
+                            <a:latin typeface="Cambria Math" panose="02040503050406030204" pitchFamily="18" charset="0"/>
+                          </a:rPr>
+                          <m:t>𝑥</m:t>
+                        </m:r>
+                      </m:e>
+                      <m:sub>
+                        <m:r>
+                          <a:rPr lang="en-US" b="0" i="1" smtClean="0">
+                            <a:latin typeface="Cambria Math" panose="02040503050406030204" pitchFamily="18" charset="0"/>
+                          </a:rPr>
+                          <m:t>1</m:t>
+                        </m:r>
+                      </m:sub>
+                    </m:sSub>
+                    <m:r>
+                      <a:rPr lang="en-US" b="0" i="1" smtClean="0">
+                        <a:latin typeface="Cambria Math" panose="02040503050406030204" pitchFamily="18" charset="0"/>
+                      </a:rPr>
+                      <m:t>,</m:t>
+                    </m:r>
+                    <m:sSub>
+                      <m:sSubPr>
+                        <m:ctrlPr>
+                          <a:rPr lang="en-US" b="0" i="1" smtClean="0">
+                            <a:latin typeface="Cambria Math" panose="02040503050406030204" pitchFamily="18" charset="0"/>
+                          </a:rPr>
+                        </m:ctrlPr>
+                      </m:sSubPr>
+                      <m:e>
+                        <m:r>
+                          <a:rPr lang="en-US" b="0" i="1" smtClean="0">
+                            <a:latin typeface="Cambria Math" panose="02040503050406030204" pitchFamily="18" charset="0"/>
+                          </a:rPr>
+                          <m:t>𝑥</m:t>
+                        </m:r>
+                      </m:e>
+                      <m:sub>
+                        <m:r>
+                          <a:rPr lang="en-US" b="0" i="1" smtClean="0">
+                            <a:latin typeface="Cambria Math" panose="02040503050406030204" pitchFamily="18" charset="0"/>
+                          </a:rPr>
+                          <m:t>2</m:t>
+                        </m:r>
+                      </m:sub>
+                    </m:sSub>
+                    <m:r>
+                      <a:rPr lang="en-US" b="0" i="1" smtClean="0">
+                        <a:latin typeface="Cambria Math" panose="02040503050406030204" pitchFamily="18" charset="0"/>
+                      </a:rPr>
+                      <m:t>]</m:t>
+                    </m:r>
+                  </m:oMath>
+                </a14:m>
+                <a:endParaRPr lang="en-US" dirty="0"/>
+              </a:p>
+              <a:p>
+                <a:endParaRPr lang="en-US" dirty="0"/>
+              </a:p>
+              <a:p>
+                <a:r>
+                  <a:rPr lang="en-US" dirty="0">
+                    <a:solidFill>
+                      <a:schemeClr val="accent1">
+                        <a:lumMod val="60000"/>
+                        <a:lumOff val="40000"/>
+                      </a:schemeClr>
+                    </a:solidFill>
+                  </a:rPr>
+                  <a:t>Exponential model</a:t>
+                </a:r>
+                <a:r>
+                  <a:rPr lang="en-US" dirty="0"/>
+                  <a:t>: </a:t>
+                </a:r>
+                <a14:m>
+                  <m:oMath xmlns:m="http://schemas.openxmlformats.org/officeDocument/2006/math">
+                    <m:acc>
+                      <m:accPr>
+                        <m:chr m:val="̂"/>
+                        <m:ctrlPr>
+                          <a:rPr lang="en-US" i="1">
+                            <a:latin typeface="Cambria Math" panose="02040503050406030204" pitchFamily="18" charset="0"/>
+                          </a:rPr>
+                        </m:ctrlPr>
+                      </m:accPr>
+                      <m:e>
+                        <m:r>
+                          <a:rPr lang="en-US" i="1">
+                            <a:latin typeface="Cambria Math" panose="02040503050406030204" pitchFamily="18" charset="0"/>
+                          </a:rPr>
+                          <m:t>𝑦</m:t>
+                        </m:r>
+                      </m:e>
+                    </m:acc>
+                    <m:r>
+                      <a:rPr lang="en-US" i="1">
+                        <a:latin typeface="Cambria Math" panose="02040503050406030204" pitchFamily="18" charset="0"/>
+                      </a:rPr>
+                      <m:t>=</m:t>
+                    </m:r>
+                    <m:sSub>
+                      <m:sSubPr>
+                        <m:ctrlPr>
+                          <a:rPr lang="en-US" b="0" i="0" smtClean="0">
+                            <a:latin typeface="Cambria Math" panose="02040503050406030204" pitchFamily="18" charset="0"/>
+                          </a:rPr>
+                        </m:ctrlPr>
+                      </m:sSubPr>
+                      <m:e>
+                        <m:r>
+                          <a:rPr lang="en-US" b="0" i="1" smtClean="0">
+                            <a:latin typeface="Cambria Math" panose="02040503050406030204" pitchFamily="18" charset="0"/>
+                          </a:rPr>
+                          <m:t>𝑎</m:t>
+                        </m:r>
+                      </m:e>
+                      <m:sub>
+                        <m:r>
+                          <a:rPr lang="en-US" b="0" i="0" smtClean="0">
+                            <a:latin typeface="Cambria Math" panose="02040503050406030204" pitchFamily="18" charset="0"/>
+                          </a:rPr>
+                          <m:t>1</m:t>
+                        </m:r>
+                      </m:sub>
+                    </m:sSub>
+                    <m:sSup>
+                      <m:sSupPr>
+                        <m:ctrlPr>
+                          <a:rPr lang="en-US" b="0" i="0" smtClean="0">
+                            <a:latin typeface="Cambria Math" panose="02040503050406030204" pitchFamily="18" charset="0"/>
+                          </a:rPr>
+                        </m:ctrlPr>
+                      </m:sSupPr>
+                      <m:e>
+                        <m:r>
+                          <m:rPr>
+                            <m:sty m:val="p"/>
+                          </m:rPr>
+                          <a:rPr lang="en-US" b="0" i="0" smtClean="0">
+                            <a:latin typeface="Cambria Math" panose="02040503050406030204" pitchFamily="18" charset="0"/>
+                          </a:rPr>
+                          <m:t>e</m:t>
+                        </m:r>
+                      </m:e>
+                      <m:sup>
+                        <m:r>
+                          <a:rPr lang="en-US" b="0" i="1" smtClean="0">
+                            <a:latin typeface="Cambria Math" panose="02040503050406030204" pitchFamily="18" charset="0"/>
+                          </a:rPr>
+                          <m:t>−</m:t>
+                        </m:r>
+                        <m:sSub>
+                          <m:sSubPr>
+                            <m:ctrlPr>
+                              <a:rPr lang="en-US" b="0" i="1" smtClean="0">
+                                <a:latin typeface="Cambria Math" panose="02040503050406030204" pitchFamily="18" charset="0"/>
+                              </a:rPr>
+                            </m:ctrlPr>
+                          </m:sSubPr>
+                          <m:e>
+                            <m:r>
+                              <a:rPr lang="en-US" b="0" i="1" smtClean="0">
+                                <a:latin typeface="Cambria Math" panose="02040503050406030204" pitchFamily="18" charset="0"/>
+                              </a:rPr>
+                              <m:t>𝑏</m:t>
+                            </m:r>
+                          </m:e>
+                          <m:sub>
+                            <m:r>
+                              <a:rPr lang="en-US" b="0" i="1" smtClean="0">
+                                <a:latin typeface="Cambria Math" panose="02040503050406030204" pitchFamily="18" charset="0"/>
+                              </a:rPr>
+                              <m:t>1</m:t>
+                            </m:r>
+                          </m:sub>
+                        </m:sSub>
+                        <m:r>
+                          <a:rPr lang="en-US" b="0" i="1" smtClean="0">
+                            <a:latin typeface="Cambria Math" panose="02040503050406030204" pitchFamily="18" charset="0"/>
+                          </a:rPr>
+                          <m:t>𝑥</m:t>
+                        </m:r>
+                      </m:sup>
+                    </m:sSup>
+                    <m:r>
+                      <a:rPr lang="en-US" b="0" i="1" smtClean="0">
+                        <a:latin typeface="Cambria Math" panose="02040503050406030204" pitchFamily="18" charset="0"/>
+                      </a:rPr>
+                      <m:t>+⋯+</m:t>
+                    </m:r>
+                    <m:sSub>
+                      <m:sSubPr>
+                        <m:ctrlPr>
+                          <a:rPr lang="en-US" b="0" i="1" smtClean="0">
+                            <a:latin typeface="Cambria Math" panose="02040503050406030204" pitchFamily="18" charset="0"/>
+                          </a:rPr>
+                        </m:ctrlPr>
+                      </m:sSubPr>
+                      <m:e>
+                        <m:r>
+                          <a:rPr lang="en-US" b="0" i="1" smtClean="0">
+                            <a:latin typeface="Cambria Math" panose="02040503050406030204" pitchFamily="18" charset="0"/>
+                          </a:rPr>
+                          <m:t>𝑎</m:t>
+                        </m:r>
+                      </m:e>
+                      <m:sub>
+                        <m:r>
+                          <a:rPr lang="en-US" b="0" i="1" smtClean="0">
+                            <a:latin typeface="Cambria Math" panose="02040503050406030204" pitchFamily="18" charset="0"/>
+                          </a:rPr>
+                          <m:t>𝑑</m:t>
+                        </m:r>
+                      </m:sub>
+                    </m:sSub>
+                    <m:sSup>
+                      <m:sSupPr>
+                        <m:ctrlPr>
+                          <a:rPr lang="en-US" b="0" i="1" smtClean="0">
+                            <a:latin typeface="Cambria Math" panose="02040503050406030204" pitchFamily="18" charset="0"/>
+                          </a:rPr>
+                        </m:ctrlPr>
+                      </m:sSupPr>
+                      <m:e>
+                        <m:r>
+                          <a:rPr lang="en-US" b="0" i="1" smtClean="0">
+                            <a:latin typeface="Cambria Math" panose="02040503050406030204" pitchFamily="18" charset="0"/>
+                          </a:rPr>
+                          <m:t>𝑒</m:t>
+                        </m:r>
+                      </m:e>
+                      <m:sup>
+                        <m:r>
+                          <a:rPr lang="en-US" b="0" i="1" smtClean="0">
+                            <a:latin typeface="Cambria Math" panose="02040503050406030204" pitchFamily="18" charset="0"/>
+                          </a:rPr>
+                          <m:t>−</m:t>
+                        </m:r>
+                        <m:sSub>
+                          <m:sSubPr>
+                            <m:ctrlPr>
+                              <a:rPr lang="en-US" b="0" i="1" smtClean="0">
+                                <a:latin typeface="Cambria Math" panose="02040503050406030204" pitchFamily="18" charset="0"/>
+                              </a:rPr>
+                            </m:ctrlPr>
+                          </m:sSubPr>
+                          <m:e>
+                            <m:r>
+                              <a:rPr lang="en-US" b="0" i="1" smtClean="0">
+                                <a:latin typeface="Cambria Math" panose="02040503050406030204" pitchFamily="18" charset="0"/>
+                              </a:rPr>
+                              <m:t>𝑏</m:t>
+                            </m:r>
+                          </m:e>
+                          <m:sub>
+                            <m:r>
+                              <a:rPr lang="en-US" b="0" i="1" smtClean="0">
+                                <a:latin typeface="Cambria Math" panose="02040503050406030204" pitchFamily="18" charset="0"/>
+                              </a:rPr>
+                              <m:t>𝑑</m:t>
+                            </m:r>
+                          </m:sub>
+                        </m:sSub>
+                        <m:r>
+                          <a:rPr lang="en-US" b="0" i="1" smtClean="0">
+                            <a:latin typeface="Cambria Math" panose="02040503050406030204" pitchFamily="18" charset="0"/>
+                          </a:rPr>
+                          <m:t>𝑥</m:t>
+                        </m:r>
+                      </m:sup>
+                    </m:sSup>
+                  </m:oMath>
+                </a14:m>
+                <a:endParaRPr lang="en-US" b="0" dirty="0"/>
+              </a:p>
+              <a:p>
+                <a:pPr lvl="1"/>
+                <a:r>
+                  <a:rPr lang="en-US" dirty="0"/>
+                  <a:t>If the parameters </a:t>
+                </a:r>
+                <a14:m>
+                  <m:oMath xmlns:m="http://schemas.openxmlformats.org/officeDocument/2006/math">
+                    <m:sSub>
+                      <m:sSubPr>
+                        <m:ctrlPr>
+                          <a:rPr lang="en-US" b="0" i="1" smtClean="0">
+                            <a:latin typeface="Cambria Math" panose="02040503050406030204" pitchFamily="18" charset="0"/>
+                          </a:rPr>
+                        </m:ctrlPr>
+                      </m:sSubPr>
+                      <m:e>
+                        <m:r>
+                          <a:rPr lang="en-US" b="0" i="1" smtClean="0">
+                            <a:latin typeface="Cambria Math" panose="02040503050406030204" pitchFamily="18" charset="0"/>
+                          </a:rPr>
+                          <m:t>𝑏</m:t>
+                        </m:r>
+                      </m:e>
+                      <m:sub>
+                        <m:r>
+                          <a:rPr lang="en-US" b="0" i="1" smtClean="0">
+                            <a:latin typeface="Cambria Math" panose="02040503050406030204" pitchFamily="18" charset="0"/>
+                          </a:rPr>
+                          <m:t>1</m:t>
+                        </m:r>
+                      </m:sub>
+                    </m:sSub>
+                    <m:r>
+                      <a:rPr lang="en-US" b="0" i="1" smtClean="0">
+                        <a:latin typeface="Cambria Math" panose="02040503050406030204" pitchFamily="18" charset="0"/>
+                      </a:rPr>
+                      <m:t>,…,</m:t>
+                    </m:r>
+                    <m:sSub>
+                      <m:sSubPr>
+                        <m:ctrlPr>
+                          <a:rPr lang="en-US" b="0" i="1" smtClean="0">
+                            <a:latin typeface="Cambria Math" panose="02040503050406030204" pitchFamily="18" charset="0"/>
+                          </a:rPr>
+                        </m:ctrlPr>
+                      </m:sSubPr>
+                      <m:e>
+                        <m:r>
+                          <a:rPr lang="en-US" b="0" i="1" smtClean="0">
+                            <a:latin typeface="Cambria Math" panose="02040503050406030204" pitchFamily="18" charset="0"/>
+                          </a:rPr>
+                          <m:t>𝑏</m:t>
+                        </m:r>
+                      </m:e>
+                      <m:sub>
+                        <m:r>
+                          <a:rPr lang="en-US" b="0" i="1" smtClean="0">
+                            <a:latin typeface="Cambria Math" panose="02040503050406030204" pitchFamily="18" charset="0"/>
+                          </a:rPr>
+                          <m:t>𝑑</m:t>
+                        </m:r>
+                      </m:sub>
+                    </m:sSub>
+                  </m:oMath>
+                </a14:m>
+                <a:r>
+                  <a:rPr lang="en-US" dirty="0"/>
+                  <a:t> are fixed, then the model is linear in the parameters </a:t>
+                </a:r>
+                <a14:m>
+                  <m:oMath xmlns:m="http://schemas.openxmlformats.org/officeDocument/2006/math">
+                    <m:sSub>
+                      <m:sSubPr>
+                        <m:ctrlPr>
+                          <a:rPr lang="en-US" b="0" i="1" smtClean="0">
+                            <a:latin typeface="Cambria Math" panose="02040503050406030204" pitchFamily="18" charset="0"/>
+                          </a:rPr>
+                        </m:ctrlPr>
+                      </m:sSubPr>
+                      <m:e>
+                        <m:r>
+                          <a:rPr lang="en-US" b="0" i="1" smtClean="0">
+                            <a:latin typeface="Cambria Math" panose="02040503050406030204" pitchFamily="18" charset="0"/>
+                          </a:rPr>
+                          <m:t>𝑎</m:t>
+                        </m:r>
+                      </m:e>
+                      <m:sub>
+                        <m:r>
+                          <a:rPr lang="en-US" b="0" i="1" smtClean="0">
+                            <a:latin typeface="Cambria Math" panose="02040503050406030204" pitchFamily="18" charset="0"/>
+                          </a:rPr>
+                          <m:t>1</m:t>
+                        </m:r>
+                      </m:sub>
+                    </m:sSub>
+                    <m:r>
+                      <a:rPr lang="en-US" b="0" i="1" smtClean="0">
+                        <a:latin typeface="Cambria Math" panose="02040503050406030204" pitchFamily="18" charset="0"/>
+                      </a:rPr>
+                      <m:t>,…,</m:t>
+                    </m:r>
+                    <m:sSub>
+                      <m:sSubPr>
+                        <m:ctrlPr>
+                          <a:rPr lang="en-US" b="0" i="1" smtClean="0">
+                            <a:latin typeface="Cambria Math" panose="02040503050406030204" pitchFamily="18" charset="0"/>
+                          </a:rPr>
+                        </m:ctrlPr>
+                      </m:sSubPr>
+                      <m:e>
+                        <m:r>
+                          <a:rPr lang="en-US" b="0" i="1" smtClean="0">
+                            <a:latin typeface="Cambria Math" panose="02040503050406030204" pitchFamily="18" charset="0"/>
+                          </a:rPr>
+                          <m:t>𝑎</m:t>
+                        </m:r>
+                      </m:e>
+                      <m:sub>
+                        <m:r>
+                          <a:rPr lang="en-US" b="0" i="1" smtClean="0">
+                            <a:latin typeface="Cambria Math" panose="02040503050406030204" pitchFamily="18" charset="0"/>
+                          </a:rPr>
+                          <m:t>𝑑</m:t>
+                        </m:r>
+                      </m:sub>
+                    </m:sSub>
+                  </m:oMath>
+                </a14:m>
+                <a:endParaRPr lang="en-US" dirty="0"/>
+              </a:p>
+              <a:p>
+                <a:pPr lvl="1"/>
+                <a:r>
+                  <a:rPr lang="en-US" dirty="0"/>
+                  <a:t>Parameter vector </a:t>
+                </a:r>
+                <a14:m>
+                  <m:oMath xmlns:m="http://schemas.openxmlformats.org/officeDocument/2006/math">
+                    <m:r>
+                      <a:rPr lang="en-US" i="1">
+                        <a:latin typeface="Cambria Math" panose="02040503050406030204" pitchFamily="18" charset="0"/>
+                      </a:rPr>
+                      <m:t>𝛽</m:t>
+                    </m:r>
+                    <m:r>
+                      <a:rPr lang="en-US" i="1">
+                        <a:latin typeface="Cambria Math" panose="02040503050406030204" pitchFamily="18" charset="0"/>
+                      </a:rPr>
+                      <m:t>=</m:t>
+                    </m:r>
+                    <m:d>
+                      <m:dPr>
+                        <m:begChr m:val="["/>
+                        <m:endChr m:val="]"/>
+                        <m:ctrlPr>
+                          <a:rPr lang="en-US" i="1">
+                            <a:latin typeface="Cambria Math" panose="02040503050406030204" pitchFamily="18" charset="0"/>
+                          </a:rPr>
+                        </m:ctrlPr>
+                      </m:dPr>
+                      <m:e>
+                        <m:sSub>
+                          <m:sSubPr>
+                            <m:ctrlPr>
+                              <a:rPr lang="en-US" b="0" i="1" smtClean="0">
+                                <a:latin typeface="Cambria Math" panose="02040503050406030204" pitchFamily="18" charset="0"/>
+                              </a:rPr>
+                            </m:ctrlPr>
+                          </m:sSubPr>
+                          <m:e>
+                            <m:r>
+                              <a:rPr lang="en-US" b="0" i="1" smtClean="0">
+                                <a:latin typeface="Cambria Math" panose="02040503050406030204" pitchFamily="18" charset="0"/>
+                              </a:rPr>
+                              <m:t>𝑎</m:t>
+                            </m:r>
+                          </m:e>
+                          <m:sub>
+                            <m:r>
+                              <a:rPr lang="en-US" b="0" i="1" smtClean="0">
+                                <a:latin typeface="Cambria Math" panose="02040503050406030204" pitchFamily="18" charset="0"/>
+                              </a:rPr>
+                              <m:t>1</m:t>
+                            </m:r>
+                          </m:sub>
+                        </m:sSub>
+                        <m:r>
+                          <a:rPr lang="en-US" b="0" i="1" smtClean="0">
+                            <a:latin typeface="Cambria Math" panose="02040503050406030204" pitchFamily="18" charset="0"/>
+                          </a:rPr>
+                          <m:t>,…,</m:t>
+                        </m:r>
+                        <m:sSub>
+                          <m:sSubPr>
+                            <m:ctrlPr>
+                              <a:rPr lang="en-US" b="0" i="1" smtClean="0">
+                                <a:latin typeface="Cambria Math" panose="02040503050406030204" pitchFamily="18" charset="0"/>
+                              </a:rPr>
+                            </m:ctrlPr>
+                          </m:sSubPr>
+                          <m:e>
+                            <m:r>
+                              <a:rPr lang="en-US" b="0" i="1" smtClean="0">
+                                <a:latin typeface="Cambria Math" panose="02040503050406030204" pitchFamily="18" charset="0"/>
+                              </a:rPr>
+                              <m:t>𝑎</m:t>
+                            </m:r>
+                          </m:e>
+                          <m:sub>
+                            <m:r>
+                              <a:rPr lang="en-US" b="0" i="1" smtClean="0">
+                                <a:latin typeface="Cambria Math" panose="02040503050406030204" pitchFamily="18" charset="0"/>
+                              </a:rPr>
+                              <m:t>𝑑</m:t>
+                            </m:r>
+                          </m:sub>
+                        </m:sSub>
+                      </m:e>
+                    </m:d>
+                  </m:oMath>
+                </a14:m>
+                <a:endParaRPr lang="en-US" dirty="0"/>
+              </a:p>
+              <a:p>
+                <a:pPr lvl="1"/>
+                <a:r>
+                  <a:rPr lang="en-US" dirty="0"/>
+                  <a:t>Transformed vector </a:t>
+                </a:r>
+                <a14:m>
+                  <m:oMath xmlns:m="http://schemas.openxmlformats.org/officeDocument/2006/math">
+                    <m:r>
+                      <a:rPr lang="en-US" i="1">
+                        <a:latin typeface="Cambria Math" panose="02040503050406030204" pitchFamily="18" charset="0"/>
+                      </a:rPr>
+                      <m:t>𝜙</m:t>
+                    </m:r>
+                    <m:d>
+                      <m:dPr>
+                        <m:ctrlPr>
+                          <a:rPr lang="en-US" i="1">
+                            <a:latin typeface="Cambria Math" panose="02040503050406030204" pitchFamily="18" charset="0"/>
+                          </a:rPr>
+                        </m:ctrlPr>
+                      </m:dPr>
+                      <m:e>
+                        <m:r>
+                          <a:rPr lang="en-US" b="0" i="1" smtClean="0">
+                            <a:latin typeface="Cambria Math" panose="02040503050406030204" pitchFamily="18" charset="0"/>
+                          </a:rPr>
+                          <m:t>𝑥</m:t>
+                        </m:r>
+                      </m:e>
+                    </m:d>
+                    <m:r>
+                      <a:rPr lang="en-US" i="1">
+                        <a:latin typeface="Cambria Math" panose="02040503050406030204" pitchFamily="18" charset="0"/>
+                      </a:rPr>
+                      <m:t>=[</m:t>
+                    </m:r>
+                    <m:sSup>
+                      <m:sSupPr>
+                        <m:ctrlPr>
+                          <a:rPr lang="en-US" b="0" i="1" smtClean="0">
+                            <a:latin typeface="Cambria Math" panose="02040503050406030204" pitchFamily="18" charset="0"/>
+                          </a:rPr>
+                        </m:ctrlPr>
+                      </m:sSupPr>
+                      <m:e>
+                        <m:r>
+                          <a:rPr lang="en-US" b="0" i="1" smtClean="0">
+                            <a:latin typeface="Cambria Math" panose="02040503050406030204" pitchFamily="18" charset="0"/>
+                          </a:rPr>
+                          <m:t>𝑒</m:t>
+                        </m:r>
+                      </m:e>
+                      <m:sup>
+                        <m:r>
+                          <a:rPr lang="en-US" b="0" i="1" smtClean="0">
+                            <a:latin typeface="Cambria Math" panose="02040503050406030204" pitchFamily="18" charset="0"/>
+                          </a:rPr>
+                          <m:t>−</m:t>
+                        </m:r>
+                        <m:sSub>
+                          <m:sSubPr>
+                            <m:ctrlPr>
+                              <a:rPr lang="en-US" b="0" i="1" smtClean="0">
+                                <a:latin typeface="Cambria Math" panose="02040503050406030204" pitchFamily="18" charset="0"/>
+                              </a:rPr>
+                            </m:ctrlPr>
+                          </m:sSubPr>
+                          <m:e>
+                            <m:r>
+                              <a:rPr lang="en-US" b="0" i="1" smtClean="0">
+                                <a:latin typeface="Cambria Math" panose="02040503050406030204" pitchFamily="18" charset="0"/>
+                              </a:rPr>
+                              <m:t>𝑏</m:t>
+                            </m:r>
+                          </m:e>
+                          <m:sub>
+                            <m:r>
+                              <a:rPr lang="en-US" b="0" i="1" smtClean="0">
+                                <a:latin typeface="Cambria Math" panose="02040503050406030204" pitchFamily="18" charset="0"/>
+                              </a:rPr>
+                              <m:t>1</m:t>
+                            </m:r>
+                          </m:sub>
+                        </m:sSub>
+                        <m:r>
+                          <a:rPr lang="en-US" b="0" i="1" smtClean="0">
+                            <a:latin typeface="Cambria Math" panose="02040503050406030204" pitchFamily="18" charset="0"/>
+                          </a:rPr>
+                          <m:t>𝑥</m:t>
+                        </m:r>
+                      </m:sup>
+                    </m:sSup>
+                    <m:r>
+                      <a:rPr lang="en-US" b="0" i="1" smtClean="0">
+                        <a:latin typeface="Cambria Math" panose="02040503050406030204" pitchFamily="18" charset="0"/>
+                      </a:rPr>
+                      <m:t>,…,</m:t>
+                    </m:r>
+                    <m:sSup>
+                      <m:sSupPr>
+                        <m:ctrlPr>
+                          <a:rPr lang="en-US" b="0" i="1" smtClean="0">
+                            <a:latin typeface="Cambria Math" panose="02040503050406030204" pitchFamily="18" charset="0"/>
+                          </a:rPr>
+                        </m:ctrlPr>
+                      </m:sSupPr>
+                      <m:e>
+                        <m:r>
+                          <a:rPr lang="en-US" b="0" i="1" smtClean="0">
+                            <a:latin typeface="Cambria Math" panose="02040503050406030204" pitchFamily="18" charset="0"/>
+                          </a:rPr>
+                          <m:t>𝑒</m:t>
+                        </m:r>
+                      </m:e>
+                      <m:sup>
+                        <m:r>
+                          <a:rPr lang="en-US" b="0" i="1" smtClean="0">
+                            <a:latin typeface="Cambria Math" panose="02040503050406030204" pitchFamily="18" charset="0"/>
+                          </a:rPr>
+                          <m:t>−</m:t>
+                        </m:r>
+                        <m:sSub>
+                          <m:sSubPr>
+                            <m:ctrlPr>
+                              <a:rPr lang="en-US" b="0" i="1" smtClean="0">
+                                <a:latin typeface="Cambria Math" panose="02040503050406030204" pitchFamily="18" charset="0"/>
+                              </a:rPr>
+                            </m:ctrlPr>
+                          </m:sSubPr>
+                          <m:e>
+                            <m:r>
+                              <a:rPr lang="en-US" b="0" i="1" smtClean="0">
+                                <a:latin typeface="Cambria Math" panose="02040503050406030204" pitchFamily="18" charset="0"/>
+                              </a:rPr>
+                              <m:t>𝑏</m:t>
+                            </m:r>
+                          </m:e>
+                          <m:sub>
+                            <m:r>
+                              <a:rPr lang="en-US" b="0" i="1" smtClean="0">
+                                <a:latin typeface="Cambria Math" panose="02040503050406030204" pitchFamily="18" charset="0"/>
+                              </a:rPr>
+                              <m:t>𝑑</m:t>
+                            </m:r>
+                          </m:sub>
+                        </m:sSub>
+                        <m:r>
+                          <a:rPr lang="en-US" b="0" i="1" smtClean="0">
+                            <a:latin typeface="Cambria Math" panose="02040503050406030204" pitchFamily="18" charset="0"/>
+                          </a:rPr>
+                          <m:t>𝑥</m:t>
+                        </m:r>
+                      </m:sup>
+                    </m:sSup>
+                    <m:r>
+                      <a:rPr lang="en-US" i="1">
+                        <a:latin typeface="Cambria Math" panose="02040503050406030204" pitchFamily="18" charset="0"/>
+                      </a:rPr>
+                      <m:t>]</m:t>
+                    </m:r>
+                  </m:oMath>
+                </a14:m>
+                <a:endParaRPr lang="en-US" dirty="0"/>
+              </a:p>
+              <a:p>
+                <a:pPr lvl="1"/>
+                <a:r>
+                  <a:rPr lang="en-US" dirty="0"/>
+                  <a:t>But, if the parameters </a:t>
+                </a:r>
+                <a14:m>
+                  <m:oMath xmlns:m="http://schemas.openxmlformats.org/officeDocument/2006/math">
+                    <m:sSub>
+                      <m:sSubPr>
+                        <m:ctrlPr>
+                          <a:rPr lang="en-US" i="1">
+                            <a:latin typeface="Cambria Math" panose="02040503050406030204" pitchFamily="18" charset="0"/>
+                          </a:rPr>
+                        </m:ctrlPr>
+                      </m:sSubPr>
+                      <m:e>
+                        <m:r>
+                          <a:rPr lang="en-US" i="1">
+                            <a:latin typeface="Cambria Math" panose="02040503050406030204" pitchFamily="18" charset="0"/>
+                          </a:rPr>
+                          <m:t>𝑏</m:t>
+                        </m:r>
+                      </m:e>
+                      <m:sub>
+                        <m:r>
+                          <a:rPr lang="en-US" i="1">
+                            <a:latin typeface="Cambria Math" panose="02040503050406030204" pitchFamily="18" charset="0"/>
+                          </a:rPr>
+                          <m:t>1</m:t>
+                        </m:r>
+                      </m:sub>
+                    </m:sSub>
+                    <m:r>
+                      <a:rPr lang="en-US" i="1">
+                        <a:latin typeface="Cambria Math" panose="02040503050406030204" pitchFamily="18" charset="0"/>
+                      </a:rPr>
+                      <m:t>,…,</m:t>
+                    </m:r>
+                    <m:sSub>
+                      <m:sSubPr>
+                        <m:ctrlPr>
+                          <a:rPr lang="en-US" i="1">
+                            <a:latin typeface="Cambria Math" panose="02040503050406030204" pitchFamily="18" charset="0"/>
+                          </a:rPr>
+                        </m:ctrlPr>
+                      </m:sSubPr>
+                      <m:e>
+                        <m:r>
+                          <a:rPr lang="en-US" i="1">
+                            <a:latin typeface="Cambria Math" panose="02040503050406030204" pitchFamily="18" charset="0"/>
+                          </a:rPr>
+                          <m:t>𝑏</m:t>
+                        </m:r>
+                      </m:e>
+                      <m:sub>
+                        <m:r>
+                          <a:rPr lang="en-US" i="1">
+                            <a:latin typeface="Cambria Math" panose="02040503050406030204" pitchFamily="18" charset="0"/>
+                          </a:rPr>
+                          <m:t>𝑑</m:t>
+                        </m:r>
+                      </m:sub>
+                    </m:sSub>
+                  </m:oMath>
+                </a14:m>
+                <a:r>
+                  <a:rPr lang="en-US" dirty="0"/>
+                  <a:t> are not fixed, the model is nonlinear in </a:t>
+                </a:r>
+                <a14:m>
+                  <m:oMath xmlns:m="http://schemas.openxmlformats.org/officeDocument/2006/math">
+                    <m:sSub>
+                      <m:sSubPr>
+                        <m:ctrlPr>
+                          <a:rPr lang="en-US" b="0" i="1" smtClean="0">
+                            <a:latin typeface="Cambria Math" panose="02040503050406030204" pitchFamily="18" charset="0"/>
+                          </a:rPr>
+                        </m:ctrlPr>
+                      </m:sSubPr>
+                      <m:e>
+                        <m:r>
+                          <a:rPr lang="en-US" b="0" i="1" smtClean="0">
+                            <a:latin typeface="Cambria Math" panose="02040503050406030204" pitchFamily="18" charset="0"/>
+                          </a:rPr>
+                          <m:t>𝑏</m:t>
+                        </m:r>
+                      </m:e>
+                      <m:sub>
+                        <m:r>
+                          <a:rPr lang="en-US" b="0" i="1" smtClean="0">
+                            <a:latin typeface="Cambria Math" panose="02040503050406030204" pitchFamily="18" charset="0"/>
+                          </a:rPr>
+                          <m:t>1</m:t>
+                        </m:r>
+                      </m:sub>
+                    </m:sSub>
+                    <m:r>
+                      <a:rPr lang="en-US" b="0" i="1" smtClean="0">
+                        <a:latin typeface="Cambria Math" panose="02040503050406030204" pitchFamily="18" charset="0"/>
+                      </a:rPr>
+                      <m:t>,…,</m:t>
+                    </m:r>
+                    <m:sSub>
+                      <m:sSubPr>
+                        <m:ctrlPr>
+                          <a:rPr lang="en-US" b="0" i="1" smtClean="0">
+                            <a:latin typeface="Cambria Math" panose="02040503050406030204" pitchFamily="18" charset="0"/>
+                          </a:rPr>
+                        </m:ctrlPr>
+                      </m:sSubPr>
+                      <m:e>
+                        <m:r>
+                          <a:rPr lang="en-US" b="0" i="1" smtClean="0">
+                            <a:latin typeface="Cambria Math" panose="02040503050406030204" pitchFamily="18" charset="0"/>
+                          </a:rPr>
+                          <m:t>𝑏</m:t>
+                        </m:r>
+                      </m:e>
+                      <m:sub>
+                        <m:r>
+                          <a:rPr lang="en-US" b="0" i="1" smtClean="0">
+                            <a:latin typeface="Cambria Math" panose="02040503050406030204" pitchFamily="18" charset="0"/>
+                          </a:rPr>
+                          <m:t>𝑑</m:t>
+                        </m:r>
+                      </m:sub>
+                    </m:sSub>
+                  </m:oMath>
+                </a14:m>
+                <a:endParaRPr lang="en-US" dirty="0"/>
+              </a:p>
+              <a:p>
+                <a:pPr lvl="1"/>
+                <a:endParaRPr lang="en-US" dirty="0"/>
+              </a:p>
+            </p:txBody>
+          </p:sp>
+        </mc:Choice>
+        <mc:Fallback>
+          <p:sp>
+            <p:nvSpPr>
+              <p:cNvPr id="3" name="Content Placeholder 2">
+                <a:extLst>
+                  <a:ext uri="{FF2B5EF4-FFF2-40B4-BE49-F238E27FC236}">
+                    <a16:creationId xmlns:a16="http://schemas.microsoft.com/office/drawing/2014/main" id="{FEE8E073-8163-4D87-B850-E6D9269636B9}"/>
+                  </a:ext>
+                </a:extLst>
+              </p:cNvPr>
+              <p:cNvSpPr>
+                <a:spLocks noGrp="1" noRot="1" noChangeAspect="1" noMove="1" noResize="1" noEditPoints="1" noAdjustHandles="1" noChangeArrowheads="1" noChangeShapeType="1" noTextEdit="1"/>
+              </p:cNvSpPr>
+              <p:nvPr>
+                <p:ph idx="1"/>
+              </p:nvPr>
+            </p:nvSpPr>
+            <p:spPr>
+              <a:blipFill>
+                <a:blip r:embed="rId2"/>
+                <a:stretch>
+                  <a:fillRect l="-1455" t="-1408"/>
+                </a:stretch>
+              </a:blipFill>
+            </p:spPr>
+            <p:txBody>
+              <a:bodyPr/>
+              <a:lstStyle/>
+              <a:p>
+                <a:r>
+                  <a:rPr lang="en-US">
+                    <a:noFill/>
+                  </a:rPr>
+                  <a:t> </a:t>
+                </a:r>
+              </a:p>
+            </p:txBody>
+          </p:sp>
+        </mc:Fallback>
+      </mc:AlternateContent>
+      <p:sp>
+        <p:nvSpPr>
+          <p:cNvPr id="4" name="Slide Number Placeholder 3">
+            <a:extLst>
+              <a:ext uri="{FF2B5EF4-FFF2-40B4-BE49-F238E27FC236}">
+                <a16:creationId xmlns:a16="http://schemas.microsoft.com/office/drawing/2014/main" id="{E6E10282-6BF2-4849-B1DC-1D092AE5710E}"/>
+              </a:ext>
+            </a:extLst>
+          </p:cNvPr>
+          <p:cNvSpPr>
+            <a:spLocks noGrp="1"/>
+          </p:cNvSpPr>
+          <p:nvPr>
+            <p:ph type="sldNum" sz="quarter" idx="12"/>
+          </p:nvPr>
+        </p:nvSpPr>
+        <p:spPr/>
+        <p:txBody>
+          <a:bodyPr/>
+          <a:lstStyle/>
+          <a:p>
+            <a:fld id="{629637A9-119A-49DA-BD12-AAC58B377D80}" type="slidenum">
+              <a:rPr lang="en-US" smtClean="0"/>
+              <a:t>42</a:t>
+            </a:fld>
+            <a:endParaRPr lang="en-US" dirty="0"/>
+          </a:p>
+        </p:txBody>
+      </p:sp>
+    </p:spTree>
+    <p:extLst>
+      <p:ext uri="{BB962C8B-B14F-4D97-AF65-F5344CB8AC3E}">
+        <p14:creationId xmlns:p14="http://schemas.microsoft.com/office/powerpoint/2010/main" val="935721558"/>
+      </p:ext>
+    </p:extLst>
+  </p:cSld>
+  <p:clrMapOvr>
+    <a:masterClrMapping/>
+  </p:clrMapOvr>
+</p:sld>
+</file>
+
+<file path=ppt/slides/slide43.xml><?xml version="1.0" encoding="utf-8"?>
+<p:sld xmlns:a="http://schemas.openxmlformats.org/drawingml/2006/main" xmlns:r="http://schemas.openxmlformats.org/officeDocument/2006/relationships" xmlns:p="http://schemas.openxmlformats.org/presentationml/2006/main">
+  <p:cSld>
+    <p:spTree>
+      <p:nvGrpSpPr>
+        <p:cNvPr id="1" name=""/>
+        <p:cNvGrpSpPr/>
+        <p:nvPr/>
+      </p:nvGrpSpPr>
+      <p:grpSpPr>
+        <a:xfrm>
+          <a:off x="0" y="0"/>
+          <a:ext cx="0" cy="0"/>
+          <a:chOff x="0" y="0"/>
+          <a:chExt cx="0" cy="0"/>
+        </a:xfrm>
+      </p:grpSpPr>
+      <p:sp>
+        <p:nvSpPr>
+          <p:cNvPr id="2" name="Title 1">
+            <a:extLst>
+              <a:ext uri="{FF2B5EF4-FFF2-40B4-BE49-F238E27FC236}">
+                <a16:creationId xmlns:a16="http://schemas.microsoft.com/office/drawing/2014/main" id="{2E714055-1E84-44F9-B805-10DBE5E35CBB}"/>
+              </a:ext>
+            </a:extLst>
+          </p:cNvPr>
+          <p:cNvSpPr>
+            <a:spLocks noGrp="1"/>
+          </p:cNvSpPr>
+          <p:nvPr>
+            <p:ph type="title"/>
+          </p:nvPr>
+        </p:nvSpPr>
+        <p:spPr/>
+        <p:txBody>
+          <a:bodyPr/>
+          <a:lstStyle/>
+          <a:p>
+            <a:r>
+              <a:rPr lang="en-US" dirty="0"/>
+              <a:t>Linear Models via Re-Parametrization</a:t>
+            </a:r>
+          </a:p>
+        </p:txBody>
+      </p:sp>
+      <mc:AlternateContent xmlns:mc="http://schemas.openxmlformats.org/markup-compatibility/2006">
+        <mc:Choice xmlns:a14="http://schemas.microsoft.com/office/drawing/2010/main" Requires="a14">
+          <p:sp>
+            <p:nvSpPr>
+              <p:cNvPr id="3" name="Content Placeholder 2">
+                <a:extLst>
+                  <a:ext uri="{FF2B5EF4-FFF2-40B4-BE49-F238E27FC236}">
+                    <a16:creationId xmlns:a16="http://schemas.microsoft.com/office/drawing/2014/main" id="{2EA5583D-1994-42D2-AECE-2F34007F13C5}"/>
+                  </a:ext>
+                </a:extLst>
+              </p:cNvPr>
+              <p:cNvSpPr>
+                <a:spLocks noGrp="1"/>
+              </p:cNvSpPr>
+              <p:nvPr>
+                <p:ph idx="1"/>
+              </p:nvPr>
+            </p:nvSpPr>
+            <p:spPr/>
+            <p:txBody>
+              <a:bodyPr>
+                <a:normAutofit/>
+              </a:bodyPr>
+              <a:lstStyle/>
+              <a:p>
+                <a:r>
+                  <a:rPr lang="en-US" dirty="0"/>
+                  <a:t>Sometimes models can be made into a linear model via re-parametrization</a:t>
+                </a:r>
+              </a:p>
+              <a:p>
+                <a:r>
+                  <a:rPr lang="en-US" dirty="0"/>
+                  <a:t>Example:  Consider the model:  </a:t>
+                </a:r>
+                <a14:m>
+                  <m:oMath xmlns:m="http://schemas.openxmlformats.org/officeDocument/2006/math">
+                    <m:acc>
+                      <m:accPr>
+                        <m:chr m:val="̂"/>
+                        <m:ctrlPr>
+                          <a:rPr lang="en-US" i="1">
+                            <a:latin typeface="Cambria Math" panose="02040503050406030204" pitchFamily="18" charset="0"/>
+                          </a:rPr>
+                        </m:ctrlPr>
+                      </m:accPr>
+                      <m:e>
+                        <m:r>
+                          <a:rPr lang="en-US" i="1">
+                            <a:latin typeface="Cambria Math" panose="02040503050406030204" pitchFamily="18" charset="0"/>
+                          </a:rPr>
+                          <m:t>𝑦</m:t>
+                        </m:r>
+                      </m:e>
+                    </m:acc>
+                    <m:r>
+                      <a:rPr lang="en-US" i="1">
+                        <a:latin typeface="Cambria Math" panose="02040503050406030204" pitchFamily="18" charset="0"/>
+                      </a:rPr>
+                      <m:t>=</m:t>
+                    </m:r>
+                    <m:r>
+                      <a:rPr lang="en-US" b="0" i="1" smtClean="0">
+                        <a:latin typeface="Cambria Math" panose="02040503050406030204" pitchFamily="18" charset="0"/>
+                      </a:rPr>
+                      <m:t>𝐴</m:t>
+                    </m:r>
+                    <m:sSub>
+                      <m:sSubPr>
+                        <m:ctrlPr>
+                          <a:rPr lang="en-US" b="0" i="1" smtClean="0">
+                            <a:latin typeface="Cambria Math" panose="02040503050406030204" pitchFamily="18" charset="0"/>
+                          </a:rPr>
+                        </m:ctrlPr>
+                      </m:sSubPr>
+                      <m:e>
+                        <m:r>
+                          <a:rPr lang="en-US" b="0" i="1" smtClean="0">
+                            <a:latin typeface="Cambria Math" panose="02040503050406030204" pitchFamily="18" charset="0"/>
+                          </a:rPr>
+                          <m:t>𝑥</m:t>
+                        </m:r>
+                      </m:e>
+                      <m:sub>
+                        <m:r>
+                          <a:rPr lang="en-US" b="0" i="1" smtClean="0">
+                            <a:latin typeface="Cambria Math" panose="02040503050406030204" pitchFamily="18" charset="0"/>
+                          </a:rPr>
+                          <m:t>1</m:t>
+                        </m:r>
+                      </m:sub>
+                    </m:sSub>
+                    <m:r>
+                      <a:rPr lang="en-US" b="0" i="1" smtClean="0">
+                        <a:latin typeface="Cambria Math" panose="02040503050406030204" pitchFamily="18" charset="0"/>
+                      </a:rPr>
+                      <m:t>(1+</m:t>
+                    </m:r>
+                    <m:r>
+                      <a:rPr lang="en-US" b="0" i="1" smtClean="0">
+                        <a:latin typeface="Cambria Math" panose="02040503050406030204" pitchFamily="18" charset="0"/>
+                      </a:rPr>
+                      <m:t>𝐵</m:t>
+                    </m:r>
+                    <m:sSup>
+                      <m:sSupPr>
+                        <m:ctrlPr>
+                          <a:rPr lang="en-US" b="0" i="1" smtClean="0">
+                            <a:latin typeface="Cambria Math" panose="02040503050406030204" pitchFamily="18" charset="0"/>
+                          </a:rPr>
+                        </m:ctrlPr>
+                      </m:sSupPr>
+                      <m:e>
+                        <m:r>
+                          <a:rPr lang="en-US" b="0" i="1" smtClean="0">
+                            <a:latin typeface="Cambria Math" panose="02040503050406030204" pitchFamily="18" charset="0"/>
+                          </a:rPr>
+                          <m:t>𝑒</m:t>
+                        </m:r>
+                      </m:e>
+                      <m:sup>
+                        <m:r>
+                          <a:rPr lang="en-US" b="0" i="1" smtClean="0">
+                            <a:latin typeface="Cambria Math" panose="02040503050406030204" pitchFamily="18" charset="0"/>
+                          </a:rPr>
+                          <m:t>−</m:t>
+                        </m:r>
+                        <m:sSub>
+                          <m:sSubPr>
+                            <m:ctrlPr>
+                              <a:rPr lang="en-US" b="0" i="1" smtClean="0">
+                                <a:latin typeface="Cambria Math" panose="02040503050406030204" pitchFamily="18" charset="0"/>
+                              </a:rPr>
+                            </m:ctrlPr>
+                          </m:sSubPr>
+                          <m:e>
+                            <m:r>
+                              <a:rPr lang="en-US" b="0" i="1" smtClean="0">
+                                <a:latin typeface="Cambria Math" panose="02040503050406030204" pitchFamily="18" charset="0"/>
+                              </a:rPr>
+                              <m:t>𝑥</m:t>
+                            </m:r>
+                          </m:e>
+                          <m:sub>
+                            <m:r>
+                              <a:rPr lang="en-US" b="0" i="1" smtClean="0">
+                                <a:latin typeface="Cambria Math" panose="02040503050406030204" pitchFamily="18" charset="0"/>
+                              </a:rPr>
+                              <m:t>2</m:t>
+                            </m:r>
+                          </m:sub>
+                        </m:sSub>
+                      </m:sup>
+                    </m:sSup>
+                    <m:r>
+                      <a:rPr lang="en-US" b="0" i="1" smtClean="0">
+                        <a:latin typeface="Cambria Math" panose="02040503050406030204" pitchFamily="18" charset="0"/>
+                      </a:rPr>
+                      <m:t>)</m:t>
+                    </m:r>
+                  </m:oMath>
+                </a14:m>
+                <a:endParaRPr lang="en-US" dirty="0"/>
+              </a:p>
+              <a:p>
+                <a:pPr lvl="1"/>
+                <a:r>
+                  <a:rPr lang="en-US" dirty="0"/>
+                  <a:t>Parameters </a:t>
+                </a:r>
+                <a14:m>
+                  <m:oMath xmlns:m="http://schemas.openxmlformats.org/officeDocument/2006/math">
+                    <m:r>
+                      <a:rPr lang="en-US" b="0" i="1" smtClean="0">
+                        <a:latin typeface="Cambria Math" panose="02040503050406030204" pitchFamily="18" charset="0"/>
+                      </a:rPr>
+                      <m:t>(</m:t>
+                    </m:r>
+                    <m:r>
+                      <a:rPr lang="en-US" b="0" i="1" smtClean="0">
+                        <a:latin typeface="Cambria Math" panose="02040503050406030204" pitchFamily="18" charset="0"/>
+                      </a:rPr>
+                      <m:t>𝐴</m:t>
+                    </m:r>
+                    <m:r>
+                      <a:rPr lang="en-US" b="0" i="1" smtClean="0">
+                        <a:latin typeface="Cambria Math" panose="02040503050406030204" pitchFamily="18" charset="0"/>
+                      </a:rPr>
+                      <m:t>,</m:t>
+                    </m:r>
+                    <m:r>
+                      <a:rPr lang="en-US" b="0" i="1" smtClean="0">
+                        <a:latin typeface="Cambria Math" panose="02040503050406030204" pitchFamily="18" charset="0"/>
+                      </a:rPr>
+                      <m:t>𝐵</m:t>
+                    </m:r>
+                    <m:r>
+                      <a:rPr lang="en-US" b="0" i="1" smtClean="0">
+                        <a:latin typeface="Cambria Math" panose="02040503050406030204" pitchFamily="18" charset="0"/>
+                      </a:rPr>
+                      <m:t>)</m:t>
+                    </m:r>
+                  </m:oMath>
+                </a14:m>
+                <a:endParaRPr lang="en-US" dirty="0"/>
+              </a:p>
+              <a:p>
+                <a:r>
+                  <a:rPr lang="en-US" dirty="0"/>
+                  <a:t>This is </a:t>
+                </a:r>
+                <a:r>
+                  <a:rPr lang="en-US" dirty="0">
+                    <a:solidFill>
+                      <a:schemeClr val="accent1">
+                        <a:lumMod val="60000"/>
+                        <a:lumOff val="40000"/>
+                      </a:schemeClr>
+                    </a:solidFill>
+                  </a:rPr>
+                  <a:t>nonlinear</a:t>
+                </a:r>
+                <a:r>
+                  <a:rPr lang="en-US" dirty="0"/>
+                  <a:t> in </a:t>
+                </a:r>
+                <a14:m>
+                  <m:oMath xmlns:m="http://schemas.openxmlformats.org/officeDocument/2006/math">
+                    <m:r>
+                      <a:rPr lang="en-US" b="0" i="1" smtClean="0">
+                        <a:latin typeface="Cambria Math" panose="02040503050406030204" pitchFamily="18" charset="0"/>
+                      </a:rPr>
+                      <m:t>(</m:t>
+                    </m:r>
+                    <m:r>
+                      <a:rPr lang="en-US" b="0" i="1" smtClean="0">
+                        <a:latin typeface="Cambria Math" panose="02040503050406030204" pitchFamily="18" charset="0"/>
+                      </a:rPr>
+                      <m:t>𝐴</m:t>
+                    </m:r>
+                    <m:r>
+                      <a:rPr lang="en-US" b="0" i="1" smtClean="0">
+                        <a:latin typeface="Cambria Math" panose="02040503050406030204" pitchFamily="18" charset="0"/>
+                      </a:rPr>
+                      <m:t>,</m:t>
+                    </m:r>
+                    <m:r>
+                      <a:rPr lang="en-US" b="0" i="1" smtClean="0">
+                        <a:latin typeface="Cambria Math" panose="02040503050406030204" pitchFamily="18" charset="0"/>
+                      </a:rPr>
+                      <m:t>𝐵</m:t>
+                    </m:r>
+                    <m:r>
+                      <a:rPr lang="en-US" b="0" i="1" smtClean="0">
+                        <a:latin typeface="Cambria Math" panose="02040503050406030204" pitchFamily="18" charset="0"/>
+                      </a:rPr>
+                      <m:t>)</m:t>
+                    </m:r>
+                  </m:oMath>
+                </a14:m>
+                <a:r>
+                  <a:rPr lang="en-US" dirty="0"/>
+                  <a:t> due to the product </a:t>
+                </a:r>
+                <a14:m>
+                  <m:oMath xmlns:m="http://schemas.openxmlformats.org/officeDocument/2006/math">
+                    <m:r>
+                      <a:rPr lang="en-US" b="0" i="1" smtClean="0">
+                        <a:latin typeface="Cambria Math" panose="02040503050406030204" pitchFamily="18" charset="0"/>
+                      </a:rPr>
+                      <m:t>𝐴𝐵</m:t>
+                    </m:r>
+                    <m:r>
+                      <a:rPr lang="en-US" b="0" i="1" smtClean="0">
+                        <a:latin typeface="Cambria Math" panose="02040503050406030204" pitchFamily="18" charset="0"/>
+                      </a:rPr>
+                      <m:t>:</m:t>
+                    </m:r>
+                  </m:oMath>
+                </a14:m>
+                <a:r>
+                  <a:rPr lang="en-US" dirty="0"/>
+                  <a:t>  </a:t>
+                </a:r>
+                <a14:m>
+                  <m:oMath xmlns:m="http://schemas.openxmlformats.org/officeDocument/2006/math">
+                    <m:acc>
+                      <m:accPr>
+                        <m:chr m:val="̂"/>
+                        <m:ctrlPr>
+                          <a:rPr lang="en-US" i="1">
+                            <a:latin typeface="Cambria Math" panose="02040503050406030204" pitchFamily="18" charset="0"/>
+                          </a:rPr>
+                        </m:ctrlPr>
+                      </m:accPr>
+                      <m:e>
+                        <m:r>
+                          <a:rPr lang="en-US" i="1">
+                            <a:latin typeface="Cambria Math" panose="02040503050406030204" pitchFamily="18" charset="0"/>
+                          </a:rPr>
+                          <m:t>𝑦</m:t>
+                        </m:r>
+                      </m:e>
+                    </m:acc>
+                    <m:r>
+                      <a:rPr lang="en-US" i="1">
+                        <a:latin typeface="Cambria Math" panose="02040503050406030204" pitchFamily="18" charset="0"/>
+                      </a:rPr>
+                      <m:t>=</m:t>
+                    </m:r>
+                    <m:r>
+                      <a:rPr lang="en-US" i="1">
+                        <a:latin typeface="Cambria Math" panose="02040503050406030204" pitchFamily="18" charset="0"/>
+                      </a:rPr>
+                      <m:t>𝐴</m:t>
+                    </m:r>
+                    <m:sSub>
+                      <m:sSubPr>
+                        <m:ctrlPr>
+                          <a:rPr lang="en-US" i="1">
+                            <a:latin typeface="Cambria Math" panose="02040503050406030204" pitchFamily="18" charset="0"/>
+                          </a:rPr>
+                        </m:ctrlPr>
+                      </m:sSubPr>
+                      <m:e>
+                        <m:r>
+                          <a:rPr lang="en-US" i="1">
+                            <a:latin typeface="Cambria Math" panose="02040503050406030204" pitchFamily="18" charset="0"/>
+                          </a:rPr>
+                          <m:t>𝑥</m:t>
+                        </m:r>
+                      </m:e>
+                      <m:sub>
+                        <m:r>
+                          <a:rPr lang="en-US" i="1">
+                            <a:latin typeface="Cambria Math" panose="02040503050406030204" pitchFamily="18" charset="0"/>
+                          </a:rPr>
+                          <m:t>1</m:t>
+                        </m:r>
+                      </m:sub>
+                    </m:sSub>
+                    <m:r>
+                      <a:rPr lang="en-US" i="1">
+                        <a:latin typeface="Cambria Math" panose="02040503050406030204" pitchFamily="18" charset="0"/>
+                      </a:rPr>
+                      <m:t>+</m:t>
+                    </m:r>
+                    <m:r>
+                      <a:rPr lang="en-US" b="0" i="1" smtClean="0">
+                        <a:latin typeface="Cambria Math" panose="02040503050406030204" pitchFamily="18" charset="0"/>
+                      </a:rPr>
+                      <m:t>𝐴</m:t>
+                    </m:r>
+                    <m:r>
+                      <a:rPr lang="en-US" i="1">
+                        <a:latin typeface="Cambria Math" panose="02040503050406030204" pitchFamily="18" charset="0"/>
+                      </a:rPr>
+                      <m:t>𝐵</m:t>
+                    </m:r>
+                    <m:sSub>
+                      <m:sSubPr>
+                        <m:ctrlPr>
+                          <a:rPr lang="en-US" b="0" i="1" smtClean="0">
+                            <a:latin typeface="Cambria Math" panose="02040503050406030204" pitchFamily="18" charset="0"/>
+                          </a:rPr>
+                        </m:ctrlPr>
+                      </m:sSubPr>
+                      <m:e>
+                        <m:r>
+                          <a:rPr lang="en-US" b="0" i="1" smtClean="0">
+                            <a:latin typeface="Cambria Math" panose="02040503050406030204" pitchFamily="18" charset="0"/>
+                          </a:rPr>
+                          <m:t>𝑥</m:t>
+                        </m:r>
+                      </m:e>
+                      <m:sub>
+                        <m:r>
+                          <a:rPr lang="en-US" b="0" i="1" smtClean="0">
+                            <a:latin typeface="Cambria Math" panose="02040503050406030204" pitchFamily="18" charset="0"/>
+                          </a:rPr>
+                          <m:t>1</m:t>
+                        </m:r>
+                      </m:sub>
+                    </m:sSub>
+                    <m:sSup>
+                      <m:sSupPr>
+                        <m:ctrlPr>
+                          <a:rPr lang="en-US" i="1">
+                            <a:latin typeface="Cambria Math" panose="02040503050406030204" pitchFamily="18" charset="0"/>
+                          </a:rPr>
+                        </m:ctrlPr>
+                      </m:sSupPr>
+                      <m:e>
+                        <m:r>
+                          <a:rPr lang="en-US" i="1">
+                            <a:latin typeface="Cambria Math" panose="02040503050406030204" pitchFamily="18" charset="0"/>
+                          </a:rPr>
+                          <m:t>𝑒</m:t>
+                        </m:r>
+                      </m:e>
+                      <m:sup>
+                        <m:r>
+                          <a:rPr lang="en-US" i="1">
+                            <a:latin typeface="Cambria Math" panose="02040503050406030204" pitchFamily="18" charset="0"/>
+                          </a:rPr>
+                          <m:t>−</m:t>
+                        </m:r>
+                        <m:sSub>
+                          <m:sSubPr>
+                            <m:ctrlPr>
+                              <a:rPr lang="en-US" i="1">
+                                <a:latin typeface="Cambria Math" panose="02040503050406030204" pitchFamily="18" charset="0"/>
+                              </a:rPr>
+                            </m:ctrlPr>
+                          </m:sSubPr>
+                          <m:e>
+                            <m:r>
+                              <a:rPr lang="en-US" i="1">
+                                <a:latin typeface="Cambria Math" panose="02040503050406030204" pitchFamily="18" charset="0"/>
+                              </a:rPr>
+                              <m:t>𝑥</m:t>
+                            </m:r>
+                          </m:e>
+                          <m:sub>
+                            <m:r>
+                              <a:rPr lang="en-US" i="1">
+                                <a:latin typeface="Cambria Math" panose="02040503050406030204" pitchFamily="18" charset="0"/>
+                              </a:rPr>
+                              <m:t>2</m:t>
+                            </m:r>
+                          </m:sub>
+                        </m:sSub>
+                      </m:sup>
+                    </m:sSup>
+                  </m:oMath>
+                </a14:m>
+                <a:endParaRPr lang="en-US" dirty="0"/>
+              </a:p>
+              <a:p>
+                <a:r>
+                  <a:rPr lang="en-US" dirty="0"/>
+                  <a:t>But, we can define a new set of parameters:</a:t>
+                </a:r>
+              </a:p>
+              <a:p>
+                <a:pPr lvl="1"/>
+                <a14:m>
+                  <m:oMath xmlns:m="http://schemas.openxmlformats.org/officeDocument/2006/math">
+                    <m:sSub>
+                      <m:sSubPr>
+                        <m:ctrlPr>
+                          <a:rPr lang="en-US" b="0" i="1" smtClean="0">
+                            <a:latin typeface="Cambria Math" panose="02040503050406030204" pitchFamily="18" charset="0"/>
+                          </a:rPr>
+                        </m:ctrlPr>
+                      </m:sSubPr>
+                      <m:e>
+                        <m:r>
+                          <a:rPr lang="en-US" b="0" i="1" smtClean="0">
+                            <a:latin typeface="Cambria Math" panose="02040503050406030204" pitchFamily="18" charset="0"/>
+                          </a:rPr>
+                          <m:t>𝛽</m:t>
+                        </m:r>
+                      </m:e>
+                      <m:sub>
+                        <m:r>
+                          <a:rPr lang="en-US" b="0" i="1" smtClean="0">
+                            <a:latin typeface="Cambria Math" panose="02040503050406030204" pitchFamily="18" charset="0"/>
+                          </a:rPr>
+                          <m:t>1</m:t>
+                        </m:r>
+                      </m:sub>
+                    </m:sSub>
+                    <m:r>
+                      <a:rPr lang="en-US" b="0" i="1" smtClean="0">
+                        <a:latin typeface="Cambria Math" panose="02040503050406030204" pitchFamily="18" charset="0"/>
+                      </a:rPr>
+                      <m:t>=</m:t>
+                    </m:r>
+                    <m:r>
+                      <a:rPr lang="en-US" b="0" i="1" smtClean="0">
+                        <a:latin typeface="Cambria Math" panose="02040503050406030204" pitchFamily="18" charset="0"/>
+                      </a:rPr>
+                      <m:t>𝐴</m:t>
+                    </m:r>
+                  </m:oMath>
+                </a14:m>
+                <a:r>
+                  <a:rPr lang="en-US" dirty="0"/>
+                  <a:t> and </a:t>
+                </a:r>
+                <a14:m>
+                  <m:oMath xmlns:m="http://schemas.openxmlformats.org/officeDocument/2006/math">
+                    <m:sSub>
+                      <m:sSubPr>
+                        <m:ctrlPr>
+                          <a:rPr lang="en-US" b="0" i="1" smtClean="0">
+                            <a:latin typeface="Cambria Math" panose="02040503050406030204" pitchFamily="18" charset="0"/>
+                          </a:rPr>
+                        </m:ctrlPr>
+                      </m:sSubPr>
+                      <m:e>
+                        <m:r>
+                          <a:rPr lang="en-US" b="0" i="1" smtClean="0">
+                            <a:latin typeface="Cambria Math" panose="02040503050406030204" pitchFamily="18" charset="0"/>
+                          </a:rPr>
+                          <m:t>𝛽</m:t>
+                        </m:r>
+                      </m:e>
+                      <m:sub>
+                        <m:r>
+                          <a:rPr lang="en-US" b="0" i="1" smtClean="0">
+                            <a:latin typeface="Cambria Math" panose="02040503050406030204" pitchFamily="18" charset="0"/>
+                          </a:rPr>
+                          <m:t>2</m:t>
+                        </m:r>
+                      </m:sub>
+                    </m:sSub>
+                    <m:r>
+                      <a:rPr lang="en-US" b="0" i="1" smtClean="0">
+                        <a:latin typeface="Cambria Math" panose="02040503050406030204" pitchFamily="18" charset="0"/>
+                      </a:rPr>
+                      <m:t>=</m:t>
+                    </m:r>
+                    <m:r>
+                      <a:rPr lang="en-US" b="0" i="1" smtClean="0">
+                        <a:latin typeface="Cambria Math" panose="02040503050406030204" pitchFamily="18" charset="0"/>
+                      </a:rPr>
+                      <m:t>𝐴𝐵</m:t>
+                    </m:r>
+                  </m:oMath>
+                </a14:m>
+                <a:endParaRPr lang="en-US" dirty="0"/>
+              </a:p>
+              <a:p>
+                <a:r>
+                  <a:rPr lang="en-US" dirty="0"/>
+                  <a:t>Then, </a:t>
+                </a:r>
+                <a14:m>
+                  <m:oMath xmlns:m="http://schemas.openxmlformats.org/officeDocument/2006/math">
+                    <m:acc>
+                      <m:accPr>
+                        <m:chr m:val="̂"/>
+                        <m:ctrlPr>
+                          <a:rPr lang="en-US" i="1">
+                            <a:latin typeface="Cambria Math" panose="02040503050406030204" pitchFamily="18" charset="0"/>
+                          </a:rPr>
+                        </m:ctrlPr>
+                      </m:accPr>
+                      <m:e>
+                        <m:r>
+                          <a:rPr lang="en-US" i="1">
+                            <a:latin typeface="Cambria Math" panose="02040503050406030204" pitchFamily="18" charset="0"/>
+                          </a:rPr>
+                          <m:t>𝑦</m:t>
+                        </m:r>
+                      </m:e>
+                    </m:acc>
+                    <m:r>
+                      <a:rPr lang="en-US" i="1">
+                        <a:latin typeface="Cambria Math" panose="02040503050406030204" pitchFamily="18" charset="0"/>
+                      </a:rPr>
+                      <m:t>=</m:t>
+                    </m:r>
+                    <m:sSub>
+                      <m:sSubPr>
+                        <m:ctrlPr>
+                          <a:rPr lang="en-US" b="0" i="1" smtClean="0">
+                            <a:latin typeface="Cambria Math" panose="02040503050406030204" pitchFamily="18" charset="0"/>
+                          </a:rPr>
+                        </m:ctrlPr>
+                      </m:sSubPr>
+                      <m:e>
+                        <m:r>
+                          <a:rPr lang="en-US" b="0" i="1" smtClean="0">
+                            <a:latin typeface="Cambria Math" panose="02040503050406030204" pitchFamily="18" charset="0"/>
+                          </a:rPr>
+                          <m:t>𝛽</m:t>
+                        </m:r>
+                      </m:e>
+                      <m:sub>
+                        <m:r>
+                          <a:rPr lang="en-US" b="0" i="1" smtClean="0">
+                            <a:latin typeface="Cambria Math" panose="02040503050406030204" pitchFamily="18" charset="0"/>
+                          </a:rPr>
+                          <m:t>1</m:t>
+                        </m:r>
+                      </m:sub>
+                    </m:sSub>
+                    <m:sSub>
+                      <m:sSubPr>
+                        <m:ctrlPr>
+                          <a:rPr lang="en-US" i="1">
+                            <a:latin typeface="Cambria Math" panose="02040503050406030204" pitchFamily="18" charset="0"/>
+                          </a:rPr>
+                        </m:ctrlPr>
+                      </m:sSubPr>
+                      <m:e>
+                        <m:r>
+                          <a:rPr lang="en-US" i="1">
+                            <a:latin typeface="Cambria Math" panose="02040503050406030204" pitchFamily="18" charset="0"/>
+                          </a:rPr>
+                          <m:t>𝑥</m:t>
+                        </m:r>
+                      </m:e>
+                      <m:sub>
+                        <m:r>
+                          <a:rPr lang="en-US" i="1">
+                            <a:latin typeface="Cambria Math" panose="02040503050406030204" pitchFamily="18" charset="0"/>
+                          </a:rPr>
+                          <m:t>1</m:t>
+                        </m:r>
+                      </m:sub>
+                    </m:sSub>
+                    <m:r>
+                      <a:rPr lang="en-US" i="1">
+                        <a:latin typeface="Cambria Math" panose="02040503050406030204" pitchFamily="18" charset="0"/>
+                      </a:rPr>
+                      <m:t>+</m:t>
+                    </m:r>
+                    <m:sSub>
+                      <m:sSubPr>
+                        <m:ctrlPr>
+                          <a:rPr lang="en-US" b="0" i="1" smtClean="0">
+                            <a:latin typeface="Cambria Math" panose="02040503050406030204" pitchFamily="18" charset="0"/>
+                          </a:rPr>
+                        </m:ctrlPr>
+                      </m:sSubPr>
+                      <m:e>
+                        <m:r>
+                          <a:rPr lang="en-US" b="0" i="1" smtClean="0">
+                            <a:latin typeface="Cambria Math" panose="02040503050406030204" pitchFamily="18" charset="0"/>
+                          </a:rPr>
+                          <m:t>𝛽</m:t>
+                        </m:r>
+                      </m:e>
+                      <m:sub>
+                        <m:r>
+                          <a:rPr lang="en-US" b="0" i="1" smtClean="0">
+                            <a:latin typeface="Cambria Math" panose="02040503050406030204" pitchFamily="18" charset="0"/>
+                          </a:rPr>
+                          <m:t>2</m:t>
+                        </m:r>
+                      </m:sub>
+                    </m:sSub>
+                    <m:sSub>
+                      <m:sSubPr>
+                        <m:ctrlPr>
+                          <a:rPr lang="en-US" i="1">
+                            <a:latin typeface="Cambria Math" panose="02040503050406030204" pitchFamily="18" charset="0"/>
+                          </a:rPr>
+                        </m:ctrlPr>
+                      </m:sSubPr>
+                      <m:e>
+                        <m:r>
+                          <a:rPr lang="en-US" i="1">
+                            <a:latin typeface="Cambria Math" panose="02040503050406030204" pitchFamily="18" charset="0"/>
+                          </a:rPr>
+                          <m:t>𝑥</m:t>
+                        </m:r>
+                      </m:e>
+                      <m:sub>
+                        <m:r>
+                          <a:rPr lang="en-US" i="1">
+                            <a:latin typeface="Cambria Math" panose="02040503050406030204" pitchFamily="18" charset="0"/>
+                          </a:rPr>
+                          <m:t>1</m:t>
+                        </m:r>
+                      </m:sub>
+                    </m:sSub>
+                    <m:sSup>
+                      <m:sSupPr>
+                        <m:ctrlPr>
+                          <a:rPr lang="en-US" i="1">
+                            <a:latin typeface="Cambria Math" panose="02040503050406030204" pitchFamily="18" charset="0"/>
+                          </a:rPr>
+                        </m:ctrlPr>
+                      </m:sSupPr>
+                      <m:e>
+                        <m:r>
+                          <a:rPr lang="en-US" i="1">
+                            <a:latin typeface="Cambria Math" panose="02040503050406030204" pitchFamily="18" charset="0"/>
+                          </a:rPr>
+                          <m:t>𝑒</m:t>
+                        </m:r>
+                      </m:e>
+                      <m:sup>
+                        <m:r>
+                          <a:rPr lang="en-US" i="1">
+                            <a:latin typeface="Cambria Math" panose="02040503050406030204" pitchFamily="18" charset="0"/>
+                          </a:rPr>
+                          <m:t>−</m:t>
+                        </m:r>
+                        <m:sSub>
+                          <m:sSubPr>
+                            <m:ctrlPr>
+                              <a:rPr lang="en-US" i="1">
+                                <a:latin typeface="Cambria Math" panose="02040503050406030204" pitchFamily="18" charset="0"/>
+                              </a:rPr>
+                            </m:ctrlPr>
+                          </m:sSubPr>
+                          <m:e>
+                            <m:r>
+                              <a:rPr lang="en-US" i="1">
+                                <a:latin typeface="Cambria Math" panose="02040503050406030204" pitchFamily="18" charset="0"/>
+                              </a:rPr>
+                              <m:t>𝑥</m:t>
+                            </m:r>
+                          </m:e>
+                          <m:sub>
+                            <m:r>
+                              <a:rPr lang="en-US" i="1">
+                                <a:latin typeface="Cambria Math" panose="02040503050406030204" pitchFamily="18" charset="0"/>
+                              </a:rPr>
+                              <m:t>2</m:t>
+                            </m:r>
+                          </m:sub>
+                        </m:sSub>
+                      </m:sup>
+                    </m:sSup>
+                  </m:oMath>
+                </a14:m>
+                <a:endParaRPr lang="en-US" dirty="0"/>
+              </a:p>
+              <a:p>
+                <a:r>
+                  <a:rPr lang="en-US" dirty="0"/>
+                  <a:t>Basis functions:  </a:t>
+                </a:r>
+                <a14:m>
+                  <m:oMath xmlns:m="http://schemas.openxmlformats.org/officeDocument/2006/math">
+                    <m:r>
+                      <a:rPr lang="en-US" b="0" i="1" smtClean="0">
+                        <a:latin typeface="Cambria Math" panose="02040503050406030204" pitchFamily="18" charset="0"/>
+                      </a:rPr>
+                      <m:t>𝜙</m:t>
+                    </m:r>
+                    <m:d>
+                      <m:dPr>
+                        <m:ctrlPr>
+                          <a:rPr lang="en-US" b="0" i="1" smtClean="0">
+                            <a:latin typeface="Cambria Math" panose="02040503050406030204" pitchFamily="18" charset="0"/>
+                          </a:rPr>
+                        </m:ctrlPr>
+                      </m:dPr>
+                      <m:e>
+                        <m:sSub>
+                          <m:sSubPr>
+                            <m:ctrlPr>
+                              <a:rPr lang="en-US" b="0" i="1" smtClean="0">
+                                <a:latin typeface="Cambria Math" panose="02040503050406030204" pitchFamily="18" charset="0"/>
+                              </a:rPr>
+                            </m:ctrlPr>
+                          </m:sSubPr>
+                          <m:e>
+                            <m:r>
+                              <a:rPr lang="en-US" b="0" i="1" smtClean="0">
+                                <a:latin typeface="Cambria Math" panose="02040503050406030204" pitchFamily="18" charset="0"/>
+                              </a:rPr>
+                              <m:t>𝑥</m:t>
+                            </m:r>
+                          </m:e>
+                          <m:sub>
+                            <m:r>
+                              <a:rPr lang="en-US" b="0" i="1" smtClean="0">
+                                <a:latin typeface="Cambria Math" panose="02040503050406030204" pitchFamily="18" charset="0"/>
+                              </a:rPr>
+                              <m:t>1</m:t>
+                            </m:r>
+                          </m:sub>
+                        </m:sSub>
+                        <m:r>
+                          <a:rPr lang="en-US" b="0" i="1" smtClean="0">
+                            <a:latin typeface="Cambria Math" panose="02040503050406030204" pitchFamily="18" charset="0"/>
+                          </a:rPr>
+                          <m:t>,</m:t>
+                        </m:r>
+                        <m:sSub>
+                          <m:sSubPr>
+                            <m:ctrlPr>
+                              <a:rPr lang="en-US" b="0" i="1" smtClean="0">
+                                <a:latin typeface="Cambria Math" panose="02040503050406030204" pitchFamily="18" charset="0"/>
+                              </a:rPr>
+                            </m:ctrlPr>
+                          </m:sSubPr>
+                          <m:e>
+                            <m:r>
+                              <a:rPr lang="en-US" b="0" i="1" smtClean="0">
+                                <a:latin typeface="Cambria Math" panose="02040503050406030204" pitchFamily="18" charset="0"/>
+                              </a:rPr>
+                              <m:t>𝑥</m:t>
+                            </m:r>
+                          </m:e>
+                          <m:sub>
+                            <m:r>
+                              <a:rPr lang="en-US" b="0" i="1" smtClean="0">
+                                <a:latin typeface="Cambria Math" panose="02040503050406030204" pitchFamily="18" charset="0"/>
+                              </a:rPr>
+                              <m:t>2</m:t>
+                            </m:r>
+                          </m:sub>
+                        </m:sSub>
+                      </m:e>
+                    </m:d>
+                    <m:r>
+                      <a:rPr lang="en-US" b="0" i="1" smtClean="0">
+                        <a:latin typeface="Cambria Math" panose="02040503050406030204" pitchFamily="18" charset="0"/>
+                      </a:rPr>
+                      <m:t>=[</m:t>
+                    </m:r>
+                    <m:sSub>
+                      <m:sSubPr>
+                        <m:ctrlPr>
+                          <a:rPr lang="en-US" b="0" i="1" smtClean="0">
+                            <a:latin typeface="Cambria Math" panose="02040503050406030204" pitchFamily="18" charset="0"/>
+                          </a:rPr>
+                        </m:ctrlPr>
+                      </m:sSubPr>
+                      <m:e>
+                        <m:r>
+                          <a:rPr lang="en-US" b="0" i="1" smtClean="0">
+                            <a:latin typeface="Cambria Math" panose="02040503050406030204" pitchFamily="18" charset="0"/>
+                          </a:rPr>
+                          <m:t>𝑥</m:t>
+                        </m:r>
+                      </m:e>
+                      <m:sub>
+                        <m:r>
+                          <a:rPr lang="en-US" b="0" i="1" smtClean="0">
+                            <a:latin typeface="Cambria Math" panose="02040503050406030204" pitchFamily="18" charset="0"/>
+                          </a:rPr>
+                          <m:t>1</m:t>
+                        </m:r>
+                      </m:sub>
+                    </m:sSub>
+                    <m:r>
+                      <a:rPr lang="en-US" b="0" i="1" smtClean="0">
+                        <a:latin typeface="Cambria Math" panose="02040503050406030204" pitchFamily="18" charset="0"/>
+                      </a:rPr>
+                      <m:t>,</m:t>
+                    </m:r>
+                    <m:sSub>
+                      <m:sSubPr>
+                        <m:ctrlPr>
+                          <a:rPr lang="en-US" b="0" i="1" smtClean="0">
+                            <a:latin typeface="Cambria Math" panose="02040503050406030204" pitchFamily="18" charset="0"/>
+                          </a:rPr>
+                        </m:ctrlPr>
+                      </m:sSubPr>
+                      <m:e>
+                        <m:r>
+                          <a:rPr lang="en-US" b="0" i="1" smtClean="0">
+                            <a:latin typeface="Cambria Math" panose="02040503050406030204" pitchFamily="18" charset="0"/>
+                          </a:rPr>
+                          <m:t>𝑥</m:t>
+                        </m:r>
+                      </m:e>
+                      <m:sub>
+                        <m:r>
+                          <a:rPr lang="en-US" b="0" i="1" smtClean="0">
+                            <a:latin typeface="Cambria Math" panose="02040503050406030204" pitchFamily="18" charset="0"/>
+                          </a:rPr>
+                          <m:t>1</m:t>
+                        </m:r>
+                      </m:sub>
+                    </m:sSub>
+                    <m:sSup>
+                      <m:sSupPr>
+                        <m:ctrlPr>
+                          <a:rPr lang="en-US" b="0" i="1" smtClean="0">
+                            <a:latin typeface="Cambria Math" panose="02040503050406030204" pitchFamily="18" charset="0"/>
+                          </a:rPr>
+                        </m:ctrlPr>
+                      </m:sSupPr>
+                      <m:e>
+                        <m:r>
+                          <a:rPr lang="en-US" b="0" i="1" smtClean="0">
+                            <a:latin typeface="Cambria Math" panose="02040503050406030204" pitchFamily="18" charset="0"/>
+                          </a:rPr>
+                          <m:t>𝑒</m:t>
+                        </m:r>
+                      </m:e>
+                      <m:sup>
+                        <m:r>
+                          <a:rPr lang="en-US" b="0" i="1" smtClean="0">
+                            <a:latin typeface="Cambria Math" panose="02040503050406030204" pitchFamily="18" charset="0"/>
+                          </a:rPr>
+                          <m:t>−</m:t>
+                        </m:r>
+                        <m:sSub>
+                          <m:sSubPr>
+                            <m:ctrlPr>
+                              <a:rPr lang="en-US" b="0" i="1" smtClean="0">
+                                <a:latin typeface="Cambria Math" panose="02040503050406030204" pitchFamily="18" charset="0"/>
+                              </a:rPr>
+                            </m:ctrlPr>
+                          </m:sSubPr>
+                          <m:e>
+                            <m:r>
+                              <a:rPr lang="en-US" b="0" i="1" smtClean="0">
+                                <a:latin typeface="Cambria Math" panose="02040503050406030204" pitchFamily="18" charset="0"/>
+                              </a:rPr>
+                              <m:t>𝑥</m:t>
+                            </m:r>
+                          </m:e>
+                          <m:sub>
+                            <m:r>
+                              <a:rPr lang="en-US" b="0" i="1" smtClean="0">
+                                <a:latin typeface="Cambria Math" panose="02040503050406030204" pitchFamily="18" charset="0"/>
+                              </a:rPr>
+                              <m:t>2</m:t>
+                            </m:r>
+                          </m:sub>
+                        </m:sSub>
+                      </m:sup>
+                    </m:sSup>
+                    <m:r>
+                      <a:rPr lang="en-US" b="0" i="1" smtClean="0">
+                        <a:latin typeface="Cambria Math" panose="02040503050406030204" pitchFamily="18" charset="0"/>
+                      </a:rPr>
+                      <m:t>]</m:t>
+                    </m:r>
+                  </m:oMath>
+                </a14:m>
+                <a:endParaRPr lang="en-US" dirty="0"/>
+              </a:p>
+              <a:p>
+                <a:r>
+                  <a:rPr lang="en-US" dirty="0"/>
+                  <a:t>After we solve for </a:t>
+                </a:r>
+                <a14:m>
+                  <m:oMath xmlns:m="http://schemas.openxmlformats.org/officeDocument/2006/math">
+                    <m:sSub>
+                      <m:sSubPr>
+                        <m:ctrlPr>
+                          <a:rPr lang="en-US" b="0" i="1" smtClean="0">
+                            <a:latin typeface="Cambria Math" panose="02040503050406030204" pitchFamily="18" charset="0"/>
+                          </a:rPr>
+                        </m:ctrlPr>
+                      </m:sSubPr>
+                      <m:e>
+                        <m:r>
+                          <a:rPr lang="en-US" b="0" i="1" smtClean="0">
+                            <a:latin typeface="Cambria Math" panose="02040503050406030204" pitchFamily="18" charset="0"/>
+                          </a:rPr>
+                          <m:t>𝛽</m:t>
+                        </m:r>
+                      </m:e>
+                      <m:sub>
+                        <m:r>
+                          <a:rPr lang="en-US" b="0" i="1" smtClean="0">
+                            <a:latin typeface="Cambria Math" panose="02040503050406030204" pitchFamily="18" charset="0"/>
+                          </a:rPr>
+                          <m:t>1</m:t>
+                        </m:r>
+                      </m:sub>
+                    </m:sSub>
+                    <m:r>
+                      <a:rPr lang="en-US" b="0" i="1" smtClean="0">
+                        <a:latin typeface="Cambria Math" panose="02040503050406030204" pitchFamily="18" charset="0"/>
+                      </a:rPr>
+                      <m:t>,</m:t>
+                    </m:r>
+                    <m:sSub>
+                      <m:sSubPr>
+                        <m:ctrlPr>
+                          <a:rPr lang="en-US" b="0" i="1" smtClean="0">
+                            <a:latin typeface="Cambria Math" panose="02040503050406030204" pitchFamily="18" charset="0"/>
+                          </a:rPr>
+                        </m:ctrlPr>
+                      </m:sSubPr>
+                      <m:e>
+                        <m:r>
+                          <a:rPr lang="en-US" b="0" i="1" smtClean="0">
+                            <a:latin typeface="Cambria Math" panose="02040503050406030204" pitchFamily="18" charset="0"/>
+                          </a:rPr>
+                          <m:t>𝛽</m:t>
+                        </m:r>
+                      </m:e>
+                      <m:sub>
+                        <m:r>
+                          <a:rPr lang="en-US" b="0" i="1" smtClean="0">
+                            <a:latin typeface="Cambria Math" panose="02040503050406030204" pitchFamily="18" charset="0"/>
+                          </a:rPr>
+                          <m:t>2</m:t>
+                        </m:r>
+                      </m:sub>
+                    </m:sSub>
+                  </m:oMath>
+                </a14:m>
+                <a:r>
+                  <a:rPr lang="en-US" dirty="0"/>
+                  <a:t> we can recover </a:t>
+                </a:r>
+                <a14:m>
+                  <m:oMath xmlns:m="http://schemas.openxmlformats.org/officeDocument/2006/math">
+                    <m:r>
+                      <a:rPr lang="en-US" b="0" i="1" smtClean="0">
+                        <a:latin typeface="Cambria Math" panose="02040503050406030204" pitchFamily="18" charset="0"/>
+                      </a:rPr>
+                      <m:t>𝐴</m:t>
+                    </m:r>
+                    <m:r>
+                      <a:rPr lang="en-US" b="0" i="1" smtClean="0">
+                        <a:latin typeface="Cambria Math" panose="02040503050406030204" pitchFamily="18" charset="0"/>
+                      </a:rPr>
+                      <m:t>,</m:t>
+                    </m:r>
+                    <m:r>
+                      <a:rPr lang="en-US" b="0" i="1" smtClean="0">
+                        <a:latin typeface="Cambria Math" panose="02040503050406030204" pitchFamily="18" charset="0"/>
+                      </a:rPr>
+                      <m:t>𝐵</m:t>
+                    </m:r>
+                  </m:oMath>
+                </a14:m>
+                <a:r>
+                  <a:rPr lang="en-US" dirty="0"/>
+                  <a:t> via inverting </a:t>
+                </a:r>
+                <a:r>
+                  <a:rPr lang="en-US"/>
+                  <a:t>the equations:</a:t>
+                </a:r>
+                <a:br>
+                  <a:rPr lang="en-US" dirty="0"/>
+                </a:br>
+                <a14:m>
+                  <m:oMath xmlns:m="http://schemas.openxmlformats.org/officeDocument/2006/math">
+                    <m:r>
+                      <a:rPr lang="en-US" b="0" i="1" smtClean="0">
+                        <a:latin typeface="Cambria Math" panose="02040503050406030204" pitchFamily="18" charset="0"/>
+                      </a:rPr>
+                      <m:t>𝐴</m:t>
+                    </m:r>
+                    <m:r>
+                      <a:rPr lang="en-US" b="0" i="1" smtClean="0">
+                        <a:latin typeface="Cambria Math" panose="02040503050406030204" pitchFamily="18" charset="0"/>
+                      </a:rPr>
+                      <m:t>=</m:t>
+                    </m:r>
+                    <m:sSub>
+                      <m:sSubPr>
+                        <m:ctrlPr>
+                          <a:rPr lang="en-US" b="0" i="1" smtClean="0">
+                            <a:latin typeface="Cambria Math" panose="02040503050406030204" pitchFamily="18" charset="0"/>
+                          </a:rPr>
+                        </m:ctrlPr>
+                      </m:sSubPr>
+                      <m:e>
+                        <m:r>
+                          <a:rPr lang="en-US" b="0" i="1" smtClean="0">
+                            <a:latin typeface="Cambria Math" panose="02040503050406030204" pitchFamily="18" charset="0"/>
+                          </a:rPr>
+                          <m:t>𝛽</m:t>
+                        </m:r>
+                      </m:e>
+                      <m:sub>
+                        <m:r>
+                          <a:rPr lang="en-US" b="0" i="1" smtClean="0">
+                            <a:latin typeface="Cambria Math" panose="02040503050406030204" pitchFamily="18" charset="0"/>
+                          </a:rPr>
+                          <m:t>1</m:t>
+                        </m:r>
+                      </m:sub>
+                    </m:sSub>
+                    <m:r>
+                      <a:rPr lang="en-US" b="0" i="1" smtClean="0">
+                        <a:latin typeface="Cambria Math" panose="02040503050406030204" pitchFamily="18" charset="0"/>
+                      </a:rPr>
+                      <m:t>,  </m:t>
+                    </m:r>
+                    <m:r>
+                      <a:rPr lang="en-US" b="0" i="1" smtClean="0">
+                        <a:latin typeface="Cambria Math" panose="02040503050406030204" pitchFamily="18" charset="0"/>
+                      </a:rPr>
+                      <m:t>𝐵</m:t>
+                    </m:r>
+                    <m:r>
+                      <a:rPr lang="en-US" b="0" i="1" smtClean="0">
+                        <a:latin typeface="Cambria Math" panose="02040503050406030204" pitchFamily="18" charset="0"/>
+                      </a:rPr>
+                      <m:t>=</m:t>
+                    </m:r>
+                    <m:f>
+                      <m:fPr>
+                        <m:ctrlPr>
+                          <a:rPr lang="en-US" b="0" i="1" smtClean="0">
+                            <a:latin typeface="Cambria Math" panose="02040503050406030204" pitchFamily="18" charset="0"/>
+                          </a:rPr>
+                        </m:ctrlPr>
+                      </m:fPr>
+                      <m:num>
+                        <m:sSub>
+                          <m:sSubPr>
+                            <m:ctrlPr>
+                              <a:rPr lang="en-US" b="0" i="1" smtClean="0">
+                                <a:latin typeface="Cambria Math" panose="02040503050406030204" pitchFamily="18" charset="0"/>
+                              </a:rPr>
+                            </m:ctrlPr>
+                          </m:sSubPr>
+                          <m:e>
+                            <m:r>
+                              <a:rPr lang="en-US" b="0" i="1" smtClean="0">
+                                <a:latin typeface="Cambria Math" panose="02040503050406030204" pitchFamily="18" charset="0"/>
+                              </a:rPr>
+                              <m:t>𝛽</m:t>
+                            </m:r>
+                          </m:e>
+                          <m:sub>
+                            <m:r>
+                              <a:rPr lang="en-US" b="0" i="1" smtClean="0">
+                                <a:latin typeface="Cambria Math" panose="02040503050406030204" pitchFamily="18" charset="0"/>
+                              </a:rPr>
+                              <m:t>2</m:t>
+                            </m:r>
+                          </m:sub>
+                        </m:sSub>
+                      </m:num>
+                      <m:den>
+                        <m:r>
+                          <a:rPr lang="en-US" b="0" i="1" smtClean="0">
+                            <a:latin typeface="Cambria Math" panose="02040503050406030204" pitchFamily="18" charset="0"/>
+                          </a:rPr>
+                          <m:t>𝐴</m:t>
+                        </m:r>
+                      </m:den>
+                    </m:f>
+                  </m:oMath>
+                </a14:m>
+                <a:br>
+                  <a:rPr lang="en-US" dirty="0"/>
+                </a:br>
+                <a:endParaRPr lang="en-US" dirty="0"/>
+              </a:p>
+            </p:txBody>
+          </p:sp>
+        </mc:Choice>
+        <mc:Fallback>
+          <p:sp>
+            <p:nvSpPr>
+              <p:cNvPr id="3" name="Content Placeholder 2">
+                <a:extLst>
+                  <a:ext uri="{FF2B5EF4-FFF2-40B4-BE49-F238E27FC236}">
+                    <a16:creationId xmlns:a16="http://schemas.microsoft.com/office/drawing/2014/main" id="{2EA5583D-1994-42D2-AECE-2F34007F13C5}"/>
+                  </a:ext>
+                </a:extLst>
+              </p:cNvPr>
+              <p:cNvSpPr>
+                <a:spLocks noGrp="1" noRot="1" noChangeAspect="1" noMove="1" noResize="1" noEditPoints="1" noAdjustHandles="1" noChangeArrowheads="1" noChangeShapeType="1" noTextEdit="1"/>
+              </p:cNvSpPr>
+              <p:nvPr>
+                <p:ph idx="1"/>
+              </p:nvPr>
+            </p:nvSpPr>
+            <p:spPr>
+              <a:blipFill>
+                <a:blip r:embed="rId2"/>
+                <a:stretch>
+                  <a:fillRect l="-1455" t="-1549"/>
+                </a:stretch>
+              </a:blipFill>
+            </p:spPr>
+            <p:txBody>
+              <a:bodyPr/>
+              <a:lstStyle/>
+              <a:p>
+                <a:r>
+                  <a:rPr lang="en-US">
+                    <a:noFill/>
+                  </a:rPr>
+                  <a:t> </a:t>
+                </a:r>
+              </a:p>
+            </p:txBody>
+          </p:sp>
+        </mc:Fallback>
+      </mc:AlternateContent>
+      <p:sp>
+        <p:nvSpPr>
+          <p:cNvPr id="4" name="Slide Number Placeholder 3">
+            <a:extLst>
+              <a:ext uri="{FF2B5EF4-FFF2-40B4-BE49-F238E27FC236}">
+                <a16:creationId xmlns:a16="http://schemas.microsoft.com/office/drawing/2014/main" id="{B34B68D7-5DC3-4EEB-97C9-48A3394E5E27}"/>
+              </a:ext>
+            </a:extLst>
+          </p:cNvPr>
+          <p:cNvSpPr>
+            <a:spLocks noGrp="1"/>
+          </p:cNvSpPr>
+          <p:nvPr>
+            <p:ph type="sldNum" sz="quarter" idx="12"/>
+          </p:nvPr>
+        </p:nvSpPr>
+        <p:spPr/>
+        <p:txBody>
+          <a:bodyPr/>
+          <a:lstStyle/>
+          <a:p>
+            <a:fld id="{629637A9-119A-49DA-BD12-AAC58B377D80}" type="slidenum">
+              <a:rPr lang="en-US" smtClean="0"/>
+              <a:t>43</a:t>
+            </a:fld>
+            <a:endParaRPr lang="en-US" dirty="0"/>
+          </a:p>
+        </p:txBody>
+      </p:sp>
+    </p:spTree>
+    <p:extLst>
+      <p:ext uri="{BB962C8B-B14F-4D97-AF65-F5344CB8AC3E}">
+        <p14:creationId xmlns:p14="http://schemas.microsoft.com/office/powerpoint/2010/main" val="2329065716"/>
+      </p:ext>
+    </p:extLst>
+  </p:cSld>
+  <p:clrMapOvr>
+    <a:masterClrMapping/>
+  </p:clrMapOvr>
+</p:sld>
+</file>
+
+<file path=ppt/slides/slide44.xml><?xml version="1.0" encoding="utf-8"?>
+<p:sld xmlns:a="http://schemas.openxmlformats.org/drawingml/2006/main" xmlns:r="http://schemas.openxmlformats.org/officeDocument/2006/relationships" xmlns:p="http://schemas.openxmlformats.org/presentationml/2006/main">
+  <p:cSld>
+    <p:spTree>
+      <p:nvGrpSpPr>
+        <p:cNvPr id="1" name=""/>
+        <p:cNvGrpSpPr/>
+        <p:nvPr/>
+      </p:nvGrpSpPr>
+      <p:grpSpPr>
+        <a:xfrm>
+          <a:off x="0" y="0"/>
+          <a:ext cx="0" cy="0"/>
+          <a:chOff x="0" y="0"/>
+          <a:chExt cx="0" cy="0"/>
+        </a:xfrm>
+      </p:grpSpPr>
+      <p:sp>
+        <p:nvSpPr>
+          <p:cNvPr id="2" name="Title 1"/>
+          <p:cNvSpPr>
+            <a:spLocks noGrp="1"/>
+          </p:cNvSpPr>
+          <p:nvPr>
+            <p:ph type="title"/>
+          </p:nvPr>
+        </p:nvSpPr>
+        <p:spPr/>
+        <p:txBody>
+          <a:bodyPr/>
+          <a:lstStyle/>
+          <a:p>
+            <a:r>
+              <a:rPr lang="en-US" dirty="0"/>
+              <a:t>Example:  Learning Linear Systems</a:t>
             </a:r>
           </a:p>
         </p:txBody>
@@ -27144,7 +32407,7 @@
           <a:p>
             <a:fld id="{629637A9-119A-49DA-BD12-AAC58B377D80}" type="slidenum">
               <a:rPr lang="en-US" smtClean="0"/>
-              <a:t>40</a:t>
+              <a:t>44</a:t>
             </a:fld>
             <a:endParaRPr lang="en-US" dirty="0"/>
           </a:p>
@@ -27187,7 +32450,7 @@
 </p:sld>
 </file>
 
-<file path=ppt/slides/slide41.xml><?xml version="1.0" encoding="utf-8"?>
+<file path=ppt/slides/slide45.xml><?xml version="1.0" encoding="utf-8"?>
 <p:sld xmlns:a="http://schemas.openxmlformats.org/drawingml/2006/main" xmlns:r="http://schemas.openxmlformats.org/officeDocument/2006/relationships" xmlns:p="http://schemas.openxmlformats.org/presentationml/2006/main">
   <p:cSld>
     <p:spTree>
@@ -27226,8 +32489,8 @@
           </a:p>
         </p:txBody>
       </p:sp>
-      <mc:AlternateContent xmlns:mc="http://schemas.openxmlformats.org/markup-compatibility/2006" xmlns:a14="http://schemas.microsoft.com/office/drawing/2010/main">
-        <mc:Choice Requires="a14">
+      <mc:AlternateContent xmlns:mc="http://schemas.openxmlformats.org/markup-compatibility/2006">
+        <mc:Choice xmlns:a14="http://schemas.microsoft.com/office/drawing/2010/main" Requires="a14">
           <p:sp>
             <p:nvSpPr>
               <p:cNvPr id="3" name="Content Placeholder 2"/>
@@ -27246,7 +32509,7 @@
             </p:spPr>
             <p:txBody>
               <a:bodyPr>
-                <a:normAutofit fontScale="92500" lnSpcReduction="20000"/>
+                <a:normAutofit lnSpcReduction="10000"/>
               </a:bodyPr>
               <a:lstStyle/>
               <a:p>
@@ -27504,7 +32767,7 @@
                 </a14:m>
                 <a:r>
                   <a:rPr lang="en-US" dirty="0"/>
-                  <a:t> using 2 binary features  (</a:t>
+                  <a:t> using 3 binary features  (</a:t>
                 </a:r>
                 <a14:m>
                   <m:oMath xmlns:m="http://schemas.openxmlformats.org/officeDocument/2006/math">
@@ -27518,10 +32781,10 @@
                       </m:sSubPr>
                       <m:e>
                         <m:r>
-                          <a:rPr lang="en-US" i="1">
-                            <a:latin typeface="Cambria Math" panose="02040503050406030204" pitchFamily="18" charset="0"/>
-                          </a:rPr>
-                          <m:t>𝑢</m:t>
+                          <a:rPr lang="en-US" b="0" i="1" smtClean="0">
+                            <a:latin typeface="Cambria Math" panose="02040503050406030204" pitchFamily="18" charset="0"/>
+                          </a:rPr>
+                          <m:t>𝜙</m:t>
                         </m:r>
                       </m:e>
                       <m:sub>
@@ -27544,17 +32807,17 @@
                     <m:sSub>
                       <m:sSubPr>
                         <m:ctrlPr>
-                          <a:rPr lang="en-US" i="1">
+                          <a:rPr lang="en-US" b="0" i="1" smtClean="0">
                             <a:latin typeface="Cambria Math" panose="02040503050406030204" pitchFamily="18" charset="0"/>
                           </a:rPr>
                         </m:ctrlPr>
                       </m:sSubPr>
                       <m:e>
                         <m:r>
-                          <a:rPr lang="en-US" i="1">
-                            <a:latin typeface="Cambria Math" panose="02040503050406030204" pitchFamily="18" charset="0"/>
-                          </a:rPr>
-                          <m:t>𝑢</m:t>
+                          <a:rPr lang="en-US" i="1" smtClean="0">
+                            <a:latin typeface="Cambria Math" panose="02040503050406030204" pitchFamily="18" charset="0"/>
+                          </a:rPr>
+                          <m:t>𝜙</m:t>
                         </m:r>
                       </m:e>
                       <m:sub>
@@ -27563,6 +32826,37 @@
                             <a:latin typeface="Cambria Math" panose="02040503050406030204" pitchFamily="18" charset="0"/>
                           </a:rPr>
                           <m:t>2</m:t>
+                        </m:r>
+                      </m:sub>
+                    </m:sSub>
+                    <m:r>
+                      <a:rPr lang="en-US" b="0" i="0" smtClean="0">
+                        <a:latin typeface="Cambria Math" panose="02040503050406030204" pitchFamily="18" charset="0"/>
+                      </a:rPr>
+                      <m:t>,</m:t>
+                    </m:r>
+                    <m:sSub>
+                      <m:sSubPr>
+                        <m:ctrlPr>
+                          <a:rPr lang="en-US" b="0" i="1" smtClean="0">
+                            <a:latin typeface="Cambria Math" panose="02040503050406030204" pitchFamily="18" charset="0"/>
+                          </a:rPr>
+                        </m:ctrlPr>
+                      </m:sSubPr>
+                      <m:e>
+                        <m:r>
+                          <a:rPr lang="en-US" b="0" i="1" smtClean="0">
+                            <a:latin typeface="Cambria Math" panose="02040503050406030204" pitchFamily="18" charset="0"/>
+                          </a:rPr>
+                          <m:t>𝜙</m:t>
+                        </m:r>
+                      </m:e>
+                      <m:sub>
+                        <m:r>
+                          <a:rPr lang="en-US" b="0" i="1" smtClean="0">
+                            <a:latin typeface="Cambria Math" panose="02040503050406030204" pitchFamily="18" charset="0"/>
+                          </a:rPr>
+                          <m:t>3</m:t>
                         </m:r>
                       </m:sub>
                     </m:sSub>
@@ -27662,7 +32956,7 @@
                           <a:rPr lang="en-US" b="0" i="1" smtClean="0">
                             <a:latin typeface="Cambria Math" panose="02040503050406030204" pitchFamily="18" charset="0"/>
                           </a:rPr>
-                          <m:t>𝑢</m:t>
+                          <m:t>𝜙</m:t>
                         </m:r>
                       </m:e>
                       <m:sub>
@@ -27715,10 +33009,10 @@
                       </m:sSubPr>
                       <m:e>
                         <m:r>
-                          <a:rPr lang="en-US" i="1">
-                            <a:latin typeface="Cambria Math" panose="02040503050406030204" pitchFamily="18" charset="0"/>
-                          </a:rPr>
-                          <m:t>𝑢</m:t>
+                          <a:rPr lang="en-US" b="0" i="1" smtClean="0">
+                            <a:latin typeface="Cambria Math" panose="02040503050406030204" pitchFamily="18" charset="0"/>
+                          </a:rPr>
+                          <m:t>𝜙</m:t>
                         </m:r>
                       </m:e>
                       <m:sub>
@@ -27745,6 +33039,62 @@
                         </m:ctrlPr>
                       </m:sSubPr>
                       <m:e>
+                        <m:sSub>
+                          <m:sSubPr>
+                            <m:ctrlPr>
+                              <a:rPr lang="en-US" b="0" i="1" smtClean="0">
+                                <a:latin typeface="Cambria Math" panose="02040503050406030204" pitchFamily="18" charset="0"/>
+                              </a:rPr>
+                            </m:ctrlPr>
+                          </m:sSubPr>
+                          <m:e>
+                            <m:r>
+                              <a:rPr lang="en-US" b="0" i="1" smtClean="0">
+                                <a:latin typeface="Cambria Math" panose="02040503050406030204" pitchFamily="18" charset="0"/>
+                              </a:rPr>
+                              <m:t>𝛽</m:t>
+                            </m:r>
+                          </m:e>
+                          <m:sub>
+                            <m:r>
+                              <a:rPr lang="en-US" b="0" i="1" smtClean="0">
+                                <a:latin typeface="Cambria Math" panose="02040503050406030204" pitchFamily="18" charset="0"/>
+                              </a:rPr>
+                              <m:t>3</m:t>
+                            </m:r>
+                          </m:sub>
+                        </m:sSub>
+                        <m:sSub>
+                          <m:sSubPr>
+                            <m:ctrlPr>
+                              <a:rPr lang="en-US" b="0" i="1" smtClean="0">
+                                <a:latin typeface="Cambria Math" panose="02040503050406030204" pitchFamily="18" charset="0"/>
+                              </a:rPr>
+                            </m:ctrlPr>
+                          </m:sSubPr>
+                          <m:e>
+                            <m:r>
+                              <a:rPr lang="en-US" b="0" i="1" smtClean="0">
+                                <a:latin typeface="Cambria Math" panose="02040503050406030204" pitchFamily="18" charset="0"/>
+                              </a:rPr>
+                              <m:t>𝜙</m:t>
+                            </m:r>
+                          </m:e>
+                          <m:sub>
+                            <m:r>
+                              <a:rPr lang="en-US" b="0" i="1" smtClean="0">
+                                <a:latin typeface="Cambria Math" panose="02040503050406030204" pitchFamily="18" charset="0"/>
+                              </a:rPr>
+                              <m:t>3</m:t>
+                            </m:r>
+                          </m:sub>
+                        </m:sSub>
+                        <m:r>
+                          <a:rPr lang="en-US" b="0" i="1" smtClean="0">
+                            <a:latin typeface="Cambria Math" panose="02040503050406030204" pitchFamily="18" charset="0"/>
+                          </a:rPr>
+                          <m:t>+</m:t>
+                        </m:r>
                         <m:r>
                           <a:rPr lang="en-US" i="1">
                             <a:latin typeface="Cambria Math" panose="02040503050406030204" pitchFamily="18" charset="0"/>
@@ -28160,6 +33510,37 @@
                       </m:e>
                       <m:sub>
                         <m:r>
+                          <a:rPr lang="en-US" b="0" i="1" smtClean="0">
+                            <a:latin typeface="Cambria Math" panose="02040503050406030204" pitchFamily="18" charset="0"/>
+                          </a:rPr>
+                          <m:t>3</m:t>
+                        </m:r>
+                      </m:sub>
+                    </m:sSub>
+                    <m:r>
+                      <a:rPr lang="en-US" b="0" i="1" smtClean="0">
+                        <a:latin typeface="Cambria Math" panose="02040503050406030204" pitchFamily="18" charset="0"/>
+                      </a:rPr>
+                      <m:t>+</m:t>
+                    </m:r>
+                    <m:sSub>
+                      <m:sSubPr>
+                        <m:ctrlPr>
+                          <a:rPr lang="en-US" i="1">
+                            <a:latin typeface="Cambria Math" panose="02040503050406030204" pitchFamily="18" charset="0"/>
+                          </a:rPr>
+                        </m:ctrlPr>
+                      </m:sSubPr>
+                      <m:e>
+                        <m:r>
+                          <a:rPr lang="en-US" i="1">
+                            <a:latin typeface="Cambria Math" panose="02040503050406030204" pitchFamily="18" charset="0"/>
+                          </a:rPr>
+                          <m:t>𝛽</m:t>
+                        </m:r>
+                      </m:e>
+                      <m:sub>
+                        <m:r>
                           <a:rPr lang="en-US" i="1">
                             <a:latin typeface="Cambria Math" panose="02040503050406030204" pitchFamily="18" charset="0"/>
                           </a:rPr>
@@ -28205,125 +33586,6 @@
                     </a:solidFill>
                   </a:rPr>
                   <a:t>Allows different intercepts (or mean values) for different categories! </a:t>
-                </a:r>
-              </a:p>
-              <a:p>
-                <a:pPr lvl="1"/>
-                <a:r>
-                  <a:rPr lang="en-US" dirty="0">
-                    <a:solidFill>
-                      <a:schemeClr val="tx1"/>
-                    </a:solidFill>
-                  </a:rPr>
-                  <a:t>In general, if there are </a:t>
-                </a:r>
-                <a14:m>
-                  <m:oMath xmlns:m="http://schemas.openxmlformats.org/officeDocument/2006/math">
-                    <m:r>
-                      <a:rPr lang="en-US" b="0" i="1" smtClean="0">
-                        <a:solidFill>
-                          <a:schemeClr val="tx1"/>
-                        </a:solidFill>
-                        <a:latin typeface="Cambria Math" panose="02040503050406030204" pitchFamily="18" charset="0"/>
-                      </a:rPr>
-                      <m:t>𝐾</m:t>
-                    </m:r>
-                  </m:oMath>
-                </a14:m>
-                <a:r>
-                  <a:rPr lang="en-US" dirty="0">
-                    <a:solidFill>
-                      <a:schemeClr val="tx1"/>
-                    </a:solidFill>
-                  </a:rPr>
-                  <a:t> categories, we need </a:t>
-                </a:r>
-                <a14:m>
-                  <m:oMath xmlns:m="http://schemas.openxmlformats.org/officeDocument/2006/math">
-                    <m:r>
-                      <a:rPr lang="en-US" b="0" i="1" smtClean="0">
-                        <a:solidFill>
-                          <a:schemeClr val="tx1"/>
-                        </a:solidFill>
-                        <a:latin typeface="Cambria Math" panose="02040503050406030204" pitchFamily="18" charset="0"/>
-                      </a:rPr>
-                      <m:t>𝐾</m:t>
-                    </m:r>
-                    <m:r>
-                      <a:rPr lang="en-US" b="0" i="1" smtClean="0">
-                        <a:solidFill>
-                          <a:schemeClr val="tx1"/>
-                        </a:solidFill>
-                        <a:latin typeface="Cambria Math" panose="02040503050406030204" pitchFamily="18" charset="0"/>
-                      </a:rPr>
-                      <m:t>−1</m:t>
-                    </m:r>
-                  </m:oMath>
-                </a14:m>
-                <a:r>
-                  <a:rPr lang="en-US" dirty="0">
-                    <a:solidFill>
-                      <a:schemeClr val="tx1"/>
-                    </a:solidFill>
-                  </a:rPr>
-                  <a:t> variables</a:t>
-                </a:r>
-              </a:p>
-              <a:p>
-                <a:pPr lvl="1"/>
-                <a:r>
-                  <a:rPr lang="en-US" dirty="0">
-                    <a:solidFill>
-                      <a:schemeClr val="tx1"/>
-                    </a:solidFill>
-                  </a:rPr>
-                  <a:t>Constant offset term </a:t>
-                </a:r>
-                <a14:m>
-                  <m:oMath xmlns:m="http://schemas.openxmlformats.org/officeDocument/2006/math">
-                    <m:sSub>
-                      <m:sSubPr>
-                        <m:ctrlPr>
-                          <a:rPr lang="en-US" b="0" i="1" smtClean="0">
-                            <a:solidFill>
-                              <a:schemeClr val="tx1"/>
-                            </a:solidFill>
-                            <a:latin typeface="Cambria Math" panose="02040503050406030204" pitchFamily="18" charset="0"/>
-                          </a:rPr>
-                        </m:ctrlPr>
-                      </m:sSubPr>
-                      <m:e>
-                        <m:r>
-                          <a:rPr lang="en-US" b="0" i="1" smtClean="0">
-                            <a:solidFill>
-                              <a:schemeClr val="tx1"/>
-                            </a:solidFill>
-                            <a:latin typeface="Cambria Math" panose="02040503050406030204" pitchFamily="18" charset="0"/>
-                          </a:rPr>
-                          <m:t>𝛽</m:t>
-                        </m:r>
-                      </m:e>
-                      <m:sub>
-                        <m:r>
-                          <a:rPr lang="en-US" b="0" i="1" smtClean="0">
-                            <a:solidFill>
-                              <a:schemeClr val="tx1"/>
-                            </a:solidFill>
-                            <a:latin typeface="Cambria Math" panose="02040503050406030204" pitchFamily="18" charset="0"/>
-                          </a:rPr>
-                          <m:t>0</m:t>
-                        </m:r>
-                      </m:sub>
-                    </m:sSub>
-                  </m:oMath>
-                </a14:m>
-                <a:r>
-                  <a:rPr lang="en-US" dirty="0">
-                    <a:solidFill>
-                      <a:schemeClr val="tx1"/>
-                    </a:solidFill>
-                  </a:rPr>
-                  <a:t> term used for all models</a:t>
                 </a:r>
               </a:p>
               <a:p>
@@ -28349,7 +33611,7 @@
             </p:txBody>
           </p:sp>
         </mc:Choice>
-        <mc:Fallback xmlns="">
+        <mc:Fallback>
           <p:sp>
             <p:nvSpPr>
               <p:cNvPr id="3" name="Content Placeholder 2"/>
@@ -28368,7 +33630,7 @@
               <a:blipFill>
                 <a:blip r:embed="rId2"/>
                 <a:stretch>
-                  <a:fillRect l="-1752" t="-2254"/>
+                  <a:fillRect l="-1911" t="-1972" r="-398"/>
                 </a:stretch>
               </a:blipFill>
             </p:spPr>
@@ -28404,14 +33666,14 @@
           <a:p>
             <a:fld id="{629637A9-119A-49DA-BD12-AAC58B377D80}" type="slidenum">
               <a:rPr lang="en-US" smtClean="0"/>
-              <a:t>41</a:t>
+              <a:t>45</a:t>
             </a:fld>
             <a:endParaRPr lang="en-US" dirty="0"/>
           </a:p>
         </p:txBody>
       </p:sp>
-      <mc:AlternateContent xmlns:mc="http://schemas.openxmlformats.org/markup-compatibility/2006" xmlns:a14="http://schemas.microsoft.com/office/drawing/2010/main">
-        <mc:Choice Requires="a14">
+      <mc:AlternateContent xmlns:mc="http://schemas.openxmlformats.org/markup-compatibility/2006">
+        <mc:Choice xmlns:a14="http://schemas.microsoft.com/office/drawing/2010/main" Requires="a14">
           <p:graphicFrame>
             <p:nvGraphicFramePr>
               <p:cNvPr id="5" name="Table 4"/>
@@ -28421,14 +33683,14 @@
               <p:nvPr>
                 <p:extLst>
                   <p:ext uri="{D42A27DB-BD31-4B8C-83A1-F6EECF244321}">
-                    <p14:modId xmlns:p14="http://schemas.microsoft.com/office/powerpoint/2010/main" val="4077255416"/>
+                    <p14:modId xmlns:p14="http://schemas.microsoft.com/office/powerpoint/2010/main" val="3405838094"/>
                   </p:ext>
                 </p:extLst>
               </p:nvPr>
             </p:nvGraphicFramePr>
             <p:xfrm>
               <a:off x="9001387" y="1634066"/>
-              <a:ext cx="1795244" cy="1483360"/>
+              <a:ext cx="2843610" cy="1483360"/>
             </p:xfrm>
             <a:graphic>
               <a:graphicData uri="http://schemas.openxmlformats.org/drawingml/2006/table">
@@ -28437,24 +33699,31 @@
                     <a:tableStyleId>{5C22544A-7EE6-4342-B048-85BDC9FD1C3A}</a:tableStyleId>
                   </a:tblPr>
                   <a:tblGrid>
-                    <a:gridCol w="880844">
+                    <a:gridCol w="1118273">
                       <a:extLst>
                         <a:ext uri="{9D8B030D-6E8A-4147-A177-3AD203B41FA5}">
                           <a16:colId xmlns:a16="http://schemas.microsoft.com/office/drawing/2014/main" val="877928026"/>
                         </a:ext>
                       </a:extLst>
                     </a:gridCol>
-                    <a:gridCol w="469783">
+                    <a:gridCol w="596411">
                       <a:extLst>
                         <a:ext uri="{9D8B030D-6E8A-4147-A177-3AD203B41FA5}">
                           <a16:colId xmlns:a16="http://schemas.microsoft.com/office/drawing/2014/main" val="171685824"/>
                         </a:ext>
                       </a:extLst>
                     </a:gridCol>
-                    <a:gridCol w="444617">
+                    <a:gridCol w="564463">
                       <a:extLst>
                         <a:ext uri="{9D8B030D-6E8A-4147-A177-3AD203B41FA5}">
                           <a16:colId xmlns:a16="http://schemas.microsoft.com/office/drawing/2014/main" val="1364150264"/>
+                        </a:ext>
+                      </a:extLst>
+                    </a:gridCol>
+                    <a:gridCol w="564463">
+                      <a:extLst>
+                        <a:ext uri="{9D8B030D-6E8A-4147-A177-3AD203B41FA5}">
+                          <a16:colId xmlns:a16="http://schemas.microsoft.com/office/drawing/2014/main" val="649208355"/>
                         </a:ext>
                       </a:extLst>
                     </a:gridCol>
@@ -28467,7 +33736,7 @@
                         <a:p>
                           <a:r>
                             <a:rPr lang="en-US" dirty="0"/>
-                            <a:t>Model</a:t>
+                            <a:t>Model </a:t>
                           </a:r>
                         </a:p>
                       </a:txBody>
@@ -28493,7 +33762,7 @@
                                     <a:rPr lang="en-US" b="1" i="1" smtClean="0">
                                       <a:latin typeface="Cambria Math" panose="02040503050406030204" pitchFamily="18" charset="0"/>
                                     </a:rPr>
-                                    <m:t>𝒖</m:t>
+                                    <m:t>𝝓</m:t>
                                   </m:r>
                                 </m:e>
                                 <m:sub>
@@ -28540,7 +33809,7 @@
                                       <a:rPr lang="en-US" b="1" i="1" smtClean="0">
                                         <a:latin typeface="Cambria Math" panose="02040503050406030204" pitchFamily="18" charset="0"/>
                                       </a:rPr>
-                                      <m:t>𝒖</m:t>
+                                      <m:t>𝝓</m:t>
                                     </m:r>
                                   </m:e>
                                   <m:sub>
@@ -28549,6 +33818,51 @@
                                         <a:latin typeface="Cambria Math" panose="02040503050406030204" pitchFamily="18" charset="0"/>
                                       </a:rPr>
                                       <m:t>𝟐</m:t>
+                                    </m:r>
+                                  </m:sub>
+                                </m:sSub>
+                              </m:oMath>
+                            </m:oMathPara>
+                          </a14:m>
+                          <a:endParaRPr lang="en-US" dirty="0"/>
+                        </a:p>
+                      </a:txBody>
+                      <a:tcPr/>
+                    </a:tc>
+                    <a:tc>
+                      <a:txBody>
+                        <a:bodyPr/>
+                        <a:lstStyle/>
+                        <a:p>
+                          <a:pPr/>
+                          <a14:m>
+                            <m:oMathPara xmlns:m="http://schemas.openxmlformats.org/officeDocument/2006/math">
+                              <m:oMathParaPr>
+                                <m:jc m:val="centerGroup"/>
+                              </m:oMathParaPr>
+                              <m:oMath xmlns:m="http://schemas.openxmlformats.org/officeDocument/2006/math">
+                                <m:sSub>
+                                  <m:sSubPr>
+                                    <m:ctrlPr>
+                                      <a:rPr lang="en-US" b="1" i="1" smtClean="0">
+                                        <a:latin typeface="Cambria Math" panose="02040503050406030204" pitchFamily="18" charset="0"/>
+                                      </a:rPr>
+                                    </m:ctrlPr>
+                                  </m:sSubPr>
+                                  <m:e>
+                                    <m:r>
+                                      <a:rPr lang="en-US" b="1" i="1" smtClean="0">
+                                        <a:latin typeface="Cambria Math" panose="02040503050406030204" pitchFamily="18" charset="0"/>
+                                      </a:rPr>
+                                      <m:t>𝝓</m:t>
+                                    </m:r>
+                                  </m:e>
+                                  <m:sub>
+                                    <m:r>
+                                      <a:rPr lang="en-US" b="1" i="1" smtClean="0">
+                                        <a:latin typeface="Cambria Math" panose="02040503050406030204" pitchFamily="18" charset="0"/>
+                                      </a:rPr>
+                                      <m:t>𝟑</m:t>
                                     </m:r>
                                   </m:sub>
                                 </m:sSub>
@@ -28588,6 +33902,19 @@
                           <a:r>
                             <a:rPr lang="en-US" dirty="0"/>
                             <a:t>1</a:t>
+                          </a:r>
+                        </a:p>
+                      </a:txBody>
+                      <a:tcPr/>
+                    </a:tc>
+                    <a:tc>
+                      <a:txBody>
+                        <a:bodyPr/>
+                        <a:lstStyle/>
+                        <a:p>
+                          <a:r>
+                            <a:rPr lang="en-US" dirty="0"/>
+                            <a:t>0</a:t>
                           </a:r>
                         </a:p>
                       </a:txBody>
@@ -28652,6 +33979,19 @@
                       </a:txBody>
                       <a:tcPr/>
                     </a:tc>
+                    <a:tc>
+                      <a:txBody>
+                        <a:bodyPr/>
+                        <a:lstStyle/>
+                        <a:p>
+                          <a:r>
+                            <a:rPr lang="en-US" dirty="0"/>
+                            <a:t>0</a:t>
+                          </a:r>
+                        </a:p>
+                      </a:txBody>
+                      <a:tcPr/>
+                    </a:tc>
                     <a:extLst>
                       <a:ext uri="{0D108BD9-81ED-4DB2-BD59-A6C34878D82A}">
                         <a16:rowId xmlns:a16="http://schemas.microsoft.com/office/drawing/2014/main" val="4140835237"/>
@@ -28698,6 +34038,19 @@
                       </a:txBody>
                       <a:tcPr/>
                     </a:tc>
+                    <a:tc>
+                      <a:txBody>
+                        <a:bodyPr/>
+                        <a:lstStyle/>
+                        <a:p>
+                          <a:r>
+                            <a:rPr lang="en-US" dirty="0"/>
+                            <a:t>1</a:t>
+                          </a:r>
+                        </a:p>
+                      </a:txBody>
+                      <a:tcPr/>
+                    </a:tc>
                     <a:extLst>
                       <a:ext uri="{0D108BD9-81ED-4DB2-BD59-A6C34878D82A}">
                         <a16:rowId xmlns:a16="http://schemas.microsoft.com/office/drawing/2014/main" val="816384567"/>
@@ -28709,7 +34062,7 @@
             </a:graphic>
           </p:graphicFrame>
         </mc:Choice>
-        <mc:Fallback xmlns="">
+        <mc:Fallback>
           <p:graphicFrame>
             <p:nvGraphicFramePr>
               <p:cNvPr id="5" name="Table 4"/>
@@ -28719,14 +34072,14 @@
               <p:nvPr>
                 <p:extLst>
                   <p:ext uri="{D42A27DB-BD31-4B8C-83A1-F6EECF244321}">
-                    <p14:modId xmlns:p14="http://schemas.microsoft.com/office/powerpoint/2010/main" val="4077255416"/>
+                    <p14:modId xmlns:p14="http://schemas.microsoft.com/office/powerpoint/2010/main" val="3405838094"/>
                   </p:ext>
                 </p:extLst>
               </p:nvPr>
             </p:nvGraphicFramePr>
             <p:xfrm>
               <a:off x="9001387" y="1634066"/>
-              <a:ext cx="1795244" cy="1483360"/>
+              <a:ext cx="2843610" cy="1483360"/>
             </p:xfrm>
             <a:graphic>
               <a:graphicData uri="http://schemas.openxmlformats.org/drawingml/2006/table">
@@ -28735,24 +34088,31 @@
                     <a:tableStyleId>{5C22544A-7EE6-4342-B048-85BDC9FD1C3A}</a:tableStyleId>
                   </a:tblPr>
                   <a:tblGrid>
-                    <a:gridCol w="880844">
+                    <a:gridCol w="1118273">
                       <a:extLst>
                         <a:ext uri="{9D8B030D-6E8A-4147-A177-3AD203B41FA5}">
                           <a16:colId xmlns:a16="http://schemas.microsoft.com/office/drawing/2014/main" val="877928026"/>
                         </a:ext>
                       </a:extLst>
                     </a:gridCol>
-                    <a:gridCol w="469783">
+                    <a:gridCol w="596411">
                       <a:extLst>
                         <a:ext uri="{9D8B030D-6E8A-4147-A177-3AD203B41FA5}">
                           <a16:colId xmlns:a16="http://schemas.microsoft.com/office/drawing/2014/main" val="171685824"/>
                         </a:ext>
                       </a:extLst>
                     </a:gridCol>
-                    <a:gridCol w="444617">
+                    <a:gridCol w="564463">
                       <a:extLst>
                         <a:ext uri="{9D8B030D-6E8A-4147-A177-3AD203B41FA5}">
                           <a16:colId xmlns:a16="http://schemas.microsoft.com/office/drawing/2014/main" val="1364150264"/>
+                        </a:ext>
+                      </a:extLst>
+                    </a:gridCol>
+                    <a:gridCol w="564463">
+                      <a:extLst>
+                        <a:ext uri="{9D8B030D-6E8A-4147-A177-3AD203B41FA5}">
+                          <a16:colId xmlns:a16="http://schemas.microsoft.com/office/drawing/2014/main" val="649208355"/>
                         </a:ext>
                       </a:extLst>
                     </a:gridCol>
@@ -28765,7 +34125,7 @@
                         <a:p>
                           <a:r>
                             <a:rPr lang="en-US" dirty="0"/>
-                            <a:t>Model</a:t>
+                            <a:t>Model </a:t>
                           </a:r>
                         </a:p>
                       </a:txBody>
@@ -28783,7 +34143,7 @@
                         <a:blipFill>
                           <a:blip r:embed="rId3"/>
                           <a:stretch>
-                            <a:fillRect l="-187179" t="-8197" r="-98718" b="-324590"/>
+                            <a:fillRect l="-188776" t="-8197" r="-193878" b="-324590"/>
                           </a:stretch>
                         </a:blipFill>
                       </a:tcPr>
@@ -28800,7 +34160,24 @@
                         <a:blipFill>
                           <a:blip r:embed="rId3"/>
                           <a:stretch>
-                            <a:fillRect l="-306849" t="-8197" r="-5479" b="-324590"/>
+                            <a:fillRect l="-304301" t="-8197" r="-104301" b="-324590"/>
+                          </a:stretch>
+                        </a:blipFill>
+                      </a:tcPr>
+                    </a:tc>
+                    <a:tc>
+                      <a:txBody>
+                        <a:bodyPr/>
+                        <a:lstStyle/>
+                        <a:p>
+                          <a:endParaRPr lang="en-US"/>
+                        </a:p>
+                      </a:txBody>
+                      <a:tcPr>
+                        <a:blipFill>
+                          <a:blip r:embed="rId3"/>
+                          <a:stretch>
+                            <a:fillRect l="-404301" t="-8197" r="-4301" b="-324590"/>
                           </a:stretch>
                         </a:blipFill>
                       </a:tcPr>
@@ -28833,6 +34210,19 @@
                           <a:r>
                             <a:rPr lang="en-US" dirty="0"/>
                             <a:t>1</a:t>
+                          </a:r>
+                        </a:p>
+                      </a:txBody>
+                      <a:tcPr/>
+                    </a:tc>
+                    <a:tc>
+                      <a:txBody>
+                        <a:bodyPr/>
+                        <a:lstStyle/>
+                        <a:p>
+                          <a:r>
+                            <a:rPr lang="en-US" dirty="0"/>
+                            <a:t>0</a:t>
                           </a:r>
                         </a:p>
                       </a:txBody>
@@ -28897,6 +34287,19 @@
                       </a:txBody>
                       <a:tcPr/>
                     </a:tc>
+                    <a:tc>
+                      <a:txBody>
+                        <a:bodyPr/>
+                        <a:lstStyle/>
+                        <a:p>
+                          <a:r>
+                            <a:rPr lang="en-US" dirty="0"/>
+                            <a:t>0</a:t>
+                          </a:r>
+                        </a:p>
+                      </a:txBody>
+                      <a:tcPr/>
+                    </a:tc>
                     <a:extLst>
                       <a:ext uri="{0D108BD9-81ED-4DB2-BD59-A6C34878D82A}">
                         <a16:rowId xmlns:a16="http://schemas.microsoft.com/office/drawing/2014/main" val="4140835237"/>
@@ -28943,6 +34346,19 @@
                       </a:txBody>
                       <a:tcPr/>
                     </a:tc>
+                    <a:tc>
+                      <a:txBody>
+                        <a:bodyPr/>
+                        <a:lstStyle/>
+                        <a:p>
+                          <a:r>
+                            <a:rPr lang="en-US" dirty="0"/>
+                            <a:t>1</a:t>
+                          </a:r>
+                        </a:p>
+                      </a:txBody>
+                      <a:tcPr/>
+                    </a:tc>
                     <a:extLst>
                       <a:ext uri="{0D108BD9-81ED-4DB2-BD59-A6C34878D82A}">
                         <a16:rowId xmlns:a16="http://schemas.microsoft.com/office/drawing/2014/main" val="816384567"/>
@@ -28958,7 +34374,7 @@
     </p:spTree>
     <p:extLst>
       <p:ext uri="{BB962C8B-B14F-4D97-AF65-F5344CB8AC3E}">
-        <p14:creationId xmlns:p14="http://schemas.microsoft.com/office/powerpoint/2010/main" val="699092232"/>
+        <p14:creationId xmlns:p14="http://schemas.microsoft.com/office/powerpoint/2010/main" val="3475708432"/>
       </p:ext>
     </p:extLst>
   </p:cSld>

--- a/lectures/Lect03_MultLinRegression.pptx
+++ b/lectures/Lect03_MultLinRegression.pptx
@@ -170,6 +170,32 @@
 </p:presentation>
 </file>
 
+<file path=ppt/commentAuthors.xml><?xml version="1.0" encoding="utf-8"?>
+<p:cmAuthorLst xmlns:a="http://schemas.openxmlformats.org/drawingml/2006/main" xmlns:r="http://schemas.openxmlformats.org/officeDocument/2006/relationships" xmlns:p="http://schemas.openxmlformats.org/presentationml/2006/main">
+  <p:cmAuthor id="1" name="智立 张" initials="智立" lastIdx="2" clrIdx="0">
+    <p:extLst>
+      <p:ext uri="{19B8F6BF-5375-455C-9EA6-DF929625EA0E}">
+        <p15:presenceInfo xmlns:p15="http://schemas.microsoft.com/office/powerpoint/2012/main" userId="519ba2bfd569b408" providerId="Windows Live"/>
+      </p:ext>
+    </p:extLst>
+  </p:cmAuthor>
+</p:cmAuthorLst>
+</file>
+
+<file path=ppt/comments/comment1.xml><?xml version="1.0" encoding="utf-8"?>
+<p:cmLst xmlns:a="http://schemas.openxmlformats.org/drawingml/2006/main" xmlns:r="http://schemas.openxmlformats.org/officeDocument/2006/relationships" xmlns:p="http://schemas.openxmlformats.org/presentationml/2006/main">
+  <p:cm authorId="1" dt="2019-02-05T18:07:30.172" idx="2">
+    <p:pos x="3660" y="2985"/>
+    <p:text>Notice this could be a linear model, basically see if b's are fixed.</p:text>
+    <p:extLst>
+      <p:ext uri="{C676402C-5697-4E1C-873F-D02D1690AC5C}">
+        <p15:threadingInfo xmlns:p15="http://schemas.microsoft.com/office/powerpoint/2012/main" timeZoneBias="300"/>
+      </p:ext>
+    </p:extLst>
+  </p:cm>
+</p:cmLst>
+</file>
+
 <file path=ppt/notesMasters/notesMaster1.xml><?xml version="1.0" encoding="utf-8"?>
 <p:notesMaster xmlns:a="http://schemas.openxmlformats.org/drawingml/2006/main" xmlns:r="http://schemas.openxmlformats.org/officeDocument/2006/relationships" xmlns:p="http://schemas.openxmlformats.org/presentationml/2006/main">
   <p:cSld>
@@ -252,7 +278,7 @@
           <a:p>
             <a:fld id="{B7D6DDD3-D7E9-488B-B626-1E8285E424D8}" type="datetimeFigureOut">
               <a:rPr lang="en-US" smtClean="0"/>
-              <a:t>1/27/2019</a:t>
+              <a:t>2/5/2019</a:t>
             </a:fld>
             <a:endParaRPr lang="en-US"/>
           </a:p>
@@ -517,6 +543,90 @@
     </a:lvl9pPr>
   </p:notesStyle>
 </p:notesMaster>
+</file>
+
+<file path=ppt/notesSlides/notesSlide1.xml><?xml version="1.0" encoding="utf-8"?>
+<p:notes xmlns:a="http://schemas.openxmlformats.org/drawingml/2006/main" xmlns:r="http://schemas.openxmlformats.org/officeDocument/2006/relationships" xmlns:p="http://schemas.openxmlformats.org/presentationml/2006/main">
+  <p:cSld>
+    <p:spTree>
+      <p:nvGrpSpPr>
+        <p:cNvPr id="1" name=""/>
+        <p:cNvGrpSpPr/>
+        <p:nvPr/>
+      </p:nvGrpSpPr>
+      <p:grpSpPr>
+        <a:xfrm>
+          <a:off x="0" y="0"/>
+          <a:ext cx="0" cy="0"/>
+          <a:chOff x="0" y="0"/>
+          <a:chExt cx="0" cy="0"/>
+        </a:xfrm>
+      </p:grpSpPr>
+      <p:sp>
+        <p:nvSpPr>
+          <p:cNvPr id="2" name="Slide Image Placeholder 1"/>
+          <p:cNvSpPr>
+            <a:spLocks noGrp="1" noRot="1" noChangeAspect="1"/>
+          </p:cNvSpPr>
+          <p:nvPr>
+            <p:ph type="sldImg"/>
+          </p:nvPr>
+        </p:nvSpPr>
+        <p:spPr/>
+      </p:sp>
+      <p:sp>
+        <p:nvSpPr>
+          <p:cNvPr id="3" name="Notes Placeholder 2"/>
+          <p:cNvSpPr>
+            <a:spLocks noGrp="1"/>
+          </p:cNvSpPr>
+          <p:nvPr>
+            <p:ph type="body" idx="1"/>
+          </p:nvPr>
+        </p:nvSpPr>
+        <p:spPr/>
+        <p:txBody>
+          <a:bodyPr/>
+          <a:lstStyle/>
+          <a:p>
+            <a:endParaRPr lang="en-US" dirty="0"/>
+          </a:p>
+        </p:txBody>
+      </p:sp>
+      <p:sp>
+        <p:nvSpPr>
+          <p:cNvPr id="4" name="Slide Number Placeholder 3"/>
+          <p:cNvSpPr>
+            <a:spLocks noGrp="1"/>
+          </p:cNvSpPr>
+          <p:nvPr>
+            <p:ph type="sldNum" sz="quarter" idx="5"/>
+          </p:nvPr>
+        </p:nvSpPr>
+        <p:spPr/>
+        <p:txBody>
+          <a:bodyPr/>
+          <a:lstStyle/>
+          <a:p>
+            <a:fld id="{65CF6084-2C3C-4FE7-B181-D16A3429058A}" type="slidenum">
+              <a:rPr lang="en-US" smtClean="0"/>
+              <a:t>44</a:t>
+            </a:fld>
+            <a:endParaRPr lang="en-US"/>
+          </a:p>
+        </p:txBody>
+      </p:sp>
+    </p:spTree>
+    <p:extLst>
+      <p:ext uri="{BB962C8B-B14F-4D97-AF65-F5344CB8AC3E}">
+        <p14:creationId xmlns:p14="http://schemas.microsoft.com/office/powerpoint/2010/main" val="1599197646"/>
+      </p:ext>
+    </p:extLst>
+  </p:cSld>
+  <p:clrMapOvr>
+    <a:masterClrMapping/>
+  </p:clrMapOvr>
+</p:notes>
 </file>
 
 <file path=ppt/slideLayouts/slideLayout1.xml><?xml version="1.0" encoding="utf-8"?>
@@ -24870,8 +24980,8 @@
           </a:p>
         </p:txBody>
       </p:sp>
-      <mc:AlternateContent xmlns:mc="http://schemas.openxmlformats.org/markup-compatibility/2006">
-        <mc:Choice xmlns:a14="http://schemas.microsoft.com/office/drawing/2010/main" Requires="a14">
+      <mc:AlternateContent xmlns:mc="http://schemas.openxmlformats.org/markup-compatibility/2006" xmlns:a14="http://schemas.microsoft.com/office/drawing/2010/main">
+        <mc:Choice Requires="a14">
           <p:sp>
             <p:nvSpPr>
               <p:cNvPr id="3" name="Content Placeholder 2">
@@ -25744,7 +25854,7 @@
             </p:txBody>
           </p:sp>
         </mc:Choice>
-        <mc:Fallback>
+        <mc:Fallback xmlns="">
           <p:sp>
             <p:nvSpPr>
               <p:cNvPr id="3" name="Content Placeholder 2">
@@ -26046,8 +26156,8 @@
           </a:p>
         </p:txBody>
       </p:sp>
-      <mc:AlternateContent xmlns:mc="http://schemas.openxmlformats.org/markup-compatibility/2006">
-        <mc:Choice xmlns:a14="http://schemas.microsoft.com/office/drawing/2010/main" Requires="a14">
+      <mc:AlternateContent xmlns:mc="http://schemas.openxmlformats.org/markup-compatibility/2006" xmlns:a14="http://schemas.microsoft.com/office/drawing/2010/main">
+        <mc:Choice Requires="a14">
           <p:sp>
             <p:nvSpPr>
               <p:cNvPr id="3" name="Content Placeholder 2">
@@ -26945,7 +27055,7 @@
             </p:txBody>
           </p:sp>
         </mc:Choice>
-        <mc:Fallback>
+        <mc:Fallback xmlns="">
           <p:sp>
             <p:nvSpPr>
               <p:cNvPr id="3" name="Content Placeholder 2">
@@ -27066,8 +27176,8 @@
           </a:p>
         </p:txBody>
       </p:sp>
-      <mc:AlternateContent xmlns:mc="http://schemas.openxmlformats.org/markup-compatibility/2006">
-        <mc:Choice xmlns:a14="http://schemas.microsoft.com/office/drawing/2010/main" Requires="a14">
+      <mc:AlternateContent xmlns:mc="http://schemas.openxmlformats.org/markup-compatibility/2006" xmlns:a14="http://schemas.microsoft.com/office/drawing/2010/main">
+        <mc:Choice Requires="a14">
           <p:sp>
             <p:nvSpPr>
               <p:cNvPr id="3" name="Content Placeholder 2"/>
@@ -28181,7 +28291,7 @@
             </p:txBody>
           </p:sp>
         </mc:Choice>
-        <mc:Fallback>
+        <mc:Fallback xmlns="">
           <p:sp>
             <p:nvSpPr>
               <p:cNvPr id="3" name="Content Placeholder 2"/>
@@ -28324,8 +28434,8 @@
           </a:p>
         </p:txBody>
       </p:sp>
-      <mc:AlternateContent xmlns:mc="http://schemas.openxmlformats.org/markup-compatibility/2006">
-        <mc:Choice xmlns:a14="http://schemas.microsoft.com/office/drawing/2010/main" Requires="a14">
+      <mc:AlternateContent xmlns:mc="http://schemas.openxmlformats.org/markup-compatibility/2006" xmlns:a14="http://schemas.microsoft.com/office/drawing/2010/main">
+        <mc:Choice Requires="a14">
           <p:sp>
             <p:nvSpPr>
               <p:cNvPr id="3" name="Content Placeholder 2">
@@ -29345,7 +29455,7 @@
                     <m:sSub>
                       <m:sSubPr>
                         <m:ctrlPr>
-                          <a:rPr lang="en-US" b="0" i="0" smtClean="0">
+                          <a:rPr lang="en-US" b="0" i="1" smtClean="0">
                             <a:latin typeface="Cambria Math" panose="02040503050406030204" pitchFamily="18" charset="0"/>
                           </a:rPr>
                         </m:ctrlPr>
@@ -29370,7 +29480,7 @@
                     <m:sSup>
                       <m:sSupPr>
                         <m:ctrlPr>
-                          <a:rPr lang="en-US" b="0" i="0" smtClean="0">
+                          <a:rPr lang="en-US" b="0" i="1" smtClean="0">
                             <a:latin typeface="Cambria Math" panose="02040503050406030204" pitchFamily="18" charset="0"/>
                           </a:rPr>
                         </m:ctrlPr>
@@ -30046,7 +30156,7 @@
             </p:txBody>
           </p:sp>
         </mc:Choice>
-        <mc:Fallback>
+        <mc:Fallback xmlns="">
           <p:sp>
             <p:nvSpPr>
               <p:cNvPr id="3" name="Content Placeholder 2">
@@ -30173,8 +30283,8 @@
           </a:p>
         </p:txBody>
       </p:sp>
-      <mc:AlternateContent xmlns:mc="http://schemas.openxmlformats.org/markup-compatibility/2006">
-        <mc:Choice xmlns:a14="http://schemas.microsoft.com/office/drawing/2010/main" Requires="a14">
+      <mc:AlternateContent xmlns:mc="http://schemas.openxmlformats.org/markup-compatibility/2006" xmlns:a14="http://schemas.microsoft.com/office/drawing/2010/main">
+        <mc:Choice Requires="a14">
           <p:sp>
             <p:nvSpPr>
               <p:cNvPr id="3" name="Content Placeholder 2">
@@ -31313,7 +31423,7 @@
             </p:txBody>
           </p:sp>
         </mc:Choice>
-        <mc:Fallback>
+        <mc:Fallback xmlns="">
           <p:sp>
             <p:nvSpPr>
               <p:cNvPr id="3" name="Content Placeholder 2">
@@ -32369,7 +32479,7 @@
             </p:nvSpPr>
             <p:spPr>
               <a:blipFill>
-                <a:blip r:embed="rId2"/>
+                <a:blip r:embed="rId3"/>
                 <a:stretch>
                   <a:fillRect l="-1261" t="-1754" b="-2047"/>
                 </a:stretch>
@@ -32422,7 +32532,7 @@
           <p:nvPr/>
         </p:nvPicPr>
         <p:blipFill>
-          <a:blip r:embed="rId3"/>
+          <a:blip r:embed="rId4"/>
           <a:stretch>
             <a:fillRect/>
           </a:stretch>
@@ -32489,8 +32599,8 @@
           </a:p>
         </p:txBody>
       </p:sp>
-      <mc:AlternateContent xmlns:mc="http://schemas.openxmlformats.org/markup-compatibility/2006">
-        <mc:Choice xmlns:a14="http://schemas.microsoft.com/office/drawing/2010/main" Requires="a14">
+      <mc:AlternateContent xmlns:mc="http://schemas.openxmlformats.org/markup-compatibility/2006" xmlns:a14="http://schemas.microsoft.com/office/drawing/2010/main">
+        <mc:Choice Requires="a14">
           <p:sp>
             <p:nvSpPr>
               <p:cNvPr id="3" name="Content Placeholder 2"/>
@@ -33611,7 +33721,7 @@
             </p:txBody>
           </p:sp>
         </mc:Choice>
-        <mc:Fallback>
+        <mc:Fallback xmlns="">
           <p:sp>
             <p:nvSpPr>
               <p:cNvPr id="3" name="Content Placeholder 2"/>
@@ -33672,8 +33782,8 @@
           </a:p>
         </p:txBody>
       </p:sp>
-      <mc:AlternateContent xmlns:mc="http://schemas.openxmlformats.org/markup-compatibility/2006">
-        <mc:Choice xmlns:a14="http://schemas.microsoft.com/office/drawing/2010/main" Requires="a14">
+      <mc:AlternateContent xmlns:mc="http://schemas.openxmlformats.org/markup-compatibility/2006" xmlns:a14="http://schemas.microsoft.com/office/drawing/2010/main">
+        <mc:Choice Requires="a14">
           <p:graphicFrame>
             <p:nvGraphicFramePr>
               <p:cNvPr id="5" name="Table 4"/>
@@ -34062,7 +34172,7 @@
             </a:graphic>
           </p:graphicFrame>
         </mc:Choice>
-        <mc:Fallback>
+        <mc:Fallback xmlns="">
           <p:graphicFrame>
             <p:nvGraphicFramePr>
               <p:cNvPr id="5" name="Table 4"/>
